--- a/docker-container.pptx
+++ b/docker-container.pptx
@@ -5,10 +5,10 @@
     <p:sldMasterId id="2147483648" r:id="rId1"/>
   </p:sldMasterIdLst>
   <p:notesMasterIdLst>
-    <p:notesMasterId r:id="rId10"/>
+    <p:notesMasterId r:id="rId13"/>
   </p:notesMasterIdLst>
   <p:handoutMasterIdLst>
-    <p:handoutMasterId r:id="rId11"/>
+    <p:handoutMasterId r:id="rId14"/>
   </p:handoutMasterIdLst>
   <p:sldIdLst>
     <p:sldId id="256" r:id="rId2"/>
@@ -19,6 +19,9 @@
     <p:sldId id="262" r:id="rId7"/>
     <p:sldId id="261" r:id="rId8"/>
     <p:sldId id="263" r:id="rId9"/>
+    <p:sldId id="266" r:id="rId10"/>
+    <p:sldId id="265" r:id="rId11"/>
+    <p:sldId id="264" r:id="rId12"/>
   </p:sldIdLst>
   <p:sldSz cx="12192000" cy="6858000"/>
   <p:notesSz cx="6858000" cy="9144000"/>
@@ -222,7 +225,7 @@
           <a:p>
             <a:fld id="{99A0C20C-7A18-40C8-9999-BDC67FBB8458}" type="datetimeFigureOut">
               <a:rPr kumimoji="1" lang="ja-JP" altLang="en-US" smtClean="0"/>
-              <a:t>2024/5/18</a:t>
+              <a:t>2024/5/22</a:t>
             </a:fld>
             <a:endParaRPr kumimoji="1" lang="ja-JP" altLang="en-US"/>
           </a:p>
@@ -358,7 +361,7 @@
           <a:p>
             <a:fld id="{B0B4522C-AFC9-41CE-A894-3AD9CAFBC704}" type="datetimeFigureOut">
               <a:rPr kumimoji="1" lang="ja-JP" altLang="en-US" smtClean="0"/>
-              <a:t>2024/5/18</a:t>
+              <a:t>2024/5/22</a:t>
             </a:fld>
             <a:endParaRPr kumimoji="1" lang="ja-JP" altLang="en-US"/>
           </a:p>
@@ -815,7 +818,7 @@
           <a:p>
             <a:fld id="{FC205792-3F04-46B6-8D68-E8B7A9B2EC46}" type="datetimeFigureOut">
               <a:rPr kumimoji="1" lang="ja-JP" altLang="en-US" smtClean="0"/>
-              <a:t>2024/5/18</a:t>
+              <a:t>2024/5/22</a:t>
             </a:fld>
             <a:endParaRPr kumimoji="1" lang="ja-JP" altLang="en-US"/>
           </a:p>
@@ -1099,7 +1102,7 @@
           <a:p>
             <a:fld id="{FC205792-3F04-46B6-8D68-E8B7A9B2EC46}" type="datetimeFigureOut">
               <a:rPr kumimoji="1" lang="ja-JP" altLang="en-US" smtClean="0"/>
-              <a:t>2024/5/18</a:t>
+              <a:t>2024/5/22</a:t>
             </a:fld>
             <a:endParaRPr kumimoji="1" lang="ja-JP" altLang="en-US"/>
           </a:p>
@@ -1339,7 +1342,7 @@
           <a:p>
             <a:fld id="{FC205792-3F04-46B6-8D68-E8B7A9B2EC46}" type="datetimeFigureOut">
               <a:rPr kumimoji="1" lang="ja-JP" altLang="en-US" smtClean="0"/>
-              <a:t>2024/5/18</a:t>
+              <a:t>2024/5/22</a:t>
             </a:fld>
             <a:endParaRPr kumimoji="1" lang="ja-JP" altLang="en-US"/>
           </a:p>
@@ -1488,7 +1491,7 @@
             <a:lvl1pPr>
               <a:defRPr b="1">
                 <a:solidFill>
-                  <a:schemeClr val="accent2"/>
+                  <a:schemeClr val="accent1"/>
                 </a:solidFill>
               </a:defRPr>
             </a:lvl1pPr>
@@ -1605,7 +1608,7 @@
           <a:p>
             <a:fld id="{FC205792-3F04-46B6-8D68-E8B7A9B2EC46}" type="datetimeFigureOut">
               <a:rPr kumimoji="1" lang="ja-JP" altLang="en-US" smtClean="0"/>
-              <a:t>2024/5/18</a:t>
+              <a:t>2024/5/22</a:t>
             </a:fld>
             <a:endParaRPr kumimoji="1" lang="ja-JP" altLang="en-US"/>
           </a:p>
@@ -1934,7 +1937,7 @@
           <a:p>
             <a:fld id="{FC205792-3F04-46B6-8D68-E8B7A9B2EC46}" type="datetimeFigureOut">
               <a:rPr kumimoji="1" lang="ja-JP" altLang="en-US" smtClean="0"/>
-              <a:t>2024/5/18</a:t>
+              <a:t>2024/5/22</a:t>
             </a:fld>
             <a:endParaRPr kumimoji="1" lang="ja-JP" altLang="en-US"/>
           </a:p>
@@ -2089,7 +2092,7 @@
             <a:lvl1pPr>
               <a:defRPr b="1">
                 <a:solidFill>
-                  <a:schemeClr val="accent2"/>
+                  <a:schemeClr val="accent1"/>
                 </a:solidFill>
               </a:defRPr>
             </a:lvl1pPr>
@@ -2280,7 +2283,7 @@
           <a:p>
             <a:fld id="{FC205792-3F04-46B6-8D68-E8B7A9B2EC46}" type="datetimeFigureOut">
               <a:rPr kumimoji="1" lang="ja-JP" altLang="en-US" smtClean="0"/>
-              <a:t>2024/5/18</a:t>
+              <a:t>2024/5/22</a:t>
             </a:fld>
             <a:endParaRPr kumimoji="1" lang="ja-JP" altLang="en-US"/>
           </a:p>
@@ -2756,7 +2759,7 @@
           <a:p>
             <a:fld id="{FC205792-3F04-46B6-8D68-E8B7A9B2EC46}" type="datetimeFigureOut">
               <a:rPr kumimoji="1" lang="ja-JP" altLang="en-US" smtClean="0"/>
-              <a:t>2024/5/18</a:t>
+              <a:t>2024/5/22</a:t>
             </a:fld>
             <a:endParaRPr kumimoji="1" lang="ja-JP" altLang="en-US"/>
           </a:p>
@@ -2897,7 +2900,7 @@
           <a:p>
             <a:fld id="{FC205792-3F04-46B6-8D68-E8B7A9B2EC46}" type="datetimeFigureOut">
               <a:rPr kumimoji="1" lang="ja-JP" altLang="en-US" smtClean="0"/>
-              <a:t>2024/5/18</a:t>
+              <a:t>2024/5/22</a:t>
             </a:fld>
             <a:endParaRPr kumimoji="1" lang="ja-JP" altLang="en-US"/>
           </a:p>
@@ -3010,7 +3013,7 @@
           <a:p>
             <a:fld id="{FC205792-3F04-46B6-8D68-E8B7A9B2EC46}" type="datetimeFigureOut">
               <a:rPr kumimoji="1" lang="ja-JP" altLang="en-US" smtClean="0"/>
-              <a:t>2024/5/18</a:t>
+              <a:t>2024/5/22</a:t>
             </a:fld>
             <a:endParaRPr kumimoji="1" lang="ja-JP" altLang="en-US"/>
           </a:p>
@@ -3353,7 +3356,7 @@
           <a:p>
             <a:fld id="{FC205792-3F04-46B6-8D68-E8B7A9B2EC46}" type="datetimeFigureOut">
               <a:rPr kumimoji="1" lang="ja-JP" altLang="en-US" smtClean="0"/>
-              <a:t>2024/5/18</a:t>
+              <a:t>2024/5/22</a:t>
             </a:fld>
             <a:endParaRPr kumimoji="1" lang="ja-JP" altLang="en-US"/>
           </a:p>
@@ -3641,7 +3644,7 @@
           <a:p>
             <a:fld id="{FC205792-3F04-46B6-8D68-E8B7A9B2EC46}" type="datetimeFigureOut">
               <a:rPr kumimoji="1" lang="ja-JP" altLang="en-US" smtClean="0"/>
-              <a:t>2024/5/18</a:t>
+              <a:t>2024/5/22</a:t>
             </a:fld>
             <a:endParaRPr kumimoji="1" lang="ja-JP" altLang="en-US"/>
           </a:p>
@@ -3914,7 +3917,7 @@
           <a:p>
             <a:fld id="{FC205792-3F04-46B6-8D68-E8B7A9B2EC46}" type="datetimeFigureOut">
               <a:rPr kumimoji="1" lang="ja-JP" altLang="en-US" smtClean="0"/>
-              <a:t>2024/5/18</a:t>
+              <a:t>2024/5/22</a:t>
             </a:fld>
             <a:endParaRPr kumimoji="1" lang="ja-JP" altLang="en-US"/>
           </a:p>
@@ -4489,6 +4492,357 @@
 </p:sld>
 </file>
 
+<file path=ppt/slides/slide10.xml><?xml version="1.0" encoding="utf-8"?>
+<p:sld xmlns:a="http://schemas.openxmlformats.org/drawingml/2006/main" xmlns:r="http://schemas.openxmlformats.org/officeDocument/2006/relationships" xmlns:p="http://schemas.openxmlformats.org/presentationml/2006/main">
+  <p:cSld>
+    <p:spTree>
+      <p:nvGrpSpPr>
+        <p:cNvPr id="1" name=""/>
+        <p:cNvGrpSpPr/>
+        <p:nvPr/>
+      </p:nvGrpSpPr>
+      <p:grpSpPr>
+        <a:xfrm>
+          <a:off x="0" y="0"/>
+          <a:ext cx="0" cy="0"/>
+          <a:chOff x="0" y="0"/>
+          <a:chExt cx="0" cy="0"/>
+        </a:xfrm>
+      </p:grpSpPr>
+      <p:sp>
+        <p:nvSpPr>
+          <p:cNvPr id="2" name="タイトル 1">
+            <a:extLst>
+              <a:ext uri="{FF2B5EF4-FFF2-40B4-BE49-F238E27FC236}">
+                <a16:creationId xmlns:a16="http://schemas.microsoft.com/office/drawing/2014/main" id="{5D85131E-AB32-0C13-F928-0BC8C7E25614}"/>
+              </a:ext>
+            </a:extLst>
+          </p:cNvPr>
+          <p:cNvSpPr>
+            <a:spLocks noGrp="1"/>
+          </p:cNvSpPr>
+          <p:nvPr>
+            <p:ph type="title"/>
+          </p:nvPr>
+        </p:nvSpPr>
+        <p:spPr/>
+        <p:txBody>
+          <a:bodyPr/>
+          <a:lstStyle/>
+          <a:p>
+            <a:r>
+              <a:rPr kumimoji="1" lang="ja-JP" altLang="en-US" dirty="0"/>
+              <a:t>用語</a:t>
+            </a:r>
+          </a:p>
+        </p:txBody>
+      </p:sp>
+      <p:sp>
+        <p:nvSpPr>
+          <p:cNvPr id="3" name="コンテンツ プレースホルダー 2">
+            <a:extLst>
+              <a:ext uri="{FF2B5EF4-FFF2-40B4-BE49-F238E27FC236}">
+                <a16:creationId xmlns:a16="http://schemas.microsoft.com/office/drawing/2014/main" id="{E1842FAB-83F8-8740-EA6D-D4B6CB48EB62}"/>
+              </a:ext>
+            </a:extLst>
+          </p:cNvPr>
+          <p:cNvSpPr>
+            <a:spLocks noGrp="1"/>
+          </p:cNvSpPr>
+          <p:nvPr>
+            <p:ph idx="1"/>
+          </p:nvPr>
+        </p:nvSpPr>
+        <p:spPr/>
+        <p:txBody>
+          <a:bodyPr/>
+          <a:lstStyle/>
+          <a:p>
+            <a:r>
+              <a:rPr kumimoji="1" lang="en-US" altLang="ja-JP" dirty="0"/>
+              <a:t>Docker file</a:t>
+            </a:r>
+          </a:p>
+          <a:p>
+            <a:r>
+              <a:rPr lang="en-US" altLang="ja-JP" dirty="0"/>
+              <a:t>Docker image</a:t>
+            </a:r>
+          </a:p>
+          <a:p>
+            <a:r>
+              <a:rPr kumimoji="1" lang="en-US" altLang="ja-JP" dirty="0"/>
+              <a:t>Docker container</a:t>
+            </a:r>
+          </a:p>
+          <a:p>
+            <a:r>
+              <a:rPr lang="en-US" altLang="ja-JP" dirty="0"/>
+              <a:t>Docker Hub</a:t>
+            </a:r>
+            <a:endParaRPr kumimoji="1" lang="en-US" altLang="ja-JP" dirty="0"/>
+          </a:p>
+          <a:p>
+            <a:pPr lvl="2"/>
+            <a:endParaRPr kumimoji="1" lang="ja-JP" altLang="en-US" dirty="0"/>
+          </a:p>
+        </p:txBody>
+      </p:sp>
+      <p:sp>
+        <p:nvSpPr>
+          <p:cNvPr id="4" name="テキスト ボックス 3">
+            <a:extLst>
+              <a:ext uri="{FF2B5EF4-FFF2-40B4-BE49-F238E27FC236}">
+                <a16:creationId xmlns:a16="http://schemas.microsoft.com/office/drawing/2014/main" id="{DA317149-12A0-92F9-65EE-02DF436B7134}"/>
+              </a:ext>
+            </a:extLst>
+          </p:cNvPr>
+          <p:cNvSpPr txBox="1"/>
+          <p:nvPr/>
+        </p:nvSpPr>
+        <p:spPr>
+          <a:xfrm>
+            <a:off x="76200" y="85725"/>
+            <a:ext cx="3676650" cy="369332"/>
+          </a:xfrm>
+          <a:prstGeom prst="rect">
+            <a:avLst/>
+          </a:prstGeom>
+          <a:noFill/>
+        </p:spPr>
+        <p:txBody>
+          <a:bodyPr wrap="square" rtlCol="0">
+            <a:spAutoFit/>
+          </a:bodyPr>
+          <a:lstStyle/>
+          <a:p>
+            <a:r>
+              <a:rPr kumimoji="1" lang="en-US" altLang="ja-JP" dirty="0"/>
+              <a:t> </a:t>
+            </a:r>
+            <a:r>
+              <a:rPr kumimoji="1" lang="en-US" altLang="ja-JP" b="1" dirty="0">
+                <a:solidFill>
+                  <a:schemeClr val="tx1">
+                    <a:lumMod val="85000"/>
+                    <a:lumOff val="15000"/>
+                  </a:schemeClr>
+                </a:solidFill>
+              </a:rPr>
+              <a:t>3. </a:t>
+            </a:r>
+            <a:r>
+              <a:rPr lang="ja-JP" altLang="en-US" b="1" dirty="0">
+                <a:solidFill>
+                  <a:schemeClr val="tx1">
+                    <a:lumMod val="85000"/>
+                    <a:lumOff val="15000"/>
+                  </a:schemeClr>
+                </a:solidFill>
+              </a:rPr>
+              <a:t>主要アーキテクチャ</a:t>
+            </a:r>
+            <a:endParaRPr kumimoji="1" lang="ja-JP" altLang="en-US" b="1" dirty="0">
+              <a:solidFill>
+                <a:schemeClr val="tx1">
+                  <a:lumMod val="85000"/>
+                  <a:lumOff val="15000"/>
+                </a:schemeClr>
+              </a:solidFill>
+            </a:endParaRPr>
+          </a:p>
+        </p:txBody>
+      </p:sp>
+    </p:spTree>
+    <p:extLst>
+      <p:ext uri="{BB962C8B-B14F-4D97-AF65-F5344CB8AC3E}">
+        <p14:creationId xmlns:p14="http://schemas.microsoft.com/office/powerpoint/2010/main" val="43114881"/>
+      </p:ext>
+    </p:extLst>
+  </p:cSld>
+  <p:clrMapOvr>
+    <a:masterClrMapping/>
+  </p:clrMapOvr>
+</p:sld>
+</file>
+
+<file path=ppt/slides/slide11.xml><?xml version="1.0" encoding="utf-8"?>
+<p:sld xmlns:a="http://schemas.openxmlformats.org/drawingml/2006/main" xmlns:r="http://schemas.openxmlformats.org/officeDocument/2006/relationships" xmlns:p="http://schemas.openxmlformats.org/presentationml/2006/main">
+  <p:cSld>
+    <p:spTree>
+      <p:nvGrpSpPr>
+        <p:cNvPr id="1" name=""/>
+        <p:cNvGrpSpPr/>
+        <p:nvPr/>
+      </p:nvGrpSpPr>
+      <p:grpSpPr>
+        <a:xfrm>
+          <a:off x="0" y="0"/>
+          <a:ext cx="0" cy="0"/>
+          <a:chOff x="0" y="0"/>
+          <a:chExt cx="0" cy="0"/>
+        </a:xfrm>
+      </p:grpSpPr>
+      <p:sp>
+        <p:nvSpPr>
+          <p:cNvPr id="2" name="タイトル 1">
+            <a:extLst>
+              <a:ext uri="{FF2B5EF4-FFF2-40B4-BE49-F238E27FC236}">
+                <a16:creationId xmlns:a16="http://schemas.microsoft.com/office/drawing/2014/main" id="{5D85131E-AB32-0C13-F928-0BC8C7E25614}"/>
+              </a:ext>
+            </a:extLst>
+          </p:cNvPr>
+          <p:cNvSpPr>
+            <a:spLocks noGrp="1"/>
+          </p:cNvSpPr>
+          <p:nvPr>
+            <p:ph type="title"/>
+          </p:nvPr>
+        </p:nvSpPr>
+        <p:spPr/>
+        <p:txBody>
+          <a:bodyPr/>
+          <a:lstStyle/>
+          <a:p>
+            <a:r>
+              <a:rPr kumimoji="1" lang="ja-JP" altLang="en-US" dirty="0"/>
+              <a:t>用語</a:t>
+            </a:r>
+          </a:p>
+        </p:txBody>
+      </p:sp>
+      <p:sp>
+        <p:nvSpPr>
+          <p:cNvPr id="3" name="コンテンツ プレースホルダー 2">
+            <a:extLst>
+              <a:ext uri="{FF2B5EF4-FFF2-40B4-BE49-F238E27FC236}">
+                <a16:creationId xmlns:a16="http://schemas.microsoft.com/office/drawing/2014/main" id="{E1842FAB-83F8-8740-EA6D-D4B6CB48EB62}"/>
+              </a:ext>
+            </a:extLst>
+          </p:cNvPr>
+          <p:cNvSpPr>
+            <a:spLocks noGrp="1"/>
+          </p:cNvSpPr>
+          <p:nvPr>
+            <p:ph idx="1"/>
+          </p:nvPr>
+        </p:nvSpPr>
+        <p:spPr/>
+        <p:txBody>
+          <a:bodyPr/>
+          <a:lstStyle/>
+          <a:p>
+            <a:r>
+              <a:rPr kumimoji="1" lang="en-US" altLang="ja-JP" dirty="0"/>
+              <a:t>Docker file</a:t>
+            </a:r>
+          </a:p>
+          <a:p>
+            <a:pPr lvl="2"/>
+            <a:endParaRPr kumimoji="1" lang="ja-JP" altLang="en-US" dirty="0"/>
+          </a:p>
+        </p:txBody>
+      </p:sp>
+      <p:sp>
+        <p:nvSpPr>
+          <p:cNvPr id="4" name="テキスト ボックス 3">
+            <a:extLst>
+              <a:ext uri="{FF2B5EF4-FFF2-40B4-BE49-F238E27FC236}">
+                <a16:creationId xmlns:a16="http://schemas.microsoft.com/office/drawing/2014/main" id="{DA317149-12A0-92F9-65EE-02DF436B7134}"/>
+              </a:ext>
+            </a:extLst>
+          </p:cNvPr>
+          <p:cNvSpPr txBox="1"/>
+          <p:nvPr/>
+        </p:nvSpPr>
+        <p:spPr>
+          <a:xfrm>
+            <a:off x="76200" y="85725"/>
+            <a:ext cx="3676650" cy="369332"/>
+          </a:xfrm>
+          <a:prstGeom prst="rect">
+            <a:avLst/>
+          </a:prstGeom>
+          <a:noFill/>
+        </p:spPr>
+        <p:txBody>
+          <a:bodyPr wrap="square" rtlCol="0">
+            <a:spAutoFit/>
+          </a:bodyPr>
+          <a:lstStyle/>
+          <a:p>
+            <a:r>
+              <a:rPr kumimoji="1" lang="en-US" altLang="ja-JP" dirty="0"/>
+              <a:t> </a:t>
+            </a:r>
+            <a:r>
+              <a:rPr kumimoji="1" lang="en-US" altLang="ja-JP" b="1" dirty="0">
+                <a:solidFill>
+                  <a:schemeClr val="tx1">
+                    <a:lumMod val="85000"/>
+                    <a:lumOff val="15000"/>
+                  </a:schemeClr>
+                </a:solidFill>
+              </a:rPr>
+              <a:t>3. </a:t>
+            </a:r>
+            <a:r>
+              <a:rPr lang="ja-JP" altLang="en-US" b="1" dirty="0">
+                <a:solidFill>
+                  <a:schemeClr val="tx1">
+                    <a:lumMod val="85000"/>
+                    <a:lumOff val="15000"/>
+                  </a:schemeClr>
+                </a:solidFill>
+              </a:rPr>
+              <a:t>主要アーキテクチャ </a:t>
+            </a:r>
+            <a:r>
+              <a:rPr lang="en-US" altLang="ja-JP" b="1" dirty="0">
+                <a:solidFill>
+                  <a:schemeClr val="tx1">
+                    <a:lumMod val="85000"/>
+                    <a:lumOff val="15000"/>
+                  </a:schemeClr>
+                </a:solidFill>
+              </a:rPr>
+              <a:t>&gt; </a:t>
+            </a:r>
+            <a:r>
+              <a:rPr lang="ja-JP" altLang="en-US" b="1" dirty="0">
+                <a:solidFill>
+                  <a:schemeClr val="tx1">
+                    <a:lumMod val="85000"/>
+                    <a:lumOff val="15000"/>
+                  </a:schemeClr>
+                </a:solidFill>
+              </a:rPr>
+              <a:t>用語</a:t>
+            </a:r>
+            <a:endParaRPr kumimoji="1" lang="ja-JP" altLang="en-US" b="1" dirty="0">
+              <a:solidFill>
+                <a:schemeClr val="tx1">
+                  <a:lumMod val="85000"/>
+                  <a:lumOff val="15000"/>
+                </a:schemeClr>
+              </a:solidFill>
+            </a:endParaRPr>
+          </a:p>
+        </p:txBody>
+      </p:sp>
+    </p:spTree>
+    <p:extLst>
+      <p:ext uri="{BB962C8B-B14F-4D97-AF65-F5344CB8AC3E}">
+        <p14:creationId xmlns:p14="http://schemas.microsoft.com/office/powerpoint/2010/main" val="1779892532"/>
+      </p:ext>
+    </p:extLst>
+  </p:cSld>
+  <p:clrMapOvr>
+    <a:masterClrMapping/>
+  </p:clrMapOvr>
+</p:sld>
+</file>
+
 <file path=ppt/slides/slide2.xml><?xml version="1.0" encoding="utf-8"?>
 <p:sld xmlns:a="http://schemas.openxmlformats.org/drawingml/2006/main" xmlns:r="http://schemas.openxmlformats.org/officeDocument/2006/relationships" xmlns:p="http://schemas.openxmlformats.org/presentationml/2006/main">
   <p:cSld>
@@ -4560,10 +4914,18 @@
               <a:buAutoNum type="arabicPeriod"/>
             </a:pPr>
             <a:r>
-              <a:rPr lang="ja-JP" altLang="en-US" dirty="0"/>
+              <a:rPr lang="ja-JP" altLang="en-US" dirty="0">
+                <a:solidFill>
+                  <a:schemeClr val="accent1"/>
+                </a:solidFill>
+              </a:rPr>
               <a:t>コンテナとは</a:t>
             </a:r>
-            <a:endParaRPr lang="en-US" altLang="ja-JP" dirty="0"/>
+            <a:endParaRPr lang="en-US" altLang="ja-JP" dirty="0">
+              <a:solidFill>
+                <a:schemeClr val="accent1"/>
+              </a:solidFill>
+            </a:endParaRPr>
           </a:p>
           <a:p>
             <a:pPr marL="514350" indent="-514350">
@@ -4571,14 +4933,26 @@
               <a:buAutoNum type="arabicPeriod"/>
             </a:pPr>
             <a:r>
-              <a:rPr lang="en-US" altLang="ja-JP" dirty="0"/>
+              <a:rPr lang="en-US" altLang="ja-JP" dirty="0">
+                <a:solidFill>
+                  <a:schemeClr val="accent1"/>
+                </a:solidFill>
+              </a:rPr>
               <a:t>Docker</a:t>
             </a:r>
             <a:r>
-              <a:rPr lang="ja-JP" altLang="en-US" dirty="0"/>
+              <a:rPr lang="ja-JP" altLang="en-US" dirty="0">
+                <a:solidFill>
+                  <a:schemeClr val="accent1"/>
+                </a:solidFill>
+              </a:rPr>
               <a:t>とは</a:t>
             </a:r>
-            <a:endParaRPr lang="en-US" altLang="ja-JP" dirty="0"/>
+            <a:endParaRPr lang="en-US" altLang="ja-JP" dirty="0">
+              <a:solidFill>
+                <a:schemeClr val="accent1"/>
+              </a:solidFill>
+            </a:endParaRPr>
           </a:p>
           <a:p>
             <a:pPr marL="514350" indent="-514350">
@@ -4586,10 +4960,18 @@
               <a:buAutoNum type="arabicPeriod"/>
             </a:pPr>
             <a:r>
-              <a:rPr kumimoji="1" lang="ja-JP" altLang="en-US" dirty="0"/>
+              <a:rPr kumimoji="1" lang="ja-JP" altLang="en-US" dirty="0">
+                <a:solidFill>
+                  <a:schemeClr val="accent1"/>
+                </a:solidFill>
+              </a:rPr>
               <a:t>主要アーキテクチャ</a:t>
             </a:r>
-            <a:endParaRPr kumimoji="1" lang="en-US" altLang="ja-JP" dirty="0"/>
+            <a:endParaRPr kumimoji="1" lang="en-US" altLang="ja-JP" dirty="0">
+              <a:solidFill>
+                <a:schemeClr val="accent1"/>
+              </a:solidFill>
+            </a:endParaRPr>
           </a:p>
           <a:p>
             <a:pPr marL="514350" indent="-514350">
@@ -4597,18 +4979,34 @@
               <a:buAutoNum type="arabicPeriod"/>
             </a:pPr>
             <a:r>
-              <a:rPr lang="ja-JP" altLang="en-US" dirty="0"/>
+              <a:rPr lang="ja-JP" altLang="en-US" dirty="0">
+                <a:solidFill>
+                  <a:schemeClr val="accent1"/>
+                </a:solidFill>
+              </a:rPr>
               <a:t>長所</a:t>
             </a:r>
             <a:r>
-              <a:rPr lang="en-US" altLang="ja-JP" dirty="0"/>
+              <a:rPr lang="en-US" altLang="ja-JP" dirty="0">
+                <a:solidFill>
+                  <a:schemeClr val="accent1"/>
+                </a:solidFill>
+              </a:rPr>
               <a:t>/</a:t>
             </a:r>
             <a:r>
-              <a:rPr lang="ja-JP" altLang="en-US" dirty="0"/>
+              <a:rPr lang="ja-JP" altLang="en-US" dirty="0">
+                <a:solidFill>
+                  <a:schemeClr val="accent1"/>
+                </a:solidFill>
+              </a:rPr>
               <a:t>短所</a:t>
             </a:r>
-            <a:endParaRPr lang="en-US" altLang="ja-JP" dirty="0"/>
+            <a:endParaRPr lang="en-US" altLang="ja-JP" dirty="0">
+              <a:solidFill>
+                <a:schemeClr val="accent1"/>
+              </a:solidFill>
+            </a:endParaRPr>
           </a:p>
           <a:p>
             <a:pPr marL="514350" indent="-514350">
@@ -4616,10 +5014,18 @@
               <a:buAutoNum type="arabicPeriod"/>
             </a:pPr>
             <a:r>
-              <a:rPr kumimoji="1" lang="ja-JP" altLang="en-US" dirty="0"/>
+              <a:rPr kumimoji="1" lang="ja-JP" altLang="en-US" dirty="0">
+                <a:solidFill>
+                  <a:schemeClr val="accent1"/>
+                </a:solidFill>
+              </a:rPr>
               <a:t>まとめ</a:t>
             </a:r>
-            <a:endParaRPr kumimoji="1" lang="en-US" altLang="ja-JP" dirty="0"/>
+            <a:endParaRPr kumimoji="1" lang="en-US" altLang="ja-JP" dirty="0">
+              <a:solidFill>
+                <a:schemeClr val="accent1"/>
+              </a:solidFill>
+            </a:endParaRPr>
           </a:p>
           <a:p>
             <a:endParaRPr kumimoji="1" lang="en-US" altLang="ja-JP" dirty="0"/>
@@ -5434,6 +5840,205 @@
       </p:grpSpPr>
       <p:sp>
         <p:nvSpPr>
+          <p:cNvPr id="68" name="四角形: 角を丸くする 67">
+            <a:extLst>
+              <a:ext uri="{FF2B5EF4-FFF2-40B4-BE49-F238E27FC236}">
+                <a16:creationId xmlns:a16="http://schemas.microsoft.com/office/drawing/2014/main" id="{F8679294-8BA0-68BE-041D-526151EA7EC1}"/>
+              </a:ext>
+            </a:extLst>
+          </p:cNvPr>
+          <p:cNvSpPr/>
+          <p:nvPr/>
+        </p:nvSpPr>
+        <p:spPr>
+          <a:xfrm>
+            <a:off x="3683512" y="1868129"/>
+            <a:ext cx="5008204" cy="4168878"/>
+          </a:xfrm>
+          <a:prstGeom prst="roundRect">
+            <a:avLst>
+              <a:gd name="adj" fmla="val 9705"/>
+            </a:avLst>
+          </a:prstGeom>
+          <a:solidFill>
+            <a:schemeClr val="bg1">
+              <a:lumMod val="95000"/>
+            </a:schemeClr>
+          </a:solidFill>
+          <a:ln>
+            <a:noFill/>
+          </a:ln>
+        </p:spPr>
+        <p:style>
+          <a:lnRef idx="2">
+            <a:schemeClr val="accent1">
+              <a:shade val="15000"/>
+            </a:schemeClr>
+          </a:lnRef>
+          <a:fillRef idx="1">
+            <a:schemeClr val="accent1"/>
+          </a:fillRef>
+          <a:effectRef idx="0">
+            <a:schemeClr val="accent1"/>
+          </a:effectRef>
+          <a:fontRef idx="minor">
+            <a:schemeClr val="lt1"/>
+          </a:fontRef>
+        </p:style>
+        <p:txBody>
+          <a:bodyPr rtlCol="0" anchor="ctr"/>
+          <a:lstStyle/>
+          <a:p>
+            <a:pPr algn="ctr"/>
+            <a:endParaRPr kumimoji="1" lang="ja-JP" altLang="en-US" dirty="0"/>
+          </a:p>
+        </p:txBody>
+      </p:sp>
+      <p:sp>
+        <p:nvSpPr>
+          <p:cNvPr id="25" name="テキスト ボックス 24">
+            <a:extLst>
+              <a:ext uri="{FF2B5EF4-FFF2-40B4-BE49-F238E27FC236}">
+                <a16:creationId xmlns:a16="http://schemas.microsoft.com/office/drawing/2014/main" id="{79588B5D-39AB-3AC9-181B-65044AA75187}"/>
+              </a:ext>
+            </a:extLst>
+          </p:cNvPr>
+          <p:cNvSpPr txBox="1"/>
+          <p:nvPr/>
+        </p:nvSpPr>
+        <p:spPr>
+          <a:xfrm>
+            <a:off x="7053072" y="3859053"/>
+            <a:ext cx="1769807" cy="461665"/>
+          </a:xfrm>
+          <a:prstGeom prst="rect">
+            <a:avLst/>
+          </a:prstGeom>
+          <a:noFill/>
+        </p:spPr>
+        <p:txBody>
+          <a:bodyPr wrap="square" rtlCol="0">
+            <a:spAutoFit/>
+          </a:bodyPr>
+          <a:lstStyle/>
+          <a:p>
+            <a:pPr algn="ctr"/>
+            <a:r>
+              <a:rPr kumimoji="1" lang="en-US" altLang="ja-JP" sz="2400" dirty="0">
+                <a:solidFill>
+                  <a:srgbClr val="00B050"/>
+                </a:solidFill>
+                <a:latin typeface="Consolas" panose="020B0609020204030204" pitchFamily="49" charset="0"/>
+              </a:rPr>
+              <a:t>create</a:t>
+            </a:r>
+            <a:endParaRPr kumimoji="1" lang="ja-JP" altLang="en-US" sz="2400" dirty="0">
+              <a:solidFill>
+                <a:srgbClr val="00B050"/>
+              </a:solidFill>
+              <a:latin typeface="Congenial" panose="020F0502020204030204" pitchFamily="2" charset="0"/>
+            </a:endParaRPr>
+          </a:p>
+        </p:txBody>
+      </p:sp>
+      <p:cxnSp>
+        <p:nvCxnSpPr>
+          <p:cNvPr id="16" name="直線矢印コネクタ 15">
+            <a:extLst>
+              <a:ext uri="{FF2B5EF4-FFF2-40B4-BE49-F238E27FC236}">
+                <a16:creationId xmlns:a16="http://schemas.microsoft.com/office/drawing/2014/main" id="{6EBFE08F-7426-D5ED-B413-BB86A84E7329}"/>
+              </a:ext>
+            </a:extLst>
+          </p:cNvPr>
+          <p:cNvCxnSpPr>
+            <a:cxnSpLocks/>
+            <a:stCxn id="8" idx="1"/>
+            <a:endCxn id="23" idx="2"/>
+          </p:cNvCxnSpPr>
+          <p:nvPr/>
+        </p:nvCxnSpPr>
+        <p:spPr>
+          <a:xfrm flipH="1" flipV="1">
+            <a:off x="7268296" y="3427584"/>
+            <a:ext cx="8019" cy="1190215"/>
+          </a:xfrm>
+          <a:prstGeom prst="straightConnector1">
+            <a:avLst/>
+          </a:prstGeom>
+          <a:ln w="38100">
+            <a:solidFill>
+              <a:schemeClr val="accent4">
+                <a:lumMod val="50000"/>
+              </a:schemeClr>
+            </a:solidFill>
+            <a:prstDash val="sysDash"/>
+            <a:tailEnd type="triangle"/>
+          </a:ln>
+        </p:spPr>
+        <p:style>
+          <a:lnRef idx="2">
+            <a:schemeClr val="accent1"/>
+          </a:lnRef>
+          <a:fillRef idx="0">
+            <a:schemeClr val="accent1"/>
+          </a:fillRef>
+          <a:effectRef idx="1">
+            <a:schemeClr val="accent1"/>
+          </a:effectRef>
+          <a:fontRef idx="minor">
+            <a:schemeClr val="tx1"/>
+          </a:fontRef>
+        </p:style>
+      </p:cxnSp>
+      <p:sp>
+        <p:nvSpPr>
+          <p:cNvPr id="24" name="テキスト ボックス 23">
+            <a:extLst>
+              <a:ext uri="{FF2B5EF4-FFF2-40B4-BE49-F238E27FC236}">
+                <a16:creationId xmlns:a16="http://schemas.microsoft.com/office/drawing/2014/main" id="{AFF66212-69D4-55B2-0BFF-1546C87A4DA1}"/>
+              </a:ext>
+            </a:extLst>
+          </p:cNvPr>
+          <p:cNvSpPr txBox="1"/>
+          <p:nvPr/>
+        </p:nvSpPr>
+        <p:spPr>
+          <a:xfrm>
+            <a:off x="5045176" y="5099053"/>
+            <a:ext cx="1769807" cy="461665"/>
+          </a:xfrm>
+          <a:prstGeom prst="rect">
+            <a:avLst/>
+          </a:prstGeom>
+          <a:noFill/>
+        </p:spPr>
+        <p:txBody>
+          <a:bodyPr wrap="square" rtlCol="0">
+            <a:spAutoFit/>
+          </a:bodyPr>
+          <a:lstStyle/>
+          <a:p>
+            <a:pPr algn="ctr"/>
+            <a:r>
+              <a:rPr kumimoji="1" lang="en-US" altLang="ja-JP" sz="2400" dirty="0">
+                <a:solidFill>
+                  <a:srgbClr val="00B050"/>
+                </a:solidFill>
+                <a:latin typeface="Consolas" panose="020B0609020204030204" pitchFamily="49" charset="0"/>
+              </a:rPr>
+              <a:t>build</a:t>
+            </a:r>
+            <a:endParaRPr kumimoji="1" lang="ja-JP" altLang="en-US" sz="2400" dirty="0">
+              <a:solidFill>
+                <a:srgbClr val="00B050"/>
+              </a:solidFill>
+              <a:latin typeface="Congenial" panose="020F0502020204030204" pitchFamily="2" charset="0"/>
+            </a:endParaRPr>
+          </a:p>
+        </p:txBody>
+      </p:sp>
+      <p:sp>
+        <p:nvSpPr>
           <p:cNvPr id="2" name="タイトル 1">
             <a:extLst>
               <a:ext uri="{FF2B5EF4-FFF2-40B4-BE49-F238E27FC236}">
@@ -5454,59 +6059,9 @@
           <a:lstStyle/>
           <a:p>
             <a:r>
-              <a:rPr kumimoji="1" lang="ja-JP" altLang="en-US" dirty="0"/>
-              <a:t>用語</a:t>
-            </a:r>
-          </a:p>
-        </p:txBody>
-      </p:sp>
-      <p:sp>
-        <p:nvSpPr>
-          <p:cNvPr id="3" name="コンテンツ プレースホルダー 2">
-            <a:extLst>
-              <a:ext uri="{FF2B5EF4-FFF2-40B4-BE49-F238E27FC236}">
-                <a16:creationId xmlns:a16="http://schemas.microsoft.com/office/drawing/2014/main" id="{E1842FAB-83F8-8740-EA6D-D4B6CB48EB62}"/>
-              </a:ext>
-            </a:extLst>
-          </p:cNvPr>
-          <p:cNvSpPr>
-            <a:spLocks noGrp="1"/>
-          </p:cNvSpPr>
-          <p:nvPr>
-            <p:ph idx="1"/>
-          </p:nvPr>
-        </p:nvSpPr>
-        <p:spPr/>
-        <p:txBody>
-          <a:bodyPr/>
-          <a:lstStyle/>
-          <a:p>
-            <a:r>
-              <a:rPr kumimoji="1" lang="en-US" altLang="ja-JP" dirty="0"/>
-              <a:t>Docker file</a:t>
-            </a:r>
-          </a:p>
-          <a:p>
-            <a:r>
-              <a:rPr lang="en-US" altLang="ja-JP" dirty="0"/>
-              <a:t>Docker image</a:t>
-            </a:r>
-          </a:p>
-          <a:p>
-            <a:r>
-              <a:rPr kumimoji="1" lang="en-US" altLang="ja-JP" dirty="0"/>
-              <a:t>Docker container</a:t>
-            </a:r>
-          </a:p>
-          <a:p>
-            <a:r>
-              <a:rPr lang="en-US" altLang="ja-JP" dirty="0"/>
-              <a:t>Docker Hub</a:t>
-            </a:r>
-            <a:endParaRPr kumimoji="1" lang="en-US" altLang="ja-JP" dirty="0"/>
-          </a:p>
-          <a:p>
-            <a:pPr lvl="2"/>
+              <a:rPr lang="ja-JP" altLang="en-US" dirty="0"/>
+              <a:t>全体像</a:t>
+            </a:r>
             <a:endParaRPr kumimoji="1" lang="ja-JP" altLang="en-US" dirty="0"/>
           </a:p>
         </p:txBody>
@@ -5576,10 +6131,934 @@
           </a:p>
         </p:txBody>
       </p:sp>
+      <p:pic>
+        <p:nvPicPr>
+          <p:cNvPr id="6" name="グラフィックス 5" descr="紙 単色塗りつぶし">
+            <a:extLst>
+              <a:ext uri="{FF2B5EF4-FFF2-40B4-BE49-F238E27FC236}">
+                <a16:creationId xmlns:a16="http://schemas.microsoft.com/office/drawing/2014/main" id="{13E792B6-9D26-9E88-DF6C-D8A282DF1798}"/>
+              </a:ext>
+            </a:extLst>
+          </p:cNvPr>
+          <p:cNvPicPr>
+            <a:picLocks noChangeAspect="1"/>
+          </p:cNvPicPr>
+          <p:nvPr/>
+        </p:nvPicPr>
+        <p:blipFill>
+          <a:blip r:embed="rId2">
+            <a:extLst>
+              <a:ext uri="{28A0092B-C50C-407E-A947-70E740481C1C}">
+                <a14:useLocalDpi xmlns:a14="http://schemas.microsoft.com/office/drawing/2010/main" val="0"/>
+              </a:ext>
+              <a:ext uri="{96DAC541-7B7A-43D3-8B79-37D633B846F1}">
+                <asvg:svgBlip xmlns:asvg="http://schemas.microsoft.com/office/drawing/2016/SVG/main" r:embed="rId3"/>
+              </a:ext>
+            </a:extLst>
+          </a:blip>
+          <a:stretch>
+            <a:fillRect/>
+          </a:stretch>
+        </p:blipFill>
+        <p:spPr>
+          <a:xfrm>
+            <a:off x="4268771" y="4617799"/>
+            <a:ext cx="914400" cy="914400"/>
+          </a:xfrm>
+          <a:prstGeom prst="rect">
+            <a:avLst/>
+          </a:prstGeom>
+        </p:spPr>
+      </p:pic>
+      <p:pic>
+        <p:nvPicPr>
+          <p:cNvPr id="8" name="グラフィックス 7" descr="バーコード 単色塗りつぶし">
+            <a:extLst>
+              <a:ext uri="{FF2B5EF4-FFF2-40B4-BE49-F238E27FC236}">
+                <a16:creationId xmlns:a16="http://schemas.microsoft.com/office/drawing/2014/main" id="{D35208EC-1ADA-51FE-8C31-598D21C04CF1}"/>
+              </a:ext>
+            </a:extLst>
+          </p:cNvPr>
+          <p:cNvPicPr>
+            <a:picLocks noChangeAspect="1"/>
+          </p:cNvPicPr>
+          <p:nvPr/>
+        </p:nvPicPr>
+        <p:blipFill>
+          <a:blip r:embed="rId4">
+            <a:extLst>
+              <a:ext uri="{28A0092B-C50C-407E-A947-70E740481C1C}">
+                <a14:useLocalDpi xmlns:a14="http://schemas.microsoft.com/office/drawing/2010/main" val="0"/>
+              </a:ext>
+              <a:ext uri="{96DAC541-7B7A-43D3-8B79-37D633B846F1}">
+                <asvg:svgBlip xmlns:asvg="http://schemas.microsoft.com/office/drawing/2016/SVG/main" r:embed="rId5"/>
+              </a:ext>
+            </a:extLst>
+          </a:blip>
+          <a:stretch>
+            <a:fillRect/>
+          </a:stretch>
+        </p:blipFill>
+        <p:spPr>
+          <a:xfrm rot="5400000">
+            <a:off x="6819115" y="4617799"/>
+            <a:ext cx="914400" cy="914400"/>
+          </a:xfrm>
+          <a:prstGeom prst="rect">
+            <a:avLst/>
+          </a:prstGeom>
+        </p:spPr>
+      </p:pic>
+      <p:pic>
+        <p:nvPicPr>
+          <p:cNvPr id="10" name="グラフィックス 9" descr="箱 単色塗りつぶし">
+            <a:extLst>
+              <a:ext uri="{FF2B5EF4-FFF2-40B4-BE49-F238E27FC236}">
+                <a16:creationId xmlns:a16="http://schemas.microsoft.com/office/drawing/2014/main" id="{EB06DA94-531E-DC78-E400-8352C88161CF}"/>
+              </a:ext>
+            </a:extLst>
+          </p:cNvPr>
+          <p:cNvPicPr>
+            <a:picLocks noChangeAspect="1"/>
+          </p:cNvPicPr>
+          <p:nvPr/>
+        </p:nvPicPr>
+        <p:blipFill>
+          <a:blip r:embed="rId6">
+            <a:extLst>
+              <a:ext uri="{28A0092B-C50C-407E-A947-70E740481C1C}">
+                <a14:useLocalDpi xmlns:a14="http://schemas.microsoft.com/office/drawing/2010/main" val="0"/>
+              </a:ext>
+              <a:ext uri="{96DAC541-7B7A-43D3-8B79-37D633B846F1}">
+                <asvg:svgBlip xmlns:asvg="http://schemas.microsoft.com/office/drawing/2016/SVG/main" r:embed="rId7"/>
+              </a:ext>
+            </a:extLst>
+          </a:blip>
+          <a:stretch>
+            <a:fillRect/>
+          </a:stretch>
+        </p:blipFill>
+        <p:spPr>
+          <a:xfrm>
+            <a:off x="6814983" y="2055582"/>
+            <a:ext cx="914400" cy="914400"/>
+          </a:xfrm>
+          <a:prstGeom prst="rect">
+            <a:avLst/>
+          </a:prstGeom>
+        </p:spPr>
+      </p:pic>
+      <p:cxnSp>
+        <p:nvCxnSpPr>
+          <p:cNvPr id="12" name="直線矢印コネクタ 11">
+            <a:extLst>
+              <a:ext uri="{FF2B5EF4-FFF2-40B4-BE49-F238E27FC236}">
+                <a16:creationId xmlns:a16="http://schemas.microsoft.com/office/drawing/2014/main" id="{7F4B8E29-AF61-0C13-C4C3-B588CA75C850}"/>
+              </a:ext>
+            </a:extLst>
+          </p:cNvPr>
+          <p:cNvCxnSpPr>
+            <a:cxnSpLocks/>
+          </p:cNvCxnSpPr>
+          <p:nvPr/>
+        </p:nvCxnSpPr>
+        <p:spPr>
+          <a:xfrm>
+            <a:off x="5050437" y="5074999"/>
+            <a:ext cx="1764546" cy="0"/>
+          </a:xfrm>
+          <a:prstGeom prst="straightConnector1">
+            <a:avLst/>
+          </a:prstGeom>
+          <a:ln w="38100">
+            <a:solidFill>
+              <a:schemeClr val="accent4">
+                <a:lumMod val="50000"/>
+              </a:schemeClr>
+            </a:solidFill>
+            <a:prstDash val="sysDash"/>
+            <a:tailEnd type="triangle"/>
+          </a:ln>
+        </p:spPr>
+        <p:style>
+          <a:lnRef idx="2">
+            <a:schemeClr val="accent1"/>
+          </a:lnRef>
+          <a:fillRef idx="0">
+            <a:schemeClr val="accent1"/>
+          </a:fillRef>
+          <a:effectRef idx="1">
+            <a:schemeClr val="accent1"/>
+          </a:effectRef>
+          <a:fontRef idx="minor">
+            <a:schemeClr val="tx1"/>
+          </a:fontRef>
+        </p:style>
+      </p:cxnSp>
+      <p:sp>
+        <p:nvSpPr>
+          <p:cNvPr id="13" name="テキスト ボックス 12">
+            <a:extLst>
+              <a:ext uri="{FF2B5EF4-FFF2-40B4-BE49-F238E27FC236}">
+                <a16:creationId xmlns:a16="http://schemas.microsoft.com/office/drawing/2014/main" id="{68FDA3FA-55BF-4FEE-99FC-93A8BB246755}"/>
+              </a:ext>
+            </a:extLst>
+          </p:cNvPr>
+          <p:cNvSpPr txBox="1"/>
+          <p:nvPr/>
+        </p:nvSpPr>
+        <p:spPr>
+          <a:xfrm>
+            <a:off x="3841067" y="5482141"/>
+            <a:ext cx="1769807" cy="461665"/>
+          </a:xfrm>
+          <a:prstGeom prst="rect">
+            <a:avLst/>
+          </a:prstGeom>
+          <a:noFill/>
+        </p:spPr>
+        <p:txBody>
+          <a:bodyPr wrap="square" rtlCol="0">
+            <a:spAutoFit/>
+          </a:bodyPr>
+          <a:lstStyle/>
+          <a:p>
+            <a:pPr algn="ctr"/>
+            <a:r>
+              <a:rPr kumimoji="1" lang="en-US" altLang="ja-JP" sz="2400" i="1" dirty="0" err="1"/>
+              <a:t>Dockerfile</a:t>
+            </a:r>
+            <a:endParaRPr kumimoji="1" lang="ja-JP" altLang="en-US" sz="2400" i="1" dirty="0"/>
+          </a:p>
+        </p:txBody>
+      </p:sp>
+      <p:sp>
+        <p:nvSpPr>
+          <p:cNvPr id="14" name="テキスト ボックス 13">
+            <a:extLst>
+              <a:ext uri="{FF2B5EF4-FFF2-40B4-BE49-F238E27FC236}">
+                <a16:creationId xmlns:a16="http://schemas.microsoft.com/office/drawing/2014/main" id="{C497DAAB-D8DE-0E2F-950A-D08DC919A272}"/>
+              </a:ext>
+            </a:extLst>
+          </p:cNvPr>
+          <p:cNvSpPr txBox="1"/>
+          <p:nvPr/>
+        </p:nvSpPr>
+        <p:spPr>
+          <a:xfrm>
+            <a:off x="6716319" y="5485468"/>
+            <a:ext cx="1119991" cy="461665"/>
+          </a:xfrm>
+          <a:prstGeom prst="rect">
+            <a:avLst/>
+          </a:prstGeom>
+          <a:noFill/>
+        </p:spPr>
+        <p:txBody>
+          <a:bodyPr wrap="square" rtlCol="0">
+            <a:spAutoFit/>
+          </a:bodyPr>
+          <a:lstStyle/>
+          <a:p>
+            <a:pPr algn="ctr"/>
+            <a:r>
+              <a:rPr kumimoji="1" lang="en-US" altLang="ja-JP" sz="2400" i="1" dirty="0"/>
+              <a:t>image</a:t>
+            </a:r>
+            <a:endParaRPr kumimoji="1" lang="ja-JP" altLang="en-US" sz="2400" i="1" dirty="0"/>
+          </a:p>
+        </p:txBody>
+      </p:sp>
+      <p:sp>
+        <p:nvSpPr>
+          <p:cNvPr id="23" name="テキスト ボックス 22">
+            <a:extLst>
+              <a:ext uri="{FF2B5EF4-FFF2-40B4-BE49-F238E27FC236}">
+                <a16:creationId xmlns:a16="http://schemas.microsoft.com/office/drawing/2014/main" id="{E5575524-4F72-806B-439E-4A5274123D60}"/>
+              </a:ext>
+            </a:extLst>
+          </p:cNvPr>
+          <p:cNvSpPr txBox="1"/>
+          <p:nvPr/>
+        </p:nvSpPr>
+        <p:spPr>
+          <a:xfrm>
+            <a:off x="6383392" y="2965919"/>
+            <a:ext cx="1769807" cy="461665"/>
+          </a:xfrm>
+          <a:prstGeom prst="rect">
+            <a:avLst/>
+          </a:prstGeom>
+          <a:noFill/>
+        </p:spPr>
+        <p:txBody>
+          <a:bodyPr wrap="square" rtlCol="0">
+            <a:spAutoFit/>
+          </a:bodyPr>
+          <a:lstStyle/>
+          <a:p>
+            <a:pPr algn="ctr"/>
+            <a:r>
+              <a:rPr kumimoji="1" lang="en-US" altLang="ja-JP" sz="2400" i="1" dirty="0"/>
+              <a:t>container</a:t>
+            </a:r>
+            <a:endParaRPr kumimoji="1" lang="ja-JP" altLang="en-US" sz="2400" i="1" dirty="0"/>
+          </a:p>
+        </p:txBody>
+      </p:sp>
+      <p:pic>
+        <p:nvPicPr>
+          <p:cNvPr id="43" name="グラフィックス 42" descr="開いた荷箱 単色塗りつぶし">
+            <a:extLst>
+              <a:ext uri="{FF2B5EF4-FFF2-40B4-BE49-F238E27FC236}">
+                <a16:creationId xmlns:a16="http://schemas.microsoft.com/office/drawing/2014/main" id="{4EE31D8E-2F89-B4F6-F220-C13C7F76AB92}"/>
+              </a:ext>
+            </a:extLst>
+          </p:cNvPr>
+          <p:cNvPicPr>
+            <a:picLocks noChangeAspect="1"/>
+          </p:cNvPicPr>
+          <p:nvPr/>
+        </p:nvPicPr>
+        <p:blipFill>
+          <a:blip r:embed="rId8">
+            <a:extLst>
+              <a:ext uri="{28A0092B-C50C-407E-A947-70E740481C1C}">
+                <a14:useLocalDpi xmlns:a14="http://schemas.microsoft.com/office/drawing/2010/main" val="0"/>
+              </a:ext>
+              <a:ext uri="{96DAC541-7B7A-43D3-8B79-37D633B846F1}">
+                <asvg:svgBlip xmlns:asvg="http://schemas.microsoft.com/office/drawing/2016/SVG/main" r:embed="rId9"/>
+              </a:ext>
+            </a:extLst>
+          </a:blip>
+          <a:stretch>
+            <a:fillRect/>
+          </a:stretch>
+        </p:blipFill>
+        <p:spPr>
+          <a:xfrm>
+            <a:off x="4268771" y="2055582"/>
+            <a:ext cx="914400" cy="914400"/>
+          </a:xfrm>
+          <a:prstGeom prst="rect">
+            <a:avLst/>
+          </a:prstGeom>
+        </p:spPr>
+      </p:pic>
+      <p:cxnSp>
+        <p:nvCxnSpPr>
+          <p:cNvPr id="44" name="直線矢印コネクタ 43">
+            <a:extLst>
+              <a:ext uri="{FF2B5EF4-FFF2-40B4-BE49-F238E27FC236}">
+                <a16:creationId xmlns:a16="http://schemas.microsoft.com/office/drawing/2014/main" id="{E66FA6B9-0488-A9E5-AAFD-13755D18E115}"/>
+              </a:ext>
+            </a:extLst>
+          </p:cNvPr>
+          <p:cNvCxnSpPr>
+            <a:cxnSpLocks/>
+          </p:cNvCxnSpPr>
+          <p:nvPr/>
+        </p:nvCxnSpPr>
+        <p:spPr>
+          <a:xfrm flipH="1">
+            <a:off x="5183171" y="2404630"/>
+            <a:ext cx="1631812" cy="0"/>
+          </a:xfrm>
+          <a:prstGeom prst="straightConnector1">
+            <a:avLst/>
+          </a:prstGeom>
+          <a:ln w="38100">
+            <a:solidFill>
+              <a:schemeClr val="accent4">
+                <a:lumMod val="50000"/>
+              </a:schemeClr>
+            </a:solidFill>
+            <a:prstDash val="sysDash"/>
+            <a:tailEnd type="triangle"/>
+          </a:ln>
+        </p:spPr>
+        <p:style>
+          <a:lnRef idx="2">
+            <a:schemeClr val="accent1"/>
+          </a:lnRef>
+          <a:fillRef idx="0">
+            <a:schemeClr val="accent1"/>
+          </a:fillRef>
+          <a:effectRef idx="1">
+            <a:schemeClr val="accent1"/>
+          </a:effectRef>
+          <a:fontRef idx="minor">
+            <a:schemeClr val="tx1"/>
+          </a:fontRef>
+        </p:style>
+      </p:cxnSp>
+      <p:sp>
+        <p:nvSpPr>
+          <p:cNvPr id="49" name="テキスト ボックス 48">
+            <a:extLst>
+              <a:ext uri="{FF2B5EF4-FFF2-40B4-BE49-F238E27FC236}">
+                <a16:creationId xmlns:a16="http://schemas.microsoft.com/office/drawing/2014/main" id="{08B625DE-B1DA-A5FF-588E-5FA168E2DCCD}"/>
+              </a:ext>
+            </a:extLst>
+          </p:cNvPr>
+          <p:cNvSpPr txBox="1"/>
+          <p:nvPr/>
+        </p:nvSpPr>
+        <p:spPr>
+          <a:xfrm>
+            <a:off x="5249539" y="1944659"/>
+            <a:ext cx="1155291" cy="461665"/>
+          </a:xfrm>
+          <a:prstGeom prst="rect">
+            <a:avLst/>
+          </a:prstGeom>
+          <a:noFill/>
+        </p:spPr>
+        <p:txBody>
+          <a:bodyPr wrap="square" rtlCol="0">
+            <a:spAutoFit/>
+          </a:bodyPr>
+          <a:lstStyle/>
+          <a:p>
+            <a:pPr algn="ctr"/>
+            <a:r>
+              <a:rPr kumimoji="1" lang="en-US" altLang="ja-JP" sz="2400" dirty="0">
+                <a:solidFill>
+                  <a:srgbClr val="00B050"/>
+                </a:solidFill>
+                <a:latin typeface="Consolas" panose="020B0609020204030204" pitchFamily="49" charset="0"/>
+              </a:rPr>
+              <a:t>start</a:t>
+            </a:r>
+            <a:endParaRPr kumimoji="1" lang="ja-JP" altLang="en-US" sz="2400" dirty="0">
+              <a:solidFill>
+                <a:srgbClr val="00B050"/>
+              </a:solidFill>
+              <a:latin typeface="Congenial" panose="020F0502020204030204" pitchFamily="2" charset="0"/>
+            </a:endParaRPr>
+          </a:p>
+        </p:txBody>
+      </p:sp>
+      <p:cxnSp>
+        <p:nvCxnSpPr>
+          <p:cNvPr id="50" name="直線矢印コネクタ 49">
+            <a:extLst>
+              <a:ext uri="{FF2B5EF4-FFF2-40B4-BE49-F238E27FC236}">
+                <a16:creationId xmlns:a16="http://schemas.microsoft.com/office/drawing/2014/main" id="{BDF118C6-A055-462E-6BB1-554D83D8D8C2}"/>
+              </a:ext>
+            </a:extLst>
+          </p:cNvPr>
+          <p:cNvCxnSpPr>
+            <a:cxnSpLocks/>
+            <a:endCxn id="43" idx="2"/>
+          </p:cNvCxnSpPr>
+          <p:nvPr/>
+        </p:nvCxnSpPr>
+        <p:spPr>
+          <a:xfrm flipH="1" flipV="1">
+            <a:off x="4725971" y="2969982"/>
+            <a:ext cx="2223866" cy="1828592"/>
+          </a:xfrm>
+          <a:prstGeom prst="straightConnector1">
+            <a:avLst/>
+          </a:prstGeom>
+          <a:ln w="38100">
+            <a:solidFill>
+              <a:schemeClr val="accent4">
+                <a:lumMod val="50000"/>
+              </a:schemeClr>
+            </a:solidFill>
+            <a:prstDash val="sysDash"/>
+            <a:tailEnd type="triangle"/>
+          </a:ln>
+        </p:spPr>
+        <p:style>
+          <a:lnRef idx="2">
+            <a:schemeClr val="accent1"/>
+          </a:lnRef>
+          <a:fillRef idx="0">
+            <a:schemeClr val="accent1"/>
+          </a:fillRef>
+          <a:effectRef idx="1">
+            <a:schemeClr val="accent1"/>
+          </a:effectRef>
+          <a:fontRef idx="minor">
+            <a:schemeClr val="tx1"/>
+          </a:fontRef>
+        </p:style>
+      </p:cxnSp>
+      <p:sp>
+        <p:nvSpPr>
+          <p:cNvPr id="53" name="テキスト ボックス 52">
+            <a:extLst>
+              <a:ext uri="{FF2B5EF4-FFF2-40B4-BE49-F238E27FC236}">
+                <a16:creationId xmlns:a16="http://schemas.microsoft.com/office/drawing/2014/main" id="{651A5CA3-3728-2F33-ED5C-F9A0FB9B4600}"/>
+              </a:ext>
+            </a:extLst>
+          </p:cNvPr>
+          <p:cNvSpPr txBox="1"/>
+          <p:nvPr/>
+        </p:nvSpPr>
+        <p:spPr>
+          <a:xfrm>
+            <a:off x="5897781" y="3846020"/>
+            <a:ext cx="1155291" cy="461665"/>
+          </a:xfrm>
+          <a:prstGeom prst="rect">
+            <a:avLst/>
+          </a:prstGeom>
+          <a:noFill/>
+        </p:spPr>
+        <p:txBody>
+          <a:bodyPr wrap="square" rtlCol="0">
+            <a:spAutoFit/>
+          </a:bodyPr>
+          <a:lstStyle/>
+          <a:p>
+            <a:pPr algn="ctr"/>
+            <a:r>
+              <a:rPr kumimoji="1" lang="en-US" altLang="ja-JP" sz="2400" dirty="0">
+                <a:solidFill>
+                  <a:srgbClr val="00B050"/>
+                </a:solidFill>
+                <a:latin typeface="Consolas" panose="020B0609020204030204" pitchFamily="49" charset="0"/>
+              </a:rPr>
+              <a:t>run</a:t>
+            </a:r>
+            <a:endParaRPr kumimoji="1" lang="ja-JP" altLang="en-US" sz="2400" dirty="0">
+              <a:solidFill>
+                <a:srgbClr val="00B050"/>
+              </a:solidFill>
+              <a:latin typeface="Congenial" panose="020F0502020204030204" pitchFamily="2" charset="0"/>
+            </a:endParaRPr>
+          </a:p>
+        </p:txBody>
+      </p:sp>
+      <p:cxnSp>
+        <p:nvCxnSpPr>
+          <p:cNvPr id="54" name="直線矢印コネクタ 53">
+            <a:extLst>
+              <a:ext uri="{FF2B5EF4-FFF2-40B4-BE49-F238E27FC236}">
+                <a16:creationId xmlns:a16="http://schemas.microsoft.com/office/drawing/2014/main" id="{ED2C0188-6410-BB2A-802A-CEEE929B6232}"/>
+              </a:ext>
+            </a:extLst>
+          </p:cNvPr>
+          <p:cNvCxnSpPr>
+            <a:cxnSpLocks/>
+          </p:cNvCxnSpPr>
+          <p:nvPr/>
+        </p:nvCxnSpPr>
+        <p:spPr>
+          <a:xfrm>
+            <a:off x="5249539" y="2582956"/>
+            <a:ext cx="1565444" cy="8872"/>
+          </a:xfrm>
+          <a:prstGeom prst="straightConnector1">
+            <a:avLst/>
+          </a:prstGeom>
+          <a:ln w="38100">
+            <a:solidFill>
+              <a:schemeClr val="accent4">
+                <a:lumMod val="50000"/>
+              </a:schemeClr>
+            </a:solidFill>
+            <a:prstDash val="sysDash"/>
+            <a:tailEnd type="triangle"/>
+          </a:ln>
+        </p:spPr>
+        <p:style>
+          <a:lnRef idx="2">
+            <a:schemeClr val="accent1"/>
+          </a:lnRef>
+          <a:fillRef idx="0">
+            <a:schemeClr val="accent1"/>
+          </a:fillRef>
+          <a:effectRef idx="1">
+            <a:schemeClr val="accent1"/>
+          </a:effectRef>
+          <a:fontRef idx="minor">
+            <a:schemeClr val="tx1"/>
+          </a:fontRef>
+        </p:style>
+      </p:cxnSp>
+      <p:sp>
+        <p:nvSpPr>
+          <p:cNvPr id="55" name="テキスト ボックス 54">
+            <a:extLst>
+              <a:ext uri="{FF2B5EF4-FFF2-40B4-BE49-F238E27FC236}">
+                <a16:creationId xmlns:a16="http://schemas.microsoft.com/office/drawing/2014/main" id="{D228A829-5EE0-815E-D3C7-F21D07D3A9B0}"/>
+              </a:ext>
+            </a:extLst>
+          </p:cNvPr>
+          <p:cNvSpPr txBox="1"/>
+          <p:nvPr/>
+        </p:nvSpPr>
+        <p:spPr>
+          <a:xfrm>
+            <a:off x="5252884" y="2580940"/>
+            <a:ext cx="1155291" cy="461665"/>
+          </a:xfrm>
+          <a:prstGeom prst="rect">
+            <a:avLst/>
+          </a:prstGeom>
+          <a:noFill/>
+        </p:spPr>
+        <p:txBody>
+          <a:bodyPr wrap="square" rtlCol="0">
+            <a:spAutoFit/>
+          </a:bodyPr>
+          <a:lstStyle/>
+          <a:p>
+            <a:pPr algn="ctr"/>
+            <a:r>
+              <a:rPr kumimoji="1" lang="en-US" altLang="ja-JP" sz="2400" dirty="0">
+                <a:solidFill>
+                  <a:srgbClr val="00B050"/>
+                </a:solidFill>
+                <a:latin typeface="Consolas" panose="020B0609020204030204" pitchFamily="49" charset="0"/>
+              </a:rPr>
+              <a:t>stop</a:t>
+            </a:r>
+            <a:endParaRPr kumimoji="1" lang="ja-JP" altLang="en-US" sz="2400" dirty="0">
+              <a:solidFill>
+                <a:srgbClr val="00B050"/>
+              </a:solidFill>
+              <a:latin typeface="Congenial" panose="020F0502020204030204" pitchFamily="2" charset="0"/>
+            </a:endParaRPr>
+          </a:p>
+        </p:txBody>
+      </p:sp>
+      <p:pic>
+        <p:nvPicPr>
+          <p:cNvPr id="70" name="グラフィックス 69" descr="雲 枠線">
+            <a:extLst>
+              <a:ext uri="{FF2B5EF4-FFF2-40B4-BE49-F238E27FC236}">
+                <a16:creationId xmlns:a16="http://schemas.microsoft.com/office/drawing/2014/main" id="{A3AC40CB-33B2-AA33-0A18-144690732793}"/>
+              </a:ext>
+            </a:extLst>
+          </p:cNvPr>
+          <p:cNvPicPr>
+            <a:picLocks noChangeAspect="1"/>
+          </p:cNvPicPr>
+          <p:nvPr/>
+        </p:nvPicPr>
+        <p:blipFill>
+          <a:blip r:embed="rId10">
+            <a:extLst>
+              <a:ext uri="{28A0092B-C50C-407E-A947-70E740481C1C}">
+                <a14:useLocalDpi xmlns:a14="http://schemas.microsoft.com/office/drawing/2010/main" val="0"/>
+              </a:ext>
+              <a:ext uri="{96DAC541-7B7A-43D3-8B79-37D633B846F1}">
+                <asvg:svgBlip xmlns:asvg="http://schemas.microsoft.com/office/drawing/2016/SVG/main" r:embed="rId11"/>
+              </a:ext>
+            </a:extLst>
+          </a:blip>
+          <a:stretch>
+            <a:fillRect/>
+          </a:stretch>
+        </p:blipFill>
+        <p:spPr>
+          <a:xfrm>
+            <a:off x="9870905" y="4617799"/>
+            <a:ext cx="914400" cy="914400"/>
+          </a:xfrm>
+          <a:prstGeom prst="rect">
+            <a:avLst/>
+          </a:prstGeom>
+        </p:spPr>
+      </p:pic>
+      <p:pic>
+        <p:nvPicPr>
+          <p:cNvPr id="72" name="グラフィックス 71" descr="ユーザー 単色塗りつぶし">
+            <a:extLst>
+              <a:ext uri="{FF2B5EF4-FFF2-40B4-BE49-F238E27FC236}">
+                <a16:creationId xmlns:a16="http://schemas.microsoft.com/office/drawing/2014/main" id="{D15402B6-7D0D-0E6C-B538-7D310064B54D}"/>
+              </a:ext>
+            </a:extLst>
+          </p:cNvPr>
+          <p:cNvPicPr>
+            <a:picLocks noChangeAspect="1"/>
+          </p:cNvPicPr>
+          <p:nvPr/>
+        </p:nvPicPr>
+        <p:blipFill>
+          <a:blip r:embed="rId12">
+            <a:extLst>
+              <a:ext uri="{28A0092B-C50C-407E-A947-70E740481C1C}">
+                <a14:useLocalDpi xmlns:a14="http://schemas.microsoft.com/office/drawing/2010/main" val="0"/>
+              </a:ext>
+              <a:ext uri="{96DAC541-7B7A-43D3-8B79-37D633B846F1}">
+                <asvg:svgBlip xmlns:asvg="http://schemas.microsoft.com/office/drawing/2016/SVG/main" r:embed="rId13"/>
+              </a:ext>
+            </a:extLst>
+          </a:blip>
+          <a:stretch>
+            <a:fillRect/>
+          </a:stretch>
+        </p:blipFill>
+        <p:spPr>
+          <a:xfrm>
+            <a:off x="1000125" y="4614998"/>
+            <a:ext cx="914400" cy="914400"/>
+          </a:xfrm>
+          <a:prstGeom prst="rect">
+            <a:avLst/>
+          </a:prstGeom>
+        </p:spPr>
+      </p:pic>
+      <p:sp>
+        <p:nvSpPr>
+          <p:cNvPr id="73" name="テキスト ボックス 72">
+            <a:extLst>
+              <a:ext uri="{FF2B5EF4-FFF2-40B4-BE49-F238E27FC236}">
+                <a16:creationId xmlns:a16="http://schemas.microsoft.com/office/drawing/2014/main" id="{DDE76FE0-D29F-6768-C0FF-FBBF781465FD}"/>
+              </a:ext>
+            </a:extLst>
+          </p:cNvPr>
+          <p:cNvSpPr txBox="1"/>
+          <p:nvPr/>
+        </p:nvSpPr>
+        <p:spPr>
+          <a:xfrm>
+            <a:off x="9189920" y="5482140"/>
+            <a:ext cx="2163880" cy="461665"/>
+          </a:xfrm>
+          <a:prstGeom prst="rect">
+            <a:avLst/>
+          </a:prstGeom>
+          <a:noFill/>
+        </p:spPr>
+        <p:txBody>
+          <a:bodyPr wrap="square" rtlCol="0">
+            <a:spAutoFit/>
+          </a:bodyPr>
+          <a:lstStyle/>
+          <a:p>
+            <a:pPr algn="ctr"/>
+            <a:r>
+              <a:rPr kumimoji="1" lang="en-US" altLang="ja-JP" sz="2400" i="1" dirty="0"/>
+              <a:t>Docker Hub</a:t>
+            </a:r>
+            <a:endParaRPr kumimoji="1" lang="ja-JP" altLang="en-US" sz="2400" i="1" dirty="0"/>
+          </a:p>
+        </p:txBody>
+      </p:sp>
+      <p:cxnSp>
+        <p:nvCxnSpPr>
+          <p:cNvPr id="74" name="直線矢印コネクタ 73">
+            <a:extLst>
+              <a:ext uri="{FF2B5EF4-FFF2-40B4-BE49-F238E27FC236}">
+                <a16:creationId xmlns:a16="http://schemas.microsoft.com/office/drawing/2014/main" id="{CD7D6991-0D90-942A-F446-7000F67D1372}"/>
+              </a:ext>
+            </a:extLst>
+          </p:cNvPr>
+          <p:cNvCxnSpPr>
+            <a:cxnSpLocks/>
+            <a:stCxn id="70" idx="1"/>
+          </p:cNvCxnSpPr>
+          <p:nvPr/>
+        </p:nvCxnSpPr>
+        <p:spPr>
+          <a:xfrm flipH="1" flipV="1">
+            <a:off x="7729383" y="5073862"/>
+            <a:ext cx="2141522" cy="1137"/>
+          </a:xfrm>
+          <a:prstGeom prst="straightConnector1">
+            <a:avLst/>
+          </a:prstGeom>
+          <a:ln w="38100">
+            <a:solidFill>
+              <a:schemeClr val="accent4">
+                <a:lumMod val="50000"/>
+              </a:schemeClr>
+            </a:solidFill>
+            <a:prstDash val="sysDash"/>
+            <a:tailEnd type="triangle"/>
+          </a:ln>
+        </p:spPr>
+        <p:style>
+          <a:lnRef idx="2">
+            <a:schemeClr val="accent1"/>
+          </a:lnRef>
+          <a:fillRef idx="0">
+            <a:schemeClr val="accent1"/>
+          </a:fillRef>
+          <a:effectRef idx="1">
+            <a:schemeClr val="accent1"/>
+          </a:effectRef>
+          <a:fontRef idx="minor">
+            <a:schemeClr val="tx1"/>
+          </a:fontRef>
+        </p:style>
+      </p:cxnSp>
+      <p:sp>
+        <p:nvSpPr>
+          <p:cNvPr id="78" name="テキスト ボックス 77">
+            <a:extLst>
+              <a:ext uri="{FF2B5EF4-FFF2-40B4-BE49-F238E27FC236}">
+                <a16:creationId xmlns:a16="http://schemas.microsoft.com/office/drawing/2014/main" id="{80BEA6EB-C974-2F38-3E6E-C11272C353A5}"/>
+              </a:ext>
+            </a:extLst>
+          </p:cNvPr>
+          <p:cNvSpPr txBox="1"/>
+          <p:nvPr/>
+        </p:nvSpPr>
+        <p:spPr>
+          <a:xfrm>
+            <a:off x="8245255" y="4614998"/>
+            <a:ext cx="1769807" cy="461665"/>
+          </a:xfrm>
+          <a:prstGeom prst="rect">
+            <a:avLst/>
+          </a:prstGeom>
+          <a:noFill/>
+        </p:spPr>
+        <p:txBody>
+          <a:bodyPr wrap="square" rtlCol="0">
+            <a:spAutoFit/>
+          </a:bodyPr>
+          <a:lstStyle/>
+          <a:p>
+            <a:pPr algn="ctr"/>
+            <a:r>
+              <a:rPr kumimoji="1" lang="en-US" altLang="ja-JP" sz="2400" dirty="0">
+                <a:solidFill>
+                  <a:srgbClr val="00B050"/>
+                </a:solidFill>
+                <a:latin typeface="Consolas" panose="020B0609020204030204" pitchFamily="49" charset="0"/>
+              </a:rPr>
+              <a:t>pull</a:t>
+            </a:r>
+            <a:endParaRPr kumimoji="1" lang="ja-JP" altLang="en-US" sz="2400" dirty="0">
+              <a:solidFill>
+                <a:srgbClr val="00B050"/>
+              </a:solidFill>
+              <a:latin typeface="Congenial" panose="020F0502020204030204" pitchFamily="2" charset="0"/>
+            </a:endParaRPr>
+          </a:p>
+        </p:txBody>
+      </p:sp>
+      <p:sp>
+        <p:nvSpPr>
+          <p:cNvPr id="80" name="テキスト ボックス 79">
+            <a:extLst>
+              <a:ext uri="{FF2B5EF4-FFF2-40B4-BE49-F238E27FC236}">
+                <a16:creationId xmlns:a16="http://schemas.microsoft.com/office/drawing/2014/main" id="{4AC1F098-34D0-83C1-F9C2-4046C8C4D66D}"/>
+              </a:ext>
+            </a:extLst>
+          </p:cNvPr>
+          <p:cNvSpPr txBox="1"/>
+          <p:nvPr/>
+        </p:nvSpPr>
+        <p:spPr>
+          <a:xfrm>
+            <a:off x="1041453" y="5482139"/>
+            <a:ext cx="831744" cy="461665"/>
+          </a:xfrm>
+          <a:prstGeom prst="rect">
+            <a:avLst/>
+          </a:prstGeom>
+          <a:noFill/>
+        </p:spPr>
+        <p:txBody>
+          <a:bodyPr wrap="square" rtlCol="0">
+            <a:spAutoFit/>
+          </a:bodyPr>
+          <a:lstStyle/>
+          <a:p>
+            <a:pPr algn="ctr"/>
+            <a:r>
+              <a:rPr kumimoji="1" lang="en-US" altLang="ja-JP" sz="2400" dirty="0"/>
+              <a:t>user</a:t>
+            </a:r>
+            <a:endParaRPr kumimoji="1" lang="ja-JP" altLang="en-US" sz="2400" dirty="0"/>
+          </a:p>
+        </p:txBody>
+      </p:sp>
     </p:spTree>
     <p:extLst>
       <p:ext uri="{BB962C8B-B14F-4D97-AF65-F5344CB8AC3E}">
         <p14:creationId xmlns:p14="http://schemas.microsoft.com/office/powerpoint/2010/main" val="984655461"/>
+      </p:ext>
+    </p:extLst>
+  </p:cSld>
+  <p:clrMapOvr>
+    <a:masterClrMapping/>
+  </p:clrMapOvr>
+</p:sld>
+</file>
+
+<file path=ppt/slides/slide9.xml><?xml version="1.0" encoding="utf-8"?>
+<p:sld xmlns:a="http://schemas.openxmlformats.org/drawingml/2006/main" xmlns:r="http://schemas.openxmlformats.org/officeDocument/2006/relationships" xmlns:p="http://schemas.openxmlformats.org/presentationml/2006/main">
+  <p:cSld>
+    <p:spTree>
+      <p:nvGrpSpPr>
+        <p:cNvPr id="1" name=""/>
+        <p:cNvGrpSpPr/>
+        <p:nvPr/>
+      </p:nvGrpSpPr>
+      <p:grpSpPr>
+        <a:xfrm>
+          <a:off x="0" y="0"/>
+          <a:ext cx="0" cy="0"/>
+          <a:chOff x="0" y="0"/>
+          <a:chExt cx="0" cy="0"/>
+        </a:xfrm>
+      </p:grpSpPr>
+      <p:sp>
+        <p:nvSpPr>
+          <p:cNvPr id="2" name="タイトル 1">
+            <a:extLst>
+              <a:ext uri="{FF2B5EF4-FFF2-40B4-BE49-F238E27FC236}">
+                <a16:creationId xmlns:a16="http://schemas.microsoft.com/office/drawing/2014/main" id="{6269CD63-2C10-0378-B5FF-4DBF41A86CD1}"/>
+              </a:ext>
+            </a:extLst>
+          </p:cNvPr>
+          <p:cNvSpPr>
+            <a:spLocks noGrp="1"/>
+          </p:cNvSpPr>
+          <p:nvPr>
+            <p:ph type="title"/>
+          </p:nvPr>
+        </p:nvSpPr>
+        <p:spPr/>
+        <p:txBody>
+          <a:bodyPr/>
+          <a:lstStyle/>
+          <a:p>
+            <a:endParaRPr kumimoji="1" lang="ja-JP" altLang="en-US"/>
+          </a:p>
+        </p:txBody>
+      </p:sp>
+      <p:sp>
+        <p:nvSpPr>
+          <p:cNvPr id="3" name="コンテンツ プレースホルダー 2">
+            <a:extLst>
+              <a:ext uri="{FF2B5EF4-FFF2-40B4-BE49-F238E27FC236}">
+                <a16:creationId xmlns:a16="http://schemas.microsoft.com/office/drawing/2014/main" id="{EE4499E0-A02B-35FE-CD8C-25661CB14D0E}"/>
+              </a:ext>
+            </a:extLst>
+          </p:cNvPr>
+          <p:cNvSpPr>
+            <a:spLocks noGrp="1"/>
+          </p:cNvSpPr>
+          <p:nvPr>
+            <p:ph idx="1"/>
+          </p:nvPr>
+        </p:nvSpPr>
+        <p:spPr/>
+        <p:txBody>
+          <a:bodyPr/>
+          <a:lstStyle/>
+          <a:p>
+            <a:endParaRPr kumimoji="1" lang="ja-JP" altLang="en-US"/>
+          </a:p>
+        </p:txBody>
+      </p:sp>
+    </p:spTree>
+    <p:extLst>
+      <p:ext uri="{BB962C8B-B14F-4D97-AF65-F5344CB8AC3E}">
+        <p14:creationId xmlns:p14="http://schemas.microsoft.com/office/powerpoint/2010/main" val="4187103413"/>
       </p:ext>
     </p:extLst>
   </p:cSld>

--- a/docker-container.pptx
+++ b/docker-container.pptx
@@ -5,23 +5,24 @@
     <p:sldMasterId id="2147483648" r:id="rId1"/>
   </p:sldMasterIdLst>
   <p:notesMasterIdLst>
-    <p:notesMasterId r:id="rId13"/>
+    <p:notesMasterId r:id="rId14"/>
   </p:notesMasterIdLst>
   <p:handoutMasterIdLst>
-    <p:handoutMasterId r:id="rId14"/>
+    <p:handoutMasterId r:id="rId15"/>
   </p:handoutMasterIdLst>
   <p:sldIdLst>
     <p:sldId id="256" r:id="rId2"/>
     <p:sldId id="257" r:id="rId3"/>
     <p:sldId id="259" r:id="rId4"/>
     <p:sldId id="258" r:id="rId5"/>
-    <p:sldId id="260" r:id="rId6"/>
-    <p:sldId id="262" r:id="rId7"/>
-    <p:sldId id="261" r:id="rId8"/>
-    <p:sldId id="263" r:id="rId9"/>
-    <p:sldId id="266" r:id="rId10"/>
-    <p:sldId id="265" r:id="rId11"/>
-    <p:sldId id="264" r:id="rId12"/>
+    <p:sldId id="266" r:id="rId6"/>
+    <p:sldId id="267" r:id="rId7"/>
+    <p:sldId id="260" r:id="rId8"/>
+    <p:sldId id="262" r:id="rId9"/>
+    <p:sldId id="261" r:id="rId10"/>
+    <p:sldId id="263" r:id="rId11"/>
+    <p:sldId id="265" r:id="rId12"/>
+    <p:sldId id="264" r:id="rId13"/>
   </p:sldIdLst>
   <p:sldSz cx="12192000" cy="6858000"/>
   <p:notesSz cx="6858000" cy="9144000"/>
@@ -660,6 +661,90 @@
 </p:notesMaster>
 </file>
 
+<file path=ppt/notesSlides/notesSlide1.xml><?xml version="1.0" encoding="utf-8"?>
+<p:notes xmlns:a="http://schemas.openxmlformats.org/drawingml/2006/main" xmlns:r="http://schemas.openxmlformats.org/officeDocument/2006/relationships" xmlns:p="http://schemas.openxmlformats.org/presentationml/2006/main">
+  <p:cSld>
+    <p:spTree>
+      <p:nvGrpSpPr>
+        <p:cNvPr id="1" name=""/>
+        <p:cNvGrpSpPr/>
+        <p:nvPr/>
+      </p:nvGrpSpPr>
+      <p:grpSpPr>
+        <a:xfrm>
+          <a:off x="0" y="0"/>
+          <a:ext cx="0" cy="0"/>
+          <a:chOff x="0" y="0"/>
+          <a:chExt cx="0" cy="0"/>
+        </a:xfrm>
+      </p:grpSpPr>
+      <p:sp>
+        <p:nvSpPr>
+          <p:cNvPr id="2" name="スライド イメージ プレースホルダー 1"/>
+          <p:cNvSpPr>
+            <a:spLocks noGrp="1" noRot="1" noChangeAspect="1"/>
+          </p:cNvSpPr>
+          <p:nvPr>
+            <p:ph type="sldImg"/>
+          </p:nvPr>
+        </p:nvSpPr>
+        <p:spPr/>
+      </p:sp>
+      <p:sp>
+        <p:nvSpPr>
+          <p:cNvPr id="3" name="ノート プレースホルダー 2"/>
+          <p:cNvSpPr>
+            <a:spLocks noGrp="1"/>
+          </p:cNvSpPr>
+          <p:nvPr>
+            <p:ph type="body" idx="1"/>
+          </p:nvPr>
+        </p:nvSpPr>
+        <p:spPr/>
+        <p:txBody>
+          <a:bodyPr/>
+          <a:lstStyle/>
+          <a:p>
+            <a:endParaRPr kumimoji="1" lang="ja-JP" altLang="en-US" dirty="0"/>
+          </a:p>
+        </p:txBody>
+      </p:sp>
+      <p:sp>
+        <p:nvSpPr>
+          <p:cNvPr id="4" name="スライド番号プレースホルダー 3"/>
+          <p:cNvSpPr>
+            <a:spLocks noGrp="1"/>
+          </p:cNvSpPr>
+          <p:nvPr>
+            <p:ph type="sldNum" sz="quarter" idx="5"/>
+          </p:nvPr>
+        </p:nvSpPr>
+        <p:spPr/>
+        <p:txBody>
+          <a:bodyPr/>
+          <a:lstStyle/>
+          <a:p>
+            <a:fld id="{F26EE981-7732-41D3-AB89-E4466479DA03}" type="slidenum">
+              <a:rPr kumimoji="1" lang="ja-JP" altLang="en-US" smtClean="0"/>
+              <a:t>1</a:t>
+            </a:fld>
+            <a:endParaRPr kumimoji="1" lang="ja-JP" altLang="en-US"/>
+          </a:p>
+        </p:txBody>
+      </p:sp>
+    </p:spTree>
+    <p:extLst>
+      <p:ext uri="{BB962C8B-B14F-4D97-AF65-F5344CB8AC3E}">
+        <p14:creationId xmlns:p14="http://schemas.microsoft.com/office/powerpoint/2010/main" val="999032265"/>
+      </p:ext>
+    </p:extLst>
+  </p:cSld>
+  <p:clrMapOvr>
+    <a:masterClrMapping/>
+  </p:clrMapOvr>
+</p:notes>
+</file>
+
 <file path=ppt/slideLayouts/slideLayout1.xml><?xml version="1.0" encoding="utf-8"?>
 <p:sldLayout xmlns:a="http://schemas.openxmlformats.org/drawingml/2006/main" xmlns:r="http://schemas.openxmlformats.org/officeDocument/2006/relationships" xmlns:p="http://schemas.openxmlformats.org/presentationml/2006/main" type="title" preserve="1">
   <p:cSld name="タイトル スライド">
@@ -892,7 +977,7 @@
         </p:nvSpPr>
         <p:spPr>
           <a:xfrm flipV="1">
-            <a:off x="856673" y="3916219"/>
+            <a:off x="856673" y="4038981"/>
             <a:ext cx="10478654" cy="46800"/>
           </a:xfrm>
           <a:prstGeom prst="rect">
@@ -4457,13 +4542,28 @@
             <p:ph type="subTitle" idx="1"/>
           </p:nvPr>
         </p:nvSpPr>
-        <p:spPr/>
+        <p:spPr>
+          <a:xfrm>
+            <a:off x="1524000" y="4136962"/>
+            <a:ext cx="9144000" cy="2054288"/>
+          </a:xfrm>
+        </p:spPr>
         <p:txBody>
           <a:bodyPr>
             <a:normAutofit/>
           </a:bodyPr>
           <a:lstStyle/>
           <a:p>
+            <a:r>
+              <a:rPr lang="en-US" altLang="ja-JP" dirty="0"/>
+              <a:t>2024/5/30</a:t>
+            </a:r>
+          </a:p>
+          <a:p>
+            <a:r>
+              <a:rPr lang="ja-JP" altLang="en-US" dirty="0"/>
+              <a:t>株式会社ラクス 新卒研修　技術発表</a:t>
+            </a:r>
             <a:endParaRPr lang="en-US" altLang="ja-JP" dirty="0"/>
           </a:p>
           <a:p>
@@ -4493,1335 +4593,6 @@
 </file>
 
 <file path=ppt/slides/slide10.xml><?xml version="1.0" encoding="utf-8"?>
-<p:sld xmlns:a="http://schemas.openxmlformats.org/drawingml/2006/main" xmlns:r="http://schemas.openxmlformats.org/officeDocument/2006/relationships" xmlns:p="http://schemas.openxmlformats.org/presentationml/2006/main">
-  <p:cSld>
-    <p:spTree>
-      <p:nvGrpSpPr>
-        <p:cNvPr id="1" name=""/>
-        <p:cNvGrpSpPr/>
-        <p:nvPr/>
-      </p:nvGrpSpPr>
-      <p:grpSpPr>
-        <a:xfrm>
-          <a:off x="0" y="0"/>
-          <a:ext cx="0" cy="0"/>
-          <a:chOff x="0" y="0"/>
-          <a:chExt cx="0" cy="0"/>
-        </a:xfrm>
-      </p:grpSpPr>
-      <p:sp>
-        <p:nvSpPr>
-          <p:cNvPr id="2" name="タイトル 1">
-            <a:extLst>
-              <a:ext uri="{FF2B5EF4-FFF2-40B4-BE49-F238E27FC236}">
-                <a16:creationId xmlns:a16="http://schemas.microsoft.com/office/drawing/2014/main" id="{5D85131E-AB32-0C13-F928-0BC8C7E25614}"/>
-              </a:ext>
-            </a:extLst>
-          </p:cNvPr>
-          <p:cNvSpPr>
-            <a:spLocks noGrp="1"/>
-          </p:cNvSpPr>
-          <p:nvPr>
-            <p:ph type="title"/>
-          </p:nvPr>
-        </p:nvSpPr>
-        <p:spPr/>
-        <p:txBody>
-          <a:bodyPr/>
-          <a:lstStyle/>
-          <a:p>
-            <a:r>
-              <a:rPr kumimoji="1" lang="ja-JP" altLang="en-US" dirty="0"/>
-              <a:t>用語</a:t>
-            </a:r>
-          </a:p>
-        </p:txBody>
-      </p:sp>
-      <p:sp>
-        <p:nvSpPr>
-          <p:cNvPr id="3" name="コンテンツ プレースホルダー 2">
-            <a:extLst>
-              <a:ext uri="{FF2B5EF4-FFF2-40B4-BE49-F238E27FC236}">
-                <a16:creationId xmlns:a16="http://schemas.microsoft.com/office/drawing/2014/main" id="{E1842FAB-83F8-8740-EA6D-D4B6CB48EB62}"/>
-              </a:ext>
-            </a:extLst>
-          </p:cNvPr>
-          <p:cNvSpPr>
-            <a:spLocks noGrp="1"/>
-          </p:cNvSpPr>
-          <p:nvPr>
-            <p:ph idx="1"/>
-          </p:nvPr>
-        </p:nvSpPr>
-        <p:spPr/>
-        <p:txBody>
-          <a:bodyPr/>
-          <a:lstStyle/>
-          <a:p>
-            <a:r>
-              <a:rPr kumimoji="1" lang="en-US" altLang="ja-JP" dirty="0"/>
-              <a:t>Docker file</a:t>
-            </a:r>
-          </a:p>
-          <a:p>
-            <a:r>
-              <a:rPr lang="en-US" altLang="ja-JP" dirty="0"/>
-              <a:t>Docker image</a:t>
-            </a:r>
-          </a:p>
-          <a:p>
-            <a:r>
-              <a:rPr kumimoji="1" lang="en-US" altLang="ja-JP" dirty="0"/>
-              <a:t>Docker container</a:t>
-            </a:r>
-          </a:p>
-          <a:p>
-            <a:r>
-              <a:rPr lang="en-US" altLang="ja-JP" dirty="0"/>
-              <a:t>Docker Hub</a:t>
-            </a:r>
-            <a:endParaRPr kumimoji="1" lang="en-US" altLang="ja-JP" dirty="0"/>
-          </a:p>
-          <a:p>
-            <a:pPr lvl="2"/>
-            <a:endParaRPr kumimoji="1" lang="ja-JP" altLang="en-US" dirty="0"/>
-          </a:p>
-        </p:txBody>
-      </p:sp>
-      <p:sp>
-        <p:nvSpPr>
-          <p:cNvPr id="4" name="テキスト ボックス 3">
-            <a:extLst>
-              <a:ext uri="{FF2B5EF4-FFF2-40B4-BE49-F238E27FC236}">
-                <a16:creationId xmlns:a16="http://schemas.microsoft.com/office/drawing/2014/main" id="{DA317149-12A0-92F9-65EE-02DF436B7134}"/>
-              </a:ext>
-            </a:extLst>
-          </p:cNvPr>
-          <p:cNvSpPr txBox="1"/>
-          <p:nvPr/>
-        </p:nvSpPr>
-        <p:spPr>
-          <a:xfrm>
-            <a:off x="76200" y="85725"/>
-            <a:ext cx="3676650" cy="369332"/>
-          </a:xfrm>
-          <a:prstGeom prst="rect">
-            <a:avLst/>
-          </a:prstGeom>
-          <a:noFill/>
-        </p:spPr>
-        <p:txBody>
-          <a:bodyPr wrap="square" rtlCol="0">
-            <a:spAutoFit/>
-          </a:bodyPr>
-          <a:lstStyle/>
-          <a:p>
-            <a:r>
-              <a:rPr kumimoji="1" lang="en-US" altLang="ja-JP" dirty="0"/>
-              <a:t> </a:t>
-            </a:r>
-            <a:r>
-              <a:rPr kumimoji="1" lang="en-US" altLang="ja-JP" b="1" dirty="0">
-                <a:solidFill>
-                  <a:schemeClr val="tx1">
-                    <a:lumMod val="85000"/>
-                    <a:lumOff val="15000"/>
-                  </a:schemeClr>
-                </a:solidFill>
-              </a:rPr>
-              <a:t>3. </a:t>
-            </a:r>
-            <a:r>
-              <a:rPr lang="ja-JP" altLang="en-US" b="1" dirty="0">
-                <a:solidFill>
-                  <a:schemeClr val="tx1">
-                    <a:lumMod val="85000"/>
-                    <a:lumOff val="15000"/>
-                  </a:schemeClr>
-                </a:solidFill>
-              </a:rPr>
-              <a:t>主要アーキテクチャ</a:t>
-            </a:r>
-            <a:endParaRPr kumimoji="1" lang="ja-JP" altLang="en-US" b="1" dirty="0">
-              <a:solidFill>
-                <a:schemeClr val="tx1">
-                  <a:lumMod val="85000"/>
-                  <a:lumOff val="15000"/>
-                </a:schemeClr>
-              </a:solidFill>
-            </a:endParaRPr>
-          </a:p>
-        </p:txBody>
-      </p:sp>
-    </p:spTree>
-    <p:extLst>
-      <p:ext uri="{BB962C8B-B14F-4D97-AF65-F5344CB8AC3E}">
-        <p14:creationId xmlns:p14="http://schemas.microsoft.com/office/powerpoint/2010/main" val="43114881"/>
-      </p:ext>
-    </p:extLst>
-  </p:cSld>
-  <p:clrMapOvr>
-    <a:masterClrMapping/>
-  </p:clrMapOvr>
-</p:sld>
-</file>
-
-<file path=ppt/slides/slide11.xml><?xml version="1.0" encoding="utf-8"?>
-<p:sld xmlns:a="http://schemas.openxmlformats.org/drawingml/2006/main" xmlns:r="http://schemas.openxmlformats.org/officeDocument/2006/relationships" xmlns:p="http://schemas.openxmlformats.org/presentationml/2006/main">
-  <p:cSld>
-    <p:spTree>
-      <p:nvGrpSpPr>
-        <p:cNvPr id="1" name=""/>
-        <p:cNvGrpSpPr/>
-        <p:nvPr/>
-      </p:nvGrpSpPr>
-      <p:grpSpPr>
-        <a:xfrm>
-          <a:off x="0" y="0"/>
-          <a:ext cx="0" cy="0"/>
-          <a:chOff x="0" y="0"/>
-          <a:chExt cx="0" cy="0"/>
-        </a:xfrm>
-      </p:grpSpPr>
-      <p:sp>
-        <p:nvSpPr>
-          <p:cNvPr id="2" name="タイトル 1">
-            <a:extLst>
-              <a:ext uri="{FF2B5EF4-FFF2-40B4-BE49-F238E27FC236}">
-                <a16:creationId xmlns:a16="http://schemas.microsoft.com/office/drawing/2014/main" id="{5D85131E-AB32-0C13-F928-0BC8C7E25614}"/>
-              </a:ext>
-            </a:extLst>
-          </p:cNvPr>
-          <p:cNvSpPr>
-            <a:spLocks noGrp="1"/>
-          </p:cNvSpPr>
-          <p:nvPr>
-            <p:ph type="title"/>
-          </p:nvPr>
-        </p:nvSpPr>
-        <p:spPr/>
-        <p:txBody>
-          <a:bodyPr/>
-          <a:lstStyle/>
-          <a:p>
-            <a:r>
-              <a:rPr kumimoji="1" lang="ja-JP" altLang="en-US" dirty="0"/>
-              <a:t>用語</a:t>
-            </a:r>
-          </a:p>
-        </p:txBody>
-      </p:sp>
-      <p:sp>
-        <p:nvSpPr>
-          <p:cNvPr id="3" name="コンテンツ プレースホルダー 2">
-            <a:extLst>
-              <a:ext uri="{FF2B5EF4-FFF2-40B4-BE49-F238E27FC236}">
-                <a16:creationId xmlns:a16="http://schemas.microsoft.com/office/drawing/2014/main" id="{E1842FAB-83F8-8740-EA6D-D4B6CB48EB62}"/>
-              </a:ext>
-            </a:extLst>
-          </p:cNvPr>
-          <p:cNvSpPr>
-            <a:spLocks noGrp="1"/>
-          </p:cNvSpPr>
-          <p:nvPr>
-            <p:ph idx="1"/>
-          </p:nvPr>
-        </p:nvSpPr>
-        <p:spPr/>
-        <p:txBody>
-          <a:bodyPr/>
-          <a:lstStyle/>
-          <a:p>
-            <a:r>
-              <a:rPr kumimoji="1" lang="en-US" altLang="ja-JP" dirty="0"/>
-              <a:t>Docker file</a:t>
-            </a:r>
-          </a:p>
-          <a:p>
-            <a:pPr lvl="2"/>
-            <a:endParaRPr kumimoji="1" lang="ja-JP" altLang="en-US" dirty="0"/>
-          </a:p>
-        </p:txBody>
-      </p:sp>
-      <p:sp>
-        <p:nvSpPr>
-          <p:cNvPr id="4" name="テキスト ボックス 3">
-            <a:extLst>
-              <a:ext uri="{FF2B5EF4-FFF2-40B4-BE49-F238E27FC236}">
-                <a16:creationId xmlns:a16="http://schemas.microsoft.com/office/drawing/2014/main" id="{DA317149-12A0-92F9-65EE-02DF436B7134}"/>
-              </a:ext>
-            </a:extLst>
-          </p:cNvPr>
-          <p:cNvSpPr txBox="1"/>
-          <p:nvPr/>
-        </p:nvSpPr>
-        <p:spPr>
-          <a:xfrm>
-            <a:off x="76200" y="85725"/>
-            <a:ext cx="3676650" cy="369332"/>
-          </a:xfrm>
-          <a:prstGeom prst="rect">
-            <a:avLst/>
-          </a:prstGeom>
-          <a:noFill/>
-        </p:spPr>
-        <p:txBody>
-          <a:bodyPr wrap="square" rtlCol="0">
-            <a:spAutoFit/>
-          </a:bodyPr>
-          <a:lstStyle/>
-          <a:p>
-            <a:r>
-              <a:rPr kumimoji="1" lang="en-US" altLang="ja-JP" dirty="0"/>
-              <a:t> </a:t>
-            </a:r>
-            <a:r>
-              <a:rPr kumimoji="1" lang="en-US" altLang="ja-JP" b="1" dirty="0">
-                <a:solidFill>
-                  <a:schemeClr val="tx1">
-                    <a:lumMod val="85000"/>
-                    <a:lumOff val="15000"/>
-                  </a:schemeClr>
-                </a:solidFill>
-              </a:rPr>
-              <a:t>3. </a:t>
-            </a:r>
-            <a:r>
-              <a:rPr lang="ja-JP" altLang="en-US" b="1" dirty="0">
-                <a:solidFill>
-                  <a:schemeClr val="tx1">
-                    <a:lumMod val="85000"/>
-                    <a:lumOff val="15000"/>
-                  </a:schemeClr>
-                </a:solidFill>
-              </a:rPr>
-              <a:t>主要アーキテクチャ </a:t>
-            </a:r>
-            <a:r>
-              <a:rPr lang="en-US" altLang="ja-JP" b="1" dirty="0">
-                <a:solidFill>
-                  <a:schemeClr val="tx1">
-                    <a:lumMod val="85000"/>
-                    <a:lumOff val="15000"/>
-                  </a:schemeClr>
-                </a:solidFill>
-              </a:rPr>
-              <a:t>&gt; </a:t>
-            </a:r>
-            <a:r>
-              <a:rPr lang="ja-JP" altLang="en-US" b="1" dirty="0">
-                <a:solidFill>
-                  <a:schemeClr val="tx1">
-                    <a:lumMod val="85000"/>
-                    <a:lumOff val="15000"/>
-                  </a:schemeClr>
-                </a:solidFill>
-              </a:rPr>
-              <a:t>用語</a:t>
-            </a:r>
-            <a:endParaRPr kumimoji="1" lang="ja-JP" altLang="en-US" b="1" dirty="0">
-              <a:solidFill>
-                <a:schemeClr val="tx1">
-                  <a:lumMod val="85000"/>
-                  <a:lumOff val="15000"/>
-                </a:schemeClr>
-              </a:solidFill>
-            </a:endParaRPr>
-          </a:p>
-        </p:txBody>
-      </p:sp>
-    </p:spTree>
-    <p:extLst>
-      <p:ext uri="{BB962C8B-B14F-4D97-AF65-F5344CB8AC3E}">
-        <p14:creationId xmlns:p14="http://schemas.microsoft.com/office/powerpoint/2010/main" val="1779892532"/>
-      </p:ext>
-    </p:extLst>
-  </p:cSld>
-  <p:clrMapOvr>
-    <a:masterClrMapping/>
-  </p:clrMapOvr>
-</p:sld>
-</file>
-
-<file path=ppt/slides/slide2.xml><?xml version="1.0" encoding="utf-8"?>
-<p:sld xmlns:a="http://schemas.openxmlformats.org/drawingml/2006/main" xmlns:r="http://schemas.openxmlformats.org/officeDocument/2006/relationships" xmlns:p="http://schemas.openxmlformats.org/presentationml/2006/main">
-  <p:cSld>
-    <p:spTree>
-      <p:nvGrpSpPr>
-        <p:cNvPr id="1" name=""/>
-        <p:cNvGrpSpPr/>
-        <p:nvPr/>
-      </p:nvGrpSpPr>
-      <p:grpSpPr>
-        <a:xfrm>
-          <a:off x="0" y="0"/>
-          <a:ext cx="0" cy="0"/>
-          <a:chOff x="0" y="0"/>
-          <a:chExt cx="0" cy="0"/>
-        </a:xfrm>
-      </p:grpSpPr>
-      <p:sp>
-        <p:nvSpPr>
-          <p:cNvPr id="2" name="タイトル 1">
-            <a:extLst>
-              <a:ext uri="{FF2B5EF4-FFF2-40B4-BE49-F238E27FC236}">
-                <a16:creationId xmlns:a16="http://schemas.microsoft.com/office/drawing/2014/main" id="{13C4D2A4-A8A3-4A0F-865E-C8E7749DD008}"/>
-              </a:ext>
-            </a:extLst>
-          </p:cNvPr>
-          <p:cNvSpPr>
-            <a:spLocks noGrp="1"/>
-          </p:cNvSpPr>
-          <p:nvPr>
-            <p:ph type="title"/>
-          </p:nvPr>
-        </p:nvSpPr>
-        <p:spPr/>
-        <p:txBody>
-          <a:bodyPr/>
-          <a:lstStyle/>
-          <a:p>
-            <a:r>
-              <a:rPr kumimoji="1" lang="ja-JP" altLang="en-US" dirty="0"/>
-              <a:t>目次</a:t>
-            </a:r>
-          </a:p>
-        </p:txBody>
-      </p:sp>
-      <p:sp>
-        <p:nvSpPr>
-          <p:cNvPr id="3" name="コンテンツ プレースホルダー 2">
-            <a:extLst>
-              <a:ext uri="{FF2B5EF4-FFF2-40B4-BE49-F238E27FC236}">
-                <a16:creationId xmlns:a16="http://schemas.microsoft.com/office/drawing/2014/main" id="{706B9376-CA1B-A866-AE66-10DEE3BC1EAF}"/>
-              </a:ext>
-            </a:extLst>
-          </p:cNvPr>
-          <p:cNvSpPr>
-            <a:spLocks noGrp="1"/>
-          </p:cNvSpPr>
-          <p:nvPr>
-            <p:ph idx="1"/>
-          </p:nvPr>
-        </p:nvSpPr>
-        <p:spPr/>
-        <p:txBody>
-          <a:bodyPr/>
-          <a:lstStyle/>
-          <a:p>
-            <a:pPr marL="514350" indent="-514350">
-              <a:buFont typeface="+mj-lt"/>
-              <a:buAutoNum type="arabicPeriod"/>
-            </a:pPr>
-            <a:r>
-              <a:rPr lang="ja-JP" altLang="en-US" dirty="0">
-                <a:solidFill>
-                  <a:schemeClr val="accent1"/>
-                </a:solidFill>
-              </a:rPr>
-              <a:t>コンテナとは</a:t>
-            </a:r>
-            <a:endParaRPr lang="en-US" altLang="ja-JP" dirty="0">
-              <a:solidFill>
-                <a:schemeClr val="accent1"/>
-              </a:solidFill>
-            </a:endParaRPr>
-          </a:p>
-          <a:p>
-            <a:pPr marL="514350" indent="-514350">
-              <a:buFont typeface="+mj-lt"/>
-              <a:buAutoNum type="arabicPeriod"/>
-            </a:pPr>
-            <a:r>
-              <a:rPr lang="en-US" altLang="ja-JP" dirty="0">
-                <a:solidFill>
-                  <a:schemeClr val="accent1"/>
-                </a:solidFill>
-              </a:rPr>
-              <a:t>Docker</a:t>
-            </a:r>
-            <a:r>
-              <a:rPr lang="ja-JP" altLang="en-US" dirty="0">
-                <a:solidFill>
-                  <a:schemeClr val="accent1"/>
-                </a:solidFill>
-              </a:rPr>
-              <a:t>とは</a:t>
-            </a:r>
-            <a:endParaRPr lang="en-US" altLang="ja-JP" dirty="0">
-              <a:solidFill>
-                <a:schemeClr val="accent1"/>
-              </a:solidFill>
-            </a:endParaRPr>
-          </a:p>
-          <a:p>
-            <a:pPr marL="514350" indent="-514350">
-              <a:buFont typeface="+mj-lt"/>
-              <a:buAutoNum type="arabicPeriod"/>
-            </a:pPr>
-            <a:r>
-              <a:rPr kumimoji="1" lang="ja-JP" altLang="en-US" dirty="0">
-                <a:solidFill>
-                  <a:schemeClr val="accent1"/>
-                </a:solidFill>
-              </a:rPr>
-              <a:t>主要アーキテクチャ</a:t>
-            </a:r>
-            <a:endParaRPr kumimoji="1" lang="en-US" altLang="ja-JP" dirty="0">
-              <a:solidFill>
-                <a:schemeClr val="accent1"/>
-              </a:solidFill>
-            </a:endParaRPr>
-          </a:p>
-          <a:p>
-            <a:pPr marL="514350" indent="-514350">
-              <a:buFont typeface="+mj-lt"/>
-              <a:buAutoNum type="arabicPeriod"/>
-            </a:pPr>
-            <a:r>
-              <a:rPr lang="ja-JP" altLang="en-US" dirty="0">
-                <a:solidFill>
-                  <a:schemeClr val="accent1"/>
-                </a:solidFill>
-              </a:rPr>
-              <a:t>長所</a:t>
-            </a:r>
-            <a:r>
-              <a:rPr lang="en-US" altLang="ja-JP" dirty="0">
-                <a:solidFill>
-                  <a:schemeClr val="accent1"/>
-                </a:solidFill>
-              </a:rPr>
-              <a:t>/</a:t>
-            </a:r>
-            <a:r>
-              <a:rPr lang="ja-JP" altLang="en-US" dirty="0">
-                <a:solidFill>
-                  <a:schemeClr val="accent1"/>
-                </a:solidFill>
-              </a:rPr>
-              <a:t>短所</a:t>
-            </a:r>
-            <a:endParaRPr lang="en-US" altLang="ja-JP" dirty="0">
-              <a:solidFill>
-                <a:schemeClr val="accent1"/>
-              </a:solidFill>
-            </a:endParaRPr>
-          </a:p>
-          <a:p>
-            <a:pPr marL="514350" indent="-514350">
-              <a:buFont typeface="+mj-lt"/>
-              <a:buAutoNum type="arabicPeriod"/>
-            </a:pPr>
-            <a:r>
-              <a:rPr kumimoji="1" lang="ja-JP" altLang="en-US" dirty="0">
-                <a:solidFill>
-                  <a:schemeClr val="accent1"/>
-                </a:solidFill>
-              </a:rPr>
-              <a:t>まとめ</a:t>
-            </a:r>
-            <a:endParaRPr kumimoji="1" lang="en-US" altLang="ja-JP" dirty="0">
-              <a:solidFill>
-                <a:schemeClr val="accent1"/>
-              </a:solidFill>
-            </a:endParaRPr>
-          </a:p>
-          <a:p>
-            <a:endParaRPr kumimoji="1" lang="en-US" altLang="ja-JP" dirty="0"/>
-          </a:p>
-        </p:txBody>
-      </p:sp>
-    </p:spTree>
-    <p:extLst>
-      <p:ext uri="{BB962C8B-B14F-4D97-AF65-F5344CB8AC3E}">
-        <p14:creationId xmlns:p14="http://schemas.microsoft.com/office/powerpoint/2010/main" val="3862179989"/>
-      </p:ext>
-    </p:extLst>
-  </p:cSld>
-  <p:clrMapOvr>
-    <a:masterClrMapping/>
-  </p:clrMapOvr>
-</p:sld>
-</file>
-
-<file path=ppt/slides/slide3.xml><?xml version="1.0" encoding="utf-8"?>
-<p:sld xmlns:a="http://schemas.openxmlformats.org/drawingml/2006/main" xmlns:r="http://schemas.openxmlformats.org/officeDocument/2006/relationships" xmlns:p="http://schemas.openxmlformats.org/presentationml/2006/main">
-  <p:cSld>
-    <p:bg>
-      <p:bgPr>
-        <a:solidFill>
-          <a:schemeClr val="accent1"/>
-        </a:solidFill>
-        <a:effectLst/>
-      </p:bgPr>
-    </p:bg>
-    <p:spTree>
-      <p:nvGrpSpPr>
-        <p:cNvPr id="1" name=""/>
-        <p:cNvGrpSpPr/>
-        <p:nvPr/>
-      </p:nvGrpSpPr>
-      <p:grpSpPr>
-        <a:xfrm>
-          <a:off x="0" y="0"/>
-          <a:ext cx="0" cy="0"/>
-          <a:chOff x="0" y="0"/>
-          <a:chExt cx="0" cy="0"/>
-        </a:xfrm>
-      </p:grpSpPr>
-      <p:sp>
-        <p:nvSpPr>
-          <p:cNvPr id="2" name="テキスト ボックス 1">
-            <a:extLst>
-              <a:ext uri="{FF2B5EF4-FFF2-40B4-BE49-F238E27FC236}">
-                <a16:creationId xmlns:a16="http://schemas.microsoft.com/office/drawing/2014/main" id="{463D0785-186A-FC28-9B7A-5D2B59539000}"/>
-              </a:ext>
-            </a:extLst>
-          </p:cNvPr>
-          <p:cNvSpPr txBox="1"/>
-          <p:nvPr/>
-        </p:nvSpPr>
-        <p:spPr>
-          <a:xfrm>
-            <a:off x="504825" y="2438400"/>
-            <a:ext cx="11191875" cy="2123658"/>
-          </a:xfrm>
-          <a:prstGeom prst="rect">
-            <a:avLst/>
-          </a:prstGeom>
-          <a:noFill/>
-        </p:spPr>
-        <p:txBody>
-          <a:bodyPr wrap="square" rtlCol="0">
-            <a:spAutoFit/>
-          </a:bodyPr>
-          <a:lstStyle/>
-          <a:p>
-            <a:pPr algn="ctr"/>
-            <a:r>
-              <a:rPr lang="en-US" altLang="ja-JP" sz="6600" dirty="0">
-                <a:solidFill>
-                  <a:schemeClr val="bg1"/>
-                </a:solidFill>
-              </a:rPr>
-              <a:t>1.</a:t>
-            </a:r>
-          </a:p>
-          <a:p>
-            <a:pPr algn="ctr"/>
-            <a:r>
-              <a:rPr kumimoji="1" lang="ja-JP" altLang="en-US" sz="6600" b="1" dirty="0">
-                <a:solidFill>
-                  <a:schemeClr val="bg1"/>
-                </a:solidFill>
-              </a:rPr>
-              <a:t>コンテナとは？</a:t>
-            </a:r>
-          </a:p>
-        </p:txBody>
-      </p:sp>
-    </p:spTree>
-    <p:extLst>
-      <p:ext uri="{BB962C8B-B14F-4D97-AF65-F5344CB8AC3E}">
-        <p14:creationId xmlns:p14="http://schemas.microsoft.com/office/powerpoint/2010/main" val="1233660593"/>
-      </p:ext>
-    </p:extLst>
-  </p:cSld>
-  <p:clrMapOvr>
-    <a:masterClrMapping/>
-  </p:clrMapOvr>
-</p:sld>
-</file>
-
-<file path=ppt/slides/slide4.xml><?xml version="1.0" encoding="utf-8"?>
-<p:sld xmlns:a="http://schemas.openxmlformats.org/drawingml/2006/main" xmlns:r="http://schemas.openxmlformats.org/officeDocument/2006/relationships" xmlns:p="http://schemas.openxmlformats.org/presentationml/2006/main">
-  <p:cSld>
-    <p:spTree>
-      <p:nvGrpSpPr>
-        <p:cNvPr id="1" name=""/>
-        <p:cNvGrpSpPr/>
-        <p:nvPr/>
-      </p:nvGrpSpPr>
-      <p:grpSpPr>
-        <a:xfrm>
-          <a:off x="0" y="0"/>
-          <a:ext cx="0" cy="0"/>
-          <a:chOff x="0" y="0"/>
-          <a:chExt cx="0" cy="0"/>
-        </a:xfrm>
-      </p:grpSpPr>
-      <p:sp>
-        <p:nvSpPr>
-          <p:cNvPr id="2" name="タイトル 1">
-            <a:extLst>
-              <a:ext uri="{FF2B5EF4-FFF2-40B4-BE49-F238E27FC236}">
-                <a16:creationId xmlns:a16="http://schemas.microsoft.com/office/drawing/2014/main" id="{CE02B448-F4AF-BD71-D93F-8848EEEFBF72}"/>
-              </a:ext>
-            </a:extLst>
-          </p:cNvPr>
-          <p:cNvSpPr>
-            <a:spLocks noGrp="1"/>
-          </p:cNvSpPr>
-          <p:nvPr>
-            <p:ph type="title"/>
-          </p:nvPr>
-        </p:nvSpPr>
-        <p:spPr/>
-        <p:txBody>
-          <a:bodyPr/>
-          <a:lstStyle/>
-          <a:p>
-            <a:r>
-              <a:rPr kumimoji="1" lang="ja-JP" altLang="en-US" dirty="0"/>
-              <a:t>前提</a:t>
-            </a:r>
-          </a:p>
-        </p:txBody>
-      </p:sp>
-      <p:sp>
-        <p:nvSpPr>
-          <p:cNvPr id="3" name="コンテンツ プレースホルダー 2">
-            <a:extLst>
-              <a:ext uri="{FF2B5EF4-FFF2-40B4-BE49-F238E27FC236}">
-                <a16:creationId xmlns:a16="http://schemas.microsoft.com/office/drawing/2014/main" id="{8B830BDD-CE7C-01A4-A0B6-16F0E854DA5F}"/>
-              </a:ext>
-            </a:extLst>
-          </p:cNvPr>
-          <p:cNvSpPr>
-            <a:spLocks noGrp="1"/>
-          </p:cNvSpPr>
-          <p:nvPr>
-            <p:ph idx="1"/>
-          </p:nvPr>
-        </p:nvSpPr>
-        <p:spPr>
-          <a:xfrm>
-            <a:off x="838200" y="1661156"/>
-            <a:ext cx="10515600" cy="5111119"/>
-          </a:xfrm>
-        </p:spPr>
-        <p:txBody>
-          <a:bodyPr/>
-          <a:lstStyle/>
-          <a:p>
-            <a:r>
-              <a:rPr lang="ja-JP" altLang="en-US" dirty="0"/>
-              <a:t>現行</a:t>
-            </a:r>
-            <a:r>
-              <a:rPr lang="en-US" altLang="ja-JP" dirty="0"/>
-              <a:t>OS</a:t>
-            </a:r>
-            <a:r>
-              <a:rPr lang="ja-JP" altLang="en-US" dirty="0"/>
-              <a:t>の特徴</a:t>
-            </a:r>
-            <a:endParaRPr lang="en-US" altLang="ja-JP" dirty="0"/>
-          </a:p>
-          <a:p>
-            <a:pPr lvl="1"/>
-            <a:r>
-              <a:rPr lang="ja-JP" altLang="en-US" dirty="0"/>
-              <a:t>複数のプロセスを並列に動作可能</a:t>
-            </a:r>
-            <a:r>
-              <a:rPr lang="en-US" altLang="ja-JP" dirty="0"/>
-              <a:t>(</a:t>
-            </a:r>
-            <a:r>
-              <a:rPr lang="ja-JP" altLang="en-US" b="1" dirty="0"/>
-              <a:t>マルチプロセス</a:t>
-            </a:r>
-            <a:r>
-              <a:rPr lang="en-US" altLang="ja-JP" dirty="0"/>
-              <a:t>)</a:t>
-            </a:r>
-          </a:p>
-          <a:p>
-            <a:pPr lvl="2"/>
-            <a:r>
-              <a:rPr kumimoji="1" lang="ja-JP" altLang="en-US" dirty="0"/>
-              <a:t>複数のアプリを同時に実行</a:t>
-            </a:r>
-            <a:endParaRPr kumimoji="1" lang="en-US" altLang="ja-JP" dirty="0"/>
-          </a:p>
-          <a:p>
-            <a:pPr lvl="2"/>
-            <a:endParaRPr lang="en-US" altLang="ja-JP" dirty="0"/>
-          </a:p>
-          <a:p>
-            <a:r>
-              <a:rPr kumimoji="1" lang="ja-JP" altLang="en-US" dirty="0"/>
-              <a:t>マルチプロセスの課題</a:t>
-            </a:r>
-            <a:endParaRPr kumimoji="1" lang="en-US" altLang="ja-JP" dirty="0"/>
-          </a:p>
-          <a:p>
-            <a:pPr lvl="1"/>
-            <a:r>
-              <a:rPr lang="ja-JP" altLang="en-US" dirty="0"/>
-              <a:t>プロセス間で</a:t>
-            </a:r>
-            <a:r>
-              <a:rPr lang="en-US" altLang="ja-JP" dirty="0"/>
-              <a:t>OS</a:t>
-            </a:r>
-            <a:r>
-              <a:rPr lang="ja-JP" altLang="en-US" dirty="0"/>
-              <a:t>の</a:t>
-            </a:r>
-            <a:r>
-              <a:rPr lang="ja-JP" altLang="en-US" u="sng" dirty="0"/>
-              <a:t>リソース</a:t>
-            </a:r>
-            <a:r>
-              <a:rPr lang="ja-JP" altLang="en-US" dirty="0"/>
-              <a:t>を共有</a:t>
-            </a:r>
-            <a:endParaRPr lang="en-US" altLang="ja-JP" dirty="0"/>
-          </a:p>
-          <a:p>
-            <a:pPr marL="914400" lvl="2" indent="0">
-              <a:buNone/>
-            </a:pPr>
-            <a:r>
-              <a:rPr lang="ja-JP" altLang="en-US" dirty="0"/>
-              <a:t>例</a:t>
-            </a:r>
-            <a:endParaRPr lang="en-US" altLang="ja-JP" dirty="0"/>
-          </a:p>
-          <a:p>
-            <a:pPr lvl="2"/>
-            <a:r>
-              <a:rPr lang="en-US" altLang="ja-JP" i="1" u="sng" dirty="0"/>
-              <a:t>IP</a:t>
-            </a:r>
-            <a:r>
-              <a:rPr lang="ja-JP" altLang="en-US" i="1" u="sng" dirty="0"/>
-              <a:t>アドレス</a:t>
-            </a:r>
-            <a:r>
-              <a:rPr lang="ja-JP" altLang="en-US" i="1" dirty="0"/>
-              <a:t>，</a:t>
-            </a:r>
-            <a:r>
-              <a:rPr lang="ja-JP" altLang="en-US" i="1" u="sng" dirty="0"/>
-              <a:t>ポート</a:t>
-            </a:r>
-            <a:r>
-              <a:rPr lang="ja-JP" altLang="en-US" i="1" dirty="0"/>
-              <a:t>，</a:t>
-            </a:r>
-            <a:r>
-              <a:rPr lang="ja-JP" altLang="en-US" i="1" u="sng" dirty="0"/>
-              <a:t>名前空間</a:t>
-            </a:r>
-            <a:endParaRPr lang="en-US" altLang="ja-JP" i="1" u="sng" dirty="0"/>
-          </a:p>
-          <a:p>
-            <a:pPr marL="914400" lvl="2" indent="0">
-              <a:buNone/>
-            </a:pPr>
-            <a:endParaRPr lang="en-US" altLang="ja-JP" dirty="0"/>
-          </a:p>
-          <a:p>
-            <a:pPr lvl="1">
-              <a:buFont typeface="Wingdings" panose="05000000000000000000" pitchFamily="2" charset="2"/>
-              <a:buChar char="Ø"/>
-            </a:pPr>
-            <a:r>
-              <a:rPr kumimoji="1" lang="ja-JP" altLang="en-US" b="1" dirty="0">
-                <a:solidFill>
-                  <a:srgbClr val="FF0000"/>
-                </a:solidFill>
-              </a:rPr>
-              <a:t>アプリの共存が難しい</a:t>
-            </a:r>
-            <a:endParaRPr kumimoji="1" lang="en-US" altLang="ja-JP" b="1" dirty="0">
-              <a:solidFill>
-                <a:srgbClr val="FF0000"/>
-              </a:solidFill>
-            </a:endParaRPr>
-          </a:p>
-          <a:p>
-            <a:pPr lvl="2"/>
-            <a:r>
-              <a:rPr kumimoji="1" lang="ja-JP" altLang="en-US" dirty="0"/>
-              <a:t>同一ポートを使うプロセス</a:t>
-            </a:r>
-            <a:endParaRPr kumimoji="1" lang="en-US" altLang="ja-JP" dirty="0"/>
-          </a:p>
-          <a:p>
-            <a:pPr lvl="2"/>
-            <a:r>
-              <a:rPr kumimoji="1" lang="en-US" altLang="ja-JP" dirty="0"/>
-              <a:t>OS</a:t>
-            </a:r>
-            <a:r>
-              <a:rPr kumimoji="1" lang="ja-JP" altLang="en-US" dirty="0"/>
-              <a:t>レベルの設定を要求</a:t>
-            </a:r>
-          </a:p>
-        </p:txBody>
-      </p:sp>
-      <p:sp>
-        <p:nvSpPr>
-          <p:cNvPr id="4" name="テキスト ボックス 3">
-            <a:extLst>
-              <a:ext uri="{FF2B5EF4-FFF2-40B4-BE49-F238E27FC236}">
-                <a16:creationId xmlns:a16="http://schemas.microsoft.com/office/drawing/2014/main" id="{858DCCF8-1783-DEAD-D7A0-CBDB07DDEF4D}"/>
-              </a:ext>
-            </a:extLst>
-          </p:cNvPr>
-          <p:cNvSpPr txBox="1"/>
-          <p:nvPr/>
-        </p:nvSpPr>
-        <p:spPr>
-          <a:xfrm>
-            <a:off x="76200" y="85725"/>
-            <a:ext cx="3676650" cy="369332"/>
-          </a:xfrm>
-          <a:prstGeom prst="rect">
-            <a:avLst/>
-          </a:prstGeom>
-          <a:noFill/>
-        </p:spPr>
-        <p:txBody>
-          <a:bodyPr wrap="square" rtlCol="0">
-            <a:spAutoFit/>
-          </a:bodyPr>
-          <a:lstStyle/>
-          <a:p>
-            <a:r>
-              <a:rPr kumimoji="1" lang="en-US" altLang="ja-JP" dirty="0"/>
-              <a:t> </a:t>
-            </a:r>
-            <a:r>
-              <a:rPr kumimoji="1" lang="en-US" altLang="ja-JP" b="1" dirty="0">
-                <a:solidFill>
-                  <a:schemeClr val="tx1">
-                    <a:lumMod val="85000"/>
-                    <a:lumOff val="15000"/>
-                  </a:schemeClr>
-                </a:solidFill>
-              </a:rPr>
-              <a:t>1. </a:t>
-            </a:r>
-            <a:r>
-              <a:rPr kumimoji="1" lang="ja-JP" altLang="en-US" b="1" dirty="0">
-                <a:solidFill>
-                  <a:schemeClr val="tx1">
-                    <a:lumMod val="85000"/>
-                    <a:lumOff val="15000"/>
-                  </a:schemeClr>
-                </a:solidFill>
-              </a:rPr>
-              <a:t>コンテナとは？</a:t>
-            </a:r>
-          </a:p>
-        </p:txBody>
-      </p:sp>
-    </p:spTree>
-    <p:extLst>
-      <p:ext uri="{BB962C8B-B14F-4D97-AF65-F5344CB8AC3E}">
-        <p14:creationId xmlns:p14="http://schemas.microsoft.com/office/powerpoint/2010/main" val="2163937173"/>
-      </p:ext>
-    </p:extLst>
-  </p:cSld>
-  <p:clrMapOvr>
-    <a:masterClrMapping/>
-  </p:clrMapOvr>
-</p:sld>
-</file>
-
-<file path=ppt/slides/slide5.xml><?xml version="1.0" encoding="utf-8"?>
-<p:sld xmlns:a="http://schemas.openxmlformats.org/drawingml/2006/main" xmlns:r="http://schemas.openxmlformats.org/officeDocument/2006/relationships" xmlns:p="http://schemas.openxmlformats.org/presentationml/2006/main">
-  <p:cSld>
-    <p:bg>
-      <p:bgPr>
-        <a:solidFill>
-          <a:schemeClr val="accent1"/>
-        </a:solidFill>
-        <a:effectLst/>
-      </p:bgPr>
-    </p:bg>
-    <p:spTree>
-      <p:nvGrpSpPr>
-        <p:cNvPr id="1" name=""/>
-        <p:cNvGrpSpPr/>
-        <p:nvPr/>
-      </p:nvGrpSpPr>
-      <p:grpSpPr>
-        <a:xfrm>
-          <a:off x="0" y="0"/>
-          <a:ext cx="0" cy="0"/>
-          <a:chOff x="0" y="0"/>
-          <a:chExt cx="0" cy="0"/>
-        </a:xfrm>
-      </p:grpSpPr>
-      <p:sp>
-        <p:nvSpPr>
-          <p:cNvPr id="2" name="テキスト ボックス 1">
-            <a:extLst>
-              <a:ext uri="{FF2B5EF4-FFF2-40B4-BE49-F238E27FC236}">
-                <a16:creationId xmlns:a16="http://schemas.microsoft.com/office/drawing/2014/main" id="{463D0785-186A-FC28-9B7A-5D2B59539000}"/>
-              </a:ext>
-            </a:extLst>
-          </p:cNvPr>
-          <p:cNvSpPr txBox="1"/>
-          <p:nvPr/>
-        </p:nvSpPr>
-        <p:spPr>
-          <a:xfrm>
-            <a:off x="504825" y="2438400"/>
-            <a:ext cx="11191875" cy="2123658"/>
-          </a:xfrm>
-          <a:prstGeom prst="rect">
-            <a:avLst/>
-          </a:prstGeom>
-          <a:noFill/>
-        </p:spPr>
-        <p:txBody>
-          <a:bodyPr wrap="square" rtlCol="0">
-            <a:spAutoFit/>
-          </a:bodyPr>
-          <a:lstStyle/>
-          <a:p>
-            <a:pPr algn="ctr"/>
-            <a:r>
-              <a:rPr lang="en-US" altLang="ja-JP" sz="6600" dirty="0">
-                <a:solidFill>
-                  <a:schemeClr val="bg1"/>
-                </a:solidFill>
-              </a:rPr>
-              <a:t>2.</a:t>
-            </a:r>
-          </a:p>
-          <a:p>
-            <a:pPr algn="ctr"/>
-            <a:r>
-              <a:rPr kumimoji="1" lang="en-US" altLang="ja-JP" sz="6600" b="1" dirty="0">
-                <a:solidFill>
-                  <a:schemeClr val="bg1"/>
-                </a:solidFill>
-              </a:rPr>
-              <a:t>Docker</a:t>
-            </a:r>
-            <a:r>
-              <a:rPr kumimoji="1" lang="ja-JP" altLang="en-US" sz="6600" b="1" dirty="0">
-                <a:solidFill>
-                  <a:schemeClr val="bg1"/>
-                </a:solidFill>
-              </a:rPr>
-              <a:t>とは？</a:t>
-            </a:r>
-          </a:p>
-        </p:txBody>
-      </p:sp>
-    </p:spTree>
-    <p:extLst>
-      <p:ext uri="{BB962C8B-B14F-4D97-AF65-F5344CB8AC3E}">
-        <p14:creationId xmlns:p14="http://schemas.microsoft.com/office/powerpoint/2010/main" val="3088429541"/>
-      </p:ext>
-    </p:extLst>
-  </p:cSld>
-  <p:clrMapOvr>
-    <a:masterClrMapping/>
-  </p:clrMapOvr>
-</p:sld>
-</file>
-
-<file path=ppt/slides/slide6.xml><?xml version="1.0" encoding="utf-8"?>
-<p:sld xmlns:a="http://schemas.openxmlformats.org/drawingml/2006/main" xmlns:r="http://schemas.openxmlformats.org/officeDocument/2006/relationships" xmlns:p="http://schemas.openxmlformats.org/presentationml/2006/main">
-  <p:cSld>
-    <p:spTree>
-      <p:nvGrpSpPr>
-        <p:cNvPr id="1" name=""/>
-        <p:cNvGrpSpPr/>
-        <p:nvPr/>
-      </p:nvGrpSpPr>
-      <p:grpSpPr>
-        <a:xfrm>
-          <a:off x="0" y="0"/>
-          <a:ext cx="0" cy="0"/>
-          <a:chOff x="0" y="0"/>
-          <a:chExt cx="0" cy="0"/>
-        </a:xfrm>
-      </p:grpSpPr>
-      <p:sp>
-        <p:nvSpPr>
-          <p:cNvPr id="2" name="タイトル 1">
-            <a:extLst>
-              <a:ext uri="{FF2B5EF4-FFF2-40B4-BE49-F238E27FC236}">
-                <a16:creationId xmlns:a16="http://schemas.microsoft.com/office/drawing/2014/main" id="{5D85131E-AB32-0C13-F928-0BC8C7E25614}"/>
-              </a:ext>
-            </a:extLst>
-          </p:cNvPr>
-          <p:cNvSpPr>
-            <a:spLocks noGrp="1"/>
-          </p:cNvSpPr>
-          <p:nvPr>
-            <p:ph type="title"/>
-          </p:nvPr>
-        </p:nvSpPr>
-        <p:spPr/>
-        <p:txBody>
-          <a:bodyPr/>
-          <a:lstStyle/>
-          <a:p>
-            <a:r>
-              <a:rPr kumimoji="1" lang="ja-JP" altLang="en-US" dirty="0"/>
-              <a:t>概要</a:t>
-            </a:r>
-          </a:p>
-        </p:txBody>
-      </p:sp>
-      <p:sp>
-        <p:nvSpPr>
-          <p:cNvPr id="3" name="コンテンツ プレースホルダー 2">
-            <a:extLst>
-              <a:ext uri="{FF2B5EF4-FFF2-40B4-BE49-F238E27FC236}">
-                <a16:creationId xmlns:a16="http://schemas.microsoft.com/office/drawing/2014/main" id="{E1842FAB-83F8-8740-EA6D-D4B6CB48EB62}"/>
-              </a:ext>
-            </a:extLst>
-          </p:cNvPr>
-          <p:cNvSpPr>
-            <a:spLocks noGrp="1"/>
-          </p:cNvSpPr>
-          <p:nvPr>
-            <p:ph idx="1"/>
-          </p:nvPr>
-        </p:nvSpPr>
-        <p:spPr/>
-        <p:txBody>
-          <a:bodyPr/>
-          <a:lstStyle/>
-          <a:p>
-            <a:r>
-              <a:rPr kumimoji="1" lang="ja-JP" altLang="en-US" dirty="0"/>
-              <a:t>プラットフォーム</a:t>
-            </a:r>
-            <a:endParaRPr kumimoji="1" lang="en-US" altLang="ja-JP" dirty="0"/>
-          </a:p>
-          <a:p>
-            <a:pPr lvl="1"/>
-            <a:r>
-              <a:rPr kumimoji="1" lang="ja-JP" altLang="en-US" dirty="0"/>
-              <a:t>以下の要素をひとまとめに管理しやすくしたプラットフォーム</a:t>
-            </a:r>
-            <a:endParaRPr kumimoji="1" lang="en-US" altLang="ja-JP" dirty="0"/>
-          </a:p>
-          <a:p>
-            <a:pPr lvl="2"/>
-            <a:r>
-              <a:rPr kumimoji="1" lang="ja-JP" altLang="en-US" dirty="0"/>
-              <a:t>アプリの環境構築</a:t>
-            </a:r>
-            <a:endParaRPr kumimoji="1" lang="en-US" altLang="ja-JP" dirty="0"/>
-          </a:p>
-          <a:p>
-            <a:pPr lvl="2"/>
-            <a:r>
-              <a:rPr lang="ja-JP" altLang="en-US" dirty="0"/>
-              <a:t>配送</a:t>
-            </a:r>
-            <a:endParaRPr lang="en-US" altLang="ja-JP" dirty="0"/>
-          </a:p>
-          <a:p>
-            <a:pPr lvl="2"/>
-            <a:r>
-              <a:rPr kumimoji="1" lang="ja-JP" altLang="en-US" dirty="0"/>
-              <a:t>実行</a:t>
-            </a:r>
-            <a:endParaRPr lang="en-US" altLang="ja-JP" dirty="0"/>
-          </a:p>
-          <a:p>
-            <a:pPr lvl="1"/>
-            <a:endParaRPr kumimoji="1" lang="en-US" altLang="ja-JP" dirty="0"/>
-          </a:p>
-          <a:p>
-            <a:pPr lvl="2"/>
-            <a:endParaRPr kumimoji="1" lang="ja-JP" altLang="en-US" dirty="0"/>
-          </a:p>
-        </p:txBody>
-      </p:sp>
-      <p:sp>
-        <p:nvSpPr>
-          <p:cNvPr id="4" name="テキスト ボックス 3">
-            <a:extLst>
-              <a:ext uri="{FF2B5EF4-FFF2-40B4-BE49-F238E27FC236}">
-                <a16:creationId xmlns:a16="http://schemas.microsoft.com/office/drawing/2014/main" id="{DA317149-12A0-92F9-65EE-02DF436B7134}"/>
-              </a:ext>
-            </a:extLst>
-          </p:cNvPr>
-          <p:cNvSpPr txBox="1"/>
-          <p:nvPr/>
-        </p:nvSpPr>
-        <p:spPr>
-          <a:xfrm>
-            <a:off x="76200" y="85725"/>
-            <a:ext cx="3676650" cy="369332"/>
-          </a:xfrm>
-          <a:prstGeom prst="rect">
-            <a:avLst/>
-          </a:prstGeom>
-          <a:noFill/>
-        </p:spPr>
-        <p:txBody>
-          <a:bodyPr wrap="square" rtlCol="0">
-            <a:spAutoFit/>
-          </a:bodyPr>
-          <a:lstStyle/>
-          <a:p>
-            <a:r>
-              <a:rPr kumimoji="1" lang="en-US" altLang="ja-JP" dirty="0"/>
-              <a:t> </a:t>
-            </a:r>
-            <a:r>
-              <a:rPr lang="en-US" altLang="ja-JP" b="1" dirty="0">
-                <a:solidFill>
-                  <a:schemeClr val="tx1">
-                    <a:lumMod val="85000"/>
-                    <a:lumOff val="15000"/>
-                  </a:schemeClr>
-                </a:solidFill>
-              </a:rPr>
-              <a:t>2</a:t>
-            </a:r>
-            <a:r>
-              <a:rPr kumimoji="1" lang="en-US" altLang="ja-JP" b="1" dirty="0">
-                <a:solidFill>
-                  <a:schemeClr val="tx1">
-                    <a:lumMod val="85000"/>
-                    <a:lumOff val="15000"/>
-                  </a:schemeClr>
-                </a:solidFill>
-              </a:rPr>
-              <a:t>. Docker</a:t>
-            </a:r>
-            <a:r>
-              <a:rPr kumimoji="1" lang="ja-JP" altLang="en-US" b="1" dirty="0">
-                <a:solidFill>
-                  <a:schemeClr val="tx1">
-                    <a:lumMod val="85000"/>
-                    <a:lumOff val="15000"/>
-                  </a:schemeClr>
-                </a:solidFill>
-              </a:rPr>
-              <a:t>とは？</a:t>
-            </a:r>
-          </a:p>
-        </p:txBody>
-      </p:sp>
-    </p:spTree>
-    <p:extLst>
-      <p:ext uri="{BB962C8B-B14F-4D97-AF65-F5344CB8AC3E}">
-        <p14:creationId xmlns:p14="http://schemas.microsoft.com/office/powerpoint/2010/main" val="2867152499"/>
-      </p:ext>
-    </p:extLst>
-  </p:cSld>
-  <p:clrMapOvr>
-    <a:masterClrMapping/>
-  </p:clrMapOvr>
-</p:sld>
-</file>
-
-<file path=ppt/slides/slide7.xml><?xml version="1.0" encoding="utf-8"?>
-<p:sld xmlns:a="http://schemas.openxmlformats.org/drawingml/2006/main" xmlns:r="http://schemas.openxmlformats.org/officeDocument/2006/relationships" xmlns:p="http://schemas.openxmlformats.org/presentationml/2006/main">
-  <p:cSld>
-    <p:bg>
-      <p:bgPr>
-        <a:solidFill>
-          <a:schemeClr val="accent1"/>
-        </a:solidFill>
-        <a:effectLst/>
-      </p:bgPr>
-    </p:bg>
-    <p:spTree>
-      <p:nvGrpSpPr>
-        <p:cNvPr id="1" name=""/>
-        <p:cNvGrpSpPr/>
-        <p:nvPr/>
-      </p:nvGrpSpPr>
-      <p:grpSpPr>
-        <a:xfrm>
-          <a:off x="0" y="0"/>
-          <a:ext cx="0" cy="0"/>
-          <a:chOff x="0" y="0"/>
-          <a:chExt cx="0" cy="0"/>
-        </a:xfrm>
-      </p:grpSpPr>
-      <p:sp>
-        <p:nvSpPr>
-          <p:cNvPr id="2" name="テキスト ボックス 1">
-            <a:extLst>
-              <a:ext uri="{FF2B5EF4-FFF2-40B4-BE49-F238E27FC236}">
-                <a16:creationId xmlns:a16="http://schemas.microsoft.com/office/drawing/2014/main" id="{463D0785-186A-FC28-9B7A-5D2B59539000}"/>
-              </a:ext>
-            </a:extLst>
-          </p:cNvPr>
-          <p:cNvSpPr txBox="1"/>
-          <p:nvPr/>
-        </p:nvSpPr>
-        <p:spPr>
-          <a:xfrm>
-            <a:off x="504825" y="2438400"/>
-            <a:ext cx="11191875" cy="2123658"/>
-          </a:xfrm>
-          <a:prstGeom prst="rect">
-            <a:avLst/>
-          </a:prstGeom>
-          <a:noFill/>
-        </p:spPr>
-        <p:txBody>
-          <a:bodyPr wrap="square" rtlCol="0">
-            <a:spAutoFit/>
-          </a:bodyPr>
-          <a:lstStyle/>
-          <a:p>
-            <a:pPr algn="ctr"/>
-            <a:r>
-              <a:rPr lang="en-US" altLang="ja-JP" sz="6600" dirty="0">
-                <a:solidFill>
-                  <a:schemeClr val="bg1"/>
-                </a:solidFill>
-              </a:rPr>
-              <a:t>3.</a:t>
-            </a:r>
-          </a:p>
-          <a:p>
-            <a:pPr algn="ctr"/>
-            <a:r>
-              <a:rPr lang="ja-JP" altLang="en-US" sz="6600" b="1" dirty="0">
-                <a:solidFill>
-                  <a:schemeClr val="bg1"/>
-                </a:solidFill>
-              </a:rPr>
-              <a:t>主要アーキテクチャ</a:t>
-            </a:r>
-            <a:endParaRPr kumimoji="1" lang="ja-JP" altLang="en-US" sz="6600" b="1" dirty="0">
-              <a:solidFill>
-                <a:schemeClr val="bg1"/>
-              </a:solidFill>
-            </a:endParaRPr>
-          </a:p>
-        </p:txBody>
-      </p:sp>
-    </p:spTree>
-    <p:extLst>
-      <p:ext uri="{BB962C8B-B14F-4D97-AF65-F5344CB8AC3E}">
-        <p14:creationId xmlns:p14="http://schemas.microsoft.com/office/powerpoint/2010/main" val="3661967508"/>
-      </p:ext>
-    </p:extLst>
-  </p:cSld>
-  <p:clrMapOvr>
-    <a:masterClrMapping/>
-  </p:clrMapOvr>
-</p:sld>
-</file>
-
-<file path=ppt/slides/slide8.xml><?xml version="1.0" encoding="utf-8"?>
 <p:sld xmlns:a="http://schemas.openxmlformats.org/drawingml/2006/main" xmlns:r="http://schemas.openxmlformats.org/officeDocument/2006/relationships" xmlns:p="http://schemas.openxmlformats.org/presentationml/2006/main">
   <p:cSld>
     <p:spTree>
@@ -6325,10 +5096,10 @@
           <a:p>
             <a:pPr algn="ctr"/>
             <a:r>
-              <a:rPr kumimoji="1" lang="en-US" altLang="ja-JP" sz="2400" i="1" dirty="0" err="1"/>
+              <a:rPr kumimoji="1" lang="en-US" altLang="ja-JP" sz="2400" b="1" i="1" dirty="0" err="1"/>
               <a:t>Dockerfile</a:t>
             </a:r>
-            <a:endParaRPr kumimoji="1" lang="ja-JP" altLang="en-US" sz="2400" i="1" dirty="0"/>
+            <a:endParaRPr kumimoji="1" lang="ja-JP" altLang="en-US" sz="2400" b="1" i="1" dirty="0"/>
           </a:p>
         </p:txBody>
       </p:sp>
@@ -6362,10 +5133,10 @@
           <a:p>
             <a:pPr algn="ctr"/>
             <a:r>
-              <a:rPr kumimoji="1" lang="en-US" altLang="ja-JP" sz="2400" i="1" dirty="0"/>
+              <a:rPr kumimoji="1" lang="en-US" altLang="ja-JP" sz="2400" b="1" i="1" dirty="0"/>
               <a:t>image</a:t>
             </a:r>
-            <a:endParaRPr kumimoji="1" lang="ja-JP" altLang="en-US" sz="2400" i="1" dirty="0"/>
+            <a:endParaRPr kumimoji="1" lang="ja-JP" altLang="en-US" sz="2400" b="1" i="1" dirty="0"/>
           </a:p>
         </p:txBody>
       </p:sp>
@@ -6399,10 +5170,10 @@
           <a:p>
             <a:pPr algn="ctr"/>
             <a:r>
-              <a:rPr kumimoji="1" lang="en-US" altLang="ja-JP" sz="2400" i="1" dirty="0"/>
+              <a:rPr kumimoji="1" lang="en-US" altLang="ja-JP" sz="2400" b="1" i="1" dirty="0"/>
               <a:t>container</a:t>
             </a:r>
-            <a:endParaRPr kumimoji="1" lang="ja-JP" altLang="en-US" sz="2400" i="1" dirty="0"/>
+            <a:endParaRPr kumimoji="1" lang="ja-JP" altLang="en-US" sz="2400" b="1" i="1" dirty="0"/>
           </a:p>
         </p:txBody>
       </p:sp>
@@ -6759,7 +5530,7 @@
         </p:blipFill>
         <p:spPr>
           <a:xfrm>
-            <a:off x="9870905" y="4617799"/>
+            <a:off x="9870460" y="4617799"/>
             <a:ext cx="914400" cy="914400"/>
           </a:xfrm>
           <a:prstGeom prst="rect">
@@ -6860,7 +5631,7 @@
         </p:nvCxnSpPr>
         <p:spPr>
           <a:xfrm flipH="1" flipV="1">
-            <a:off x="7729383" y="5073862"/>
+            <a:off x="7728938" y="5073862"/>
             <a:ext cx="2141522" cy="1137"/>
           </a:xfrm>
           <a:prstGeom prst="straightConnector1">
@@ -6988,7 +5759,7 @@
 </p:sld>
 </file>
 
-<file path=ppt/slides/slide9.xml><?xml version="1.0" encoding="utf-8"?>
+<file path=ppt/slides/slide11.xml><?xml version="1.0" encoding="utf-8"?>
 <p:sld xmlns:a="http://schemas.openxmlformats.org/drawingml/2006/main" xmlns:r="http://schemas.openxmlformats.org/officeDocument/2006/relationships" xmlns:p="http://schemas.openxmlformats.org/presentationml/2006/main">
   <p:cSld>
     <p:spTree>
@@ -7010,7 +5781,7 @@
           <p:cNvPr id="2" name="タイトル 1">
             <a:extLst>
               <a:ext uri="{FF2B5EF4-FFF2-40B4-BE49-F238E27FC236}">
-                <a16:creationId xmlns:a16="http://schemas.microsoft.com/office/drawing/2014/main" id="{6269CD63-2C10-0378-B5FF-4DBF41A86CD1}"/>
+                <a16:creationId xmlns:a16="http://schemas.microsoft.com/office/drawing/2014/main" id="{5D85131E-AB32-0C13-F928-0BC8C7E25614}"/>
               </a:ext>
             </a:extLst>
           </p:cNvPr>
@@ -7026,7 +5797,10 @@
           <a:bodyPr/>
           <a:lstStyle/>
           <a:p>
-            <a:endParaRPr kumimoji="1" lang="ja-JP" altLang="en-US"/>
+            <a:r>
+              <a:rPr kumimoji="1" lang="ja-JP" altLang="en-US" dirty="0"/>
+              <a:t>用語</a:t>
+            </a:r>
           </a:p>
         </p:txBody>
       </p:sp>
@@ -7035,7 +5809,7 @@
           <p:cNvPr id="3" name="コンテンツ プレースホルダー 2">
             <a:extLst>
               <a:ext uri="{FF2B5EF4-FFF2-40B4-BE49-F238E27FC236}">
-                <a16:creationId xmlns:a16="http://schemas.microsoft.com/office/drawing/2014/main" id="{EE4499E0-A02B-35FE-CD8C-25661CB14D0E}"/>
+                <a16:creationId xmlns:a16="http://schemas.microsoft.com/office/drawing/2014/main" id="{E1842FAB-83F8-8740-EA6D-D4B6CB48EB62}"/>
               </a:ext>
             </a:extLst>
           </p:cNvPr>
@@ -7051,14 +5825,1703 @@
           <a:bodyPr/>
           <a:lstStyle/>
           <a:p>
-            <a:endParaRPr kumimoji="1" lang="ja-JP" altLang="en-US"/>
+            <a:r>
+              <a:rPr kumimoji="1" lang="en-US" altLang="ja-JP" i="1" dirty="0" err="1"/>
+              <a:t>Dockerfile</a:t>
+            </a:r>
+            <a:endParaRPr kumimoji="1" lang="en-US" altLang="ja-JP" i="1" dirty="0"/>
+          </a:p>
+          <a:p>
+            <a:r>
+              <a:rPr lang="en-US" altLang="ja-JP" i="1" dirty="0"/>
+              <a:t>image</a:t>
+            </a:r>
+          </a:p>
+          <a:p>
+            <a:r>
+              <a:rPr kumimoji="1" lang="en-US" altLang="ja-JP" i="1" dirty="0"/>
+              <a:t>container</a:t>
+            </a:r>
+          </a:p>
+          <a:p>
+            <a:r>
+              <a:rPr lang="en-US" altLang="ja-JP" i="1" dirty="0"/>
+              <a:t>Docker Hub</a:t>
+            </a:r>
+            <a:endParaRPr kumimoji="1" lang="en-US" altLang="ja-JP" i="1" dirty="0"/>
+          </a:p>
+          <a:p>
+            <a:pPr lvl="2"/>
+            <a:endParaRPr kumimoji="1" lang="ja-JP" altLang="en-US" dirty="0"/>
+          </a:p>
+        </p:txBody>
+      </p:sp>
+      <p:sp>
+        <p:nvSpPr>
+          <p:cNvPr id="4" name="テキスト ボックス 3">
+            <a:extLst>
+              <a:ext uri="{FF2B5EF4-FFF2-40B4-BE49-F238E27FC236}">
+                <a16:creationId xmlns:a16="http://schemas.microsoft.com/office/drawing/2014/main" id="{DA317149-12A0-92F9-65EE-02DF436B7134}"/>
+              </a:ext>
+            </a:extLst>
+          </p:cNvPr>
+          <p:cNvSpPr txBox="1"/>
+          <p:nvPr/>
+        </p:nvSpPr>
+        <p:spPr>
+          <a:xfrm>
+            <a:off x="76200" y="85725"/>
+            <a:ext cx="3676650" cy="369332"/>
+          </a:xfrm>
+          <a:prstGeom prst="rect">
+            <a:avLst/>
+          </a:prstGeom>
+          <a:noFill/>
+        </p:spPr>
+        <p:txBody>
+          <a:bodyPr wrap="square" rtlCol="0">
+            <a:spAutoFit/>
+          </a:bodyPr>
+          <a:lstStyle/>
+          <a:p>
+            <a:r>
+              <a:rPr kumimoji="1" lang="en-US" altLang="ja-JP" dirty="0"/>
+              <a:t> </a:t>
+            </a:r>
+            <a:r>
+              <a:rPr kumimoji="1" lang="en-US" altLang="ja-JP" b="1" dirty="0">
+                <a:solidFill>
+                  <a:schemeClr val="tx1">
+                    <a:lumMod val="85000"/>
+                    <a:lumOff val="15000"/>
+                  </a:schemeClr>
+                </a:solidFill>
+              </a:rPr>
+              <a:t>3. </a:t>
+            </a:r>
+            <a:r>
+              <a:rPr lang="ja-JP" altLang="en-US" b="1" dirty="0">
+                <a:solidFill>
+                  <a:schemeClr val="tx1">
+                    <a:lumMod val="85000"/>
+                    <a:lumOff val="15000"/>
+                  </a:schemeClr>
+                </a:solidFill>
+              </a:rPr>
+              <a:t>主要アーキテクチャ</a:t>
+            </a:r>
+            <a:endParaRPr kumimoji="1" lang="ja-JP" altLang="en-US" b="1" dirty="0">
+              <a:solidFill>
+                <a:schemeClr val="tx1">
+                  <a:lumMod val="85000"/>
+                  <a:lumOff val="15000"/>
+                </a:schemeClr>
+              </a:solidFill>
+            </a:endParaRPr>
           </a:p>
         </p:txBody>
       </p:sp>
     </p:spTree>
     <p:extLst>
       <p:ext uri="{BB962C8B-B14F-4D97-AF65-F5344CB8AC3E}">
-        <p14:creationId xmlns:p14="http://schemas.microsoft.com/office/powerpoint/2010/main" val="4187103413"/>
+        <p14:creationId xmlns:p14="http://schemas.microsoft.com/office/powerpoint/2010/main" val="43114881"/>
+      </p:ext>
+    </p:extLst>
+  </p:cSld>
+  <p:clrMapOvr>
+    <a:masterClrMapping/>
+  </p:clrMapOvr>
+</p:sld>
+</file>
+
+<file path=ppt/slides/slide12.xml><?xml version="1.0" encoding="utf-8"?>
+<p:sld xmlns:a="http://schemas.openxmlformats.org/drawingml/2006/main" xmlns:r="http://schemas.openxmlformats.org/officeDocument/2006/relationships" xmlns:p="http://schemas.openxmlformats.org/presentationml/2006/main">
+  <p:cSld>
+    <p:spTree>
+      <p:nvGrpSpPr>
+        <p:cNvPr id="1" name=""/>
+        <p:cNvGrpSpPr/>
+        <p:nvPr/>
+      </p:nvGrpSpPr>
+      <p:grpSpPr>
+        <a:xfrm>
+          <a:off x="0" y="0"/>
+          <a:ext cx="0" cy="0"/>
+          <a:chOff x="0" y="0"/>
+          <a:chExt cx="0" cy="0"/>
+        </a:xfrm>
+      </p:grpSpPr>
+      <p:sp>
+        <p:nvSpPr>
+          <p:cNvPr id="2" name="タイトル 1">
+            <a:extLst>
+              <a:ext uri="{FF2B5EF4-FFF2-40B4-BE49-F238E27FC236}">
+                <a16:creationId xmlns:a16="http://schemas.microsoft.com/office/drawing/2014/main" id="{5D85131E-AB32-0C13-F928-0BC8C7E25614}"/>
+              </a:ext>
+            </a:extLst>
+          </p:cNvPr>
+          <p:cNvSpPr>
+            <a:spLocks noGrp="1"/>
+          </p:cNvSpPr>
+          <p:nvPr>
+            <p:ph type="title"/>
+          </p:nvPr>
+        </p:nvSpPr>
+        <p:spPr/>
+        <p:txBody>
+          <a:bodyPr/>
+          <a:lstStyle/>
+          <a:p>
+            <a:r>
+              <a:rPr kumimoji="1" lang="ja-JP" altLang="en-US" dirty="0"/>
+              <a:t>用語</a:t>
+            </a:r>
+          </a:p>
+        </p:txBody>
+      </p:sp>
+      <p:sp>
+        <p:nvSpPr>
+          <p:cNvPr id="3" name="コンテンツ プレースホルダー 2">
+            <a:extLst>
+              <a:ext uri="{FF2B5EF4-FFF2-40B4-BE49-F238E27FC236}">
+                <a16:creationId xmlns:a16="http://schemas.microsoft.com/office/drawing/2014/main" id="{E1842FAB-83F8-8740-EA6D-D4B6CB48EB62}"/>
+              </a:ext>
+            </a:extLst>
+          </p:cNvPr>
+          <p:cNvSpPr>
+            <a:spLocks noGrp="1"/>
+          </p:cNvSpPr>
+          <p:nvPr>
+            <p:ph idx="1"/>
+          </p:nvPr>
+        </p:nvSpPr>
+        <p:spPr/>
+        <p:txBody>
+          <a:bodyPr/>
+          <a:lstStyle/>
+          <a:p>
+            <a:r>
+              <a:rPr kumimoji="1" lang="en-US" altLang="ja-JP" dirty="0" err="1"/>
+              <a:t>Dockerfile</a:t>
+            </a:r>
+            <a:endParaRPr kumimoji="1" lang="en-US" altLang="ja-JP" dirty="0"/>
+          </a:p>
+          <a:p>
+            <a:pPr lvl="2"/>
+            <a:endParaRPr kumimoji="1" lang="ja-JP" altLang="en-US" dirty="0"/>
+          </a:p>
+        </p:txBody>
+      </p:sp>
+      <p:sp>
+        <p:nvSpPr>
+          <p:cNvPr id="4" name="テキスト ボックス 3">
+            <a:extLst>
+              <a:ext uri="{FF2B5EF4-FFF2-40B4-BE49-F238E27FC236}">
+                <a16:creationId xmlns:a16="http://schemas.microsoft.com/office/drawing/2014/main" id="{DA317149-12A0-92F9-65EE-02DF436B7134}"/>
+              </a:ext>
+            </a:extLst>
+          </p:cNvPr>
+          <p:cNvSpPr txBox="1"/>
+          <p:nvPr/>
+        </p:nvSpPr>
+        <p:spPr>
+          <a:xfrm>
+            <a:off x="76200" y="85725"/>
+            <a:ext cx="3676650" cy="369332"/>
+          </a:xfrm>
+          <a:prstGeom prst="rect">
+            <a:avLst/>
+          </a:prstGeom>
+          <a:noFill/>
+        </p:spPr>
+        <p:txBody>
+          <a:bodyPr wrap="square" rtlCol="0">
+            <a:spAutoFit/>
+          </a:bodyPr>
+          <a:lstStyle/>
+          <a:p>
+            <a:r>
+              <a:rPr kumimoji="1" lang="en-US" altLang="ja-JP" dirty="0"/>
+              <a:t> </a:t>
+            </a:r>
+            <a:r>
+              <a:rPr kumimoji="1" lang="en-US" altLang="ja-JP" b="1" dirty="0">
+                <a:solidFill>
+                  <a:schemeClr val="tx1">
+                    <a:lumMod val="85000"/>
+                    <a:lumOff val="15000"/>
+                  </a:schemeClr>
+                </a:solidFill>
+              </a:rPr>
+              <a:t>3. </a:t>
+            </a:r>
+            <a:r>
+              <a:rPr lang="ja-JP" altLang="en-US" b="1" dirty="0">
+                <a:solidFill>
+                  <a:schemeClr val="tx1">
+                    <a:lumMod val="85000"/>
+                    <a:lumOff val="15000"/>
+                  </a:schemeClr>
+                </a:solidFill>
+              </a:rPr>
+              <a:t>主要アーキテクチャ </a:t>
+            </a:r>
+            <a:r>
+              <a:rPr lang="en-US" altLang="ja-JP" b="1" dirty="0">
+                <a:solidFill>
+                  <a:schemeClr val="tx1">
+                    <a:lumMod val="85000"/>
+                    <a:lumOff val="15000"/>
+                  </a:schemeClr>
+                </a:solidFill>
+              </a:rPr>
+              <a:t>&gt; </a:t>
+            </a:r>
+            <a:r>
+              <a:rPr lang="ja-JP" altLang="en-US" b="1" dirty="0">
+                <a:solidFill>
+                  <a:schemeClr val="tx1">
+                    <a:lumMod val="85000"/>
+                    <a:lumOff val="15000"/>
+                  </a:schemeClr>
+                </a:solidFill>
+              </a:rPr>
+              <a:t>用語</a:t>
+            </a:r>
+            <a:endParaRPr kumimoji="1" lang="ja-JP" altLang="en-US" b="1" dirty="0">
+              <a:solidFill>
+                <a:schemeClr val="tx1">
+                  <a:lumMod val="85000"/>
+                  <a:lumOff val="15000"/>
+                </a:schemeClr>
+              </a:solidFill>
+            </a:endParaRPr>
+          </a:p>
+        </p:txBody>
+      </p:sp>
+    </p:spTree>
+    <p:extLst>
+      <p:ext uri="{BB962C8B-B14F-4D97-AF65-F5344CB8AC3E}">
+        <p14:creationId xmlns:p14="http://schemas.microsoft.com/office/powerpoint/2010/main" val="1779892532"/>
+      </p:ext>
+    </p:extLst>
+  </p:cSld>
+  <p:clrMapOvr>
+    <a:masterClrMapping/>
+  </p:clrMapOvr>
+</p:sld>
+</file>
+
+<file path=ppt/slides/slide2.xml><?xml version="1.0" encoding="utf-8"?>
+<p:sld xmlns:a="http://schemas.openxmlformats.org/drawingml/2006/main" xmlns:r="http://schemas.openxmlformats.org/officeDocument/2006/relationships" xmlns:p="http://schemas.openxmlformats.org/presentationml/2006/main">
+  <p:cSld>
+    <p:spTree>
+      <p:nvGrpSpPr>
+        <p:cNvPr id="1" name=""/>
+        <p:cNvGrpSpPr/>
+        <p:nvPr/>
+      </p:nvGrpSpPr>
+      <p:grpSpPr>
+        <a:xfrm>
+          <a:off x="0" y="0"/>
+          <a:ext cx="0" cy="0"/>
+          <a:chOff x="0" y="0"/>
+          <a:chExt cx="0" cy="0"/>
+        </a:xfrm>
+      </p:grpSpPr>
+      <p:sp>
+        <p:nvSpPr>
+          <p:cNvPr id="2" name="タイトル 1">
+            <a:extLst>
+              <a:ext uri="{FF2B5EF4-FFF2-40B4-BE49-F238E27FC236}">
+                <a16:creationId xmlns:a16="http://schemas.microsoft.com/office/drawing/2014/main" id="{13C4D2A4-A8A3-4A0F-865E-C8E7749DD008}"/>
+              </a:ext>
+            </a:extLst>
+          </p:cNvPr>
+          <p:cNvSpPr>
+            <a:spLocks noGrp="1"/>
+          </p:cNvSpPr>
+          <p:nvPr>
+            <p:ph type="title"/>
+          </p:nvPr>
+        </p:nvSpPr>
+        <p:spPr/>
+        <p:txBody>
+          <a:bodyPr/>
+          <a:lstStyle/>
+          <a:p>
+            <a:r>
+              <a:rPr kumimoji="1" lang="ja-JP" altLang="en-US" dirty="0"/>
+              <a:t>目次</a:t>
+            </a:r>
+          </a:p>
+        </p:txBody>
+      </p:sp>
+      <p:sp>
+        <p:nvSpPr>
+          <p:cNvPr id="3" name="コンテンツ プレースホルダー 2">
+            <a:extLst>
+              <a:ext uri="{FF2B5EF4-FFF2-40B4-BE49-F238E27FC236}">
+                <a16:creationId xmlns:a16="http://schemas.microsoft.com/office/drawing/2014/main" id="{706B9376-CA1B-A866-AE66-10DEE3BC1EAF}"/>
+              </a:ext>
+            </a:extLst>
+          </p:cNvPr>
+          <p:cNvSpPr>
+            <a:spLocks noGrp="1"/>
+          </p:cNvSpPr>
+          <p:nvPr>
+            <p:ph idx="1"/>
+          </p:nvPr>
+        </p:nvSpPr>
+        <p:spPr/>
+        <p:txBody>
+          <a:bodyPr/>
+          <a:lstStyle/>
+          <a:p>
+            <a:pPr marL="514350" indent="-514350">
+              <a:buFont typeface="+mj-lt"/>
+              <a:buAutoNum type="arabicPeriod"/>
+            </a:pPr>
+            <a:r>
+              <a:rPr lang="ja-JP" altLang="en-US" dirty="0">
+                <a:solidFill>
+                  <a:schemeClr val="accent1"/>
+                </a:solidFill>
+              </a:rPr>
+              <a:t>コンテナとは</a:t>
+            </a:r>
+            <a:endParaRPr lang="en-US" altLang="ja-JP" dirty="0">
+              <a:solidFill>
+                <a:schemeClr val="accent1"/>
+              </a:solidFill>
+            </a:endParaRPr>
+          </a:p>
+          <a:p>
+            <a:pPr marL="514350" indent="-514350">
+              <a:buFont typeface="+mj-lt"/>
+              <a:buAutoNum type="arabicPeriod"/>
+            </a:pPr>
+            <a:r>
+              <a:rPr lang="en-US" altLang="ja-JP" dirty="0">
+                <a:solidFill>
+                  <a:schemeClr val="accent1"/>
+                </a:solidFill>
+              </a:rPr>
+              <a:t>Docker</a:t>
+            </a:r>
+            <a:r>
+              <a:rPr lang="ja-JP" altLang="en-US" dirty="0">
+                <a:solidFill>
+                  <a:schemeClr val="accent1"/>
+                </a:solidFill>
+              </a:rPr>
+              <a:t>とは</a:t>
+            </a:r>
+            <a:endParaRPr lang="en-US" altLang="ja-JP" dirty="0">
+              <a:solidFill>
+                <a:schemeClr val="accent1"/>
+              </a:solidFill>
+            </a:endParaRPr>
+          </a:p>
+          <a:p>
+            <a:pPr marL="514350" indent="-514350">
+              <a:buFont typeface="+mj-lt"/>
+              <a:buAutoNum type="arabicPeriod"/>
+            </a:pPr>
+            <a:r>
+              <a:rPr kumimoji="1" lang="ja-JP" altLang="en-US" dirty="0">
+                <a:solidFill>
+                  <a:schemeClr val="accent1"/>
+                </a:solidFill>
+              </a:rPr>
+              <a:t>主要アーキテクチャ</a:t>
+            </a:r>
+            <a:endParaRPr kumimoji="1" lang="en-US" altLang="ja-JP" dirty="0">
+              <a:solidFill>
+                <a:schemeClr val="accent1"/>
+              </a:solidFill>
+            </a:endParaRPr>
+          </a:p>
+          <a:p>
+            <a:pPr marL="514350" indent="-514350">
+              <a:buFont typeface="+mj-lt"/>
+              <a:buAutoNum type="arabicPeriod"/>
+            </a:pPr>
+            <a:r>
+              <a:rPr lang="ja-JP" altLang="en-US" dirty="0">
+                <a:solidFill>
+                  <a:schemeClr val="accent1"/>
+                </a:solidFill>
+              </a:rPr>
+              <a:t>長所</a:t>
+            </a:r>
+            <a:r>
+              <a:rPr lang="en-US" altLang="ja-JP" dirty="0">
+                <a:solidFill>
+                  <a:schemeClr val="accent1"/>
+                </a:solidFill>
+              </a:rPr>
+              <a:t>/</a:t>
+            </a:r>
+            <a:r>
+              <a:rPr lang="ja-JP" altLang="en-US" dirty="0">
+                <a:solidFill>
+                  <a:schemeClr val="accent1"/>
+                </a:solidFill>
+              </a:rPr>
+              <a:t>短所</a:t>
+            </a:r>
+            <a:endParaRPr lang="en-US" altLang="ja-JP" dirty="0">
+              <a:solidFill>
+                <a:schemeClr val="accent1"/>
+              </a:solidFill>
+            </a:endParaRPr>
+          </a:p>
+          <a:p>
+            <a:pPr marL="514350" indent="-514350">
+              <a:buFont typeface="+mj-lt"/>
+              <a:buAutoNum type="arabicPeriod"/>
+            </a:pPr>
+            <a:r>
+              <a:rPr kumimoji="1" lang="ja-JP" altLang="en-US" dirty="0">
+                <a:solidFill>
+                  <a:schemeClr val="accent1"/>
+                </a:solidFill>
+              </a:rPr>
+              <a:t>まとめ</a:t>
+            </a:r>
+            <a:endParaRPr kumimoji="1" lang="en-US" altLang="ja-JP" dirty="0">
+              <a:solidFill>
+                <a:schemeClr val="accent1"/>
+              </a:solidFill>
+            </a:endParaRPr>
+          </a:p>
+          <a:p>
+            <a:endParaRPr kumimoji="1" lang="en-US" altLang="ja-JP" dirty="0"/>
+          </a:p>
+        </p:txBody>
+      </p:sp>
+    </p:spTree>
+    <p:extLst>
+      <p:ext uri="{BB962C8B-B14F-4D97-AF65-F5344CB8AC3E}">
+        <p14:creationId xmlns:p14="http://schemas.microsoft.com/office/powerpoint/2010/main" val="3862179989"/>
+      </p:ext>
+    </p:extLst>
+  </p:cSld>
+  <p:clrMapOvr>
+    <a:masterClrMapping/>
+  </p:clrMapOvr>
+</p:sld>
+</file>
+
+<file path=ppt/slides/slide3.xml><?xml version="1.0" encoding="utf-8"?>
+<p:sld xmlns:a="http://schemas.openxmlformats.org/drawingml/2006/main" xmlns:r="http://schemas.openxmlformats.org/officeDocument/2006/relationships" xmlns:p="http://schemas.openxmlformats.org/presentationml/2006/main">
+  <p:cSld>
+    <p:bg>
+      <p:bgPr>
+        <a:solidFill>
+          <a:schemeClr val="accent1"/>
+        </a:solidFill>
+        <a:effectLst/>
+      </p:bgPr>
+    </p:bg>
+    <p:spTree>
+      <p:nvGrpSpPr>
+        <p:cNvPr id="1" name=""/>
+        <p:cNvGrpSpPr/>
+        <p:nvPr/>
+      </p:nvGrpSpPr>
+      <p:grpSpPr>
+        <a:xfrm>
+          <a:off x="0" y="0"/>
+          <a:ext cx="0" cy="0"/>
+          <a:chOff x="0" y="0"/>
+          <a:chExt cx="0" cy="0"/>
+        </a:xfrm>
+      </p:grpSpPr>
+      <p:sp>
+        <p:nvSpPr>
+          <p:cNvPr id="2" name="テキスト ボックス 1">
+            <a:extLst>
+              <a:ext uri="{FF2B5EF4-FFF2-40B4-BE49-F238E27FC236}">
+                <a16:creationId xmlns:a16="http://schemas.microsoft.com/office/drawing/2014/main" id="{463D0785-186A-FC28-9B7A-5D2B59539000}"/>
+              </a:ext>
+            </a:extLst>
+          </p:cNvPr>
+          <p:cNvSpPr txBox="1"/>
+          <p:nvPr/>
+        </p:nvSpPr>
+        <p:spPr>
+          <a:xfrm>
+            <a:off x="504825" y="2438400"/>
+            <a:ext cx="11191875" cy="2123658"/>
+          </a:xfrm>
+          <a:prstGeom prst="rect">
+            <a:avLst/>
+          </a:prstGeom>
+          <a:noFill/>
+        </p:spPr>
+        <p:txBody>
+          <a:bodyPr wrap="square" rtlCol="0">
+            <a:spAutoFit/>
+          </a:bodyPr>
+          <a:lstStyle/>
+          <a:p>
+            <a:pPr algn="ctr"/>
+            <a:r>
+              <a:rPr lang="en-US" altLang="ja-JP" sz="6600" dirty="0">
+                <a:solidFill>
+                  <a:schemeClr val="bg1"/>
+                </a:solidFill>
+              </a:rPr>
+              <a:t>1.</a:t>
+            </a:r>
+          </a:p>
+          <a:p>
+            <a:pPr algn="ctr"/>
+            <a:r>
+              <a:rPr kumimoji="1" lang="ja-JP" altLang="en-US" sz="6600" b="1" dirty="0">
+                <a:solidFill>
+                  <a:schemeClr val="bg1"/>
+                </a:solidFill>
+              </a:rPr>
+              <a:t>コンテナとは？</a:t>
+            </a:r>
+          </a:p>
+        </p:txBody>
+      </p:sp>
+    </p:spTree>
+    <p:extLst>
+      <p:ext uri="{BB962C8B-B14F-4D97-AF65-F5344CB8AC3E}">
+        <p14:creationId xmlns:p14="http://schemas.microsoft.com/office/powerpoint/2010/main" val="1233660593"/>
+      </p:ext>
+    </p:extLst>
+  </p:cSld>
+  <p:clrMapOvr>
+    <a:masterClrMapping/>
+  </p:clrMapOvr>
+</p:sld>
+</file>
+
+<file path=ppt/slides/slide4.xml><?xml version="1.0" encoding="utf-8"?>
+<p:sld xmlns:a="http://schemas.openxmlformats.org/drawingml/2006/main" xmlns:r="http://schemas.openxmlformats.org/officeDocument/2006/relationships" xmlns:p="http://schemas.openxmlformats.org/presentationml/2006/main">
+  <p:cSld>
+    <p:spTree>
+      <p:nvGrpSpPr>
+        <p:cNvPr id="1" name=""/>
+        <p:cNvGrpSpPr/>
+        <p:nvPr/>
+      </p:nvGrpSpPr>
+      <p:grpSpPr>
+        <a:xfrm>
+          <a:off x="0" y="0"/>
+          <a:ext cx="0" cy="0"/>
+          <a:chOff x="0" y="0"/>
+          <a:chExt cx="0" cy="0"/>
+        </a:xfrm>
+      </p:grpSpPr>
+      <p:sp>
+        <p:nvSpPr>
+          <p:cNvPr id="2" name="タイトル 1">
+            <a:extLst>
+              <a:ext uri="{FF2B5EF4-FFF2-40B4-BE49-F238E27FC236}">
+                <a16:creationId xmlns:a16="http://schemas.microsoft.com/office/drawing/2014/main" id="{CE02B448-F4AF-BD71-D93F-8848EEEFBF72}"/>
+              </a:ext>
+            </a:extLst>
+          </p:cNvPr>
+          <p:cNvSpPr>
+            <a:spLocks noGrp="1"/>
+          </p:cNvSpPr>
+          <p:nvPr>
+            <p:ph type="title"/>
+          </p:nvPr>
+        </p:nvSpPr>
+        <p:spPr/>
+        <p:txBody>
+          <a:bodyPr/>
+          <a:lstStyle/>
+          <a:p>
+            <a:r>
+              <a:rPr kumimoji="1" lang="ja-JP" altLang="en-US" dirty="0"/>
+              <a:t>前提</a:t>
+            </a:r>
+          </a:p>
+        </p:txBody>
+      </p:sp>
+      <p:sp>
+        <p:nvSpPr>
+          <p:cNvPr id="3" name="コンテンツ プレースホルダー 2">
+            <a:extLst>
+              <a:ext uri="{FF2B5EF4-FFF2-40B4-BE49-F238E27FC236}">
+                <a16:creationId xmlns:a16="http://schemas.microsoft.com/office/drawing/2014/main" id="{8B830BDD-CE7C-01A4-A0B6-16F0E854DA5F}"/>
+              </a:ext>
+            </a:extLst>
+          </p:cNvPr>
+          <p:cNvSpPr>
+            <a:spLocks noGrp="1"/>
+          </p:cNvSpPr>
+          <p:nvPr>
+            <p:ph idx="1"/>
+          </p:nvPr>
+        </p:nvSpPr>
+        <p:spPr>
+          <a:xfrm>
+            <a:off x="838200" y="1661156"/>
+            <a:ext cx="10515600" cy="5111119"/>
+          </a:xfrm>
+        </p:spPr>
+        <p:txBody>
+          <a:bodyPr/>
+          <a:lstStyle/>
+          <a:p>
+            <a:r>
+              <a:rPr lang="ja-JP" altLang="en-US" dirty="0"/>
+              <a:t>現行</a:t>
+            </a:r>
+            <a:r>
+              <a:rPr lang="en-US" altLang="ja-JP" dirty="0"/>
+              <a:t>OS</a:t>
+            </a:r>
+            <a:r>
+              <a:rPr lang="ja-JP" altLang="en-US" dirty="0"/>
+              <a:t>の特徴</a:t>
+            </a:r>
+            <a:endParaRPr lang="en-US" altLang="ja-JP" dirty="0"/>
+          </a:p>
+          <a:p>
+            <a:pPr lvl="1"/>
+            <a:r>
+              <a:rPr lang="ja-JP" altLang="en-US" dirty="0"/>
+              <a:t>複数のプロセスを並列に動作可能</a:t>
+            </a:r>
+            <a:r>
+              <a:rPr lang="en-US" altLang="ja-JP" dirty="0"/>
+              <a:t>(</a:t>
+            </a:r>
+            <a:r>
+              <a:rPr lang="ja-JP" altLang="en-US" b="1" dirty="0"/>
+              <a:t>マルチプロセス</a:t>
+            </a:r>
+            <a:r>
+              <a:rPr lang="en-US" altLang="ja-JP" dirty="0"/>
+              <a:t>)</a:t>
+            </a:r>
+          </a:p>
+          <a:p>
+            <a:pPr lvl="2"/>
+            <a:r>
+              <a:rPr kumimoji="1" lang="ja-JP" altLang="en-US" dirty="0"/>
+              <a:t>複数のアプリを同時に実行</a:t>
+            </a:r>
+            <a:endParaRPr kumimoji="1" lang="en-US" altLang="ja-JP" dirty="0"/>
+          </a:p>
+          <a:p>
+            <a:pPr lvl="2"/>
+            <a:endParaRPr lang="en-US" altLang="ja-JP" dirty="0"/>
+          </a:p>
+          <a:p>
+            <a:r>
+              <a:rPr kumimoji="1" lang="ja-JP" altLang="en-US" dirty="0"/>
+              <a:t>マルチプロセスの課題</a:t>
+            </a:r>
+            <a:endParaRPr kumimoji="1" lang="en-US" altLang="ja-JP" dirty="0"/>
+          </a:p>
+          <a:p>
+            <a:pPr lvl="1"/>
+            <a:r>
+              <a:rPr lang="ja-JP" altLang="en-US" dirty="0"/>
+              <a:t>プロセス間で</a:t>
+            </a:r>
+            <a:r>
+              <a:rPr lang="en-US" altLang="ja-JP" dirty="0"/>
+              <a:t>OS</a:t>
+            </a:r>
+            <a:r>
+              <a:rPr lang="ja-JP" altLang="en-US" dirty="0"/>
+              <a:t>の</a:t>
+            </a:r>
+            <a:r>
+              <a:rPr lang="ja-JP" altLang="en-US" u="sng" dirty="0"/>
+              <a:t>リソース</a:t>
+            </a:r>
+            <a:r>
+              <a:rPr lang="ja-JP" altLang="en-US" dirty="0"/>
+              <a:t>を共有</a:t>
+            </a:r>
+            <a:endParaRPr lang="en-US" altLang="ja-JP" dirty="0"/>
+          </a:p>
+          <a:p>
+            <a:pPr marL="914400" lvl="2" indent="0">
+              <a:buNone/>
+            </a:pPr>
+            <a:r>
+              <a:rPr lang="ja-JP" altLang="en-US" dirty="0"/>
+              <a:t>例</a:t>
+            </a:r>
+            <a:endParaRPr lang="en-US" altLang="ja-JP" dirty="0"/>
+          </a:p>
+          <a:p>
+            <a:pPr lvl="2"/>
+            <a:r>
+              <a:rPr lang="en-US" altLang="ja-JP" i="1" u="sng" dirty="0"/>
+              <a:t>IP</a:t>
+            </a:r>
+            <a:r>
+              <a:rPr lang="ja-JP" altLang="en-US" i="1" u="sng" dirty="0"/>
+              <a:t>アドレス</a:t>
+            </a:r>
+            <a:r>
+              <a:rPr lang="ja-JP" altLang="en-US" i="1" dirty="0"/>
+              <a:t>，</a:t>
+            </a:r>
+            <a:r>
+              <a:rPr lang="ja-JP" altLang="en-US" i="1" u="sng" dirty="0"/>
+              <a:t>ポート</a:t>
+            </a:r>
+            <a:r>
+              <a:rPr lang="ja-JP" altLang="en-US" i="1" dirty="0"/>
+              <a:t>，</a:t>
+            </a:r>
+            <a:r>
+              <a:rPr lang="ja-JP" altLang="en-US" i="1" u="sng" dirty="0"/>
+              <a:t>名前空間</a:t>
+            </a:r>
+            <a:endParaRPr lang="en-US" altLang="ja-JP" i="1" u="sng" dirty="0"/>
+          </a:p>
+          <a:p>
+            <a:pPr marL="914400" lvl="2" indent="0">
+              <a:buNone/>
+            </a:pPr>
+            <a:endParaRPr lang="en-US" altLang="ja-JP" dirty="0"/>
+          </a:p>
+          <a:p>
+            <a:pPr lvl="1">
+              <a:buFont typeface="Wingdings" panose="05000000000000000000" pitchFamily="2" charset="2"/>
+              <a:buChar char="Ø"/>
+            </a:pPr>
+            <a:r>
+              <a:rPr kumimoji="1" lang="ja-JP" altLang="en-US" b="1" dirty="0">
+                <a:solidFill>
+                  <a:srgbClr val="FF0000"/>
+                </a:solidFill>
+              </a:rPr>
+              <a:t>アプリの共存が</a:t>
+            </a:r>
+            <a:r>
+              <a:rPr lang="ja-JP" altLang="en-US" b="1" dirty="0">
+                <a:solidFill>
+                  <a:srgbClr val="FF0000"/>
+                </a:solidFill>
+              </a:rPr>
+              <a:t>困難</a:t>
+            </a:r>
+            <a:endParaRPr kumimoji="1" lang="en-US" altLang="ja-JP" b="1" dirty="0">
+              <a:solidFill>
+                <a:srgbClr val="FF0000"/>
+              </a:solidFill>
+            </a:endParaRPr>
+          </a:p>
+          <a:p>
+            <a:pPr lvl="2"/>
+            <a:r>
+              <a:rPr kumimoji="1" lang="ja-JP" altLang="en-US" dirty="0"/>
+              <a:t>同一ポートを使うプロセス</a:t>
+            </a:r>
+            <a:endParaRPr kumimoji="1" lang="en-US" altLang="ja-JP" dirty="0"/>
+          </a:p>
+          <a:p>
+            <a:pPr lvl="2"/>
+            <a:r>
+              <a:rPr kumimoji="1" lang="en-US" altLang="ja-JP" dirty="0"/>
+              <a:t>OS</a:t>
+            </a:r>
+            <a:r>
+              <a:rPr kumimoji="1" lang="ja-JP" altLang="en-US" dirty="0"/>
+              <a:t>レベルの設定を要求</a:t>
+            </a:r>
+          </a:p>
+        </p:txBody>
+      </p:sp>
+      <p:sp>
+        <p:nvSpPr>
+          <p:cNvPr id="4" name="テキスト ボックス 3">
+            <a:extLst>
+              <a:ext uri="{FF2B5EF4-FFF2-40B4-BE49-F238E27FC236}">
+                <a16:creationId xmlns:a16="http://schemas.microsoft.com/office/drawing/2014/main" id="{858DCCF8-1783-DEAD-D7A0-CBDB07DDEF4D}"/>
+              </a:ext>
+            </a:extLst>
+          </p:cNvPr>
+          <p:cNvSpPr txBox="1"/>
+          <p:nvPr/>
+        </p:nvSpPr>
+        <p:spPr>
+          <a:xfrm>
+            <a:off x="76200" y="85725"/>
+            <a:ext cx="3676650" cy="369332"/>
+          </a:xfrm>
+          <a:prstGeom prst="rect">
+            <a:avLst/>
+          </a:prstGeom>
+          <a:noFill/>
+        </p:spPr>
+        <p:txBody>
+          <a:bodyPr wrap="square" rtlCol="0">
+            <a:spAutoFit/>
+          </a:bodyPr>
+          <a:lstStyle/>
+          <a:p>
+            <a:r>
+              <a:rPr kumimoji="1" lang="en-US" altLang="ja-JP" dirty="0"/>
+              <a:t> </a:t>
+            </a:r>
+            <a:r>
+              <a:rPr kumimoji="1" lang="en-US" altLang="ja-JP" b="1" dirty="0">
+                <a:solidFill>
+                  <a:schemeClr val="tx1">
+                    <a:lumMod val="85000"/>
+                    <a:lumOff val="15000"/>
+                  </a:schemeClr>
+                </a:solidFill>
+              </a:rPr>
+              <a:t>1. </a:t>
+            </a:r>
+            <a:r>
+              <a:rPr kumimoji="1" lang="ja-JP" altLang="en-US" b="1" dirty="0">
+                <a:solidFill>
+                  <a:schemeClr val="tx1">
+                    <a:lumMod val="85000"/>
+                    <a:lumOff val="15000"/>
+                  </a:schemeClr>
+                </a:solidFill>
+              </a:rPr>
+              <a:t>コンテナとは？</a:t>
+            </a:r>
+          </a:p>
+        </p:txBody>
+      </p:sp>
+    </p:spTree>
+    <p:extLst>
+      <p:ext uri="{BB962C8B-B14F-4D97-AF65-F5344CB8AC3E}">
+        <p14:creationId xmlns:p14="http://schemas.microsoft.com/office/powerpoint/2010/main" val="2163937173"/>
+      </p:ext>
+    </p:extLst>
+  </p:cSld>
+  <p:clrMapOvr>
+    <a:masterClrMapping/>
+  </p:clrMapOvr>
+</p:sld>
+</file>
+
+<file path=ppt/slides/slide5.xml><?xml version="1.0" encoding="utf-8"?>
+<p:sld xmlns:a="http://schemas.openxmlformats.org/drawingml/2006/main" xmlns:r="http://schemas.openxmlformats.org/officeDocument/2006/relationships" xmlns:p="http://schemas.openxmlformats.org/presentationml/2006/main">
+  <p:cSld>
+    <p:spTree>
+      <p:nvGrpSpPr>
+        <p:cNvPr id="1" name=""/>
+        <p:cNvGrpSpPr/>
+        <p:nvPr/>
+      </p:nvGrpSpPr>
+      <p:grpSpPr>
+        <a:xfrm>
+          <a:off x="0" y="0"/>
+          <a:ext cx="0" cy="0"/>
+          <a:chOff x="0" y="0"/>
+          <a:chExt cx="0" cy="0"/>
+        </a:xfrm>
+      </p:grpSpPr>
+      <p:sp>
+        <p:nvSpPr>
+          <p:cNvPr id="2" name="タイトル 1">
+            <a:extLst>
+              <a:ext uri="{FF2B5EF4-FFF2-40B4-BE49-F238E27FC236}">
+                <a16:creationId xmlns:a16="http://schemas.microsoft.com/office/drawing/2014/main" id="{CE02B448-F4AF-BD71-D93F-8848EEEFBF72}"/>
+              </a:ext>
+            </a:extLst>
+          </p:cNvPr>
+          <p:cNvSpPr>
+            <a:spLocks noGrp="1"/>
+          </p:cNvSpPr>
+          <p:nvPr>
+            <p:ph type="title"/>
+          </p:nvPr>
+        </p:nvSpPr>
+        <p:spPr/>
+        <p:txBody>
+          <a:bodyPr/>
+          <a:lstStyle/>
+          <a:p>
+            <a:r>
+              <a:rPr lang="ja-JP" altLang="en-US" dirty="0"/>
+              <a:t>仮想マシン</a:t>
+            </a:r>
+            <a:r>
+              <a:rPr lang="en-US" altLang="ja-JP" dirty="0"/>
+              <a:t>(VM)</a:t>
+            </a:r>
+            <a:r>
+              <a:rPr lang="ja-JP" altLang="en-US" dirty="0"/>
+              <a:t>の時代</a:t>
+            </a:r>
+            <a:endParaRPr kumimoji="1" lang="ja-JP" altLang="en-US" dirty="0"/>
+          </a:p>
+        </p:txBody>
+      </p:sp>
+      <p:sp>
+        <p:nvSpPr>
+          <p:cNvPr id="3" name="コンテンツ プレースホルダー 2">
+            <a:extLst>
+              <a:ext uri="{FF2B5EF4-FFF2-40B4-BE49-F238E27FC236}">
+                <a16:creationId xmlns:a16="http://schemas.microsoft.com/office/drawing/2014/main" id="{8B830BDD-CE7C-01A4-A0B6-16F0E854DA5F}"/>
+              </a:ext>
+            </a:extLst>
+          </p:cNvPr>
+          <p:cNvSpPr>
+            <a:spLocks noGrp="1"/>
+          </p:cNvSpPr>
+          <p:nvPr>
+            <p:ph idx="1"/>
+          </p:nvPr>
+        </p:nvSpPr>
+        <p:spPr>
+          <a:xfrm>
+            <a:off x="838200" y="1661156"/>
+            <a:ext cx="10515600" cy="5111119"/>
+          </a:xfrm>
+        </p:spPr>
+        <p:txBody>
+          <a:bodyPr/>
+          <a:lstStyle/>
+          <a:p>
+            <a:r>
+              <a:rPr kumimoji="1" lang="ja-JP" altLang="en-US" dirty="0"/>
+              <a:t>特徴</a:t>
+            </a:r>
+            <a:endParaRPr kumimoji="1" lang="en-US" altLang="ja-JP" dirty="0"/>
+          </a:p>
+          <a:p>
+            <a:pPr lvl="1"/>
+            <a:r>
+              <a:rPr lang="en-US" altLang="ja-JP" b="1" dirty="0"/>
+              <a:t>1</a:t>
+            </a:r>
+            <a:r>
+              <a:rPr lang="ja-JP" altLang="en-US" b="1" dirty="0"/>
+              <a:t>台</a:t>
+            </a:r>
+            <a:r>
+              <a:rPr lang="ja-JP" altLang="en-US" dirty="0"/>
+              <a:t>の物理サーバ上に</a:t>
+            </a:r>
+            <a:r>
+              <a:rPr lang="ja-JP" altLang="en-US" b="1" dirty="0"/>
+              <a:t>複数</a:t>
+            </a:r>
+            <a:r>
+              <a:rPr lang="ja-JP" altLang="en-US" dirty="0"/>
+              <a:t>の仮想マシンを起動</a:t>
+            </a:r>
+            <a:endParaRPr lang="en-US" altLang="ja-JP" dirty="0"/>
+          </a:p>
+          <a:p>
+            <a:pPr lvl="1"/>
+            <a:r>
+              <a:rPr lang="en-US" altLang="ja-JP" dirty="0"/>
+              <a:t>VM</a:t>
+            </a:r>
+            <a:r>
+              <a:rPr lang="ja-JP" altLang="en-US" dirty="0"/>
+              <a:t>ごとに</a:t>
+            </a:r>
+            <a:r>
+              <a:rPr lang="en-US" altLang="ja-JP" dirty="0"/>
+              <a:t>OS</a:t>
+            </a:r>
+            <a:r>
+              <a:rPr lang="ja-JP" altLang="en-US" dirty="0"/>
+              <a:t>をインストール</a:t>
+            </a:r>
+            <a:endParaRPr lang="en-US" altLang="ja-JP" dirty="0"/>
+          </a:p>
+          <a:p>
+            <a:pPr lvl="1"/>
+            <a:endParaRPr lang="en-US" altLang="ja-JP" dirty="0"/>
+          </a:p>
+          <a:p>
+            <a:endParaRPr kumimoji="1" lang="ja-JP" altLang="en-US" dirty="0"/>
+          </a:p>
+        </p:txBody>
+      </p:sp>
+      <p:sp>
+        <p:nvSpPr>
+          <p:cNvPr id="4" name="テキスト ボックス 3">
+            <a:extLst>
+              <a:ext uri="{FF2B5EF4-FFF2-40B4-BE49-F238E27FC236}">
+                <a16:creationId xmlns:a16="http://schemas.microsoft.com/office/drawing/2014/main" id="{858DCCF8-1783-DEAD-D7A0-CBDB07DDEF4D}"/>
+              </a:ext>
+            </a:extLst>
+          </p:cNvPr>
+          <p:cNvSpPr txBox="1"/>
+          <p:nvPr/>
+        </p:nvSpPr>
+        <p:spPr>
+          <a:xfrm>
+            <a:off x="76200" y="85725"/>
+            <a:ext cx="3676650" cy="369332"/>
+          </a:xfrm>
+          <a:prstGeom prst="rect">
+            <a:avLst/>
+          </a:prstGeom>
+          <a:noFill/>
+        </p:spPr>
+        <p:txBody>
+          <a:bodyPr wrap="square" rtlCol="0">
+            <a:spAutoFit/>
+          </a:bodyPr>
+          <a:lstStyle/>
+          <a:p>
+            <a:r>
+              <a:rPr kumimoji="1" lang="en-US" altLang="ja-JP" dirty="0"/>
+              <a:t> </a:t>
+            </a:r>
+            <a:r>
+              <a:rPr kumimoji="1" lang="en-US" altLang="ja-JP" b="1" dirty="0">
+                <a:solidFill>
+                  <a:schemeClr val="tx1">
+                    <a:lumMod val="85000"/>
+                    <a:lumOff val="15000"/>
+                  </a:schemeClr>
+                </a:solidFill>
+              </a:rPr>
+              <a:t>1. </a:t>
+            </a:r>
+            <a:r>
+              <a:rPr kumimoji="1" lang="ja-JP" altLang="en-US" b="1" dirty="0">
+                <a:solidFill>
+                  <a:schemeClr val="tx1">
+                    <a:lumMod val="85000"/>
+                    <a:lumOff val="15000"/>
+                  </a:schemeClr>
+                </a:solidFill>
+              </a:rPr>
+              <a:t>コンテナとは？</a:t>
+            </a:r>
+          </a:p>
+        </p:txBody>
+      </p:sp>
+    </p:spTree>
+    <p:extLst>
+      <p:ext uri="{BB962C8B-B14F-4D97-AF65-F5344CB8AC3E}">
+        <p14:creationId xmlns:p14="http://schemas.microsoft.com/office/powerpoint/2010/main" val="1539823508"/>
+      </p:ext>
+    </p:extLst>
+  </p:cSld>
+  <p:clrMapOvr>
+    <a:masterClrMapping/>
+  </p:clrMapOvr>
+</p:sld>
+</file>
+
+<file path=ppt/slides/slide6.xml><?xml version="1.0" encoding="utf-8"?>
+<p:sld xmlns:a="http://schemas.openxmlformats.org/drawingml/2006/main" xmlns:r="http://schemas.openxmlformats.org/officeDocument/2006/relationships" xmlns:p="http://schemas.openxmlformats.org/presentationml/2006/main">
+  <p:cSld>
+    <p:spTree>
+      <p:nvGrpSpPr>
+        <p:cNvPr id="1" name=""/>
+        <p:cNvGrpSpPr/>
+        <p:nvPr/>
+      </p:nvGrpSpPr>
+      <p:grpSpPr>
+        <a:xfrm>
+          <a:off x="0" y="0"/>
+          <a:ext cx="0" cy="0"/>
+          <a:chOff x="0" y="0"/>
+          <a:chExt cx="0" cy="0"/>
+        </a:xfrm>
+      </p:grpSpPr>
+      <p:sp>
+        <p:nvSpPr>
+          <p:cNvPr id="2" name="タイトル 1">
+            <a:extLst>
+              <a:ext uri="{FF2B5EF4-FFF2-40B4-BE49-F238E27FC236}">
+                <a16:creationId xmlns:a16="http://schemas.microsoft.com/office/drawing/2014/main" id="{CE02B448-F4AF-BD71-D93F-8848EEEFBF72}"/>
+              </a:ext>
+            </a:extLst>
+          </p:cNvPr>
+          <p:cNvSpPr>
+            <a:spLocks noGrp="1"/>
+          </p:cNvSpPr>
+          <p:nvPr>
+            <p:ph type="title"/>
+          </p:nvPr>
+        </p:nvSpPr>
+        <p:spPr/>
+        <p:txBody>
+          <a:bodyPr/>
+          <a:lstStyle/>
+          <a:p>
+            <a:r>
+              <a:rPr lang="ja-JP" altLang="en-US" dirty="0"/>
+              <a:t>コンテナの時代へ</a:t>
+            </a:r>
+            <a:endParaRPr kumimoji="1" lang="ja-JP" altLang="en-US" dirty="0"/>
+          </a:p>
+        </p:txBody>
+      </p:sp>
+      <p:sp>
+        <p:nvSpPr>
+          <p:cNvPr id="3" name="コンテンツ プレースホルダー 2">
+            <a:extLst>
+              <a:ext uri="{FF2B5EF4-FFF2-40B4-BE49-F238E27FC236}">
+                <a16:creationId xmlns:a16="http://schemas.microsoft.com/office/drawing/2014/main" id="{8B830BDD-CE7C-01A4-A0B6-16F0E854DA5F}"/>
+              </a:ext>
+            </a:extLst>
+          </p:cNvPr>
+          <p:cNvSpPr>
+            <a:spLocks noGrp="1"/>
+          </p:cNvSpPr>
+          <p:nvPr>
+            <p:ph idx="1"/>
+          </p:nvPr>
+        </p:nvSpPr>
+        <p:spPr>
+          <a:xfrm>
+            <a:off x="838200" y="1661156"/>
+            <a:ext cx="10515600" cy="5111119"/>
+          </a:xfrm>
+        </p:spPr>
+        <p:txBody>
+          <a:bodyPr/>
+          <a:lstStyle/>
+          <a:p>
+            <a:r>
+              <a:rPr kumimoji="1" lang="ja-JP" altLang="en-US" dirty="0"/>
+              <a:t>特徴</a:t>
+            </a:r>
+            <a:endParaRPr kumimoji="1" lang="en-US" altLang="ja-JP" dirty="0"/>
+          </a:p>
+          <a:p>
+            <a:pPr lvl="1"/>
+            <a:r>
+              <a:rPr lang="ja-JP" altLang="en-US" dirty="0"/>
+              <a:t>ホスト</a:t>
+            </a:r>
+            <a:r>
+              <a:rPr lang="en-US" altLang="ja-JP" dirty="0"/>
+              <a:t>OS</a:t>
+            </a:r>
+            <a:r>
+              <a:rPr lang="ja-JP" altLang="en-US" dirty="0"/>
+              <a:t>から</a:t>
+            </a:r>
+            <a:r>
+              <a:rPr lang="ja-JP" altLang="en-US" b="1" dirty="0">
+                <a:solidFill>
+                  <a:srgbClr val="FF0000"/>
+                </a:solidFill>
+              </a:rPr>
+              <a:t>隔離されたプロセス</a:t>
+            </a:r>
+            <a:r>
+              <a:rPr lang="ja-JP" altLang="en-US" dirty="0"/>
+              <a:t>として実行</a:t>
+            </a:r>
+            <a:endParaRPr lang="en-US" altLang="ja-JP" dirty="0"/>
+          </a:p>
+          <a:p>
+            <a:pPr lvl="2"/>
+            <a:r>
+              <a:rPr lang="ja-JP" altLang="en-US" dirty="0"/>
+              <a:t>個別のルートファイルシステム，</a:t>
+            </a:r>
+            <a:r>
+              <a:rPr lang="en-US" altLang="ja-JP" dirty="0"/>
+              <a:t>IP</a:t>
+            </a:r>
+            <a:r>
+              <a:rPr lang="ja-JP" altLang="en-US" dirty="0"/>
+              <a:t>アドレスが割当</a:t>
+            </a:r>
+            <a:endParaRPr lang="en-US" altLang="ja-JP" dirty="0"/>
+          </a:p>
+          <a:p>
+            <a:pPr lvl="2"/>
+            <a:r>
+              <a:rPr lang="ja-JP" altLang="en-US" dirty="0"/>
+              <a:t>見かけ上は独立した</a:t>
+            </a:r>
+            <a:r>
+              <a:rPr lang="en-US" altLang="ja-JP" dirty="0"/>
+              <a:t>OS</a:t>
+            </a:r>
+          </a:p>
+          <a:p>
+            <a:pPr lvl="1"/>
+            <a:r>
+              <a:rPr lang="ja-JP" altLang="en-US" dirty="0"/>
+              <a:t>実態は，ホスト</a:t>
+            </a:r>
+            <a:r>
+              <a:rPr lang="en-US" altLang="ja-JP" dirty="0"/>
+              <a:t>OS</a:t>
+            </a:r>
+            <a:r>
+              <a:rPr lang="ja-JP" altLang="en-US" dirty="0"/>
+              <a:t>を各コンテナが利用</a:t>
+            </a:r>
+            <a:endParaRPr lang="en-US" altLang="ja-JP" dirty="0"/>
+          </a:p>
+          <a:p>
+            <a:endParaRPr kumimoji="1" lang="ja-JP" altLang="en-US" dirty="0"/>
+          </a:p>
+        </p:txBody>
+      </p:sp>
+      <p:sp>
+        <p:nvSpPr>
+          <p:cNvPr id="4" name="テキスト ボックス 3">
+            <a:extLst>
+              <a:ext uri="{FF2B5EF4-FFF2-40B4-BE49-F238E27FC236}">
+                <a16:creationId xmlns:a16="http://schemas.microsoft.com/office/drawing/2014/main" id="{858DCCF8-1783-DEAD-D7A0-CBDB07DDEF4D}"/>
+              </a:ext>
+            </a:extLst>
+          </p:cNvPr>
+          <p:cNvSpPr txBox="1"/>
+          <p:nvPr/>
+        </p:nvSpPr>
+        <p:spPr>
+          <a:xfrm>
+            <a:off x="76200" y="85725"/>
+            <a:ext cx="3676650" cy="369332"/>
+          </a:xfrm>
+          <a:prstGeom prst="rect">
+            <a:avLst/>
+          </a:prstGeom>
+          <a:noFill/>
+        </p:spPr>
+        <p:txBody>
+          <a:bodyPr wrap="square" rtlCol="0">
+            <a:spAutoFit/>
+          </a:bodyPr>
+          <a:lstStyle/>
+          <a:p>
+            <a:r>
+              <a:rPr kumimoji="1" lang="en-US" altLang="ja-JP" dirty="0"/>
+              <a:t> </a:t>
+            </a:r>
+            <a:r>
+              <a:rPr kumimoji="1" lang="en-US" altLang="ja-JP" b="1" dirty="0">
+                <a:solidFill>
+                  <a:schemeClr val="tx1">
+                    <a:lumMod val="85000"/>
+                    <a:lumOff val="15000"/>
+                  </a:schemeClr>
+                </a:solidFill>
+              </a:rPr>
+              <a:t>1. </a:t>
+            </a:r>
+            <a:r>
+              <a:rPr kumimoji="1" lang="ja-JP" altLang="en-US" b="1" dirty="0">
+                <a:solidFill>
+                  <a:schemeClr val="tx1">
+                    <a:lumMod val="85000"/>
+                    <a:lumOff val="15000"/>
+                  </a:schemeClr>
+                </a:solidFill>
+              </a:rPr>
+              <a:t>コンテナとは？</a:t>
+            </a:r>
+          </a:p>
+        </p:txBody>
+      </p:sp>
+    </p:spTree>
+    <p:extLst>
+      <p:ext uri="{BB962C8B-B14F-4D97-AF65-F5344CB8AC3E}">
+        <p14:creationId xmlns:p14="http://schemas.microsoft.com/office/powerpoint/2010/main" val="4247128794"/>
+      </p:ext>
+    </p:extLst>
+  </p:cSld>
+  <p:clrMapOvr>
+    <a:masterClrMapping/>
+  </p:clrMapOvr>
+</p:sld>
+</file>
+
+<file path=ppt/slides/slide7.xml><?xml version="1.0" encoding="utf-8"?>
+<p:sld xmlns:a="http://schemas.openxmlformats.org/drawingml/2006/main" xmlns:r="http://schemas.openxmlformats.org/officeDocument/2006/relationships" xmlns:p="http://schemas.openxmlformats.org/presentationml/2006/main">
+  <p:cSld>
+    <p:bg>
+      <p:bgPr>
+        <a:solidFill>
+          <a:schemeClr val="accent1"/>
+        </a:solidFill>
+        <a:effectLst/>
+      </p:bgPr>
+    </p:bg>
+    <p:spTree>
+      <p:nvGrpSpPr>
+        <p:cNvPr id="1" name=""/>
+        <p:cNvGrpSpPr/>
+        <p:nvPr/>
+      </p:nvGrpSpPr>
+      <p:grpSpPr>
+        <a:xfrm>
+          <a:off x="0" y="0"/>
+          <a:ext cx="0" cy="0"/>
+          <a:chOff x="0" y="0"/>
+          <a:chExt cx="0" cy="0"/>
+        </a:xfrm>
+      </p:grpSpPr>
+      <p:sp>
+        <p:nvSpPr>
+          <p:cNvPr id="2" name="テキスト ボックス 1">
+            <a:extLst>
+              <a:ext uri="{FF2B5EF4-FFF2-40B4-BE49-F238E27FC236}">
+                <a16:creationId xmlns:a16="http://schemas.microsoft.com/office/drawing/2014/main" id="{463D0785-186A-FC28-9B7A-5D2B59539000}"/>
+              </a:ext>
+            </a:extLst>
+          </p:cNvPr>
+          <p:cNvSpPr txBox="1"/>
+          <p:nvPr/>
+        </p:nvSpPr>
+        <p:spPr>
+          <a:xfrm>
+            <a:off x="504825" y="2438400"/>
+            <a:ext cx="11191875" cy="2123658"/>
+          </a:xfrm>
+          <a:prstGeom prst="rect">
+            <a:avLst/>
+          </a:prstGeom>
+          <a:noFill/>
+        </p:spPr>
+        <p:txBody>
+          <a:bodyPr wrap="square" rtlCol="0">
+            <a:spAutoFit/>
+          </a:bodyPr>
+          <a:lstStyle/>
+          <a:p>
+            <a:pPr algn="ctr"/>
+            <a:r>
+              <a:rPr lang="en-US" altLang="ja-JP" sz="6600" dirty="0">
+                <a:solidFill>
+                  <a:schemeClr val="bg1"/>
+                </a:solidFill>
+              </a:rPr>
+              <a:t>2.</a:t>
+            </a:r>
+          </a:p>
+          <a:p>
+            <a:pPr algn="ctr"/>
+            <a:r>
+              <a:rPr kumimoji="1" lang="en-US" altLang="ja-JP" sz="6600" b="1" dirty="0">
+                <a:solidFill>
+                  <a:schemeClr val="bg1"/>
+                </a:solidFill>
+              </a:rPr>
+              <a:t>Docker</a:t>
+            </a:r>
+            <a:r>
+              <a:rPr kumimoji="1" lang="ja-JP" altLang="en-US" sz="6600" b="1" dirty="0">
+                <a:solidFill>
+                  <a:schemeClr val="bg1"/>
+                </a:solidFill>
+              </a:rPr>
+              <a:t>とは？</a:t>
+            </a:r>
+          </a:p>
+        </p:txBody>
+      </p:sp>
+    </p:spTree>
+    <p:extLst>
+      <p:ext uri="{BB962C8B-B14F-4D97-AF65-F5344CB8AC3E}">
+        <p14:creationId xmlns:p14="http://schemas.microsoft.com/office/powerpoint/2010/main" val="3088429541"/>
+      </p:ext>
+    </p:extLst>
+  </p:cSld>
+  <p:clrMapOvr>
+    <a:masterClrMapping/>
+  </p:clrMapOvr>
+</p:sld>
+</file>
+
+<file path=ppt/slides/slide8.xml><?xml version="1.0" encoding="utf-8"?>
+<p:sld xmlns:a="http://schemas.openxmlformats.org/drawingml/2006/main" xmlns:r="http://schemas.openxmlformats.org/officeDocument/2006/relationships" xmlns:p="http://schemas.openxmlformats.org/presentationml/2006/main">
+  <p:cSld>
+    <p:spTree>
+      <p:nvGrpSpPr>
+        <p:cNvPr id="1" name=""/>
+        <p:cNvGrpSpPr/>
+        <p:nvPr/>
+      </p:nvGrpSpPr>
+      <p:grpSpPr>
+        <a:xfrm>
+          <a:off x="0" y="0"/>
+          <a:ext cx="0" cy="0"/>
+          <a:chOff x="0" y="0"/>
+          <a:chExt cx="0" cy="0"/>
+        </a:xfrm>
+      </p:grpSpPr>
+      <p:sp>
+        <p:nvSpPr>
+          <p:cNvPr id="2" name="タイトル 1">
+            <a:extLst>
+              <a:ext uri="{FF2B5EF4-FFF2-40B4-BE49-F238E27FC236}">
+                <a16:creationId xmlns:a16="http://schemas.microsoft.com/office/drawing/2014/main" id="{5D85131E-AB32-0C13-F928-0BC8C7E25614}"/>
+              </a:ext>
+            </a:extLst>
+          </p:cNvPr>
+          <p:cNvSpPr>
+            <a:spLocks noGrp="1"/>
+          </p:cNvSpPr>
+          <p:nvPr>
+            <p:ph type="title"/>
+          </p:nvPr>
+        </p:nvSpPr>
+        <p:spPr/>
+        <p:txBody>
+          <a:bodyPr/>
+          <a:lstStyle/>
+          <a:p>
+            <a:r>
+              <a:rPr kumimoji="1" lang="ja-JP" altLang="en-US" dirty="0"/>
+              <a:t>概要</a:t>
+            </a:r>
+          </a:p>
+        </p:txBody>
+      </p:sp>
+      <p:sp>
+        <p:nvSpPr>
+          <p:cNvPr id="3" name="コンテンツ プレースホルダー 2">
+            <a:extLst>
+              <a:ext uri="{FF2B5EF4-FFF2-40B4-BE49-F238E27FC236}">
+                <a16:creationId xmlns:a16="http://schemas.microsoft.com/office/drawing/2014/main" id="{E1842FAB-83F8-8740-EA6D-D4B6CB48EB62}"/>
+              </a:ext>
+            </a:extLst>
+          </p:cNvPr>
+          <p:cNvSpPr>
+            <a:spLocks noGrp="1"/>
+          </p:cNvSpPr>
+          <p:nvPr>
+            <p:ph idx="1"/>
+          </p:nvPr>
+        </p:nvSpPr>
+        <p:spPr/>
+        <p:txBody>
+          <a:bodyPr/>
+          <a:lstStyle/>
+          <a:p>
+            <a:r>
+              <a:rPr kumimoji="1" lang="ja-JP" altLang="en-US" dirty="0"/>
+              <a:t>プラットフォーム</a:t>
+            </a:r>
+            <a:endParaRPr kumimoji="1" lang="en-US" altLang="ja-JP" dirty="0"/>
+          </a:p>
+          <a:p>
+            <a:pPr lvl="1"/>
+            <a:r>
+              <a:rPr kumimoji="1" lang="ja-JP" altLang="en-US" dirty="0"/>
+              <a:t>以下の要素をひとまとめに管理しやすくしたプラットフォーム</a:t>
+            </a:r>
+            <a:endParaRPr kumimoji="1" lang="en-US" altLang="ja-JP" dirty="0"/>
+          </a:p>
+          <a:p>
+            <a:pPr lvl="2"/>
+            <a:r>
+              <a:rPr kumimoji="1" lang="ja-JP" altLang="en-US" dirty="0"/>
+              <a:t>アプリの環境構築</a:t>
+            </a:r>
+            <a:endParaRPr kumimoji="1" lang="en-US" altLang="ja-JP" dirty="0"/>
+          </a:p>
+          <a:p>
+            <a:pPr lvl="2"/>
+            <a:r>
+              <a:rPr lang="ja-JP" altLang="en-US" dirty="0"/>
+              <a:t>配送</a:t>
+            </a:r>
+            <a:endParaRPr lang="en-US" altLang="ja-JP" dirty="0"/>
+          </a:p>
+          <a:p>
+            <a:pPr lvl="2"/>
+            <a:r>
+              <a:rPr kumimoji="1" lang="ja-JP" altLang="en-US" dirty="0"/>
+              <a:t>実行</a:t>
+            </a:r>
+            <a:endParaRPr lang="en-US" altLang="ja-JP" dirty="0"/>
+          </a:p>
+          <a:p>
+            <a:pPr lvl="1"/>
+            <a:endParaRPr kumimoji="1" lang="en-US" altLang="ja-JP" dirty="0"/>
+          </a:p>
+          <a:p>
+            <a:pPr lvl="2"/>
+            <a:endParaRPr kumimoji="1" lang="ja-JP" altLang="en-US" dirty="0"/>
+          </a:p>
+        </p:txBody>
+      </p:sp>
+      <p:sp>
+        <p:nvSpPr>
+          <p:cNvPr id="4" name="テキスト ボックス 3">
+            <a:extLst>
+              <a:ext uri="{FF2B5EF4-FFF2-40B4-BE49-F238E27FC236}">
+                <a16:creationId xmlns:a16="http://schemas.microsoft.com/office/drawing/2014/main" id="{DA317149-12A0-92F9-65EE-02DF436B7134}"/>
+              </a:ext>
+            </a:extLst>
+          </p:cNvPr>
+          <p:cNvSpPr txBox="1"/>
+          <p:nvPr/>
+        </p:nvSpPr>
+        <p:spPr>
+          <a:xfrm>
+            <a:off x="76200" y="85725"/>
+            <a:ext cx="3676650" cy="369332"/>
+          </a:xfrm>
+          <a:prstGeom prst="rect">
+            <a:avLst/>
+          </a:prstGeom>
+          <a:noFill/>
+        </p:spPr>
+        <p:txBody>
+          <a:bodyPr wrap="square" rtlCol="0">
+            <a:spAutoFit/>
+          </a:bodyPr>
+          <a:lstStyle/>
+          <a:p>
+            <a:r>
+              <a:rPr kumimoji="1" lang="en-US" altLang="ja-JP" dirty="0"/>
+              <a:t> </a:t>
+            </a:r>
+            <a:r>
+              <a:rPr lang="en-US" altLang="ja-JP" b="1" dirty="0">
+                <a:solidFill>
+                  <a:schemeClr val="tx1">
+                    <a:lumMod val="85000"/>
+                    <a:lumOff val="15000"/>
+                  </a:schemeClr>
+                </a:solidFill>
+              </a:rPr>
+              <a:t>2</a:t>
+            </a:r>
+            <a:r>
+              <a:rPr kumimoji="1" lang="en-US" altLang="ja-JP" b="1" dirty="0">
+                <a:solidFill>
+                  <a:schemeClr val="tx1">
+                    <a:lumMod val="85000"/>
+                    <a:lumOff val="15000"/>
+                  </a:schemeClr>
+                </a:solidFill>
+              </a:rPr>
+              <a:t>. Docker</a:t>
+            </a:r>
+            <a:r>
+              <a:rPr kumimoji="1" lang="ja-JP" altLang="en-US" b="1" dirty="0">
+                <a:solidFill>
+                  <a:schemeClr val="tx1">
+                    <a:lumMod val="85000"/>
+                    <a:lumOff val="15000"/>
+                  </a:schemeClr>
+                </a:solidFill>
+              </a:rPr>
+              <a:t>とは？</a:t>
+            </a:r>
+          </a:p>
+        </p:txBody>
+      </p:sp>
+    </p:spTree>
+    <p:extLst>
+      <p:ext uri="{BB962C8B-B14F-4D97-AF65-F5344CB8AC3E}">
+        <p14:creationId xmlns:p14="http://schemas.microsoft.com/office/powerpoint/2010/main" val="2867152499"/>
+      </p:ext>
+    </p:extLst>
+  </p:cSld>
+  <p:clrMapOvr>
+    <a:masterClrMapping/>
+  </p:clrMapOvr>
+</p:sld>
+</file>
+
+<file path=ppt/slides/slide9.xml><?xml version="1.0" encoding="utf-8"?>
+<p:sld xmlns:a="http://schemas.openxmlformats.org/drawingml/2006/main" xmlns:r="http://schemas.openxmlformats.org/officeDocument/2006/relationships" xmlns:p="http://schemas.openxmlformats.org/presentationml/2006/main">
+  <p:cSld>
+    <p:bg>
+      <p:bgPr>
+        <a:solidFill>
+          <a:schemeClr val="accent1"/>
+        </a:solidFill>
+        <a:effectLst/>
+      </p:bgPr>
+    </p:bg>
+    <p:spTree>
+      <p:nvGrpSpPr>
+        <p:cNvPr id="1" name=""/>
+        <p:cNvGrpSpPr/>
+        <p:nvPr/>
+      </p:nvGrpSpPr>
+      <p:grpSpPr>
+        <a:xfrm>
+          <a:off x="0" y="0"/>
+          <a:ext cx="0" cy="0"/>
+          <a:chOff x="0" y="0"/>
+          <a:chExt cx="0" cy="0"/>
+        </a:xfrm>
+      </p:grpSpPr>
+      <p:sp>
+        <p:nvSpPr>
+          <p:cNvPr id="2" name="テキスト ボックス 1">
+            <a:extLst>
+              <a:ext uri="{FF2B5EF4-FFF2-40B4-BE49-F238E27FC236}">
+                <a16:creationId xmlns:a16="http://schemas.microsoft.com/office/drawing/2014/main" id="{463D0785-186A-FC28-9B7A-5D2B59539000}"/>
+              </a:ext>
+            </a:extLst>
+          </p:cNvPr>
+          <p:cNvSpPr txBox="1"/>
+          <p:nvPr/>
+        </p:nvSpPr>
+        <p:spPr>
+          <a:xfrm>
+            <a:off x="504825" y="2438400"/>
+            <a:ext cx="11191875" cy="2123658"/>
+          </a:xfrm>
+          <a:prstGeom prst="rect">
+            <a:avLst/>
+          </a:prstGeom>
+          <a:noFill/>
+        </p:spPr>
+        <p:txBody>
+          <a:bodyPr wrap="square" rtlCol="0">
+            <a:spAutoFit/>
+          </a:bodyPr>
+          <a:lstStyle/>
+          <a:p>
+            <a:pPr algn="ctr"/>
+            <a:r>
+              <a:rPr lang="en-US" altLang="ja-JP" sz="6600" dirty="0">
+                <a:solidFill>
+                  <a:schemeClr val="bg1"/>
+                </a:solidFill>
+              </a:rPr>
+              <a:t>3.</a:t>
+            </a:r>
+          </a:p>
+          <a:p>
+            <a:pPr algn="ctr"/>
+            <a:r>
+              <a:rPr lang="ja-JP" altLang="en-US" sz="6600" b="1" dirty="0">
+                <a:solidFill>
+                  <a:schemeClr val="bg1"/>
+                </a:solidFill>
+              </a:rPr>
+              <a:t>主要アーキテクチャ</a:t>
+            </a:r>
+            <a:endParaRPr kumimoji="1" lang="ja-JP" altLang="en-US" sz="6600" b="1" dirty="0">
+              <a:solidFill>
+                <a:schemeClr val="bg1"/>
+              </a:solidFill>
+            </a:endParaRPr>
+          </a:p>
+        </p:txBody>
+      </p:sp>
+    </p:spTree>
+    <p:extLst>
+      <p:ext uri="{BB962C8B-B14F-4D97-AF65-F5344CB8AC3E}">
+        <p14:creationId xmlns:p14="http://schemas.microsoft.com/office/powerpoint/2010/main" val="3661967508"/>
       </p:ext>
     </p:extLst>
   </p:cSld>

--- a/docker-container.pptx
+++ b/docker-container.pptx
@@ -5,10 +5,10 @@
     <p:sldMasterId id="2147483648" r:id="rId1"/>
   </p:sldMasterIdLst>
   <p:notesMasterIdLst>
-    <p:notesMasterId r:id="rId14"/>
+    <p:notesMasterId r:id="rId17"/>
   </p:notesMasterIdLst>
   <p:handoutMasterIdLst>
-    <p:handoutMasterId r:id="rId15"/>
+    <p:handoutMasterId r:id="rId18"/>
   </p:handoutMasterIdLst>
   <p:sldIdLst>
     <p:sldId id="256" r:id="rId2"/>
@@ -23,6 +23,9 @@
     <p:sldId id="263" r:id="rId11"/>
     <p:sldId id="265" r:id="rId12"/>
     <p:sldId id="264" r:id="rId13"/>
+    <p:sldId id="268" r:id="rId14"/>
+    <p:sldId id="269" r:id="rId15"/>
+    <p:sldId id="270" r:id="rId16"/>
   </p:sldIdLst>
   <p:sldSz cx="12192000" cy="6858000"/>
   <p:notesSz cx="6858000" cy="9144000"/>
@@ -226,7 +229,7 @@
           <a:p>
             <a:fld id="{99A0C20C-7A18-40C8-9999-BDC67FBB8458}" type="datetimeFigureOut">
               <a:rPr kumimoji="1" lang="ja-JP" altLang="en-US" smtClean="0"/>
-              <a:t>2024/5/22</a:t>
+              <a:t>2024/5/23</a:t>
             </a:fld>
             <a:endParaRPr kumimoji="1" lang="ja-JP" altLang="en-US"/>
           </a:p>
@@ -362,7 +365,7 @@
           <a:p>
             <a:fld id="{B0B4522C-AFC9-41CE-A894-3AD9CAFBC704}" type="datetimeFigureOut">
               <a:rPr kumimoji="1" lang="ja-JP" altLang="en-US" smtClean="0"/>
-              <a:t>2024/5/22</a:t>
+              <a:t>2024/5/23</a:t>
             </a:fld>
             <a:endParaRPr kumimoji="1" lang="ja-JP" altLang="en-US"/>
           </a:p>
@@ -903,7 +906,7 @@
           <a:p>
             <a:fld id="{FC205792-3F04-46B6-8D68-E8B7A9B2EC46}" type="datetimeFigureOut">
               <a:rPr kumimoji="1" lang="ja-JP" altLang="en-US" smtClean="0"/>
-              <a:t>2024/5/22</a:t>
+              <a:t>2024/5/23</a:t>
             </a:fld>
             <a:endParaRPr kumimoji="1" lang="ja-JP" altLang="en-US"/>
           </a:p>
@@ -1187,7 +1190,7 @@
           <a:p>
             <a:fld id="{FC205792-3F04-46B6-8D68-E8B7A9B2EC46}" type="datetimeFigureOut">
               <a:rPr kumimoji="1" lang="ja-JP" altLang="en-US" smtClean="0"/>
-              <a:t>2024/5/22</a:t>
+              <a:t>2024/5/23</a:t>
             </a:fld>
             <a:endParaRPr kumimoji="1" lang="ja-JP" altLang="en-US"/>
           </a:p>
@@ -1427,7 +1430,7 @@
           <a:p>
             <a:fld id="{FC205792-3F04-46B6-8D68-E8B7A9B2EC46}" type="datetimeFigureOut">
               <a:rPr kumimoji="1" lang="ja-JP" altLang="en-US" smtClean="0"/>
-              <a:t>2024/5/22</a:t>
+              <a:t>2024/5/23</a:t>
             </a:fld>
             <a:endParaRPr kumimoji="1" lang="ja-JP" altLang="en-US"/>
           </a:p>
@@ -1693,7 +1696,7 @@
           <a:p>
             <a:fld id="{FC205792-3F04-46B6-8D68-E8B7A9B2EC46}" type="datetimeFigureOut">
               <a:rPr kumimoji="1" lang="ja-JP" altLang="en-US" smtClean="0"/>
-              <a:t>2024/5/22</a:t>
+              <a:t>2024/5/23</a:t>
             </a:fld>
             <a:endParaRPr kumimoji="1" lang="ja-JP" altLang="en-US"/>
           </a:p>
@@ -2022,7 +2025,7 @@
           <a:p>
             <a:fld id="{FC205792-3F04-46B6-8D68-E8B7A9B2EC46}" type="datetimeFigureOut">
               <a:rPr kumimoji="1" lang="ja-JP" altLang="en-US" smtClean="0"/>
-              <a:t>2024/5/22</a:t>
+              <a:t>2024/5/23</a:t>
             </a:fld>
             <a:endParaRPr kumimoji="1" lang="ja-JP" altLang="en-US"/>
           </a:p>
@@ -2368,7 +2371,7 @@
           <a:p>
             <a:fld id="{FC205792-3F04-46B6-8D68-E8B7A9B2EC46}" type="datetimeFigureOut">
               <a:rPr kumimoji="1" lang="ja-JP" altLang="en-US" smtClean="0"/>
-              <a:t>2024/5/22</a:t>
+              <a:t>2024/5/23</a:t>
             </a:fld>
             <a:endParaRPr kumimoji="1" lang="ja-JP" altLang="en-US"/>
           </a:p>
@@ -2844,7 +2847,7 @@
           <a:p>
             <a:fld id="{FC205792-3F04-46B6-8D68-E8B7A9B2EC46}" type="datetimeFigureOut">
               <a:rPr kumimoji="1" lang="ja-JP" altLang="en-US" smtClean="0"/>
-              <a:t>2024/5/22</a:t>
+              <a:t>2024/5/23</a:t>
             </a:fld>
             <a:endParaRPr kumimoji="1" lang="ja-JP" altLang="en-US"/>
           </a:p>
@@ -2985,7 +2988,7 @@
           <a:p>
             <a:fld id="{FC205792-3F04-46B6-8D68-E8B7A9B2EC46}" type="datetimeFigureOut">
               <a:rPr kumimoji="1" lang="ja-JP" altLang="en-US" smtClean="0"/>
-              <a:t>2024/5/22</a:t>
+              <a:t>2024/5/23</a:t>
             </a:fld>
             <a:endParaRPr kumimoji="1" lang="ja-JP" altLang="en-US"/>
           </a:p>
@@ -3098,7 +3101,7 @@
           <a:p>
             <a:fld id="{FC205792-3F04-46B6-8D68-E8B7A9B2EC46}" type="datetimeFigureOut">
               <a:rPr kumimoji="1" lang="ja-JP" altLang="en-US" smtClean="0"/>
-              <a:t>2024/5/22</a:t>
+              <a:t>2024/5/23</a:t>
             </a:fld>
             <a:endParaRPr kumimoji="1" lang="ja-JP" altLang="en-US"/>
           </a:p>
@@ -3441,7 +3444,7 @@
           <a:p>
             <a:fld id="{FC205792-3F04-46B6-8D68-E8B7A9B2EC46}" type="datetimeFigureOut">
               <a:rPr kumimoji="1" lang="ja-JP" altLang="en-US" smtClean="0"/>
-              <a:t>2024/5/22</a:t>
+              <a:t>2024/5/23</a:t>
             </a:fld>
             <a:endParaRPr kumimoji="1" lang="ja-JP" altLang="en-US"/>
           </a:p>
@@ -3729,7 +3732,7 @@
           <a:p>
             <a:fld id="{FC205792-3F04-46B6-8D68-E8B7A9B2EC46}" type="datetimeFigureOut">
               <a:rPr kumimoji="1" lang="ja-JP" altLang="en-US" smtClean="0"/>
-              <a:t>2024/5/22</a:t>
+              <a:t>2024/5/23</a:t>
             </a:fld>
             <a:endParaRPr kumimoji="1" lang="ja-JP" altLang="en-US"/>
           </a:p>
@@ -4002,7 +4005,7 @@
           <a:p>
             <a:fld id="{FC205792-3F04-46B6-8D68-E8B7A9B2EC46}" type="datetimeFigureOut">
               <a:rPr kumimoji="1" lang="ja-JP" altLang="en-US" smtClean="0"/>
-              <a:t>2024/5/22</a:t>
+              <a:t>2024/5/23</a:t>
             </a:fld>
             <a:endParaRPr kumimoji="1" lang="ja-JP" altLang="en-US"/>
           </a:p>
@@ -6103,6 +6106,524 @@
     <p:extLst>
       <p:ext uri="{BB962C8B-B14F-4D97-AF65-F5344CB8AC3E}">
         <p14:creationId xmlns:p14="http://schemas.microsoft.com/office/powerpoint/2010/main" val="1779892532"/>
+      </p:ext>
+    </p:extLst>
+  </p:cSld>
+  <p:clrMapOvr>
+    <a:masterClrMapping/>
+  </p:clrMapOvr>
+</p:sld>
+</file>
+
+<file path=ppt/slides/slide13.xml><?xml version="1.0" encoding="utf-8"?>
+<p:sld xmlns:a="http://schemas.openxmlformats.org/drawingml/2006/main" xmlns:r="http://schemas.openxmlformats.org/officeDocument/2006/relationships" xmlns:p="http://schemas.openxmlformats.org/presentationml/2006/main">
+  <p:cSld>
+    <p:bg>
+      <p:bgPr>
+        <a:solidFill>
+          <a:schemeClr val="accent1"/>
+        </a:solidFill>
+        <a:effectLst/>
+      </p:bgPr>
+    </p:bg>
+    <p:spTree>
+      <p:nvGrpSpPr>
+        <p:cNvPr id="1" name=""/>
+        <p:cNvGrpSpPr/>
+        <p:nvPr/>
+      </p:nvGrpSpPr>
+      <p:grpSpPr>
+        <a:xfrm>
+          <a:off x="0" y="0"/>
+          <a:ext cx="0" cy="0"/>
+          <a:chOff x="0" y="0"/>
+          <a:chExt cx="0" cy="0"/>
+        </a:xfrm>
+      </p:grpSpPr>
+      <p:sp>
+        <p:nvSpPr>
+          <p:cNvPr id="2" name="テキスト ボックス 1">
+            <a:extLst>
+              <a:ext uri="{FF2B5EF4-FFF2-40B4-BE49-F238E27FC236}">
+                <a16:creationId xmlns:a16="http://schemas.microsoft.com/office/drawing/2014/main" id="{463D0785-186A-FC28-9B7A-5D2B59539000}"/>
+              </a:ext>
+            </a:extLst>
+          </p:cNvPr>
+          <p:cNvSpPr txBox="1"/>
+          <p:nvPr/>
+        </p:nvSpPr>
+        <p:spPr>
+          <a:xfrm>
+            <a:off x="504825" y="2438400"/>
+            <a:ext cx="11191875" cy="2123658"/>
+          </a:xfrm>
+          <a:prstGeom prst="rect">
+            <a:avLst/>
+          </a:prstGeom>
+          <a:noFill/>
+        </p:spPr>
+        <p:txBody>
+          <a:bodyPr wrap="square" rtlCol="0">
+            <a:spAutoFit/>
+          </a:bodyPr>
+          <a:lstStyle/>
+          <a:p>
+            <a:pPr algn="ctr"/>
+            <a:r>
+              <a:rPr lang="en-US" altLang="ja-JP" sz="6600" dirty="0">
+                <a:solidFill>
+                  <a:schemeClr val="bg1"/>
+                </a:solidFill>
+              </a:rPr>
+              <a:t>4.</a:t>
+            </a:r>
+          </a:p>
+          <a:p>
+            <a:pPr algn="ctr"/>
+            <a:r>
+              <a:rPr kumimoji="1" lang="ja-JP" altLang="en-US" sz="6600" b="1" dirty="0">
+                <a:solidFill>
+                  <a:schemeClr val="bg1"/>
+                </a:solidFill>
+              </a:rPr>
+              <a:t>長所</a:t>
+            </a:r>
+            <a:r>
+              <a:rPr kumimoji="1" lang="en-US" altLang="ja-JP" sz="6600" b="1" dirty="0">
+                <a:solidFill>
+                  <a:schemeClr val="bg1"/>
+                </a:solidFill>
+              </a:rPr>
+              <a:t>/</a:t>
+            </a:r>
+            <a:r>
+              <a:rPr kumimoji="1" lang="ja-JP" altLang="en-US" sz="6600" b="1" dirty="0">
+                <a:solidFill>
+                  <a:schemeClr val="bg1"/>
+                </a:solidFill>
+              </a:rPr>
+              <a:t>短所</a:t>
+            </a:r>
+          </a:p>
+        </p:txBody>
+      </p:sp>
+    </p:spTree>
+    <p:extLst>
+      <p:ext uri="{BB962C8B-B14F-4D97-AF65-F5344CB8AC3E}">
+        <p14:creationId xmlns:p14="http://schemas.microsoft.com/office/powerpoint/2010/main" val="2865134534"/>
+      </p:ext>
+    </p:extLst>
+  </p:cSld>
+  <p:clrMapOvr>
+    <a:masterClrMapping/>
+  </p:clrMapOvr>
+</p:sld>
+</file>
+
+<file path=ppt/slides/slide14.xml><?xml version="1.0" encoding="utf-8"?>
+<p:sld xmlns:a="http://schemas.openxmlformats.org/drawingml/2006/main" xmlns:r="http://schemas.openxmlformats.org/officeDocument/2006/relationships" xmlns:p="http://schemas.openxmlformats.org/presentationml/2006/main">
+  <p:cSld>
+    <p:spTree>
+      <p:nvGrpSpPr>
+        <p:cNvPr id="1" name=""/>
+        <p:cNvGrpSpPr/>
+        <p:nvPr/>
+      </p:nvGrpSpPr>
+      <p:grpSpPr>
+        <a:xfrm>
+          <a:off x="0" y="0"/>
+          <a:ext cx="0" cy="0"/>
+          <a:chOff x="0" y="0"/>
+          <a:chExt cx="0" cy="0"/>
+        </a:xfrm>
+      </p:grpSpPr>
+      <p:sp>
+        <p:nvSpPr>
+          <p:cNvPr id="2" name="タイトル 1">
+            <a:extLst>
+              <a:ext uri="{FF2B5EF4-FFF2-40B4-BE49-F238E27FC236}">
+                <a16:creationId xmlns:a16="http://schemas.microsoft.com/office/drawing/2014/main" id="{5D85131E-AB32-0C13-F928-0BC8C7E25614}"/>
+              </a:ext>
+            </a:extLst>
+          </p:cNvPr>
+          <p:cNvSpPr>
+            <a:spLocks noGrp="1"/>
+          </p:cNvSpPr>
+          <p:nvPr>
+            <p:ph type="title"/>
+          </p:nvPr>
+        </p:nvSpPr>
+        <p:spPr/>
+        <p:txBody>
+          <a:bodyPr/>
+          <a:lstStyle/>
+          <a:p>
+            <a:r>
+              <a:rPr lang="ja-JP" altLang="en-US" dirty="0"/>
+              <a:t>長所</a:t>
+            </a:r>
+            <a:endParaRPr kumimoji="1" lang="ja-JP" altLang="en-US" dirty="0"/>
+          </a:p>
+        </p:txBody>
+      </p:sp>
+      <p:sp>
+        <p:nvSpPr>
+          <p:cNvPr id="3" name="コンテンツ プレースホルダー 2">
+            <a:extLst>
+              <a:ext uri="{FF2B5EF4-FFF2-40B4-BE49-F238E27FC236}">
+                <a16:creationId xmlns:a16="http://schemas.microsoft.com/office/drawing/2014/main" id="{E1842FAB-83F8-8740-EA6D-D4B6CB48EB62}"/>
+              </a:ext>
+            </a:extLst>
+          </p:cNvPr>
+          <p:cNvSpPr>
+            <a:spLocks noGrp="1"/>
+          </p:cNvSpPr>
+          <p:nvPr>
+            <p:ph idx="1"/>
+          </p:nvPr>
+        </p:nvSpPr>
+        <p:spPr/>
+        <p:txBody>
+          <a:bodyPr/>
+          <a:lstStyle/>
+          <a:p>
+            <a:r>
+              <a:rPr lang="ja-JP" altLang="en-US" dirty="0"/>
+              <a:t>効率性</a:t>
+            </a:r>
+            <a:endParaRPr lang="en-US" altLang="ja-JP" dirty="0"/>
+          </a:p>
+          <a:p>
+            <a:pPr lvl="1"/>
+            <a:r>
+              <a:rPr lang="en-US" altLang="ja-JP" dirty="0"/>
+              <a:t>VM</a:t>
+            </a:r>
+            <a:r>
+              <a:rPr lang="ja-JP" altLang="en-US" dirty="0"/>
+              <a:t>と比較し、</a:t>
+            </a:r>
+            <a:r>
+              <a:rPr lang="ja-JP" altLang="en-US" b="1" dirty="0">
+                <a:solidFill>
+                  <a:srgbClr val="FF0000"/>
+                </a:solidFill>
+              </a:rPr>
+              <a:t>起動オーバーヘッド</a:t>
+            </a:r>
+            <a:r>
+              <a:rPr lang="ja-JP" altLang="en-US" dirty="0"/>
+              <a:t>と</a:t>
+            </a:r>
+            <a:r>
+              <a:rPr lang="ja-JP" altLang="en-US" b="1" dirty="0">
+                <a:solidFill>
+                  <a:srgbClr val="FF0000"/>
+                </a:solidFill>
+              </a:rPr>
+              <a:t>リソース量</a:t>
+            </a:r>
+            <a:r>
+              <a:rPr lang="ja-JP" altLang="en-US" dirty="0"/>
+              <a:t>が</a:t>
+            </a:r>
+            <a:r>
+              <a:rPr lang="ja-JP" altLang="en-US" b="1" dirty="0"/>
+              <a:t>小</a:t>
+            </a:r>
+            <a:endParaRPr lang="en-US" altLang="ja-JP" b="1" dirty="0"/>
+          </a:p>
+          <a:p>
+            <a:r>
+              <a:rPr kumimoji="1" lang="ja-JP" altLang="en-US" dirty="0"/>
+              <a:t>一貫性</a:t>
+            </a:r>
+            <a:endParaRPr kumimoji="1" lang="en-US" altLang="ja-JP" dirty="0"/>
+          </a:p>
+          <a:p>
+            <a:pPr lvl="1"/>
+            <a:r>
+              <a:rPr kumimoji="1" lang="ja-JP" altLang="en-US" dirty="0"/>
+              <a:t>イミュータブル</a:t>
+            </a:r>
+            <a:r>
+              <a:rPr kumimoji="1" lang="en-US" altLang="ja-JP" dirty="0"/>
+              <a:t>	</a:t>
+            </a:r>
+          </a:p>
+          <a:p>
+            <a:r>
+              <a:rPr lang="ja-JP" altLang="en-US" dirty="0"/>
+              <a:t>可搬性</a:t>
+            </a:r>
+            <a:endParaRPr lang="en-US" altLang="ja-JP" dirty="0"/>
+          </a:p>
+          <a:p>
+            <a:pPr lvl="1"/>
+            <a:r>
+              <a:rPr kumimoji="1" lang="en-US" altLang="ja-JP" dirty="0"/>
+              <a:t>CI</a:t>
+            </a:r>
+            <a:r>
+              <a:rPr lang="en-US" altLang="ja-JP" dirty="0"/>
+              <a:t>/CD </a:t>
+            </a:r>
+            <a:r>
+              <a:rPr lang="ja-JP" altLang="en-US" dirty="0"/>
+              <a:t>の観点</a:t>
+            </a:r>
+            <a:endParaRPr kumimoji="1" lang="ja-JP" altLang="en-US" dirty="0"/>
+          </a:p>
+        </p:txBody>
+      </p:sp>
+      <p:sp>
+        <p:nvSpPr>
+          <p:cNvPr id="4" name="テキスト ボックス 3">
+            <a:extLst>
+              <a:ext uri="{FF2B5EF4-FFF2-40B4-BE49-F238E27FC236}">
+                <a16:creationId xmlns:a16="http://schemas.microsoft.com/office/drawing/2014/main" id="{DA317149-12A0-92F9-65EE-02DF436B7134}"/>
+              </a:ext>
+            </a:extLst>
+          </p:cNvPr>
+          <p:cNvSpPr txBox="1"/>
+          <p:nvPr/>
+        </p:nvSpPr>
+        <p:spPr>
+          <a:xfrm>
+            <a:off x="76200" y="85725"/>
+            <a:ext cx="3676650" cy="369332"/>
+          </a:xfrm>
+          <a:prstGeom prst="rect">
+            <a:avLst/>
+          </a:prstGeom>
+          <a:noFill/>
+        </p:spPr>
+        <p:txBody>
+          <a:bodyPr wrap="square" rtlCol="0">
+            <a:spAutoFit/>
+          </a:bodyPr>
+          <a:lstStyle/>
+          <a:p>
+            <a:r>
+              <a:rPr kumimoji="1" lang="en-US" altLang="ja-JP" dirty="0"/>
+              <a:t> </a:t>
+            </a:r>
+            <a:r>
+              <a:rPr kumimoji="1" lang="en-US" altLang="ja-JP" b="1" dirty="0">
+                <a:solidFill>
+                  <a:schemeClr val="tx1">
+                    <a:lumMod val="85000"/>
+                    <a:lumOff val="15000"/>
+                  </a:schemeClr>
+                </a:solidFill>
+              </a:rPr>
+              <a:t>4. </a:t>
+            </a:r>
+            <a:r>
+              <a:rPr kumimoji="1" lang="ja-JP" altLang="en-US" b="1" dirty="0">
+                <a:solidFill>
+                  <a:schemeClr val="tx1">
+                    <a:lumMod val="85000"/>
+                    <a:lumOff val="15000"/>
+                  </a:schemeClr>
+                </a:solidFill>
+              </a:rPr>
+              <a:t>長所</a:t>
+            </a:r>
+            <a:r>
+              <a:rPr kumimoji="1" lang="en-US" altLang="ja-JP" b="1" dirty="0">
+                <a:solidFill>
+                  <a:schemeClr val="tx1">
+                    <a:lumMod val="85000"/>
+                    <a:lumOff val="15000"/>
+                  </a:schemeClr>
+                </a:solidFill>
+              </a:rPr>
+              <a:t>/</a:t>
+            </a:r>
+            <a:r>
+              <a:rPr kumimoji="1" lang="ja-JP" altLang="en-US" b="1" dirty="0">
+                <a:solidFill>
+                  <a:schemeClr val="tx1">
+                    <a:lumMod val="85000"/>
+                    <a:lumOff val="15000"/>
+                  </a:schemeClr>
+                </a:solidFill>
+              </a:rPr>
+              <a:t>短所 </a:t>
+            </a:r>
+          </a:p>
+        </p:txBody>
+      </p:sp>
+    </p:spTree>
+    <p:extLst>
+      <p:ext uri="{BB962C8B-B14F-4D97-AF65-F5344CB8AC3E}">
+        <p14:creationId xmlns:p14="http://schemas.microsoft.com/office/powerpoint/2010/main" val="3178969580"/>
+      </p:ext>
+    </p:extLst>
+  </p:cSld>
+  <p:clrMapOvr>
+    <a:masterClrMapping/>
+  </p:clrMapOvr>
+</p:sld>
+</file>
+
+<file path=ppt/slides/slide15.xml><?xml version="1.0" encoding="utf-8"?>
+<p:sld xmlns:a="http://schemas.openxmlformats.org/drawingml/2006/main" xmlns:r="http://schemas.openxmlformats.org/officeDocument/2006/relationships" xmlns:p="http://schemas.openxmlformats.org/presentationml/2006/main">
+  <p:cSld>
+    <p:spTree>
+      <p:nvGrpSpPr>
+        <p:cNvPr id="1" name=""/>
+        <p:cNvGrpSpPr/>
+        <p:nvPr/>
+      </p:nvGrpSpPr>
+      <p:grpSpPr>
+        <a:xfrm>
+          <a:off x="0" y="0"/>
+          <a:ext cx="0" cy="0"/>
+          <a:chOff x="0" y="0"/>
+          <a:chExt cx="0" cy="0"/>
+        </a:xfrm>
+      </p:grpSpPr>
+      <p:sp>
+        <p:nvSpPr>
+          <p:cNvPr id="2" name="タイトル 1">
+            <a:extLst>
+              <a:ext uri="{FF2B5EF4-FFF2-40B4-BE49-F238E27FC236}">
+                <a16:creationId xmlns:a16="http://schemas.microsoft.com/office/drawing/2014/main" id="{5D85131E-AB32-0C13-F928-0BC8C7E25614}"/>
+              </a:ext>
+            </a:extLst>
+          </p:cNvPr>
+          <p:cNvSpPr>
+            <a:spLocks noGrp="1"/>
+          </p:cNvSpPr>
+          <p:nvPr>
+            <p:ph type="title"/>
+          </p:nvPr>
+        </p:nvSpPr>
+        <p:spPr/>
+        <p:txBody>
+          <a:bodyPr/>
+          <a:lstStyle/>
+          <a:p>
+            <a:r>
+              <a:rPr kumimoji="1" lang="ja-JP" altLang="en-US" dirty="0"/>
+              <a:t>短所</a:t>
+            </a:r>
+          </a:p>
+        </p:txBody>
+      </p:sp>
+      <p:sp>
+        <p:nvSpPr>
+          <p:cNvPr id="3" name="コンテンツ プレースホルダー 2">
+            <a:extLst>
+              <a:ext uri="{FF2B5EF4-FFF2-40B4-BE49-F238E27FC236}">
+                <a16:creationId xmlns:a16="http://schemas.microsoft.com/office/drawing/2014/main" id="{E1842FAB-83F8-8740-EA6D-D4B6CB48EB62}"/>
+              </a:ext>
+            </a:extLst>
+          </p:cNvPr>
+          <p:cNvSpPr>
+            <a:spLocks noGrp="1"/>
+          </p:cNvSpPr>
+          <p:nvPr>
+            <p:ph idx="1"/>
+          </p:nvPr>
+        </p:nvSpPr>
+        <p:spPr/>
+        <p:txBody>
+          <a:bodyPr/>
+          <a:lstStyle/>
+          <a:p>
+            <a:r>
+              <a:rPr kumimoji="1" lang="ja-JP" altLang="en-US" dirty="0"/>
+              <a:t>学習コスト</a:t>
+            </a:r>
+          </a:p>
+        </p:txBody>
+      </p:sp>
+      <p:sp>
+        <p:nvSpPr>
+          <p:cNvPr id="4" name="テキスト ボックス 3">
+            <a:extLst>
+              <a:ext uri="{FF2B5EF4-FFF2-40B4-BE49-F238E27FC236}">
+                <a16:creationId xmlns:a16="http://schemas.microsoft.com/office/drawing/2014/main" id="{DA317149-12A0-92F9-65EE-02DF436B7134}"/>
+              </a:ext>
+            </a:extLst>
+          </p:cNvPr>
+          <p:cNvSpPr txBox="1"/>
+          <p:nvPr/>
+        </p:nvSpPr>
+        <p:spPr>
+          <a:xfrm>
+            <a:off x="76200" y="85725"/>
+            <a:ext cx="3676650" cy="369332"/>
+          </a:xfrm>
+          <a:prstGeom prst="rect">
+            <a:avLst/>
+          </a:prstGeom>
+          <a:noFill/>
+        </p:spPr>
+        <p:txBody>
+          <a:bodyPr wrap="square" rtlCol="0">
+            <a:spAutoFit/>
+          </a:bodyPr>
+          <a:lstStyle/>
+          <a:p>
+            <a:r>
+              <a:rPr kumimoji="1" lang="en-US" altLang="ja-JP" dirty="0"/>
+              <a:t> </a:t>
+            </a:r>
+            <a:r>
+              <a:rPr kumimoji="1" lang="en-US" altLang="ja-JP" b="1" dirty="0">
+                <a:solidFill>
+                  <a:schemeClr val="tx1">
+                    <a:lumMod val="85000"/>
+                    <a:lumOff val="15000"/>
+                  </a:schemeClr>
+                </a:solidFill>
+              </a:rPr>
+              <a:t>4. </a:t>
+            </a:r>
+            <a:r>
+              <a:rPr kumimoji="1" lang="ja-JP" altLang="en-US" b="1" dirty="0">
+                <a:solidFill>
+                  <a:schemeClr val="tx1">
+                    <a:lumMod val="85000"/>
+                    <a:lumOff val="15000"/>
+                  </a:schemeClr>
+                </a:solidFill>
+              </a:rPr>
+              <a:t>長所</a:t>
+            </a:r>
+            <a:r>
+              <a:rPr kumimoji="1" lang="en-US" altLang="ja-JP" b="1" dirty="0">
+                <a:solidFill>
+                  <a:schemeClr val="tx1">
+                    <a:lumMod val="85000"/>
+                    <a:lumOff val="15000"/>
+                  </a:schemeClr>
+                </a:solidFill>
+              </a:rPr>
+              <a:t>/</a:t>
+            </a:r>
+            <a:r>
+              <a:rPr kumimoji="1" lang="ja-JP" altLang="en-US" b="1" dirty="0">
+                <a:solidFill>
+                  <a:schemeClr val="tx1">
+                    <a:lumMod val="85000"/>
+                    <a:lumOff val="15000"/>
+                  </a:schemeClr>
+                </a:solidFill>
+              </a:rPr>
+              <a:t>短所 </a:t>
+            </a:r>
+          </a:p>
+        </p:txBody>
+      </p:sp>
+    </p:spTree>
+    <p:extLst>
+      <p:ext uri="{BB962C8B-B14F-4D97-AF65-F5344CB8AC3E}">
+        <p14:creationId xmlns:p14="http://schemas.microsoft.com/office/powerpoint/2010/main" val="911058408"/>
       </p:ext>
     </p:extLst>
   </p:cSld>

--- a/docker-container.pptx
+++ b/docker-container.pptx
@@ -5,10 +5,10 @@
     <p:sldMasterId id="2147483648" r:id="rId1"/>
   </p:sldMasterIdLst>
   <p:notesMasterIdLst>
-    <p:notesMasterId r:id="rId17"/>
+    <p:notesMasterId r:id="rId19"/>
   </p:notesMasterIdLst>
   <p:handoutMasterIdLst>
-    <p:handoutMasterId r:id="rId18"/>
+    <p:handoutMasterId r:id="rId20"/>
   </p:handoutMasterIdLst>
   <p:sldIdLst>
     <p:sldId id="256" r:id="rId2"/>
@@ -23,9 +23,11 @@
     <p:sldId id="263" r:id="rId11"/>
     <p:sldId id="265" r:id="rId12"/>
     <p:sldId id="264" r:id="rId13"/>
-    <p:sldId id="268" r:id="rId14"/>
-    <p:sldId id="269" r:id="rId15"/>
-    <p:sldId id="270" r:id="rId16"/>
+    <p:sldId id="271" r:id="rId14"/>
+    <p:sldId id="272" r:id="rId15"/>
+    <p:sldId id="268" r:id="rId16"/>
+    <p:sldId id="269" r:id="rId17"/>
+    <p:sldId id="270" r:id="rId18"/>
   </p:sldIdLst>
   <p:sldSz cx="12192000" cy="6858000"/>
   <p:notesSz cx="6858000" cy="9144000"/>
@@ -4626,7 +4628,7 @@
         </p:nvSpPr>
         <p:spPr>
           <a:xfrm>
-            <a:off x="3683512" y="1868129"/>
+            <a:off x="3683512" y="1774926"/>
             <a:ext cx="5008204" cy="4168878"/>
           </a:xfrm>
           <a:prstGeom prst="roundRect">
@@ -5099,10 +5101,24 @@
           <a:p>
             <a:pPr algn="ctr"/>
             <a:r>
-              <a:rPr kumimoji="1" lang="en-US" altLang="ja-JP" sz="2400" b="1" i="1" dirty="0" err="1"/>
+              <a:rPr kumimoji="1" lang="en-US" altLang="ja-JP" sz="2400" b="1" i="1" dirty="0" err="1">
+                <a:solidFill>
+                  <a:schemeClr val="tx1">
+                    <a:lumMod val="85000"/>
+                    <a:lumOff val="15000"/>
+                  </a:schemeClr>
+                </a:solidFill>
+              </a:rPr>
               <a:t>Dockerfile</a:t>
             </a:r>
-            <a:endParaRPr kumimoji="1" lang="ja-JP" altLang="en-US" sz="2400" b="1" i="1" dirty="0"/>
+            <a:endParaRPr kumimoji="1" lang="ja-JP" altLang="en-US" sz="2400" b="1" i="1" dirty="0">
+              <a:solidFill>
+                <a:schemeClr val="tx1">
+                  <a:lumMod val="85000"/>
+                  <a:lumOff val="15000"/>
+                </a:schemeClr>
+              </a:solidFill>
+            </a:endParaRPr>
           </a:p>
         </p:txBody>
       </p:sp>
@@ -5136,10 +5152,18 @@
           <a:p>
             <a:pPr algn="ctr"/>
             <a:r>
-              <a:rPr kumimoji="1" lang="en-US" altLang="ja-JP" sz="2400" b="1" i="1" dirty="0"/>
+              <a:rPr kumimoji="1" lang="en-US" altLang="ja-JP" sz="2400" b="1" i="1" dirty="0">
+                <a:solidFill>
+                  <a:schemeClr val="accent1"/>
+                </a:solidFill>
+              </a:rPr>
               <a:t>image</a:t>
             </a:r>
-            <a:endParaRPr kumimoji="1" lang="ja-JP" altLang="en-US" sz="2400" b="1" i="1" dirty="0"/>
+            <a:endParaRPr kumimoji="1" lang="ja-JP" altLang="en-US" sz="2400" b="1" i="1" dirty="0">
+              <a:solidFill>
+                <a:schemeClr val="accent1"/>
+              </a:solidFill>
+            </a:endParaRPr>
           </a:p>
         </p:txBody>
       </p:sp>
@@ -5173,10 +5197,18 @@
           <a:p>
             <a:pPr algn="ctr"/>
             <a:r>
-              <a:rPr kumimoji="1" lang="en-US" altLang="ja-JP" sz="2400" b="1" i="1" dirty="0"/>
+              <a:rPr kumimoji="1" lang="en-US" altLang="ja-JP" sz="2400" b="1" i="1" dirty="0">
+                <a:solidFill>
+                  <a:schemeClr val="accent2"/>
+                </a:solidFill>
+              </a:rPr>
               <a:t>container</a:t>
             </a:r>
-            <a:endParaRPr kumimoji="1" lang="ja-JP" altLang="en-US" sz="2400" b="1" i="1" dirty="0"/>
+            <a:endParaRPr kumimoji="1" lang="ja-JP" altLang="en-US" sz="2400" b="1" i="1" dirty="0">
+              <a:solidFill>
+                <a:schemeClr val="accent2"/>
+              </a:solidFill>
+            </a:endParaRPr>
           </a:p>
         </p:txBody>
       </p:sp>
@@ -5829,10 +5861,24 @@
           <a:lstStyle/>
           <a:p>
             <a:r>
-              <a:rPr kumimoji="1" lang="en-US" altLang="ja-JP" i="1" dirty="0" err="1"/>
+              <a:rPr kumimoji="1" lang="en-US" altLang="ja-JP" i="1" dirty="0" err="1">
+                <a:solidFill>
+                  <a:schemeClr val="tx1">
+                    <a:lumMod val="95000"/>
+                    <a:lumOff val="5000"/>
+                  </a:schemeClr>
+                </a:solidFill>
+              </a:rPr>
               <a:t>Dockerfile</a:t>
             </a:r>
-            <a:endParaRPr kumimoji="1" lang="en-US" altLang="ja-JP" i="1" dirty="0"/>
+            <a:endParaRPr kumimoji="1" lang="en-US" altLang="ja-JP" i="1" dirty="0">
+              <a:solidFill>
+                <a:schemeClr val="tx1">
+                  <a:lumMod val="95000"/>
+                  <a:lumOff val="5000"/>
+                </a:schemeClr>
+              </a:solidFill>
+            </a:endParaRPr>
           </a:p>
           <a:p>
             <a:r>
@@ -5842,16 +5888,34 @@
           </a:p>
           <a:p>
             <a:r>
-              <a:rPr kumimoji="1" lang="en-US" altLang="ja-JP" i="1" dirty="0"/>
+              <a:rPr kumimoji="1" lang="en-US" altLang="ja-JP" i="1" dirty="0">
+                <a:solidFill>
+                  <a:schemeClr val="accent2"/>
+                </a:solidFill>
+              </a:rPr>
               <a:t>container</a:t>
             </a:r>
           </a:p>
           <a:p>
             <a:r>
-              <a:rPr lang="en-US" altLang="ja-JP" i="1" dirty="0"/>
+              <a:rPr lang="en-US" altLang="ja-JP" b="0" i="1" dirty="0">
+                <a:solidFill>
+                  <a:schemeClr val="tx1">
+                    <a:lumMod val="85000"/>
+                    <a:lumOff val="15000"/>
+                  </a:schemeClr>
+                </a:solidFill>
+              </a:rPr>
               <a:t>Docker Hub</a:t>
             </a:r>
-            <a:endParaRPr kumimoji="1" lang="en-US" altLang="ja-JP" i="1" dirty="0"/>
+            <a:endParaRPr kumimoji="1" lang="en-US" altLang="ja-JP" b="0" i="1" dirty="0">
+              <a:solidFill>
+                <a:schemeClr val="tx1">
+                  <a:lumMod val="85000"/>
+                  <a:lumOff val="15000"/>
+                </a:schemeClr>
+              </a:solidFill>
+            </a:endParaRPr>
           </a:p>
           <a:p>
             <a:pPr lvl="2"/>
@@ -6004,13 +6068,39 @@
           <a:lstStyle/>
           <a:p>
             <a:r>
-              <a:rPr kumimoji="1" lang="en-US" altLang="ja-JP" dirty="0" err="1"/>
+              <a:rPr kumimoji="1" lang="en-US" altLang="ja-JP" i="1" dirty="0" err="1"/>
               <a:t>Dockerfile</a:t>
             </a:r>
+            <a:endParaRPr kumimoji="1" lang="en-US" altLang="ja-JP" i="1" dirty="0"/>
+          </a:p>
+          <a:p>
+            <a:pPr lvl="1"/>
+            <a:r>
+              <a:rPr lang="en-US" altLang="ja-JP" dirty="0"/>
+              <a:t>i</a:t>
+            </a:r>
+            <a:r>
+              <a:rPr kumimoji="1" lang="en-US" altLang="ja-JP" dirty="0"/>
+              <a:t>mage</a:t>
+            </a:r>
+            <a:r>
+              <a:rPr kumimoji="1" lang="ja-JP" altLang="en-US" dirty="0"/>
+              <a:t>の元となる</a:t>
+            </a:r>
+            <a:r>
+              <a:rPr kumimoji="1" lang="ja-JP" altLang="en-US" u="sng" dirty="0"/>
+              <a:t>テキストファイル</a:t>
+            </a:r>
+            <a:endParaRPr kumimoji="1" lang="en-US" altLang="ja-JP" u="sng" dirty="0"/>
+          </a:p>
+          <a:p>
+            <a:pPr lvl="1"/>
             <a:endParaRPr kumimoji="1" lang="en-US" altLang="ja-JP" dirty="0"/>
           </a:p>
           <a:p>
-            <a:pPr lvl="2"/>
+            <a:pPr marL="457200" lvl="1" indent="0">
+              <a:buNone/>
+            </a:pPr>
             <a:endParaRPr kumimoji="1" lang="ja-JP" altLang="en-US" dirty="0"/>
           </a:p>
         </p:txBody>
@@ -6118,14 +6208,6 @@
 <file path=ppt/slides/slide13.xml><?xml version="1.0" encoding="utf-8"?>
 <p:sld xmlns:a="http://schemas.openxmlformats.org/drawingml/2006/main" xmlns:r="http://schemas.openxmlformats.org/officeDocument/2006/relationships" xmlns:p="http://schemas.openxmlformats.org/presentationml/2006/main">
   <p:cSld>
-    <p:bg>
-      <p:bgPr>
-        <a:solidFill>
-          <a:schemeClr val="accent1"/>
-        </a:solidFill>
-        <a:effectLst/>
-      </p:bgPr>
-    </p:bg>
     <p:spTree>
       <p:nvGrpSpPr>
         <p:cNvPr id="1" name=""/>
@@ -6142,10 +6224,109 @@
       </p:grpSpPr>
       <p:sp>
         <p:nvSpPr>
-          <p:cNvPr id="2" name="テキスト ボックス 1">
-            <a:extLst>
-              <a:ext uri="{FF2B5EF4-FFF2-40B4-BE49-F238E27FC236}">
-                <a16:creationId xmlns:a16="http://schemas.microsoft.com/office/drawing/2014/main" id="{463D0785-186A-FC28-9B7A-5D2B59539000}"/>
+          <p:cNvPr id="2" name="タイトル 1">
+            <a:extLst>
+              <a:ext uri="{FF2B5EF4-FFF2-40B4-BE49-F238E27FC236}">
+                <a16:creationId xmlns:a16="http://schemas.microsoft.com/office/drawing/2014/main" id="{5D85131E-AB32-0C13-F928-0BC8C7E25614}"/>
+              </a:ext>
+            </a:extLst>
+          </p:cNvPr>
+          <p:cNvSpPr>
+            <a:spLocks noGrp="1"/>
+          </p:cNvSpPr>
+          <p:nvPr>
+            <p:ph type="title"/>
+          </p:nvPr>
+        </p:nvSpPr>
+        <p:spPr/>
+        <p:txBody>
+          <a:bodyPr/>
+          <a:lstStyle/>
+          <a:p>
+            <a:r>
+              <a:rPr kumimoji="1" lang="ja-JP" altLang="en-US" dirty="0"/>
+              <a:t>用語</a:t>
+            </a:r>
+          </a:p>
+        </p:txBody>
+      </p:sp>
+      <p:sp>
+        <p:nvSpPr>
+          <p:cNvPr id="3" name="コンテンツ プレースホルダー 2">
+            <a:extLst>
+              <a:ext uri="{FF2B5EF4-FFF2-40B4-BE49-F238E27FC236}">
+                <a16:creationId xmlns:a16="http://schemas.microsoft.com/office/drawing/2014/main" id="{E1842FAB-83F8-8740-EA6D-D4B6CB48EB62}"/>
+              </a:ext>
+            </a:extLst>
+          </p:cNvPr>
+          <p:cNvSpPr>
+            <a:spLocks noGrp="1"/>
+          </p:cNvSpPr>
+          <p:nvPr>
+            <p:ph idx="1"/>
+          </p:nvPr>
+        </p:nvSpPr>
+        <p:spPr/>
+        <p:txBody>
+          <a:bodyPr/>
+          <a:lstStyle/>
+          <a:p>
+            <a:r>
+              <a:rPr lang="en-US" altLang="ja-JP" i="1" dirty="0"/>
+              <a:t>image</a:t>
+            </a:r>
+          </a:p>
+          <a:p>
+            <a:pPr lvl="1"/>
+            <a:r>
+              <a:rPr lang="en-US" altLang="ja-JP" dirty="0"/>
+              <a:t>container</a:t>
+            </a:r>
+            <a:r>
+              <a:rPr lang="ja-JP" altLang="en-US" dirty="0"/>
+              <a:t>作成に使用されるスタンドアロンな</a:t>
+            </a:r>
+            <a:r>
+              <a:rPr lang="ja-JP" altLang="en-US" u="sng" dirty="0"/>
+              <a:t>実行可能ファイル</a:t>
+            </a:r>
+            <a:r>
+              <a:rPr lang="en-US" altLang="ja-JP" dirty="0"/>
+              <a:t>[x]</a:t>
+            </a:r>
+          </a:p>
+          <a:p>
+            <a:pPr lvl="2"/>
+            <a:r>
+              <a:rPr kumimoji="1" lang="ja-JP" altLang="en-US" dirty="0"/>
+              <a:t>必要な</a:t>
+            </a:r>
+            <a:r>
+              <a:rPr kumimoji="1" lang="ja-JP" altLang="en-US" b="1" dirty="0"/>
+              <a:t>ライブラリ，依存関係，ファイル</a:t>
+            </a:r>
+            <a:r>
+              <a:rPr kumimoji="1" lang="ja-JP" altLang="en-US" dirty="0"/>
+              <a:t>全てを内包</a:t>
+            </a:r>
+            <a:endParaRPr kumimoji="1" lang="en-US" altLang="ja-JP" dirty="0"/>
+          </a:p>
+          <a:p>
+            <a:pPr lvl="1"/>
+            <a:r>
+              <a:rPr kumimoji="1" lang="ja-JP" altLang="en-US"/>
+              <a:t>レイヤー構造</a:t>
+            </a:r>
+            <a:endParaRPr kumimoji="1" lang="ja-JP" altLang="en-US" dirty="0"/>
+          </a:p>
+        </p:txBody>
+      </p:sp>
+      <p:sp>
+        <p:nvSpPr>
+          <p:cNvPr id="4" name="テキスト ボックス 3">
+            <a:extLst>
+              <a:ext uri="{FF2B5EF4-FFF2-40B4-BE49-F238E27FC236}">
+                <a16:creationId xmlns:a16="http://schemas.microsoft.com/office/drawing/2014/main" id="{DA317149-12A0-92F9-65EE-02DF436B7134}"/>
               </a:ext>
             </a:extLst>
           </p:cNvPr>
@@ -6154,8 +6335,8 @@
         </p:nvSpPr>
         <p:spPr>
           <a:xfrm>
-            <a:off x="504825" y="2438400"/>
-            <a:ext cx="11191875" cy="2123658"/>
+            <a:off x="76200" y="85725"/>
+            <a:ext cx="3676650" cy="369332"/>
           </a:xfrm>
           <a:prstGeom prst="rect">
             <a:avLst/>
@@ -6168,49 +6349,133 @@
           </a:bodyPr>
           <a:lstStyle/>
           <a:p>
-            <a:pPr algn="ctr"/>
-            <a:r>
-              <a:rPr lang="en-US" altLang="ja-JP" sz="6600" dirty="0">
+            <a:r>
+              <a:rPr kumimoji="1" lang="en-US" altLang="ja-JP" dirty="0"/>
+              <a:t> </a:t>
+            </a:r>
+            <a:r>
+              <a:rPr kumimoji="1" lang="en-US" altLang="ja-JP" b="1" dirty="0">
                 <a:solidFill>
-                  <a:schemeClr val="bg1"/>
+                  <a:schemeClr val="tx1">
+                    <a:lumMod val="85000"/>
+                    <a:lumOff val="15000"/>
+                  </a:schemeClr>
                 </a:solidFill>
               </a:rPr>
-              <a:t>4.</a:t>
-            </a:r>
-          </a:p>
-          <a:p>
-            <a:pPr algn="ctr"/>
-            <a:r>
-              <a:rPr kumimoji="1" lang="ja-JP" altLang="en-US" sz="6600" b="1" dirty="0">
+              <a:t>3. </a:t>
+            </a:r>
+            <a:r>
+              <a:rPr lang="ja-JP" altLang="en-US" b="1" dirty="0">
                 <a:solidFill>
-                  <a:schemeClr val="bg1"/>
+                  <a:schemeClr val="tx1">
+                    <a:lumMod val="85000"/>
+                    <a:lumOff val="15000"/>
+                  </a:schemeClr>
                 </a:solidFill>
               </a:rPr>
-              <a:t>長所</a:t>
-            </a:r>
-            <a:r>
-              <a:rPr kumimoji="1" lang="en-US" altLang="ja-JP" sz="6600" b="1" dirty="0">
+              <a:t>主要アーキテクチャ </a:t>
+            </a:r>
+            <a:r>
+              <a:rPr lang="en-US" altLang="ja-JP" b="1" dirty="0">
                 <a:solidFill>
-                  <a:schemeClr val="bg1"/>
+                  <a:schemeClr val="tx1">
+                    <a:lumMod val="85000"/>
+                    <a:lumOff val="15000"/>
+                  </a:schemeClr>
                 </a:solidFill>
               </a:rPr>
-              <a:t>/</a:t>
-            </a:r>
-            <a:r>
-              <a:rPr kumimoji="1" lang="ja-JP" altLang="en-US" sz="6600" b="1" dirty="0">
+              <a:t>&gt; </a:t>
+            </a:r>
+            <a:r>
+              <a:rPr lang="ja-JP" altLang="en-US" b="1" dirty="0">
                 <a:solidFill>
-                  <a:schemeClr val="bg1"/>
+                  <a:schemeClr val="tx1">
+                    <a:lumMod val="85000"/>
+                    <a:lumOff val="15000"/>
+                  </a:schemeClr>
                 </a:solidFill>
               </a:rPr>
-              <a:t>短所</a:t>
-            </a:r>
+              <a:t>用語</a:t>
+            </a:r>
+            <a:endParaRPr kumimoji="1" lang="ja-JP" altLang="en-US" b="1" dirty="0">
+              <a:solidFill>
+                <a:schemeClr val="tx1">
+                  <a:lumMod val="85000"/>
+                  <a:lumOff val="15000"/>
+                </a:schemeClr>
+              </a:solidFill>
+            </a:endParaRPr>
+          </a:p>
+        </p:txBody>
+      </p:sp>
+      <p:sp>
+        <p:nvSpPr>
+          <p:cNvPr id="5" name="テキスト ボックス 4">
+            <a:extLst>
+              <a:ext uri="{FF2B5EF4-FFF2-40B4-BE49-F238E27FC236}">
+                <a16:creationId xmlns:a16="http://schemas.microsoft.com/office/drawing/2014/main" id="{61B6A5D5-D1D2-E00B-9368-1C674ABB0DAB}"/>
+              </a:ext>
+            </a:extLst>
+          </p:cNvPr>
+          <p:cNvSpPr txBox="1"/>
+          <p:nvPr/>
+        </p:nvSpPr>
+        <p:spPr>
+          <a:xfrm>
+            <a:off x="0" y="6581001"/>
+            <a:ext cx="11439525" cy="276999"/>
+          </a:xfrm>
+          <a:prstGeom prst="rect">
+            <a:avLst/>
+          </a:prstGeom>
+          <a:noFill/>
+        </p:spPr>
+        <p:txBody>
+          <a:bodyPr wrap="square" rtlCol="0">
+            <a:spAutoFit/>
+          </a:bodyPr>
+          <a:lstStyle/>
+          <a:p>
+            <a:r>
+              <a:rPr kumimoji="1" lang="en-US" altLang="ja-JP" sz="1200" dirty="0"/>
+              <a:t>[x]</a:t>
+            </a:r>
+            <a:r>
+              <a:rPr lang="en-US" altLang="ja-JP" sz="1200" dirty="0"/>
+              <a:t>:</a:t>
+            </a:r>
+            <a:r>
+              <a:rPr lang="ja-JP" altLang="en-US" sz="1200" dirty="0"/>
+              <a:t> </a:t>
+            </a:r>
+            <a:r>
+              <a:rPr kumimoji="1" lang="en-US" altLang="ja-JP" sz="1200" dirty="0"/>
+              <a:t>Docker </a:t>
+            </a:r>
+            <a:r>
+              <a:rPr kumimoji="1" lang="ja-JP" altLang="en-US" sz="1200" dirty="0"/>
+              <a:t>イメージとコンテナの違い</a:t>
+            </a:r>
+            <a:r>
+              <a:rPr kumimoji="1" lang="en-US" altLang="ja-JP" sz="1200" dirty="0"/>
+              <a:t>, </a:t>
+            </a:r>
+            <a:r>
+              <a:rPr kumimoji="1" lang="en-US" altLang="ja-JP" sz="1200" dirty="0" err="1"/>
+              <a:t>aws</a:t>
+            </a:r>
+            <a:r>
+              <a:rPr kumimoji="1" lang="en-US" altLang="ja-JP" sz="1200" dirty="0"/>
+              <a:t>, https://aws.amazon.com/jp/compare/the-difference-between-docker-images-and-containers/</a:t>
+            </a:r>
+            <a:endParaRPr kumimoji="1" lang="ja-JP" altLang="en-US" sz="1200" dirty="0"/>
           </a:p>
         </p:txBody>
       </p:sp>
     </p:spTree>
     <p:extLst>
       <p:ext uri="{BB962C8B-B14F-4D97-AF65-F5344CB8AC3E}">
-        <p14:creationId xmlns:p14="http://schemas.microsoft.com/office/powerpoint/2010/main" val="2865134534"/>
+        <p14:creationId xmlns:p14="http://schemas.microsoft.com/office/powerpoint/2010/main" val="533456754"/>
       </p:ext>
     </p:extLst>
   </p:cSld>
@@ -6259,10 +6524,9 @@
           <a:lstStyle/>
           <a:p>
             <a:r>
-              <a:rPr lang="ja-JP" altLang="en-US" dirty="0"/>
-              <a:t>長所</a:t>
-            </a:r>
-            <a:endParaRPr kumimoji="1" lang="ja-JP" altLang="en-US" dirty="0"/>
+              <a:rPr kumimoji="1" lang="ja-JP" altLang="en-US" dirty="0"/>
+              <a:t>用語</a:t>
+            </a:r>
           </a:p>
         </p:txBody>
       </p:sp>
@@ -6288,90 +6552,44 @@
           <a:lstStyle/>
           <a:p>
             <a:r>
-              <a:rPr lang="ja-JP" altLang="en-US" dirty="0"/>
-              <a:t>効率性</a:t>
-            </a:r>
-            <a:endParaRPr lang="en-US" altLang="ja-JP" dirty="0"/>
-          </a:p>
-          <a:p>
-            <a:pPr lvl="1"/>
-            <a:r>
-              <a:rPr lang="en-US" altLang="ja-JP" dirty="0"/>
-              <a:t>VM</a:t>
-            </a:r>
-            <a:r>
-              <a:rPr lang="ja-JP" altLang="en-US" dirty="0"/>
-              <a:t>と比較し、</a:t>
-            </a:r>
-            <a:r>
-              <a:rPr lang="ja-JP" altLang="en-US" b="1" dirty="0">
+              <a:rPr lang="en-US" altLang="ja-JP" i="1" dirty="0">
                 <a:solidFill>
-                  <a:srgbClr val="FF0000"/>
+                  <a:schemeClr val="accent2"/>
                 </a:solidFill>
               </a:rPr>
-              <a:t>起動オーバーヘッド</a:t>
+              <a:t>container</a:t>
+            </a:r>
+          </a:p>
+          <a:p>
+            <a:pPr lvl="1"/>
+            <a:r>
+              <a:rPr lang="en-US" altLang="ja-JP" dirty="0"/>
+              <a:t>container</a:t>
             </a:r>
             <a:r>
               <a:rPr lang="ja-JP" altLang="en-US" dirty="0"/>
-              <a:t>と</a:t>
-            </a:r>
-            <a:r>
-              <a:rPr lang="ja-JP" altLang="en-US" b="1" dirty="0">
-                <a:solidFill>
-                  <a:srgbClr val="FF0000"/>
-                </a:solidFill>
-              </a:rPr>
-              <a:t>リソース量</a:t>
-            </a:r>
-            <a:r>
-              <a:rPr lang="ja-JP" altLang="en-US" dirty="0"/>
-              <a:t>が</a:t>
-            </a:r>
-            <a:r>
-              <a:rPr lang="ja-JP" altLang="en-US" b="1" dirty="0"/>
-              <a:t>小</a:t>
-            </a:r>
-            <a:endParaRPr lang="en-US" altLang="ja-JP" b="1" dirty="0"/>
-          </a:p>
-          <a:p>
+              <a:t>作成に使用されるスタンドアロンな実行可能ファイル</a:t>
+            </a:r>
+            <a:endParaRPr lang="en-US" altLang="ja-JP" dirty="0"/>
+          </a:p>
+          <a:p>
+            <a:pPr lvl="2"/>
+            <a:r>
+              <a:rPr kumimoji="1" lang="ja-JP" altLang="en-US" b="1" dirty="0"/>
+              <a:t>ライブラリ，依存関係，ファイル</a:t>
+            </a:r>
             <a:r>
               <a:rPr kumimoji="1" lang="ja-JP" altLang="en-US" dirty="0"/>
-              <a:t>一貫性</a:t>
+              <a:t>全てを内包</a:t>
             </a:r>
             <a:endParaRPr kumimoji="1" lang="en-US" altLang="ja-JP" dirty="0"/>
           </a:p>
           <a:p>
             <a:pPr lvl="1"/>
-            <a:r>
-              <a:rPr kumimoji="1" lang="ja-JP" altLang="en-US" dirty="0"/>
-              <a:t>イミュータブル</a:t>
-            </a:r>
-            <a:r>
-              <a:rPr kumimoji="1" lang="en-US" altLang="ja-JP" dirty="0"/>
-              <a:t>	</a:t>
-            </a:r>
-          </a:p>
-          <a:p>
-            <a:r>
-              <a:rPr lang="ja-JP" altLang="en-US" dirty="0"/>
-              <a:t>可搬性</a:t>
-            </a:r>
-            <a:endParaRPr lang="en-US" altLang="ja-JP" dirty="0"/>
+            <a:endParaRPr kumimoji="1" lang="en-US" altLang="ja-JP" dirty="0"/>
           </a:p>
           <a:p>
             <a:pPr lvl="1"/>
-            <a:r>
-              <a:rPr kumimoji="1" lang="en-US" altLang="ja-JP" dirty="0"/>
-              <a:t>CI</a:t>
-            </a:r>
-            <a:r>
-              <a:rPr lang="en-US" altLang="ja-JP" dirty="0"/>
-              <a:t>/CD </a:t>
-            </a:r>
-            <a:r>
-              <a:rPr lang="ja-JP" altLang="en-US" dirty="0"/>
-              <a:t>の観点</a:t>
-            </a:r>
             <a:endParaRPr kumimoji="1" lang="ja-JP" altLang="en-US" dirty="0"/>
           </a:p>
         </p:txBody>
@@ -6417,10 +6635,10 @@
                   </a:schemeClr>
                 </a:solidFill>
               </a:rPr>
-              <a:t>4. </a:t>
-            </a:r>
-            <a:r>
-              <a:rPr kumimoji="1" lang="ja-JP" altLang="en-US" b="1" dirty="0">
+              <a:t>3. </a:t>
+            </a:r>
+            <a:r>
+              <a:rPr lang="ja-JP" altLang="en-US" b="1" dirty="0">
                 <a:solidFill>
                   <a:schemeClr val="tx1">
                     <a:lumMod val="85000"/>
@@ -6428,10 +6646,10 @@
                   </a:schemeClr>
                 </a:solidFill>
               </a:rPr>
-              <a:t>長所</a:t>
-            </a:r>
-            <a:r>
-              <a:rPr kumimoji="1" lang="en-US" altLang="ja-JP" b="1" dirty="0">
+              <a:t>主要アーキテクチャ </a:t>
+            </a:r>
+            <a:r>
+              <a:rPr lang="en-US" altLang="ja-JP" b="1" dirty="0">
                 <a:solidFill>
                   <a:schemeClr val="tx1">
                     <a:lumMod val="85000"/>
@@ -6439,10 +6657,10 @@
                   </a:schemeClr>
                 </a:solidFill>
               </a:rPr>
-              <a:t>/</a:t>
-            </a:r>
-            <a:r>
-              <a:rPr kumimoji="1" lang="ja-JP" altLang="en-US" b="1" dirty="0">
+              <a:t>&gt; </a:t>
+            </a:r>
+            <a:r>
+              <a:rPr lang="ja-JP" altLang="en-US" b="1" dirty="0">
                 <a:solidFill>
                   <a:schemeClr val="tx1">
                     <a:lumMod val="85000"/>
@@ -6450,15 +6668,23 @@
                   </a:schemeClr>
                 </a:solidFill>
               </a:rPr>
-              <a:t>短所 </a:t>
-            </a:r>
+              <a:t>用語</a:t>
+            </a:r>
+            <a:endParaRPr kumimoji="1" lang="ja-JP" altLang="en-US" b="1" dirty="0">
+              <a:solidFill>
+                <a:schemeClr val="tx1">
+                  <a:lumMod val="85000"/>
+                  <a:lumOff val="15000"/>
+                </a:schemeClr>
+              </a:solidFill>
+            </a:endParaRPr>
           </a:p>
         </p:txBody>
       </p:sp>
     </p:spTree>
     <p:extLst>
       <p:ext uri="{BB962C8B-B14F-4D97-AF65-F5344CB8AC3E}">
-        <p14:creationId xmlns:p14="http://schemas.microsoft.com/office/powerpoint/2010/main" val="3178969580"/>
+        <p14:creationId xmlns:p14="http://schemas.microsoft.com/office/powerpoint/2010/main" val="3108265407"/>
       </p:ext>
     </p:extLst>
   </p:cSld>
@@ -6469,6 +6695,111 @@
 </file>
 
 <file path=ppt/slides/slide15.xml><?xml version="1.0" encoding="utf-8"?>
+<p:sld xmlns:a="http://schemas.openxmlformats.org/drawingml/2006/main" xmlns:r="http://schemas.openxmlformats.org/officeDocument/2006/relationships" xmlns:p="http://schemas.openxmlformats.org/presentationml/2006/main">
+  <p:cSld>
+    <p:bg>
+      <p:bgPr>
+        <a:solidFill>
+          <a:schemeClr val="accent1"/>
+        </a:solidFill>
+        <a:effectLst/>
+      </p:bgPr>
+    </p:bg>
+    <p:spTree>
+      <p:nvGrpSpPr>
+        <p:cNvPr id="1" name=""/>
+        <p:cNvGrpSpPr/>
+        <p:nvPr/>
+      </p:nvGrpSpPr>
+      <p:grpSpPr>
+        <a:xfrm>
+          <a:off x="0" y="0"/>
+          <a:ext cx="0" cy="0"/>
+          <a:chOff x="0" y="0"/>
+          <a:chExt cx="0" cy="0"/>
+        </a:xfrm>
+      </p:grpSpPr>
+      <p:sp>
+        <p:nvSpPr>
+          <p:cNvPr id="2" name="テキスト ボックス 1">
+            <a:extLst>
+              <a:ext uri="{FF2B5EF4-FFF2-40B4-BE49-F238E27FC236}">
+                <a16:creationId xmlns:a16="http://schemas.microsoft.com/office/drawing/2014/main" id="{463D0785-186A-FC28-9B7A-5D2B59539000}"/>
+              </a:ext>
+            </a:extLst>
+          </p:cNvPr>
+          <p:cNvSpPr txBox="1"/>
+          <p:nvPr/>
+        </p:nvSpPr>
+        <p:spPr>
+          <a:xfrm>
+            <a:off x="504825" y="2438400"/>
+            <a:ext cx="11191875" cy="2123658"/>
+          </a:xfrm>
+          <a:prstGeom prst="rect">
+            <a:avLst/>
+          </a:prstGeom>
+          <a:noFill/>
+        </p:spPr>
+        <p:txBody>
+          <a:bodyPr wrap="square" rtlCol="0">
+            <a:spAutoFit/>
+          </a:bodyPr>
+          <a:lstStyle/>
+          <a:p>
+            <a:pPr algn="ctr"/>
+            <a:r>
+              <a:rPr lang="en-US" altLang="ja-JP" sz="6600" dirty="0">
+                <a:solidFill>
+                  <a:schemeClr val="bg1"/>
+                </a:solidFill>
+              </a:rPr>
+              <a:t>4.</a:t>
+            </a:r>
+          </a:p>
+          <a:p>
+            <a:pPr algn="ctr"/>
+            <a:r>
+              <a:rPr kumimoji="1" lang="ja-JP" altLang="en-US" sz="6600" b="1" dirty="0">
+                <a:solidFill>
+                  <a:schemeClr val="bg1"/>
+                </a:solidFill>
+              </a:rPr>
+              <a:t>長所</a:t>
+            </a:r>
+            <a:r>
+              <a:rPr kumimoji="1" lang="en-US" altLang="ja-JP" sz="6600" b="1" dirty="0">
+                <a:solidFill>
+                  <a:schemeClr val="bg1"/>
+                </a:solidFill>
+              </a:rPr>
+              <a:t>/</a:t>
+            </a:r>
+            <a:r>
+              <a:rPr kumimoji="1" lang="ja-JP" altLang="en-US" sz="6600" b="1" dirty="0">
+                <a:solidFill>
+                  <a:schemeClr val="bg1"/>
+                </a:solidFill>
+              </a:rPr>
+              <a:t>短所</a:t>
+            </a:r>
+          </a:p>
+        </p:txBody>
+      </p:sp>
+    </p:spTree>
+    <p:extLst>
+      <p:ext uri="{BB962C8B-B14F-4D97-AF65-F5344CB8AC3E}">
+        <p14:creationId xmlns:p14="http://schemas.microsoft.com/office/powerpoint/2010/main" val="2865134534"/>
+      </p:ext>
+    </p:extLst>
+  </p:cSld>
+  <p:clrMapOvr>
+    <a:masterClrMapping/>
+  </p:clrMapOvr>
+</p:sld>
+</file>
+
+<file path=ppt/slides/slide16.xml><?xml version="1.0" encoding="utf-8"?>
 <p:sld xmlns:a="http://schemas.openxmlformats.org/drawingml/2006/main" xmlns:r="http://schemas.openxmlformats.org/officeDocument/2006/relationships" xmlns:p="http://schemas.openxmlformats.org/presentationml/2006/main">
   <p:cSld>
     <p:spTree>
@@ -6507,6 +6838,262 @@
           <a:lstStyle/>
           <a:p>
             <a:r>
+              <a:rPr lang="ja-JP" altLang="en-US" dirty="0"/>
+              <a:t>長所</a:t>
+            </a:r>
+            <a:endParaRPr kumimoji="1" lang="ja-JP" altLang="en-US" dirty="0"/>
+          </a:p>
+        </p:txBody>
+      </p:sp>
+      <p:sp>
+        <p:nvSpPr>
+          <p:cNvPr id="3" name="コンテンツ プレースホルダー 2">
+            <a:extLst>
+              <a:ext uri="{FF2B5EF4-FFF2-40B4-BE49-F238E27FC236}">
+                <a16:creationId xmlns:a16="http://schemas.microsoft.com/office/drawing/2014/main" id="{E1842FAB-83F8-8740-EA6D-D4B6CB48EB62}"/>
+              </a:ext>
+            </a:extLst>
+          </p:cNvPr>
+          <p:cNvSpPr>
+            <a:spLocks noGrp="1"/>
+          </p:cNvSpPr>
+          <p:nvPr>
+            <p:ph idx="1"/>
+          </p:nvPr>
+        </p:nvSpPr>
+        <p:spPr/>
+        <p:txBody>
+          <a:bodyPr/>
+          <a:lstStyle/>
+          <a:p>
+            <a:r>
+              <a:rPr lang="ja-JP" altLang="en-US" dirty="0"/>
+              <a:t>効率性</a:t>
+            </a:r>
+            <a:endParaRPr lang="en-US" altLang="ja-JP" dirty="0"/>
+          </a:p>
+          <a:p>
+            <a:pPr lvl="1"/>
+            <a:r>
+              <a:rPr lang="en-US" altLang="ja-JP" dirty="0"/>
+              <a:t>VM</a:t>
+            </a:r>
+            <a:r>
+              <a:rPr lang="ja-JP" altLang="en-US" dirty="0"/>
+              <a:t>と比較し、</a:t>
+            </a:r>
+            <a:r>
+              <a:rPr lang="ja-JP" altLang="en-US" b="1" dirty="0">
+                <a:solidFill>
+                  <a:srgbClr val="FF0000"/>
+                </a:solidFill>
+              </a:rPr>
+              <a:t>起動オーバーヘッド</a:t>
+            </a:r>
+            <a:r>
+              <a:rPr lang="ja-JP" altLang="en-US" dirty="0"/>
+              <a:t>と</a:t>
+            </a:r>
+            <a:r>
+              <a:rPr lang="ja-JP" altLang="en-US" b="1" dirty="0">
+                <a:solidFill>
+                  <a:srgbClr val="FF0000"/>
+                </a:solidFill>
+              </a:rPr>
+              <a:t>リソース量</a:t>
+            </a:r>
+            <a:r>
+              <a:rPr lang="ja-JP" altLang="en-US" dirty="0"/>
+              <a:t>が</a:t>
+            </a:r>
+            <a:r>
+              <a:rPr lang="ja-JP" altLang="en-US" b="1" dirty="0"/>
+              <a:t>小</a:t>
+            </a:r>
+            <a:endParaRPr lang="en-US" altLang="ja-JP" b="1" dirty="0"/>
+          </a:p>
+          <a:p>
+            <a:r>
+              <a:rPr kumimoji="1" lang="ja-JP" altLang="en-US" dirty="0"/>
+              <a:t>一貫性</a:t>
+            </a:r>
+            <a:r>
+              <a:rPr kumimoji="1" lang="en-US" altLang="ja-JP" dirty="0"/>
+              <a:t>/</a:t>
+            </a:r>
+            <a:r>
+              <a:rPr kumimoji="1" lang="ja-JP" altLang="en-US" dirty="0"/>
+              <a:t>再現性</a:t>
+            </a:r>
+            <a:endParaRPr kumimoji="1" lang="en-US" altLang="ja-JP" dirty="0"/>
+          </a:p>
+          <a:p>
+            <a:pPr lvl="1"/>
+            <a:r>
+              <a:rPr kumimoji="1" lang="ja-JP" altLang="en-US" dirty="0"/>
+              <a:t>イミュータブル</a:t>
+            </a:r>
+            <a:r>
+              <a:rPr kumimoji="1" lang="en-US" altLang="ja-JP" dirty="0"/>
+              <a:t>	</a:t>
+            </a:r>
+          </a:p>
+          <a:p>
+            <a:r>
+              <a:rPr lang="ja-JP" altLang="en-US" dirty="0"/>
+              <a:t>可搬性</a:t>
+            </a:r>
+            <a:endParaRPr lang="en-US" altLang="ja-JP" dirty="0"/>
+          </a:p>
+          <a:p>
+            <a:pPr lvl="1"/>
+            <a:r>
+              <a:rPr kumimoji="1" lang="en-US" altLang="ja-JP" dirty="0"/>
+              <a:t>CI</a:t>
+            </a:r>
+            <a:r>
+              <a:rPr lang="en-US" altLang="ja-JP" dirty="0"/>
+              <a:t>/CD </a:t>
+            </a:r>
+            <a:r>
+              <a:rPr lang="ja-JP" altLang="en-US" dirty="0"/>
+              <a:t>の観点</a:t>
+            </a:r>
+            <a:endParaRPr kumimoji="1" lang="ja-JP" altLang="en-US" dirty="0"/>
+          </a:p>
+        </p:txBody>
+      </p:sp>
+      <p:sp>
+        <p:nvSpPr>
+          <p:cNvPr id="4" name="テキスト ボックス 3">
+            <a:extLst>
+              <a:ext uri="{FF2B5EF4-FFF2-40B4-BE49-F238E27FC236}">
+                <a16:creationId xmlns:a16="http://schemas.microsoft.com/office/drawing/2014/main" id="{DA317149-12A0-92F9-65EE-02DF436B7134}"/>
+              </a:ext>
+            </a:extLst>
+          </p:cNvPr>
+          <p:cNvSpPr txBox="1"/>
+          <p:nvPr/>
+        </p:nvSpPr>
+        <p:spPr>
+          <a:xfrm>
+            <a:off x="76200" y="85725"/>
+            <a:ext cx="3676650" cy="369332"/>
+          </a:xfrm>
+          <a:prstGeom prst="rect">
+            <a:avLst/>
+          </a:prstGeom>
+          <a:noFill/>
+        </p:spPr>
+        <p:txBody>
+          <a:bodyPr wrap="square" rtlCol="0">
+            <a:spAutoFit/>
+          </a:bodyPr>
+          <a:lstStyle/>
+          <a:p>
+            <a:r>
+              <a:rPr kumimoji="1" lang="en-US" altLang="ja-JP" dirty="0"/>
+              <a:t> </a:t>
+            </a:r>
+            <a:r>
+              <a:rPr kumimoji="1" lang="en-US" altLang="ja-JP" b="1" dirty="0">
+                <a:solidFill>
+                  <a:schemeClr val="tx1">
+                    <a:lumMod val="85000"/>
+                    <a:lumOff val="15000"/>
+                  </a:schemeClr>
+                </a:solidFill>
+              </a:rPr>
+              <a:t>4. </a:t>
+            </a:r>
+            <a:r>
+              <a:rPr kumimoji="1" lang="ja-JP" altLang="en-US" b="1" dirty="0">
+                <a:solidFill>
+                  <a:schemeClr val="tx1">
+                    <a:lumMod val="85000"/>
+                    <a:lumOff val="15000"/>
+                  </a:schemeClr>
+                </a:solidFill>
+              </a:rPr>
+              <a:t>長所</a:t>
+            </a:r>
+            <a:r>
+              <a:rPr kumimoji="1" lang="en-US" altLang="ja-JP" b="1" dirty="0">
+                <a:solidFill>
+                  <a:schemeClr val="tx1">
+                    <a:lumMod val="85000"/>
+                    <a:lumOff val="15000"/>
+                  </a:schemeClr>
+                </a:solidFill>
+              </a:rPr>
+              <a:t>/</a:t>
+            </a:r>
+            <a:r>
+              <a:rPr kumimoji="1" lang="ja-JP" altLang="en-US" b="1" dirty="0">
+                <a:solidFill>
+                  <a:schemeClr val="tx1">
+                    <a:lumMod val="85000"/>
+                    <a:lumOff val="15000"/>
+                  </a:schemeClr>
+                </a:solidFill>
+              </a:rPr>
+              <a:t>短所 </a:t>
+            </a:r>
+          </a:p>
+        </p:txBody>
+      </p:sp>
+    </p:spTree>
+    <p:extLst>
+      <p:ext uri="{BB962C8B-B14F-4D97-AF65-F5344CB8AC3E}">
+        <p14:creationId xmlns:p14="http://schemas.microsoft.com/office/powerpoint/2010/main" val="3178969580"/>
+      </p:ext>
+    </p:extLst>
+  </p:cSld>
+  <p:clrMapOvr>
+    <a:masterClrMapping/>
+  </p:clrMapOvr>
+</p:sld>
+</file>
+
+<file path=ppt/slides/slide17.xml><?xml version="1.0" encoding="utf-8"?>
+<p:sld xmlns:a="http://schemas.openxmlformats.org/drawingml/2006/main" xmlns:r="http://schemas.openxmlformats.org/officeDocument/2006/relationships" xmlns:p="http://schemas.openxmlformats.org/presentationml/2006/main">
+  <p:cSld>
+    <p:spTree>
+      <p:nvGrpSpPr>
+        <p:cNvPr id="1" name=""/>
+        <p:cNvGrpSpPr/>
+        <p:nvPr/>
+      </p:nvGrpSpPr>
+      <p:grpSpPr>
+        <a:xfrm>
+          <a:off x="0" y="0"/>
+          <a:ext cx="0" cy="0"/>
+          <a:chOff x="0" y="0"/>
+          <a:chExt cx="0" cy="0"/>
+        </a:xfrm>
+      </p:grpSpPr>
+      <p:sp>
+        <p:nvSpPr>
+          <p:cNvPr id="2" name="タイトル 1">
+            <a:extLst>
+              <a:ext uri="{FF2B5EF4-FFF2-40B4-BE49-F238E27FC236}">
+                <a16:creationId xmlns:a16="http://schemas.microsoft.com/office/drawing/2014/main" id="{5D85131E-AB32-0C13-F928-0BC8C7E25614}"/>
+              </a:ext>
+            </a:extLst>
+          </p:cNvPr>
+          <p:cNvSpPr>
+            <a:spLocks noGrp="1"/>
+          </p:cNvSpPr>
+          <p:nvPr>
+            <p:ph type="title"/>
+          </p:nvPr>
+        </p:nvSpPr>
+        <p:spPr/>
+        <p:txBody>
+          <a:bodyPr/>
+          <a:lstStyle/>
+          <a:p>
+            <a:r>
               <a:rPr kumimoji="1" lang="ja-JP" altLang="en-US" dirty="0"/>
               <a:t>短所</a:t>
             </a:r>
@@ -6537,6 +7124,13 @@
             <a:r>
               <a:rPr kumimoji="1" lang="ja-JP" altLang="en-US" dirty="0"/>
               <a:t>学習コスト</a:t>
+            </a:r>
+            <a:endParaRPr kumimoji="1" lang="en-US" altLang="ja-JP" dirty="0"/>
+          </a:p>
+          <a:p>
+            <a:r>
+              <a:rPr kumimoji="1" lang="ja-JP" altLang="en-US" dirty="0"/>
+              <a:t>セキュリティ</a:t>
             </a:r>
           </a:p>
         </p:txBody>

--- a/docker-container.pptx
+++ b/docker-container.pptx
@@ -231,7 +231,7 @@
           <a:p>
             <a:fld id="{99A0C20C-7A18-40C8-9999-BDC67FBB8458}" type="datetimeFigureOut">
               <a:rPr kumimoji="1" lang="ja-JP" altLang="en-US" smtClean="0"/>
-              <a:t>2024/5/23</a:t>
+              <a:t>2024/5/26</a:t>
             </a:fld>
             <a:endParaRPr kumimoji="1" lang="ja-JP" altLang="en-US"/>
           </a:p>
@@ -367,7 +367,7 @@
           <a:p>
             <a:fld id="{B0B4522C-AFC9-41CE-A894-3AD9CAFBC704}" type="datetimeFigureOut">
               <a:rPr kumimoji="1" lang="ja-JP" altLang="en-US" smtClean="0"/>
-              <a:t>2024/5/23</a:t>
+              <a:t>2024/5/26</a:t>
             </a:fld>
             <a:endParaRPr kumimoji="1" lang="ja-JP" altLang="en-US"/>
           </a:p>
@@ -908,7 +908,7 @@
           <a:p>
             <a:fld id="{FC205792-3F04-46B6-8D68-E8B7A9B2EC46}" type="datetimeFigureOut">
               <a:rPr kumimoji="1" lang="ja-JP" altLang="en-US" smtClean="0"/>
-              <a:t>2024/5/23</a:t>
+              <a:t>2024/5/26</a:t>
             </a:fld>
             <a:endParaRPr kumimoji="1" lang="ja-JP" altLang="en-US"/>
           </a:p>
@@ -1192,7 +1192,7 @@
           <a:p>
             <a:fld id="{FC205792-3F04-46B6-8D68-E8B7A9B2EC46}" type="datetimeFigureOut">
               <a:rPr kumimoji="1" lang="ja-JP" altLang="en-US" smtClean="0"/>
-              <a:t>2024/5/23</a:t>
+              <a:t>2024/5/26</a:t>
             </a:fld>
             <a:endParaRPr kumimoji="1" lang="ja-JP" altLang="en-US"/>
           </a:p>
@@ -1432,7 +1432,7 @@
           <a:p>
             <a:fld id="{FC205792-3F04-46B6-8D68-E8B7A9B2EC46}" type="datetimeFigureOut">
               <a:rPr kumimoji="1" lang="ja-JP" altLang="en-US" smtClean="0"/>
-              <a:t>2024/5/23</a:t>
+              <a:t>2024/5/26</a:t>
             </a:fld>
             <a:endParaRPr kumimoji="1" lang="ja-JP" altLang="en-US"/>
           </a:p>
@@ -1698,7 +1698,7 @@
           <a:p>
             <a:fld id="{FC205792-3F04-46B6-8D68-E8B7A9B2EC46}" type="datetimeFigureOut">
               <a:rPr kumimoji="1" lang="ja-JP" altLang="en-US" smtClean="0"/>
-              <a:t>2024/5/23</a:t>
+              <a:t>2024/5/26</a:t>
             </a:fld>
             <a:endParaRPr kumimoji="1" lang="ja-JP" altLang="en-US"/>
           </a:p>
@@ -2027,7 +2027,7 @@
           <a:p>
             <a:fld id="{FC205792-3F04-46B6-8D68-E8B7A9B2EC46}" type="datetimeFigureOut">
               <a:rPr kumimoji="1" lang="ja-JP" altLang="en-US" smtClean="0"/>
-              <a:t>2024/5/23</a:t>
+              <a:t>2024/5/26</a:t>
             </a:fld>
             <a:endParaRPr kumimoji="1" lang="ja-JP" altLang="en-US"/>
           </a:p>
@@ -2373,7 +2373,7 @@
           <a:p>
             <a:fld id="{FC205792-3F04-46B6-8D68-E8B7A9B2EC46}" type="datetimeFigureOut">
               <a:rPr kumimoji="1" lang="ja-JP" altLang="en-US" smtClean="0"/>
-              <a:t>2024/5/23</a:t>
+              <a:t>2024/5/26</a:t>
             </a:fld>
             <a:endParaRPr kumimoji="1" lang="ja-JP" altLang="en-US"/>
           </a:p>
@@ -2849,7 +2849,7 @@
           <a:p>
             <a:fld id="{FC205792-3F04-46B6-8D68-E8B7A9B2EC46}" type="datetimeFigureOut">
               <a:rPr kumimoji="1" lang="ja-JP" altLang="en-US" smtClean="0"/>
-              <a:t>2024/5/23</a:t>
+              <a:t>2024/5/26</a:t>
             </a:fld>
             <a:endParaRPr kumimoji="1" lang="ja-JP" altLang="en-US"/>
           </a:p>
@@ -2990,7 +2990,7 @@
           <a:p>
             <a:fld id="{FC205792-3F04-46B6-8D68-E8B7A9B2EC46}" type="datetimeFigureOut">
               <a:rPr kumimoji="1" lang="ja-JP" altLang="en-US" smtClean="0"/>
-              <a:t>2024/5/23</a:t>
+              <a:t>2024/5/26</a:t>
             </a:fld>
             <a:endParaRPr kumimoji="1" lang="ja-JP" altLang="en-US"/>
           </a:p>
@@ -3103,7 +3103,7 @@
           <a:p>
             <a:fld id="{FC205792-3F04-46B6-8D68-E8B7A9B2EC46}" type="datetimeFigureOut">
               <a:rPr kumimoji="1" lang="ja-JP" altLang="en-US" smtClean="0"/>
-              <a:t>2024/5/23</a:t>
+              <a:t>2024/5/26</a:t>
             </a:fld>
             <a:endParaRPr kumimoji="1" lang="ja-JP" altLang="en-US"/>
           </a:p>
@@ -3446,7 +3446,7 @@
           <a:p>
             <a:fld id="{FC205792-3F04-46B6-8D68-E8B7A9B2EC46}" type="datetimeFigureOut">
               <a:rPr kumimoji="1" lang="ja-JP" altLang="en-US" smtClean="0"/>
-              <a:t>2024/5/23</a:t>
+              <a:t>2024/5/26</a:t>
             </a:fld>
             <a:endParaRPr kumimoji="1" lang="ja-JP" altLang="en-US"/>
           </a:p>
@@ -3734,7 +3734,7 @@
           <a:p>
             <a:fld id="{FC205792-3F04-46B6-8D68-E8B7A9B2EC46}" type="datetimeFigureOut">
               <a:rPr kumimoji="1" lang="ja-JP" altLang="en-US" smtClean="0"/>
-              <a:t>2024/5/23</a:t>
+              <a:t>2024/5/26</a:t>
             </a:fld>
             <a:endParaRPr kumimoji="1" lang="ja-JP" altLang="en-US"/>
           </a:p>
@@ -4007,7 +4007,7 @@
           <a:p>
             <a:fld id="{FC205792-3F04-46B6-8D68-E8B7A9B2EC46}" type="datetimeFigureOut">
               <a:rPr kumimoji="1" lang="ja-JP" altLang="en-US" smtClean="0"/>
-              <a:t>2024/5/23</a:t>
+              <a:t>2024/5/26</a:t>
             </a:fld>
             <a:endParaRPr kumimoji="1" lang="ja-JP" altLang="en-US"/>
           </a:p>
@@ -8399,6 +8399,11 @@
               <a:rPr kumimoji="1" lang="ja-JP" altLang="en-US" dirty="0"/>
               <a:t>概要</a:t>
             </a:r>
+            <a:r>
+              <a:rPr kumimoji="1" lang="en-US" altLang="ja-JP" sz="2800" dirty="0"/>
+              <a:t>[x]</a:t>
+            </a:r>
+            <a:endParaRPr kumimoji="1" lang="ja-JP" altLang="en-US" dirty="0"/>
           </a:p>
         </p:txBody>
       </p:sp>
@@ -8418,56 +8423,158 @@
             <p:ph idx="1"/>
           </p:nvPr>
         </p:nvSpPr>
-        <p:spPr/>
-        <p:txBody>
-          <a:bodyPr/>
+        <p:spPr>
+          <a:xfrm>
+            <a:off x="838200" y="1661157"/>
+            <a:ext cx="10515600" cy="5008584"/>
+          </a:xfrm>
+        </p:spPr>
+        <p:txBody>
+          <a:bodyPr>
+            <a:normAutofit/>
+          </a:bodyPr>
           <a:lstStyle/>
           <a:p>
             <a:r>
               <a:rPr kumimoji="1" lang="ja-JP" altLang="en-US" dirty="0"/>
-              <a:t>プラットフォーム</a:t>
+              <a:t>誕生</a:t>
             </a:r>
             <a:endParaRPr kumimoji="1" lang="en-US" altLang="ja-JP" dirty="0"/>
           </a:p>
           <a:p>
             <a:pPr lvl="1"/>
             <a:r>
+              <a:rPr kumimoji="1" lang="en-US" altLang="ja-JP" dirty="0"/>
+              <a:t>2013</a:t>
+            </a:r>
+            <a:r>
               <a:rPr kumimoji="1" lang="ja-JP" altLang="en-US" dirty="0"/>
-              <a:t>以下の要素をひとまとめに管理しやすくしたプラットフォーム</a:t>
+              <a:t>年 </a:t>
+            </a:r>
+            <a:r>
+              <a:rPr kumimoji="1" lang="en-US" altLang="ja-JP" dirty="0"/>
+              <a:t>3</a:t>
+            </a:r>
+            <a:r>
+              <a:rPr kumimoji="1" lang="ja-JP" altLang="en-US" dirty="0"/>
+              <a:t>月 に登場</a:t>
+            </a:r>
+            <a:r>
+              <a:rPr kumimoji="1" lang="en-US" altLang="ja-JP" sz="2000" dirty="0"/>
+              <a:t>(10</a:t>
+            </a:r>
+            <a:r>
+              <a:rPr kumimoji="1" lang="ja-JP" altLang="en-US" sz="2000" dirty="0"/>
+              <a:t>年以上前！</a:t>
+            </a:r>
+            <a:r>
+              <a:rPr kumimoji="1" lang="en-US" altLang="ja-JP" sz="2000" dirty="0"/>
+              <a:t>)</a:t>
             </a:r>
             <a:endParaRPr kumimoji="1" lang="en-US" altLang="ja-JP" dirty="0"/>
           </a:p>
           <a:p>
+            <a:pPr lvl="1"/>
+            <a:endParaRPr kumimoji="1" lang="en-US" altLang="ja-JP" sz="1600" dirty="0"/>
+          </a:p>
+          <a:p>
+            <a:r>
+              <a:rPr kumimoji="1" lang="ja-JP" altLang="en-US" dirty="0"/>
+              <a:t>インフラ，</a:t>
+            </a:r>
+            <a:r>
+              <a:rPr kumimoji="1" lang="en-US" altLang="ja-JP" dirty="0"/>
+              <a:t>DevOps</a:t>
+            </a:r>
+            <a:r>
+              <a:rPr kumimoji="1" lang="ja-JP" altLang="en-US" dirty="0"/>
+              <a:t>で注目</a:t>
+            </a:r>
+            <a:endParaRPr kumimoji="1" lang="en-US" altLang="ja-JP" dirty="0"/>
+          </a:p>
+          <a:p>
+            <a:pPr lvl="1"/>
+            <a:r>
+              <a:rPr lang="ja-JP" altLang="en-US" dirty="0"/>
+              <a:t>コンテナ型仮想環境を作成，配布，実行するためのプラットフォーム</a:t>
+            </a:r>
+            <a:endParaRPr lang="en-US" altLang="ja-JP" dirty="0"/>
+          </a:p>
+          <a:p>
+            <a:pPr marL="457200" lvl="1" indent="0">
+              <a:buNone/>
+            </a:pPr>
+            <a:r>
+              <a:rPr kumimoji="1" lang="en-US" altLang="ja-JP" b="1" i="1" dirty="0"/>
+              <a:t>DevOps: </a:t>
+            </a:r>
+          </a:p>
+          <a:p>
+            <a:pPr marL="914400" lvl="2" indent="0">
+              <a:buNone/>
+            </a:pPr>
+            <a:r>
+              <a:rPr kumimoji="1" lang="ja-JP" altLang="en-US" dirty="0"/>
+              <a:t>アイデアを開発から本番まで移行し，実際に価値提供するまでのプロセス</a:t>
+            </a:r>
+            <a:endParaRPr kumimoji="1" lang="en-US" altLang="ja-JP" dirty="0"/>
+          </a:p>
+          <a:p>
+            <a:pPr lvl="1"/>
+            <a:endParaRPr kumimoji="1" lang="en-US" altLang="ja-JP" sz="1600" dirty="0"/>
+          </a:p>
+          <a:p>
+            <a:r>
+              <a:rPr kumimoji="1" lang="en-US" altLang="ja-JP" dirty="0" err="1"/>
+              <a:t>IaC</a:t>
+            </a:r>
+            <a:r>
+              <a:rPr kumimoji="1" lang="en-US" altLang="ja-JP" sz="2400" dirty="0"/>
+              <a:t>(</a:t>
+            </a:r>
+            <a:r>
+              <a:rPr kumimoji="1" lang="en-US" altLang="ja-JP" sz="2400" dirty="0" err="1"/>
+              <a:t>Infrastracture</a:t>
+            </a:r>
+            <a:r>
+              <a:rPr kumimoji="1" lang="en-US" altLang="ja-JP" sz="2400" dirty="0"/>
+              <a:t> as Code)</a:t>
+            </a:r>
+          </a:p>
+          <a:p>
+            <a:pPr lvl="1"/>
+            <a:r>
+              <a:rPr lang="ja-JP" altLang="en-US" dirty="0"/>
+              <a:t>依存関係，ネットワーク構成等を</a:t>
+            </a:r>
+            <a:r>
+              <a:rPr lang="ja-JP" altLang="en-US" b="1" u="sng" dirty="0"/>
+              <a:t>コードとして管理</a:t>
+            </a:r>
+            <a:endParaRPr lang="en-US" altLang="ja-JP" b="1" u="sng" dirty="0"/>
+          </a:p>
+          <a:p>
             <a:pPr lvl="2"/>
             <a:r>
               <a:rPr kumimoji="1" lang="ja-JP" altLang="en-US" dirty="0"/>
-              <a:t>アプリの環境構築</a:t>
+              <a:t>手動の環境構築が不要</a:t>
             </a:r>
             <a:endParaRPr kumimoji="1" lang="en-US" altLang="ja-JP" dirty="0"/>
           </a:p>
           <a:p>
             <a:pPr lvl="2"/>
             <a:r>
-              <a:rPr lang="ja-JP" altLang="en-US" dirty="0"/>
-              <a:t>配送</a:t>
-            </a:r>
-            <a:endParaRPr lang="en-US" altLang="ja-JP" dirty="0"/>
-          </a:p>
-          <a:p>
-            <a:pPr lvl="2"/>
-            <a:r>
               <a:rPr kumimoji="1" lang="ja-JP" altLang="en-US" dirty="0"/>
-              <a:t>実行</a:t>
-            </a:r>
-            <a:endParaRPr lang="en-US" altLang="ja-JP" dirty="0"/>
-          </a:p>
-          <a:p>
-            <a:pPr lvl="1"/>
-            <a:endParaRPr kumimoji="1" lang="en-US" altLang="ja-JP" dirty="0"/>
-          </a:p>
-          <a:p>
-            <a:pPr lvl="2"/>
-            <a:endParaRPr kumimoji="1" lang="ja-JP" altLang="en-US" dirty="0"/>
+              <a:t>一貫性のある環境の</a:t>
+            </a:r>
+            <a:r>
+              <a:rPr kumimoji="1" lang="ja-JP" altLang="en-US" b="1" dirty="0"/>
+              <a:t>共有，再現，配布</a:t>
+            </a:r>
+            <a:r>
+              <a:rPr kumimoji="1" lang="ja-JP" altLang="en-US" dirty="0"/>
+              <a:t>が簡単</a:t>
+            </a:r>
           </a:p>
         </p:txBody>
       </p:sp>
@@ -8536,6 +8643,54 @@
               </a:rPr>
               <a:t>とは？</a:t>
             </a:r>
+          </a:p>
+        </p:txBody>
+      </p:sp>
+      <p:sp>
+        <p:nvSpPr>
+          <p:cNvPr id="5" name="テキスト ボックス 4">
+            <a:extLst>
+              <a:ext uri="{FF2B5EF4-FFF2-40B4-BE49-F238E27FC236}">
+                <a16:creationId xmlns:a16="http://schemas.microsoft.com/office/drawing/2014/main" id="{E09A556A-475B-1445-E68E-AFDC24C2C342}"/>
+              </a:ext>
+            </a:extLst>
+          </p:cNvPr>
+          <p:cNvSpPr txBox="1"/>
+          <p:nvPr/>
+        </p:nvSpPr>
+        <p:spPr>
+          <a:xfrm>
+            <a:off x="0" y="6581001"/>
+            <a:ext cx="11439525" cy="276999"/>
+          </a:xfrm>
+          <a:prstGeom prst="rect">
+            <a:avLst/>
+          </a:prstGeom>
+          <a:noFill/>
+        </p:spPr>
+        <p:txBody>
+          <a:bodyPr wrap="square" rtlCol="0">
+            <a:spAutoFit/>
+          </a:bodyPr>
+          <a:lstStyle/>
+          <a:p>
+            <a:r>
+              <a:rPr kumimoji="1" lang="en-US" altLang="ja-JP" sz="1200" dirty="0"/>
+              <a:t>[x]</a:t>
+            </a:r>
+            <a:r>
+              <a:rPr lang="en-US" altLang="ja-JP" sz="1200" dirty="0"/>
+              <a:t>:</a:t>
+            </a:r>
+            <a:r>
+              <a:rPr lang="ja-JP" altLang="en-US" sz="1200" dirty="0"/>
+              <a:t> </a:t>
+            </a:r>
+            <a:r>
+              <a:rPr kumimoji="1" lang="en-US" altLang="ja-JP" sz="1200" dirty="0"/>
+              <a:t>Use containers to Build, Share and Run your applications, docker, https://www.docker.com/resources/what-container/</a:t>
+            </a:r>
+            <a:endParaRPr kumimoji="1" lang="ja-JP" altLang="en-US" sz="1200" dirty="0"/>
           </a:p>
         </p:txBody>
       </p:sp>

--- a/docker-container.pptx
+++ b/docker-container.pptx
@@ -8506,12 +8506,13 @@
             </a:pPr>
             <a:r>
               <a:rPr kumimoji="1" lang="en-US" altLang="ja-JP" b="1" i="1" dirty="0"/>
-              <a:t>DevOps: </a:t>
-            </a:r>
-          </a:p>
-          <a:p>
-            <a:pPr marL="914400" lvl="2" indent="0">
-              <a:buNone/>
+              <a:t>DevOps:</a:t>
+            </a:r>
+          </a:p>
+          <a:p>
+            <a:pPr lvl="2">
+              <a:buFont typeface="Wingdings" panose="05000000000000000000" pitchFamily="2" charset="2"/>
+              <a:buChar char="Ø"/>
             </a:pPr>
             <a:r>
               <a:rPr kumimoji="1" lang="ja-JP" altLang="en-US" dirty="0"/>

--- a/docker-container.pptx
+++ b/docker-container.pptx
@@ -5,10 +5,10 @@
     <p:sldMasterId id="2147483648" r:id="rId1"/>
   </p:sldMasterIdLst>
   <p:notesMasterIdLst>
-    <p:notesMasterId r:id="rId19"/>
+    <p:notesMasterId r:id="rId20"/>
   </p:notesMasterIdLst>
   <p:handoutMasterIdLst>
-    <p:handoutMasterId r:id="rId20"/>
+    <p:handoutMasterId r:id="rId21"/>
   </p:handoutMasterIdLst>
   <p:sldIdLst>
     <p:sldId id="256" r:id="rId2"/>
@@ -28,6 +28,7 @@
     <p:sldId id="268" r:id="rId16"/>
     <p:sldId id="269" r:id="rId17"/>
     <p:sldId id="270" r:id="rId18"/>
+    <p:sldId id="273" r:id="rId19"/>
   </p:sldIdLst>
   <p:sldSz cx="12192000" cy="6858000"/>
   <p:notesSz cx="6858000" cy="9144000"/>
@@ -231,7 +232,7 @@
           <a:p>
             <a:fld id="{99A0C20C-7A18-40C8-9999-BDC67FBB8458}" type="datetimeFigureOut">
               <a:rPr kumimoji="1" lang="ja-JP" altLang="en-US" smtClean="0"/>
-              <a:t>2024/5/26</a:t>
+              <a:t>2024/5/27</a:t>
             </a:fld>
             <a:endParaRPr kumimoji="1" lang="ja-JP" altLang="en-US"/>
           </a:p>
@@ -367,7 +368,7 @@
           <a:p>
             <a:fld id="{B0B4522C-AFC9-41CE-A894-3AD9CAFBC704}" type="datetimeFigureOut">
               <a:rPr kumimoji="1" lang="ja-JP" altLang="en-US" smtClean="0"/>
-              <a:t>2024/5/26</a:t>
+              <a:t>2024/5/27</a:t>
             </a:fld>
             <a:endParaRPr kumimoji="1" lang="ja-JP" altLang="en-US"/>
           </a:p>
@@ -908,7 +909,7 @@
           <a:p>
             <a:fld id="{FC205792-3F04-46B6-8D68-E8B7A9B2EC46}" type="datetimeFigureOut">
               <a:rPr kumimoji="1" lang="ja-JP" altLang="en-US" smtClean="0"/>
-              <a:t>2024/5/26</a:t>
+              <a:t>2024/5/27</a:t>
             </a:fld>
             <a:endParaRPr kumimoji="1" lang="ja-JP" altLang="en-US"/>
           </a:p>
@@ -1192,7 +1193,7 @@
           <a:p>
             <a:fld id="{FC205792-3F04-46B6-8D68-E8B7A9B2EC46}" type="datetimeFigureOut">
               <a:rPr kumimoji="1" lang="ja-JP" altLang="en-US" smtClean="0"/>
-              <a:t>2024/5/26</a:t>
+              <a:t>2024/5/27</a:t>
             </a:fld>
             <a:endParaRPr kumimoji="1" lang="ja-JP" altLang="en-US"/>
           </a:p>
@@ -1432,7 +1433,7 @@
           <a:p>
             <a:fld id="{FC205792-3F04-46B6-8D68-E8B7A9B2EC46}" type="datetimeFigureOut">
               <a:rPr kumimoji="1" lang="ja-JP" altLang="en-US" smtClean="0"/>
-              <a:t>2024/5/26</a:t>
+              <a:t>2024/5/27</a:t>
             </a:fld>
             <a:endParaRPr kumimoji="1" lang="ja-JP" altLang="en-US"/>
           </a:p>
@@ -1698,7 +1699,7 @@
           <a:p>
             <a:fld id="{FC205792-3F04-46B6-8D68-E8B7A9B2EC46}" type="datetimeFigureOut">
               <a:rPr kumimoji="1" lang="ja-JP" altLang="en-US" smtClean="0"/>
-              <a:t>2024/5/26</a:t>
+              <a:t>2024/5/27</a:t>
             </a:fld>
             <a:endParaRPr kumimoji="1" lang="ja-JP" altLang="en-US"/>
           </a:p>
@@ -2027,7 +2028,7 @@
           <a:p>
             <a:fld id="{FC205792-3F04-46B6-8D68-E8B7A9B2EC46}" type="datetimeFigureOut">
               <a:rPr kumimoji="1" lang="ja-JP" altLang="en-US" smtClean="0"/>
-              <a:t>2024/5/26</a:t>
+              <a:t>2024/5/27</a:t>
             </a:fld>
             <a:endParaRPr kumimoji="1" lang="ja-JP" altLang="en-US"/>
           </a:p>
@@ -2373,7 +2374,7 @@
           <a:p>
             <a:fld id="{FC205792-3F04-46B6-8D68-E8B7A9B2EC46}" type="datetimeFigureOut">
               <a:rPr kumimoji="1" lang="ja-JP" altLang="en-US" smtClean="0"/>
-              <a:t>2024/5/26</a:t>
+              <a:t>2024/5/27</a:t>
             </a:fld>
             <a:endParaRPr kumimoji="1" lang="ja-JP" altLang="en-US"/>
           </a:p>
@@ -2849,7 +2850,7 @@
           <a:p>
             <a:fld id="{FC205792-3F04-46B6-8D68-E8B7A9B2EC46}" type="datetimeFigureOut">
               <a:rPr kumimoji="1" lang="ja-JP" altLang="en-US" smtClean="0"/>
-              <a:t>2024/5/26</a:t>
+              <a:t>2024/5/27</a:t>
             </a:fld>
             <a:endParaRPr kumimoji="1" lang="ja-JP" altLang="en-US"/>
           </a:p>
@@ -2990,7 +2991,7 @@
           <a:p>
             <a:fld id="{FC205792-3F04-46B6-8D68-E8B7A9B2EC46}" type="datetimeFigureOut">
               <a:rPr kumimoji="1" lang="ja-JP" altLang="en-US" smtClean="0"/>
-              <a:t>2024/5/26</a:t>
+              <a:t>2024/5/27</a:t>
             </a:fld>
             <a:endParaRPr kumimoji="1" lang="ja-JP" altLang="en-US"/>
           </a:p>
@@ -3103,7 +3104,7 @@
           <a:p>
             <a:fld id="{FC205792-3F04-46B6-8D68-E8B7A9B2EC46}" type="datetimeFigureOut">
               <a:rPr kumimoji="1" lang="ja-JP" altLang="en-US" smtClean="0"/>
-              <a:t>2024/5/26</a:t>
+              <a:t>2024/5/27</a:t>
             </a:fld>
             <a:endParaRPr kumimoji="1" lang="ja-JP" altLang="en-US"/>
           </a:p>
@@ -3446,7 +3447,7 @@
           <a:p>
             <a:fld id="{FC205792-3F04-46B6-8D68-E8B7A9B2EC46}" type="datetimeFigureOut">
               <a:rPr kumimoji="1" lang="ja-JP" altLang="en-US" smtClean="0"/>
-              <a:t>2024/5/26</a:t>
+              <a:t>2024/5/27</a:t>
             </a:fld>
             <a:endParaRPr kumimoji="1" lang="ja-JP" altLang="en-US"/>
           </a:p>
@@ -3734,7 +3735,7 @@
           <a:p>
             <a:fld id="{FC205792-3F04-46B6-8D68-E8B7A9B2EC46}" type="datetimeFigureOut">
               <a:rPr kumimoji="1" lang="ja-JP" altLang="en-US" smtClean="0"/>
-              <a:t>2024/5/26</a:t>
+              <a:t>2024/5/27</a:t>
             </a:fld>
             <a:endParaRPr kumimoji="1" lang="ja-JP" altLang="en-US"/>
           </a:p>
@@ -4007,7 +4008,7 @@
           <a:p>
             <a:fld id="{FC205792-3F04-46B6-8D68-E8B7A9B2EC46}" type="datetimeFigureOut">
               <a:rPr kumimoji="1" lang="ja-JP" altLang="en-US" smtClean="0"/>
-              <a:t>2024/5/26</a:t>
+              <a:t>2024/5/27</a:t>
             </a:fld>
             <a:endParaRPr kumimoji="1" lang="ja-JP" altLang="en-US"/>
           </a:p>
@@ -6068,10 +6069,24 @@
           <a:lstStyle/>
           <a:p>
             <a:r>
-              <a:rPr kumimoji="1" lang="en-US" altLang="ja-JP" i="1" dirty="0" err="1"/>
+              <a:rPr kumimoji="1" lang="en-US" altLang="ja-JP" i="1" dirty="0" err="1">
+                <a:solidFill>
+                  <a:schemeClr val="tx1">
+                    <a:lumMod val="85000"/>
+                    <a:lumOff val="15000"/>
+                  </a:schemeClr>
+                </a:solidFill>
+              </a:rPr>
               <a:t>Dockerfile</a:t>
             </a:r>
-            <a:endParaRPr kumimoji="1" lang="en-US" altLang="ja-JP" i="1" dirty="0"/>
+            <a:endParaRPr kumimoji="1" lang="en-US" altLang="ja-JP" i="1" dirty="0">
+              <a:solidFill>
+                <a:schemeClr val="tx1">
+                  <a:lumMod val="85000"/>
+                  <a:lumOff val="15000"/>
+                </a:schemeClr>
+              </a:solidFill>
+            </a:endParaRPr>
           </a:p>
           <a:p>
             <a:pPr lvl="1"/>
@@ -6091,6 +6106,10 @@
               <a:rPr kumimoji="1" lang="ja-JP" altLang="en-US" u="sng" dirty="0"/>
               <a:t>テキストファイル</a:t>
             </a:r>
+            <a:endParaRPr kumimoji="1" lang="en-US" altLang="ja-JP" u="sng" dirty="0"/>
+          </a:p>
+          <a:p>
+            <a:pPr lvl="1"/>
             <a:endParaRPr kumimoji="1" lang="en-US" altLang="ja-JP" u="sng" dirty="0"/>
           </a:p>
           <a:p>
@@ -6314,9 +6333,13 @@
           <a:p>
             <a:pPr lvl="1"/>
             <a:r>
-              <a:rPr kumimoji="1" lang="ja-JP" altLang="en-US"/>
+              <a:rPr kumimoji="1" lang="ja-JP" altLang="en-US" dirty="0"/>
               <a:t>レイヤー構造</a:t>
             </a:r>
+            <a:endParaRPr kumimoji="1" lang="en-US" altLang="ja-JP" dirty="0"/>
+          </a:p>
+          <a:p>
+            <a:pPr lvl="1"/>
             <a:endParaRPr kumimoji="1" lang="ja-JP" altLang="en-US" dirty="0"/>
           </a:p>
         </p:txBody>
@@ -7218,6 +7241,97 @@
     <p:extLst>
       <p:ext uri="{BB962C8B-B14F-4D97-AF65-F5344CB8AC3E}">
         <p14:creationId xmlns:p14="http://schemas.microsoft.com/office/powerpoint/2010/main" val="911058408"/>
+      </p:ext>
+    </p:extLst>
+  </p:cSld>
+  <p:clrMapOvr>
+    <a:masterClrMapping/>
+  </p:clrMapOvr>
+</p:sld>
+</file>
+
+<file path=ppt/slides/slide18.xml><?xml version="1.0" encoding="utf-8"?>
+<p:sld xmlns:a="http://schemas.openxmlformats.org/drawingml/2006/main" xmlns:r="http://schemas.openxmlformats.org/officeDocument/2006/relationships" xmlns:p="http://schemas.openxmlformats.org/presentationml/2006/main">
+  <p:cSld>
+    <p:bg>
+      <p:bgPr>
+        <a:solidFill>
+          <a:schemeClr val="accent1"/>
+        </a:solidFill>
+        <a:effectLst/>
+      </p:bgPr>
+    </p:bg>
+    <p:spTree>
+      <p:nvGrpSpPr>
+        <p:cNvPr id="1" name=""/>
+        <p:cNvGrpSpPr/>
+        <p:nvPr/>
+      </p:nvGrpSpPr>
+      <p:grpSpPr>
+        <a:xfrm>
+          <a:off x="0" y="0"/>
+          <a:ext cx="0" cy="0"/>
+          <a:chOff x="0" y="0"/>
+          <a:chExt cx="0" cy="0"/>
+        </a:xfrm>
+      </p:grpSpPr>
+      <p:sp>
+        <p:nvSpPr>
+          <p:cNvPr id="2" name="テキスト ボックス 1">
+            <a:extLst>
+              <a:ext uri="{FF2B5EF4-FFF2-40B4-BE49-F238E27FC236}">
+                <a16:creationId xmlns:a16="http://schemas.microsoft.com/office/drawing/2014/main" id="{463D0785-186A-FC28-9B7A-5D2B59539000}"/>
+              </a:ext>
+            </a:extLst>
+          </p:cNvPr>
+          <p:cNvSpPr txBox="1"/>
+          <p:nvPr/>
+        </p:nvSpPr>
+        <p:spPr>
+          <a:xfrm>
+            <a:off x="504825" y="2438400"/>
+            <a:ext cx="11191875" cy="2123658"/>
+          </a:xfrm>
+          <a:prstGeom prst="rect">
+            <a:avLst/>
+          </a:prstGeom>
+          <a:noFill/>
+        </p:spPr>
+        <p:txBody>
+          <a:bodyPr wrap="square" rtlCol="0">
+            <a:spAutoFit/>
+          </a:bodyPr>
+          <a:lstStyle/>
+          <a:p>
+            <a:pPr algn="ctr"/>
+            <a:endParaRPr lang="en-US" altLang="ja-JP" sz="6600" dirty="0">
+              <a:solidFill>
+                <a:schemeClr val="bg1"/>
+              </a:solidFill>
+            </a:endParaRPr>
+          </a:p>
+          <a:p>
+            <a:pPr algn="ctr"/>
+            <a:r>
+              <a:rPr lang="ja-JP" altLang="en-US" sz="6600" b="1" dirty="0">
+                <a:solidFill>
+                  <a:schemeClr val="bg1"/>
+                </a:solidFill>
+              </a:rPr>
+              <a:t>付録</a:t>
+            </a:r>
+            <a:endParaRPr kumimoji="1" lang="ja-JP" altLang="en-US" sz="6600" b="1" dirty="0">
+              <a:solidFill>
+                <a:schemeClr val="bg1"/>
+              </a:solidFill>
+            </a:endParaRPr>
+          </a:p>
+        </p:txBody>
+      </p:sp>
+    </p:spTree>
+    <p:extLst>
+      <p:ext uri="{BB962C8B-B14F-4D97-AF65-F5344CB8AC3E}">
+        <p14:creationId xmlns:p14="http://schemas.microsoft.com/office/powerpoint/2010/main" val="1422193423"/>
       </p:ext>
     </p:extLst>
   </p:cSld>

--- a/docker-container.pptx
+++ b/docker-container.pptx
@@ -5,10 +5,10 @@
     <p:sldMasterId id="2147483648" r:id="rId1"/>
   </p:sldMasterIdLst>
   <p:notesMasterIdLst>
-    <p:notesMasterId r:id="rId20"/>
+    <p:notesMasterId r:id="rId22"/>
   </p:notesMasterIdLst>
   <p:handoutMasterIdLst>
-    <p:handoutMasterId r:id="rId21"/>
+    <p:handoutMasterId r:id="rId23"/>
   </p:handoutMasterIdLst>
   <p:sldIdLst>
     <p:sldId id="256" r:id="rId2"/>
@@ -17,18 +17,20 @@
     <p:sldId id="258" r:id="rId5"/>
     <p:sldId id="266" r:id="rId6"/>
     <p:sldId id="267" r:id="rId7"/>
-    <p:sldId id="260" r:id="rId8"/>
-    <p:sldId id="262" r:id="rId9"/>
-    <p:sldId id="261" r:id="rId10"/>
-    <p:sldId id="263" r:id="rId11"/>
-    <p:sldId id="265" r:id="rId12"/>
-    <p:sldId id="264" r:id="rId13"/>
-    <p:sldId id="271" r:id="rId14"/>
-    <p:sldId id="272" r:id="rId15"/>
-    <p:sldId id="268" r:id="rId16"/>
-    <p:sldId id="269" r:id="rId17"/>
-    <p:sldId id="270" r:id="rId18"/>
-    <p:sldId id="273" r:id="rId19"/>
+    <p:sldId id="274" r:id="rId8"/>
+    <p:sldId id="260" r:id="rId9"/>
+    <p:sldId id="262" r:id="rId10"/>
+    <p:sldId id="261" r:id="rId11"/>
+    <p:sldId id="263" r:id="rId12"/>
+    <p:sldId id="265" r:id="rId13"/>
+    <p:sldId id="264" r:id="rId14"/>
+    <p:sldId id="275" r:id="rId15"/>
+    <p:sldId id="271" r:id="rId16"/>
+    <p:sldId id="272" r:id="rId17"/>
+    <p:sldId id="268" r:id="rId18"/>
+    <p:sldId id="269" r:id="rId19"/>
+    <p:sldId id="270" r:id="rId20"/>
+    <p:sldId id="273" r:id="rId21"/>
   </p:sldIdLst>
   <p:sldSz cx="12192000" cy="6858000"/>
   <p:notesSz cx="6858000" cy="9144000"/>
@@ -4601,6 +4603,100 @@
 <file path=ppt/slides/slide10.xml><?xml version="1.0" encoding="utf-8"?>
 <p:sld xmlns:a="http://schemas.openxmlformats.org/drawingml/2006/main" xmlns:r="http://schemas.openxmlformats.org/officeDocument/2006/relationships" xmlns:p="http://schemas.openxmlformats.org/presentationml/2006/main">
   <p:cSld>
+    <p:bg>
+      <p:bgPr>
+        <a:solidFill>
+          <a:schemeClr val="accent1"/>
+        </a:solidFill>
+        <a:effectLst/>
+      </p:bgPr>
+    </p:bg>
+    <p:spTree>
+      <p:nvGrpSpPr>
+        <p:cNvPr id="1" name=""/>
+        <p:cNvGrpSpPr/>
+        <p:nvPr/>
+      </p:nvGrpSpPr>
+      <p:grpSpPr>
+        <a:xfrm>
+          <a:off x="0" y="0"/>
+          <a:ext cx="0" cy="0"/>
+          <a:chOff x="0" y="0"/>
+          <a:chExt cx="0" cy="0"/>
+        </a:xfrm>
+      </p:grpSpPr>
+      <p:sp>
+        <p:nvSpPr>
+          <p:cNvPr id="2" name="テキスト ボックス 1">
+            <a:extLst>
+              <a:ext uri="{FF2B5EF4-FFF2-40B4-BE49-F238E27FC236}">
+                <a16:creationId xmlns:a16="http://schemas.microsoft.com/office/drawing/2014/main" id="{463D0785-186A-FC28-9B7A-5D2B59539000}"/>
+              </a:ext>
+            </a:extLst>
+          </p:cNvPr>
+          <p:cNvSpPr txBox="1"/>
+          <p:nvPr/>
+        </p:nvSpPr>
+        <p:spPr>
+          <a:xfrm>
+            <a:off x="504825" y="2438400"/>
+            <a:ext cx="11191875" cy="2123658"/>
+          </a:xfrm>
+          <a:prstGeom prst="rect">
+            <a:avLst/>
+          </a:prstGeom>
+          <a:noFill/>
+        </p:spPr>
+        <p:txBody>
+          <a:bodyPr wrap="square" rtlCol="0">
+            <a:spAutoFit/>
+          </a:bodyPr>
+          <a:lstStyle/>
+          <a:p>
+            <a:pPr algn="ctr"/>
+            <a:r>
+              <a:rPr lang="en-US" altLang="ja-JP" sz="6600" dirty="0">
+                <a:solidFill>
+                  <a:schemeClr val="bg1"/>
+                </a:solidFill>
+              </a:rPr>
+              <a:t>3.</a:t>
+            </a:r>
+          </a:p>
+          <a:p>
+            <a:pPr algn="ctr"/>
+            <a:r>
+              <a:rPr lang="ja-JP" altLang="en-US" sz="6600" b="1" dirty="0">
+                <a:solidFill>
+                  <a:schemeClr val="bg1"/>
+                </a:solidFill>
+              </a:rPr>
+              <a:t>主要アーキテクチャ</a:t>
+            </a:r>
+            <a:endParaRPr kumimoji="1" lang="ja-JP" altLang="en-US" sz="6600" b="1" dirty="0">
+              <a:solidFill>
+                <a:schemeClr val="bg1"/>
+              </a:solidFill>
+            </a:endParaRPr>
+          </a:p>
+        </p:txBody>
+      </p:sp>
+    </p:spTree>
+    <p:extLst>
+      <p:ext uri="{BB962C8B-B14F-4D97-AF65-F5344CB8AC3E}">
+        <p14:creationId xmlns:p14="http://schemas.microsoft.com/office/powerpoint/2010/main" val="3661967508"/>
+      </p:ext>
+    </p:extLst>
+  </p:cSld>
+  <p:clrMapOvr>
+    <a:masterClrMapping/>
+  </p:clrMapOvr>
+</p:sld>
+</file>
+
+<file path=ppt/slides/slide11.xml><?xml version="1.0" encoding="utf-8"?>
+<p:sld xmlns:a="http://schemas.openxmlformats.org/drawingml/2006/main" xmlns:r="http://schemas.openxmlformats.org/officeDocument/2006/relationships" xmlns:p="http://schemas.openxmlformats.org/presentationml/2006/main">
+  <p:cSld>
     <p:spTree>
       <p:nvGrpSpPr>
         <p:cNvPr id="1" name=""/>
@@ -5795,213 +5891,6 @@
 </p:sld>
 </file>
 
-<file path=ppt/slides/slide11.xml><?xml version="1.0" encoding="utf-8"?>
-<p:sld xmlns:a="http://schemas.openxmlformats.org/drawingml/2006/main" xmlns:r="http://schemas.openxmlformats.org/officeDocument/2006/relationships" xmlns:p="http://schemas.openxmlformats.org/presentationml/2006/main">
-  <p:cSld>
-    <p:spTree>
-      <p:nvGrpSpPr>
-        <p:cNvPr id="1" name=""/>
-        <p:cNvGrpSpPr/>
-        <p:nvPr/>
-      </p:nvGrpSpPr>
-      <p:grpSpPr>
-        <a:xfrm>
-          <a:off x="0" y="0"/>
-          <a:ext cx="0" cy="0"/>
-          <a:chOff x="0" y="0"/>
-          <a:chExt cx="0" cy="0"/>
-        </a:xfrm>
-      </p:grpSpPr>
-      <p:sp>
-        <p:nvSpPr>
-          <p:cNvPr id="2" name="タイトル 1">
-            <a:extLst>
-              <a:ext uri="{FF2B5EF4-FFF2-40B4-BE49-F238E27FC236}">
-                <a16:creationId xmlns:a16="http://schemas.microsoft.com/office/drawing/2014/main" id="{5D85131E-AB32-0C13-F928-0BC8C7E25614}"/>
-              </a:ext>
-            </a:extLst>
-          </p:cNvPr>
-          <p:cNvSpPr>
-            <a:spLocks noGrp="1"/>
-          </p:cNvSpPr>
-          <p:nvPr>
-            <p:ph type="title"/>
-          </p:nvPr>
-        </p:nvSpPr>
-        <p:spPr/>
-        <p:txBody>
-          <a:bodyPr/>
-          <a:lstStyle/>
-          <a:p>
-            <a:r>
-              <a:rPr kumimoji="1" lang="ja-JP" altLang="en-US" dirty="0"/>
-              <a:t>用語</a:t>
-            </a:r>
-          </a:p>
-        </p:txBody>
-      </p:sp>
-      <p:sp>
-        <p:nvSpPr>
-          <p:cNvPr id="3" name="コンテンツ プレースホルダー 2">
-            <a:extLst>
-              <a:ext uri="{FF2B5EF4-FFF2-40B4-BE49-F238E27FC236}">
-                <a16:creationId xmlns:a16="http://schemas.microsoft.com/office/drawing/2014/main" id="{E1842FAB-83F8-8740-EA6D-D4B6CB48EB62}"/>
-              </a:ext>
-            </a:extLst>
-          </p:cNvPr>
-          <p:cNvSpPr>
-            <a:spLocks noGrp="1"/>
-          </p:cNvSpPr>
-          <p:nvPr>
-            <p:ph idx="1"/>
-          </p:nvPr>
-        </p:nvSpPr>
-        <p:spPr/>
-        <p:txBody>
-          <a:bodyPr/>
-          <a:lstStyle/>
-          <a:p>
-            <a:r>
-              <a:rPr kumimoji="1" lang="en-US" altLang="ja-JP" i="1" dirty="0" err="1">
-                <a:solidFill>
-                  <a:schemeClr val="tx1">
-                    <a:lumMod val="95000"/>
-                    <a:lumOff val="5000"/>
-                  </a:schemeClr>
-                </a:solidFill>
-              </a:rPr>
-              <a:t>Dockerfile</a:t>
-            </a:r>
-            <a:endParaRPr kumimoji="1" lang="en-US" altLang="ja-JP" i="1" dirty="0">
-              <a:solidFill>
-                <a:schemeClr val="tx1">
-                  <a:lumMod val="95000"/>
-                  <a:lumOff val="5000"/>
-                </a:schemeClr>
-              </a:solidFill>
-            </a:endParaRPr>
-          </a:p>
-          <a:p>
-            <a:r>
-              <a:rPr lang="en-US" altLang="ja-JP" i="1" dirty="0"/>
-              <a:t>image</a:t>
-            </a:r>
-          </a:p>
-          <a:p>
-            <a:r>
-              <a:rPr kumimoji="1" lang="en-US" altLang="ja-JP" i="1" dirty="0">
-                <a:solidFill>
-                  <a:schemeClr val="accent2"/>
-                </a:solidFill>
-              </a:rPr>
-              <a:t>container</a:t>
-            </a:r>
-          </a:p>
-          <a:p>
-            <a:r>
-              <a:rPr lang="en-US" altLang="ja-JP" b="0" i="1" dirty="0">
-                <a:solidFill>
-                  <a:schemeClr val="tx1">
-                    <a:lumMod val="85000"/>
-                    <a:lumOff val="15000"/>
-                  </a:schemeClr>
-                </a:solidFill>
-              </a:rPr>
-              <a:t>Docker Hub</a:t>
-            </a:r>
-            <a:endParaRPr kumimoji="1" lang="en-US" altLang="ja-JP" b="0" i="1" dirty="0">
-              <a:solidFill>
-                <a:schemeClr val="tx1">
-                  <a:lumMod val="85000"/>
-                  <a:lumOff val="15000"/>
-                </a:schemeClr>
-              </a:solidFill>
-            </a:endParaRPr>
-          </a:p>
-          <a:p>
-            <a:pPr lvl="2"/>
-            <a:endParaRPr kumimoji="1" lang="ja-JP" altLang="en-US" dirty="0"/>
-          </a:p>
-        </p:txBody>
-      </p:sp>
-      <p:sp>
-        <p:nvSpPr>
-          <p:cNvPr id="4" name="テキスト ボックス 3">
-            <a:extLst>
-              <a:ext uri="{FF2B5EF4-FFF2-40B4-BE49-F238E27FC236}">
-                <a16:creationId xmlns:a16="http://schemas.microsoft.com/office/drawing/2014/main" id="{DA317149-12A0-92F9-65EE-02DF436B7134}"/>
-              </a:ext>
-            </a:extLst>
-          </p:cNvPr>
-          <p:cNvSpPr txBox="1"/>
-          <p:nvPr/>
-        </p:nvSpPr>
-        <p:spPr>
-          <a:xfrm>
-            <a:off x="76200" y="85725"/>
-            <a:ext cx="3676650" cy="369332"/>
-          </a:xfrm>
-          <a:prstGeom prst="rect">
-            <a:avLst/>
-          </a:prstGeom>
-          <a:noFill/>
-        </p:spPr>
-        <p:txBody>
-          <a:bodyPr wrap="square" rtlCol="0">
-            <a:spAutoFit/>
-          </a:bodyPr>
-          <a:lstStyle/>
-          <a:p>
-            <a:r>
-              <a:rPr kumimoji="1" lang="en-US" altLang="ja-JP" dirty="0"/>
-              <a:t> </a:t>
-            </a:r>
-            <a:r>
-              <a:rPr kumimoji="1" lang="en-US" altLang="ja-JP" b="1" dirty="0">
-                <a:solidFill>
-                  <a:schemeClr val="tx1">
-                    <a:lumMod val="85000"/>
-                    <a:lumOff val="15000"/>
-                  </a:schemeClr>
-                </a:solidFill>
-              </a:rPr>
-              <a:t>3. </a:t>
-            </a:r>
-            <a:r>
-              <a:rPr lang="ja-JP" altLang="en-US" b="1" dirty="0">
-                <a:solidFill>
-                  <a:schemeClr val="tx1">
-                    <a:lumMod val="85000"/>
-                    <a:lumOff val="15000"/>
-                  </a:schemeClr>
-                </a:solidFill>
-              </a:rPr>
-              <a:t>主要アーキテクチャ</a:t>
-            </a:r>
-            <a:endParaRPr kumimoji="1" lang="ja-JP" altLang="en-US" b="1" dirty="0">
-              <a:solidFill>
-                <a:schemeClr val="tx1">
-                  <a:lumMod val="85000"/>
-                  <a:lumOff val="15000"/>
-                </a:schemeClr>
-              </a:solidFill>
-            </a:endParaRPr>
-          </a:p>
-        </p:txBody>
-      </p:sp>
-    </p:spTree>
-    <p:extLst>
-      <p:ext uri="{BB962C8B-B14F-4D97-AF65-F5344CB8AC3E}">
-        <p14:creationId xmlns:p14="http://schemas.microsoft.com/office/powerpoint/2010/main" val="43114881"/>
-      </p:ext>
-    </p:extLst>
-  </p:cSld>
-  <p:clrMapOvr>
-    <a:masterClrMapping/>
-  </p:clrMapOvr>
-</p:sld>
-</file>
-
 <file path=ppt/slides/slide12.xml><?xml version="1.0" encoding="utf-8"?>
 <p:sld xmlns:a="http://schemas.openxmlformats.org/drawingml/2006/main" xmlns:r="http://schemas.openxmlformats.org/officeDocument/2006/relationships" xmlns:p="http://schemas.openxmlformats.org/presentationml/2006/main">
   <p:cSld>
@@ -6072,14 +5961,51 @@
               <a:rPr kumimoji="1" lang="en-US" altLang="ja-JP" i="1" dirty="0" err="1">
                 <a:solidFill>
                   <a:schemeClr val="tx1">
+                    <a:lumMod val="95000"/>
+                    <a:lumOff val="5000"/>
+                  </a:schemeClr>
+                </a:solidFill>
+              </a:rPr>
+              <a:t>Dockerfile</a:t>
+            </a:r>
+            <a:endParaRPr kumimoji="1" lang="en-US" altLang="ja-JP" i="1" dirty="0">
+              <a:solidFill>
+                <a:schemeClr val="tx1">
+                  <a:lumMod val="95000"/>
+                  <a:lumOff val="5000"/>
+                </a:schemeClr>
+              </a:solidFill>
+            </a:endParaRPr>
+          </a:p>
+          <a:p>
+            <a:r>
+              <a:rPr lang="en-US" altLang="ja-JP" i="1" dirty="0"/>
+              <a:t>image</a:t>
+            </a:r>
+          </a:p>
+          <a:p>
+            <a:r>
+              <a:rPr kumimoji="1" lang="en-US" altLang="ja-JP" i="1" dirty="0">
+                <a:solidFill>
+                  <a:schemeClr val="accent2"/>
+                </a:solidFill>
+              </a:rPr>
+              <a:t>container</a:t>
+            </a:r>
+          </a:p>
+          <a:p>
+            <a:r>
+              <a:rPr lang="en-US" altLang="ja-JP" b="0" i="1" dirty="0">
+                <a:solidFill>
+                  <a:schemeClr val="tx1">
                     <a:lumMod val="85000"/>
                     <a:lumOff val="15000"/>
                   </a:schemeClr>
                 </a:solidFill>
               </a:rPr>
-              <a:t>Dockerfile</a:t>
-            </a:r>
-            <a:endParaRPr kumimoji="1" lang="en-US" altLang="ja-JP" i="1" dirty="0">
+              <a:t>Docker Hub</a:t>
+            </a:r>
+            <a:endParaRPr kumimoji="1" lang="en-US" altLang="ja-JP" b="0" i="1" dirty="0">
               <a:solidFill>
                 <a:schemeClr val="tx1">
                   <a:lumMod val="85000"/>
@@ -6089,37 +6015,7 @@
             </a:endParaRPr>
           </a:p>
           <a:p>
-            <a:pPr lvl="1"/>
-            <a:r>
-              <a:rPr lang="en-US" altLang="ja-JP" dirty="0"/>
-              <a:t>i</a:t>
-            </a:r>
-            <a:r>
-              <a:rPr kumimoji="1" lang="en-US" altLang="ja-JP" dirty="0"/>
-              <a:t>mage</a:t>
-            </a:r>
-            <a:r>
-              <a:rPr kumimoji="1" lang="ja-JP" altLang="en-US" dirty="0"/>
-              <a:t>の元となる</a:t>
-            </a:r>
-            <a:r>
-              <a:rPr kumimoji="1" lang="ja-JP" altLang="en-US" u="sng" dirty="0"/>
-              <a:t>テキストファイル</a:t>
-            </a:r>
-            <a:endParaRPr kumimoji="1" lang="en-US" altLang="ja-JP" u="sng" dirty="0"/>
-          </a:p>
-          <a:p>
-            <a:pPr lvl="1"/>
-            <a:endParaRPr kumimoji="1" lang="en-US" altLang="ja-JP" u="sng" dirty="0"/>
-          </a:p>
-          <a:p>
-            <a:pPr lvl="1"/>
-            <a:endParaRPr kumimoji="1" lang="en-US" altLang="ja-JP" dirty="0"/>
-          </a:p>
-          <a:p>
-            <a:pPr marL="457200" lvl="1" indent="0">
-              <a:buNone/>
-            </a:pPr>
+            <a:pPr lvl="2"/>
             <a:endParaRPr kumimoji="1" lang="ja-JP" altLang="en-US" dirty="0"/>
           </a:p>
         </p:txBody>
@@ -6176,29 +6072,7 @@
                   </a:schemeClr>
                 </a:solidFill>
               </a:rPr>
-              <a:t>主要アーキテクチャ </a:t>
-            </a:r>
-            <a:r>
-              <a:rPr lang="en-US" altLang="ja-JP" b="1" dirty="0">
-                <a:solidFill>
-                  <a:schemeClr val="tx1">
-                    <a:lumMod val="85000"/>
-                    <a:lumOff val="15000"/>
-                  </a:schemeClr>
-                </a:solidFill>
-              </a:rPr>
-              <a:t>&gt; </a:t>
-            </a:r>
-            <a:r>
-              <a:rPr lang="ja-JP" altLang="en-US" b="1" dirty="0">
-                <a:solidFill>
-                  <a:schemeClr val="tx1">
-                    <a:lumMod val="85000"/>
-                    <a:lumOff val="15000"/>
-                  </a:schemeClr>
-                </a:solidFill>
-              </a:rPr>
-              <a:t>用語</a:t>
+              <a:t>主要アーキテクチャ</a:t>
             </a:r>
             <a:endParaRPr kumimoji="1" lang="ja-JP" altLang="en-US" b="1" dirty="0">
               <a:solidFill>
@@ -6214,7 +6088,7 @@
     </p:spTree>
     <p:extLst>
       <p:ext uri="{BB962C8B-B14F-4D97-AF65-F5344CB8AC3E}">
-        <p14:creationId xmlns:p14="http://schemas.microsoft.com/office/powerpoint/2010/main" val="1779892532"/>
+        <p14:creationId xmlns:p14="http://schemas.microsoft.com/office/powerpoint/2010/main" val="43114881"/>
       </p:ext>
     </p:extLst>
   </p:cSld>
@@ -6291,55 +6165,173 @@
           <a:lstStyle/>
           <a:p>
             <a:r>
-              <a:rPr lang="en-US" altLang="ja-JP" i="1" dirty="0"/>
-              <a:t>image</a:t>
-            </a:r>
+              <a:rPr kumimoji="1" lang="en-US" altLang="ja-JP" i="1" dirty="0" err="1">
+                <a:solidFill>
+                  <a:schemeClr val="tx1">
+                    <a:lumMod val="85000"/>
+                    <a:lumOff val="15000"/>
+                  </a:schemeClr>
+                </a:solidFill>
+              </a:rPr>
+              <a:t>Dockerfile</a:t>
+            </a:r>
+            <a:endParaRPr kumimoji="1" lang="en-US" altLang="ja-JP" i="1" dirty="0">
+              <a:solidFill>
+                <a:schemeClr val="tx1">
+                  <a:lumMod val="85000"/>
+                  <a:lumOff val="15000"/>
+                </a:schemeClr>
+              </a:solidFill>
+            </a:endParaRPr>
           </a:p>
           <a:p>
             <a:pPr lvl="1"/>
             <a:r>
               <a:rPr lang="en-US" altLang="ja-JP" dirty="0"/>
-              <a:t>container</a:t>
-            </a:r>
+              <a:t>i</a:t>
+            </a:r>
+            <a:r>
+              <a:rPr kumimoji="1" lang="en-US" altLang="ja-JP" dirty="0"/>
+              <a:t>mage</a:t>
+            </a:r>
+            <a:r>
+              <a:rPr kumimoji="1" lang="ja-JP" altLang="en-US" dirty="0"/>
+              <a:t>の元となる</a:t>
+            </a:r>
+            <a:r>
+              <a:rPr kumimoji="1" lang="ja-JP" altLang="en-US" u="sng" dirty="0"/>
+              <a:t>テキストファイル</a:t>
+            </a:r>
+            <a:endParaRPr lang="en-US" altLang="ja-JP" u="sng" dirty="0"/>
+          </a:p>
+          <a:p>
+            <a:pPr lvl="1"/>
+            <a:r>
+              <a:rPr kumimoji="1" lang="ja-JP" altLang="en-US" dirty="0"/>
+              <a:t>各行に</a:t>
+            </a:r>
+            <a:r>
+              <a:rPr kumimoji="1" lang="en-US" altLang="ja-JP" b="1" dirty="0">
+                <a:solidFill>
+                  <a:schemeClr val="bg1"/>
+                </a:solidFill>
+                <a:highlight>
+                  <a:srgbClr val="000000"/>
+                </a:highlight>
+              </a:rPr>
+              <a:t> {</a:t>
+            </a:r>
+            <a:r>
+              <a:rPr kumimoji="1" lang="ja-JP" altLang="en-US" b="1" dirty="0">
+                <a:solidFill>
+                  <a:srgbClr val="C586C0"/>
+                </a:solidFill>
+                <a:highlight>
+                  <a:srgbClr val="000000"/>
+                </a:highlight>
+              </a:rPr>
+              <a:t>命令</a:t>
+            </a:r>
+            <a:r>
+              <a:rPr kumimoji="1" lang="en-US" altLang="ja-JP" b="1" dirty="0">
+                <a:solidFill>
+                  <a:schemeClr val="bg1"/>
+                </a:solidFill>
+                <a:highlight>
+                  <a:srgbClr val="000000"/>
+                </a:highlight>
+              </a:rPr>
+              <a:t>}</a:t>
+            </a:r>
+            <a:r>
+              <a:rPr kumimoji="1" lang="ja-JP" altLang="en-US" b="1" dirty="0">
+                <a:solidFill>
+                  <a:schemeClr val="bg1"/>
+                </a:solidFill>
+                <a:highlight>
+                  <a:srgbClr val="000000"/>
+                </a:highlight>
+              </a:rPr>
+              <a:t>　</a:t>
+            </a:r>
+            <a:r>
+              <a:rPr kumimoji="1" lang="en-US" altLang="ja-JP" b="1" dirty="0">
+                <a:solidFill>
+                  <a:schemeClr val="bg1"/>
+                </a:solidFill>
+                <a:highlight>
+                  <a:srgbClr val="000000"/>
+                </a:highlight>
+              </a:rPr>
+              <a:t>{</a:t>
+            </a:r>
+            <a:r>
+              <a:rPr kumimoji="1" lang="ja-JP" altLang="en-US" b="1" dirty="0">
+                <a:solidFill>
+                  <a:schemeClr val="accent1">
+                    <a:lumMod val="40000"/>
+                    <a:lumOff val="60000"/>
+                  </a:schemeClr>
+                </a:solidFill>
+                <a:highlight>
+                  <a:srgbClr val="000000"/>
+                </a:highlight>
+              </a:rPr>
+              <a:t>引数</a:t>
+            </a:r>
+            <a:r>
+              <a:rPr kumimoji="1" lang="en-US" altLang="ja-JP" b="1" dirty="0">
+                <a:solidFill>
+                  <a:schemeClr val="bg1"/>
+                </a:solidFill>
+                <a:highlight>
+                  <a:srgbClr val="000000"/>
+                </a:highlight>
+              </a:rPr>
+              <a:t>} </a:t>
+            </a:r>
+            <a:r>
+              <a:rPr kumimoji="1" lang="ja-JP" altLang="en-US" dirty="0"/>
+              <a:t>形式でコマンドを記述</a:t>
+            </a:r>
+            <a:endParaRPr kumimoji="1" lang="en-US" altLang="ja-JP" dirty="0"/>
+          </a:p>
+          <a:p>
+            <a:pPr lvl="2"/>
+            <a:r>
+              <a:rPr kumimoji="1" lang="ja-JP" altLang="en-US" dirty="0"/>
+              <a:t>ライブラリのインストール</a:t>
+            </a:r>
+            <a:endParaRPr kumimoji="1" lang="en-US" altLang="ja-JP" dirty="0"/>
+          </a:p>
+          <a:p>
+            <a:pPr lvl="2"/>
             <a:r>
               <a:rPr lang="ja-JP" altLang="en-US" dirty="0"/>
-              <a:t>作成に使用されるスタンドアロンな</a:t>
-            </a:r>
-            <a:r>
-              <a:rPr lang="ja-JP" altLang="en-US" u="sng" dirty="0"/>
-              <a:t>実行可能ファイル</a:t>
-            </a:r>
-            <a:r>
-              <a:rPr lang="en-US" altLang="ja-JP" dirty="0"/>
-              <a:t>[x]</a:t>
-            </a:r>
+              <a:t>環境変数の設定</a:t>
+            </a:r>
+            <a:endParaRPr lang="en-US" altLang="ja-JP" dirty="0"/>
           </a:p>
           <a:p>
             <a:pPr lvl="2"/>
             <a:r>
-              <a:rPr kumimoji="1" lang="ja-JP" altLang="en-US" dirty="0"/>
-              <a:t>必要な</a:t>
-            </a:r>
-            <a:r>
-              <a:rPr kumimoji="1" lang="ja-JP" altLang="en-US" b="1" dirty="0"/>
-              <a:t>ライブラリ，依存関係，ファイル</a:t>
-            </a:r>
-            <a:r>
-              <a:rPr kumimoji="1" lang="ja-JP" altLang="en-US" dirty="0"/>
-              <a:t>全てを内包</a:t>
+              <a:rPr lang="ja-JP" altLang="en-US" dirty="0"/>
+              <a:t>必要なファイルのコピーなど</a:t>
             </a:r>
             <a:endParaRPr kumimoji="1" lang="en-US" altLang="ja-JP" dirty="0"/>
           </a:p>
           <a:p>
             <a:pPr lvl="1"/>
-            <a:r>
-              <a:rPr kumimoji="1" lang="ja-JP" altLang="en-US" dirty="0"/>
-              <a:t>レイヤー構造</a:t>
-            </a:r>
+            <a:endParaRPr kumimoji="1" lang="en-US" altLang="ja-JP" u="sng" dirty="0"/>
+          </a:p>
+          <a:p>
+            <a:pPr lvl="1"/>
             <a:endParaRPr kumimoji="1" lang="en-US" altLang="ja-JP" dirty="0"/>
           </a:p>
           <a:p>
-            <a:pPr lvl="1"/>
+            <a:pPr marL="457200" lvl="1" indent="0">
+              <a:buNone/>
+            </a:pPr>
             <a:endParaRPr kumimoji="1" lang="ja-JP" altLang="en-US" dirty="0"/>
           </a:p>
         </p:txBody>
@@ -6431,74 +6423,10 @@
           </a:p>
         </p:txBody>
       </p:sp>
-      <p:sp>
-        <p:nvSpPr>
-          <p:cNvPr id="5" name="テキスト ボックス 4">
-            <a:extLst>
-              <a:ext uri="{FF2B5EF4-FFF2-40B4-BE49-F238E27FC236}">
-                <a16:creationId xmlns:a16="http://schemas.microsoft.com/office/drawing/2014/main" id="{61B6A5D5-D1D2-E00B-9368-1C674ABB0DAB}"/>
-              </a:ext>
-            </a:extLst>
-          </p:cNvPr>
-          <p:cNvSpPr txBox="1"/>
-          <p:nvPr/>
-        </p:nvSpPr>
-        <p:spPr>
-          <a:xfrm>
-            <a:off x="0" y="6581001"/>
-            <a:ext cx="11439525" cy="276999"/>
-          </a:xfrm>
-          <a:prstGeom prst="rect">
-            <a:avLst/>
-          </a:prstGeom>
-          <a:noFill/>
-        </p:spPr>
-        <p:txBody>
-          <a:bodyPr wrap="square" rtlCol="0">
-            <a:spAutoFit/>
-          </a:bodyPr>
-          <a:lstStyle/>
-          <a:p>
-            <a:r>
-              <a:rPr kumimoji="1" lang="en-US" altLang="ja-JP" sz="1200" dirty="0"/>
-              <a:t>[x]</a:t>
-            </a:r>
-            <a:r>
-              <a:rPr lang="en-US" altLang="ja-JP" sz="1200" dirty="0"/>
-              <a:t>:</a:t>
-            </a:r>
-            <a:r>
-              <a:rPr lang="ja-JP" altLang="en-US" sz="1200" dirty="0"/>
-              <a:t> </a:t>
-            </a:r>
-            <a:r>
-              <a:rPr kumimoji="1" lang="en-US" altLang="ja-JP" sz="1200" dirty="0"/>
-              <a:t>Docker </a:t>
-            </a:r>
-            <a:r>
-              <a:rPr kumimoji="1" lang="ja-JP" altLang="en-US" sz="1200" dirty="0"/>
-              <a:t>イメージとコンテナの違い</a:t>
-            </a:r>
-            <a:r>
-              <a:rPr kumimoji="1" lang="en-US" altLang="ja-JP" sz="1200" dirty="0"/>
-              <a:t>, </a:t>
-            </a:r>
-            <a:r>
-              <a:rPr kumimoji="1" lang="en-US" altLang="ja-JP" sz="1200" dirty="0" err="1"/>
-              <a:t>aws</a:t>
-            </a:r>
-            <a:r>
-              <a:rPr kumimoji="1" lang="en-US" altLang="ja-JP" sz="1200" dirty="0"/>
-              <a:t>, https://aws.amazon.com/jp/compare/the-difference-between-docker-images-and-containers/</a:t>
-            </a:r>
-            <a:endParaRPr kumimoji="1" lang="ja-JP" altLang="en-US" sz="1200" dirty="0"/>
-          </a:p>
-        </p:txBody>
-      </p:sp>
     </p:spTree>
     <p:extLst>
       <p:ext uri="{BB962C8B-B14F-4D97-AF65-F5344CB8AC3E}">
-        <p14:creationId xmlns:p14="http://schemas.microsoft.com/office/powerpoint/2010/main" val="533456754"/>
+        <p14:creationId xmlns:p14="http://schemas.microsoft.com/office/powerpoint/2010/main" val="1779892532"/>
       </p:ext>
     </p:extLst>
   </p:cSld>
@@ -6575,44 +6503,37 @@
           <a:lstStyle/>
           <a:p>
             <a:r>
-              <a:rPr lang="en-US" altLang="ja-JP" i="1" dirty="0">
-                <a:solidFill>
-                  <a:schemeClr val="accent2"/>
-                </a:solidFill>
-              </a:rPr>
-              <a:t>container</a:t>
-            </a:r>
+              <a:rPr kumimoji="1" lang="en-US" altLang="ja-JP" i="1" dirty="0" err="1">
+                <a:solidFill>
+                  <a:schemeClr val="tx1">
+                    <a:lumMod val="85000"/>
+                    <a:lumOff val="15000"/>
+                  </a:schemeClr>
+                </a:solidFill>
+              </a:rPr>
+              <a:t>Dockerfile</a:t>
+            </a:r>
+            <a:endParaRPr kumimoji="1" lang="en-US" altLang="ja-JP" i="1" dirty="0">
+              <a:solidFill>
+                <a:schemeClr val="tx1">
+                  <a:lumMod val="85000"/>
+                  <a:lumOff val="15000"/>
+                </a:schemeClr>
+              </a:solidFill>
+            </a:endParaRPr>
           </a:p>
           <a:p>
             <a:pPr lvl="1"/>
-            <a:r>
-              <a:rPr lang="en-US" altLang="ja-JP" dirty="0"/>
-              <a:t>container</a:t>
-            </a:r>
-            <a:r>
-              <a:rPr lang="ja-JP" altLang="en-US" dirty="0"/>
-              <a:t>作成に使用されるスタンドアロンな実行可能ファイル</a:t>
-            </a:r>
-            <a:endParaRPr lang="en-US" altLang="ja-JP" dirty="0"/>
-          </a:p>
-          <a:p>
-            <a:pPr lvl="2"/>
-            <a:r>
-              <a:rPr kumimoji="1" lang="ja-JP" altLang="en-US" b="1" dirty="0"/>
-              <a:t>ライブラリ，依存関係，ファイル</a:t>
-            </a:r>
-            <a:r>
-              <a:rPr kumimoji="1" lang="ja-JP" altLang="en-US" dirty="0"/>
-              <a:t>全てを内包</a:t>
-            </a:r>
-            <a:endParaRPr kumimoji="1" lang="en-US" altLang="ja-JP" dirty="0"/>
+            <a:endParaRPr kumimoji="1" lang="en-US" altLang="ja-JP" u="sng" dirty="0"/>
           </a:p>
           <a:p>
             <a:pPr lvl="1"/>
             <a:endParaRPr kumimoji="1" lang="en-US" altLang="ja-JP" dirty="0"/>
           </a:p>
           <a:p>
-            <a:pPr lvl="1"/>
+            <a:pPr marL="457200" lvl="1" indent="0">
+              <a:buNone/>
+            </a:pPr>
             <a:endParaRPr kumimoji="1" lang="ja-JP" altLang="en-US" dirty="0"/>
           </a:p>
         </p:txBody>
@@ -6704,10 +6625,817 @@
           </a:p>
         </p:txBody>
       </p:sp>
+      <p:sp>
+        <p:nvSpPr>
+          <p:cNvPr id="6" name="テキスト ボックス 5">
+            <a:extLst>
+              <a:ext uri="{FF2B5EF4-FFF2-40B4-BE49-F238E27FC236}">
+                <a16:creationId xmlns:a16="http://schemas.microsoft.com/office/drawing/2014/main" id="{DE590111-32F3-FE2A-46D9-753D4B36FC95}"/>
+              </a:ext>
+            </a:extLst>
+          </p:cNvPr>
+          <p:cNvSpPr txBox="1"/>
+          <p:nvPr/>
+        </p:nvSpPr>
+        <p:spPr>
+          <a:xfrm>
+            <a:off x="4500245" y="1016077"/>
+            <a:ext cx="7472680" cy="5632311"/>
+          </a:xfrm>
+          <a:prstGeom prst="rect">
+            <a:avLst/>
+          </a:prstGeom>
+          <a:solidFill>
+            <a:srgbClr val="1F1F1F"/>
+          </a:solidFill>
+        </p:spPr>
+        <p:txBody>
+          <a:bodyPr wrap="square" rtlCol="0">
+            <a:spAutoFit/>
+          </a:bodyPr>
+          <a:lstStyle/>
+          <a:p>
+            <a:r>
+              <a:rPr lang="en-US" altLang="ja-JP" sz="2400" b="0" dirty="0">
+                <a:solidFill>
+                  <a:srgbClr val="6A9955"/>
+                </a:solidFill>
+                <a:effectLst/>
+                <a:highlight>
+                  <a:srgbClr val="1F1F1F"/>
+                </a:highlight>
+                <a:latin typeface="Consolas" panose="020B0609020204030204" pitchFamily="49" charset="0"/>
+              </a:rPr>
+              <a:t># </a:t>
+            </a:r>
+            <a:r>
+              <a:rPr lang="ja-JP" altLang="en-US" sz="2400" b="0" dirty="0">
+                <a:solidFill>
+                  <a:srgbClr val="6A9955"/>
+                </a:solidFill>
+                <a:effectLst/>
+                <a:highlight>
+                  <a:srgbClr val="1F1F1F"/>
+                </a:highlight>
+                <a:latin typeface="Consolas" panose="020B0609020204030204" pitchFamily="49" charset="0"/>
+              </a:rPr>
+              <a:t>ベースイメージを指定</a:t>
+            </a:r>
+            <a:endParaRPr lang="ja-JP" altLang="en-US" sz="2400" b="0" dirty="0">
+              <a:solidFill>
+                <a:srgbClr val="CCCCCC"/>
+              </a:solidFill>
+              <a:effectLst/>
+              <a:highlight>
+                <a:srgbClr val="1F1F1F"/>
+              </a:highlight>
+              <a:latin typeface="Consolas" panose="020B0609020204030204" pitchFamily="49" charset="0"/>
+            </a:endParaRPr>
+          </a:p>
+          <a:p>
+            <a:r>
+              <a:rPr lang="en-US" altLang="ja-JP" sz="2400" b="0" dirty="0">
+                <a:solidFill>
+                  <a:srgbClr val="C586C0"/>
+                </a:solidFill>
+                <a:effectLst/>
+                <a:highlight>
+                  <a:srgbClr val="1F1F1F"/>
+                </a:highlight>
+                <a:latin typeface="Consolas" panose="020B0609020204030204" pitchFamily="49" charset="0"/>
+              </a:rPr>
+              <a:t>FROM</a:t>
+            </a:r>
+            <a:r>
+              <a:rPr lang="ja-JP" altLang="en-US" sz="2400" b="0" dirty="0">
+                <a:solidFill>
+                  <a:srgbClr val="CCCCCC"/>
+                </a:solidFill>
+                <a:effectLst/>
+                <a:highlight>
+                  <a:srgbClr val="1F1F1F"/>
+                </a:highlight>
+                <a:latin typeface="Consolas" panose="020B0609020204030204" pitchFamily="49" charset="0"/>
+              </a:rPr>
+              <a:t> </a:t>
+            </a:r>
+            <a:r>
+              <a:rPr lang="en-US" altLang="ja-JP" sz="2400" b="0" dirty="0">
+                <a:solidFill>
+                  <a:srgbClr val="4EC9B0"/>
+                </a:solidFill>
+                <a:effectLst/>
+                <a:highlight>
+                  <a:srgbClr val="1F1F1F"/>
+                </a:highlight>
+                <a:latin typeface="Consolas" panose="020B0609020204030204" pitchFamily="49" charset="0"/>
+              </a:rPr>
+              <a:t>openjdk</a:t>
+            </a:r>
+            <a:r>
+              <a:rPr lang="en-US" altLang="ja-JP" sz="2400" b="0" dirty="0">
+                <a:solidFill>
+                  <a:srgbClr val="CCCCCC"/>
+                </a:solidFill>
+                <a:effectLst/>
+                <a:highlight>
+                  <a:srgbClr val="1F1F1F"/>
+                </a:highlight>
+                <a:latin typeface="Consolas" panose="020B0609020204030204" pitchFamily="49" charset="0"/>
+              </a:rPr>
+              <a:t>:</a:t>
+            </a:r>
+            <a:r>
+              <a:rPr lang="en-US" altLang="ja-JP" sz="2400" b="0" dirty="0">
+                <a:solidFill>
+                  <a:srgbClr val="9CDCFE"/>
+                </a:solidFill>
+                <a:effectLst/>
+                <a:highlight>
+                  <a:srgbClr val="1F1F1F"/>
+                </a:highlight>
+                <a:latin typeface="Consolas" panose="020B0609020204030204" pitchFamily="49" charset="0"/>
+              </a:rPr>
+              <a:t>17-jdk-slim</a:t>
+            </a:r>
+            <a:endParaRPr lang="ja-JP" altLang="en-US" sz="2400" b="0" dirty="0">
+              <a:solidFill>
+                <a:srgbClr val="CCCCCC"/>
+              </a:solidFill>
+              <a:effectLst/>
+              <a:highlight>
+                <a:srgbClr val="1F1F1F"/>
+              </a:highlight>
+              <a:latin typeface="Consolas" panose="020B0609020204030204" pitchFamily="49" charset="0"/>
+            </a:endParaRPr>
+          </a:p>
+          <a:p>
+            <a:br>
+              <a:rPr lang="ja-JP" altLang="en-US" sz="2400" b="0" dirty="0">
+                <a:solidFill>
+                  <a:srgbClr val="CCCCCC"/>
+                </a:solidFill>
+                <a:effectLst/>
+                <a:highlight>
+                  <a:srgbClr val="1F1F1F"/>
+                </a:highlight>
+                <a:latin typeface="Consolas" panose="020B0609020204030204" pitchFamily="49" charset="0"/>
+              </a:rPr>
+            </a:br>
+            <a:r>
+              <a:rPr lang="en-US" altLang="ja-JP" sz="2400" b="0" dirty="0">
+                <a:solidFill>
+                  <a:srgbClr val="6A9955"/>
+                </a:solidFill>
+                <a:effectLst/>
+                <a:highlight>
+                  <a:srgbClr val="1F1F1F"/>
+                </a:highlight>
+                <a:latin typeface="Consolas" panose="020B0609020204030204" pitchFamily="49" charset="0"/>
+              </a:rPr>
+              <a:t># </a:t>
+            </a:r>
+            <a:r>
+              <a:rPr lang="ja-JP" altLang="en-US" sz="2400" b="0" dirty="0">
+                <a:solidFill>
+                  <a:srgbClr val="6A9955"/>
+                </a:solidFill>
+                <a:effectLst/>
+                <a:highlight>
+                  <a:srgbClr val="1F1F1F"/>
+                </a:highlight>
+                <a:latin typeface="Consolas" panose="020B0609020204030204" pitchFamily="49" charset="0"/>
+              </a:rPr>
+              <a:t>作業ディレクトリを設定</a:t>
+            </a:r>
+            <a:endParaRPr lang="ja-JP" altLang="en-US" sz="2400" b="0" dirty="0">
+              <a:solidFill>
+                <a:srgbClr val="CCCCCC"/>
+              </a:solidFill>
+              <a:effectLst/>
+              <a:highlight>
+                <a:srgbClr val="1F1F1F"/>
+              </a:highlight>
+              <a:latin typeface="Consolas" panose="020B0609020204030204" pitchFamily="49" charset="0"/>
+            </a:endParaRPr>
+          </a:p>
+          <a:p>
+            <a:r>
+              <a:rPr lang="en-US" altLang="ja-JP" sz="2400" b="0" dirty="0">
+                <a:solidFill>
+                  <a:srgbClr val="C586C0"/>
+                </a:solidFill>
+                <a:effectLst/>
+                <a:highlight>
+                  <a:srgbClr val="1F1F1F"/>
+                </a:highlight>
+                <a:latin typeface="Consolas" panose="020B0609020204030204" pitchFamily="49" charset="0"/>
+              </a:rPr>
+              <a:t>WORKDIR</a:t>
+            </a:r>
+            <a:r>
+              <a:rPr lang="ja-JP" altLang="en-US" sz="2400" b="0" dirty="0">
+                <a:solidFill>
+                  <a:srgbClr val="CCCCCC"/>
+                </a:solidFill>
+                <a:effectLst/>
+                <a:highlight>
+                  <a:srgbClr val="1F1F1F"/>
+                </a:highlight>
+                <a:latin typeface="Consolas" panose="020B0609020204030204" pitchFamily="49" charset="0"/>
+              </a:rPr>
+              <a:t> </a:t>
+            </a:r>
+            <a:r>
+              <a:rPr lang="en-US" altLang="ja-JP" sz="2400" b="0" dirty="0">
+                <a:solidFill>
+                  <a:srgbClr val="9CDCFE"/>
+                </a:solidFill>
+                <a:effectLst/>
+                <a:highlight>
+                  <a:srgbClr val="1F1F1F"/>
+                </a:highlight>
+                <a:latin typeface="Consolas" panose="020B0609020204030204" pitchFamily="49" charset="0"/>
+              </a:rPr>
+              <a:t>/app</a:t>
+            </a:r>
+            <a:endParaRPr lang="ja-JP" altLang="en-US" sz="2400" b="0" dirty="0">
+              <a:solidFill>
+                <a:srgbClr val="CCCCCC"/>
+              </a:solidFill>
+              <a:effectLst/>
+              <a:highlight>
+                <a:srgbClr val="1F1F1F"/>
+              </a:highlight>
+              <a:latin typeface="Consolas" panose="020B0609020204030204" pitchFamily="49" charset="0"/>
+            </a:endParaRPr>
+          </a:p>
+          <a:p>
+            <a:br>
+              <a:rPr lang="ja-JP" altLang="en-US" sz="2400" b="0" dirty="0">
+                <a:solidFill>
+                  <a:srgbClr val="CCCCCC"/>
+                </a:solidFill>
+                <a:effectLst/>
+                <a:highlight>
+                  <a:srgbClr val="1F1F1F"/>
+                </a:highlight>
+                <a:latin typeface="Consolas" panose="020B0609020204030204" pitchFamily="49" charset="0"/>
+              </a:rPr>
+            </a:br>
+            <a:r>
+              <a:rPr lang="en-US" altLang="ja-JP" sz="2400" b="0" dirty="0">
+                <a:solidFill>
+                  <a:srgbClr val="6A9955"/>
+                </a:solidFill>
+                <a:effectLst/>
+                <a:highlight>
+                  <a:srgbClr val="1F1F1F"/>
+                </a:highlight>
+                <a:latin typeface="Consolas" panose="020B0609020204030204" pitchFamily="49" charset="0"/>
+              </a:rPr>
+              <a:t># </a:t>
+            </a:r>
+            <a:r>
+              <a:rPr lang="ja-JP" altLang="en-US" sz="2400" b="0" dirty="0">
+                <a:solidFill>
+                  <a:srgbClr val="6A9955"/>
+                </a:solidFill>
+                <a:effectLst/>
+                <a:highlight>
+                  <a:srgbClr val="1F1F1F"/>
+                </a:highlight>
+                <a:latin typeface="Consolas" panose="020B0609020204030204" pitchFamily="49" charset="0"/>
+              </a:rPr>
+              <a:t>アプリケーションの</a:t>
+            </a:r>
+            <a:r>
+              <a:rPr lang="en-US" altLang="ja-JP" sz="2400" b="0" dirty="0">
+                <a:solidFill>
+                  <a:srgbClr val="6A9955"/>
+                </a:solidFill>
+                <a:effectLst/>
+                <a:highlight>
+                  <a:srgbClr val="1F1F1F"/>
+                </a:highlight>
+                <a:latin typeface="Consolas" panose="020B0609020204030204" pitchFamily="49" charset="0"/>
+              </a:rPr>
+              <a:t>JAR</a:t>
+            </a:r>
+            <a:r>
+              <a:rPr lang="ja-JP" altLang="en-US" sz="2400" b="0" dirty="0">
+                <a:solidFill>
+                  <a:srgbClr val="6A9955"/>
+                </a:solidFill>
+                <a:effectLst/>
+                <a:highlight>
+                  <a:srgbClr val="1F1F1F"/>
+                </a:highlight>
+                <a:latin typeface="Consolas" panose="020B0609020204030204" pitchFamily="49" charset="0"/>
+              </a:rPr>
+              <a:t>ファイルをコピー</a:t>
+            </a:r>
+            <a:endParaRPr lang="ja-JP" altLang="en-US" sz="2400" b="0" dirty="0">
+              <a:solidFill>
+                <a:srgbClr val="CCCCCC"/>
+              </a:solidFill>
+              <a:effectLst/>
+              <a:highlight>
+                <a:srgbClr val="1F1F1F"/>
+              </a:highlight>
+              <a:latin typeface="Consolas" panose="020B0609020204030204" pitchFamily="49" charset="0"/>
+            </a:endParaRPr>
+          </a:p>
+          <a:p>
+            <a:r>
+              <a:rPr lang="en-US" altLang="ja-JP" sz="2400" b="0" dirty="0">
+                <a:solidFill>
+                  <a:srgbClr val="C586C0"/>
+                </a:solidFill>
+                <a:effectLst/>
+                <a:highlight>
+                  <a:srgbClr val="1F1F1F"/>
+                </a:highlight>
+                <a:latin typeface="Consolas" panose="020B0609020204030204" pitchFamily="49" charset="0"/>
+              </a:rPr>
+              <a:t>COPY</a:t>
+            </a:r>
+            <a:r>
+              <a:rPr lang="ja-JP" altLang="en-US" sz="2400" b="0" dirty="0">
+                <a:solidFill>
+                  <a:srgbClr val="CCCCCC"/>
+                </a:solidFill>
+                <a:effectLst/>
+                <a:highlight>
+                  <a:srgbClr val="1F1F1F"/>
+                </a:highlight>
+                <a:latin typeface="Consolas" panose="020B0609020204030204" pitchFamily="49" charset="0"/>
+              </a:rPr>
+              <a:t> </a:t>
+            </a:r>
+            <a:r>
+              <a:rPr lang="en-US" altLang="ja-JP" sz="2400" b="0" dirty="0">
+                <a:solidFill>
+                  <a:srgbClr val="9CDCFE"/>
+                </a:solidFill>
+                <a:effectLst/>
+                <a:highlight>
+                  <a:srgbClr val="1F1F1F"/>
+                </a:highlight>
+                <a:latin typeface="Consolas" panose="020B0609020204030204" pitchFamily="49" charset="0"/>
+              </a:rPr>
+              <a:t>target/myapp.jar</a:t>
+            </a:r>
+            <a:r>
+              <a:rPr lang="ja-JP" altLang="en-US" sz="2400" b="0" dirty="0">
+                <a:solidFill>
+                  <a:srgbClr val="CCCCCC"/>
+                </a:solidFill>
+                <a:effectLst/>
+                <a:highlight>
+                  <a:srgbClr val="1F1F1F"/>
+                </a:highlight>
+                <a:latin typeface="Consolas" panose="020B0609020204030204" pitchFamily="49" charset="0"/>
+              </a:rPr>
+              <a:t> </a:t>
+            </a:r>
+            <a:r>
+              <a:rPr lang="en-US" altLang="ja-JP" sz="2400" b="0" dirty="0">
+                <a:solidFill>
+                  <a:srgbClr val="9CDCFE"/>
+                </a:solidFill>
+                <a:effectLst/>
+                <a:highlight>
+                  <a:srgbClr val="1F1F1F"/>
+                </a:highlight>
+                <a:latin typeface="Consolas" panose="020B0609020204030204" pitchFamily="49" charset="0"/>
+              </a:rPr>
+              <a:t>.</a:t>
+            </a:r>
+            <a:endParaRPr lang="ja-JP" altLang="en-US" sz="2400" b="0" dirty="0">
+              <a:solidFill>
+                <a:srgbClr val="CCCCCC"/>
+              </a:solidFill>
+              <a:effectLst/>
+              <a:highlight>
+                <a:srgbClr val="1F1F1F"/>
+              </a:highlight>
+              <a:latin typeface="Consolas" panose="020B0609020204030204" pitchFamily="49" charset="0"/>
+            </a:endParaRPr>
+          </a:p>
+          <a:p>
+            <a:br>
+              <a:rPr lang="ja-JP" altLang="en-US" sz="2400" b="0" dirty="0">
+                <a:solidFill>
+                  <a:srgbClr val="CCCCCC"/>
+                </a:solidFill>
+                <a:effectLst/>
+                <a:highlight>
+                  <a:srgbClr val="1F1F1F"/>
+                </a:highlight>
+                <a:latin typeface="Consolas" panose="020B0609020204030204" pitchFamily="49" charset="0"/>
+              </a:rPr>
+            </a:br>
+            <a:r>
+              <a:rPr lang="en-US" altLang="ja-JP" sz="2400" b="0" dirty="0">
+                <a:solidFill>
+                  <a:srgbClr val="6A9955"/>
+                </a:solidFill>
+                <a:effectLst/>
+                <a:highlight>
+                  <a:srgbClr val="1F1F1F"/>
+                </a:highlight>
+                <a:latin typeface="Consolas" panose="020B0609020204030204" pitchFamily="49" charset="0"/>
+              </a:rPr>
+              <a:t># </a:t>
+            </a:r>
+            <a:r>
+              <a:rPr lang="ja-JP" altLang="en-US" sz="2400" b="0" dirty="0">
+                <a:solidFill>
+                  <a:srgbClr val="6A9955"/>
+                </a:solidFill>
+                <a:effectLst/>
+                <a:highlight>
+                  <a:srgbClr val="1F1F1F"/>
+                </a:highlight>
+                <a:latin typeface="Consolas" panose="020B0609020204030204" pitchFamily="49" charset="0"/>
+              </a:rPr>
+              <a:t>必要に応じて，他の依存ファイルをコピーする例</a:t>
+            </a:r>
+            <a:endParaRPr lang="ja-JP" altLang="en-US" sz="2400" b="0" dirty="0">
+              <a:solidFill>
+                <a:srgbClr val="CCCCCC"/>
+              </a:solidFill>
+              <a:effectLst/>
+              <a:highlight>
+                <a:srgbClr val="1F1F1F"/>
+              </a:highlight>
+              <a:latin typeface="Consolas" panose="020B0609020204030204" pitchFamily="49" charset="0"/>
+            </a:endParaRPr>
+          </a:p>
+          <a:p>
+            <a:r>
+              <a:rPr lang="en-US" altLang="ja-JP" sz="2400" b="0" dirty="0">
+                <a:solidFill>
+                  <a:srgbClr val="6A9955"/>
+                </a:solidFill>
+                <a:effectLst/>
+                <a:highlight>
+                  <a:srgbClr val="1F1F1F"/>
+                </a:highlight>
+                <a:latin typeface="Consolas" panose="020B0609020204030204" pitchFamily="49" charset="0"/>
+              </a:rPr>
+              <a:t># COPY some-dependency.jar some-dependency.jar</a:t>
+            </a:r>
+            <a:endParaRPr lang="ja-JP" altLang="en-US" sz="2400" b="0" dirty="0">
+              <a:solidFill>
+                <a:srgbClr val="CCCCCC"/>
+              </a:solidFill>
+              <a:effectLst/>
+              <a:highlight>
+                <a:srgbClr val="1F1F1F"/>
+              </a:highlight>
+              <a:latin typeface="Consolas" panose="020B0609020204030204" pitchFamily="49" charset="0"/>
+            </a:endParaRPr>
+          </a:p>
+          <a:p>
+            <a:br>
+              <a:rPr lang="ja-JP" altLang="en-US" sz="2400" b="0" dirty="0">
+                <a:solidFill>
+                  <a:srgbClr val="CCCCCC"/>
+                </a:solidFill>
+                <a:effectLst/>
+                <a:highlight>
+                  <a:srgbClr val="1F1F1F"/>
+                </a:highlight>
+                <a:latin typeface="Consolas" panose="020B0609020204030204" pitchFamily="49" charset="0"/>
+              </a:rPr>
+            </a:br>
+            <a:r>
+              <a:rPr lang="en-US" altLang="ja-JP" sz="2400" b="0" dirty="0">
+                <a:solidFill>
+                  <a:srgbClr val="6A9955"/>
+                </a:solidFill>
+                <a:effectLst/>
+                <a:highlight>
+                  <a:srgbClr val="1F1F1F"/>
+                </a:highlight>
+                <a:latin typeface="Consolas" panose="020B0609020204030204" pitchFamily="49" charset="0"/>
+              </a:rPr>
+              <a:t># </a:t>
+            </a:r>
+            <a:r>
+              <a:rPr lang="ja-JP" altLang="en-US" sz="2400" b="0" dirty="0">
+                <a:solidFill>
+                  <a:srgbClr val="6A9955"/>
+                </a:solidFill>
+                <a:effectLst/>
+                <a:highlight>
+                  <a:srgbClr val="1F1F1F"/>
+                </a:highlight>
+                <a:latin typeface="Consolas" panose="020B0609020204030204" pitchFamily="49" charset="0"/>
+              </a:rPr>
+              <a:t>コンテナ起動時に実行するコマンドを指定</a:t>
+            </a:r>
+            <a:endParaRPr lang="ja-JP" altLang="en-US" sz="2400" b="0" dirty="0">
+              <a:solidFill>
+                <a:srgbClr val="CCCCCC"/>
+              </a:solidFill>
+              <a:effectLst/>
+              <a:highlight>
+                <a:srgbClr val="1F1F1F"/>
+              </a:highlight>
+              <a:latin typeface="Consolas" panose="020B0609020204030204" pitchFamily="49" charset="0"/>
+            </a:endParaRPr>
+          </a:p>
+          <a:p>
+            <a:r>
+              <a:rPr lang="en-US" altLang="ja-JP" sz="2400" b="0" dirty="0">
+                <a:solidFill>
+                  <a:srgbClr val="C586C0"/>
+                </a:solidFill>
+                <a:effectLst/>
+                <a:highlight>
+                  <a:srgbClr val="1F1F1F"/>
+                </a:highlight>
+                <a:latin typeface="Consolas" panose="020B0609020204030204" pitchFamily="49" charset="0"/>
+              </a:rPr>
+              <a:t>CMD</a:t>
+            </a:r>
+            <a:r>
+              <a:rPr lang="ja-JP" altLang="en-US" sz="2400" b="0" dirty="0">
+                <a:solidFill>
+                  <a:srgbClr val="CCCCCC"/>
+                </a:solidFill>
+                <a:effectLst/>
+                <a:highlight>
+                  <a:srgbClr val="1F1F1F"/>
+                </a:highlight>
+                <a:latin typeface="Consolas" panose="020B0609020204030204" pitchFamily="49" charset="0"/>
+              </a:rPr>
+              <a:t> </a:t>
+            </a:r>
+            <a:r>
+              <a:rPr lang="en-US" altLang="ja-JP" sz="2400" b="0" dirty="0">
+                <a:solidFill>
+                  <a:srgbClr val="9CDCFE"/>
+                </a:solidFill>
+                <a:effectLst/>
+                <a:highlight>
+                  <a:srgbClr val="1F1F1F"/>
+                </a:highlight>
+                <a:latin typeface="Consolas" panose="020B0609020204030204" pitchFamily="49" charset="0"/>
+              </a:rPr>
+              <a:t>[</a:t>
+            </a:r>
+            <a:r>
+              <a:rPr lang="en-US" altLang="ja-JP" sz="2400" b="0" dirty="0">
+                <a:solidFill>
+                  <a:srgbClr val="CE9178"/>
+                </a:solidFill>
+                <a:effectLst/>
+                <a:highlight>
+                  <a:srgbClr val="1F1F1F"/>
+                </a:highlight>
+                <a:latin typeface="Consolas" panose="020B0609020204030204" pitchFamily="49" charset="0"/>
+              </a:rPr>
+              <a:t>"java"</a:t>
+            </a:r>
+            <a:r>
+              <a:rPr lang="en-US" altLang="ja-JP" sz="2400" b="0" dirty="0">
+                <a:solidFill>
+                  <a:srgbClr val="9CDCFE"/>
+                </a:solidFill>
+                <a:effectLst/>
+                <a:highlight>
+                  <a:srgbClr val="1F1F1F"/>
+                </a:highlight>
+                <a:latin typeface="Consolas" panose="020B0609020204030204" pitchFamily="49" charset="0"/>
+              </a:rPr>
+              <a:t>,</a:t>
+            </a:r>
+            <a:r>
+              <a:rPr lang="ja-JP" altLang="en-US" sz="2400" b="0" dirty="0">
+                <a:solidFill>
+                  <a:srgbClr val="CCCCCC"/>
+                </a:solidFill>
+                <a:effectLst/>
+                <a:highlight>
+                  <a:srgbClr val="1F1F1F"/>
+                </a:highlight>
+                <a:latin typeface="Consolas" panose="020B0609020204030204" pitchFamily="49" charset="0"/>
+              </a:rPr>
+              <a:t> </a:t>
+            </a:r>
+            <a:r>
+              <a:rPr lang="en-US" altLang="ja-JP" sz="2400" b="0" dirty="0">
+                <a:solidFill>
+                  <a:srgbClr val="CE9178"/>
+                </a:solidFill>
+                <a:effectLst/>
+                <a:highlight>
+                  <a:srgbClr val="1F1F1F"/>
+                </a:highlight>
+                <a:latin typeface="Consolas" panose="020B0609020204030204" pitchFamily="49" charset="0"/>
+              </a:rPr>
+              <a:t>"-jar"</a:t>
+            </a:r>
+            <a:r>
+              <a:rPr lang="en-US" altLang="ja-JP" sz="2400" b="0" dirty="0">
+                <a:solidFill>
+                  <a:srgbClr val="9CDCFE"/>
+                </a:solidFill>
+                <a:effectLst/>
+                <a:highlight>
+                  <a:srgbClr val="1F1F1F"/>
+                </a:highlight>
+                <a:latin typeface="Consolas" panose="020B0609020204030204" pitchFamily="49" charset="0"/>
+              </a:rPr>
+              <a:t>,</a:t>
+            </a:r>
+            <a:r>
+              <a:rPr lang="ja-JP" altLang="en-US" sz="2400" b="0" dirty="0">
+                <a:solidFill>
+                  <a:srgbClr val="CCCCCC"/>
+                </a:solidFill>
+                <a:effectLst/>
+                <a:highlight>
+                  <a:srgbClr val="1F1F1F"/>
+                </a:highlight>
+                <a:latin typeface="Consolas" panose="020B0609020204030204" pitchFamily="49" charset="0"/>
+              </a:rPr>
+              <a:t> </a:t>
+            </a:r>
+            <a:r>
+              <a:rPr lang="en-US" altLang="ja-JP" sz="2400" b="0" dirty="0">
+                <a:solidFill>
+                  <a:srgbClr val="CE9178"/>
+                </a:solidFill>
+                <a:effectLst/>
+                <a:highlight>
+                  <a:srgbClr val="1F1F1F"/>
+                </a:highlight>
+                <a:latin typeface="Consolas" panose="020B0609020204030204" pitchFamily="49" charset="0"/>
+              </a:rPr>
+              <a:t>"myapp.jar"</a:t>
+            </a:r>
+            <a:r>
+              <a:rPr lang="en-US" altLang="ja-JP" sz="2400" b="0" dirty="0">
+                <a:solidFill>
+                  <a:srgbClr val="9CDCFE"/>
+                </a:solidFill>
+                <a:effectLst/>
+                <a:highlight>
+                  <a:srgbClr val="1F1F1F"/>
+                </a:highlight>
+                <a:latin typeface="Consolas" panose="020B0609020204030204" pitchFamily="49" charset="0"/>
+              </a:rPr>
+              <a:t>]</a:t>
+            </a:r>
+            <a:endParaRPr lang="ja-JP" altLang="en-US" sz="2400" b="0" dirty="0">
+              <a:solidFill>
+                <a:srgbClr val="CCCCCC"/>
+              </a:solidFill>
+              <a:effectLst/>
+              <a:highlight>
+                <a:srgbClr val="1F1F1F"/>
+              </a:highlight>
+              <a:latin typeface="Consolas" panose="020B0609020204030204" pitchFamily="49" charset="0"/>
+            </a:endParaRPr>
+          </a:p>
+        </p:txBody>
+      </p:sp>
+      <p:pic>
+        <p:nvPicPr>
+          <p:cNvPr id="7" name="グラフィックス 6" descr="紙 単色塗りつぶし">
+            <a:extLst>
+              <a:ext uri="{FF2B5EF4-FFF2-40B4-BE49-F238E27FC236}">
+                <a16:creationId xmlns:a16="http://schemas.microsoft.com/office/drawing/2014/main" id="{2013C6FE-8859-3CD1-1738-ACB0554200A4}"/>
+              </a:ext>
+            </a:extLst>
+          </p:cNvPr>
+          <p:cNvPicPr>
+            <a:picLocks noChangeAspect="1"/>
+          </p:cNvPicPr>
+          <p:nvPr/>
+        </p:nvPicPr>
+        <p:blipFill>
+          <a:blip r:embed="rId2">
+            <a:extLst>
+              <a:ext uri="{28A0092B-C50C-407E-A947-70E740481C1C}">
+                <a14:useLocalDpi xmlns:a14="http://schemas.microsoft.com/office/drawing/2010/main" val="0"/>
+              </a:ext>
+              <a:ext uri="{96DAC541-7B7A-43D3-8B79-37D633B846F1}">
+                <asvg:svgBlip xmlns:asvg="http://schemas.microsoft.com/office/drawing/2016/SVG/main" r:embed="rId3"/>
+              </a:ext>
+            </a:extLst>
+          </a:blip>
+          <a:stretch>
+            <a:fillRect/>
+          </a:stretch>
+        </p:blipFill>
+        <p:spPr>
+          <a:xfrm>
+            <a:off x="1457325" y="3650703"/>
+            <a:ext cx="914400" cy="914400"/>
+          </a:xfrm>
+          <a:prstGeom prst="rect">
+            <a:avLst/>
+          </a:prstGeom>
+        </p:spPr>
+      </p:pic>
+      <p:sp>
+        <p:nvSpPr>
+          <p:cNvPr id="14" name="矢印: 右 13">
+            <a:extLst>
+              <a:ext uri="{FF2B5EF4-FFF2-40B4-BE49-F238E27FC236}">
+                <a16:creationId xmlns:a16="http://schemas.microsoft.com/office/drawing/2014/main" id="{65CB202C-55F4-EB75-B662-9980C99BA713}"/>
+              </a:ext>
+            </a:extLst>
+          </p:cNvPr>
+          <p:cNvSpPr/>
+          <p:nvPr/>
+        </p:nvSpPr>
+        <p:spPr>
+          <a:xfrm>
+            <a:off x="2668270" y="3832233"/>
+            <a:ext cx="1212850" cy="612300"/>
+          </a:xfrm>
+          <a:prstGeom prst="rightArrow">
+            <a:avLst/>
+          </a:prstGeom>
+          <a:solidFill>
+            <a:schemeClr val="accent2"/>
+          </a:solidFill>
+          <a:ln>
+            <a:noFill/>
+          </a:ln>
+        </p:spPr>
+        <p:style>
+          <a:lnRef idx="2">
+            <a:schemeClr val="accent1">
+              <a:shade val="15000"/>
+            </a:schemeClr>
+          </a:lnRef>
+          <a:fillRef idx="1">
+            <a:schemeClr val="accent1"/>
+          </a:fillRef>
+          <a:effectRef idx="0">
+            <a:schemeClr val="accent1"/>
+          </a:effectRef>
+          <a:fontRef idx="minor">
+            <a:schemeClr val="lt1"/>
+          </a:fontRef>
+        </p:style>
+        <p:txBody>
+          <a:bodyPr rtlCol="0" anchor="ctr"/>
+          <a:lstStyle/>
+          <a:p>
+            <a:pPr algn="ctr"/>
+            <a:endParaRPr kumimoji="1" lang="ja-JP" altLang="en-US"/>
+          </a:p>
+        </p:txBody>
+      </p:sp>
+      <p:sp>
+        <p:nvSpPr>
+          <p:cNvPr id="15" name="テキスト ボックス 14">
+            <a:extLst>
+              <a:ext uri="{FF2B5EF4-FFF2-40B4-BE49-F238E27FC236}">
+                <a16:creationId xmlns:a16="http://schemas.microsoft.com/office/drawing/2014/main" id="{7309FDAF-1499-D5D6-9F92-A5EF1AC585C6}"/>
+              </a:ext>
+            </a:extLst>
+          </p:cNvPr>
+          <p:cNvSpPr txBox="1"/>
+          <p:nvPr/>
+        </p:nvSpPr>
+        <p:spPr>
+          <a:xfrm>
+            <a:off x="2732405" y="4452844"/>
+            <a:ext cx="1084580" cy="584775"/>
+          </a:xfrm>
+          <a:prstGeom prst="rect">
+            <a:avLst/>
+          </a:prstGeom>
+          <a:noFill/>
+        </p:spPr>
+        <p:txBody>
+          <a:bodyPr wrap="square" rtlCol="0">
+            <a:spAutoFit/>
+          </a:bodyPr>
+          <a:lstStyle/>
+          <a:p>
+            <a:pPr algn="ctr"/>
+            <a:r>
+              <a:rPr kumimoji="1" lang="ja-JP" altLang="en-US" sz="3200" dirty="0"/>
+              <a:t>内容</a:t>
+            </a:r>
+          </a:p>
+        </p:txBody>
+      </p:sp>
     </p:spTree>
     <p:extLst>
       <p:ext uri="{BB962C8B-B14F-4D97-AF65-F5344CB8AC3E}">
-        <p14:creationId xmlns:p14="http://schemas.microsoft.com/office/powerpoint/2010/main" val="3108265407"/>
+        <p14:creationId xmlns:p14="http://schemas.microsoft.com/office/powerpoint/2010/main" val="3096305131"/>
       </p:ext>
     </p:extLst>
   </p:cSld>
@@ -6720,14 +7448,6 @@
 <file path=ppt/slides/slide15.xml><?xml version="1.0" encoding="utf-8"?>
 <p:sld xmlns:a="http://schemas.openxmlformats.org/drawingml/2006/main" xmlns:r="http://schemas.openxmlformats.org/officeDocument/2006/relationships" xmlns:p="http://schemas.openxmlformats.org/presentationml/2006/main">
   <p:cSld>
-    <p:bg>
-      <p:bgPr>
-        <a:solidFill>
-          <a:schemeClr val="accent1"/>
-        </a:solidFill>
-        <a:effectLst/>
-      </p:bgPr>
-    </p:bg>
     <p:spTree>
       <p:nvGrpSpPr>
         <p:cNvPr id="1" name=""/>
@@ -6744,10 +7464,185 @@
       </p:grpSpPr>
       <p:sp>
         <p:nvSpPr>
-          <p:cNvPr id="2" name="テキスト ボックス 1">
-            <a:extLst>
-              <a:ext uri="{FF2B5EF4-FFF2-40B4-BE49-F238E27FC236}">
-                <a16:creationId xmlns:a16="http://schemas.microsoft.com/office/drawing/2014/main" id="{463D0785-186A-FC28-9B7A-5D2B59539000}"/>
+          <p:cNvPr id="2" name="タイトル 1">
+            <a:extLst>
+              <a:ext uri="{FF2B5EF4-FFF2-40B4-BE49-F238E27FC236}">
+                <a16:creationId xmlns:a16="http://schemas.microsoft.com/office/drawing/2014/main" id="{5D85131E-AB32-0C13-F928-0BC8C7E25614}"/>
+              </a:ext>
+            </a:extLst>
+          </p:cNvPr>
+          <p:cNvSpPr>
+            <a:spLocks noGrp="1"/>
+          </p:cNvSpPr>
+          <p:nvPr>
+            <p:ph type="title"/>
+          </p:nvPr>
+        </p:nvSpPr>
+        <p:spPr/>
+        <p:txBody>
+          <a:bodyPr/>
+          <a:lstStyle/>
+          <a:p>
+            <a:r>
+              <a:rPr kumimoji="1" lang="ja-JP" altLang="en-US" dirty="0"/>
+              <a:t>用語</a:t>
+            </a:r>
+          </a:p>
+        </p:txBody>
+      </p:sp>
+      <p:sp>
+        <p:nvSpPr>
+          <p:cNvPr id="3" name="コンテンツ プレースホルダー 2">
+            <a:extLst>
+              <a:ext uri="{FF2B5EF4-FFF2-40B4-BE49-F238E27FC236}">
+                <a16:creationId xmlns:a16="http://schemas.microsoft.com/office/drawing/2014/main" id="{E1842FAB-83F8-8740-EA6D-D4B6CB48EB62}"/>
+              </a:ext>
+            </a:extLst>
+          </p:cNvPr>
+          <p:cNvSpPr>
+            <a:spLocks noGrp="1"/>
+          </p:cNvSpPr>
+          <p:nvPr>
+            <p:ph idx="1"/>
+          </p:nvPr>
+        </p:nvSpPr>
+        <p:spPr/>
+        <p:txBody>
+          <a:bodyPr/>
+          <a:lstStyle/>
+          <a:p>
+            <a:r>
+              <a:rPr lang="en-US" altLang="ja-JP" i="1" dirty="0"/>
+              <a:t>image</a:t>
+            </a:r>
+          </a:p>
+          <a:p>
+            <a:pPr lvl="1"/>
+            <a:r>
+              <a:rPr lang="en-US" altLang="ja-JP" dirty="0"/>
+              <a:t>container</a:t>
+            </a:r>
+            <a:r>
+              <a:rPr lang="ja-JP" altLang="en-US" dirty="0"/>
+              <a:t>作成に使用されるスタンドアロンな</a:t>
+            </a:r>
+            <a:r>
+              <a:rPr lang="ja-JP" altLang="en-US" u="sng" dirty="0"/>
+              <a:t>実行可能ファイル</a:t>
+            </a:r>
+            <a:r>
+              <a:rPr lang="en-US" altLang="ja-JP" dirty="0"/>
+              <a:t>[x]</a:t>
+            </a:r>
+          </a:p>
+          <a:p>
+            <a:pPr lvl="2"/>
+            <a:r>
+              <a:rPr kumimoji="1" lang="ja-JP" altLang="en-US" dirty="0"/>
+              <a:t>自作の</a:t>
+            </a:r>
+            <a:r>
+              <a:rPr kumimoji="1" lang="en-US" altLang="ja-JP" b="1" dirty="0" err="1"/>
+              <a:t>Dockerfile</a:t>
+            </a:r>
+            <a:r>
+              <a:rPr kumimoji="1" lang="ja-JP" altLang="en-US" b="1" dirty="0"/>
+              <a:t>から</a:t>
+            </a:r>
+            <a:r>
+              <a:rPr lang="en-US" altLang="ja-JP" b="1" dirty="0"/>
+              <a:t>build</a:t>
+            </a:r>
+            <a:r>
+              <a:rPr lang="ja-JP" altLang="en-US" dirty="0"/>
+              <a:t> </a:t>
+            </a:r>
+            <a:r>
+              <a:rPr lang="en-US" altLang="ja-JP" dirty="0"/>
+              <a:t>or</a:t>
+            </a:r>
+            <a:r>
+              <a:rPr lang="ja-JP" altLang="en-US" dirty="0"/>
+              <a:t> クラウド上の既存</a:t>
+            </a:r>
+            <a:r>
+              <a:rPr lang="en-US" altLang="ja-JP" dirty="0"/>
+              <a:t>image</a:t>
+            </a:r>
+            <a:r>
+              <a:rPr lang="ja-JP" altLang="en-US" dirty="0"/>
+              <a:t>を</a:t>
+            </a:r>
+            <a:r>
+              <a:rPr lang="en-US" altLang="ja-JP" dirty="0"/>
+              <a:t>pull</a:t>
+            </a:r>
+            <a:endParaRPr kumimoji="1" lang="en-US" altLang="ja-JP" dirty="0"/>
+          </a:p>
+          <a:p>
+            <a:pPr lvl="2"/>
+            <a:r>
+              <a:rPr kumimoji="1" lang="ja-JP" altLang="en-US" dirty="0"/>
+              <a:t>必要な</a:t>
+            </a:r>
+            <a:r>
+              <a:rPr kumimoji="1" lang="ja-JP" altLang="en-US" b="1" dirty="0"/>
+              <a:t>ライブラリ，依存関係，ファイル</a:t>
+            </a:r>
+            <a:r>
+              <a:rPr kumimoji="1" lang="ja-JP" altLang="en-US" dirty="0"/>
+              <a:t>全てを内包</a:t>
+            </a:r>
+            <a:endParaRPr kumimoji="1" lang="en-US" altLang="ja-JP" dirty="0"/>
+          </a:p>
+          <a:p>
+            <a:pPr lvl="1"/>
+            <a:r>
+              <a:rPr kumimoji="1" lang="ja-JP" altLang="en-US" dirty="0"/>
+              <a:t>レイヤー構造</a:t>
+            </a:r>
+            <a:endParaRPr kumimoji="1" lang="en-US" altLang="ja-JP" dirty="0"/>
+          </a:p>
+          <a:p>
+            <a:pPr lvl="2"/>
+            <a:r>
+              <a:rPr kumimoji="1" lang="ja-JP" altLang="en-US" dirty="0"/>
+              <a:t>ベースイメージに対する差分</a:t>
+            </a:r>
+            <a:r>
+              <a:rPr kumimoji="1" lang="en-US" altLang="ja-JP" sz="1800" dirty="0"/>
+              <a:t>(</a:t>
+            </a:r>
+            <a:r>
+              <a:rPr kumimoji="1" lang="en-US" altLang="ja-JP" sz="1800" dirty="0" err="1"/>
+              <a:t>Dockerfile</a:t>
+            </a:r>
+            <a:r>
+              <a:rPr kumimoji="1" lang="ja-JP" altLang="en-US" sz="1800" dirty="0"/>
+              <a:t>の各命令</a:t>
+            </a:r>
+            <a:r>
+              <a:rPr kumimoji="1" lang="en-US" altLang="ja-JP" sz="1800" dirty="0"/>
+              <a:t>)</a:t>
+            </a:r>
+            <a:r>
+              <a:rPr kumimoji="1" lang="ja-JP" altLang="en-US" dirty="0"/>
+              <a:t>がレイヤーとして構築</a:t>
+            </a:r>
+            <a:endParaRPr kumimoji="1" lang="en-US" altLang="ja-JP" dirty="0"/>
+          </a:p>
+          <a:p>
+            <a:pPr lvl="1"/>
+            <a:endParaRPr kumimoji="1" lang="ja-JP" altLang="en-US" dirty="0"/>
+          </a:p>
+        </p:txBody>
+      </p:sp>
+      <p:sp>
+        <p:nvSpPr>
+          <p:cNvPr id="4" name="テキスト ボックス 3">
+            <a:extLst>
+              <a:ext uri="{FF2B5EF4-FFF2-40B4-BE49-F238E27FC236}">
+                <a16:creationId xmlns:a16="http://schemas.microsoft.com/office/drawing/2014/main" id="{DA317149-12A0-92F9-65EE-02DF436B7134}"/>
               </a:ext>
             </a:extLst>
           </p:cNvPr>
@@ -6756,8 +7651,8 @@
         </p:nvSpPr>
         <p:spPr>
           <a:xfrm>
-            <a:off x="504825" y="2438400"/>
-            <a:ext cx="11191875" cy="2123658"/>
+            <a:off x="76200" y="85725"/>
+            <a:ext cx="3676650" cy="369332"/>
           </a:xfrm>
           <a:prstGeom prst="rect">
             <a:avLst/>
@@ -6770,49 +7665,133 @@
           </a:bodyPr>
           <a:lstStyle/>
           <a:p>
-            <a:pPr algn="ctr"/>
-            <a:r>
-              <a:rPr lang="en-US" altLang="ja-JP" sz="6600" dirty="0">
-                <a:solidFill>
-                  <a:schemeClr val="bg1"/>
-                </a:solidFill>
-              </a:rPr>
-              <a:t>4.</a:t>
-            </a:r>
-          </a:p>
-          <a:p>
-            <a:pPr algn="ctr"/>
-            <a:r>
-              <a:rPr kumimoji="1" lang="ja-JP" altLang="en-US" sz="6600" b="1" dirty="0">
-                <a:solidFill>
-                  <a:schemeClr val="bg1"/>
-                </a:solidFill>
-              </a:rPr>
-              <a:t>長所</a:t>
-            </a:r>
-            <a:r>
-              <a:rPr kumimoji="1" lang="en-US" altLang="ja-JP" sz="6600" b="1" dirty="0">
-                <a:solidFill>
-                  <a:schemeClr val="bg1"/>
-                </a:solidFill>
-              </a:rPr>
-              <a:t>/</a:t>
-            </a:r>
-            <a:r>
-              <a:rPr kumimoji="1" lang="ja-JP" altLang="en-US" sz="6600" b="1" dirty="0">
-                <a:solidFill>
-                  <a:schemeClr val="bg1"/>
-                </a:solidFill>
-              </a:rPr>
-              <a:t>短所</a:t>
-            </a:r>
+            <a:r>
+              <a:rPr kumimoji="1" lang="en-US" altLang="ja-JP" dirty="0"/>
+              <a:t> </a:t>
+            </a:r>
+            <a:r>
+              <a:rPr kumimoji="1" lang="en-US" altLang="ja-JP" b="1" dirty="0">
+                <a:solidFill>
+                  <a:schemeClr val="tx1">
+                    <a:lumMod val="85000"/>
+                    <a:lumOff val="15000"/>
+                  </a:schemeClr>
+                </a:solidFill>
+              </a:rPr>
+              <a:t>3. </a:t>
+            </a:r>
+            <a:r>
+              <a:rPr lang="ja-JP" altLang="en-US" b="1" dirty="0">
+                <a:solidFill>
+                  <a:schemeClr val="tx1">
+                    <a:lumMod val="85000"/>
+                    <a:lumOff val="15000"/>
+                  </a:schemeClr>
+                </a:solidFill>
+              </a:rPr>
+              <a:t>主要アーキテクチャ </a:t>
+            </a:r>
+            <a:r>
+              <a:rPr lang="en-US" altLang="ja-JP" b="1" dirty="0">
+                <a:solidFill>
+                  <a:schemeClr val="tx1">
+                    <a:lumMod val="85000"/>
+                    <a:lumOff val="15000"/>
+                  </a:schemeClr>
+                </a:solidFill>
+              </a:rPr>
+              <a:t>&gt; </a:t>
+            </a:r>
+            <a:r>
+              <a:rPr lang="ja-JP" altLang="en-US" b="1" dirty="0">
+                <a:solidFill>
+                  <a:schemeClr val="tx1">
+                    <a:lumMod val="85000"/>
+                    <a:lumOff val="15000"/>
+                  </a:schemeClr>
+                </a:solidFill>
+              </a:rPr>
+              <a:t>用語</a:t>
+            </a:r>
+            <a:endParaRPr kumimoji="1" lang="ja-JP" altLang="en-US" b="1" dirty="0">
+              <a:solidFill>
+                <a:schemeClr val="tx1">
+                  <a:lumMod val="85000"/>
+                  <a:lumOff val="15000"/>
+                </a:schemeClr>
+              </a:solidFill>
+            </a:endParaRPr>
+          </a:p>
+        </p:txBody>
+      </p:sp>
+      <p:sp>
+        <p:nvSpPr>
+          <p:cNvPr id="5" name="テキスト ボックス 4">
+            <a:extLst>
+              <a:ext uri="{FF2B5EF4-FFF2-40B4-BE49-F238E27FC236}">
+                <a16:creationId xmlns:a16="http://schemas.microsoft.com/office/drawing/2014/main" id="{61B6A5D5-D1D2-E00B-9368-1C674ABB0DAB}"/>
+              </a:ext>
+            </a:extLst>
+          </p:cNvPr>
+          <p:cNvSpPr txBox="1"/>
+          <p:nvPr/>
+        </p:nvSpPr>
+        <p:spPr>
+          <a:xfrm>
+            <a:off x="0" y="6581001"/>
+            <a:ext cx="11439525" cy="276999"/>
+          </a:xfrm>
+          <a:prstGeom prst="rect">
+            <a:avLst/>
+          </a:prstGeom>
+          <a:noFill/>
+        </p:spPr>
+        <p:txBody>
+          <a:bodyPr wrap="square" rtlCol="0">
+            <a:spAutoFit/>
+          </a:bodyPr>
+          <a:lstStyle/>
+          <a:p>
+            <a:r>
+              <a:rPr kumimoji="1" lang="en-US" altLang="ja-JP" sz="1200" dirty="0"/>
+              <a:t>[x]</a:t>
+            </a:r>
+            <a:r>
+              <a:rPr lang="en-US" altLang="ja-JP" sz="1200" dirty="0"/>
+              <a:t>:</a:t>
+            </a:r>
+            <a:r>
+              <a:rPr lang="ja-JP" altLang="en-US" sz="1200" dirty="0"/>
+              <a:t> </a:t>
+            </a:r>
+            <a:r>
+              <a:rPr kumimoji="1" lang="en-US" altLang="ja-JP" sz="1200" dirty="0"/>
+              <a:t>Docker </a:t>
+            </a:r>
+            <a:r>
+              <a:rPr kumimoji="1" lang="ja-JP" altLang="en-US" sz="1200" dirty="0"/>
+              <a:t>イメージとコンテナの違い</a:t>
+            </a:r>
+            <a:r>
+              <a:rPr kumimoji="1" lang="en-US" altLang="ja-JP" sz="1200" dirty="0"/>
+              <a:t>, </a:t>
+            </a:r>
+            <a:r>
+              <a:rPr kumimoji="1" lang="en-US" altLang="ja-JP" sz="1200" dirty="0" err="1"/>
+              <a:t>aws</a:t>
+            </a:r>
+            <a:r>
+              <a:rPr kumimoji="1" lang="en-US" altLang="ja-JP" sz="1200" dirty="0"/>
+              <a:t>, https://aws.amazon.com/jp/compare/the-difference-between-docker-images-and-containers/</a:t>
+            </a:r>
+            <a:endParaRPr kumimoji="1" lang="ja-JP" altLang="en-US" sz="1200" dirty="0"/>
           </a:p>
         </p:txBody>
       </p:sp>
     </p:spTree>
     <p:extLst>
       <p:ext uri="{BB962C8B-B14F-4D97-AF65-F5344CB8AC3E}">
-        <p14:creationId xmlns:p14="http://schemas.microsoft.com/office/powerpoint/2010/main" val="2865134534"/>
+        <p14:creationId xmlns:p14="http://schemas.microsoft.com/office/powerpoint/2010/main" val="533456754"/>
       </p:ext>
     </p:extLst>
   </p:cSld>
@@ -6861,10 +7840,9 @@
           <a:lstStyle/>
           <a:p>
             <a:r>
-              <a:rPr lang="ja-JP" altLang="en-US" dirty="0"/>
-              <a:t>長所</a:t>
-            </a:r>
-            <a:endParaRPr kumimoji="1" lang="ja-JP" altLang="en-US" dirty="0"/>
+              <a:rPr kumimoji="1" lang="ja-JP" altLang="en-US" dirty="0"/>
+              <a:t>用語</a:t>
+            </a:r>
           </a:p>
         </p:txBody>
       </p:sp>
@@ -6890,98 +7868,44 @@
           <a:lstStyle/>
           <a:p>
             <a:r>
+              <a:rPr lang="en-US" altLang="ja-JP" i="1" dirty="0">
+                <a:solidFill>
+                  <a:schemeClr val="accent2"/>
+                </a:solidFill>
+              </a:rPr>
+              <a:t>container</a:t>
+            </a:r>
+          </a:p>
+          <a:p>
+            <a:pPr lvl="1"/>
+            <a:r>
+              <a:rPr lang="en-US" altLang="ja-JP" dirty="0"/>
+              <a:t>container</a:t>
+            </a:r>
+            <a:r>
               <a:rPr lang="ja-JP" altLang="en-US" dirty="0"/>
-              <a:t>効率性</a:t>
+              <a:t>作成に使用されるスタンドアロンな実行可能ファイル</a:t>
             </a:r>
             <a:endParaRPr lang="en-US" altLang="ja-JP" dirty="0"/>
           </a:p>
           <a:p>
+            <a:pPr lvl="2"/>
+            <a:r>
+              <a:rPr kumimoji="1" lang="ja-JP" altLang="en-US" b="1" dirty="0"/>
+              <a:t>ライブラリ，依存関係，ファイル</a:t>
+            </a:r>
+            <a:r>
+              <a:rPr kumimoji="1" lang="ja-JP" altLang="en-US" dirty="0"/>
+              <a:t>全てを内包</a:t>
+            </a:r>
+            <a:endParaRPr kumimoji="1" lang="en-US" altLang="ja-JP" dirty="0"/>
+          </a:p>
+          <a:p>
             <a:pPr lvl="1"/>
-            <a:r>
-              <a:rPr lang="en-US" altLang="ja-JP" dirty="0"/>
-              <a:t>VM</a:t>
-            </a:r>
-            <a:r>
-              <a:rPr lang="ja-JP" altLang="en-US" dirty="0"/>
-              <a:t>と比較し、</a:t>
-            </a:r>
-            <a:r>
-              <a:rPr lang="ja-JP" altLang="en-US" b="1" dirty="0">
-                <a:solidFill>
-                  <a:srgbClr val="FF0000"/>
-                </a:solidFill>
-              </a:rPr>
-              <a:t>起動オーバーヘッド</a:t>
-            </a:r>
-            <a:r>
-              <a:rPr lang="ja-JP" altLang="en-US" dirty="0"/>
-              <a:t>と</a:t>
-            </a:r>
-            <a:r>
-              <a:rPr lang="ja-JP" altLang="en-US" b="1" dirty="0">
-                <a:solidFill>
-                  <a:srgbClr val="FF0000"/>
-                </a:solidFill>
-              </a:rPr>
-              <a:t>リソース量</a:t>
-            </a:r>
-            <a:r>
-              <a:rPr lang="ja-JP" altLang="en-US" dirty="0"/>
-              <a:t>が</a:t>
-            </a:r>
-            <a:r>
-              <a:rPr lang="ja-JP" altLang="en-US" b="1" dirty="0"/>
-              <a:t>小</a:t>
-            </a:r>
-            <a:endParaRPr lang="en-US" altLang="ja-JP" b="1" dirty="0"/>
-          </a:p>
-          <a:p>
-            <a:r>
-              <a:rPr kumimoji="1" lang="ja-JP" altLang="en-US" dirty="0"/>
-              <a:t>一貫性</a:t>
-            </a:r>
-            <a:r>
-              <a:rPr kumimoji="1" lang="en-US" altLang="ja-JP" dirty="0"/>
-              <a:t>/</a:t>
-            </a:r>
-            <a:r>
-              <a:rPr kumimoji="1" lang="ja-JP" altLang="en-US" dirty="0"/>
-              <a:t>再現性</a:t>
-            </a:r>
             <a:endParaRPr kumimoji="1" lang="en-US" altLang="ja-JP" dirty="0"/>
           </a:p>
           <a:p>
             <a:pPr lvl="1"/>
-            <a:r>
-              <a:rPr kumimoji="1" lang="ja-JP" altLang="en-US" dirty="0"/>
-              <a:t>イミュータブル</a:t>
-            </a:r>
-            <a:r>
-              <a:rPr kumimoji="1" lang="en-US" altLang="ja-JP" dirty="0"/>
-              <a:t>	</a:t>
-            </a:r>
-          </a:p>
-          <a:p>
-            <a:r>
-              <a:rPr lang="ja-JP" altLang="en-US" dirty="0"/>
-              <a:t>可搬性</a:t>
-            </a:r>
-            <a:endParaRPr lang="en-US" altLang="ja-JP" dirty="0"/>
-          </a:p>
-          <a:p>
-            <a:pPr lvl="1"/>
-            <a:r>
-              <a:rPr kumimoji="1" lang="en-US" altLang="ja-JP" dirty="0"/>
-              <a:t>CI</a:t>
-            </a:r>
-            <a:r>
-              <a:rPr lang="en-US" altLang="ja-JP" dirty="0"/>
-              <a:t>/CD </a:t>
-            </a:r>
-            <a:r>
-              <a:rPr lang="ja-JP" altLang="en-US" dirty="0"/>
-              <a:t>の観点</a:t>
-            </a:r>
             <a:endParaRPr kumimoji="1" lang="ja-JP" altLang="en-US" dirty="0"/>
           </a:p>
         </p:txBody>
@@ -7027,10 +7951,10 @@
                   </a:schemeClr>
                 </a:solidFill>
               </a:rPr>
-              <a:t>4. </a:t>
-            </a:r>
-            <a:r>
-              <a:rPr kumimoji="1" lang="ja-JP" altLang="en-US" b="1" dirty="0">
+              <a:t>3. </a:t>
+            </a:r>
+            <a:r>
+              <a:rPr lang="ja-JP" altLang="en-US" b="1" dirty="0">
                 <a:solidFill>
                   <a:schemeClr val="tx1">
                     <a:lumMod val="85000"/>
@@ -7038,10 +7962,10 @@
                   </a:schemeClr>
                 </a:solidFill>
               </a:rPr>
-              <a:t>長所</a:t>
-            </a:r>
-            <a:r>
-              <a:rPr kumimoji="1" lang="en-US" altLang="ja-JP" b="1" dirty="0">
+              <a:t>主要アーキテクチャ </a:t>
+            </a:r>
+            <a:r>
+              <a:rPr lang="en-US" altLang="ja-JP" b="1" dirty="0">
                 <a:solidFill>
                   <a:schemeClr val="tx1">
                     <a:lumMod val="85000"/>
@@ -7049,10 +7973,10 @@
                   </a:schemeClr>
                 </a:solidFill>
               </a:rPr>
-              <a:t>/</a:t>
-            </a:r>
-            <a:r>
-              <a:rPr kumimoji="1" lang="ja-JP" altLang="en-US" b="1" dirty="0">
+              <a:t>&gt; </a:t>
+            </a:r>
+            <a:r>
+              <a:rPr lang="ja-JP" altLang="en-US" b="1" dirty="0">
                 <a:solidFill>
                   <a:schemeClr val="tx1">
                     <a:lumMod val="85000"/>
@@ -7060,15 +7984,23 @@
                   </a:schemeClr>
                 </a:solidFill>
               </a:rPr>
-              <a:t>短所 </a:t>
-            </a:r>
+              <a:t>用語</a:t>
+            </a:r>
+            <a:endParaRPr kumimoji="1" lang="ja-JP" altLang="en-US" b="1" dirty="0">
+              <a:solidFill>
+                <a:schemeClr val="tx1">
+                  <a:lumMod val="85000"/>
+                  <a:lumOff val="15000"/>
+                </a:schemeClr>
+              </a:solidFill>
+            </a:endParaRPr>
           </a:p>
         </p:txBody>
       </p:sp>
     </p:spTree>
     <p:extLst>
       <p:ext uri="{BB962C8B-B14F-4D97-AF65-F5344CB8AC3E}">
-        <p14:creationId xmlns:p14="http://schemas.microsoft.com/office/powerpoint/2010/main" val="3178969580"/>
+        <p14:creationId xmlns:p14="http://schemas.microsoft.com/office/powerpoint/2010/main" val="3108265407"/>
       </p:ext>
     </p:extLst>
   </p:cSld>
@@ -7079,178 +8011,6 @@
 </file>
 
 <file path=ppt/slides/slide17.xml><?xml version="1.0" encoding="utf-8"?>
-<p:sld xmlns:a="http://schemas.openxmlformats.org/drawingml/2006/main" xmlns:r="http://schemas.openxmlformats.org/officeDocument/2006/relationships" xmlns:p="http://schemas.openxmlformats.org/presentationml/2006/main">
-  <p:cSld>
-    <p:spTree>
-      <p:nvGrpSpPr>
-        <p:cNvPr id="1" name=""/>
-        <p:cNvGrpSpPr/>
-        <p:nvPr/>
-      </p:nvGrpSpPr>
-      <p:grpSpPr>
-        <a:xfrm>
-          <a:off x="0" y="0"/>
-          <a:ext cx="0" cy="0"/>
-          <a:chOff x="0" y="0"/>
-          <a:chExt cx="0" cy="0"/>
-        </a:xfrm>
-      </p:grpSpPr>
-      <p:sp>
-        <p:nvSpPr>
-          <p:cNvPr id="2" name="タイトル 1">
-            <a:extLst>
-              <a:ext uri="{FF2B5EF4-FFF2-40B4-BE49-F238E27FC236}">
-                <a16:creationId xmlns:a16="http://schemas.microsoft.com/office/drawing/2014/main" id="{5D85131E-AB32-0C13-F928-0BC8C7E25614}"/>
-              </a:ext>
-            </a:extLst>
-          </p:cNvPr>
-          <p:cNvSpPr>
-            <a:spLocks noGrp="1"/>
-          </p:cNvSpPr>
-          <p:nvPr>
-            <p:ph type="title"/>
-          </p:nvPr>
-        </p:nvSpPr>
-        <p:spPr/>
-        <p:txBody>
-          <a:bodyPr/>
-          <a:lstStyle/>
-          <a:p>
-            <a:r>
-              <a:rPr kumimoji="1" lang="ja-JP" altLang="en-US" dirty="0"/>
-              <a:t>短所</a:t>
-            </a:r>
-          </a:p>
-        </p:txBody>
-      </p:sp>
-      <p:sp>
-        <p:nvSpPr>
-          <p:cNvPr id="3" name="コンテンツ プレースホルダー 2">
-            <a:extLst>
-              <a:ext uri="{FF2B5EF4-FFF2-40B4-BE49-F238E27FC236}">
-                <a16:creationId xmlns:a16="http://schemas.microsoft.com/office/drawing/2014/main" id="{E1842FAB-83F8-8740-EA6D-D4B6CB48EB62}"/>
-              </a:ext>
-            </a:extLst>
-          </p:cNvPr>
-          <p:cNvSpPr>
-            <a:spLocks noGrp="1"/>
-          </p:cNvSpPr>
-          <p:nvPr>
-            <p:ph idx="1"/>
-          </p:nvPr>
-        </p:nvSpPr>
-        <p:spPr/>
-        <p:txBody>
-          <a:bodyPr/>
-          <a:lstStyle/>
-          <a:p>
-            <a:r>
-              <a:rPr kumimoji="1" lang="ja-JP" altLang="en-US" dirty="0"/>
-              <a:t>学習コスト</a:t>
-            </a:r>
-            <a:endParaRPr kumimoji="1" lang="en-US" altLang="ja-JP" dirty="0"/>
-          </a:p>
-          <a:p>
-            <a:r>
-              <a:rPr kumimoji="1" lang="ja-JP" altLang="en-US" dirty="0"/>
-              <a:t>セキュリティ</a:t>
-            </a:r>
-          </a:p>
-        </p:txBody>
-      </p:sp>
-      <p:sp>
-        <p:nvSpPr>
-          <p:cNvPr id="4" name="テキスト ボックス 3">
-            <a:extLst>
-              <a:ext uri="{FF2B5EF4-FFF2-40B4-BE49-F238E27FC236}">
-                <a16:creationId xmlns:a16="http://schemas.microsoft.com/office/drawing/2014/main" id="{DA317149-12A0-92F9-65EE-02DF436B7134}"/>
-              </a:ext>
-            </a:extLst>
-          </p:cNvPr>
-          <p:cNvSpPr txBox="1"/>
-          <p:nvPr/>
-        </p:nvSpPr>
-        <p:spPr>
-          <a:xfrm>
-            <a:off x="76200" y="85725"/>
-            <a:ext cx="3676650" cy="369332"/>
-          </a:xfrm>
-          <a:prstGeom prst="rect">
-            <a:avLst/>
-          </a:prstGeom>
-          <a:noFill/>
-        </p:spPr>
-        <p:txBody>
-          <a:bodyPr wrap="square" rtlCol="0">
-            <a:spAutoFit/>
-          </a:bodyPr>
-          <a:lstStyle/>
-          <a:p>
-            <a:r>
-              <a:rPr kumimoji="1" lang="en-US" altLang="ja-JP" dirty="0"/>
-              <a:t> </a:t>
-            </a:r>
-            <a:r>
-              <a:rPr kumimoji="1" lang="en-US" altLang="ja-JP" b="1" dirty="0">
-                <a:solidFill>
-                  <a:schemeClr val="tx1">
-                    <a:lumMod val="85000"/>
-                    <a:lumOff val="15000"/>
-                  </a:schemeClr>
-                </a:solidFill>
-              </a:rPr>
-              <a:t>4. </a:t>
-            </a:r>
-            <a:r>
-              <a:rPr kumimoji="1" lang="ja-JP" altLang="en-US" b="1" dirty="0">
-                <a:solidFill>
-                  <a:schemeClr val="tx1">
-                    <a:lumMod val="85000"/>
-                    <a:lumOff val="15000"/>
-                  </a:schemeClr>
-                </a:solidFill>
-              </a:rPr>
-              <a:t>長所</a:t>
-            </a:r>
-            <a:r>
-              <a:rPr kumimoji="1" lang="en-US" altLang="ja-JP" b="1" dirty="0">
-                <a:solidFill>
-                  <a:schemeClr val="tx1">
-                    <a:lumMod val="85000"/>
-                    <a:lumOff val="15000"/>
-                  </a:schemeClr>
-                </a:solidFill>
-              </a:rPr>
-              <a:t>/</a:t>
-            </a:r>
-            <a:r>
-              <a:rPr kumimoji="1" lang="ja-JP" altLang="en-US" b="1" dirty="0">
-                <a:solidFill>
-                  <a:schemeClr val="tx1">
-                    <a:lumMod val="85000"/>
-                    <a:lumOff val="15000"/>
-                  </a:schemeClr>
-                </a:solidFill>
-              </a:rPr>
-              <a:t>短所 </a:t>
-            </a:r>
-          </a:p>
-        </p:txBody>
-      </p:sp>
-    </p:spTree>
-    <p:extLst>
-      <p:ext uri="{BB962C8B-B14F-4D97-AF65-F5344CB8AC3E}">
-        <p14:creationId xmlns:p14="http://schemas.microsoft.com/office/powerpoint/2010/main" val="911058408"/>
-      </p:ext>
-    </p:extLst>
-  </p:cSld>
-  <p:clrMapOvr>
-    <a:masterClrMapping/>
-  </p:clrMapOvr>
-</p:sld>
-</file>
-
-<file path=ppt/slides/slide18.xml><?xml version="1.0" encoding="utf-8"?>
 <p:sld xmlns:a="http://schemas.openxmlformats.org/drawingml/2006/main" xmlns:r="http://schemas.openxmlformats.org/officeDocument/2006/relationships" xmlns:p="http://schemas.openxmlformats.org/presentationml/2006/main">
   <p:cSld>
     <p:bg>
@@ -7304,34 +8064,476 @@
           <a:lstStyle/>
           <a:p>
             <a:pPr algn="ctr"/>
-            <a:endParaRPr lang="en-US" altLang="ja-JP" sz="6600" dirty="0">
-              <a:solidFill>
-                <a:schemeClr val="bg1"/>
-              </a:solidFill>
-            </a:endParaRPr>
+            <a:r>
+              <a:rPr lang="en-US" altLang="ja-JP" sz="6600" dirty="0">
+                <a:solidFill>
+                  <a:schemeClr val="bg1"/>
+                </a:solidFill>
+              </a:rPr>
+              <a:t>4.</a:t>
+            </a:r>
           </a:p>
           <a:p>
             <a:pPr algn="ctr"/>
             <a:r>
-              <a:rPr lang="ja-JP" altLang="en-US" sz="6600" b="1" dirty="0">
+              <a:rPr kumimoji="1" lang="ja-JP" altLang="en-US" sz="6600" b="1" dirty="0">
                 <a:solidFill>
                   <a:schemeClr val="bg1"/>
                 </a:solidFill>
               </a:rPr>
-              <a:t>付録</a:t>
-            </a:r>
-            <a:endParaRPr kumimoji="1" lang="ja-JP" altLang="en-US" sz="6600" b="1" dirty="0">
-              <a:solidFill>
-                <a:schemeClr val="bg1"/>
-              </a:solidFill>
-            </a:endParaRPr>
+              <a:t>長所</a:t>
+            </a:r>
+            <a:r>
+              <a:rPr kumimoji="1" lang="en-US" altLang="ja-JP" sz="6600" b="1" dirty="0">
+                <a:solidFill>
+                  <a:schemeClr val="bg1"/>
+                </a:solidFill>
+              </a:rPr>
+              <a:t>/</a:t>
+            </a:r>
+            <a:r>
+              <a:rPr kumimoji="1" lang="ja-JP" altLang="en-US" sz="6600" b="1" dirty="0">
+                <a:solidFill>
+                  <a:schemeClr val="bg1"/>
+                </a:solidFill>
+              </a:rPr>
+              <a:t>短所</a:t>
+            </a:r>
           </a:p>
         </p:txBody>
       </p:sp>
     </p:spTree>
     <p:extLst>
       <p:ext uri="{BB962C8B-B14F-4D97-AF65-F5344CB8AC3E}">
-        <p14:creationId xmlns:p14="http://schemas.microsoft.com/office/powerpoint/2010/main" val="1422193423"/>
+        <p14:creationId xmlns:p14="http://schemas.microsoft.com/office/powerpoint/2010/main" val="2865134534"/>
+      </p:ext>
+    </p:extLst>
+  </p:cSld>
+  <p:clrMapOvr>
+    <a:masterClrMapping/>
+  </p:clrMapOvr>
+</p:sld>
+</file>
+
+<file path=ppt/slides/slide18.xml><?xml version="1.0" encoding="utf-8"?>
+<p:sld xmlns:a="http://schemas.openxmlformats.org/drawingml/2006/main" xmlns:r="http://schemas.openxmlformats.org/officeDocument/2006/relationships" xmlns:p="http://schemas.openxmlformats.org/presentationml/2006/main">
+  <p:cSld>
+    <p:spTree>
+      <p:nvGrpSpPr>
+        <p:cNvPr id="1" name=""/>
+        <p:cNvGrpSpPr/>
+        <p:nvPr/>
+      </p:nvGrpSpPr>
+      <p:grpSpPr>
+        <a:xfrm>
+          <a:off x="0" y="0"/>
+          <a:ext cx="0" cy="0"/>
+          <a:chOff x="0" y="0"/>
+          <a:chExt cx="0" cy="0"/>
+        </a:xfrm>
+      </p:grpSpPr>
+      <p:sp>
+        <p:nvSpPr>
+          <p:cNvPr id="2" name="タイトル 1">
+            <a:extLst>
+              <a:ext uri="{FF2B5EF4-FFF2-40B4-BE49-F238E27FC236}">
+                <a16:creationId xmlns:a16="http://schemas.microsoft.com/office/drawing/2014/main" id="{5D85131E-AB32-0C13-F928-0BC8C7E25614}"/>
+              </a:ext>
+            </a:extLst>
+          </p:cNvPr>
+          <p:cNvSpPr>
+            <a:spLocks noGrp="1"/>
+          </p:cNvSpPr>
+          <p:nvPr>
+            <p:ph type="title"/>
+          </p:nvPr>
+        </p:nvSpPr>
+        <p:spPr/>
+        <p:txBody>
+          <a:bodyPr/>
+          <a:lstStyle/>
+          <a:p>
+            <a:r>
+              <a:rPr lang="ja-JP" altLang="en-US" dirty="0"/>
+              <a:t>長所</a:t>
+            </a:r>
+            <a:endParaRPr kumimoji="1" lang="ja-JP" altLang="en-US" dirty="0"/>
+          </a:p>
+        </p:txBody>
+      </p:sp>
+      <p:sp>
+        <p:nvSpPr>
+          <p:cNvPr id="3" name="コンテンツ プレースホルダー 2">
+            <a:extLst>
+              <a:ext uri="{FF2B5EF4-FFF2-40B4-BE49-F238E27FC236}">
+                <a16:creationId xmlns:a16="http://schemas.microsoft.com/office/drawing/2014/main" id="{E1842FAB-83F8-8740-EA6D-D4B6CB48EB62}"/>
+              </a:ext>
+            </a:extLst>
+          </p:cNvPr>
+          <p:cNvSpPr>
+            <a:spLocks noGrp="1"/>
+          </p:cNvSpPr>
+          <p:nvPr>
+            <p:ph idx="1"/>
+          </p:nvPr>
+        </p:nvSpPr>
+        <p:spPr/>
+        <p:txBody>
+          <a:bodyPr/>
+          <a:lstStyle/>
+          <a:p>
+            <a:r>
+              <a:rPr lang="ja-JP" altLang="en-US" dirty="0"/>
+              <a:t>効率性</a:t>
+            </a:r>
+            <a:endParaRPr lang="en-US" altLang="ja-JP" dirty="0"/>
+          </a:p>
+          <a:p>
+            <a:pPr lvl="1"/>
+            <a:r>
+              <a:rPr lang="en-US" altLang="ja-JP" dirty="0"/>
+              <a:t>VM</a:t>
+            </a:r>
+            <a:r>
+              <a:rPr lang="ja-JP" altLang="en-US" dirty="0"/>
+              <a:t>と比較し，</a:t>
+            </a:r>
+            <a:r>
+              <a:rPr lang="ja-JP" altLang="en-US" b="1" dirty="0">
+                <a:solidFill>
+                  <a:srgbClr val="FF0000"/>
+                </a:solidFill>
+              </a:rPr>
+              <a:t>起動オーバーヘッド</a:t>
+            </a:r>
+            <a:r>
+              <a:rPr lang="ja-JP" altLang="en-US" dirty="0"/>
+              <a:t>と</a:t>
+            </a:r>
+            <a:r>
+              <a:rPr lang="ja-JP" altLang="en-US" b="1" dirty="0">
+                <a:solidFill>
+                  <a:srgbClr val="FF0000"/>
+                </a:solidFill>
+              </a:rPr>
+              <a:t>リソース量</a:t>
+            </a:r>
+            <a:r>
+              <a:rPr lang="ja-JP" altLang="en-US" dirty="0"/>
+              <a:t>が</a:t>
+            </a:r>
+            <a:r>
+              <a:rPr lang="ja-JP" altLang="en-US" b="1" dirty="0"/>
+              <a:t>小</a:t>
+            </a:r>
+            <a:endParaRPr lang="en-US" altLang="ja-JP" b="1" dirty="0"/>
+          </a:p>
+          <a:p>
+            <a:r>
+              <a:rPr kumimoji="1" lang="ja-JP" altLang="en-US" dirty="0"/>
+              <a:t>一貫性</a:t>
+            </a:r>
+            <a:r>
+              <a:rPr kumimoji="1" lang="en-US" altLang="ja-JP" dirty="0"/>
+              <a:t>/</a:t>
+            </a:r>
+            <a:r>
+              <a:rPr kumimoji="1" lang="ja-JP" altLang="en-US" dirty="0"/>
+              <a:t>再現性</a:t>
+            </a:r>
+            <a:endParaRPr kumimoji="1" lang="en-US" altLang="ja-JP" dirty="0"/>
+          </a:p>
+          <a:p>
+            <a:pPr lvl="1"/>
+            <a:r>
+              <a:rPr kumimoji="1" lang="ja-JP" altLang="en-US" dirty="0"/>
+              <a:t>イミュータブル</a:t>
+            </a:r>
+            <a:r>
+              <a:rPr kumimoji="1" lang="en-US" altLang="ja-JP" dirty="0"/>
+              <a:t>	</a:t>
+            </a:r>
+          </a:p>
+          <a:p>
+            <a:r>
+              <a:rPr lang="ja-JP" altLang="en-US" dirty="0"/>
+              <a:t>可搬性</a:t>
+            </a:r>
+            <a:endParaRPr lang="en-US" altLang="ja-JP" dirty="0"/>
+          </a:p>
+          <a:p>
+            <a:pPr lvl="1"/>
+            <a:r>
+              <a:rPr kumimoji="1" lang="en-US" altLang="ja-JP" dirty="0"/>
+              <a:t>CI</a:t>
+            </a:r>
+            <a:r>
+              <a:rPr lang="en-US" altLang="ja-JP" dirty="0"/>
+              <a:t>/CD </a:t>
+            </a:r>
+            <a:r>
+              <a:rPr lang="ja-JP" altLang="en-US" dirty="0"/>
+              <a:t>の観点</a:t>
+            </a:r>
+            <a:endParaRPr kumimoji="1" lang="ja-JP" altLang="en-US" dirty="0"/>
+          </a:p>
+        </p:txBody>
+      </p:sp>
+      <p:sp>
+        <p:nvSpPr>
+          <p:cNvPr id="4" name="テキスト ボックス 3">
+            <a:extLst>
+              <a:ext uri="{FF2B5EF4-FFF2-40B4-BE49-F238E27FC236}">
+                <a16:creationId xmlns:a16="http://schemas.microsoft.com/office/drawing/2014/main" id="{DA317149-12A0-92F9-65EE-02DF436B7134}"/>
+              </a:ext>
+            </a:extLst>
+          </p:cNvPr>
+          <p:cNvSpPr txBox="1"/>
+          <p:nvPr/>
+        </p:nvSpPr>
+        <p:spPr>
+          <a:xfrm>
+            <a:off x="76200" y="85725"/>
+            <a:ext cx="3676650" cy="369332"/>
+          </a:xfrm>
+          <a:prstGeom prst="rect">
+            <a:avLst/>
+          </a:prstGeom>
+          <a:noFill/>
+        </p:spPr>
+        <p:txBody>
+          <a:bodyPr wrap="square" rtlCol="0">
+            <a:spAutoFit/>
+          </a:bodyPr>
+          <a:lstStyle/>
+          <a:p>
+            <a:r>
+              <a:rPr kumimoji="1" lang="en-US" altLang="ja-JP" dirty="0"/>
+              <a:t> </a:t>
+            </a:r>
+            <a:r>
+              <a:rPr kumimoji="1" lang="en-US" altLang="ja-JP" b="1" dirty="0">
+                <a:solidFill>
+                  <a:schemeClr val="tx1">
+                    <a:lumMod val="85000"/>
+                    <a:lumOff val="15000"/>
+                  </a:schemeClr>
+                </a:solidFill>
+              </a:rPr>
+              <a:t>4. </a:t>
+            </a:r>
+            <a:r>
+              <a:rPr kumimoji="1" lang="ja-JP" altLang="en-US" b="1" dirty="0">
+                <a:solidFill>
+                  <a:schemeClr val="tx1">
+                    <a:lumMod val="85000"/>
+                    <a:lumOff val="15000"/>
+                  </a:schemeClr>
+                </a:solidFill>
+              </a:rPr>
+              <a:t>長所</a:t>
+            </a:r>
+            <a:r>
+              <a:rPr kumimoji="1" lang="en-US" altLang="ja-JP" b="1" dirty="0">
+                <a:solidFill>
+                  <a:schemeClr val="tx1">
+                    <a:lumMod val="85000"/>
+                    <a:lumOff val="15000"/>
+                  </a:schemeClr>
+                </a:solidFill>
+              </a:rPr>
+              <a:t>/</a:t>
+            </a:r>
+            <a:r>
+              <a:rPr kumimoji="1" lang="ja-JP" altLang="en-US" b="1" dirty="0">
+                <a:solidFill>
+                  <a:schemeClr val="tx1">
+                    <a:lumMod val="85000"/>
+                    <a:lumOff val="15000"/>
+                  </a:schemeClr>
+                </a:solidFill>
+              </a:rPr>
+              <a:t>短所 </a:t>
+            </a:r>
+          </a:p>
+        </p:txBody>
+      </p:sp>
+    </p:spTree>
+    <p:extLst>
+      <p:ext uri="{BB962C8B-B14F-4D97-AF65-F5344CB8AC3E}">
+        <p14:creationId xmlns:p14="http://schemas.microsoft.com/office/powerpoint/2010/main" val="3178969580"/>
+      </p:ext>
+    </p:extLst>
+  </p:cSld>
+  <p:clrMapOvr>
+    <a:masterClrMapping/>
+  </p:clrMapOvr>
+</p:sld>
+</file>
+
+<file path=ppt/slides/slide19.xml><?xml version="1.0" encoding="utf-8"?>
+<p:sld xmlns:a="http://schemas.openxmlformats.org/drawingml/2006/main" xmlns:r="http://schemas.openxmlformats.org/officeDocument/2006/relationships" xmlns:p="http://schemas.openxmlformats.org/presentationml/2006/main">
+  <p:cSld>
+    <p:spTree>
+      <p:nvGrpSpPr>
+        <p:cNvPr id="1" name=""/>
+        <p:cNvGrpSpPr/>
+        <p:nvPr/>
+      </p:nvGrpSpPr>
+      <p:grpSpPr>
+        <a:xfrm>
+          <a:off x="0" y="0"/>
+          <a:ext cx="0" cy="0"/>
+          <a:chOff x="0" y="0"/>
+          <a:chExt cx="0" cy="0"/>
+        </a:xfrm>
+      </p:grpSpPr>
+      <p:sp>
+        <p:nvSpPr>
+          <p:cNvPr id="2" name="タイトル 1">
+            <a:extLst>
+              <a:ext uri="{FF2B5EF4-FFF2-40B4-BE49-F238E27FC236}">
+                <a16:creationId xmlns:a16="http://schemas.microsoft.com/office/drawing/2014/main" id="{5D85131E-AB32-0C13-F928-0BC8C7E25614}"/>
+              </a:ext>
+            </a:extLst>
+          </p:cNvPr>
+          <p:cNvSpPr>
+            <a:spLocks noGrp="1"/>
+          </p:cNvSpPr>
+          <p:nvPr>
+            <p:ph type="title"/>
+          </p:nvPr>
+        </p:nvSpPr>
+        <p:spPr/>
+        <p:txBody>
+          <a:bodyPr/>
+          <a:lstStyle/>
+          <a:p>
+            <a:r>
+              <a:rPr kumimoji="1" lang="ja-JP" altLang="en-US" dirty="0"/>
+              <a:t>短所</a:t>
+            </a:r>
+          </a:p>
+        </p:txBody>
+      </p:sp>
+      <p:sp>
+        <p:nvSpPr>
+          <p:cNvPr id="3" name="コンテンツ プレースホルダー 2">
+            <a:extLst>
+              <a:ext uri="{FF2B5EF4-FFF2-40B4-BE49-F238E27FC236}">
+                <a16:creationId xmlns:a16="http://schemas.microsoft.com/office/drawing/2014/main" id="{E1842FAB-83F8-8740-EA6D-D4B6CB48EB62}"/>
+              </a:ext>
+            </a:extLst>
+          </p:cNvPr>
+          <p:cNvSpPr>
+            <a:spLocks noGrp="1"/>
+          </p:cNvSpPr>
+          <p:nvPr>
+            <p:ph idx="1"/>
+          </p:nvPr>
+        </p:nvSpPr>
+        <p:spPr/>
+        <p:txBody>
+          <a:bodyPr/>
+          <a:lstStyle/>
+          <a:p>
+            <a:r>
+              <a:rPr kumimoji="1" lang="ja-JP" altLang="en-US" dirty="0"/>
+              <a:t>学習コスト</a:t>
+            </a:r>
+            <a:endParaRPr kumimoji="1" lang="en-US" altLang="ja-JP" dirty="0"/>
+          </a:p>
+          <a:p>
+            <a:r>
+              <a:rPr kumimoji="1" lang="ja-JP" altLang="en-US" dirty="0"/>
+              <a:t>セキュリティ</a:t>
+            </a:r>
+          </a:p>
+        </p:txBody>
+      </p:sp>
+      <p:sp>
+        <p:nvSpPr>
+          <p:cNvPr id="4" name="テキスト ボックス 3">
+            <a:extLst>
+              <a:ext uri="{FF2B5EF4-FFF2-40B4-BE49-F238E27FC236}">
+                <a16:creationId xmlns:a16="http://schemas.microsoft.com/office/drawing/2014/main" id="{DA317149-12A0-92F9-65EE-02DF436B7134}"/>
+              </a:ext>
+            </a:extLst>
+          </p:cNvPr>
+          <p:cNvSpPr txBox="1"/>
+          <p:nvPr/>
+        </p:nvSpPr>
+        <p:spPr>
+          <a:xfrm>
+            <a:off x="76200" y="85725"/>
+            <a:ext cx="3676650" cy="369332"/>
+          </a:xfrm>
+          <a:prstGeom prst="rect">
+            <a:avLst/>
+          </a:prstGeom>
+          <a:noFill/>
+        </p:spPr>
+        <p:txBody>
+          <a:bodyPr wrap="square" rtlCol="0">
+            <a:spAutoFit/>
+          </a:bodyPr>
+          <a:lstStyle/>
+          <a:p>
+            <a:r>
+              <a:rPr kumimoji="1" lang="en-US" altLang="ja-JP" dirty="0"/>
+              <a:t> </a:t>
+            </a:r>
+            <a:r>
+              <a:rPr kumimoji="1" lang="en-US" altLang="ja-JP" b="1" dirty="0">
+                <a:solidFill>
+                  <a:schemeClr val="tx1">
+                    <a:lumMod val="85000"/>
+                    <a:lumOff val="15000"/>
+                  </a:schemeClr>
+                </a:solidFill>
+              </a:rPr>
+              <a:t>4. </a:t>
+            </a:r>
+            <a:r>
+              <a:rPr kumimoji="1" lang="ja-JP" altLang="en-US" b="1" dirty="0">
+                <a:solidFill>
+                  <a:schemeClr val="tx1">
+                    <a:lumMod val="85000"/>
+                    <a:lumOff val="15000"/>
+                  </a:schemeClr>
+                </a:solidFill>
+              </a:rPr>
+              <a:t>長所</a:t>
+            </a:r>
+            <a:r>
+              <a:rPr kumimoji="1" lang="en-US" altLang="ja-JP" b="1" dirty="0">
+                <a:solidFill>
+                  <a:schemeClr val="tx1">
+                    <a:lumMod val="85000"/>
+                    <a:lumOff val="15000"/>
+                  </a:schemeClr>
+                </a:solidFill>
+              </a:rPr>
+              <a:t>/</a:t>
+            </a:r>
+            <a:r>
+              <a:rPr kumimoji="1" lang="ja-JP" altLang="en-US" b="1" dirty="0">
+                <a:solidFill>
+                  <a:schemeClr val="tx1">
+                    <a:lumMod val="85000"/>
+                    <a:lumOff val="15000"/>
+                  </a:schemeClr>
+                </a:solidFill>
+              </a:rPr>
+              <a:t>短所 </a:t>
+            </a:r>
+          </a:p>
+        </p:txBody>
+      </p:sp>
+    </p:spTree>
+    <p:extLst>
+      <p:ext uri="{BB962C8B-B14F-4D97-AF65-F5344CB8AC3E}">
+        <p14:creationId xmlns:p14="http://schemas.microsoft.com/office/powerpoint/2010/main" val="911058408"/>
       </p:ext>
     </p:extLst>
   </p:cSld>
@@ -7534,6 +8736,97 @@
     <p:extLst>
       <p:ext uri="{BB962C8B-B14F-4D97-AF65-F5344CB8AC3E}">
         <p14:creationId xmlns:p14="http://schemas.microsoft.com/office/powerpoint/2010/main" val="3862179989"/>
+      </p:ext>
+    </p:extLst>
+  </p:cSld>
+  <p:clrMapOvr>
+    <a:masterClrMapping/>
+  </p:clrMapOvr>
+</p:sld>
+</file>
+
+<file path=ppt/slides/slide20.xml><?xml version="1.0" encoding="utf-8"?>
+<p:sld xmlns:a="http://schemas.openxmlformats.org/drawingml/2006/main" xmlns:r="http://schemas.openxmlformats.org/officeDocument/2006/relationships" xmlns:p="http://schemas.openxmlformats.org/presentationml/2006/main">
+  <p:cSld>
+    <p:bg>
+      <p:bgPr>
+        <a:solidFill>
+          <a:schemeClr val="accent1"/>
+        </a:solidFill>
+        <a:effectLst/>
+      </p:bgPr>
+    </p:bg>
+    <p:spTree>
+      <p:nvGrpSpPr>
+        <p:cNvPr id="1" name=""/>
+        <p:cNvGrpSpPr/>
+        <p:nvPr/>
+      </p:nvGrpSpPr>
+      <p:grpSpPr>
+        <a:xfrm>
+          <a:off x="0" y="0"/>
+          <a:ext cx="0" cy="0"/>
+          <a:chOff x="0" y="0"/>
+          <a:chExt cx="0" cy="0"/>
+        </a:xfrm>
+      </p:grpSpPr>
+      <p:sp>
+        <p:nvSpPr>
+          <p:cNvPr id="2" name="テキスト ボックス 1">
+            <a:extLst>
+              <a:ext uri="{FF2B5EF4-FFF2-40B4-BE49-F238E27FC236}">
+                <a16:creationId xmlns:a16="http://schemas.microsoft.com/office/drawing/2014/main" id="{463D0785-186A-FC28-9B7A-5D2B59539000}"/>
+              </a:ext>
+            </a:extLst>
+          </p:cNvPr>
+          <p:cNvSpPr txBox="1"/>
+          <p:nvPr/>
+        </p:nvSpPr>
+        <p:spPr>
+          <a:xfrm>
+            <a:off x="504825" y="2438400"/>
+            <a:ext cx="11191875" cy="2123658"/>
+          </a:xfrm>
+          <a:prstGeom prst="rect">
+            <a:avLst/>
+          </a:prstGeom>
+          <a:noFill/>
+        </p:spPr>
+        <p:txBody>
+          <a:bodyPr wrap="square" rtlCol="0">
+            <a:spAutoFit/>
+          </a:bodyPr>
+          <a:lstStyle/>
+          <a:p>
+            <a:pPr algn="ctr"/>
+            <a:endParaRPr lang="en-US" altLang="ja-JP" sz="6600" dirty="0">
+              <a:solidFill>
+                <a:schemeClr val="bg1"/>
+              </a:solidFill>
+            </a:endParaRPr>
+          </a:p>
+          <a:p>
+            <a:pPr algn="ctr"/>
+            <a:r>
+              <a:rPr lang="ja-JP" altLang="en-US" sz="6600" b="1" dirty="0">
+                <a:solidFill>
+                  <a:schemeClr val="bg1"/>
+                </a:solidFill>
+              </a:rPr>
+              <a:t>付録</a:t>
+            </a:r>
+            <a:endParaRPr kumimoji="1" lang="ja-JP" altLang="en-US" sz="6600" b="1" dirty="0">
+              <a:solidFill>
+                <a:schemeClr val="bg1"/>
+              </a:solidFill>
+            </a:endParaRPr>
+          </a:p>
+        </p:txBody>
+      </p:sp>
+    </p:spTree>
+    <p:extLst>
+      <p:ext uri="{BB962C8B-B14F-4D97-AF65-F5344CB8AC3E}">
+        <p14:creationId xmlns:p14="http://schemas.microsoft.com/office/powerpoint/2010/main" val="1422193423"/>
       </p:ext>
     </p:extLst>
   </p:cSld>
@@ -8377,14 +9670,6 @@
 <file path=ppt/slides/slide7.xml><?xml version="1.0" encoding="utf-8"?>
 <p:sld xmlns:a="http://schemas.openxmlformats.org/drawingml/2006/main" xmlns:r="http://schemas.openxmlformats.org/officeDocument/2006/relationships" xmlns:p="http://schemas.openxmlformats.org/presentationml/2006/main">
   <p:cSld>
-    <p:bg>
-      <p:bgPr>
-        <a:solidFill>
-          <a:schemeClr val="accent1"/>
-        </a:solidFill>
-        <a:effectLst/>
-      </p:bgPr>
-    </p:bg>
     <p:spTree>
       <p:nvGrpSpPr>
         <p:cNvPr id="1" name=""/>
@@ -8401,10 +9686,51 @@
       </p:grpSpPr>
       <p:sp>
         <p:nvSpPr>
-          <p:cNvPr id="2" name="テキスト ボックス 1">
-            <a:extLst>
-              <a:ext uri="{FF2B5EF4-FFF2-40B4-BE49-F238E27FC236}">
-                <a16:creationId xmlns:a16="http://schemas.microsoft.com/office/drawing/2014/main" id="{463D0785-186A-FC28-9B7A-5D2B59539000}"/>
+          <p:cNvPr id="2" name="タイトル 1">
+            <a:extLst>
+              <a:ext uri="{FF2B5EF4-FFF2-40B4-BE49-F238E27FC236}">
+                <a16:creationId xmlns:a16="http://schemas.microsoft.com/office/drawing/2014/main" id="{404F5B6D-666E-D5A2-5491-2297C3D44DAA}"/>
+              </a:ext>
+            </a:extLst>
+          </p:cNvPr>
+          <p:cNvSpPr>
+            <a:spLocks noGrp="1"/>
+          </p:cNvSpPr>
+          <p:nvPr>
+            <p:ph type="title"/>
+          </p:nvPr>
+        </p:nvSpPr>
+        <p:spPr/>
+        <p:txBody>
+          <a:bodyPr/>
+          <a:lstStyle/>
+          <a:p>
+            <a:r>
+              <a:rPr kumimoji="1" lang="en-US" altLang="ja-JP" dirty="0"/>
+              <a:t>VM </a:t>
+            </a:r>
+            <a:r>
+              <a:rPr lang="en-US" altLang="ja-JP" sz="2400" dirty="0"/>
+              <a:t>vs</a:t>
+            </a:r>
+            <a:r>
+              <a:rPr kumimoji="1" lang="ja-JP" altLang="en-US" sz="2400" dirty="0"/>
+              <a:t> </a:t>
+            </a:r>
+            <a:r>
+              <a:rPr kumimoji="1" lang="en-US" altLang="ja-JP" dirty="0"/>
+              <a:t>Container</a:t>
+            </a:r>
+            <a:endParaRPr kumimoji="1" lang="ja-JP" altLang="en-US" dirty="0"/>
+          </a:p>
+        </p:txBody>
+      </p:sp>
+      <p:sp>
+        <p:nvSpPr>
+          <p:cNvPr id="4" name="テキスト ボックス 3">
+            <a:extLst>
+              <a:ext uri="{FF2B5EF4-FFF2-40B4-BE49-F238E27FC236}">
+                <a16:creationId xmlns:a16="http://schemas.microsoft.com/office/drawing/2014/main" id="{3B8E82B7-A7CD-A617-C786-6836D57F5D17}"/>
               </a:ext>
             </a:extLst>
           </p:cNvPr>
@@ -8413,8 +9739,8 @@
         </p:nvSpPr>
         <p:spPr>
           <a:xfrm>
-            <a:off x="504825" y="2438400"/>
-            <a:ext cx="11191875" cy="2123658"/>
+            <a:off x="76200" y="85725"/>
+            <a:ext cx="3676650" cy="369332"/>
           </a:xfrm>
           <a:prstGeom prst="rect">
             <a:avLst/>
@@ -8427,41 +9753,983 @@
           </a:bodyPr>
           <a:lstStyle/>
           <a:p>
+            <a:r>
+              <a:rPr kumimoji="1" lang="en-US" altLang="ja-JP" dirty="0"/>
+              <a:t> </a:t>
+            </a:r>
+            <a:r>
+              <a:rPr kumimoji="1" lang="en-US" altLang="ja-JP" b="1" dirty="0">
+                <a:solidFill>
+                  <a:schemeClr val="tx1">
+                    <a:lumMod val="85000"/>
+                    <a:lumOff val="15000"/>
+                  </a:schemeClr>
+                </a:solidFill>
+              </a:rPr>
+              <a:t>1. </a:t>
+            </a:r>
+            <a:r>
+              <a:rPr kumimoji="1" lang="ja-JP" altLang="en-US" b="1" dirty="0">
+                <a:solidFill>
+                  <a:schemeClr val="tx1">
+                    <a:lumMod val="85000"/>
+                    <a:lumOff val="15000"/>
+                  </a:schemeClr>
+                </a:solidFill>
+              </a:rPr>
+              <a:t>コンテナとは？</a:t>
+            </a:r>
+          </a:p>
+        </p:txBody>
+      </p:sp>
+      <p:sp>
+        <p:nvSpPr>
+          <p:cNvPr id="6" name="正方形/長方形 5">
+            <a:extLst>
+              <a:ext uri="{FF2B5EF4-FFF2-40B4-BE49-F238E27FC236}">
+                <a16:creationId xmlns:a16="http://schemas.microsoft.com/office/drawing/2014/main" id="{D1CF1E46-B86A-2EA2-4CAC-09BA7A223416}"/>
+              </a:ext>
+            </a:extLst>
+          </p:cNvPr>
+          <p:cNvSpPr/>
+          <p:nvPr/>
+        </p:nvSpPr>
+        <p:spPr>
+          <a:xfrm>
+            <a:off x="1343025" y="4795837"/>
+            <a:ext cx="3895725" cy="485775"/>
+          </a:xfrm>
+          <a:prstGeom prst="rect">
+            <a:avLst/>
+          </a:prstGeom>
+          <a:solidFill>
+            <a:schemeClr val="tx1">
+              <a:lumMod val="95000"/>
+              <a:lumOff val="5000"/>
+            </a:schemeClr>
+          </a:solidFill>
+          <a:ln>
+            <a:noFill/>
+          </a:ln>
+        </p:spPr>
+        <p:style>
+          <a:lnRef idx="2">
+            <a:schemeClr val="accent1">
+              <a:shade val="15000"/>
+            </a:schemeClr>
+          </a:lnRef>
+          <a:fillRef idx="1">
+            <a:schemeClr val="accent1"/>
+          </a:fillRef>
+          <a:effectRef idx="0">
+            <a:schemeClr val="accent1"/>
+          </a:effectRef>
+          <a:fontRef idx="minor">
+            <a:schemeClr val="lt1"/>
+          </a:fontRef>
+        </p:style>
+        <p:txBody>
+          <a:bodyPr rtlCol="0" anchor="ctr"/>
+          <a:lstStyle/>
+          <a:p>
             <a:pPr algn="ctr"/>
             <a:r>
-              <a:rPr lang="en-US" altLang="ja-JP" sz="6600" dirty="0">
+              <a:rPr lang="en-US" altLang="ja-JP" sz="2800" b="1" dirty="0"/>
+              <a:t>Physical Server</a:t>
+            </a:r>
+            <a:endParaRPr kumimoji="1" lang="ja-JP" altLang="en-US" sz="2800" b="1" dirty="0"/>
+          </a:p>
+        </p:txBody>
+      </p:sp>
+      <p:sp>
+        <p:nvSpPr>
+          <p:cNvPr id="7" name="正方形/長方形 6">
+            <a:extLst>
+              <a:ext uri="{FF2B5EF4-FFF2-40B4-BE49-F238E27FC236}">
+                <a16:creationId xmlns:a16="http://schemas.microsoft.com/office/drawing/2014/main" id="{EA941549-36C6-B92A-6DA6-18B9333B9471}"/>
+              </a:ext>
+            </a:extLst>
+          </p:cNvPr>
+          <p:cNvSpPr/>
+          <p:nvPr/>
+        </p:nvSpPr>
+        <p:spPr>
+          <a:xfrm>
+            <a:off x="6924675" y="4795837"/>
+            <a:ext cx="3895725" cy="485775"/>
+          </a:xfrm>
+          <a:prstGeom prst="rect">
+            <a:avLst/>
+          </a:prstGeom>
+          <a:solidFill>
+            <a:schemeClr val="tx1">
+              <a:lumMod val="95000"/>
+              <a:lumOff val="5000"/>
+            </a:schemeClr>
+          </a:solidFill>
+          <a:ln>
+            <a:noFill/>
+          </a:ln>
+        </p:spPr>
+        <p:style>
+          <a:lnRef idx="2">
+            <a:schemeClr val="accent1">
+              <a:shade val="15000"/>
+            </a:schemeClr>
+          </a:lnRef>
+          <a:fillRef idx="1">
+            <a:schemeClr val="accent1"/>
+          </a:fillRef>
+          <a:effectRef idx="0">
+            <a:schemeClr val="accent1"/>
+          </a:effectRef>
+          <a:fontRef idx="minor">
+            <a:schemeClr val="lt1"/>
+          </a:fontRef>
+        </p:style>
+        <p:txBody>
+          <a:bodyPr rtlCol="0" anchor="ctr"/>
+          <a:lstStyle/>
+          <a:p>
+            <a:pPr algn="ctr"/>
+            <a:r>
+              <a:rPr lang="en-US" altLang="ja-JP" sz="2800" b="1" dirty="0"/>
+              <a:t>Physical Server</a:t>
+            </a:r>
+            <a:endParaRPr kumimoji="1" lang="ja-JP" altLang="en-US" sz="2800" b="1" dirty="0"/>
+          </a:p>
+        </p:txBody>
+      </p:sp>
+      <p:sp>
+        <p:nvSpPr>
+          <p:cNvPr id="8" name="正方形/長方形 7">
+            <a:extLst>
+              <a:ext uri="{FF2B5EF4-FFF2-40B4-BE49-F238E27FC236}">
+                <a16:creationId xmlns:a16="http://schemas.microsoft.com/office/drawing/2014/main" id="{63B6A544-3A94-5BD5-B86B-186143D7329F}"/>
+              </a:ext>
+            </a:extLst>
+          </p:cNvPr>
+          <p:cNvSpPr/>
+          <p:nvPr/>
+        </p:nvSpPr>
+        <p:spPr>
+          <a:xfrm>
+            <a:off x="1343025" y="4159712"/>
+            <a:ext cx="3895725" cy="485775"/>
+          </a:xfrm>
+          <a:prstGeom prst="rect">
+            <a:avLst/>
+          </a:prstGeom>
+          <a:solidFill>
+            <a:schemeClr val="accent6"/>
+          </a:solidFill>
+          <a:ln>
+            <a:noFill/>
+          </a:ln>
+        </p:spPr>
+        <p:style>
+          <a:lnRef idx="2">
+            <a:schemeClr val="accent1">
+              <a:shade val="15000"/>
+            </a:schemeClr>
+          </a:lnRef>
+          <a:fillRef idx="1">
+            <a:schemeClr val="accent1"/>
+          </a:fillRef>
+          <a:effectRef idx="0">
+            <a:schemeClr val="accent1"/>
+          </a:effectRef>
+          <a:fontRef idx="minor">
+            <a:schemeClr val="lt1"/>
+          </a:fontRef>
+        </p:style>
+        <p:txBody>
+          <a:bodyPr rtlCol="0" anchor="ctr"/>
+          <a:lstStyle/>
+          <a:p>
+            <a:pPr algn="ctr"/>
+            <a:r>
+              <a:rPr kumimoji="1" lang="en-US" altLang="ja-JP" sz="2800" b="1" dirty="0"/>
+              <a:t>Hypervisor</a:t>
+            </a:r>
+            <a:endParaRPr kumimoji="1" lang="ja-JP" altLang="en-US" sz="2800" b="1" dirty="0"/>
+          </a:p>
+        </p:txBody>
+      </p:sp>
+      <p:sp>
+        <p:nvSpPr>
+          <p:cNvPr id="9" name="正方形/長方形 8">
+            <a:extLst>
+              <a:ext uri="{FF2B5EF4-FFF2-40B4-BE49-F238E27FC236}">
+                <a16:creationId xmlns:a16="http://schemas.microsoft.com/office/drawing/2014/main" id="{48170751-C506-8EDC-DC54-37F86B328775}"/>
+              </a:ext>
+            </a:extLst>
+          </p:cNvPr>
+          <p:cNvSpPr/>
+          <p:nvPr/>
+        </p:nvSpPr>
+        <p:spPr>
+          <a:xfrm>
+            <a:off x="6924674" y="4159712"/>
+            <a:ext cx="3895725" cy="485775"/>
+          </a:xfrm>
+          <a:prstGeom prst="rect">
+            <a:avLst/>
+          </a:prstGeom>
+          <a:solidFill>
+            <a:schemeClr val="accent2"/>
+          </a:solidFill>
+          <a:ln>
+            <a:noFill/>
+          </a:ln>
+        </p:spPr>
+        <p:style>
+          <a:lnRef idx="2">
+            <a:schemeClr val="accent1">
+              <a:shade val="15000"/>
+            </a:schemeClr>
+          </a:lnRef>
+          <a:fillRef idx="1">
+            <a:schemeClr val="accent1"/>
+          </a:fillRef>
+          <a:effectRef idx="0">
+            <a:schemeClr val="accent1"/>
+          </a:effectRef>
+          <a:fontRef idx="minor">
+            <a:schemeClr val="lt1"/>
+          </a:fontRef>
+        </p:style>
+        <p:txBody>
+          <a:bodyPr rtlCol="0" anchor="ctr"/>
+          <a:lstStyle/>
+          <a:p>
+            <a:pPr algn="ctr"/>
+            <a:r>
+              <a:rPr kumimoji="1" lang="en-US" altLang="ja-JP" sz="2800" b="1" dirty="0"/>
+              <a:t>OS</a:t>
+            </a:r>
+            <a:endParaRPr kumimoji="1" lang="ja-JP" altLang="en-US" sz="2800" b="1" dirty="0"/>
+          </a:p>
+        </p:txBody>
+      </p:sp>
+      <p:sp>
+        <p:nvSpPr>
+          <p:cNvPr id="10" name="正方形/長方形 9">
+            <a:extLst>
+              <a:ext uri="{FF2B5EF4-FFF2-40B4-BE49-F238E27FC236}">
+                <a16:creationId xmlns:a16="http://schemas.microsoft.com/office/drawing/2014/main" id="{C65EA530-1B8A-94B3-F041-D30361499370}"/>
+              </a:ext>
+            </a:extLst>
+          </p:cNvPr>
+          <p:cNvSpPr/>
+          <p:nvPr/>
+        </p:nvSpPr>
+        <p:spPr>
+          <a:xfrm>
+            <a:off x="1343025" y="3523587"/>
+            <a:ext cx="1790700" cy="485775"/>
+          </a:xfrm>
+          <a:prstGeom prst="rect">
+            <a:avLst/>
+          </a:prstGeom>
+          <a:solidFill>
+            <a:schemeClr val="accent2"/>
+          </a:solidFill>
+          <a:ln>
+            <a:noFill/>
+          </a:ln>
+        </p:spPr>
+        <p:style>
+          <a:lnRef idx="2">
+            <a:schemeClr val="accent1">
+              <a:shade val="15000"/>
+            </a:schemeClr>
+          </a:lnRef>
+          <a:fillRef idx="1">
+            <a:schemeClr val="accent1"/>
+          </a:fillRef>
+          <a:effectRef idx="0">
+            <a:schemeClr val="accent1"/>
+          </a:effectRef>
+          <a:fontRef idx="minor">
+            <a:schemeClr val="lt1"/>
+          </a:fontRef>
+        </p:style>
+        <p:txBody>
+          <a:bodyPr rtlCol="0" anchor="ctr"/>
+          <a:lstStyle/>
+          <a:p>
+            <a:pPr algn="ctr"/>
+            <a:r>
+              <a:rPr kumimoji="1" lang="en-US" altLang="ja-JP" sz="2800" b="1" dirty="0"/>
+              <a:t>OS</a:t>
+            </a:r>
+            <a:endParaRPr kumimoji="1" lang="ja-JP" altLang="en-US" sz="2800" b="1" dirty="0"/>
+          </a:p>
+        </p:txBody>
+      </p:sp>
+      <p:sp>
+        <p:nvSpPr>
+          <p:cNvPr id="11" name="正方形/長方形 10">
+            <a:extLst>
+              <a:ext uri="{FF2B5EF4-FFF2-40B4-BE49-F238E27FC236}">
+                <a16:creationId xmlns:a16="http://schemas.microsoft.com/office/drawing/2014/main" id="{E27BF032-4E09-00AE-17C7-2304CE5038AE}"/>
+              </a:ext>
+            </a:extLst>
+          </p:cNvPr>
+          <p:cNvSpPr/>
+          <p:nvPr/>
+        </p:nvSpPr>
+        <p:spPr>
+          <a:xfrm>
+            <a:off x="3448050" y="3523587"/>
+            <a:ext cx="1790700" cy="485775"/>
+          </a:xfrm>
+          <a:prstGeom prst="rect">
+            <a:avLst/>
+          </a:prstGeom>
+          <a:solidFill>
+            <a:schemeClr val="accent2"/>
+          </a:solidFill>
+          <a:ln>
+            <a:noFill/>
+          </a:ln>
+        </p:spPr>
+        <p:style>
+          <a:lnRef idx="2">
+            <a:schemeClr val="accent1">
+              <a:shade val="15000"/>
+            </a:schemeClr>
+          </a:lnRef>
+          <a:fillRef idx="1">
+            <a:schemeClr val="accent1"/>
+          </a:fillRef>
+          <a:effectRef idx="0">
+            <a:schemeClr val="accent1"/>
+          </a:effectRef>
+          <a:fontRef idx="minor">
+            <a:schemeClr val="lt1"/>
+          </a:fontRef>
+        </p:style>
+        <p:txBody>
+          <a:bodyPr rtlCol="0" anchor="ctr"/>
+          <a:lstStyle/>
+          <a:p>
+            <a:pPr algn="ctr"/>
+            <a:r>
+              <a:rPr kumimoji="1" lang="en-US" altLang="ja-JP" sz="2800" b="1" dirty="0"/>
+              <a:t>OS</a:t>
+            </a:r>
+            <a:endParaRPr kumimoji="1" lang="ja-JP" altLang="en-US" sz="2800" b="1" dirty="0"/>
+          </a:p>
+        </p:txBody>
+      </p:sp>
+      <p:sp>
+        <p:nvSpPr>
+          <p:cNvPr id="12" name="正方形/長方形 11">
+            <a:extLst>
+              <a:ext uri="{FF2B5EF4-FFF2-40B4-BE49-F238E27FC236}">
+                <a16:creationId xmlns:a16="http://schemas.microsoft.com/office/drawing/2014/main" id="{6933439F-278D-9B17-442A-751FC2D0AF65}"/>
+              </a:ext>
+            </a:extLst>
+          </p:cNvPr>
+          <p:cNvSpPr/>
+          <p:nvPr/>
+        </p:nvSpPr>
+        <p:spPr>
+          <a:xfrm>
+            <a:off x="6924673" y="3523586"/>
+            <a:ext cx="3895725" cy="485775"/>
+          </a:xfrm>
+          <a:prstGeom prst="rect">
+            <a:avLst/>
+          </a:prstGeom>
+          <a:solidFill>
+            <a:srgbClr val="00B050"/>
+          </a:solidFill>
+          <a:ln>
+            <a:noFill/>
+          </a:ln>
+        </p:spPr>
+        <p:style>
+          <a:lnRef idx="2">
+            <a:schemeClr val="accent1">
+              <a:shade val="15000"/>
+            </a:schemeClr>
+          </a:lnRef>
+          <a:fillRef idx="1">
+            <a:schemeClr val="accent1"/>
+          </a:fillRef>
+          <a:effectRef idx="0">
+            <a:schemeClr val="accent1"/>
+          </a:effectRef>
+          <a:fontRef idx="minor">
+            <a:schemeClr val="lt1"/>
+          </a:fontRef>
+        </p:style>
+        <p:txBody>
+          <a:bodyPr rtlCol="0" anchor="ctr"/>
+          <a:lstStyle/>
+          <a:p>
+            <a:pPr algn="ctr"/>
+            <a:r>
+              <a:rPr kumimoji="1" lang="en-US" altLang="ja-JP" sz="2800" b="1" dirty="0">
                 <a:solidFill>
                   <a:schemeClr val="bg1"/>
                 </a:solidFill>
               </a:rPr>
-              <a:t>2.</a:t>
-            </a:r>
-          </a:p>
+              <a:t>Container Engine</a:t>
+            </a:r>
+            <a:endParaRPr kumimoji="1" lang="ja-JP" altLang="en-US" sz="2800" b="1" dirty="0">
+              <a:solidFill>
+                <a:schemeClr val="bg1"/>
+              </a:solidFill>
+            </a:endParaRPr>
+          </a:p>
+        </p:txBody>
+      </p:sp>
+      <p:sp>
+        <p:nvSpPr>
+          <p:cNvPr id="13" name="正方形/長方形 12">
+            <a:extLst>
+              <a:ext uri="{FF2B5EF4-FFF2-40B4-BE49-F238E27FC236}">
+                <a16:creationId xmlns:a16="http://schemas.microsoft.com/office/drawing/2014/main" id="{E3A97925-F0E1-AAD0-55EA-38F5224ABD82}"/>
+              </a:ext>
+            </a:extLst>
+          </p:cNvPr>
+          <p:cNvSpPr/>
+          <p:nvPr/>
+        </p:nvSpPr>
+        <p:spPr>
+          <a:xfrm>
+            <a:off x="1343025" y="2887462"/>
+            <a:ext cx="1790700" cy="485775"/>
+          </a:xfrm>
+          <a:prstGeom prst="rect">
+            <a:avLst/>
+          </a:prstGeom>
+          <a:solidFill>
+            <a:srgbClr val="92D050"/>
+          </a:solidFill>
+          <a:ln>
+            <a:noFill/>
+          </a:ln>
+        </p:spPr>
+        <p:style>
+          <a:lnRef idx="2">
+            <a:schemeClr val="accent1">
+              <a:shade val="15000"/>
+            </a:schemeClr>
+          </a:lnRef>
+          <a:fillRef idx="1">
+            <a:schemeClr val="accent1"/>
+          </a:fillRef>
+          <a:effectRef idx="0">
+            <a:schemeClr val="accent1"/>
+          </a:effectRef>
+          <a:fontRef idx="minor">
+            <a:schemeClr val="lt1"/>
+          </a:fontRef>
+        </p:style>
+        <p:txBody>
+          <a:bodyPr rtlCol="0" anchor="ctr"/>
+          <a:lstStyle/>
           <a:p>
             <a:pPr algn="ctr"/>
             <a:r>
-              <a:rPr kumimoji="1" lang="en-US" altLang="ja-JP" sz="6600" b="1" dirty="0">
-                <a:solidFill>
-                  <a:schemeClr val="bg1"/>
-                </a:solidFill>
-              </a:rPr>
-              <a:t>Docker</a:t>
-            </a:r>
-            <a:r>
-              <a:rPr kumimoji="1" lang="ja-JP" altLang="en-US" sz="6600" b="1" dirty="0">
-                <a:solidFill>
-                  <a:schemeClr val="bg1"/>
-                </a:solidFill>
-              </a:rPr>
-              <a:t>とは？</a:t>
-            </a:r>
+              <a:rPr lang="en-US" altLang="ja-JP" sz="2800" b="1" dirty="0"/>
+              <a:t>b</a:t>
+            </a:r>
+            <a:r>
+              <a:rPr kumimoji="1" lang="en-US" altLang="ja-JP" sz="2800" b="1" dirty="0"/>
+              <a:t>ins/libs</a:t>
+            </a:r>
+            <a:endParaRPr kumimoji="1" lang="ja-JP" altLang="en-US" sz="2800" b="1" dirty="0"/>
+          </a:p>
+        </p:txBody>
+      </p:sp>
+      <p:sp>
+        <p:nvSpPr>
+          <p:cNvPr id="14" name="正方形/長方形 13">
+            <a:extLst>
+              <a:ext uri="{FF2B5EF4-FFF2-40B4-BE49-F238E27FC236}">
+                <a16:creationId xmlns:a16="http://schemas.microsoft.com/office/drawing/2014/main" id="{759A0080-1D92-50B1-02A0-3B76EF5F3C5F}"/>
+              </a:ext>
+            </a:extLst>
+          </p:cNvPr>
+          <p:cNvSpPr/>
+          <p:nvPr/>
+        </p:nvSpPr>
+        <p:spPr>
+          <a:xfrm>
+            <a:off x="3448050" y="2887461"/>
+            <a:ext cx="1790700" cy="485775"/>
+          </a:xfrm>
+          <a:prstGeom prst="rect">
+            <a:avLst/>
+          </a:prstGeom>
+          <a:solidFill>
+            <a:srgbClr val="92D050"/>
+          </a:solidFill>
+          <a:ln>
+            <a:noFill/>
+          </a:ln>
+        </p:spPr>
+        <p:style>
+          <a:lnRef idx="2">
+            <a:schemeClr val="accent1">
+              <a:shade val="15000"/>
+            </a:schemeClr>
+          </a:lnRef>
+          <a:fillRef idx="1">
+            <a:schemeClr val="accent1"/>
+          </a:fillRef>
+          <a:effectRef idx="0">
+            <a:schemeClr val="accent1"/>
+          </a:effectRef>
+          <a:fontRef idx="minor">
+            <a:schemeClr val="lt1"/>
+          </a:fontRef>
+        </p:style>
+        <p:txBody>
+          <a:bodyPr rtlCol="0" anchor="ctr"/>
+          <a:lstStyle/>
+          <a:p>
+            <a:pPr algn="ctr"/>
+            <a:r>
+              <a:rPr lang="en-US" altLang="ja-JP" sz="2800" b="1" dirty="0"/>
+              <a:t>b</a:t>
+            </a:r>
+            <a:r>
+              <a:rPr kumimoji="1" lang="en-US" altLang="ja-JP" sz="2800" b="1" dirty="0"/>
+              <a:t>ins/libs</a:t>
+            </a:r>
+            <a:endParaRPr kumimoji="1" lang="ja-JP" altLang="en-US" sz="2800" b="1" dirty="0"/>
+          </a:p>
+        </p:txBody>
+      </p:sp>
+      <p:sp>
+        <p:nvSpPr>
+          <p:cNvPr id="15" name="正方形/長方形 14">
+            <a:extLst>
+              <a:ext uri="{FF2B5EF4-FFF2-40B4-BE49-F238E27FC236}">
+                <a16:creationId xmlns:a16="http://schemas.microsoft.com/office/drawing/2014/main" id="{88FF07B0-82C0-9E20-A2D4-2F199E6186C8}"/>
+              </a:ext>
+            </a:extLst>
+          </p:cNvPr>
+          <p:cNvSpPr/>
+          <p:nvPr/>
+        </p:nvSpPr>
+        <p:spPr>
+          <a:xfrm>
+            <a:off x="1343025" y="2251337"/>
+            <a:ext cx="1790700" cy="485775"/>
+          </a:xfrm>
+          <a:prstGeom prst="rect">
+            <a:avLst/>
+          </a:prstGeom>
+          <a:solidFill>
+            <a:srgbClr val="92D050"/>
+          </a:solidFill>
+          <a:ln>
+            <a:noFill/>
+          </a:ln>
+        </p:spPr>
+        <p:style>
+          <a:lnRef idx="2">
+            <a:schemeClr val="accent1">
+              <a:shade val="15000"/>
+            </a:schemeClr>
+          </a:lnRef>
+          <a:fillRef idx="1">
+            <a:schemeClr val="accent1"/>
+          </a:fillRef>
+          <a:effectRef idx="0">
+            <a:schemeClr val="accent1"/>
+          </a:effectRef>
+          <a:fontRef idx="minor">
+            <a:schemeClr val="lt1"/>
+          </a:fontRef>
+        </p:style>
+        <p:txBody>
+          <a:bodyPr rtlCol="0" anchor="ctr"/>
+          <a:lstStyle/>
+          <a:p>
+            <a:pPr algn="ctr"/>
+            <a:r>
+              <a:rPr lang="en-US" altLang="ja-JP" sz="2800" b="1" dirty="0"/>
+              <a:t>App1</a:t>
+            </a:r>
+            <a:endParaRPr kumimoji="1" lang="ja-JP" altLang="en-US" sz="2800" b="1" dirty="0"/>
+          </a:p>
+        </p:txBody>
+      </p:sp>
+      <p:sp>
+        <p:nvSpPr>
+          <p:cNvPr id="16" name="正方形/長方形 15">
+            <a:extLst>
+              <a:ext uri="{FF2B5EF4-FFF2-40B4-BE49-F238E27FC236}">
+                <a16:creationId xmlns:a16="http://schemas.microsoft.com/office/drawing/2014/main" id="{20A9E428-149B-FF16-163D-A2DBA24EFAE0}"/>
+              </a:ext>
+            </a:extLst>
+          </p:cNvPr>
+          <p:cNvSpPr/>
+          <p:nvPr/>
+        </p:nvSpPr>
+        <p:spPr>
+          <a:xfrm>
+            <a:off x="3448050" y="2251335"/>
+            <a:ext cx="1790700" cy="485775"/>
+          </a:xfrm>
+          <a:prstGeom prst="rect">
+            <a:avLst/>
+          </a:prstGeom>
+          <a:solidFill>
+            <a:srgbClr val="92D050"/>
+          </a:solidFill>
+          <a:ln>
+            <a:noFill/>
+          </a:ln>
+        </p:spPr>
+        <p:style>
+          <a:lnRef idx="2">
+            <a:schemeClr val="accent1">
+              <a:shade val="15000"/>
+            </a:schemeClr>
+          </a:lnRef>
+          <a:fillRef idx="1">
+            <a:schemeClr val="accent1"/>
+          </a:fillRef>
+          <a:effectRef idx="0">
+            <a:schemeClr val="accent1"/>
+          </a:effectRef>
+          <a:fontRef idx="minor">
+            <a:schemeClr val="lt1"/>
+          </a:fontRef>
+        </p:style>
+        <p:txBody>
+          <a:bodyPr rtlCol="0" anchor="ctr"/>
+          <a:lstStyle/>
+          <a:p>
+            <a:pPr algn="ctr"/>
+            <a:r>
+              <a:rPr lang="en-US" altLang="ja-JP" sz="2800" b="1" dirty="0"/>
+              <a:t>App2</a:t>
+            </a:r>
+            <a:endParaRPr kumimoji="1" lang="ja-JP" altLang="en-US" sz="2800" b="1" dirty="0"/>
+          </a:p>
+        </p:txBody>
+      </p:sp>
+      <p:sp>
+        <p:nvSpPr>
+          <p:cNvPr id="17" name="正方形/長方形 16">
+            <a:extLst>
+              <a:ext uri="{FF2B5EF4-FFF2-40B4-BE49-F238E27FC236}">
+                <a16:creationId xmlns:a16="http://schemas.microsoft.com/office/drawing/2014/main" id="{60DBD6B8-A15F-C67F-ACBA-43710E10C003}"/>
+              </a:ext>
+            </a:extLst>
+          </p:cNvPr>
+          <p:cNvSpPr/>
+          <p:nvPr/>
+        </p:nvSpPr>
+        <p:spPr>
+          <a:xfrm>
+            <a:off x="6924673" y="2887461"/>
+            <a:ext cx="1790700" cy="485775"/>
+          </a:xfrm>
+          <a:prstGeom prst="rect">
+            <a:avLst/>
+          </a:prstGeom>
+          <a:solidFill>
+            <a:srgbClr val="92D050"/>
+          </a:solidFill>
+          <a:ln>
+            <a:noFill/>
+          </a:ln>
+        </p:spPr>
+        <p:style>
+          <a:lnRef idx="2">
+            <a:schemeClr val="accent1">
+              <a:shade val="15000"/>
+            </a:schemeClr>
+          </a:lnRef>
+          <a:fillRef idx="1">
+            <a:schemeClr val="accent1"/>
+          </a:fillRef>
+          <a:effectRef idx="0">
+            <a:schemeClr val="accent1"/>
+          </a:effectRef>
+          <a:fontRef idx="minor">
+            <a:schemeClr val="lt1"/>
+          </a:fontRef>
+        </p:style>
+        <p:txBody>
+          <a:bodyPr rtlCol="0" anchor="ctr"/>
+          <a:lstStyle/>
+          <a:p>
+            <a:pPr algn="ctr"/>
+            <a:r>
+              <a:rPr lang="en-US" altLang="ja-JP" sz="2800" b="1" dirty="0"/>
+              <a:t>b</a:t>
+            </a:r>
+            <a:r>
+              <a:rPr kumimoji="1" lang="en-US" altLang="ja-JP" sz="2800" b="1" dirty="0"/>
+              <a:t>ins/libs</a:t>
+            </a:r>
+            <a:endParaRPr kumimoji="1" lang="ja-JP" altLang="en-US" sz="2800" b="1" dirty="0"/>
+          </a:p>
+        </p:txBody>
+      </p:sp>
+      <p:sp>
+        <p:nvSpPr>
+          <p:cNvPr id="18" name="正方形/長方形 17">
+            <a:extLst>
+              <a:ext uri="{FF2B5EF4-FFF2-40B4-BE49-F238E27FC236}">
+                <a16:creationId xmlns:a16="http://schemas.microsoft.com/office/drawing/2014/main" id="{40AFB3E2-53B7-C18A-04E2-F025AADAC1DD}"/>
+              </a:ext>
+            </a:extLst>
+          </p:cNvPr>
+          <p:cNvSpPr/>
+          <p:nvPr/>
+        </p:nvSpPr>
+        <p:spPr>
+          <a:xfrm>
+            <a:off x="9029698" y="2887460"/>
+            <a:ext cx="1790700" cy="485775"/>
+          </a:xfrm>
+          <a:prstGeom prst="rect">
+            <a:avLst/>
+          </a:prstGeom>
+          <a:solidFill>
+            <a:srgbClr val="92D050"/>
+          </a:solidFill>
+          <a:ln>
+            <a:noFill/>
+          </a:ln>
+        </p:spPr>
+        <p:style>
+          <a:lnRef idx="2">
+            <a:schemeClr val="accent1">
+              <a:shade val="15000"/>
+            </a:schemeClr>
+          </a:lnRef>
+          <a:fillRef idx="1">
+            <a:schemeClr val="accent1"/>
+          </a:fillRef>
+          <a:effectRef idx="0">
+            <a:schemeClr val="accent1"/>
+          </a:effectRef>
+          <a:fontRef idx="minor">
+            <a:schemeClr val="lt1"/>
+          </a:fontRef>
+        </p:style>
+        <p:txBody>
+          <a:bodyPr rtlCol="0" anchor="ctr"/>
+          <a:lstStyle/>
+          <a:p>
+            <a:pPr algn="ctr"/>
+            <a:r>
+              <a:rPr lang="en-US" altLang="ja-JP" sz="2800" b="1" dirty="0"/>
+              <a:t>b</a:t>
+            </a:r>
+            <a:r>
+              <a:rPr kumimoji="1" lang="en-US" altLang="ja-JP" sz="2800" b="1" dirty="0"/>
+              <a:t>ins/libs</a:t>
+            </a:r>
+            <a:endParaRPr kumimoji="1" lang="ja-JP" altLang="en-US" sz="2800" b="1" dirty="0"/>
+          </a:p>
+        </p:txBody>
+      </p:sp>
+      <p:sp>
+        <p:nvSpPr>
+          <p:cNvPr id="19" name="正方形/長方形 18">
+            <a:extLst>
+              <a:ext uri="{FF2B5EF4-FFF2-40B4-BE49-F238E27FC236}">
+                <a16:creationId xmlns:a16="http://schemas.microsoft.com/office/drawing/2014/main" id="{E45A1B0D-1103-0446-08D7-0137B0C8F65D}"/>
+              </a:ext>
+            </a:extLst>
+          </p:cNvPr>
+          <p:cNvSpPr/>
+          <p:nvPr/>
+        </p:nvSpPr>
+        <p:spPr>
+          <a:xfrm>
+            <a:off x="6924673" y="2251336"/>
+            <a:ext cx="1790700" cy="485775"/>
+          </a:xfrm>
+          <a:prstGeom prst="rect">
+            <a:avLst/>
+          </a:prstGeom>
+          <a:solidFill>
+            <a:srgbClr val="92D050"/>
+          </a:solidFill>
+          <a:ln>
+            <a:noFill/>
+          </a:ln>
+        </p:spPr>
+        <p:style>
+          <a:lnRef idx="2">
+            <a:schemeClr val="accent1">
+              <a:shade val="15000"/>
+            </a:schemeClr>
+          </a:lnRef>
+          <a:fillRef idx="1">
+            <a:schemeClr val="accent1"/>
+          </a:fillRef>
+          <a:effectRef idx="0">
+            <a:schemeClr val="accent1"/>
+          </a:effectRef>
+          <a:fontRef idx="minor">
+            <a:schemeClr val="lt1"/>
+          </a:fontRef>
+        </p:style>
+        <p:txBody>
+          <a:bodyPr rtlCol="0" anchor="ctr"/>
+          <a:lstStyle/>
+          <a:p>
+            <a:pPr algn="ctr"/>
+            <a:r>
+              <a:rPr lang="en-US" altLang="ja-JP" sz="2800" b="1" dirty="0"/>
+              <a:t>App1</a:t>
+            </a:r>
+            <a:endParaRPr kumimoji="1" lang="ja-JP" altLang="en-US" sz="2800" b="1" dirty="0"/>
+          </a:p>
+        </p:txBody>
+      </p:sp>
+      <p:sp>
+        <p:nvSpPr>
+          <p:cNvPr id="20" name="正方形/長方形 19">
+            <a:extLst>
+              <a:ext uri="{FF2B5EF4-FFF2-40B4-BE49-F238E27FC236}">
+                <a16:creationId xmlns:a16="http://schemas.microsoft.com/office/drawing/2014/main" id="{1708E843-6317-8258-1DED-D2F9E058295A}"/>
+              </a:ext>
+            </a:extLst>
+          </p:cNvPr>
+          <p:cNvSpPr/>
+          <p:nvPr/>
+        </p:nvSpPr>
+        <p:spPr>
+          <a:xfrm>
+            <a:off x="9029698" y="2251334"/>
+            <a:ext cx="1790700" cy="485775"/>
+          </a:xfrm>
+          <a:prstGeom prst="rect">
+            <a:avLst/>
+          </a:prstGeom>
+          <a:solidFill>
+            <a:srgbClr val="92D050"/>
+          </a:solidFill>
+          <a:ln>
+            <a:noFill/>
+          </a:ln>
+        </p:spPr>
+        <p:style>
+          <a:lnRef idx="2">
+            <a:schemeClr val="accent1">
+              <a:shade val="15000"/>
+            </a:schemeClr>
+          </a:lnRef>
+          <a:fillRef idx="1">
+            <a:schemeClr val="accent1"/>
+          </a:fillRef>
+          <a:effectRef idx="0">
+            <a:schemeClr val="accent1"/>
+          </a:effectRef>
+          <a:fontRef idx="minor">
+            <a:schemeClr val="lt1"/>
+          </a:fontRef>
+        </p:style>
+        <p:txBody>
+          <a:bodyPr rtlCol="0" anchor="ctr"/>
+          <a:lstStyle/>
+          <a:p>
+            <a:pPr algn="ctr"/>
+            <a:r>
+              <a:rPr lang="en-US" altLang="ja-JP" sz="2800" b="1" dirty="0"/>
+              <a:t>App2</a:t>
+            </a:r>
+            <a:endParaRPr kumimoji="1" lang="ja-JP" altLang="en-US" sz="2800" b="1" dirty="0"/>
+          </a:p>
+        </p:txBody>
+      </p:sp>
+      <p:sp>
+        <p:nvSpPr>
+          <p:cNvPr id="21" name="テキスト ボックス 20">
+            <a:extLst>
+              <a:ext uri="{FF2B5EF4-FFF2-40B4-BE49-F238E27FC236}">
+                <a16:creationId xmlns:a16="http://schemas.microsoft.com/office/drawing/2014/main" id="{2EE1E1C6-AAB6-6F1C-6CEF-7A31691AE889}"/>
+              </a:ext>
+            </a:extLst>
+          </p:cNvPr>
+          <p:cNvSpPr txBox="1"/>
+          <p:nvPr/>
+        </p:nvSpPr>
+        <p:spPr>
+          <a:xfrm>
+            <a:off x="1371601" y="5516634"/>
+            <a:ext cx="3867147" cy="646331"/>
+          </a:xfrm>
+          <a:prstGeom prst="rect">
+            <a:avLst/>
+          </a:prstGeom>
+          <a:noFill/>
+        </p:spPr>
+        <p:txBody>
+          <a:bodyPr wrap="square" rtlCol="0">
+            <a:spAutoFit/>
+          </a:bodyPr>
+          <a:lstStyle/>
+          <a:p>
+            <a:pPr algn="ctr"/>
+            <a:r>
+              <a:rPr kumimoji="1" lang="en-US" altLang="ja-JP" sz="3600" dirty="0"/>
+              <a:t>VM</a:t>
+            </a:r>
+            <a:endParaRPr kumimoji="1" lang="ja-JP" altLang="en-US" sz="3600" dirty="0"/>
+          </a:p>
+        </p:txBody>
+      </p:sp>
+      <p:sp>
+        <p:nvSpPr>
+          <p:cNvPr id="22" name="テキスト ボックス 21">
+            <a:extLst>
+              <a:ext uri="{FF2B5EF4-FFF2-40B4-BE49-F238E27FC236}">
+                <a16:creationId xmlns:a16="http://schemas.microsoft.com/office/drawing/2014/main" id="{F4A228B8-3D93-1F12-D710-517A8D8B4E35}"/>
+              </a:ext>
+            </a:extLst>
+          </p:cNvPr>
+          <p:cNvSpPr txBox="1"/>
+          <p:nvPr/>
+        </p:nvSpPr>
+        <p:spPr>
+          <a:xfrm>
+            <a:off x="6924673" y="5516633"/>
+            <a:ext cx="3895725" cy="646331"/>
+          </a:xfrm>
+          <a:prstGeom prst="rect">
+            <a:avLst/>
+          </a:prstGeom>
+          <a:noFill/>
+        </p:spPr>
+        <p:txBody>
+          <a:bodyPr wrap="square" rtlCol="0">
+            <a:spAutoFit/>
+          </a:bodyPr>
+          <a:lstStyle/>
+          <a:p>
+            <a:pPr algn="ctr"/>
+            <a:r>
+              <a:rPr kumimoji="1" lang="en-US" altLang="ja-JP" sz="3600" dirty="0"/>
+              <a:t>Container</a:t>
+            </a:r>
+            <a:endParaRPr kumimoji="1" lang="ja-JP" altLang="en-US" sz="3600" dirty="0"/>
           </a:p>
         </p:txBody>
       </p:sp>
     </p:spTree>
     <p:extLst>
       <p:ext uri="{BB962C8B-B14F-4D97-AF65-F5344CB8AC3E}">
-        <p14:creationId xmlns:p14="http://schemas.microsoft.com/office/powerpoint/2010/main" val="3088429541"/>
+        <p14:creationId xmlns:p14="http://schemas.microsoft.com/office/powerpoint/2010/main" val="3150930587"/>
       </p:ext>
     </p:extLst>
   </p:cSld>
@@ -8472,357 +10740,6 @@
 </file>
 
 <file path=ppt/slides/slide8.xml><?xml version="1.0" encoding="utf-8"?>
-<p:sld xmlns:a="http://schemas.openxmlformats.org/drawingml/2006/main" xmlns:r="http://schemas.openxmlformats.org/officeDocument/2006/relationships" xmlns:p="http://schemas.openxmlformats.org/presentationml/2006/main">
-  <p:cSld>
-    <p:spTree>
-      <p:nvGrpSpPr>
-        <p:cNvPr id="1" name=""/>
-        <p:cNvGrpSpPr/>
-        <p:nvPr/>
-      </p:nvGrpSpPr>
-      <p:grpSpPr>
-        <a:xfrm>
-          <a:off x="0" y="0"/>
-          <a:ext cx="0" cy="0"/>
-          <a:chOff x="0" y="0"/>
-          <a:chExt cx="0" cy="0"/>
-        </a:xfrm>
-      </p:grpSpPr>
-      <p:sp>
-        <p:nvSpPr>
-          <p:cNvPr id="2" name="タイトル 1">
-            <a:extLst>
-              <a:ext uri="{FF2B5EF4-FFF2-40B4-BE49-F238E27FC236}">
-                <a16:creationId xmlns:a16="http://schemas.microsoft.com/office/drawing/2014/main" id="{5D85131E-AB32-0C13-F928-0BC8C7E25614}"/>
-              </a:ext>
-            </a:extLst>
-          </p:cNvPr>
-          <p:cNvSpPr>
-            <a:spLocks noGrp="1"/>
-          </p:cNvSpPr>
-          <p:nvPr>
-            <p:ph type="title"/>
-          </p:nvPr>
-        </p:nvSpPr>
-        <p:spPr/>
-        <p:txBody>
-          <a:bodyPr/>
-          <a:lstStyle/>
-          <a:p>
-            <a:r>
-              <a:rPr kumimoji="1" lang="ja-JP" altLang="en-US" dirty="0"/>
-              <a:t>概要</a:t>
-            </a:r>
-            <a:r>
-              <a:rPr kumimoji="1" lang="en-US" altLang="ja-JP" sz="2800" dirty="0"/>
-              <a:t>[x]</a:t>
-            </a:r>
-            <a:endParaRPr kumimoji="1" lang="ja-JP" altLang="en-US" dirty="0"/>
-          </a:p>
-        </p:txBody>
-      </p:sp>
-      <p:sp>
-        <p:nvSpPr>
-          <p:cNvPr id="3" name="コンテンツ プレースホルダー 2">
-            <a:extLst>
-              <a:ext uri="{FF2B5EF4-FFF2-40B4-BE49-F238E27FC236}">
-                <a16:creationId xmlns:a16="http://schemas.microsoft.com/office/drawing/2014/main" id="{E1842FAB-83F8-8740-EA6D-D4B6CB48EB62}"/>
-              </a:ext>
-            </a:extLst>
-          </p:cNvPr>
-          <p:cNvSpPr>
-            <a:spLocks noGrp="1"/>
-          </p:cNvSpPr>
-          <p:nvPr>
-            <p:ph idx="1"/>
-          </p:nvPr>
-        </p:nvSpPr>
-        <p:spPr>
-          <a:xfrm>
-            <a:off x="838200" y="1661157"/>
-            <a:ext cx="10515600" cy="5008584"/>
-          </a:xfrm>
-        </p:spPr>
-        <p:txBody>
-          <a:bodyPr>
-            <a:normAutofit/>
-          </a:bodyPr>
-          <a:lstStyle/>
-          <a:p>
-            <a:r>
-              <a:rPr kumimoji="1" lang="ja-JP" altLang="en-US" dirty="0"/>
-              <a:t>誕生</a:t>
-            </a:r>
-            <a:endParaRPr kumimoji="1" lang="en-US" altLang="ja-JP" dirty="0"/>
-          </a:p>
-          <a:p>
-            <a:pPr lvl="1"/>
-            <a:r>
-              <a:rPr kumimoji="1" lang="en-US" altLang="ja-JP" dirty="0"/>
-              <a:t>2013</a:t>
-            </a:r>
-            <a:r>
-              <a:rPr kumimoji="1" lang="ja-JP" altLang="en-US" dirty="0"/>
-              <a:t>年 </a:t>
-            </a:r>
-            <a:r>
-              <a:rPr kumimoji="1" lang="en-US" altLang="ja-JP" dirty="0"/>
-              <a:t>3</a:t>
-            </a:r>
-            <a:r>
-              <a:rPr kumimoji="1" lang="ja-JP" altLang="en-US" dirty="0"/>
-              <a:t>月 に登場</a:t>
-            </a:r>
-            <a:r>
-              <a:rPr kumimoji="1" lang="en-US" altLang="ja-JP" sz="2000" dirty="0"/>
-              <a:t>(10</a:t>
-            </a:r>
-            <a:r>
-              <a:rPr kumimoji="1" lang="ja-JP" altLang="en-US" sz="2000" dirty="0"/>
-              <a:t>年以上前！</a:t>
-            </a:r>
-            <a:r>
-              <a:rPr kumimoji="1" lang="en-US" altLang="ja-JP" sz="2000" dirty="0"/>
-              <a:t>)</a:t>
-            </a:r>
-            <a:endParaRPr kumimoji="1" lang="en-US" altLang="ja-JP" dirty="0"/>
-          </a:p>
-          <a:p>
-            <a:pPr lvl="1"/>
-            <a:endParaRPr kumimoji="1" lang="en-US" altLang="ja-JP" sz="1600" dirty="0"/>
-          </a:p>
-          <a:p>
-            <a:r>
-              <a:rPr kumimoji="1" lang="ja-JP" altLang="en-US" dirty="0"/>
-              <a:t>インフラ，</a:t>
-            </a:r>
-            <a:r>
-              <a:rPr kumimoji="1" lang="en-US" altLang="ja-JP" dirty="0"/>
-              <a:t>DevOps</a:t>
-            </a:r>
-            <a:r>
-              <a:rPr kumimoji="1" lang="ja-JP" altLang="en-US" dirty="0"/>
-              <a:t>で注目</a:t>
-            </a:r>
-            <a:endParaRPr kumimoji="1" lang="en-US" altLang="ja-JP" dirty="0"/>
-          </a:p>
-          <a:p>
-            <a:pPr lvl="1"/>
-            <a:r>
-              <a:rPr lang="ja-JP" altLang="en-US" dirty="0"/>
-              <a:t>コンテナ型仮想環境を作成，配布，実行するためのプラットフォーム</a:t>
-            </a:r>
-            <a:endParaRPr lang="en-US" altLang="ja-JP" dirty="0"/>
-          </a:p>
-          <a:p>
-            <a:pPr marL="457200" lvl="1" indent="0">
-              <a:buNone/>
-            </a:pPr>
-            <a:r>
-              <a:rPr kumimoji="1" lang="en-US" altLang="ja-JP" b="1" i="1" dirty="0"/>
-              <a:t>DevOps:</a:t>
-            </a:r>
-          </a:p>
-          <a:p>
-            <a:pPr lvl="2">
-              <a:buFont typeface="Wingdings" panose="05000000000000000000" pitchFamily="2" charset="2"/>
-              <a:buChar char="Ø"/>
-            </a:pPr>
-            <a:r>
-              <a:rPr kumimoji="1" lang="ja-JP" altLang="en-US" dirty="0"/>
-              <a:t>アイデアを開発から本番まで移行し，実際に価値提供するまでのプロセス</a:t>
-            </a:r>
-            <a:endParaRPr kumimoji="1" lang="en-US" altLang="ja-JP" dirty="0"/>
-          </a:p>
-          <a:p>
-            <a:pPr lvl="1"/>
-            <a:endParaRPr kumimoji="1" lang="en-US" altLang="ja-JP" sz="1600" dirty="0"/>
-          </a:p>
-          <a:p>
-            <a:r>
-              <a:rPr kumimoji="1" lang="en-US" altLang="ja-JP" dirty="0" err="1"/>
-              <a:t>IaC</a:t>
-            </a:r>
-            <a:r>
-              <a:rPr kumimoji="1" lang="en-US" altLang="ja-JP" sz="2400" dirty="0"/>
-              <a:t>(</a:t>
-            </a:r>
-            <a:r>
-              <a:rPr kumimoji="1" lang="en-US" altLang="ja-JP" sz="2400" dirty="0" err="1"/>
-              <a:t>Infrastracture</a:t>
-            </a:r>
-            <a:r>
-              <a:rPr kumimoji="1" lang="en-US" altLang="ja-JP" sz="2400" dirty="0"/>
-              <a:t> as Code)</a:t>
-            </a:r>
-          </a:p>
-          <a:p>
-            <a:pPr lvl="1"/>
-            <a:r>
-              <a:rPr lang="ja-JP" altLang="en-US" dirty="0"/>
-              <a:t>依存関係，ネットワーク構成等を</a:t>
-            </a:r>
-            <a:r>
-              <a:rPr lang="ja-JP" altLang="en-US" b="1" u="sng" dirty="0"/>
-              <a:t>コードとして管理</a:t>
-            </a:r>
-            <a:endParaRPr lang="en-US" altLang="ja-JP" b="1" u="sng" dirty="0"/>
-          </a:p>
-          <a:p>
-            <a:pPr lvl="2"/>
-            <a:r>
-              <a:rPr kumimoji="1" lang="ja-JP" altLang="en-US" dirty="0"/>
-              <a:t>手動の環境構築が不要</a:t>
-            </a:r>
-            <a:endParaRPr kumimoji="1" lang="en-US" altLang="ja-JP" dirty="0"/>
-          </a:p>
-          <a:p>
-            <a:pPr lvl="2"/>
-            <a:r>
-              <a:rPr kumimoji="1" lang="ja-JP" altLang="en-US" dirty="0"/>
-              <a:t>一貫性のある環境の</a:t>
-            </a:r>
-            <a:r>
-              <a:rPr kumimoji="1" lang="ja-JP" altLang="en-US" b="1" dirty="0"/>
-              <a:t>共有，再現，配布</a:t>
-            </a:r>
-            <a:r>
-              <a:rPr kumimoji="1" lang="ja-JP" altLang="en-US" dirty="0"/>
-              <a:t>が簡単</a:t>
-            </a:r>
-          </a:p>
-        </p:txBody>
-      </p:sp>
-      <p:sp>
-        <p:nvSpPr>
-          <p:cNvPr id="4" name="テキスト ボックス 3">
-            <a:extLst>
-              <a:ext uri="{FF2B5EF4-FFF2-40B4-BE49-F238E27FC236}">
-                <a16:creationId xmlns:a16="http://schemas.microsoft.com/office/drawing/2014/main" id="{DA317149-12A0-92F9-65EE-02DF436B7134}"/>
-              </a:ext>
-            </a:extLst>
-          </p:cNvPr>
-          <p:cNvSpPr txBox="1"/>
-          <p:nvPr/>
-        </p:nvSpPr>
-        <p:spPr>
-          <a:xfrm>
-            <a:off x="76200" y="85725"/>
-            <a:ext cx="3676650" cy="369332"/>
-          </a:xfrm>
-          <a:prstGeom prst="rect">
-            <a:avLst/>
-          </a:prstGeom>
-          <a:noFill/>
-        </p:spPr>
-        <p:txBody>
-          <a:bodyPr wrap="square" rtlCol="0">
-            <a:spAutoFit/>
-          </a:bodyPr>
-          <a:lstStyle/>
-          <a:p>
-            <a:r>
-              <a:rPr kumimoji="1" lang="en-US" altLang="ja-JP" dirty="0"/>
-              <a:t> </a:t>
-            </a:r>
-            <a:r>
-              <a:rPr lang="en-US" altLang="ja-JP" b="1" dirty="0">
-                <a:solidFill>
-                  <a:schemeClr val="tx1">
-                    <a:lumMod val="85000"/>
-                    <a:lumOff val="15000"/>
-                  </a:schemeClr>
-                </a:solidFill>
-              </a:rPr>
-              <a:t>2</a:t>
-            </a:r>
-            <a:r>
-              <a:rPr kumimoji="1" lang="en-US" altLang="ja-JP" b="1" dirty="0">
-                <a:solidFill>
-                  <a:schemeClr val="tx1">
-                    <a:lumMod val="85000"/>
-                    <a:lumOff val="15000"/>
-                  </a:schemeClr>
-                </a:solidFill>
-              </a:rPr>
-              <a:t>. Docker</a:t>
-            </a:r>
-            <a:r>
-              <a:rPr kumimoji="1" lang="ja-JP" altLang="en-US" b="1" dirty="0">
-                <a:solidFill>
-                  <a:schemeClr val="tx1">
-                    <a:lumMod val="85000"/>
-                    <a:lumOff val="15000"/>
-                  </a:schemeClr>
-                </a:solidFill>
-              </a:rPr>
-              <a:t>とは？</a:t>
-            </a:r>
-          </a:p>
-        </p:txBody>
-      </p:sp>
-      <p:sp>
-        <p:nvSpPr>
-          <p:cNvPr id="5" name="テキスト ボックス 4">
-            <a:extLst>
-              <a:ext uri="{FF2B5EF4-FFF2-40B4-BE49-F238E27FC236}">
-                <a16:creationId xmlns:a16="http://schemas.microsoft.com/office/drawing/2014/main" id="{E09A556A-475B-1445-E68E-AFDC24C2C342}"/>
-              </a:ext>
-            </a:extLst>
-          </p:cNvPr>
-          <p:cNvSpPr txBox="1"/>
-          <p:nvPr/>
-        </p:nvSpPr>
-        <p:spPr>
-          <a:xfrm>
-            <a:off x="0" y="6581001"/>
-            <a:ext cx="11439525" cy="276999"/>
-          </a:xfrm>
-          <a:prstGeom prst="rect">
-            <a:avLst/>
-          </a:prstGeom>
-          <a:noFill/>
-        </p:spPr>
-        <p:txBody>
-          <a:bodyPr wrap="square" rtlCol="0">
-            <a:spAutoFit/>
-          </a:bodyPr>
-          <a:lstStyle/>
-          <a:p>
-            <a:r>
-              <a:rPr kumimoji="1" lang="en-US" altLang="ja-JP" sz="1200" dirty="0"/>
-              <a:t>[x]</a:t>
-            </a:r>
-            <a:r>
-              <a:rPr lang="en-US" altLang="ja-JP" sz="1200" dirty="0"/>
-              <a:t>:</a:t>
-            </a:r>
-            <a:r>
-              <a:rPr lang="ja-JP" altLang="en-US" sz="1200" dirty="0"/>
-              <a:t> </a:t>
-            </a:r>
-            <a:r>
-              <a:rPr kumimoji="1" lang="en-US" altLang="ja-JP" sz="1200" dirty="0"/>
-              <a:t>Use containers to Build, Share and Run your applications, docker, https://www.docker.com/resources/what-container/</a:t>
-            </a:r>
-            <a:endParaRPr kumimoji="1" lang="ja-JP" altLang="en-US" sz="1200" dirty="0"/>
-          </a:p>
-        </p:txBody>
-      </p:sp>
-    </p:spTree>
-    <p:extLst>
-      <p:ext uri="{BB962C8B-B14F-4D97-AF65-F5344CB8AC3E}">
-        <p14:creationId xmlns:p14="http://schemas.microsoft.com/office/powerpoint/2010/main" val="2867152499"/>
-      </p:ext>
-    </p:extLst>
-  </p:cSld>
-  <p:clrMapOvr>
-    <a:masterClrMapping/>
-  </p:clrMapOvr>
-</p:sld>
-</file>
-
-<file path=ppt/slides/slide9.xml><?xml version="1.0" encoding="utf-8"?>
 <p:sld xmlns:a="http://schemas.openxmlformats.org/drawingml/2006/main" xmlns:r="http://schemas.openxmlformats.org/officeDocument/2006/relationships" xmlns:p="http://schemas.openxmlformats.org/presentationml/2006/main">
   <p:cSld>
     <p:bg>
@@ -8882,31 +10799,393 @@
                   <a:schemeClr val="bg1"/>
                 </a:solidFill>
               </a:rPr>
-              <a:t>3.</a:t>
+              <a:t>2.</a:t>
             </a:r>
           </a:p>
           <a:p>
             <a:pPr algn="ctr"/>
             <a:r>
-              <a:rPr lang="ja-JP" altLang="en-US" sz="6600" b="1" dirty="0">
+              <a:rPr kumimoji="1" lang="en-US" altLang="ja-JP" sz="6600" b="1" dirty="0">
                 <a:solidFill>
                   <a:schemeClr val="bg1"/>
                 </a:solidFill>
               </a:rPr>
-              <a:t>主要アーキテクチャ</a:t>
-            </a:r>
-            <a:endParaRPr kumimoji="1" lang="ja-JP" altLang="en-US" sz="6600" b="1" dirty="0">
-              <a:solidFill>
-                <a:schemeClr val="bg1"/>
-              </a:solidFill>
-            </a:endParaRPr>
+              <a:t>Docker</a:t>
+            </a:r>
+            <a:r>
+              <a:rPr kumimoji="1" lang="ja-JP" altLang="en-US" sz="6600" b="1" dirty="0">
+                <a:solidFill>
+                  <a:schemeClr val="bg1"/>
+                </a:solidFill>
+              </a:rPr>
+              <a:t>とは？</a:t>
+            </a:r>
           </a:p>
         </p:txBody>
       </p:sp>
     </p:spTree>
     <p:extLst>
       <p:ext uri="{BB962C8B-B14F-4D97-AF65-F5344CB8AC3E}">
-        <p14:creationId xmlns:p14="http://schemas.microsoft.com/office/powerpoint/2010/main" val="3661967508"/>
+        <p14:creationId xmlns:p14="http://schemas.microsoft.com/office/powerpoint/2010/main" val="3088429541"/>
+      </p:ext>
+    </p:extLst>
+  </p:cSld>
+  <p:clrMapOvr>
+    <a:masterClrMapping/>
+  </p:clrMapOvr>
+</p:sld>
+</file>
+
+<file path=ppt/slides/slide9.xml><?xml version="1.0" encoding="utf-8"?>
+<p:sld xmlns:a="http://schemas.openxmlformats.org/drawingml/2006/main" xmlns:r="http://schemas.openxmlformats.org/officeDocument/2006/relationships" xmlns:p="http://schemas.openxmlformats.org/presentationml/2006/main">
+  <p:cSld>
+    <p:spTree>
+      <p:nvGrpSpPr>
+        <p:cNvPr id="1" name=""/>
+        <p:cNvGrpSpPr/>
+        <p:nvPr/>
+      </p:nvGrpSpPr>
+      <p:grpSpPr>
+        <a:xfrm>
+          <a:off x="0" y="0"/>
+          <a:ext cx="0" cy="0"/>
+          <a:chOff x="0" y="0"/>
+          <a:chExt cx="0" cy="0"/>
+        </a:xfrm>
+      </p:grpSpPr>
+      <p:sp>
+        <p:nvSpPr>
+          <p:cNvPr id="2" name="タイトル 1">
+            <a:extLst>
+              <a:ext uri="{FF2B5EF4-FFF2-40B4-BE49-F238E27FC236}">
+                <a16:creationId xmlns:a16="http://schemas.microsoft.com/office/drawing/2014/main" id="{5D85131E-AB32-0C13-F928-0BC8C7E25614}"/>
+              </a:ext>
+            </a:extLst>
+          </p:cNvPr>
+          <p:cNvSpPr>
+            <a:spLocks noGrp="1"/>
+          </p:cNvSpPr>
+          <p:nvPr>
+            <p:ph type="title"/>
+          </p:nvPr>
+        </p:nvSpPr>
+        <p:spPr/>
+        <p:txBody>
+          <a:bodyPr/>
+          <a:lstStyle/>
+          <a:p>
+            <a:r>
+              <a:rPr kumimoji="1" lang="ja-JP" altLang="en-US" dirty="0"/>
+              <a:t>概要</a:t>
+            </a:r>
+            <a:r>
+              <a:rPr kumimoji="1" lang="en-US" altLang="ja-JP" sz="2800" dirty="0"/>
+              <a:t>[x]</a:t>
+            </a:r>
+            <a:endParaRPr kumimoji="1" lang="ja-JP" altLang="en-US" dirty="0"/>
+          </a:p>
+        </p:txBody>
+      </p:sp>
+      <p:sp>
+        <p:nvSpPr>
+          <p:cNvPr id="3" name="コンテンツ プレースホルダー 2">
+            <a:extLst>
+              <a:ext uri="{FF2B5EF4-FFF2-40B4-BE49-F238E27FC236}">
+                <a16:creationId xmlns:a16="http://schemas.microsoft.com/office/drawing/2014/main" id="{E1842FAB-83F8-8740-EA6D-D4B6CB48EB62}"/>
+              </a:ext>
+            </a:extLst>
+          </p:cNvPr>
+          <p:cNvSpPr>
+            <a:spLocks noGrp="1"/>
+          </p:cNvSpPr>
+          <p:nvPr>
+            <p:ph idx="1"/>
+          </p:nvPr>
+        </p:nvSpPr>
+        <p:spPr>
+          <a:xfrm>
+            <a:off x="838200" y="1661157"/>
+            <a:ext cx="10515600" cy="5008584"/>
+          </a:xfrm>
+        </p:spPr>
+        <p:txBody>
+          <a:bodyPr>
+            <a:normAutofit/>
+          </a:bodyPr>
+          <a:lstStyle/>
+          <a:p>
+            <a:r>
+              <a:rPr kumimoji="1" lang="ja-JP" altLang="en-US" dirty="0"/>
+              <a:t>誕生</a:t>
+            </a:r>
+            <a:endParaRPr kumimoji="1" lang="en-US" altLang="ja-JP" dirty="0"/>
+          </a:p>
+          <a:p>
+            <a:pPr lvl="1"/>
+            <a:r>
+              <a:rPr kumimoji="1" lang="en-US" altLang="ja-JP" dirty="0"/>
+              <a:t>2013</a:t>
+            </a:r>
+            <a:r>
+              <a:rPr kumimoji="1" lang="ja-JP" altLang="en-US" dirty="0"/>
+              <a:t>年 </a:t>
+            </a:r>
+            <a:r>
+              <a:rPr kumimoji="1" lang="en-US" altLang="ja-JP" dirty="0"/>
+              <a:t>3</a:t>
+            </a:r>
+            <a:r>
+              <a:rPr kumimoji="1" lang="ja-JP" altLang="en-US" dirty="0"/>
+              <a:t>月 に登場</a:t>
+            </a:r>
+            <a:r>
+              <a:rPr kumimoji="1" lang="en-US" altLang="ja-JP" sz="2000" dirty="0"/>
+              <a:t>(10</a:t>
+            </a:r>
+            <a:r>
+              <a:rPr kumimoji="1" lang="ja-JP" altLang="en-US" sz="2000" dirty="0"/>
+              <a:t>年以上前！</a:t>
+            </a:r>
+            <a:r>
+              <a:rPr kumimoji="1" lang="en-US" altLang="ja-JP" sz="2000" dirty="0"/>
+              <a:t>)</a:t>
+            </a:r>
+            <a:endParaRPr kumimoji="1" lang="en-US" altLang="ja-JP" dirty="0"/>
+          </a:p>
+          <a:p>
+            <a:pPr lvl="1"/>
+            <a:endParaRPr kumimoji="1" lang="en-US" altLang="ja-JP" sz="1600" dirty="0"/>
+          </a:p>
+          <a:p>
+            <a:r>
+              <a:rPr kumimoji="1" lang="ja-JP" altLang="en-US" dirty="0"/>
+              <a:t>インフラ，</a:t>
+            </a:r>
+            <a:r>
+              <a:rPr kumimoji="1" lang="en-US" altLang="ja-JP" dirty="0"/>
+              <a:t>DevOps</a:t>
+            </a:r>
+            <a:r>
+              <a:rPr kumimoji="1" lang="ja-JP" altLang="en-US" dirty="0"/>
+              <a:t>で注目</a:t>
+            </a:r>
+            <a:endParaRPr kumimoji="1" lang="en-US" altLang="ja-JP" dirty="0"/>
+          </a:p>
+          <a:p>
+            <a:pPr lvl="1"/>
+            <a:r>
+              <a:rPr lang="ja-JP" altLang="en-US" b="1" dirty="0">
+                <a:solidFill>
+                  <a:srgbClr val="FF0000"/>
+                </a:solidFill>
+              </a:rPr>
+              <a:t>コンテナ型</a:t>
+            </a:r>
+            <a:r>
+              <a:rPr lang="ja-JP" altLang="en-US" dirty="0"/>
+              <a:t>仮想環境を作成，配布，実行するためのプラットフォーム</a:t>
+            </a:r>
+            <a:endParaRPr lang="en-US" altLang="ja-JP" dirty="0"/>
+          </a:p>
+          <a:p>
+            <a:pPr marL="457200" lvl="1" indent="0">
+              <a:buNone/>
+            </a:pPr>
+            <a:r>
+              <a:rPr kumimoji="1" lang="en-US" altLang="ja-JP" b="1" i="1" dirty="0"/>
+              <a:t>DevOps:</a:t>
+            </a:r>
+          </a:p>
+          <a:p>
+            <a:pPr lvl="2">
+              <a:buFont typeface="Wingdings" panose="05000000000000000000" pitchFamily="2" charset="2"/>
+              <a:buChar char="Ø"/>
+            </a:pPr>
+            <a:r>
+              <a:rPr kumimoji="1" lang="ja-JP" altLang="en-US" dirty="0"/>
+              <a:t>アイデアを開発から本番まで移行し，実際に価値提供するまでのプロセス</a:t>
+            </a:r>
+            <a:endParaRPr kumimoji="1" lang="en-US" altLang="ja-JP" dirty="0"/>
+          </a:p>
+          <a:p>
+            <a:pPr lvl="1"/>
+            <a:endParaRPr kumimoji="1" lang="en-US" altLang="ja-JP" sz="1600" dirty="0"/>
+          </a:p>
+          <a:p>
+            <a:r>
+              <a:rPr kumimoji="1" lang="en-US" altLang="ja-JP" dirty="0" err="1"/>
+              <a:t>IaC</a:t>
+            </a:r>
+            <a:r>
+              <a:rPr kumimoji="1" lang="en-US" altLang="ja-JP" sz="2400" dirty="0"/>
+              <a:t>(</a:t>
+            </a:r>
+            <a:r>
+              <a:rPr kumimoji="1" lang="en-US" altLang="ja-JP" sz="2400" dirty="0" err="1"/>
+              <a:t>Infrastracture</a:t>
+            </a:r>
+            <a:r>
+              <a:rPr kumimoji="1" lang="en-US" altLang="ja-JP" sz="2400" dirty="0"/>
+              <a:t> as Code)</a:t>
+            </a:r>
+          </a:p>
+          <a:p>
+            <a:pPr lvl="1"/>
+            <a:r>
+              <a:rPr lang="ja-JP" altLang="en-US" dirty="0"/>
+              <a:t>依存関係，ネットワーク構成等を</a:t>
+            </a:r>
+            <a:r>
+              <a:rPr lang="ja-JP" altLang="en-US" b="1" u="sng" dirty="0"/>
+              <a:t>コードとして管理</a:t>
+            </a:r>
+            <a:endParaRPr lang="en-US" altLang="ja-JP" b="1" u="sng" dirty="0"/>
+          </a:p>
+          <a:p>
+            <a:pPr lvl="2"/>
+            <a:r>
+              <a:rPr kumimoji="1" lang="ja-JP" altLang="en-US" dirty="0"/>
+              <a:t>手動の環境構築が不要</a:t>
+            </a:r>
+            <a:endParaRPr kumimoji="1" lang="en-US" altLang="ja-JP" dirty="0"/>
+          </a:p>
+          <a:p>
+            <a:pPr lvl="2"/>
+            <a:r>
+              <a:rPr kumimoji="1" lang="ja-JP" altLang="en-US" dirty="0"/>
+              <a:t>一貫性のある環境の</a:t>
+            </a:r>
+            <a:r>
+              <a:rPr kumimoji="1" lang="ja-JP" altLang="en-US" b="1" dirty="0"/>
+              <a:t>共有，再現，配布</a:t>
+            </a:r>
+            <a:r>
+              <a:rPr kumimoji="1" lang="ja-JP" altLang="en-US" dirty="0"/>
+              <a:t>が簡単</a:t>
+            </a:r>
+          </a:p>
+        </p:txBody>
+      </p:sp>
+      <p:sp>
+        <p:nvSpPr>
+          <p:cNvPr id="4" name="テキスト ボックス 3">
+            <a:extLst>
+              <a:ext uri="{FF2B5EF4-FFF2-40B4-BE49-F238E27FC236}">
+                <a16:creationId xmlns:a16="http://schemas.microsoft.com/office/drawing/2014/main" id="{DA317149-12A0-92F9-65EE-02DF436B7134}"/>
+              </a:ext>
+            </a:extLst>
+          </p:cNvPr>
+          <p:cNvSpPr txBox="1"/>
+          <p:nvPr/>
+        </p:nvSpPr>
+        <p:spPr>
+          <a:xfrm>
+            <a:off x="76200" y="85725"/>
+            <a:ext cx="3676650" cy="369332"/>
+          </a:xfrm>
+          <a:prstGeom prst="rect">
+            <a:avLst/>
+          </a:prstGeom>
+          <a:noFill/>
+        </p:spPr>
+        <p:txBody>
+          <a:bodyPr wrap="square" rtlCol="0">
+            <a:spAutoFit/>
+          </a:bodyPr>
+          <a:lstStyle/>
+          <a:p>
+            <a:r>
+              <a:rPr kumimoji="1" lang="en-US" altLang="ja-JP" dirty="0"/>
+              <a:t> </a:t>
+            </a:r>
+            <a:r>
+              <a:rPr lang="en-US" altLang="ja-JP" b="1" dirty="0">
+                <a:solidFill>
+                  <a:schemeClr val="tx1">
+                    <a:lumMod val="85000"/>
+                    <a:lumOff val="15000"/>
+                  </a:schemeClr>
+                </a:solidFill>
+              </a:rPr>
+              <a:t>2</a:t>
+            </a:r>
+            <a:r>
+              <a:rPr kumimoji="1" lang="en-US" altLang="ja-JP" b="1" dirty="0">
+                <a:solidFill>
+                  <a:schemeClr val="tx1">
+                    <a:lumMod val="85000"/>
+                    <a:lumOff val="15000"/>
+                  </a:schemeClr>
+                </a:solidFill>
+              </a:rPr>
+              <a:t>. Docker</a:t>
+            </a:r>
+            <a:r>
+              <a:rPr kumimoji="1" lang="ja-JP" altLang="en-US" b="1" dirty="0">
+                <a:solidFill>
+                  <a:schemeClr val="tx1">
+                    <a:lumMod val="85000"/>
+                    <a:lumOff val="15000"/>
+                  </a:schemeClr>
+                </a:solidFill>
+              </a:rPr>
+              <a:t>とは？</a:t>
+            </a:r>
+          </a:p>
+        </p:txBody>
+      </p:sp>
+      <p:sp>
+        <p:nvSpPr>
+          <p:cNvPr id="5" name="テキスト ボックス 4">
+            <a:extLst>
+              <a:ext uri="{FF2B5EF4-FFF2-40B4-BE49-F238E27FC236}">
+                <a16:creationId xmlns:a16="http://schemas.microsoft.com/office/drawing/2014/main" id="{E09A556A-475B-1445-E68E-AFDC24C2C342}"/>
+              </a:ext>
+            </a:extLst>
+          </p:cNvPr>
+          <p:cNvSpPr txBox="1"/>
+          <p:nvPr/>
+        </p:nvSpPr>
+        <p:spPr>
+          <a:xfrm>
+            <a:off x="0" y="6581001"/>
+            <a:ext cx="11439525" cy="276999"/>
+          </a:xfrm>
+          <a:prstGeom prst="rect">
+            <a:avLst/>
+          </a:prstGeom>
+          <a:noFill/>
+        </p:spPr>
+        <p:txBody>
+          <a:bodyPr wrap="square" rtlCol="0">
+            <a:spAutoFit/>
+          </a:bodyPr>
+          <a:lstStyle/>
+          <a:p>
+            <a:r>
+              <a:rPr kumimoji="1" lang="en-US" altLang="ja-JP" sz="1200" dirty="0"/>
+              <a:t>[x]</a:t>
+            </a:r>
+            <a:r>
+              <a:rPr lang="en-US" altLang="ja-JP" sz="1200" dirty="0"/>
+              <a:t>:</a:t>
+            </a:r>
+            <a:r>
+              <a:rPr lang="ja-JP" altLang="en-US" sz="1200" dirty="0"/>
+              <a:t> </a:t>
+            </a:r>
+            <a:r>
+              <a:rPr kumimoji="1" lang="en-US" altLang="ja-JP" sz="1200" dirty="0"/>
+              <a:t>Use containers to Build, Share and Run your applications, docker, https://www.docker.com/resources/what-container/</a:t>
+            </a:r>
+            <a:endParaRPr kumimoji="1" lang="ja-JP" altLang="en-US" sz="1200" dirty="0"/>
+          </a:p>
+        </p:txBody>
+      </p:sp>
+    </p:spTree>
+    <p:extLst>
+      <p:ext uri="{BB962C8B-B14F-4D97-AF65-F5344CB8AC3E}">
+        <p14:creationId xmlns:p14="http://schemas.microsoft.com/office/powerpoint/2010/main" val="2867152499"/>
       </p:ext>
     </p:extLst>
   </p:cSld>

--- a/docker-container.pptx
+++ b/docker-container.pptx
@@ -5,10 +5,10 @@
     <p:sldMasterId id="2147483648" r:id="rId1"/>
   </p:sldMasterIdLst>
   <p:notesMasterIdLst>
-    <p:notesMasterId r:id="rId22"/>
+    <p:notesMasterId r:id="rId28"/>
   </p:notesMasterIdLst>
   <p:handoutMasterIdLst>
-    <p:handoutMasterId r:id="rId23"/>
+    <p:handoutMasterId r:id="rId29"/>
   </p:handoutMasterIdLst>
   <p:sldIdLst>
     <p:sldId id="256" r:id="rId2"/>
@@ -20,17 +20,23 @@
     <p:sldId id="274" r:id="rId8"/>
     <p:sldId id="260" r:id="rId9"/>
     <p:sldId id="262" r:id="rId10"/>
-    <p:sldId id="261" r:id="rId11"/>
-    <p:sldId id="263" r:id="rId12"/>
-    <p:sldId id="265" r:id="rId13"/>
-    <p:sldId id="264" r:id="rId14"/>
-    <p:sldId id="275" r:id="rId15"/>
-    <p:sldId id="271" r:id="rId16"/>
-    <p:sldId id="272" r:id="rId17"/>
-    <p:sldId id="268" r:id="rId18"/>
-    <p:sldId id="269" r:id="rId19"/>
-    <p:sldId id="270" r:id="rId20"/>
-    <p:sldId id="273" r:id="rId21"/>
+    <p:sldId id="281" r:id="rId11"/>
+    <p:sldId id="261" r:id="rId12"/>
+    <p:sldId id="263" r:id="rId13"/>
+    <p:sldId id="265" r:id="rId14"/>
+    <p:sldId id="264" r:id="rId15"/>
+    <p:sldId id="275" r:id="rId16"/>
+    <p:sldId id="271" r:id="rId17"/>
+    <p:sldId id="272" r:id="rId18"/>
+    <p:sldId id="276" r:id="rId19"/>
+    <p:sldId id="268" r:id="rId20"/>
+    <p:sldId id="269" r:id="rId21"/>
+    <p:sldId id="270" r:id="rId22"/>
+    <p:sldId id="273" r:id="rId23"/>
+    <p:sldId id="279" r:id="rId24"/>
+    <p:sldId id="280" r:id="rId25"/>
+    <p:sldId id="277" r:id="rId26"/>
+    <p:sldId id="278" r:id="rId27"/>
   </p:sldIdLst>
   <p:sldSz cx="12192000" cy="6858000"/>
   <p:notesSz cx="6858000" cy="9144000"/>
@@ -234,7 +240,7 @@
           <a:p>
             <a:fld id="{99A0C20C-7A18-40C8-9999-BDC67FBB8458}" type="datetimeFigureOut">
               <a:rPr kumimoji="1" lang="ja-JP" altLang="en-US" smtClean="0"/>
-              <a:t>2024/5/27</a:t>
+              <a:t>2024/5/28</a:t>
             </a:fld>
             <a:endParaRPr kumimoji="1" lang="ja-JP" altLang="en-US"/>
           </a:p>
@@ -370,7 +376,7 @@
           <a:p>
             <a:fld id="{B0B4522C-AFC9-41CE-A894-3AD9CAFBC704}" type="datetimeFigureOut">
               <a:rPr kumimoji="1" lang="ja-JP" altLang="en-US" smtClean="0"/>
-              <a:t>2024/5/27</a:t>
+              <a:t>2024/5/28</a:t>
             </a:fld>
             <a:endParaRPr kumimoji="1" lang="ja-JP" altLang="en-US"/>
           </a:p>
@@ -753,6 +759,90 @@
 </p:notes>
 </file>
 
+<file path=ppt/notesSlides/notesSlide2.xml><?xml version="1.0" encoding="utf-8"?>
+<p:notes xmlns:a="http://schemas.openxmlformats.org/drawingml/2006/main" xmlns:r="http://schemas.openxmlformats.org/officeDocument/2006/relationships" xmlns:p="http://schemas.openxmlformats.org/presentationml/2006/main">
+  <p:cSld>
+    <p:spTree>
+      <p:nvGrpSpPr>
+        <p:cNvPr id="1" name=""/>
+        <p:cNvGrpSpPr/>
+        <p:nvPr/>
+      </p:nvGrpSpPr>
+      <p:grpSpPr>
+        <a:xfrm>
+          <a:off x="0" y="0"/>
+          <a:ext cx="0" cy="0"/>
+          <a:chOff x="0" y="0"/>
+          <a:chExt cx="0" cy="0"/>
+        </a:xfrm>
+      </p:grpSpPr>
+      <p:sp>
+        <p:nvSpPr>
+          <p:cNvPr id="2" name="スライド イメージ プレースホルダー 1"/>
+          <p:cNvSpPr>
+            <a:spLocks noGrp="1" noRot="1" noChangeAspect="1"/>
+          </p:cNvSpPr>
+          <p:nvPr>
+            <p:ph type="sldImg"/>
+          </p:nvPr>
+        </p:nvSpPr>
+        <p:spPr/>
+      </p:sp>
+      <p:sp>
+        <p:nvSpPr>
+          <p:cNvPr id="3" name="ノート プレースホルダー 2"/>
+          <p:cNvSpPr>
+            <a:spLocks noGrp="1"/>
+          </p:cNvSpPr>
+          <p:nvPr>
+            <p:ph type="body" idx="1"/>
+          </p:nvPr>
+        </p:nvSpPr>
+        <p:spPr/>
+        <p:txBody>
+          <a:bodyPr/>
+          <a:lstStyle/>
+          <a:p>
+            <a:endParaRPr kumimoji="1" lang="ja-JP" altLang="en-US" dirty="0"/>
+          </a:p>
+        </p:txBody>
+      </p:sp>
+      <p:sp>
+        <p:nvSpPr>
+          <p:cNvPr id="4" name="スライド番号プレースホルダー 3"/>
+          <p:cNvSpPr>
+            <a:spLocks noGrp="1"/>
+          </p:cNvSpPr>
+          <p:nvPr>
+            <p:ph type="sldNum" sz="quarter" idx="5"/>
+          </p:nvPr>
+        </p:nvSpPr>
+        <p:spPr/>
+        <p:txBody>
+          <a:bodyPr/>
+          <a:lstStyle/>
+          <a:p>
+            <a:fld id="{F26EE981-7732-41D3-AB89-E4466479DA03}" type="slidenum">
+              <a:rPr kumimoji="1" lang="ja-JP" altLang="en-US" smtClean="0"/>
+              <a:t>5</a:t>
+            </a:fld>
+            <a:endParaRPr kumimoji="1" lang="ja-JP" altLang="en-US"/>
+          </a:p>
+        </p:txBody>
+      </p:sp>
+    </p:spTree>
+    <p:extLst>
+      <p:ext uri="{BB962C8B-B14F-4D97-AF65-F5344CB8AC3E}">
+        <p14:creationId xmlns:p14="http://schemas.microsoft.com/office/powerpoint/2010/main" val="2885357676"/>
+      </p:ext>
+    </p:extLst>
+  </p:cSld>
+  <p:clrMapOvr>
+    <a:masterClrMapping/>
+  </p:clrMapOvr>
+</p:notes>
+</file>
+
 <file path=ppt/slideLayouts/slideLayout1.xml><?xml version="1.0" encoding="utf-8"?>
 <p:sldLayout xmlns:a="http://schemas.openxmlformats.org/drawingml/2006/main" xmlns:r="http://schemas.openxmlformats.org/officeDocument/2006/relationships" xmlns:p="http://schemas.openxmlformats.org/presentationml/2006/main" type="title" preserve="1">
   <p:cSld name="タイトル スライド">
@@ -909,9 +999,9 @@
           <a:bodyPr/>
           <a:lstStyle/>
           <a:p>
-            <a:fld id="{FC205792-3F04-46B6-8D68-E8B7A9B2EC46}" type="datetimeFigureOut">
+            <a:fld id="{1C608073-E1FB-4CCC-8B06-99E5406A43AB}" type="datetime1">
               <a:rPr kumimoji="1" lang="ja-JP" altLang="en-US" smtClean="0"/>
-              <a:t>2024/5/27</a:t>
+              <a:t>2024/5/28</a:t>
             </a:fld>
             <a:endParaRPr kumimoji="1" lang="ja-JP" altLang="en-US"/>
           </a:p>
@@ -1193,9 +1283,9 @@
           <a:bodyPr/>
           <a:lstStyle/>
           <a:p>
-            <a:fld id="{FC205792-3F04-46B6-8D68-E8B7A9B2EC46}" type="datetimeFigureOut">
+            <a:fld id="{43396454-4B54-4B86-BE76-F4FAAA82B07C}" type="datetime1">
               <a:rPr kumimoji="1" lang="ja-JP" altLang="en-US" smtClean="0"/>
-              <a:t>2024/5/27</a:t>
+              <a:t>2024/5/28</a:t>
             </a:fld>
             <a:endParaRPr kumimoji="1" lang="ja-JP" altLang="en-US"/>
           </a:p>
@@ -1433,9 +1523,9 @@
           <a:bodyPr/>
           <a:lstStyle/>
           <a:p>
-            <a:fld id="{FC205792-3F04-46B6-8D68-E8B7A9B2EC46}" type="datetimeFigureOut">
+            <a:fld id="{002243C2-230D-4F80-BE2E-56FA9F562E42}" type="datetime1">
               <a:rPr kumimoji="1" lang="ja-JP" altLang="en-US" smtClean="0"/>
-              <a:t>2024/5/27</a:t>
+              <a:t>2024/5/28</a:t>
             </a:fld>
             <a:endParaRPr kumimoji="1" lang="ja-JP" altLang="en-US"/>
           </a:p>
@@ -1699,9 +1789,9 @@
           <a:bodyPr/>
           <a:lstStyle/>
           <a:p>
-            <a:fld id="{FC205792-3F04-46B6-8D68-E8B7A9B2EC46}" type="datetimeFigureOut">
+            <a:fld id="{4BEA8003-DFC0-4950-8329-32C068AC449A}" type="datetime1">
               <a:rPr kumimoji="1" lang="ja-JP" altLang="en-US" smtClean="0"/>
-              <a:t>2024/5/27</a:t>
+              <a:t>2024/5/28</a:t>
             </a:fld>
             <a:endParaRPr kumimoji="1" lang="ja-JP" altLang="en-US"/>
           </a:p>
@@ -2028,9 +2118,9 @@
           <a:bodyPr/>
           <a:lstStyle/>
           <a:p>
-            <a:fld id="{FC205792-3F04-46B6-8D68-E8B7A9B2EC46}" type="datetimeFigureOut">
+            <a:fld id="{A1DE1A3D-6517-4D21-96FC-BECFAFBDE02B}" type="datetime1">
               <a:rPr kumimoji="1" lang="ja-JP" altLang="en-US" smtClean="0"/>
-              <a:t>2024/5/27</a:t>
+              <a:t>2024/5/28</a:t>
             </a:fld>
             <a:endParaRPr kumimoji="1" lang="ja-JP" altLang="en-US"/>
           </a:p>
@@ -2374,9 +2464,9 @@
           <a:bodyPr/>
           <a:lstStyle/>
           <a:p>
-            <a:fld id="{FC205792-3F04-46B6-8D68-E8B7A9B2EC46}" type="datetimeFigureOut">
+            <a:fld id="{D272E72A-0F0F-4302-B964-E9764CF668E8}" type="datetime1">
               <a:rPr kumimoji="1" lang="ja-JP" altLang="en-US" smtClean="0"/>
-              <a:t>2024/5/27</a:t>
+              <a:t>2024/5/28</a:t>
             </a:fld>
             <a:endParaRPr kumimoji="1" lang="ja-JP" altLang="en-US"/>
           </a:p>
@@ -2850,9 +2940,9 @@
           <a:bodyPr/>
           <a:lstStyle/>
           <a:p>
-            <a:fld id="{FC205792-3F04-46B6-8D68-E8B7A9B2EC46}" type="datetimeFigureOut">
+            <a:fld id="{6FD93DD8-23D4-4BFC-8CEB-D4EEE1679259}" type="datetime1">
               <a:rPr kumimoji="1" lang="ja-JP" altLang="en-US" smtClean="0"/>
-              <a:t>2024/5/27</a:t>
+              <a:t>2024/5/28</a:t>
             </a:fld>
             <a:endParaRPr kumimoji="1" lang="ja-JP" altLang="en-US"/>
           </a:p>
@@ -2991,9 +3081,9 @@
           <a:bodyPr/>
           <a:lstStyle/>
           <a:p>
-            <a:fld id="{FC205792-3F04-46B6-8D68-E8B7A9B2EC46}" type="datetimeFigureOut">
+            <a:fld id="{99C6FC8C-ED75-472B-B4F3-7CAE2DB654A8}" type="datetime1">
               <a:rPr kumimoji="1" lang="ja-JP" altLang="en-US" smtClean="0"/>
-              <a:t>2024/5/27</a:t>
+              <a:t>2024/5/28</a:t>
             </a:fld>
             <a:endParaRPr kumimoji="1" lang="ja-JP" altLang="en-US"/>
           </a:p>
@@ -3104,9 +3194,9 @@
           <a:bodyPr/>
           <a:lstStyle/>
           <a:p>
-            <a:fld id="{FC205792-3F04-46B6-8D68-E8B7A9B2EC46}" type="datetimeFigureOut">
+            <a:fld id="{EECADCE3-F9D6-4D4D-B000-50AFDBD1BC64}" type="datetime1">
               <a:rPr kumimoji="1" lang="ja-JP" altLang="en-US" smtClean="0"/>
-              <a:t>2024/5/27</a:t>
+              <a:t>2024/5/28</a:t>
             </a:fld>
             <a:endParaRPr kumimoji="1" lang="ja-JP" altLang="en-US"/>
           </a:p>
@@ -3447,9 +3537,9 @@
           <a:bodyPr/>
           <a:lstStyle/>
           <a:p>
-            <a:fld id="{FC205792-3F04-46B6-8D68-E8B7A9B2EC46}" type="datetimeFigureOut">
+            <a:fld id="{DBCB9050-36F9-4A8C-A970-04D5200EAC16}" type="datetime1">
               <a:rPr kumimoji="1" lang="ja-JP" altLang="en-US" smtClean="0"/>
-              <a:t>2024/5/27</a:t>
+              <a:t>2024/5/28</a:t>
             </a:fld>
             <a:endParaRPr kumimoji="1" lang="ja-JP" altLang="en-US"/>
           </a:p>
@@ -3735,9 +3825,9 @@
           <a:bodyPr/>
           <a:lstStyle/>
           <a:p>
-            <a:fld id="{FC205792-3F04-46B6-8D68-E8B7A9B2EC46}" type="datetimeFigureOut">
+            <a:fld id="{6A373F9C-62F6-4BC6-AB78-E008C5697C12}" type="datetime1">
               <a:rPr kumimoji="1" lang="ja-JP" altLang="en-US" smtClean="0"/>
-              <a:t>2024/5/27</a:t>
+              <a:t>2024/5/28</a:t>
             </a:fld>
             <a:endParaRPr kumimoji="1" lang="ja-JP" altLang="en-US"/>
           </a:p>
@@ -4008,9 +4098,9 @@
             </a:lvl1pPr>
           </a:lstStyle>
           <a:p>
-            <a:fld id="{FC205792-3F04-46B6-8D68-E8B7A9B2EC46}" type="datetimeFigureOut">
+            <a:fld id="{76E0CEE0-39E0-4956-A23C-73F5A1380A50}" type="datetime1">
               <a:rPr kumimoji="1" lang="ja-JP" altLang="en-US" smtClean="0"/>
-              <a:t>2024/5/27</a:t>
+              <a:t>2024/5/28</a:t>
             </a:fld>
             <a:endParaRPr kumimoji="1" lang="ja-JP" altLang="en-US"/>
           </a:p>
@@ -4172,6 +4262,7 @@
     <p:sldLayoutId id="2147483658" r:id="rId10"/>
     <p:sldLayoutId id="2147483659" r:id="rId11"/>
   </p:sldLayoutIdLst>
+  <p:hf hdr="0" ftr="0" dt="0"/>
   <p:txStyles>
     <p:titleStyle>
       <a:lvl1pPr algn="l" defTabSz="914400" rtl="0" eaLnBrk="1" latinLnBrk="0" hangingPunct="1">
@@ -4587,6 +4678,35 @@
           </a:p>
         </p:txBody>
       </p:sp>
+      <p:sp>
+        <p:nvSpPr>
+          <p:cNvPr id="4" name="スライド番号プレースホルダー 3">
+            <a:extLst>
+              <a:ext uri="{FF2B5EF4-FFF2-40B4-BE49-F238E27FC236}">
+                <a16:creationId xmlns:a16="http://schemas.microsoft.com/office/drawing/2014/main" id="{8FFD793E-02AB-8F3C-A97F-6B3C9BE1DA22}"/>
+              </a:ext>
+            </a:extLst>
+          </p:cNvPr>
+          <p:cNvSpPr>
+            <a:spLocks noGrp="1"/>
+          </p:cNvSpPr>
+          <p:nvPr>
+            <p:ph type="sldNum" sz="quarter" idx="12"/>
+          </p:nvPr>
+        </p:nvSpPr>
+        <p:spPr/>
+        <p:txBody>
+          <a:bodyPr/>
+          <a:lstStyle/>
+          <a:p>
+            <a:fld id="{09FDC953-F94B-4BF6-9058-77E5342884D4}" type="slidenum">
+              <a:rPr kumimoji="1" lang="ja-JP" altLang="en-US" smtClean="0"/>
+              <a:t>1</a:t>
+            </a:fld>
+            <a:endParaRPr kumimoji="1" lang="ja-JP" altLang="en-US"/>
+          </a:p>
+        </p:txBody>
+      </p:sp>
     </p:spTree>
     <p:extLst>
       <p:ext uri="{BB962C8B-B14F-4D97-AF65-F5344CB8AC3E}">
@@ -4601,6 +4721,272 @@
 </file>
 
 <file path=ppt/slides/slide10.xml><?xml version="1.0" encoding="utf-8"?>
+<p:sld xmlns:a="http://schemas.openxmlformats.org/drawingml/2006/main" xmlns:r="http://schemas.openxmlformats.org/officeDocument/2006/relationships" xmlns:p="http://schemas.openxmlformats.org/presentationml/2006/main">
+  <p:cSld>
+    <p:spTree>
+      <p:nvGrpSpPr>
+        <p:cNvPr id="1" name=""/>
+        <p:cNvGrpSpPr/>
+        <p:nvPr/>
+      </p:nvGrpSpPr>
+      <p:grpSpPr>
+        <a:xfrm>
+          <a:off x="0" y="0"/>
+          <a:ext cx="0" cy="0"/>
+          <a:chOff x="0" y="0"/>
+          <a:chExt cx="0" cy="0"/>
+        </a:xfrm>
+      </p:grpSpPr>
+      <p:sp>
+        <p:nvSpPr>
+          <p:cNvPr id="2" name="タイトル 1">
+            <a:extLst>
+              <a:ext uri="{FF2B5EF4-FFF2-40B4-BE49-F238E27FC236}">
+                <a16:creationId xmlns:a16="http://schemas.microsoft.com/office/drawing/2014/main" id="{5D85131E-AB32-0C13-F928-0BC8C7E25614}"/>
+              </a:ext>
+            </a:extLst>
+          </p:cNvPr>
+          <p:cNvSpPr>
+            <a:spLocks noGrp="1"/>
+          </p:cNvSpPr>
+          <p:nvPr>
+            <p:ph type="title"/>
+          </p:nvPr>
+        </p:nvSpPr>
+        <p:spPr/>
+        <p:txBody>
+          <a:bodyPr/>
+          <a:lstStyle/>
+          <a:p>
+            <a:r>
+              <a:rPr kumimoji="1" lang="ja-JP" altLang="en-US" dirty="0"/>
+              <a:t>概要</a:t>
+            </a:r>
+            <a:r>
+              <a:rPr kumimoji="1" lang="en-US" altLang="ja-JP" sz="2800" dirty="0"/>
+              <a:t>[x]</a:t>
+            </a:r>
+            <a:endParaRPr kumimoji="1" lang="ja-JP" altLang="en-US" dirty="0"/>
+          </a:p>
+        </p:txBody>
+      </p:sp>
+      <p:sp>
+        <p:nvSpPr>
+          <p:cNvPr id="3" name="コンテンツ プレースホルダー 2">
+            <a:extLst>
+              <a:ext uri="{FF2B5EF4-FFF2-40B4-BE49-F238E27FC236}">
+                <a16:creationId xmlns:a16="http://schemas.microsoft.com/office/drawing/2014/main" id="{E1842FAB-83F8-8740-EA6D-D4B6CB48EB62}"/>
+              </a:ext>
+            </a:extLst>
+          </p:cNvPr>
+          <p:cNvSpPr>
+            <a:spLocks noGrp="1"/>
+          </p:cNvSpPr>
+          <p:nvPr>
+            <p:ph idx="1"/>
+          </p:nvPr>
+        </p:nvSpPr>
+        <p:spPr>
+          <a:xfrm>
+            <a:off x="838200" y="1661157"/>
+            <a:ext cx="10515600" cy="5008584"/>
+          </a:xfrm>
+        </p:spPr>
+        <p:txBody>
+          <a:bodyPr>
+            <a:normAutofit/>
+          </a:bodyPr>
+          <a:lstStyle/>
+          <a:p>
+            <a:r>
+              <a:rPr kumimoji="1" lang="ja-JP" altLang="en-US" dirty="0"/>
+              <a:t>歴史</a:t>
+            </a:r>
+            <a:r>
+              <a:rPr kumimoji="1" lang="en-US" altLang="ja-JP" dirty="0"/>
+              <a:t>, </a:t>
+            </a:r>
+            <a:r>
+              <a:rPr kumimoji="1" lang="ja-JP" altLang="en-US" dirty="0"/>
+              <a:t>原理</a:t>
+            </a:r>
+            <a:endParaRPr kumimoji="1" lang="en-US" altLang="ja-JP" dirty="0"/>
+          </a:p>
+          <a:p>
+            <a:pPr lvl="1"/>
+            <a:endParaRPr kumimoji="1" lang="ja-JP" altLang="en-US" dirty="0"/>
+          </a:p>
+        </p:txBody>
+      </p:sp>
+      <p:sp>
+        <p:nvSpPr>
+          <p:cNvPr id="4" name="テキスト ボックス 3">
+            <a:extLst>
+              <a:ext uri="{FF2B5EF4-FFF2-40B4-BE49-F238E27FC236}">
+                <a16:creationId xmlns:a16="http://schemas.microsoft.com/office/drawing/2014/main" id="{DA317149-12A0-92F9-65EE-02DF436B7134}"/>
+              </a:ext>
+            </a:extLst>
+          </p:cNvPr>
+          <p:cNvSpPr txBox="1"/>
+          <p:nvPr/>
+        </p:nvSpPr>
+        <p:spPr>
+          <a:xfrm>
+            <a:off x="76200" y="85725"/>
+            <a:ext cx="3676650" cy="369332"/>
+          </a:xfrm>
+          <a:prstGeom prst="rect">
+            <a:avLst/>
+          </a:prstGeom>
+          <a:noFill/>
+        </p:spPr>
+        <p:txBody>
+          <a:bodyPr wrap="square" rtlCol="0">
+            <a:spAutoFit/>
+          </a:bodyPr>
+          <a:lstStyle/>
+          <a:p>
+            <a:r>
+              <a:rPr kumimoji="1" lang="en-US" altLang="ja-JP" dirty="0"/>
+              <a:t> </a:t>
+            </a:r>
+            <a:r>
+              <a:rPr lang="en-US" altLang="ja-JP" b="1" dirty="0">
+                <a:solidFill>
+                  <a:schemeClr val="tx1">
+                    <a:lumMod val="85000"/>
+                    <a:lumOff val="15000"/>
+                  </a:schemeClr>
+                </a:solidFill>
+              </a:rPr>
+              <a:t>2</a:t>
+            </a:r>
+            <a:r>
+              <a:rPr kumimoji="1" lang="en-US" altLang="ja-JP" b="1" dirty="0">
+                <a:solidFill>
+                  <a:schemeClr val="tx1">
+                    <a:lumMod val="85000"/>
+                    <a:lumOff val="15000"/>
+                  </a:schemeClr>
+                </a:solidFill>
+              </a:rPr>
+              <a:t>. Docker</a:t>
+            </a:r>
+            <a:r>
+              <a:rPr kumimoji="1" lang="ja-JP" altLang="en-US" b="1" dirty="0">
+                <a:solidFill>
+                  <a:schemeClr val="tx1">
+                    <a:lumMod val="85000"/>
+                    <a:lumOff val="15000"/>
+                  </a:schemeClr>
+                </a:solidFill>
+              </a:rPr>
+              <a:t>とは？</a:t>
+            </a:r>
+          </a:p>
+        </p:txBody>
+      </p:sp>
+      <p:sp>
+        <p:nvSpPr>
+          <p:cNvPr id="5" name="テキスト ボックス 4">
+            <a:extLst>
+              <a:ext uri="{FF2B5EF4-FFF2-40B4-BE49-F238E27FC236}">
+                <a16:creationId xmlns:a16="http://schemas.microsoft.com/office/drawing/2014/main" id="{E09A556A-475B-1445-E68E-AFDC24C2C342}"/>
+              </a:ext>
+            </a:extLst>
+          </p:cNvPr>
+          <p:cNvSpPr txBox="1"/>
+          <p:nvPr/>
+        </p:nvSpPr>
+        <p:spPr>
+          <a:xfrm>
+            <a:off x="0" y="6581001"/>
+            <a:ext cx="11439525" cy="276999"/>
+          </a:xfrm>
+          <a:prstGeom prst="rect">
+            <a:avLst/>
+          </a:prstGeom>
+          <a:noFill/>
+        </p:spPr>
+        <p:txBody>
+          <a:bodyPr wrap="square" rtlCol="0">
+            <a:spAutoFit/>
+          </a:bodyPr>
+          <a:lstStyle/>
+          <a:p>
+            <a:r>
+              <a:rPr kumimoji="1" lang="en-US" altLang="ja-JP" sz="1200" dirty="0"/>
+              <a:t>[x]</a:t>
+            </a:r>
+            <a:r>
+              <a:rPr lang="en-US" altLang="ja-JP" sz="1200" dirty="0"/>
+              <a:t>:</a:t>
+            </a:r>
+            <a:r>
+              <a:rPr lang="ja-JP" altLang="en-US" sz="1200" dirty="0"/>
+              <a:t> </a:t>
+            </a:r>
+            <a:r>
+              <a:rPr kumimoji="1" lang="en-US" altLang="ja-JP" sz="1200" dirty="0"/>
+              <a:t>docker, Use containers to Build, Share and Run your applications, </a:t>
+            </a:r>
+            <a:r>
+              <a:rPr kumimoji="1" lang="en-US" altLang="ja-JP" sz="1200" dirty="0">
+                <a:hlinkClick r:id="rId2"/>
+              </a:rPr>
+              <a:t>https://www.docker.com/resources/what-container/</a:t>
+            </a:r>
+            <a:r>
+              <a:rPr kumimoji="1" lang="en-US" altLang="ja-JP" sz="1200" dirty="0"/>
+              <a:t>, 2024/05/27</a:t>
+            </a:r>
+            <a:endParaRPr kumimoji="1" lang="ja-JP" altLang="en-US" sz="1200" dirty="0"/>
+          </a:p>
+        </p:txBody>
+      </p:sp>
+      <p:sp>
+        <p:nvSpPr>
+          <p:cNvPr id="6" name="スライド番号プレースホルダー 5">
+            <a:extLst>
+              <a:ext uri="{FF2B5EF4-FFF2-40B4-BE49-F238E27FC236}">
+                <a16:creationId xmlns:a16="http://schemas.microsoft.com/office/drawing/2014/main" id="{1EF441D7-D762-EA79-B75E-D8D5BC44EDFF}"/>
+              </a:ext>
+            </a:extLst>
+          </p:cNvPr>
+          <p:cNvSpPr>
+            <a:spLocks noGrp="1"/>
+          </p:cNvSpPr>
+          <p:nvPr>
+            <p:ph type="sldNum" sz="quarter" idx="12"/>
+          </p:nvPr>
+        </p:nvSpPr>
+        <p:spPr/>
+        <p:txBody>
+          <a:bodyPr/>
+          <a:lstStyle/>
+          <a:p>
+            <a:fld id="{09FDC953-F94B-4BF6-9058-77E5342884D4}" type="slidenum">
+              <a:rPr kumimoji="1" lang="ja-JP" altLang="en-US" smtClean="0"/>
+              <a:t>10</a:t>
+            </a:fld>
+            <a:endParaRPr kumimoji="1" lang="ja-JP" altLang="en-US" dirty="0"/>
+          </a:p>
+        </p:txBody>
+      </p:sp>
+    </p:spTree>
+    <p:extLst>
+      <p:ext uri="{BB962C8B-B14F-4D97-AF65-F5344CB8AC3E}">
+        <p14:creationId xmlns:p14="http://schemas.microsoft.com/office/powerpoint/2010/main" val="1934338039"/>
+      </p:ext>
+    </p:extLst>
+  </p:cSld>
+  <p:clrMapOvr>
+    <a:masterClrMapping/>
+  </p:clrMapOvr>
+</p:sld>
+</file>
+
+<file path=ppt/slides/slide11.xml><?xml version="1.0" encoding="utf-8"?>
 <p:sld xmlns:a="http://schemas.openxmlformats.org/drawingml/2006/main" xmlns:r="http://schemas.openxmlformats.org/officeDocument/2006/relationships" xmlns:p="http://schemas.openxmlformats.org/presentationml/2006/main">
   <p:cSld>
     <p:bg>
@@ -4681,6 +5067,35 @@
           </a:p>
         </p:txBody>
       </p:sp>
+      <p:sp>
+        <p:nvSpPr>
+          <p:cNvPr id="3" name="スライド番号プレースホルダー 2">
+            <a:extLst>
+              <a:ext uri="{FF2B5EF4-FFF2-40B4-BE49-F238E27FC236}">
+                <a16:creationId xmlns:a16="http://schemas.microsoft.com/office/drawing/2014/main" id="{EE84D39B-9DE1-45D1-9A4C-E32538C8EE00}"/>
+              </a:ext>
+            </a:extLst>
+          </p:cNvPr>
+          <p:cNvSpPr>
+            <a:spLocks noGrp="1"/>
+          </p:cNvSpPr>
+          <p:nvPr>
+            <p:ph type="sldNum" sz="quarter" idx="12"/>
+          </p:nvPr>
+        </p:nvSpPr>
+        <p:spPr/>
+        <p:txBody>
+          <a:bodyPr/>
+          <a:lstStyle/>
+          <a:p>
+            <a:fld id="{09FDC953-F94B-4BF6-9058-77E5342884D4}" type="slidenum">
+              <a:rPr kumimoji="1" lang="ja-JP" altLang="en-US" smtClean="0"/>
+              <a:t>11</a:t>
+            </a:fld>
+            <a:endParaRPr kumimoji="1" lang="ja-JP" altLang="en-US"/>
+          </a:p>
+        </p:txBody>
+      </p:sp>
     </p:spTree>
     <p:extLst>
       <p:ext uri="{BB962C8B-B14F-4D97-AF65-F5344CB8AC3E}">
@@ -4694,7 +5109,7 @@
 </p:sld>
 </file>
 
-<file path=ppt/slides/slide11.xml><?xml version="1.0" encoding="utf-8"?>
+<file path=ppt/slides/slide12.xml><?xml version="1.0" encoding="utf-8"?>
 <p:sld xmlns:a="http://schemas.openxmlformats.org/drawingml/2006/main" xmlns:r="http://schemas.openxmlformats.org/officeDocument/2006/relationships" xmlns:p="http://schemas.openxmlformats.org/presentationml/2006/main">
   <p:cSld>
     <p:spTree>
@@ -5878,217 +6293,39 @@
           </a:p>
         </p:txBody>
       </p:sp>
+      <p:sp>
+        <p:nvSpPr>
+          <p:cNvPr id="3" name="スライド番号プレースホルダー 2">
+            <a:extLst>
+              <a:ext uri="{FF2B5EF4-FFF2-40B4-BE49-F238E27FC236}">
+                <a16:creationId xmlns:a16="http://schemas.microsoft.com/office/drawing/2014/main" id="{3AE919DC-F7A4-E6C9-9DB8-D109BD074051}"/>
+              </a:ext>
+            </a:extLst>
+          </p:cNvPr>
+          <p:cNvSpPr>
+            <a:spLocks noGrp="1"/>
+          </p:cNvSpPr>
+          <p:nvPr>
+            <p:ph type="sldNum" sz="quarter" idx="12"/>
+          </p:nvPr>
+        </p:nvSpPr>
+        <p:spPr/>
+        <p:txBody>
+          <a:bodyPr/>
+          <a:lstStyle/>
+          <a:p>
+            <a:fld id="{09FDC953-F94B-4BF6-9058-77E5342884D4}" type="slidenum">
+              <a:rPr kumimoji="1" lang="ja-JP" altLang="en-US" smtClean="0"/>
+              <a:t>12</a:t>
+            </a:fld>
+            <a:endParaRPr kumimoji="1" lang="ja-JP" altLang="en-US"/>
+          </a:p>
+        </p:txBody>
+      </p:sp>
     </p:spTree>
     <p:extLst>
       <p:ext uri="{BB962C8B-B14F-4D97-AF65-F5344CB8AC3E}">
         <p14:creationId xmlns:p14="http://schemas.microsoft.com/office/powerpoint/2010/main" val="984655461"/>
-      </p:ext>
-    </p:extLst>
-  </p:cSld>
-  <p:clrMapOvr>
-    <a:masterClrMapping/>
-  </p:clrMapOvr>
-</p:sld>
-</file>
-
-<file path=ppt/slides/slide12.xml><?xml version="1.0" encoding="utf-8"?>
-<p:sld xmlns:a="http://schemas.openxmlformats.org/drawingml/2006/main" xmlns:r="http://schemas.openxmlformats.org/officeDocument/2006/relationships" xmlns:p="http://schemas.openxmlformats.org/presentationml/2006/main">
-  <p:cSld>
-    <p:spTree>
-      <p:nvGrpSpPr>
-        <p:cNvPr id="1" name=""/>
-        <p:cNvGrpSpPr/>
-        <p:nvPr/>
-      </p:nvGrpSpPr>
-      <p:grpSpPr>
-        <a:xfrm>
-          <a:off x="0" y="0"/>
-          <a:ext cx="0" cy="0"/>
-          <a:chOff x="0" y="0"/>
-          <a:chExt cx="0" cy="0"/>
-        </a:xfrm>
-      </p:grpSpPr>
-      <p:sp>
-        <p:nvSpPr>
-          <p:cNvPr id="2" name="タイトル 1">
-            <a:extLst>
-              <a:ext uri="{FF2B5EF4-FFF2-40B4-BE49-F238E27FC236}">
-                <a16:creationId xmlns:a16="http://schemas.microsoft.com/office/drawing/2014/main" id="{5D85131E-AB32-0C13-F928-0BC8C7E25614}"/>
-              </a:ext>
-            </a:extLst>
-          </p:cNvPr>
-          <p:cNvSpPr>
-            <a:spLocks noGrp="1"/>
-          </p:cNvSpPr>
-          <p:nvPr>
-            <p:ph type="title"/>
-          </p:nvPr>
-        </p:nvSpPr>
-        <p:spPr/>
-        <p:txBody>
-          <a:bodyPr/>
-          <a:lstStyle/>
-          <a:p>
-            <a:r>
-              <a:rPr kumimoji="1" lang="ja-JP" altLang="en-US" dirty="0"/>
-              <a:t>用語</a:t>
-            </a:r>
-          </a:p>
-        </p:txBody>
-      </p:sp>
-      <p:sp>
-        <p:nvSpPr>
-          <p:cNvPr id="3" name="コンテンツ プレースホルダー 2">
-            <a:extLst>
-              <a:ext uri="{FF2B5EF4-FFF2-40B4-BE49-F238E27FC236}">
-                <a16:creationId xmlns:a16="http://schemas.microsoft.com/office/drawing/2014/main" id="{E1842FAB-83F8-8740-EA6D-D4B6CB48EB62}"/>
-              </a:ext>
-            </a:extLst>
-          </p:cNvPr>
-          <p:cNvSpPr>
-            <a:spLocks noGrp="1"/>
-          </p:cNvSpPr>
-          <p:nvPr>
-            <p:ph idx="1"/>
-          </p:nvPr>
-        </p:nvSpPr>
-        <p:spPr/>
-        <p:txBody>
-          <a:bodyPr/>
-          <a:lstStyle/>
-          <a:p>
-            <a:r>
-              <a:rPr kumimoji="1" lang="en-US" altLang="ja-JP" i="1" dirty="0" err="1">
-                <a:solidFill>
-                  <a:schemeClr val="tx1">
-                    <a:lumMod val="95000"/>
-                    <a:lumOff val="5000"/>
-                  </a:schemeClr>
-                </a:solidFill>
-              </a:rPr>
-              <a:t>Dockerfile</a:t>
-            </a:r>
-            <a:endParaRPr kumimoji="1" lang="en-US" altLang="ja-JP" i="1" dirty="0">
-              <a:solidFill>
-                <a:schemeClr val="tx1">
-                  <a:lumMod val="95000"/>
-                  <a:lumOff val="5000"/>
-                </a:schemeClr>
-              </a:solidFill>
-            </a:endParaRPr>
-          </a:p>
-          <a:p>
-            <a:r>
-              <a:rPr lang="en-US" altLang="ja-JP" i="1" dirty="0"/>
-              <a:t>image</a:t>
-            </a:r>
-          </a:p>
-          <a:p>
-            <a:r>
-              <a:rPr kumimoji="1" lang="en-US" altLang="ja-JP" i="1" dirty="0">
-                <a:solidFill>
-                  <a:schemeClr val="accent2"/>
-                </a:solidFill>
-              </a:rPr>
-              <a:t>container</a:t>
-            </a:r>
-          </a:p>
-          <a:p>
-            <a:r>
-              <a:rPr lang="en-US" altLang="ja-JP" b="0" i="1" dirty="0">
-                <a:solidFill>
-                  <a:schemeClr val="tx1">
-                    <a:lumMod val="85000"/>
-                    <a:lumOff val="15000"/>
-                  </a:schemeClr>
-                </a:solidFill>
-              </a:rPr>
-              <a:t>Docker Hub</a:t>
-            </a:r>
-            <a:endParaRPr kumimoji="1" lang="en-US" altLang="ja-JP" b="0" i="1" dirty="0">
-              <a:solidFill>
-                <a:schemeClr val="tx1">
-                  <a:lumMod val="85000"/>
-                  <a:lumOff val="15000"/>
-                </a:schemeClr>
-              </a:solidFill>
-            </a:endParaRPr>
-          </a:p>
-          <a:p>
-            <a:pPr lvl="2"/>
-            <a:endParaRPr kumimoji="1" lang="ja-JP" altLang="en-US" dirty="0"/>
-          </a:p>
-        </p:txBody>
-      </p:sp>
-      <p:sp>
-        <p:nvSpPr>
-          <p:cNvPr id="4" name="テキスト ボックス 3">
-            <a:extLst>
-              <a:ext uri="{FF2B5EF4-FFF2-40B4-BE49-F238E27FC236}">
-                <a16:creationId xmlns:a16="http://schemas.microsoft.com/office/drawing/2014/main" id="{DA317149-12A0-92F9-65EE-02DF436B7134}"/>
-              </a:ext>
-            </a:extLst>
-          </p:cNvPr>
-          <p:cNvSpPr txBox="1"/>
-          <p:nvPr/>
-        </p:nvSpPr>
-        <p:spPr>
-          <a:xfrm>
-            <a:off x="76200" y="85725"/>
-            <a:ext cx="3676650" cy="369332"/>
-          </a:xfrm>
-          <a:prstGeom prst="rect">
-            <a:avLst/>
-          </a:prstGeom>
-          <a:noFill/>
-        </p:spPr>
-        <p:txBody>
-          <a:bodyPr wrap="square" rtlCol="0">
-            <a:spAutoFit/>
-          </a:bodyPr>
-          <a:lstStyle/>
-          <a:p>
-            <a:r>
-              <a:rPr kumimoji="1" lang="en-US" altLang="ja-JP" dirty="0"/>
-              <a:t> </a:t>
-            </a:r>
-            <a:r>
-              <a:rPr kumimoji="1" lang="en-US" altLang="ja-JP" b="1" dirty="0">
-                <a:solidFill>
-                  <a:schemeClr val="tx1">
-                    <a:lumMod val="85000"/>
-                    <a:lumOff val="15000"/>
-                  </a:schemeClr>
-                </a:solidFill>
-              </a:rPr>
-              <a:t>3. </a:t>
-            </a:r>
-            <a:r>
-              <a:rPr lang="ja-JP" altLang="en-US" b="1" dirty="0">
-                <a:solidFill>
-                  <a:schemeClr val="tx1">
-                    <a:lumMod val="85000"/>
-                    <a:lumOff val="15000"/>
-                  </a:schemeClr>
-                </a:solidFill>
-              </a:rPr>
-              <a:t>主要アーキテクチャ</a:t>
-            </a:r>
-            <a:endParaRPr kumimoji="1" lang="ja-JP" altLang="en-US" b="1" dirty="0">
-              <a:solidFill>
-                <a:schemeClr val="tx1">
-                  <a:lumMod val="85000"/>
-                  <a:lumOff val="15000"/>
-                </a:schemeClr>
-              </a:solidFill>
-            </a:endParaRPr>
-          </a:p>
-        </p:txBody>
-      </p:sp>
-    </p:spTree>
-    <p:extLst>
-      <p:ext uri="{BB962C8B-B14F-4D97-AF65-F5344CB8AC3E}">
-        <p14:creationId xmlns:p14="http://schemas.microsoft.com/office/powerpoint/2010/main" val="43114881"/>
       </p:ext>
     </p:extLst>
   </p:cSld>
@@ -6168,14 +6405,51 @@
               <a:rPr kumimoji="1" lang="en-US" altLang="ja-JP" i="1" dirty="0" err="1">
                 <a:solidFill>
                   <a:schemeClr val="tx1">
+                    <a:lumMod val="95000"/>
+                    <a:lumOff val="5000"/>
+                  </a:schemeClr>
+                </a:solidFill>
+              </a:rPr>
+              <a:t>Dockerfile</a:t>
+            </a:r>
+            <a:endParaRPr kumimoji="1" lang="en-US" altLang="ja-JP" i="1" dirty="0">
+              <a:solidFill>
+                <a:schemeClr val="tx1">
+                  <a:lumMod val="95000"/>
+                  <a:lumOff val="5000"/>
+                </a:schemeClr>
+              </a:solidFill>
+            </a:endParaRPr>
+          </a:p>
+          <a:p>
+            <a:r>
+              <a:rPr lang="en-US" altLang="ja-JP" i="1" dirty="0"/>
+              <a:t>image</a:t>
+            </a:r>
+          </a:p>
+          <a:p>
+            <a:r>
+              <a:rPr kumimoji="1" lang="en-US" altLang="ja-JP" i="1" dirty="0">
+                <a:solidFill>
+                  <a:schemeClr val="accent2"/>
+                </a:solidFill>
+              </a:rPr>
+              <a:t>container</a:t>
+            </a:r>
+          </a:p>
+          <a:p>
+            <a:r>
+              <a:rPr lang="en-US" altLang="ja-JP" b="0" i="1" dirty="0">
+                <a:solidFill>
+                  <a:schemeClr val="tx1">
                     <a:lumMod val="85000"/>
                     <a:lumOff val="15000"/>
                   </a:schemeClr>
                 </a:solidFill>
               </a:rPr>
-              <a:t>Dockerfile</a:t>
-            </a:r>
-            <a:endParaRPr kumimoji="1" lang="en-US" altLang="ja-JP" i="1" dirty="0">
+              <a:t>Docker Hub</a:t>
+            </a:r>
+            <a:endParaRPr kumimoji="1" lang="en-US" altLang="ja-JP" b="0" i="1" dirty="0">
               <a:solidFill>
                 <a:schemeClr val="tx1">
                   <a:lumMod val="85000"/>
@@ -6185,153 +6459,7 @@
             </a:endParaRPr>
           </a:p>
           <a:p>
-            <a:pPr lvl="1"/>
-            <a:r>
-              <a:rPr lang="en-US" altLang="ja-JP" dirty="0"/>
-              <a:t>i</a:t>
-            </a:r>
-            <a:r>
-              <a:rPr kumimoji="1" lang="en-US" altLang="ja-JP" dirty="0"/>
-              <a:t>mage</a:t>
-            </a:r>
-            <a:r>
-              <a:rPr kumimoji="1" lang="ja-JP" altLang="en-US" dirty="0"/>
-              <a:t>の元となる</a:t>
-            </a:r>
-            <a:r>
-              <a:rPr kumimoji="1" lang="ja-JP" altLang="en-US" u="sng" dirty="0"/>
-              <a:t>テキストファイル</a:t>
-            </a:r>
-            <a:endParaRPr lang="en-US" altLang="ja-JP" u="sng" dirty="0"/>
-          </a:p>
-          <a:p>
-            <a:pPr lvl="1"/>
-            <a:r>
-              <a:rPr kumimoji="1" lang="ja-JP" altLang="en-US" dirty="0"/>
-              <a:t>各行に</a:t>
-            </a:r>
-            <a:r>
-              <a:rPr kumimoji="1" lang="en-US" altLang="ja-JP" b="1" dirty="0">
-                <a:solidFill>
-                  <a:schemeClr val="bg1"/>
-                </a:solidFill>
-                <a:highlight>
-                  <a:srgbClr val="000000"/>
-                </a:highlight>
-              </a:rPr>
-              <a:t> {</a:t>
-            </a:r>
-            <a:r>
-              <a:rPr kumimoji="1" lang="ja-JP" altLang="en-US" b="1" dirty="0">
-                <a:solidFill>
-                  <a:srgbClr val="C586C0"/>
-                </a:solidFill>
-                <a:highlight>
-                  <a:srgbClr val="000000"/>
-                </a:highlight>
-              </a:rPr>
-              <a:t>命令</a:t>
-            </a:r>
-            <a:r>
-              <a:rPr kumimoji="1" lang="en-US" altLang="ja-JP" b="1" dirty="0">
-                <a:solidFill>
-                  <a:schemeClr val="bg1"/>
-                </a:solidFill>
-                <a:highlight>
-                  <a:srgbClr val="000000"/>
-                </a:highlight>
-              </a:rPr>
-              <a:t>}</a:t>
-            </a:r>
-            <a:r>
-              <a:rPr kumimoji="1" lang="ja-JP" altLang="en-US" b="1" dirty="0">
-                <a:solidFill>
-                  <a:schemeClr val="bg1"/>
-                </a:solidFill>
-                <a:highlight>
-                  <a:srgbClr val="000000"/>
-                </a:highlight>
-              </a:rPr>
-              <a:t>　</a:t>
-            </a:r>
-            <a:r>
-              <a:rPr kumimoji="1" lang="en-US" altLang="ja-JP" b="1" dirty="0">
-                <a:solidFill>
-                  <a:schemeClr val="bg1"/>
-                </a:solidFill>
-                <a:highlight>
-                  <a:srgbClr val="000000"/>
-                </a:highlight>
-              </a:rPr>
-              <a:t>{</a:t>
-            </a:r>
-            <a:r>
-              <a:rPr kumimoji="1" lang="ja-JP" altLang="en-US" b="1" dirty="0">
-                <a:solidFill>
-                  <a:schemeClr val="accent1">
-                    <a:lumMod val="40000"/>
-                    <a:lumOff val="60000"/>
-                  </a:schemeClr>
-                </a:solidFill>
-                <a:highlight>
-                  <a:srgbClr val="000000"/>
-                </a:highlight>
-              </a:rPr>
-              <a:t>引数</a:t>
-            </a:r>
-            <a:r>
-              <a:rPr kumimoji="1" lang="en-US" altLang="ja-JP" b="1" dirty="0">
-                <a:solidFill>
-                  <a:schemeClr val="bg1"/>
-                </a:solidFill>
-                <a:highlight>
-                  <a:srgbClr val="000000"/>
-                </a:highlight>
-              </a:rPr>
-              <a:t>} </a:t>
-            </a:r>
-            <a:r>
-              <a:rPr kumimoji="1" lang="ja-JP" altLang="en-US" dirty="0"/>
-              <a:t>形式でコマンドを記述</a:t>
-            </a:r>
-            <a:endParaRPr kumimoji="1" lang="en-US" altLang="ja-JP" dirty="0"/>
-          </a:p>
-          <a:p>
             <a:pPr lvl="2"/>
-            <a:r>
-              <a:rPr kumimoji="1" lang="ja-JP" altLang="en-US" dirty="0"/>
-              <a:t>ライブラリのインストール</a:t>
-            </a:r>
-            <a:endParaRPr kumimoji="1" lang="en-US" altLang="ja-JP" dirty="0"/>
-          </a:p>
-          <a:p>
-            <a:pPr lvl="2"/>
-            <a:r>
-              <a:rPr lang="ja-JP" altLang="en-US" dirty="0"/>
-              <a:t>環境変数の設定</a:t>
-            </a:r>
-            <a:endParaRPr lang="en-US" altLang="ja-JP" dirty="0"/>
-          </a:p>
-          <a:p>
-            <a:pPr lvl="2"/>
-            <a:r>
-              <a:rPr lang="ja-JP" altLang="en-US" dirty="0"/>
-              <a:t>必要なファイルのコピーなど</a:t>
-            </a:r>
-            <a:endParaRPr kumimoji="1" lang="en-US" altLang="ja-JP" dirty="0"/>
-          </a:p>
-          <a:p>
-            <a:pPr lvl="1"/>
-            <a:endParaRPr kumimoji="1" lang="en-US" altLang="ja-JP" u="sng" dirty="0"/>
-          </a:p>
-          <a:p>
-            <a:pPr lvl="1"/>
-            <a:endParaRPr kumimoji="1" lang="en-US" altLang="ja-JP" dirty="0"/>
-          </a:p>
-          <a:p>
-            <a:pPr marL="457200" lvl="1" indent="0">
-              <a:buNone/>
-            </a:pPr>
             <a:endParaRPr kumimoji="1" lang="ja-JP" altLang="en-US" dirty="0"/>
           </a:p>
         </p:txBody>
@@ -6388,29 +6516,7 @@
                   </a:schemeClr>
                 </a:solidFill>
               </a:rPr>
-              <a:t>主要アーキテクチャ </a:t>
-            </a:r>
-            <a:r>
-              <a:rPr lang="en-US" altLang="ja-JP" b="1" dirty="0">
-                <a:solidFill>
-                  <a:schemeClr val="tx1">
-                    <a:lumMod val="85000"/>
-                    <a:lumOff val="15000"/>
-                  </a:schemeClr>
-                </a:solidFill>
-              </a:rPr>
-              <a:t>&gt; </a:t>
-            </a:r>
-            <a:r>
-              <a:rPr lang="ja-JP" altLang="en-US" b="1" dirty="0">
-                <a:solidFill>
-                  <a:schemeClr val="tx1">
-                    <a:lumMod val="85000"/>
-                    <a:lumOff val="15000"/>
-                  </a:schemeClr>
-                </a:solidFill>
-              </a:rPr>
-              <a:t>用語</a:t>
+              <a:t>主要アーキテクチャ</a:t>
             </a:r>
             <a:endParaRPr kumimoji="1" lang="ja-JP" altLang="en-US" b="1" dirty="0">
               <a:solidFill>
@@ -6420,6 +6526,402 @@
                 </a:schemeClr>
               </a:solidFill>
             </a:endParaRPr>
+          </a:p>
+        </p:txBody>
+      </p:sp>
+      <p:sp>
+        <p:nvSpPr>
+          <p:cNvPr id="5" name="スライド番号プレースホルダー 4">
+            <a:extLst>
+              <a:ext uri="{FF2B5EF4-FFF2-40B4-BE49-F238E27FC236}">
+                <a16:creationId xmlns:a16="http://schemas.microsoft.com/office/drawing/2014/main" id="{885133BA-DCA2-86B6-3119-71C7CFA79534}"/>
+              </a:ext>
+            </a:extLst>
+          </p:cNvPr>
+          <p:cNvSpPr>
+            <a:spLocks noGrp="1"/>
+          </p:cNvSpPr>
+          <p:nvPr>
+            <p:ph type="sldNum" sz="quarter" idx="12"/>
+          </p:nvPr>
+        </p:nvSpPr>
+        <p:spPr/>
+        <p:txBody>
+          <a:bodyPr/>
+          <a:lstStyle/>
+          <a:p>
+            <a:fld id="{09FDC953-F94B-4BF6-9058-77E5342884D4}" type="slidenum">
+              <a:rPr kumimoji="1" lang="ja-JP" altLang="en-US" smtClean="0"/>
+              <a:t>13</a:t>
+            </a:fld>
+            <a:endParaRPr kumimoji="1" lang="ja-JP" altLang="en-US"/>
+          </a:p>
+        </p:txBody>
+      </p:sp>
+    </p:spTree>
+    <p:extLst>
+      <p:ext uri="{BB962C8B-B14F-4D97-AF65-F5344CB8AC3E}">
+        <p14:creationId xmlns:p14="http://schemas.microsoft.com/office/powerpoint/2010/main" val="43114881"/>
+      </p:ext>
+    </p:extLst>
+  </p:cSld>
+  <p:clrMapOvr>
+    <a:masterClrMapping/>
+  </p:clrMapOvr>
+</p:sld>
+</file>
+
+<file path=ppt/slides/slide14.xml><?xml version="1.0" encoding="utf-8"?>
+<p:sld xmlns:a="http://schemas.openxmlformats.org/drawingml/2006/main" xmlns:r="http://schemas.openxmlformats.org/officeDocument/2006/relationships" xmlns:p="http://schemas.openxmlformats.org/presentationml/2006/main">
+  <p:cSld>
+    <p:spTree>
+      <p:nvGrpSpPr>
+        <p:cNvPr id="1" name=""/>
+        <p:cNvGrpSpPr/>
+        <p:nvPr/>
+      </p:nvGrpSpPr>
+      <p:grpSpPr>
+        <a:xfrm>
+          <a:off x="0" y="0"/>
+          <a:ext cx="0" cy="0"/>
+          <a:chOff x="0" y="0"/>
+          <a:chExt cx="0" cy="0"/>
+        </a:xfrm>
+      </p:grpSpPr>
+      <p:sp>
+        <p:nvSpPr>
+          <p:cNvPr id="2" name="タイトル 1">
+            <a:extLst>
+              <a:ext uri="{FF2B5EF4-FFF2-40B4-BE49-F238E27FC236}">
+                <a16:creationId xmlns:a16="http://schemas.microsoft.com/office/drawing/2014/main" id="{5D85131E-AB32-0C13-F928-0BC8C7E25614}"/>
+              </a:ext>
+            </a:extLst>
+          </p:cNvPr>
+          <p:cNvSpPr>
+            <a:spLocks noGrp="1"/>
+          </p:cNvSpPr>
+          <p:nvPr>
+            <p:ph type="title"/>
+          </p:nvPr>
+        </p:nvSpPr>
+        <p:spPr/>
+        <p:txBody>
+          <a:bodyPr/>
+          <a:lstStyle/>
+          <a:p>
+            <a:r>
+              <a:rPr kumimoji="1" lang="ja-JP" altLang="en-US" dirty="0"/>
+              <a:t>用語</a:t>
+            </a:r>
+          </a:p>
+        </p:txBody>
+      </p:sp>
+      <p:sp>
+        <p:nvSpPr>
+          <p:cNvPr id="3" name="コンテンツ プレースホルダー 2">
+            <a:extLst>
+              <a:ext uri="{FF2B5EF4-FFF2-40B4-BE49-F238E27FC236}">
+                <a16:creationId xmlns:a16="http://schemas.microsoft.com/office/drawing/2014/main" id="{E1842FAB-83F8-8740-EA6D-D4B6CB48EB62}"/>
+              </a:ext>
+            </a:extLst>
+          </p:cNvPr>
+          <p:cNvSpPr>
+            <a:spLocks noGrp="1"/>
+          </p:cNvSpPr>
+          <p:nvPr>
+            <p:ph idx="1"/>
+          </p:nvPr>
+        </p:nvSpPr>
+        <p:spPr/>
+        <p:txBody>
+          <a:bodyPr/>
+          <a:lstStyle/>
+          <a:p>
+            <a:r>
+              <a:rPr kumimoji="1" lang="en-US" altLang="ja-JP" i="1" dirty="0" err="1">
+                <a:solidFill>
+                  <a:schemeClr val="tx1">
+                    <a:lumMod val="85000"/>
+                    <a:lumOff val="15000"/>
+                  </a:schemeClr>
+                </a:solidFill>
+              </a:rPr>
+              <a:t>Dockerfile</a:t>
+            </a:r>
+            <a:endParaRPr kumimoji="1" lang="en-US" altLang="ja-JP" i="1" dirty="0">
+              <a:solidFill>
+                <a:schemeClr val="tx1">
+                  <a:lumMod val="85000"/>
+                  <a:lumOff val="15000"/>
+                </a:schemeClr>
+              </a:solidFill>
+            </a:endParaRPr>
+          </a:p>
+          <a:p>
+            <a:pPr lvl="1"/>
+            <a:r>
+              <a:rPr lang="en-US" altLang="ja-JP" dirty="0"/>
+              <a:t>i</a:t>
+            </a:r>
+            <a:r>
+              <a:rPr kumimoji="1" lang="en-US" altLang="ja-JP" dirty="0"/>
+              <a:t>mage</a:t>
+            </a:r>
+            <a:r>
+              <a:rPr kumimoji="1" lang="ja-JP" altLang="en-US" dirty="0"/>
+              <a:t>の元となる</a:t>
+            </a:r>
+            <a:r>
+              <a:rPr kumimoji="1" lang="ja-JP" altLang="en-US" u="sng" dirty="0"/>
+              <a:t>テキストファイル</a:t>
+            </a:r>
+            <a:endParaRPr lang="en-US" altLang="ja-JP" u="sng" dirty="0"/>
+          </a:p>
+          <a:p>
+            <a:pPr lvl="1"/>
+            <a:r>
+              <a:rPr kumimoji="1" lang="ja-JP" altLang="en-US" dirty="0"/>
+              <a:t>各行に</a:t>
+            </a:r>
+            <a:r>
+              <a:rPr kumimoji="1" lang="en-US" altLang="ja-JP" b="1" dirty="0">
+                <a:solidFill>
+                  <a:schemeClr val="bg1"/>
+                </a:solidFill>
+                <a:highlight>
+                  <a:srgbClr val="000000"/>
+                </a:highlight>
+              </a:rPr>
+              <a:t> {</a:t>
+            </a:r>
+            <a:r>
+              <a:rPr kumimoji="1" lang="ja-JP" altLang="en-US" b="1" dirty="0">
+                <a:solidFill>
+                  <a:srgbClr val="C586C0"/>
+                </a:solidFill>
+                <a:highlight>
+                  <a:srgbClr val="000000"/>
+                </a:highlight>
+              </a:rPr>
+              <a:t>命令</a:t>
+            </a:r>
+            <a:r>
+              <a:rPr kumimoji="1" lang="en-US" altLang="ja-JP" b="1" dirty="0">
+                <a:solidFill>
+                  <a:schemeClr val="bg1"/>
+                </a:solidFill>
+                <a:highlight>
+                  <a:srgbClr val="000000"/>
+                </a:highlight>
+              </a:rPr>
+              <a:t>}</a:t>
+            </a:r>
+            <a:r>
+              <a:rPr kumimoji="1" lang="ja-JP" altLang="en-US" b="1" dirty="0">
+                <a:solidFill>
+                  <a:schemeClr val="bg1"/>
+                </a:solidFill>
+                <a:highlight>
+                  <a:srgbClr val="000000"/>
+                </a:highlight>
+              </a:rPr>
+              <a:t>　</a:t>
+            </a:r>
+            <a:r>
+              <a:rPr kumimoji="1" lang="en-US" altLang="ja-JP" b="1" dirty="0">
+                <a:solidFill>
+                  <a:schemeClr val="bg1"/>
+                </a:solidFill>
+                <a:highlight>
+                  <a:srgbClr val="000000"/>
+                </a:highlight>
+              </a:rPr>
+              <a:t>{</a:t>
+            </a:r>
+            <a:r>
+              <a:rPr kumimoji="1" lang="ja-JP" altLang="en-US" b="1" dirty="0">
+                <a:solidFill>
+                  <a:schemeClr val="accent1">
+                    <a:lumMod val="40000"/>
+                    <a:lumOff val="60000"/>
+                  </a:schemeClr>
+                </a:solidFill>
+                <a:highlight>
+                  <a:srgbClr val="000000"/>
+                </a:highlight>
+              </a:rPr>
+              <a:t>引数</a:t>
+            </a:r>
+            <a:r>
+              <a:rPr kumimoji="1" lang="en-US" altLang="ja-JP" b="1" dirty="0">
+                <a:solidFill>
+                  <a:schemeClr val="bg1"/>
+                </a:solidFill>
+                <a:highlight>
+                  <a:srgbClr val="000000"/>
+                </a:highlight>
+              </a:rPr>
+              <a:t>} </a:t>
+            </a:r>
+            <a:r>
+              <a:rPr kumimoji="1" lang="ja-JP" altLang="en-US" dirty="0"/>
+              <a:t>形式でコマンドを記述</a:t>
+            </a:r>
+            <a:endParaRPr kumimoji="1" lang="en-US" altLang="ja-JP" dirty="0"/>
+          </a:p>
+          <a:p>
+            <a:pPr lvl="2"/>
+            <a:r>
+              <a:rPr kumimoji="1" lang="ja-JP" altLang="en-US" dirty="0"/>
+              <a:t>ライブラリのインストール</a:t>
+            </a:r>
+            <a:endParaRPr kumimoji="1" lang="en-US" altLang="ja-JP" dirty="0"/>
+          </a:p>
+          <a:p>
+            <a:pPr lvl="2"/>
+            <a:r>
+              <a:rPr lang="ja-JP" altLang="en-US" dirty="0"/>
+              <a:t>環境変数の設定</a:t>
+            </a:r>
+            <a:endParaRPr lang="en-US" altLang="ja-JP" dirty="0"/>
+          </a:p>
+          <a:p>
+            <a:pPr lvl="2"/>
+            <a:r>
+              <a:rPr lang="ja-JP" altLang="en-US" dirty="0"/>
+              <a:t>必要なファイルのコピーなど</a:t>
+            </a:r>
+            <a:endParaRPr kumimoji="1" lang="en-US" altLang="ja-JP" dirty="0"/>
+          </a:p>
+          <a:p>
+            <a:pPr lvl="1"/>
+            <a:endParaRPr kumimoji="1" lang="en-US" altLang="ja-JP" u="sng" dirty="0"/>
+          </a:p>
+          <a:p>
+            <a:pPr lvl="1"/>
+            <a:endParaRPr kumimoji="1" lang="en-US" altLang="ja-JP" dirty="0"/>
+          </a:p>
+          <a:p>
+            <a:pPr marL="457200" lvl="1" indent="0">
+              <a:buNone/>
+            </a:pPr>
+            <a:endParaRPr kumimoji="1" lang="ja-JP" altLang="en-US" dirty="0"/>
+          </a:p>
+        </p:txBody>
+      </p:sp>
+      <p:sp>
+        <p:nvSpPr>
+          <p:cNvPr id="4" name="テキスト ボックス 3">
+            <a:extLst>
+              <a:ext uri="{FF2B5EF4-FFF2-40B4-BE49-F238E27FC236}">
+                <a16:creationId xmlns:a16="http://schemas.microsoft.com/office/drawing/2014/main" id="{DA317149-12A0-92F9-65EE-02DF436B7134}"/>
+              </a:ext>
+            </a:extLst>
+          </p:cNvPr>
+          <p:cNvSpPr txBox="1"/>
+          <p:nvPr/>
+        </p:nvSpPr>
+        <p:spPr>
+          <a:xfrm>
+            <a:off x="76200" y="85725"/>
+            <a:ext cx="3676650" cy="369332"/>
+          </a:xfrm>
+          <a:prstGeom prst="rect">
+            <a:avLst/>
+          </a:prstGeom>
+          <a:noFill/>
+        </p:spPr>
+        <p:txBody>
+          <a:bodyPr wrap="square" rtlCol="0">
+            <a:spAutoFit/>
+          </a:bodyPr>
+          <a:lstStyle/>
+          <a:p>
+            <a:r>
+              <a:rPr kumimoji="1" lang="en-US" altLang="ja-JP" dirty="0"/>
+              <a:t> </a:t>
+            </a:r>
+            <a:r>
+              <a:rPr kumimoji="1" lang="en-US" altLang="ja-JP" b="1" dirty="0">
+                <a:solidFill>
+                  <a:schemeClr val="tx1">
+                    <a:lumMod val="85000"/>
+                    <a:lumOff val="15000"/>
+                  </a:schemeClr>
+                </a:solidFill>
+              </a:rPr>
+              <a:t>3. </a:t>
+            </a:r>
+            <a:r>
+              <a:rPr lang="ja-JP" altLang="en-US" b="1" dirty="0">
+                <a:solidFill>
+                  <a:schemeClr val="tx1">
+                    <a:lumMod val="85000"/>
+                    <a:lumOff val="15000"/>
+                  </a:schemeClr>
+                </a:solidFill>
+              </a:rPr>
+              <a:t>主要アーキテクチャ </a:t>
+            </a:r>
+            <a:r>
+              <a:rPr lang="en-US" altLang="ja-JP" b="1" dirty="0">
+                <a:solidFill>
+                  <a:schemeClr val="tx1">
+                    <a:lumMod val="85000"/>
+                    <a:lumOff val="15000"/>
+                  </a:schemeClr>
+                </a:solidFill>
+              </a:rPr>
+              <a:t>&gt; </a:t>
+            </a:r>
+            <a:r>
+              <a:rPr lang="ja-JP" altLang="en-US" b="1" dirty="0">
+                <a:solidFill>
+                  <a:schemeClr val="tx1">
+                    <a:lumMod val="85000"/>
+                    <a:lumOff val="15000"/>
+                  </a:schemeClr>
+                </a:solidFill>
+              </a:rPr>
+              <a:t>用語</a:t>
+            </a:r>
+            <a:endParaRPr kumimoji="1" lang="ja-JP" altLang="en-US" b="1" dirty="0">
+              <a:solidFill>
+                <a:schemeClr val="tx1">
+                  <a:lumMod val="85000"/>
+                  <a:lumOff val="15000"/>
+                </a:schemeClr>
+              </a:solidFill>
+            </a:endParaRPr>
+          </a:p>
+        </p:txBody>
+      </p:sp>
+      <p:sp>
+        <p:nvSpPr>
+          <p:cNvPr id="5" name="スライド番号プレースホルダー 4">
+            <a:extLst>
+              <a:ext uri="{FF2B5EF4-FFF2-40B4-BE49-F238E27FC236}">
+                <a16:creationId xmlns:a16="http://schemas.microsoft.com/office/drawing/2014/main" id="{1FBAC190-2278-CF12-E467-D40B087AFA52}"/>
+              </a:ext>
+            </a:extLst>
+          </p:cNvPr>
+          <p:cNvSpPr>
+            <a:spLocks noGrp="1"/>
+          </p:cNvSpPr>
+          <p:nvPr>
+            <p:ph type="sldNum" sz="quarter" idx="12"/>
+          </p:nvPr>
+        </p:nvSpPr>
+        <p:spPr/>
+        <p:txBody>
+          <a:bodyPr/>
+          <a:lstStyle/>
+          <a:p>
+            <a:fld id="{09FDC953-F94B-4BF6-9058-77E5342884D4}" type="slidenum">
+              <a:rPr kumimoji="1" lang="ja-JP" altLang="en-US" smtClean="0"/>
+              <a:t>14</a:t>
+            </a:fld>
+            <a:endParaRPr kumimoji="1" lang="ja-JP" altLang="en-US"/>
           </a:p>
         </p:txBody>
       </p:sp>
@@ -6436,7 +6938,7 @@
 </p:sld>
 </file>
 
-<file path=ppt/slides/slide14.xml><?xml version="1.0" encoding="utf-8"?>
+<file path=ppt/slides/slide15.xml><?xml version="1.0" encoding="utf-8"?>
 <p:sld xmlns:a="http://schemas.openxmlformats.org/drawingml/2006/main" xmlns:r="http://schemas.openxmlformats.org/officeDocument/2006/relationships" xmlns:p="http://schemas.openxmlformats.org/presentationml/2006/main">
   <p:cSld>
     <p:spTree>
@@ -7432,366 +7934,39 @@
           </a:p>
         </p:txBody>
       </p:sp>
+      <p:sp>
+        <p:nvSpPr>
+          <p:cNvPr id="5" name="スライド番号プレースホルダー 4">
+            <a:extLst>
+              <a:ext uri="{FF2B5EF4-FFF2-40B4-BE49-F238E27FC236}">
+                <a16:creationId xmlns:a16="http://schemas.microsoft.com/office/drawing/2014/main" id="{AB53E89D-433F-B9C1-7BEA-C6EA6F2FEBB8}"/>
+              </a:ext>
+            </a:extLst>
+          </p:cNvPr>
+          <p:cNvSpPr>
+            <a:spLocks noGrp="1"/>
+          </p:cNvSpPr>
+          <p:nvPr>
+            <p:ph type="sldNum" sz="quarter" idx="12"/>
+          </p:nvPr>
+        </p:nvSpPr>
+        <p:spPr/>
+        <p:txBody>
+          <a:bodyPr/>
+          <a:lstStyle/>
+          <a:p>
+            <a:fld id="{09FDC953-F94B-4BF6-9058-77E5342884D4}" type="slidenum">
+              <a:rPr kumimoji="1" lang="ja-JP" altLang="en-US" smtClean="0"/>
+              <a:t>15</a:t>
+            </a:fld>
+            <a:endParaRPr kumimoji="1" lang="ja-JP" altLang="en-US"/>
+          </a:p>
+        </p:txBody>
+      </p:sp>
     </p:spTree>
     <p:extLst>
       <p:ext uri="{BB962C8B-B14F-4D97-AF65-F5344CB8AC3E}">
         <p14:creationId xmlns:p14="http://schemas.microsoft.com/office/powerpoint/2010/main" val="3096305131"/>
-      </p:ext>
-    </p:extLst>
-  </p:cSld>
-  <p:clrMapOvr>
-    <a:masterClrMapping/>
-  </p:clrMapOvr>
-</p:sld>
-</file>
-
-<file path=ppt/slides/slide15.xml><?xml version="1.0" encoding="utf-8"?>
-<p:sld xmlns:a="http://schemas.openxmlformats.org/drawingml/2006/main" xmlns:r="http://schemas.openxmlformats.org/officeDocument/2006/relationships" xmlns:p="http://schemas.openxmlformats.org/presentationml/2006/main">
-  <p:cSld>
-    <p:spTree>
-      <p:nvGrpSpPr>
-        <p:cNvPr id="1" name=""/>
-        <p:cNvGrpSpPr/>
-        <p:nvPr/>
-      </p:nvGrpSpPr>
-      <p:grpSpPr>
-        <a:xfrm>
-          <a:off x="0" y="0"/>
-          <a:ext cx="0" cy="0"/>
-          <a:chOff x="0" y="0"/>
-          <a:chExt cx="0" cy="0"/>
-        </a:xfrm>
-      </p:grpSpPr>
-      <p:sp>
-        <p:nvSpPr>
-          <p:cNvPr id="2" name="タイトル 1">
-            <a:extLst>
-              <a:ext uri="{FF2B5EF4-FFF2-40B4-BE49-F238E27FC236}">
-                <a16:creationId xmlns:a16="http://schemas.microsoft.com/office/drawing/2014/main" id="{5D85131E-AB32-0C13-F928-0BC8C7E25614}"/>
-              </a:ext>
-            </a:extLst>
-          </p:cNvPr>
-          <p:cNvSpPr>
-            <a:spLocks noGrp="1"/>
-          </p:cNvSpPr>
-          <p:nvPr>
-            <p:ph type="title"/>
-          </p:nvPr>
-        </p:nvSpPr>
-        <p:spPr/>
-        <p:txBody>
-          <a:bodyPr/>
-          <a:lstStyle/>
-          <a:p>
-            <a:r>
-              <a:rPr kumimoji="1" lang="ja-JP" altLang="en-US" dirty="0"/>
-              <a:t>用語</a:t>
-            </a:r>
-          </a:p>
-        </p:txBody>
-      </p:sp>
-      <p:sp>
-        <p:nvSpPr>
-          <p:cNvPr id="3" name="コンテンツ プレースホルダー 2">
-            <a:extLst>
-              <a:ext uri="{FF2B5EF4-FFF2-40B4-BE49-F238E27FC236}">
-                <a16:creationId xmlns:a16="http://schemas.microsoft.com/office/drawing/2014/main" id="{E1842FAB-83F8-8740-EA6D-D4B6CB48EB62}"/>
-              </a:ext>
-            </a:extLst>
-          </p:cNvPr>
-          <p:cNvSpPr>
-            <a:spLocks noGrp="1"/>
-          </p:cNvSpPr>
-          <p:nvPr>
-            <p:ph idx="1"/>
-          </p:nvPr>
-        </p:nvSpPr>
-        <p:spPr/>
-        <p:txBody>
-          <a:bodyPr/>
-          <a:lstStyle/>
-          <a:p>
-            <a:r>
-              <a:rPr lang="en-US" altLang="ja-JP" i="1" dirty="0"/>
-              <a:t>image</a:t>
-            </a:r>
-          </a:p>
-          <a:p>
-            <a:pPr lvl="1"/>
-            <a:r>
-              <a:rPr lang="en-US" altLang="ja-JP" dirty="0"/>
-              <a:t>container</a:t>
-            </a:r>
-            <a:r>
-              <a:rPr lang="ja-JP" altLang="en-US" dirty="0"/>
-              <a:t>作成に使用されるスタンドアロンな</a:t>
-            </a:r>
-            <a:r>
-              <a:rPr lang="ja-JP" altLang="en-US" u="sng" dirty="0"/>
-              <a:t>実行可能ファイル</a:t>
-            </a:r>
-            <a:r>
-              <a:rPr lang="en-US" altLang="ja-JP" dirty="0"/>
-              <a:t>[x]</a:t>
-            </a:r>
-          </a:p>
-          <a:p>
-            <a:pPr lvl="2"/>
-            <a:r>
-              <a:rPr kumimoji="1" lang="ja-JP" altLang="en-US" dirty="0"/>
-              <a:t>自作の</a:t>
-            </a:r>
-            <a:r>
-              <a:rPr kumimoji="1" lang="en-US" altLang="ja-JP" b="1" dirty="0" err="1"/>
-              <a:t>Dockerfile</a:t>
-            </a:r>
-            <a:r>
-              <a:rPr kumimoji="1" lang="ja-JP" altLang="en-US" b="1" dirty="0"/>
-              <a:t>から</a:t>
-            </a:r>
-            <a:r>
-              <a:rPr lang="en-US" altLang="ja-JP" b="1" dirty="0"/>
-              <a:t>build</a:t>
-            </a:r>
-            <a:r>
-              <a:rPr lang="ja-JP" altLang="en-US" dirty="0"/>
-              <a:t> </a:t>
-            </a:r>
-            <a:r>
-              <a:rPr lang="en-US" altLang="ja-JP" dirty="0"/>
-              <a:t>or</a:t>
-            </a:r>
-            <a:r>
-              <a:rPr lang="ja-JP" altLang="en-US" dirty="0"/>
-              <a:t> クラウド上の既存</a:t>
-            </a:r>
-            <a:r>
-              <a:rPr lang="en-US" altLang="ja-JP" dirty="0"/>
-              <a:t>image</a:t>
-            </a:r>
-            <a:r>
-              <a:rPr lang="ja-JP" altLang="en-US" dirty="0"/>
-              <a:t>を</a:t>
-            </a:r>
-            <a:r>
-              <a:rPr lang="en-US" altLang="ja-JP" dirty="0"/>
-              <a:t>pull</a:t>
-            </a:r>
-            <a:endParaRPr kumimoji="1" lang="en-US" altLang="ja-JP" dirty="0"/>
-          </a:p>
-          <a:p>
-            <a:pPr lvl="2"/>
-            <a:r>
-              <a:rPr kumimoji="1" lang="ja-JP" altLang="en-US" dirty="0"/>
-              <a:t>必要な</a:t>
-            </a:r>
-            <a:r>
-              <a:rPr kumimoji="1" lang="ja-JP" altLang="en-US" b="1" dirty="0"/>
-              <a:t>ライブラリ，依存関係，ファイル</a:t>
-            </a:r>
-            <a:r>
-              <a:rPr kumimoji="1" lang="ja-JP" altLang="en-US" dirty="0"/>
-              <a:t>全てを内包</a:t>
-            </a:r>
-            <a:endParaRPr kumimoji="1" lang="en-US" altLang="ja-JP" dirty="0"/>
-          </a:p>
-          <a:p>
-            <a:pPr lvl="1"/>
-            <a:r>
-              <a:rPr kumimoji="1" lang="ja-JP" altLang="en-US" dirty="0"/>
-              <a:t>レイヤー構造</a:t>
-            </a:r>
-            <a:endParaRPr kumimoji="1" lang="en-US" altLang="ja-JP" dirty="0"/>
-          </a:p>
-          <a:p>
-            <a:pPr lvl="2"/>
-            <a:r>
-              <a:rPr kumimoji="1" lang="ja-JP" altLang="en-US" dirty="0"/>
-              <a:t>ベースイメージに対する差分</a:t>
-            </a:r>
-            <a:r>
-              <a:rPr kumimoji="1" lang="en-US" altLang="ja-JP" sz="1800" dirty="0"/>
-              <a:t>(</a:t>
-            </a:r>
-            <a:r>
-              <a:rPr kumimoji="1" lang="en-US" altLang="ja-JP" sz="1800" dirty="0" err="1"/>
-              <a:t>Dockerfile</a:t>
-            </a:r>
-            <a:r>
-              <a:rPr kumimoji="1" lang="ja-JP" altLang="en-US" sz="1800" dirty="0"/>
-              <a:t>の各命令</a:t>
-            </a:r>
-            <a:r>
-              <a:rPr kumimoji="1" lang="en-US" altLang="ja-JP" sz="1800" dirty="0"/>
-              <a:t>)</a:t>
-            </a:r>
-            <a:r>
-              <a:rPr kumimoji="1" lang="ja-JP" altLang="en-US" dirty="0"/>
-              <a:t>がレイヤーとして構築</a:t>
-            </a:r>
-            <a:endParaRPr kumimoji="1" lang="en-US" altLang="ja-JP" dirty="0"/>
-          </a:p>
-          <a:p>
-            <a:pPr lvl="1"/>
-            <a:endParaRPr kumimoji="1" lang="ja-JP" altLang="en-US" dirty="0"/>
-          </a:p>
-        </p:txBody>
-      </p:sp>
-      <p:sp>
-        <p:nvSpPr>
-          <p:cNvPr id="4" name="テキスト ボックス 3">
-            <a:extLst>
-              <a:ext uri="{FF2B5EF4-FFF2-40B4-BE49-F238E27FC236}">
-                <a16:creationId xmlns:a16="http://schemas.microsoft.com/office/drawing/2014/main" id="{DA317149-12A0-92F9-65EE-02DF436B7134}"/>
-              </a:ext>
-            </a:extLst>
-          </p:cNvPr>
-          <p:cNvSpPr txBox="1"/>
-          <p:nvPr/>
-        </p:nvSpPr>
-        <p:spPr>
-          <a:xfrm>
-            <a:off x="76200" y="85725"/>
-            <a:ext cx="3676650" cy="369332"/>
-          </a:xfrm>
-          <a:prstGeom prst="rect">
-            <a:avLst/>
-          </a:prstGeom>
-          <a:noFill/>
-        </p:spPr>
-        <p:txBody>
-          <a:bodyPr wrap="square" rtlCol="0">
-            <a:spAutoFit/>
-          </a:bodyPr>
-          <a:lstStyle/>
-          <a:p>
-            <a:r>
-              <a:rPr kumimoji="1" lang="en-US" altLang="ja-JP" dirty="0"/>
-              <a:t> </a:t>
-            </a:r>
-            <a:r>
-              <a:rPr kumimoji="1" lang="en-US" altLang="ja-JP" b="1" dirty="0">
-                <a:solidFill>
-                  <a:schemeClr val="tx1">
-                    <a:lumMod val="85000"/>
-                    <a:lumOff val="15000"/>
-                  </a:schemeClr>
-                </a:solidFill>
-              </a:rPr>
-              <a:t>3. </a:t>
-            </a:r>
-            <a:r>
-              <a:rPr lang="ja-JP" altLang="en-US" b="1" dirty="0">
-                <a:solidFill>
-                  <a:schemeClr val="tx1">
-                    <a:lumMod val="85000"/>
-                    <a:lumOff val="15000"/>
-                  </a:schemeClr>
-                </a:solidFill>
-              </a:rPr>
-              <a:t>主要アーキテクチャ </a:t>
-            </a:r>
-            <a:r>
-              <a:rPr lang="en-US" altLang="ja-JP" b="1" dirty="0">
-                <a:solidFill>
-                  <a:schemeClr val="tx1">
-                    <a:lumMod val="85000"/>
-                    <a:lumOff val="15000"/>
-                  </a:schemeClr>
-                </a:solidFill>
-              </a:rPr>
-              <a:t>&gt; </a:t>
-            </a:r>
-            <a:r>
-              <a:rPr lang="ja-JP" altLang="en-US" b="1" dirty="0">
-                <a:solidFill>
-                  <a:schemeClr val="tx1">
-                    <a:lumMod val="85000"/>
-                    <a:lumOff val="15000"/>
-                  </a:schemeClr>
-                </a:solidFill>
-              </a:rPr>
-              <a:t>用語</a:t>
-            </a:r>
-            <a:endParaRPr kumimoji="1" lang="ja-JP" altLang="en-US" b="1" dirty="0">
-              <a:solidFill>
-                <a:schemeClr val="tx1">
-                  <a:lumMod val="85000"/>
-                  <a:lumOff val="15000"/>
-                </a:schemeClr>
-              </a:solidFill>
-            </a:endParaRPr>
-          </a:p>
-        </p:txBody>
-      </p:sp>
-      <p:sp>
-        <p:nvSpPr>
-          <p:cNvPr id="5" name="テキスト ボックス 4">
-            <a:extLst>
-              <a:ext uri="{FF2B5EF4-FFF2-40B4-BE49-F238E27FC236}">
-                <a16:creationId xmlns:a16="http://schemas.microsoft.com/office/drawing/2014/main" id="{61B6A5D5-D1D2-E00B-9368-1C674ABB0DAB}"/>
-              </a:ext>
-            </a:extLst>
-          </p:cNvPr>
-          <p:cNvSpPr txBox="1"/>
-          <p:nvPr/>
-        </p:nvSpPr>
-        <p:spPr>
-          <a:xfrm>
-            <a:off x="0" y="6581001"/>
-            <a:ext cx="11439525" cy="276999"/>
-          </a:xfrm>
-          <a:prstGeom prst="rect">
-            <a:avLst/>
-          </a:prstGeom>
-          <a:noFill/>
-        </p:spPr>
-        <p:txBody>
-          <a:bodyPr wrap="square" rtlCol="0">
-            <a:spAutoFit/>
-          </a:bodyPr>
-          <a:lstStyle/>
-          <a:p>
-            <a:r>
-              <a:rPr kumimoji="1" lang="en-US" altLang="ja-JP" sz="1200" dirty="0"/>
-              <a:t>[x]</a:t>
-            </a:r>
-            <a:r>
-              <a:rPr lang="en-US" altLang="ja-JP" sz="1200" dirty="0"/>
-              <a:t>:</a:t>
-            </a:r>
-            <a:r>
-              <a:rPr lang="ja-JP" altLang="en-US" sz="1200" dirty="0"/>
-              <a:t> </a:t>
-            </a:r>
-            <a:r>
-              <a:rPr kumimoji="1" lang="en-US" altLang="ja-JP" sz="1200" dirty="0"/>
-              <a:t>Docker </a:t>
-            </a:r>
-            <a:r>
-              <a:rPr kumimoji="1" lang="ja-JP" altLang="en-US" sz="1200" dirty="0"/>
-              <a:t>イメージとコンテナの違い</a:t>
-            </a:r>
-            <a:r>
-              <a:rPr kumimoji="1" lang="en-US" altLang="ja-JP" sz="1200" dirty="0"/>
-              <a:t>, </a:t>
-            </a:r>
-            <a:r>
-              <a:rPr kumimoji="1" lang="en-US" altLang="ja-JP" sz="1200" dirty="0" err="1"/>
-              <a:t>aws</a:t>
-            </a:r>
-            <a:r>
-              <a:rPr kumimoji="1" lang="en-US" altLang="ja-JP" sz="1200" dirty="0"/>
-              <a:t>, https://aws.amazon.com/jp/compare/the-difference-between-docker-images-and-containers/</a:t>
-            </a:r>
-            <a:endParaRPr kumimoji="1" lang="ja-JP" altLang="en-US" sz="1200" dirty="0"/>
-          </a:p>
-        </p:txBody>
-      </p:sp>
-    </p:spTree>
-    <p:extLst>
-      <p:ext uri="{BB962C8B-B14F-4D97-AF65-F5344CB8AC3E}">
-        <p14:creationId xmlns:p14="http://schemas.microsoft.com/office/powerpoint/2010/main" val="533456754"/>
       </p:ext>
     </p:extLst>
   </p:cSld>
@@ -7868,12 +8043,8 @@
           <a:lstStyle/>
           <a:p>
             <a:r>
-              <a:rPr lang="en-US" altLang="ja-JP" i="1" dirty="0">
-                <a:solidFill>
-                  <a:schemeClr val="accent2"/>
-                </a:solidFill>
-              </a:rPr>
-              <a:t>container</a:t>
+              <a:rPr lang="en-US" altLang="ja-JP" i="1" dirty="0"/>
+              <a:t>image</a:t>
             </a:r>
           </a:p>
           <a:p>
@@ -7884,12 +8055,67 @@
             </a:r>
             <a:r>
               <a:rPr lang="ja-JP" altLang="en-US" dirty="0"/>
-              <a:t>作成に使用されるスタンドアロンな実行可能ファイル</a:t>
-            </a:r>
-            <a:endParaRPr lang="en-US" altLang="ja-JP" dirty="0"/>
+              <a:t>作成に使用されるスタンドアロンな</a:t>
+            </a:r>
+            <a:r>
+              <a:rPr lang="ja-JP" altLang="en-US" u="sng" dirty="0"/>
+              <a:t>実行可能ファイル</a:t>
+            </a:r>
+            <a:r>
+              <a:rPr lang="en-US" altLang="ja-JP" dirty="0"/>
+              <a:t>[x]</a:t>
+            </a:r>
           </a:p>
           <a:p>
             <a:pPr lvl="2"/>
+            <a:r>
+              <a:rPr kumimoji="1" lang="ja-JP" altLang="en-US" dirty="0"/>
+              <a:t>自作の</a:t>
+            </a:r>
+            <a:r>
+              <a:rPr kumimoji="1" lang="en-US" altLang="ja-JP" b="1" dirty="0" err="1"/>
+              <a:t>Dockerfile</a:t>
+            </a:r>
+            <a:r>
+              <a:rPr kumimoji="1" lang="ja-JP" altLang="en-US" b="1" dirty="0"/>
+              <a:t>から</a:t>
+            </a:r>
+            <a:r>
+              <a:rPr lang="en-US" altLang="ja-JP" b="1" dirty="0"/>
+              <a:t>build</a:t>
+            </a:r>
+            <a:r>
+              <a:rPr lang="ja-JP" altLang="en-US" dirty="0"/>
+              <a:t> </a:t>
+            </a:r>
+            <a:r>
+              <a:rPr lang="en-US" altLang="ja-JP" dirty="0"/>
+              <a:t>or</a:t>
+            </a:r>
+            <a:r>
+              <a:rPr lang="ja-JP" altLang="en-US" dirty="0"/>
+              <a:t> クラウド上の既存</a:t>
+            </a:r>
+            <a:r>
+              <a:rPr lang="en-US" altLang="ja-JP" dirty="0"/>
+              <a:t>image</a:t>
+            </a:r>
+            <a:r>
+              <a:rPr lang="ja-JP" altLang="en-US" dirty="0"/>
+              <a:t>を</a:t>
+            </a:r>
+            <a:r>
+              <a:rPr lang="en-US" altLang="ja-JP" dirty="0"/>
+              <a:t>pull</a:t>
+            </a:r>
+            <a:endParaRPr kumimoji="1" lang="en-US" altLang="ja-JP" dirty="0"/>
+          </a:p>
+          <a:p>
+            <a:pPr lvl="2"/>
+            <a:r>
+              <a:rPr kumimoji="1" lang="ja-JP" altLang="en-US" dirty="0"/>
+              <a:t>必要な</a:t>
+            </a:r>
             <a:r>
               <a:rPr kumimoji="1" lang="ja-JP" altLang="en-US" b="1" dirty="0"/>
               <a:t>ライブラリ，依存関係，ファイル</a:t>
@@ -7902,6 +8128,38 @@
           </a:p>
           <a:p>
             <a:pPr lvl="1"/>
+            <a:r>
+              <a:rPr kumimoji="1" lang="ja-JP" altLang="en-US" dirty="0"/>
+              <a:t>レイヤー構造</a:t>
+            </a:r>
+            <a:endParaRPr kumimoji="1" lang="en-US" altLang="ja-JP" dirty="0"/>
+          </a:p>
+          <a:p>
+            <a:pPr lvl="2"/>
+            <a:r>
+              <a:rPr kumimoji="1" lang="ja-JP" altLang="en-US" dirty="0"/>
+              <a:t>ベースイメージに対する差分</a:t>
+            </a:r>
+            <a:r>
+              <a:rPr kumimoji="1" lang="en-US" altLang="ja-JP" sz="1800" dirty="0"/>
+              <a:t>(</a:t>
+            </a:r>
+            <a:r>
+              <a:rPr kumimoji="1" lang="en-US" altLang="ja-JP" sz="1800" dirty="0" err="1"/>
+              <a:t>Dockerfile</a:t>
+            </a:r>
+            <a:r>
+              <a:rPr kumimoji="1" lang="ja-JP" altLang="en-US" sz="1800" dirty="0"/>
+              <a:t>の各命令</a:t>
+            </a:r>
+            <a:r>
+              <a:rPr kumimoji="1" lang="en-US" altLang="ja-JP" sz="1800" dirty="0"/>
+              <a:t>)</a:t>
+            </a:r>
+            <a:r>
+              <a:rPr kumimoji="1" lang="ja-JP" altLang="en-US" dirty="0"/>
+              <a:t>がレイヤーとして構築</a:t>
+            </a:r>
             <a:endParaRPr kumimoji="1" lang="en-US" altLang="ja-JP" dirty="0"/>
           </a:p>
           <a:p>
@@ -7997,10 +8255,109 @@
           </a:p>
         </p:txBody>
       </p:sp>
+      <p:sp>
+        <p:nvSpPr>
+          <p:cNvPr id="5" name="テキスト ボックス 4">
+            <a:extLst>
+              <a:ext uri="{FF2B5EF4-FFF2-40B4-BE49-F238E27FC236}">
+                <a16:creationId xmlns:a16="http://schemas.microsoft.com/office/drawing/2014/main" id="{61B6A5D5-D1D2-E00B-9368-1C674ABB0DAB}"/>
+              </a:ext>
+            </a:extLst>
+          </p:cNvPr>
+          <p:cNvSpPr txBox="1"/>
+          <p:nvPr/>
+        </p:nvSpPr>
+        <p:spPr>
+          <a:xfrm>
+            <a:off x="0" y="6581001"/>
+            <a:ext cx="11439525" cy="276999"/>
+          </a:xfrm>
+          <a:prstGeom prst="rect">
+            <a:avLst/>
+          </a:prstGeom>
+          <a:noFill/>
+        </p:spPr>
+        <p:txBody>
+          <a:bodyPr wrap="square" rtlCol="0">
+            <a:spAutoFit/>
+          </a:bodyPr>
+          <a:lstStyle/>
+          <a:p>
+            <a:r>
+              <a:rPr kumimoji="1" lang="en-US" altLang="ja-JP" sz="1200" dirty="0"/>
+              <a:t>[x]</a:t>
+            </a:r>
+            <a:r>
+              <a:rPr lang="en-US" altLang="ja-JP" sz="1200" dirty="0"/>
+              <a:t>:</a:t>
+            </a:r>
+            <a:r>
+              <a:rPr lang="ja-JP" altLang="en-US" sz="1200" dirty="0"/>
+              <a:t> </a:t>
+            </a:r>
+            <a:r>
+              <a:rPr kumimoji="1" lang="en-US" altLang="ja-JP" sz="1200" dirty="0" err="1"/>
+              <a:t>aws</a:t>
+            </a:r>
+            <a:r>
+              <a:rPr kumimoji="1" lang="en-US" altLang="ja-JP" sz="1200" dirty="0"/>
+              <a:t>, Docker </a:t>
+            </a:r>
+            <a:r>
+              <a:rPr kumimoji="1" lang="ja-JP" altLang="en-US" sz="1200" dirty="0"/>
+              <a:t>イメージとコンテナの違い</a:t>
+            </a:r>
+            <a:r>
+              <a:rPr kumimoji="1" lang="en-US" altLang="ja-JP" sz="1200" dirty="0"/>
+              <a:t>, </a:t>
+            </a:r>
+            <a:r>
+              <a:rPr kumimoji="1" lang="en-US" altLang="ja-JP" sz="1200" dirty="0">
+                <a:hlinkClick r:id="rId2"/>
+              </a:rPr>
+              <a:t>https://aws.amazon.com/jp/compare/the-difference-between-docker-images-and-containers/</a:t>
+            </a:r>
+            <a:r>
+              <a:rPr kumimoji="1" lang="en-US" altLang="ja-JP" sz="1200" dirty="0"/>
+              <a:t>, 2024/05/20</a:t>
+            </a:r>
+            <a:endParaRPr kumimoji="1" lang="ja-JP" altLang="en-US" sz="1200" dirty="0"/>
+          </a:p>
+        </p:txBody>
+      </p:sp>
+      <p:sp>
+        <p:nvSpPr>
+          <p:cNvPr id="6" name="スライド番号プレースホルダー 5">
+            <a:extLst>
+              <a:ext uri="{FF2B5EF4-FFF2-40B4-BE49-F238E27FC236}">
+                <a16:creationId xmlns:a16="http://schemas.microsoft.com/office/drawing/2014/main" id="{AA5CACE3-643A-5D6D-CAD7-2F8250FC414A}"/>
+              </a:ext>
+            </a:extLst>
+          </p:cNvPr>
+          <p:cNvSpPr>
+            <a:spLocks noGrp="1"/>
+          </p:cNvSpPr>
+          <p:nvPr>
+            <p:ph type="sldNum" sz="quarter" idx="12"/>
+          </p:nvPr>
+        </p:nvSpPr>
+        <p:spPr/>
+        <p:txBody>
+          <a:bodyPr/>
+          <a:lstStyle/>
+          <a:p>
+            <a:fld id="{09FDC953-F94B-4BF6-9058-77E5342884D4}" type="slidenum">
+              <a:rPr kumimoji="1" lang="ja-JP" altLang="en-US" smtClean="0"/>
+              <a:t>16</a:t>
+            </a:fld>
+            <a:endParaRPr kumimoji="1" lang="ja-JP" altLang="en-US" dirty="0"/>
+          </a:p>
+        </p:txBody>
+      </p:sp>
     </p:spTree>
     <p:extLst>
       <p:ext uri="{BB962C8B-B14F-4D97-AF65-F5344CB8AC3E}">
-        <p14:creationId xmlns:p14="http://schemas.microsoft.com/office/powerpoint/2010/main" val="3108265407"/>
+        <p14:creationId xmlns:p14="http://schemas.microsoft.com/office/powerpoint/2010/main" val="533456754"/>
       </p:ext>
     </p:extLst>
   </p:cSld>
@@ -8013,14 +8370,6 @@
 <file path=ppt/slides/slide17.xml><?xml version="1.0" encoding="utf-8"?>
 <p:sld xmlns:a="http://schemas.openxmlformats.org/drawingml/2006/main" xmlns:r="http://schemas.openxmlformats.org/officeDocument/2006/relationships" xmlns:p="http://schemas.openxmlformats.org/presentationml/2006/main">
   <p:cSld>
-    <p:bg>
-      <p:bgPr>
-        <a:solidFill>
-          <a:schemeClr val="accent1"/>
-        </a:solidFill>
-        <a:effectLst/>
-      </p:bgPr>
-    </p:bg>
     <p:spTree>
       <p:nvGrpSpPr>
         <p:cNvPr id="1" name=""/>
@@ -8037,10 +8386,102 @@
       </p:grpSpPr>
       <p:sp>
         <p:nvSpPr>
-          <p:cNvPr id="2" name="テキスト ボックス 1">
-            <a:extLst>
-              <a:ext uri="{FF2B5EF4-FFF2-40B4-BE49-F238E27FC236}">
-                <a16:creationId xmlns:a16="http://schemas.microsoft.com/office/drawing/2014/main" id="{463D0785-186A-FC28-9B7A-5D2B59539000}"/>
+          <p:cNvPr id="2" name="タイトル 1">
+            <a:extLst>
+              <a:ext uri="{FF2B5EF4-FFF2-40B4-BE49-F238E27FC236}">
+                <a16:creationId xmlns:a16="http://schemas.microsoft.com/office/drawing/2014/main" id="{5D85131E-AB32-0C13-F928-0BC8C7E25614}"/>
+              </a:ext>
+            </a:extLst>
+          </p:cNvPr>
+          <p:cNvSpPr>
+            <a:spLocks noGrp="1"/>
+          </p:cNvSpPr>
+          <p:nvPr>
+            <p:ph type="title"/>
+          </p:nvPr>
+        </p:nvSpPr>
+        <p:spPr/>
+        <p:txBody>
+          <a:bodyPr/>
+          <a:lstStyle/>
+          <a:p>
+            <a:r>
+              <a:rPr kumimoji="1" lang="ja-JP" altLang="en-US" dirty="0"/>
+              <a:t>用語</a:t>
+            </a:r>
+          </a:p>
+        </p:txBody>
+      </p:sp>
+      <p:sp>
+        <p:nvSpPr>
+          <p:cNvPr id="3" name="コンテンツ プレースホルダー 2">
+            <a:extLst>
+              <a:ext uri="{FF2B5EF4-FFF2-40B4-BE49-F238E27FC236}">
+                <a16:creationId xmlns:a16="http://schemas.microsoft.com/office/drawing/2014/main" id="{E1842FAB-83F8-8740-EA6D-D4B6CB48EB62}"/>
+              </a:ext>
+            </a:extLst>
+          </p:cNvPr>
+          <p:cNvSpPr>
+            <a:spLocks noGrp="1"/>
+          </p:cNvSpPr>
+          <p:nvPr>
+            <p:ph idx="1"/>
+          </p:nvPr>
+        </p:nvSpPr>
+        <p:spPr/>
+        <p:txBody>
+          <a:bodyPr/>
+          <a:lstStyle/>
+          <a:p>
+            <a:r>
+              <a:rPr lang="en-US" altLang="ja-JP" i="1" dirty="0">
+                <a:solidFill>
+                  <a:schemeClr val="accent2"/>
+                </a:solidFill>
+              </a:rPr>
+              <a:t>container</a:t>
+            </a:r>
+          </a:p>
+          <a:p>
+            <a:pPr lvl="1"/>
+            <a:r>
+              <a:rPr lang="en-US" altLang="ja-JP" dirty="0"/>
+              <a:t>container</a:t>
+            </a:r>
+            <a:r>
+              <a:rPr lang="ja-JP" altLang="en-US" dirty="0"/>
+              <a:t>作成に使用されるスタンドアロンな実行可能ファイル</a:t>
+            </a:r>
+            <a:endParaRPr lang="en-US" altLang="ja-JP" dirty="0"/>
+          </a:p>
+          <a:p>
+            <a:pPr lvl="2"/>
+            <a:r>
+              <a:rPr kumimoji="1" lang="ja-JP" altLang="en-US" b="1" dirty="0"/>
+              <a:t>ライブラリ，依存関係，ファイル</a:t>
+            </a:r>
+            <a:r>
+              <a:rPr kumimoji="1" lang="ja-JP" altLang="en-US" dirty="0"/>
+              <a:t>全てを内包</a:t>
+            </a:r>
+            <a:endParaRPr kumimoji="1" lang="en-US" altLang="ja-JP" dirty="0"/>
+          </a:p>
+          <a:p>
+            <a:pPr lvl="1"/>
+            <a:endParaRPr kumimoji="1" lang="en-US" altLang="ja-JP" dirty="0"/>
+          </a:p>
+          <a:p>
+            <a:pPr lvl="1"/>
+            <a:endParaRPr kumimoji="1" lang="ja-JP" altLang="en-US" dirty="0"/>
+          </a:p>
+        </p:txBody>
+      </p:sp>
+      <p:sp>
+        <p:nvSpPr>
+          <p:cNvPr id="4" name="テキスト ボックス 3">
+            <a:extLst>
+              <a:ext uri="{FF2B5EF4-FFF2-40B4-BE49-F238E27FC236}">
+                <a16:creationId xmlns:a16="http://schemas.microsoft.com/office/drawing/2014/main" id="{DA317149-12A0-92F9-65EE-02DF436B7134}"/>
               </a:ext>
             </a:extLst>
           </p:cNvPr>
@@ -8049,8 +8490,8 @@
         </p:nvSpPr>
         <p:spPr>
           <a:xfrm>
-            <a:off x="504825" y="2438400"/>
-            <a:ext cx="11191875" cy="2123658"/>
+            <a:off x="76200" y="85725"/>
+            <a:ext cx="3676650" cy="369332"/>
           </a:xfrm>
           <a:prstGeom prst="rect">
             <a:avLst/>
@@ -8063,49 +8504,98 @@
           </a:bodyPr>
           <a:lstStyle/>
           <a:p>
-            <a:pPr algn="ctr"/>
-            <a:r>
-              <a:rPr lang="en-US" altLang="ja-JP" sz="6600" dirty="0">
-                <a:solidFill>
-                  <a:schemeClr val="bg1"/>
+            <a:r>
+              <a:rPr kumimoji="1" lang="en-US" altLang="ja-JP" dirty="0"/>
+              <a:t> </a:t>
+            </a:r>
+            <a:r>
+              <a:rPr kumimoji="1" lang="en-US" altLang="ja-JP" b="1" dirty="0">
+                <a:solidFill>
+                  <a:schemeClr val="tx1">
+                    <a:lumMod val="85000"/>
+                    <a:lumOff val="15000"/>
+                  </a:schemeClr>
                 </a:solidFill>
               </a:rPr>
-              <a:t>4.</a:t>
-            </a:r>
-          </a:p>
-          <a:p>
-            <a:pPr algn="ctr"/>
-            <a:r>
-              <a:rPr kumimoji="1" lang="ja-JP" altLang="en-US" sz="6600" b="1" dirty="0">
-                <a:solidFill>
-                  <a:schemeClr val="bg1"/>
+              <a:t>3. </a:t>
+            </a:r>
+            <a:r>
+              <a:rPr lang="ja-JP" altLang="en-US" b="1" dirty="0">
+                <a:solidFill>
+                  <a:schemeClr val="tx1">
+                    <a:lumMod val="85000"/>
+                    <a:lumOff val="15000"/>
+                  </a:schemeClr>
                 </a:solidFill>
               </a:rPr>
-              <a:t>長所</a:t>
-            </a:r>
-            <a:r>
-              <a:rPr kumimoji="1" lang="en-US" altLang="ja-JP" sz="6600" b="1" dirty="0">
-                <a:solidFill>
-                  <a:schemeClr val="bg1"/>
+              <a:t>主要アーキテクチャ </a:t>
+            </a:r>
+            <a:r>
+              <a:rPr lang="en-US" altLang="ja-JP" b="1" dirty="0">
+                <a:solidFill>
+                  <a:schemeClr val="tx1">
+                    <a:lumMod val="85000"/>
+                    <a:lumOff val="15000"/>
+                  </a:schemeClr>
                 </a:solidFill>
               </a:rPr>
-              <a:t>/</a:t>
-            </a:r>
-            <a:r>
-              <a:rPr kumimoji="1" lang="ja-JP" altLang="en-US" sz="6600" b="1" dirty="0">
-                <a:solidFill>
-                  <a:schemeClr val="bg1"/>
+              <a:t>&gt; </a:t>
+            </a:r>
+            <a:r>
+              <a:rPr lang="ja-JP" altLang="en-US" b="1" dirty="0">
+                <a:solidFill>
+                  <a:schemeClr val="tx1">
+                    <a:lumMod val="85000"/>
+                    <a:lumOff val="15000"/>
+                  </a:schemeClr>
                 </a:solidFill>
               </a:rPr>
-              <a:t>短所</a:t>
-            </a:r>
+              <a:t>用語</a:t>
+            </a:r>
+            <a:endParaRPr kumimoji="1" lang="ja-JP" altLang="en-US" b="1" dirty="0">
+              <a:solidFill>
+                <a:schemeClr val="tx1">
+                  <a:lumMod val="85000"/>
+                  <a:lumOff val="15000"/>
+                </a:schemeClr>
+              </a:solidFill>
+            </a:endParaRPr>
+          </a:p>
+        </p:txBody>
+      </p:sp>
+      <p:sp>
+        <p:nvSpPr>
+          <p:cNvPr id="5" name="スライド番号プレースホルダー 4">
+            <a:extLst>
+              <a:ext uri="{FF2B5EF4-FFF2-40B4-BE49-F238E27FC236}">
+                <a16:creationId xmlns:a16="http://schemas.microsoft.com/office/drawing/2014/main" id="{1B4E10AD-19CD-4365-9BF0-6E6ECF7766EA}"/>
+              </a:ext>
+            </a:extLst>
+          </p:cNvPr>
+          <p:cNvSpPr>
+            <a:spLocks noGrp="1"/>
+          </p:cNvSpPr>
+          <p:nvPr>
+            <p:ph type="sldNum" sz="quarter" idx="12"/>
+          </p:nvPr>
+        </p:nvSpPr>
+        <p:spPr/>
+        <p:txBody>
+          <a:bodyPr/>
+          <a:lstStyle/>
+          <a:p>
+            <a:fld id="{09FDC953-F94B-4BF6-9058-77E5342884D4}" type="slidenum">
+              <a:rPr kumimoji="1" lang="ja-JP" altLang="en-US" smtClean="0"/>
+              <a:t>17</a:t>
+            </a:fld>
+            <a:endParaRPr kumimoji="1" lang="ja-JP" altLang="en-US"/>
           </a:p>
         </p:txBody>
       </p:sp>
     </p:spTree>
     <p:extLst>
       <p:ext uri="{BB962C8B-B14F-4D97-AF65-F5344CB8AC3E}">
-        <p14:creationId xmlns:p14="http://schemas.microsoft.com/office/powerpoint/2010/main" val="2865134534"/>
+        <p14:creationId xmlns:p14="http://schemas.microsoft.com/office/powerpoint/2010/main" val="3108265407"/>
       </p:ext>
     </p:extLst>
   </p:cSld>
@@ -8155,7 +8645,7 @@
           <a:p>
             <a:r>
               <a:rPr lang="ja-JP" altLang="en-US" dirty="0"/>
-              <a:t>長所</a:t>
+              <a:t>応用 </a:t>
             </a:r>
             <a:endParaRPr kumimoji="1" lang="ja-JP" altLang="en-US" dirty="0"/>
           </a:p>
@@ -8183,98 +8673,32 @@
           <a:lstStyle/>
           <a:p>
             <a:r>
-              <a:rPr lang="ja-JP" altLang="en-US" dirty="0"/>
-              <a:t>効率性</a:t>
-            </a:r>
-            <a:endParaRPr lang="en-US" altLang="ja-JP" dirty="0"/>
+              <a:rPr lang="en-US" altLang="ja-JP" i="1" dirty="0">
+                <a:solidFill>
+                  <a:schemeClr val="accent2"/>
+                </a:solidFill>
+              </a:rPr>
+              <a:t>compose</a:t>
+            </a:r>
           </a:p>
           <a:p>
             <a:pPr lvl="1"/>
             <a:r>
-              <a:rPr lang="en-US" altLang="ja-JP" dirty="0"/>
-              <a:t>VM</a:t>
-            </a:r>
-            <a:r>
-              <a:rPr lang="ja-JP" altLang="en-US" dirty="0"/>
-              <a:t>と比較し，</a:t>
-            </a:r>
-            <a:r>
-              <a:rPr lang="ja-JP" altLang="en-US" b="1" dirty="0">
-                <a:solidFill>
-                  <a:srgbClr val="FF0000"/>
-                </a:solidFill>
-              </a:rPr>
-              <a:t>起動オーバーヘッド</a:t>
-            </a:r>
-            <a:r>
-              <a:rPr lang="ja-JP" altLang="en-US" dirty="0"/>
-              <a:t>と</a:t>
-            </a:r>
-            <a:r>
-              <a:rPr lang="ja-JP" altLang="en-US" b="1" dirty="0">
-                <a:solidFill>
-                  <a:srgbClr val="FF0000"/>
-                </a:solidFill>
-              </a:rPr>
-              <a:t>リソース量</a:t>
-            </a:r>
-            <a:r>
-              <a:rPr lang="ja-JP" altLang="en-US" dirty="0"/>
-              <a:t>が</a:t>
-            </a:r>
-            <a:r>
-              <a:rPr lang="ja-JP" altLang="en-US" b="1" dirty="0"/>
-              <a:t>小</a:t>
-            </a:r>
-            <a:endParaRPr lang="en-US" altLang="ja-JP" b="1" dirty="0"/>
-          </a:p>
-          <a:p>
-            <a:r>
-              <a:rPr kumimoji="1" lang="ja-JP" altLang="en-US" dirty="0"/>
-              <a:t>一貫性</a:t>
-            </a:r>
-            <a:r>
-              <a:rPr kumimoji="1" lang="en-US" altLang="ja-JP" dirty="0"/>
-              <a:t>/</a:t>
-            </a:r>
-            <a:r>
-              <a:rPr kumimoji="1" lang="ja-JP" altLang="en-US" dirty="0"/>
-              <a:t>再現性</a:t>
-            </a:r>
+              <a:rPr lang="ja-JP" altLang="en-US" i="1" dirty="0"/>
+              <a:t>複数のコンテナを定義し実行</a:t>
+            </a:r>
+            <a:endParaRPr lang="en-US" altLang="ja-JP" i="1" dirty="0"/>
+          </a:p>
+          <a:p>
+            <a:pPr lvl="1"/>
             <a:endParaRPr kumimoji="1" lang="en-US" altLang="ja-JP" dirty="0"/>
           </a:p>
           <a:p>
             <a:pPr lvl="1"/>
-            <a:r>
-              <a:rPr kumimoji="1" lang="ja-JP" altLang="en-US" dirty="0"/>
-              <a:t>イミュータブル</a:t>
-            </a:r>
-            <a:r>
-              <a:rPr kumimoji="1" lang="en-US" altLang="ja-JP" dirty="0"/>
-              <a:t>	</a:t>
-            </a:r>
-          </a:p>
-          <a:p>
-            <a:r>
-              <a:rPr lang="ja-JP" altLang="en-US" dirty="0"/>
-              <a:t>可搬性</a:t>
-            </a:r>
-            <a:endParaRPr lang="en-US" altLang="ja-JP" dirty="0"/>
+            <a:endParaRPr kumimoji="1" lang="en-US" altLang="ja-JP" dirty="0"/>
           </a:p>
           <a:p>
             <a:pPr lvl="1"/>
-            <a:r>
-              <a:rPr kumimoji="1" lang="en-US" altLang="ja-JP" dirty="0"/>
-              <a:t>CI</a:t>
-            </a:r>
-            <a:r>
-              <a:rPr lang="en-US" altLang="ja-JP" dirty="0"/>
-              <a:t>/CD </a:t>
-            </a:r>
-            <a:r>
-              <a:rPr lang="ja-JP" altLang="en-US" dirty="0"/>
-              <a:t>の観点</a:t>
-            </a:r>
             <a:endParaRPr kumimoji="1" lang="ja-JP" altLang="en-US" dirty="0"/>
           </a:p>
         </p:txBody>
@@ -8320,10 +8744,10 @@
                   </a:schemeClr>
                 </a:solidFill>
               </a:rPr>
-              <a:t>4. </a:t>
-            </a:r>
-            <a:r>
-              <a:rPr kumimoji="1" lang="ja-JP" altLang="en-US" b="1" dirty="0">
+              <a:t>3. </a:t>
+            </a:r>
+            <a:r>
+              <a:rPr lang="ja-JP" altLang="en-US" b="1" dirty="0">
                 <a:solidFill>
                   <a:schemeClr val="tx1">
                     <a:lumMod val="85000"/>
@@ -8331,10 +8755,10 @@
                   </a:schemeClr>
                 </a:solidFill>
               </a:rPr>
-              <a:t>長所</a:t>
-            </a:r>
-            <a:r>
-              <a:rPr kumimoji="1" lang="en-US" altLang="ja-JP" b="1" dirty="0">
+              <a:t>主要アーキテクチャ </a:t>
+            </a:r>
+            <a:r>
+              <a:rPr lang="en-US" altLang="ja-JP" b="1" dirty="0">
                 <a:solidFill>
                   <a:schemeClr val="tx1">
                     <a:lumMod val="85000"/>
@@ -8342,10 +8766,10 @@
                   </a:schemeClr>
                 </a:solidFill>
               </a:rPr>
-              <a:t>/</a:t>
-            </a:r>
-            <a:r>
-              <a:rPr kumimoji="1" lang="ja-JP" altLang="en-US" b="1" dirty="0">
+              <a:t>&gt; </a:t>
+            </a:r>
+            <a:r>
+              <a:rPr lang="ja-JP" altLang="en-US" b="1" dirty="0">
                 <a:solidFill>
                   <a:schemeClr val="tx1">
                     <a:lumMod val="85000"/>
@@ -8353,15 +8777,52 @@
                   </a:schemeClr>
                 </a:solidFill>
               </a:rPr>
-              <a:t>短所 </a:t>
-            </a:r>
+              <a:t>用語</a:t>
+            </a:r>
+            <a:endParaRPr kumimoji="1" lang="ja-JP" altLang="en-US" b="1" dirty="0">
+              <a:solidFill>
+                <a:schemeClr val="tx1">
+                  <a:lumMod val="85000"/>
+                  <a:lumOff val="15000"/>
+                </a:schemeClr>
+              </a:solidFill>
+            </a:endParaRPr>
+          </a:p>
+        </p:txBody>
+      </p:sp>
+      <p:sp>
+        <p:nvSpPr>
+          <p:cNvPr id="5" name="スライド番号プレースホルダー 4">
+            <a:extLst>
+              <a:ext uri="{FF2B5EF4-FFF2-40B4-BE49-F238E27FC236}">
+                <a16:creationId xmlns:a16="http://schemas.microsoft.com/office/drawing/2014/main" id="{EE7B5D00-9A47-276B-0C42-DA2386DDE732}"/>
+              </a:ext>
+            </a:extLst>
+          </p:cNvPr>
+          <p:cNvSpPr>
+            <a:spLocks noGrp="1"/>
+          </p:cNvSpPr>
+          <p:nvPr>
+            <p:ph type="sldNum" sz="quarter" idx="12"/>
+          </p:nvPr>
+        </p:nvSpPr>
+        <p:spPr/>
+        <p:txBody>
+          <a:bodyPr/>
+          <a:lstStyle/>
+          <a:p>
+            <a:fld id="{09FDC953-F94B-4BF6-9058-77E5342884D4}" type="slidenum">
+              <a:rPr kumimoji="1" lang="ja-JP" altLang="en-US" smtClean="0"/>
+              <a:t>18</a:t>
+            </a:fld>
+            <a:endParaRPr kumimoji="1" lang="ja-JP" altLang="en-US"/>
           </a:p>
         </p:txBody>
       </p:sp>
     </p:spTree>
     <p:extLst>
       <p:ext uri="{BB962C8B-B14F-4D97-AF65-F5344CB8AC3E}">
-        <p14:creationId xmlns:p14="http://schemas.microsoft.com/office/powerpoint/2010/main" val="3178969580"/>
+        <p14:creationId xmlns:p14="http://schemas.microsoft.com/office/powerpoint/2010/main" val="1999871199"/>
       </p:ext>
     </p:extLst>
   </p:cSld>
@@ -8374,6 +8835,14 @@
 <file path=ppt/slides/slide19.xml><?xml version="1.0" encoding="utf-8"?>
 <p:sld xmlns:a="http://schemas.openxmlformats.org/drawingml/2006/main" xmlns:r="http://schemas.openxmlformats.org/officeDocument/2006/relationships" xmlns:p="http://schemas.openxmlformats.org/presentationml/2006/main">
   <p:cSld>
+    <p:bg>
+      <p:bgPr>
+        <a:solidFill>
+          <a:schemeClr val="accent1"/>
+        </a:solidFill>
+        <a:effectLst/>
+      </p:bgPr>
+    </p:bg>
     <p:spTree>
       <p:nvGrpSpPr>
         <p:cNvPr id="1" name=""/>
@@ -8390,73 +8859,10 @@
       </p:grpSpPr>
       <p:sp>
         <p:nvSpPr>
-          <p:cNvPr id="2" name="タイトル 1">
-            <a:extLst>
-              <a:ext uri="{FF2B5EF4-FFF2-40B4-BE49-F238E27FC236}">
-                <a16:creationId xmlns:a16="http://schemas.microsoft.com/office/drawing/2014/main" id="{5D85131E-AB32-0C13-F928-0BC8C7E25614}"/>
-              </a:ext>
-            </a:extLst>
-          </p:cNvPr>
-          <p:cNvSpPr>
-            <a:spLocks noGrp="1"/>
-          </p:cNvSpPr>
-          <p:nvPr>
-            <p:ph type="title"/>
-          </p:nvPr>
-        </p:nvSpPr>
-        <p:spPr/>
-        <p:txBody>
-          <a:bodyPr/>
-          <a:lstStyle/>
-          <a:p>
-            <a:r>
-              <a:rPr kumimoji="1" lang="ja-JP" altLang="en-US" dirty="0"/>
-              <a:t>短所</a:t>
-            </a:r>
-          </a:p>
-        </p:txBody>
-      </p:sp>
-      <p:sp>
-        <p:nvSpPr>
-          <p:cNvPr id="3" name="コンテンツ プレースホルダー 2">
-            <a:extLst>
-              <a:ext uri="{FF2B5EF4-FFF2-40B4-BE49-F238E27FC236}">
-                <a16:creationId xmlns:a16="http://schemas.microsoft.com/office/drawing/2014/main" id="{E1842FAB-83F8-8740-EA6D-D4B6CB48EB62}"/>
-              </a:ext>
-            </a:extLst>
-          </p:cNvPr>
-          <p:cNvSpPr>
-            <a:spLocks noGrp="1"/>
-          </p:cNvSpPr>
-          <p:nvPr>
-            <p:ph idx="1"/>
-          </p:nvPr>
-        </p:nvSpPr>
-        <p:spPr/>
-        <p:txBody>
-          <a:bodyPr/>
-          <a:lstStyle/>
-          <a:p>
-            <a:r>
-              <a:rPr kumimoji="1" lang="ja-JP" altLang="en-US" dirty="0"/>
-              <a:t>学習コスト</a:t>
-            </a:r>
-            <a:endParaRPr kumimoji="1" lang="en-US" altLang="ja-JP" dirty="0"/>
-          </a:p>
-          <a:p>
-            <a:r>
-              <a:rPr kumimoji="1" lang="ja-JP" altLang="en-US" dirty="0"/>
-              <a:t>セキュリティ</a:t>
-            </a:r>
-          </a:p>
-        </p:txBody>
-      </p:sp>
-      <p:sp>
-        <p:nvSpPr>
-          <p:cNvPr id="4" name="テキスト ボックス 3">
-            <a:extLst>
-              <a:ext uri="{FF2B5EF4-FFF2-40B4-BE49-F238E27FC236}">
-                <a16:creationId xmlns:a16="http://schemas.microsoft.com/office/drawing/2014/main" id="{DA317149-12A0-92F9-65EE-02DF436B7134}"/>
+          <p:cNvPr id="2" name="テキスト ボックス 1">
+            <a:extLst>
+              <a:ext uri="{FF2B5EF4-FFF2-40B4-BE49-F238E27FC236}">
+                <a16:creationId xmlns:a16="http://schemas.microsoft.com/office/drawing/2014/main" id="{463D0785-186A-FC28-9B7A-5D2B59539000}"/>
               </a:ext>
             </a:extLst>
           </p:cNvPr>
@@ -8465,8 +8871,8 @@
         </p:nvSpPr>
         <p:spPr>
           <a:xfrm>
-            <a:off x="76200" y="85725"/>
-            <a:ext cx="3676650" cy="369332"/>
+            <a:off x="504825" y="2438400"/>
+            <a:ext cx="11191875" cy="2123658"/>
           </a:xfrm>
           <a:prstGeom prst="rect">
             <a:avLst/>
@@ -8479,61 +8885,78 @@
           </a:bodyPr>
           <a:lstStyle/>
           <a:p>
-            <a:r>
-              <a:rPr kumimoji="1" lang="en-US" altLang="ja-JP" dirty="0"/>
-              <a:t> </a:t>
-            </a:r>
-            <a:r>
-              <a:rPr kumimoji="1" lang="en-US" altLang="ja-JP" b="1" dirty="0">
-                <a:solidFill>
-                  <a:schemeClr val="tx1">
-                    <a:lumMod val="85000"/>
-                    <a:lumOff val="15000"/>
-                  </a:schemeClr>
+            <a:pPr algn="ctr"/>
+            <a:r>
+              <a:rPr lang="en-US" altLang="ja-JP" sz="6600" dirty="0">
+                <a:solidFill>
+                  <a:schemeClr val="bg1"/>
                 </a:solidFill>
               </a:rPr>
-              <a:t>4. </a:t>
-            </a:r>
-            <a:r>
-              <a:rPr kumimoji="1" lang="ja-JP" altLang="en-US" b="1" dirty="0">
-                <a:solidFill>
-                  <a:schemeClr val="tx1">
-                    <a:lumMod val="85000"/>
-                    <a:lumOff val="15000"/>
-                  </a:schemeClr>
+              <a:t>4.</a:t>
+            </a:r>
+          </a:p>
+          <a:p>
+            <a:pPr algn="ctr"/>
+            <a:r>
+              <a:rPr kumimoji="1" lang="ja-JP" altLang="en-US" sz="6600" b="1" dirty="0">
+                <a:solidFill>
+                  <a:schemeClr val="bg1"/>
                 </a:solidFill>
               </a:rPr>
               <a:t>長所</a:t>
             </a:r>
             <a:r>
-              <a:rPr kumimoji="1" lang="en-US" altLang="ja-JP" b="1" dirty="0">
-                <a:solidFill>
-                  <a:schemeClr val="tx1">
-                    <a:lumMod val="85000"/>
-                    <a:lumOff val="15000"/>
-                  </a:schemeClr>
+              <a:rPr kumimoji="1" lang="en-US" altLang="ja-JP" sz="6600" b="1" dirty="0">
+                <a:solidFill>
+                  <a:schemeClr val="bg1"/>
                 </a:solidFill>
               </a:rPr>
               <a:t>/</a:t>
             </a:r>
             <a:r>
-              <a:rPr kumimoji="1" lang="ja-JP" altLang="en-US" b="1" dirty="0">
-                <a:solidFill>
-                  <a:schemeClr val="tx1">
-                    <a:lumMod val="85000"/>
-                    <a:lumOff val="15000"/>
-                  </a:schemeClr>
+              <a:rPr kumimoji="1" lang="ja-JP" altLang="en-US" sz="6600" b="1" dirty="0">
+                <a:solidFill>
+                  <a:schemeClr val="bg1"/>
                 </a:solidFill>
               </a:rPr>
-              <a:t>短所 </a:t>
-            </a:r>
+              <a:t>短所</a:t>
+            </a:r>
+          </a:p>
+        </p:txBody>
+      </p:sp>
+      <p:sp>
+        <p:nvSpPr>
+          <p:cNvPr id="3" name="スライド番号プレースホルダー 2">
+            <a:extLst>
+              <a:ext uri="{FF2B5EF4-FFF2-40B4-BE49-F238E27FC236}">
+                <a16:creationId xmlns:a16="http://schemas.microsoft.com/office/drawing/2014/main" id="{B00115A8-3F6E-8831-09A4-2C4FF6EB2663}"/>
+              </a:ext>
+            </a:extLst>
+          </p:cNvPr>
+          <p:cNvSpPr>
+            <a:spLocks noGrp="1"/>
+          </p:cNvSpPr>
+          <p:nvPr>
+            <p:ph type="sldNum" sz="quarter" idx="12"/>
+          </p:nvPr>
+        </p:nvSpPr>
+        <p:spPr/>
+        <p:txBody>
+          <a:bodyPr/>
+          <a:lstStyle/>
+          <a:p>
+            <a:fld id="{09FDC953-F94B-4BF6-9058-77E5342884D4}" type="slidenum">
+              <a:rPr kumimoji="1" lang="ja-JP" altLang="en-US" smtClean="0"/>
+              <a:t>19</a:t>
+            </a:fld>
+            <a:endParaRPr kumimoji="1" lang="ja-JP" altLang="en-US"/>
           </a:p>
         </p:txBody>
       </p:sp>
     </p:spTree>
     <p:extLst>
       <p:ext uri="{BB962C8B-B14F-4D97-AF65-F5344CB8AC3E}">
-        <p14:creationId xmlns:p14="http://schemas.microsoft.com/office/powerpoint/2010/main" val="911058408"/>
+        <p14:creationId xmlns:p14="http://schemas.microsoft.com/office/powerpoint/2010/main" val="2865134534"/>
       </p:ext>
     </p:extLst>
   </p:cSld>
@@ -8732,6 +9155,35 @@
           </a:p>
         </p:txBody>
       </p:sp>
+      <p:sp>
+        <p:nvSpPr>
+          <p:cNvPr id="4" name="スライド番号プレースホルダー 3">
+            <a:extLst>
+              <a:ext uri="{FF2B5EF4-FFF2-40B4-BE49-F238E27FC236}">
+                <a16:creationId xmlns:a16="http://schemas.microsoft.com/office/drawing/2014/main" id="{7FFBE8A0-5DE2-C95F-F73A-DB4564775DE8}"/>
+              </a:ext>
+            </a:extLst>
+          </p:cNvPr>
+          <p:cNvSpPr>
+            <a:spLocks noGrp="1"/>
+          </p:cNvSpPr>
+          <p:nvPr>
+            <p:ph type="sldNum" sz="quarter" idx="12"/>
+          </p:nvPr>
+        </p:nvSpPr>
+        <p:spPr/>
+        <p:txBody>
+          <a:bodyPr/>
+          <a:lstStyle/>
+          <a:p>
+            <a:fld id="{09FDC953-F94B-4BF6-9058-77E5342884D4}" type="slidenum">
+              <a:rPr kumimoji="1" lang="ja-JP" altLang="en-US" smtClean="0"/>
+              <a:t>2</a:t>
+            </a:fld>
+            <a:endParaRPr kumimoji="1" lang="ja-JP" altLang="en-US"/>
+          </a:p>
+        </p:txBody>
+      </p:sp>
     </p:spTree>
     <p:extLst>
       <p:ext uri="{BB962C8B-B14F-4D97-AF65-F5344CB8AC3E}">
@@ -8746,6 +9198,492 @@
 </file>
 
 <file path=ppt/slides/slide20.xml><?xml version="1.0" encoding="utf-8"?>
+<p:sld xmlns:a="http://schemas.openxmlformats.org/drawingml/2006/main" xmlns:r="http://schemas.openxmlformats.org/officeDocument/2006/relationships" xmlns:p="http://schemas.openxmlformats.org/presentationml/2006/main">
+  <p:cSld>
+    <p:spTree>
+      <p:nvGrpSpPr>
+        <p:cNvPr id="1" name=""/>
+        <p:cNvGrpSpPr/>
+        <p:nvPr/>
+      </p:nvGrpSpPr>
+      <p:grpSpPr>
+        <a:xfrm>
+          <a:off x="0" y="0"/>
+          <a:ext cx="0" cy="0"/>
+          <a:chOff x="0" y="0"/>
+          <a:chExt cx="0" cy="0"/>
+        </a:xfrm>
+      </p:grpSpPr>
+      <p:sp>
+        <p:nvSpPr>
+          <p:cNvPr id="2" name="タイトル 1">
+            <a:extLst>
+              <a:ext uri="{FF2B5EF4-FFF2-40B4-BE49-F238E27FC236}">
+                <a16:creationId xmlns:a16="http://schemas.microsoft.com/office/drawing/2014/main" id="{5D85131E-AB32-0C13-F928-0BC8C7E25614}"/>
+              </a:ext>
+            </a:extLst>
+          </p:cNvPr>
+          <p:cNvSpPr>
+            <a:spLocks noGrp="1"/>
+          </p:cNvSpPr>
+          <p:nvPr>
+            <p:ph type="title"/>
+          </p:nvPr>
+        </p:nvSpPr>
+        <p:spPr/>
+        <p:txBody>
+          <a:bodyPr/>
+          <a:lstStyle/>
+          <a:p>
+            <a:r>
+              <a:rPr lang="ja-JP" altLang="en-US" dirty="0"/>
+              <a:t>長所</a:t>
+            </a:r>
+            <a:endParaRPr kumimoji="1" lang="ja-JP" altLang="en-US" dirty="0"/>
+          </a:p>
+        </p:txBody>
+      </p:sp>
+      <p:sp>
+        <p:nvSpPr>
+          <p:cNvPr id="3" name="コンテンツ プレースホルダー 2">
+            <a:extLst>
+              <a:ext uri="{FF2B5EF4-FFF2-40B4-BE49-F238E27FC236}">
+                <a16:creationId xmlns:a16="http://schemas.microsoft.com/office/drawing/2014/main" id="{E1842FAB-83F8-8740-EA6D-D4B6CB48EB62}"/>
+              </a:ext>
+            </a:extLst>
+          </p:cNvPr>
+          <p:cNvSpPr>
+            <a:spLocks noGrp="1"/>
+          </p:cNvSpPr>
+          <p:nvPr>
+            <p:ph idx="1"/>
+          </p:nvPr>
+        </p:nvSpPr>
+        <p:spPr/>
+        <p:txBody>
+          <a:bodyPr/>
+          <a:lstStyle/>
+          <a:p>
+            <a:r>
+              <a:rPr lang="ja-JP" altLang="en-US" dirty="0"/>
+              <a:t>効率性</a:t>
+            </a:r>
+            <a:endParaRPr lang="en-US" altLang="ja-JP" dirty="0"/>
+          </a:p>
+          <a:p>
+            <a:pPr lvl="1"/>
+            <a:r>
+              <a:rPr lang="en-US" altLang="ja-JP" dirty="0"/>
+              <a:t>VM</a:t>
+            </a:r>
+            <a:r>
+              <a:rPr lang="ja-JP" altLang="en-US" dirty="0"/>
+              <a:t>と比較し，</a:t>
+            </a:r>
+            <a:r>
+              <a:rPr lang="ja-JP" altLang="en-US" b="1" dirty="0">
+                <a:solidFill>
+                  <a:srgbClr val="FF0000"/>
+                </a:solidFill>
+              </a:rPr>
+              <a:t>起動オーバーヘッド</a:t>
+            </a:r>
+            <a:r>
+              <a:rPr lang="ja-JP" altLang="en-US" dirty="0"/>
+              <a:t>と</a:t>
+            </a:r>
+            <a:r>
+              <a:rPr lang="ja-JP" altLang="en-US" b="1" dirty="0">
+                <a:solidFill>
+                  <a:srgbClr val="FF0000"/>
+                </a:solidFill>
+              </a:rPr>
+              <a:t>リソース量</a:t>
+            </a:r>
+            <a:r>
+              <a:rPr lang="ja-JP" altLang="en-US" dirty="0"/>
+              <a:t>が</a:t>
+            </a:r>
+            <a:r>
+              <a:rPr lang="ja-JP" altLang="en-US" b="1" dirty="0"/>
+              <a:t>小</a:t>
+            </a:r>
+            <a:endParaRPr lang="en-US" altLang="ja-JP" b="1" dirty="0"/>
+          </a:p>
+          <a:p>
+            <a:r>
+              <a:rPr kumimoji="1" lang="ja-JP" altLang="en-US" dirty="0"/>
+              <a:t>一貫性</a:t>
+            </a:r>
+            <a:r>
+              <a:rPr kumimoji="1" lang="en-US" altLang="ja-JP" dirty="0"/>
+              <a:t>/</a:t>
+            </a:r>
+            <a:r>
+              <a:rPr kumimoji="1" lang="ja-JP" altLang="en-US" dirty="0"/>
+              <a:t>再現性</a:t>
+            </a:r>
+            <a:endParaRPr kumimoji="1" lang="en-US" altLang="ja-JP" dirty="0"/>
+          </a:p>
+          <a:p>
+            <a:pPr lvl="1"/>
+            <a:r>
+              <a:rPr kumimoji="1" lang="ja-JP" altLang="en-US" dirty="0"/>
+              <a:t>イミュータブル</a:t>
+            </a:r>
+            <a:r>
+              <a:rPr kumimoji="1" lang="en-US" altLang="ja-JP" dirty="0"/>
+              <a:t>	</a:t>
+            </a:r>
+          </a:p>
+          <a:p>
+            <a:r>
+              <a:rPr lang="ja-JP" altLang="en-US" dirty="0"/>
+              <a:t>可搬性</a:t>
+            </a:r>
+            <a:endParaRPr lang="en-US" altLang="ja-JP" dirty="0"/>
+          </a:p>
+          <a:p>
+            <a:pPr lvl="1"/>
+            <a:r>
+              <a:rPr kumimoji="1" lang="en-US" altLang="ja-JP" dirty="0"/>
+              <a:t>CI</a:t>
+            </a:r>
+            <a:r>
+              <a:rPr lang="en-US" altLang="ja-JP" dirty="0"/>
+              <a:t>/CD </a:t>
+            </a:r>
+            <a:r>
+              <a:rPr lang="ja-JP" altLang="en-US" dirty="0"/>
+              <a:t>の観点</a:t>
+            </a:r>
+            <a:endParaRPr kumimoji="1" lang="ja-JP" altLang="en-US" dirty="0"/>
+          </a:p>
+        </p:txBody>
+      </p:sp>
+      <p:sp>
+        <p:nvSpPr>
+          <p:cNvPr id="4" name="テキスト ボックス 3">
+            <a:extLst>
+              <a:ext uri="{FF2B5EF4-FFF2-40B4-BE49-F238E27FC236}">
+                <a16:creationId xmlns:a16="http://schemas.microsoft.com/office/drawing/2014/main" id="{DA317149-12A0-92F9-65EE-02DF436B7134}"/>
+              </a:ext>
+            </a:extLst>
+          </p:cNvPr>
+          <p:cNvSpPr txBox="1"/>
+          <p:nvPr/>
+        </p:nvSpPr>
+        <p:spPr>
+          <a:xfrm>
+            <a:off x="76200" y="85725"/>
+            <a:ext cx="3676650" cy="369332"/>
+          </a:xfrm>
+          <a:prstGeom prst="rect">
+            <a:avLst/>
+          </a:prstGeom>
+          <a:noFill/>
+        </p:spPr>
+        <p:txBody>
+          <a:bodyPr wrap="square" rtlCol="0">
+            <a:spAutoFit/>
+          </a:bodyPr>
+          <a:lstStyle/>
+          <a:p>
+            <a:r>
+              <a:rPr kumimoji="1" lang="en-US" altLang="ja-JP" dirty="0"/>
+              <a:t> </a:t>
+            </a:r>
+            <a:r>
+              <a:rPr kumimoji="1" lang="en-US" altLang="ja-JP" b="1" dirty="0">
+                <a:solidFill>
+                  <a:schemeClr val="tx1">
+                    <a:lumMod val="85000"/>
+                    <a:lumOff val="15000"/>
+                  </a:schemeClr>
+                </a:solidFill>
+              </a:rPr>
+              <a:t>4. </a:t>
+            </a:r>
+            <a:r>
+              <a:rPr kumimoji="1" lang="ja-JP" altLang="en-US" b="1" dirty="0">
+                <a:solidFill>
+                  <a:schemeClr val="tx1">
+                    <a:lumMod val="85000"/>
+                    <a:lumOff val="15000"/>
+                  </a:schemeClr>
+                </a:solidFill>
+              </a:rPr>
+              <a:t>長所</a:t>
+            </a:r>
+            <a:r>
+              <a:rPr kumimoji="1" lang="en-US" altLang="ja-JP" b="1" dirty="0">
+                <a:solidFill>
+                  <a:schemeClr val="tx1">
+                    <a:lumMod val="85000"/>
+                    <a:lumOff val="15000"/>
+                  </a:schemeClr>
+                </a:solidFill>
+              </a:rPr>
+              <a:t>/</a:t>
+            </a:r>
+            <a:r>
+              <a:rPr kumimoji="1" lang="ja-JP" altLang="en-US" b="1" dirty="0">
+                <a:solidFill>
+                  <a:schemeClr val="tx1">
+                    <a:lumMod val="85000"/>
+                    <a:lumOff val="15000"/>
+                  </a:schemeClr>
+                </a:solidFill>
+              </a:rPr>
+              <a:t>短所 </a:t>
+            </a:r>
+          </a:p>
+        </p:txBody>
+      </p:sp>
+      <p:sp>
+        <p:nvSpPr>
+          <p:cNvPr id="5" name="スライド番号プレースホルダー 4">
+            <a:extLst>
+              <a:ext uri="{FF2B5EF4-FFF2-40B4-BE49-F238E27FC236}">
+                <a16:creationId xmlns:a16="http://schemas.microsoft.com/office/drawing/2014/main" id="{5FF979F7-0093-9E9A-0978-A3B66F6FC9C5}"/>
+              </a:ext>
+            </a:extLst>
+          </p:cNvPr>
+          <p:cNvSpPr>
+            <a:spLocks noGrp="1"/>
+          </p:cNvSpPr>
+          <p:nvPr>
+            <p:ph type="sldNum" sz="quarter" idx="12"/>
+          </p:nvPr>
+        </p:nvSpPr>
+        <p:spPr/>
+        <p:txBody>
+          <a:bodyPr/>
+          <a:lstStyle/>
+          <a:p>
+            <a:fld id="{09FDC953-F94B-4BF6-9058-77E5342884D4}" type="slidenum">
+              <a:rPr kumimoji="1" lang="ja-JP" altLang="en-US" smtClean="0"/>
+              <a:t>20</a:t>
+            </a:fld>
+            <a:endParaRPr kumimoji="1" lang="ja-JP" altLang="en-US"/>
+          </a:p>
+        </p:txBody>
+      </p:sp>
+    </p:spTree>
+    <p:extLst>
+      <p:ext uri="{BB962C8B-B14F-4D97-AF65-F5344CB8AC3E}">
+        <p14:creationId xmlns:p14="http://schemas.microsoft.com/office/powerpoint/2010/main" val="3178969580"/>
+      </p:ext>
+    </p:extLst>
+  </p:cSld>
+  <p:clrMapOvr>
+    <a:masterClrMapping/>
+  </p:clrMapOvr>
+</p:sld>
+</file>
+
+<file path=ppt/slides/slide21.xml><?xml version="1.0" encoding="utf-8"?>
+<p:sld xmlns:a="http://schemas.openxmlformats.org/drawingml/2006/main" xmlns:r="http://schemas.openxmlformats.org/officeDocument/2006/relationships" xmlns:p="http://schemas.openxmlformats.org/presentationml/2006/main">
+  <p:cSld>
+    <p:spTree>
+      <p:nvGrpSpPr>
+        <p:cNvPr id="1" name=""/>
+        <p:cNvGrpSpPr/>
+        <p:nvPr/>
+      </p:nvGrpSpPr>
+      <p:grpSpPr>
+        <a:xfrm>
+          <a:off x="0" y="0"/>
+          <a:ext cx="0" cy="0"/>
+          <a:chOff x="0" y="0"/>
+          <a:chExt cx="0" cy="0"/>
+        </a:xfrm>
+      </p:grpSpPr>
+      <p:sp>
+        <p:nvSpPr>
+          <p:cNvPr id="2" name="タイトル 1">
+            <a:extLst>
+              <a:ext uri="{FF2B5EF4-FFF2-40B4-BE49-F238E27FC236}">
+                <a16:creationId xmlns:a16="http://schemas.microsoft.com/office/drawing/2014/main" id="{5D85131E-AB32-0C13-F928-0BC8C7E25614}"/>
+              </a:ext>
+            </a:extLst>
+          </p:cNvPr>
+          <p:cNvSpPr>
+            <a:spLocks noGrp="1"/>
+          </p:cNvSpPr>
+          <p:nvPr>
+            <p:ph type="title"/>
+          </p:nvPr>
+        </p:nvSpPr>
+        <p:spPr/>
+        <p:txBody>
+          <a:bodyPr/>
+          <a:lstStyle/>
+          <a:p>
+            <a:r>
+              <a:rPr kumimoji="1" lang="ja-JP" altLang="en-US" dirty="0"/>
+              <a:t>短所</a:t>
+            </a:r>
+          </a:p>
+        </p:txBody>
+      </p:sp>
+      <p:sp>
+        <p:nvSpPr>
+          <p:cNvPr id="3" name="コンテンツ プレースホルダー 2">
+            <a:extLst>
+              <a:ext uri="{FF2B5EF4-FFF2-40B4-BE49-F238E27FC236}">
+                <a16:creationId xmlns:a16="http://schemas.microsoft.com/office/drawing/2014/main" id="{E1842FAB-83F8-8740-EA6D-D4B6CB48EB62}"/>
+              </a:ext>
+            </a:extLst>
+          </p:cNvPr>
+          <p:cNvSpPr>
+            <a:spLocks noGrp="1"/>
+          </p:cNvSpPr>
+          <p:nvPr>
+            <p:ph idx="1"/>
+          </p:nvPr>
+        </p:nvSpPr>
+        <p:spPr/>
+        <p:txBody>
+          <a:bodyPr/>
+          <a:lstStyle/>
+          <a:p>
+            <a:r>
+              <a:rPr kumimoji="1" lang="ja-JP" altLang="en-US" dirty="0"/>
+              <a:t>学習コスト</a:t>
+            </a:r>
+            <a:endParaRPr kumimoji="1" lang="en-US" altLang="ja-JP" dirty="0"/>
+          </a:p>
+          <a:p>
+            <a:r>
+              <a:rPr kumimoji="1" lang="ja-JP" altLang="en-US" dirty="0"/>
+              <a:t>セキュリティ</a:t>
+            </a:r>
+          </a:p>
+        </p:txBody>
+      </p:sp>
+      <p:sp>
+        <p:nvSpPr>
+          <p:cNvPr id="4" name="テキスト ボックス 3">
+            <a:extLst>
+              <a:ext uri="{FF2B5EF4-FFF2-40B4-BE49-F238E27FC236}">
+                <a16:creationId xmlns:a16="http://schemas.microsoft.com/office/drawing/2014/main" id="{DA317149-12A0-92F9-65EE-02DF436B7134}"/>
+              </a:ext>
+            </a:extLst>
+          </p:cNvPr>
+          <p:cNvSpPr txBox="1"/>
+          <p:nvPr/>
+        </p:nvSpPr>
+        <p:spPr>
+          <a:xfrm>
+            <a:off x="76200" y="85725"/>
+            <a:ext cx="3676650" cy="369332"/>
+          </a:xfrm>
+          <a:prstGeom prst="rect">
+            <a:avLst/>
+          </a:prstGeom>
+          <a:noFill/>
+        </p:spPr>
+        <p:txBody>
+          <a:bodyPr wrap="square" rtlCol="0">
+            <a:spAutoFit/>
+          </a:bodyPr>
+          <a:lstStyle/>
+          <a:p>
+            <a:r>
+              <a:rPr kumimoji="1" lang="en-US" altLang="ja-JP" dirty="0"/>
+              <a:t> </a:t>
+            </a:r>
+            <a:r>
+              <a:rPr kumimoji="1" lang="en-US" altLang="ja-JP" b="1" dirty="0">
+                <a:solidFill>
+                  <a:schemeClr val="tx1">
+                    <a:lumMod val="85000"/>
+                    <a:lumOff val="15000"/>
+                  </a:schemeClr>
+                </a:solidFill>
+              </a:rPr>
+              <a:t>4. </a:t>
+            </a:r>
+            <a:r>
+              <a:rPr kumimoji="1" lang="ja-JP" altLang="en-US" b="1" dirty="0">
+                <a:solidFill>
+                  <a:schemeClr val="tx1">
+                    <a:lumMod val="85000"/>
+                    <a:lumOff val="15000"/>
+                  </a:schemeClr>
+                </a:solidFill>
+              </a:rPr>
+              <a:t>長所</a:t>
+            </a:r>
+            <a:r>
+              <a:rPr kumimoji="1" lang="en-US" altLang="ja-JP" b="1" dirty="0">
+                <a:solidFill>
+                  <a:schemeClr val="tx1">
+                    <a:lumMod val="85000"/>
+                    <a:lumOff val="15000"/>
+                  </a:schemeClr>
+                </a:solidFill>
+              </a:rPr>
+              <a:t>/</a:t>
+            </a:r>
+            <a:r>
+              <a:rPr kumimoji="1" lang="ja-JP" altLang="en-US" b="1" dirty="0">
+                <a:solidFill>
+                  <a:schemeClr val="tx1">
+                    <a:lumMod val="85000"/>
+                    <a:lumOff val="15000"/>
+                  </a:schemeClr>
+                </a:solidFill>
+              </a:rPr>
+              <a:t>短所 </a:t>
+            </a:r>
+          </a:p>
+        </p:txBody>
+      </p:sp>
+      <p:sp>
+        <p:nvSpPr>
+          <p:cNvPr id="5" name="スライド番号プレースホルダー 4">
+            <a:extLst>
+              <a:ext uri="{FF2B5EF4-FFF2-40B4-BE49-F238E27FC236}">
+                <a16:creationId xmlns:a16="http://schemas.microsoft.com/office/drawing/2014/main" id="{6E9A7CB5-B398-A8E6-1949-90908A560F4C}"/>
+              </a:ext>
+            </a:extLst>
+          </p:cNvPr>
+          <p:cNvSpPr>
+            <a:spLocks noGrp="1"/>
+          </p:cNvSpPr>
+          <p:nvPr>
+            <p:ph type="sldNum" sz="quarter" idx="12"/>
+          </p:nvPr>
+        </p:nvSpPr>
+        <p:spPr/>
+        <p:txBody>
+          <a:bodyPr/>
+          <a:lstStyle/>
+          <a:p>
+            <a:fld id="{09FDC953-F94B-4BF6-9058-77E5342884D4}" type="slidenum">
+              <a:rPr kumimoji="1" lang="ja-JP" altLang="en-US" smtClean="0"/>
+              <a:t>21</a:t>
+            </a:fld>
+            <a:endParaRPr kumimoji="1" lang="ja-JP" altLang="en-US"/>
+          </a:p>
+        </p:txBody>
+      </p:sp>
+    </p:spTree>
+    <p:extLst>
+      <p:ext uri="{BB962C8B-B14F-4D97-AF65-F5344CB8AC3E}">
+        <p14:creationId xmlns:p14="http://schemas.microsoft.com/office/powerpoint/2010/main" val="911058408"/>
+      </p:ext>
+    </p:extLst>
+  </p:cSld>
+  <p:clrMapOvr>
+    <a:masterClrMapping/>
+  </p:clrMapOvr>
+</p:sld>
+</file>
+
+<file path=ppt/slides/slide22.xml><?xml version="1.0" encoding="utf-8"?>
 <p:sld xmlns:a="http://schemas.openxmlformats.org/drawingml/2006/main" xmlns:r="http://schemas.openxmlformats.org/officeDocument/2006/relationships" xmlns:p="http://schemas.openxmlformats.org/presentationml/2006/main">
   <p:cSld>
     <p:bg>
@@ -8823,10 +9761,526 @@
           </a:p>
         </p:txBody>
       </p:sp>
+      <p:sp>
+        <p:nvSpPr>
+          <p:cNvPr id="3" name="スライド番号プレースホルダー 2">
+            <a:extLst>
+              <a:ext uri="{FF2B5EF4-FFF2-40B4-BE49-F238E27FC236}">
+                <a16:creationId xmlns:a16="http://schemas.microsoft.com/office/drawing/2014/main" id="{3FDD4532-6460-0FE4-CE3A-09F24DF1B082}"/>
+              </a:ext>
+            </a:extLst>
+          </p:cNvPr>
+          <p:cNvSpPr>
+            <a:spLocks noGrp="1"/>
+          </p:cNvSpPr>
+          <p:nvPr>
+            <p:ph type="sldNum" sz="quarter" idx="12"/>
+          </p:nvPr>
+        </p:nvSpPr>
+        <p:spPr/>
+        <p:txBody>
+          <a:bodyPr/>
+          <a:lstStyle/>
+          <a:p>
+            <a:fld id="{09FDC953-F94B-4BF6-9058-77E5342884D4}" type="slidenum">
+              <a:rPr kumimoji="1" lang="ja-JP" altLang="en-US" smtClean="0"/>
+              <a:t>22</a:t>
+            </a:fld>
+            <a:endParaRPr kumimoji="1" lang="ja-JP" altLang="en-US"/>
+          </a:p>
+        </p:txBody>
+      </p:sp>
     </p:spTree>
     <p:extLst>
       <p:ext uri="{BB962C8B-B14F-4D97-AF65-F5344CB8AC3E}">
         <p14:creationId xmlns:p14="http://schemas.microsoft.com/office/powerpoint/2010/main" val="1422193423"/>
+      </p:ext>
+    </p:extLst>
+  </p:cSld>
+  <p:clrMapOvr>
+    <a:masterClrMapping/>
+  </p:clrMapOvr>
+</p:sld>
+</file>
+
+<file path=ppt/slides/slide23.xml><?xml version="1.0" encoding="utf-8"?>
+<p:sld xmlns:a="http://schemas.openxmlformats.org/drawingml/2006/main" xmlns:r="http://schemas.openxmlformats.org/officeDocument/2006/relationships" xmlns:p="http://schemas.openxmlformats.org/presentationml/2006/main">
+  <p:cSld>
+    <p:spTree>
+      <p:nvGrpSpPr>
+        <p:cNvPr id="1" name=""/>
+        <p:cNvGrpSpPr/>
+        <p:nvPr/>
+      </p:nvGrpSpPr>
+      <p:grpSpPr>
+        <a:xfrm>
+          <a:off x="0" y="0"/>
+          <a:ext cx="0" cy="0"/>
+          <a:chOff x="0" y="0"/>
+          <a:chExt cx="0" cy="0"/>
+        </a:xfrm>
+      </p:grpSpPr>
+      <p:sp>
+        <p:nvSpPr>
+          <p:cNvPr id="2" name="タイトル 1">
+            <a:extLst>
+              <a:ext uri="{FF2B5EF4-FFF2-40B4-BE49-F238E27FC236}">
+                <a16:creationId xmlns:a16="http://schemas.microsoft.com/office/drawing/2014/main" id="{4D9984D0-9FD8-EE7B-19B9-BCAA09D1679A}"/>
+              </a:ext>
+            </a:extLst>
+          </p:cNvPr>
+          <p:cNvSpPr>
+            <a:spLocks noGrp="1"/>
+          </p:cNvSpPr>
+          <p:nvPr>
+            <p:ph type="title"/>
+          </p:nvPr>
+        </p:nvSpPr>
+        <p:spPr/>
+        <p:txBody>
+          <a:bodyPr>
+            <a:normAutofit/>
+          </a:bodyPr>
+          <a:lstStyle/>
+          <a:p>
+            <a:r>
+              <a:rPr lang="ja-JP" altLang="en-US" dirty="0"/>
+              <a:t>タスク，プロセス，スレッド</a:t>
+            </a:r>
+            <a:endParaRPr kumimoji="1" lang="ja-JP" altLang="en-US" dirty="0"/>
+          </a:p>
+        </p:txBody>
+      </p:sp>
+      <p:sp>
+        <p:nvSpPr>
+          <p:cNvPr id="3" name="コンテンツ プレースホルダー 2">
+            <a:extLst>
+              <a:ext uri="{FF2B5EF4-FFF2-40B4-BE49-F238E27FC236}">
+                <a16:creationId xmlns:a16="http://schemas.microsoft.com/office/drawing/2014/main" id="{0F5F4C62-C585-8D35-08F4-5DB035BCE469}"/>
+              </a:ext>
+            </a:extLst>
+          </p:cNvPr>
+          <p:cNvSpPr>
+            <a:spLocks noGrp="1"/>
+          </p:cNvSpPr>
+          <p:nvPr>
+            <p:ph idx="1"/>
+          </p:nvPr>
+        </p:nvSpPr>
+        <p:spPr/>
+        <p:txBody>
+          <a:bodyPr/>
+          <a:lstStyle/>
+          <a:p>
+            <a:endParaRPr kumimoji="1" lang="ja-JP" altLang="en-US"/>
+          </a:p>
+        </p:txBody>
+      </p:sp>
+      <p:sp>
+        <p:nvSpPr>
+          <p:cNvPr id="4" name="スライド番号プレースホルダー 3">
+            <a:extLst>
+              <a:ext uri="{FF2B5EF4-FFF2-40B4-BE49-F238E27FC236}">
+                <a16:creationId xmlns:a16="http://schemas.microsoft.com/office/drawing/2014/main" id="{895A0192-60AD-7CF4-A909-9429C1F442DC}"/>
+              </a:ext>
+            </a:extLst>
+          </p:cNvPr>
+          <p:cNvSpPr>
+            <a:spLocks noGrp="1"/>
+          </p:cNvSpPr>
+          <p:nvPr>
+            <p:ph type="sldNum" sz="quarter" idx="12"/>
+          </p:nvPr>
+        </p:nvSpPr>
+        <p:spPr/>
+        <p:txBody>
+          <a:bodyPr/>
+          <a:lstStyle/>
+          <a:p>
+            <a:fld id="{09FDC953-F94B-4BF6-9058-77E5342884D4}" type="slidenum">
+              <a:rPr kumimoji="1" lang="ja-JP" altLang="en-US" smtClean="0"/>
+              <a:t>23</a:t>
+            </a:fld>
+            <a:endParaRPr kumimoji="1" lang="ja-JP" altLang="en-US"/>
+          </a:p>
+        </p:txBody>
+      </p:sp>
+    </p:spTree>
+    <p:extLst>
+      <p:ext uri="{BB962C8B-B14F-4D97-AF65-F5344CB8AC3E}">
+        <p14:creationId xmlns:p14="http://schemas.microsoft.com/office/powerpoint/2010/main" val="972353997"/>
+      </p:ext>
+    </p:extLst>
+  </p:cSld>
+  <p:clrMapOvr>
+    <a:masterClrMapping/>
+  </p:clrMapOvr>
+</p:sld>
+</file>
+
+<file path=ppt/slides/slide24.xml><?xml version="1.0" encoding="utf-8"?>
+<p:sld xmlns:a="http://schemas.openxmlformats.org/drawingml/2006/main" xmlns:r="http://schemas.openxmlformats.org/officeDocument/2006/relationships" xmlns:p="http://schemas.openxmlformats.org/presentationml/2006/main">
+  <p:cSld>
+    <p:spTree>
+      <p:nvGrpSpPr>
+        <p:cNvPr id="1" name=""/>
+        <p:cNvGrpSpPr/>
+        <p:nvPr/>
+      </p:nvGrpSpPr>
+      <p:grpSpPr>
+        <a:xfrm>
+          <a:off x="0" y="0"/>
+          <a:ext cx="0" cy="0"/>
+          <a:chOff x="0" y="0"/>
+          <a:chExt cx="0" cy="0"/>
+        </a:xfrm>
+      </p:grpSpPr>
+      <p:sp>
+        <p:nvSpPr>
+          <p:cNvPr id="2" name="タイトル 1">
+            <a:extLst>
+              <a:ext uri="{FF2B5EF4-FFF2-40B4-BE49-F238E27FC236}">
+                <a16:creationId xmlns:a16="http://schemas.microsoft.com/office/drawing/2014/main" id="{4D9984D0-9FD8-EE7B-19B9-BCAA09D1679A}"/>
+              </a:ext>
+            </a:extLst>
+          </p:cNvPr>
+          <p:cNvSpPr>
+            <a:spLocks noGrp="1"/>
+          </p:cNvSpPr>
+          <p:nvPr>
+            <p:ph type="title"/>
+          </p:nvPr>
+        </p:nvSpPr>
+        <p:spPr/>
+        <p:txBody>
+          <a:bodyPr>
+            <a:normAutofit/>
+          </a:bodyPr>
+          <a:lstStyle/>
+          <a:p>
+            <a:r>
+              <a:rPr lang="en-US" altLang="ja-JP" dirty="0"/>
+              <a:t>1</a:t>
+            </a:r>
+            <a:r>
+              <a:rPr lang="ja-JP" altLang="en-US" dirty="0"/>
+              <a:t>コンテナで複数プロセス動かしたい</a:t>
+            </a:r>
+            <a:endParaRPr kumimoji="1" lang="ja-JP" altLang="en-US" dirty="0"/>
+          </a:p>
+        </p:txBody>
+      </p:sp>
+      <p:sp>
+        <p:nvSpPr>
+          <p:cNvPr id="3" name="コンテンツ プレースホルダー 2">
+            <a:extLst>
+              <a:ext uri="{FF2B5EF4-FFF2-40B4-BE49-F238E27FC236}">
+                <a16:creationId xmlns:a16="http://schemas.microsoft.com/office/drawing/2014/main" id="{0F5F4C62-C585-8D35-08F4-5DB035BCE469}"/>
+              </a:ext>
+            </a:extLst>
+          </p:cNvPr>
+          <p:cNvSpPr>
+            <a:spLocks noGrp="1"/>
+          </p:cNvSpPr>
+          <p:nvPr>
+            <p:ph idx="1"/>
+          </p:nvPr>
+        </p:nvSpPr>
+        <p:spPr/>
+        <p:txBody>
+          <a:bodyPr/>
+          <a:lstStyle/>
+          <a:p>
+            <a:r>
+              <a:rPr kumimoji="1" lang="ja-JP" altLang="en-US" dirty="0"/>
+              <a:t>ドキュメント見ろ</a:t>
+            </a:r>
+            <a:endParaRPr kumimoji="1" lang="en-US" altLang="ja-JP" dirty="0"/>
+          </a:p>
+          <a:p>
+            <a:pPr lvl="1"/>
+            <a:r>
+              <a:rPr kumimoji="1" lang="en-US" altLang="ja-JP" dirty="0"/>
+              <a:t>https://docs.docker.jp/config/container/multi-service_container.html</a:t>
+            </a:r>
+            <a:endParaRPr kumimoji="1" lang="ja-JP" altLang="en-US" dirty="0"/>
+          </a:p>
+        </p:txBody>
+      </p:sp>
+      <p:sp>
+        <p:nvSpPr>
+          <p:cNvPr id="4" name="スライド番号プレースホルダー 3">
+            <a:extLst>
+              <a:ext uri="{FF2B5EF4-FFF2-40B4-BE49-F238E27FC236}">
+                <a16:creationId xmlns:a16="http://schemas.microsoft.com/office/drawing/2014/main" id="{895A0192-60AD-7CF4-A909-9429C1F442DC}"/>
+              </a:ext>
+            </a:extLst>
+          </p:cNvPr>
+          <p:cNvSpPr>
+            <a:spLocks noGrp="1"/>
+          </p:cNvSpPr>
+          <p:nvPr>
+            <p:ph type="sldNum" sz="quarter" idx="12"/>
+          </p:nvPr>
+        </p:nvSpPr>
+        <p:spPr/>
+        <p:txBody>
+          <a:bodyPr/>
+          <a:lstStyle/>
+          <a:p>
+            <a:fld id="{09FDC953-F94B-4BF6-9058-77E5342884D4}" type="slidenum">
+              <a:rPr kumimoji="1" lang="ja-JP" altLang="en-US" smtClean="0"/>
+              <a:t>24</a:t>
+            </a:fld>
+            <a:endParaRPr kumimoji="1" lang="ja-JP" altLang="en-US"/>
+          </a:p>
+        </p:txBody>
+      </p:sp>
+    </p:spTree>
+    <p:extLst>
+      <p:ext uri="{BB962C8B-B14F-4D97-AF65-F5344CB8AC3E}">
+        <p14:creationId xmlns:p14="http://schemas.microsoft.com/office/powerpoint/2010/main" val="1514330029"/>
+      </p:ext>
+    </p:extLst>
+  </p:cSld>
+  <p:clrMapOvr>
+    <a:masterClrMapping/>
+  </p:clrMapOvr>
+</p:sld>
+</file>
+
+<file path=ppt/slides/slide25.xml><?xml version="1.0" encoding="utf-8"?>
+<p:sld xmlns:a="http://schemas.openxmlformats.org/drawingml/2006/main" xmlns:r="http://schemas.openxmlformats.org/officeDocument/2006/relationships" xmlns:p="http://schemas.openxmlformats.org/presentationml/2006/main">
+  <p:cSld>
+    <p:spTree>
+      <p:nvGrpSpPr>
+        <p:cNvPr id="1" name=""/>
+        <p:cNvGrpSpPr/>
+        <p:nvPr/>
+      </p:nvGrpSpPr>
+      <p:grpSpPr>
+        <a:xfrm>
+          <a:off x="0" y="0"/>
+          <a:ext cx="0" cy="0"/>
+          <a:chOff x="0" y="0"/>
+          <a:chExt cx="0" cy="0"/>
+        </a:xfrm>
+      </p:grpSpPr>
+      <p:sp>
+        <p:nvSpPr>
+          <p:cNvPr id="2" name="タイトル 1">
+            <a:extLst>
+              <a:ext uri="{FF2B5EF4-FFF2-40B4-BE49-F238E27FC236}">
+                <a16:creationId xmlns:a16="http://schemas.microsoft.com/office/drawing/2014/main" id="{50A3E87C-9F57-15B4-F18E-1DB24F54EC96}"/>
+              </a:ext>
+            </a:extLst>
+          </p:cNvPr>
+          <p:cNvSpPr>
+            <a:spLocks noGrp="1"/>
+          </p:cNvSpPr>
+          <p:nvPr>
+            <p:ph type="title"/>
+          </p:nvPr>
+        </p:nvSpPr>
+        <p:spPr/>
+        <p:txBody>
+          <a:bodyPr/>
+          <a:lstStyle/>
+          <a:p>
+            <a:r>
+              <a:rPr lang="en-US" altLang="ja-JP" dirty="0"/>
+              <a:t>Base-i</a:t>
+            </a:r>
+            <a:r>
+              <a:rPr kumimoji="1" lang="en-US" altLang="ja-JP" dirty="0"/>
+              <a:t>mage </a:t>
+            </a:r>
+            <a:r>
+              <a:rPr kumimoji="1" lang="ja-JP" altLang="en-US" dirty="0"/>
+              <a:t>の種類</a:t>
+            </a:r>
+          </a:p>
+        </p:txBody>
+      </p:sp>
+      <p:sp>
+        <p:nvSpPr>
+          <p:cNvPr id="3" name="コンテンツ プレースホルダー 2">
+            <a:extLst>
+              <a:ext uri="{FF2B5EF4-FFF2-40B4-BE49-F238E27FC236}">
+                <a16:creationId xmlns:a16="http://schemas.microsoft.com/office/drawing/2014/main" id="{E563E793-5931-DCC4-5187-497DB7C628F8}"/>
+              </a:ext>
+            </a:extLst>
+          </p:cNvPr>
+          <p:cNvSpPr>
+            <a:spLocks noGrp="1"/>
+          </p:cNvSpPr>
+          <p:nvPr>
+            <p:ph idx="1"/>
+          </p:nvPr>
+        </p:nvSpPr>
+        <p:spPr/>
+        <p:txBody>
+          <a:bodyPr/>
+          <a:lstStyle/>
+          <a:p>
+            <a:endParaRPr kumimoji="1" lang="ja-JP" altLang="en-US" dirty="0"/>
+          </a:p>
+        </p:txBody>
+      </p:sp>
+      <p:sp>
+        <p:nvSpPr>
+          <p:cNvPr id="4" name="スライド番号プレースホルダー 3">
+            <a:extLst>
+              <a:ext uri="{FF2B5EF4-FFF2-40B4-BE49-F238E27FC236}">
+                <a16:creationId xmlns:a16="http://schemas.microsoft.com/office/drawing/2014/main" id="{1BCC7824-A201-705E-E49D-C01A73FB41BA}"/>
+              </a:ext>
+            </a:extLst>
+          </p:cNvPr>
+          <p:cNvSpPr>
+            <a:spLocks noGrp="1"/>
+          </p:cNvSpPr>
+          <p:nvPr>
+            <p:ph type="sldNum" sz="quarter" idx="12"/>
+          </p:nvPr>
+        </p:nvSpPr>
+        <p:spPr/>
+        <p:txBody>
+          <a:bodyPr/>
+          <a:lstStyle/>
+          <a:p>
+            <a:fld id="{09FDC953-F94B-4BF6-9058-77E5342884D4}" type="slidenum">
+              <a:rPr kumimoji="1" lang="ja-JP" altLang="en-US" smtClean="0"/>
+              <a:t>25</a:t>
+            </a:fld>
+            <a:endParaRPr kumimoji="1" lang="ja-JP" altLang="en-US"/>
+          </a:p>
+        </p:txBody>
+      </p:sp>
+    </p:spTree>
+    <p:extLst>
+      <p:ext uri="{BB962C8B-B14F-4D97-AF65-F5344CB8AC3E}">
+        <p14:creationId xmlns:p14="http://schemas.microsoft.com/office/powerpoint/2010/main" val="939889867"/>
+      </p:ext>
+    </p:extLst>
+  </p:cSld>
+  <p:clrMapOvr>
+    <a:masterClrMapping/>
+  </p:clrMapOvr>
+</p:sld>
+</file>
+
+<file path=ppt/slides/slide26.xml><?xml version="1.0" encoding="utf-8"?>
+<p:sld xmlns:a="http://schemas.openxmlformats.org/drawingml/2006/main" xmlns:r="http://schemas.openxmlformats.org/officeDocument/2006/relationships" xmlns:p="http://schemas.openxmlformats.org/presentationml/2006/main">
+  <p:cSld>
+    <p:spTree>
+      <p:nvGrpSpPr>
+        <p:cNvPr id="1" name=""/>
+        <p:cNvGrpSpPr/>
+        <p:nvPr/>
+      </p:nvGrpSpPr>
+      <p:grpSpPr>
+        <a:xfrm>
+          <a:off x="0" y="0"/>
+          <a:ext cx="0" cy="0"/>
+          <a:chOff x="0" y="0"/>
+          <a:chExt cx="0" cy="0"/>
+        </a:xfrm>
+      </p:grpSpPr>
+      <p:sp>
+        <p:nvSpPr>
+          <p:cNvPr id="2" name="タイトル 1">
+            <a:extLst>
+              <a:ext uri="{FF2B5EF4-FFF2-40B4-BE49-F238E27FC236}">
+                <a16:creationId xmlns:a16="http://schemas.microsoft.com/office/drawing/2014/main" id="{50A3E87C-9F57-15B4-F18E-1DB24F54EC96}"/>
+              </a:ext>
+            </a:extLst>
+          </p:cNvPr>
+          <p:cNvSpPr>
+            <a:spLocks noGrp="1"/>
+          </p:cNvSpPr>
+          <p:nvPr>
+            <p:ph type="title"/>
+          </p:nvPr>
+        </p:nvSpPr>
+        <p:spPr/>
+        <p:txBody>
+          <a:bodyPr/>
+          <a:lstStyle/>
+          <a:p>
+            <a:r>
+              <a:rPr lang="en-US" altLang="ja-JP" dirty="0"/>
+              <a:t>i</a:t>
+            </a:r>
+            <a:r>
+              <a:rPr kumimoji="1" lang="en-US" altLang="ja-JP" dirty="0"/>
+              <a:t>mage </a:t>
+            </a:r>
+            <a:r>
+              <a:rPr lang="ja-JP" altLang="en-US" dirty="0"/>
+              <a:t>のベストプラクティス</a:t>
+            </a:r>
+            <a:endParaRPr kumimoji="1" lang="ja-JP" altLang="en-US" dirty="0"/>
+          </a:p>
+        </p:txBody>
+      </p:sp>
+      <p:sp>
+        <p:nvSpPr>
+          <p:cNvPr id="3" name="コンテンツ プレースホルダー 2">
+            <a:extLst>
+              <a:ext uri="{FF2B5EF4-FFF2-40B4-BE49-F238E27FC236}">
+                <a16:creationId xmlns:a16="http://schemas.microsoft.com/office/drawing/2014/main" id="{E563E793-5931-DCC4-5187-497DB7C628F8}"/>
+              </a:ext>
+            </a:extLst>
+          </p:cNvPr>
+          <p:cNvSpPr>
+            <a:spLocks noGrp="1"/>
+          </p:cNvSpPr>
+          <p:nvPr>
+            <p:ph idx="1"/>
+          </p:nvPr>
+        </p:nvSpPr>
+        <p:spPr/>
+        <p:txBody>
+          <a:bodyPr/>
+          <a:lstStyle/>
+          <a:p>
+            <a:endParaRPr kumimoji="1" lang="ja-JP" altLang="en-US" dirty="0"/>
+          </a:p>
+        </p:txBody>
+      </p:sp>
+      <p:sp>
+        <p:nvSpPr>
+          <p:cNvPr id="4" name="スライド番号プレースホルダー 3">
+            <a:extLst>
+              <a:ext uri="{FF2B5EF4-FFF2-40B4-BE49-F238E27FC236}">
+                <a16:creationId xmlns:a16="http://schemas.microsoft.com/office/drawing/2014/main" id="{B024115D-E210-EAF2-5AF0-747E121CC270}"/>
+              </a:ext>
+            </a:extLst>
+          </p:cNvPr>
+          <p:cNvSpPr>
+            <a:spLocks noGrp="1"/>
+          </p:cNvSpPr>
+          <p:nvPr>
+            <p:ph type="sldNum" sz="quarter" idx="12"/>
+          </p:nvPr>
+        </p:nvSpPr>
+        <p:spPr/>
+        <p:txBody>
+          <a:bodyPr/>
+          <a:lstStyle/>
+          <a:p>
+            <a:fld id="{09FDC953-F94B-4BF6-9058-77E5342884D4}" type="slidenum">
+              <a:rPr kumimoji="1" lang="ja-JP" altLang="en-US" smtClean="0"/>
+              <a:t>26</a:t>
+            </a:fld>
+            <a:endParaRPr kumimoji="1" lang="ja-JP" altLang="en-US"/>
+          </a:p>
+        </p:txBody>
+      </p:sp>
+    </p:spTree>
+    <p:extLst>
+      <p:ext uri="{BB962C8B-B14F-4D97-AF65-F5344CB8AC3E}">
+        <p14:creationId xmlns:p14="http://schemas.microsoft.com/office/powerpoint/2010/main" val="3509228612"/>
       </p:ext>
     </p:extLst>
   </p:cSld>
@@ -8912,6 +10366,35 @@
           </a:p>
         </p:txBody>
       </p:sp>
+      <p:sp>
+        <p:nvSpPr>
+          <p:cNvPr id="3" name="スライド番号プレースホルダー 2">
+            <a:extLst>
+              <a:ext uri="{FF2B5EF4-FFF2-40B4-BE49-F238E27FC236}">
+                <a16:creationId xmlns:a16="http://schemas.microsoft.com/office/drawing/2014/main" id="{DE64FBD0-75E9-8390-280A-BF4D01B7EFB0}"/>
+              </a:ext>
+            </a:extLst>
+          </p:cNvPr>
+          <p:cNvSpPr>
+            <a:spLocks noGrp="1"/>
+          </p:cNvSpPr>
+          <p:nvPr>
+            <p:ph type="sldNum" sz="quarter" idx="12"/>
+          </p:nvPr>
+        </p:nvSpPr>
+        <p:spPr/>
+        <p:txBody>
+          <a:bodyPr/>
+          <a:lstStyle/>
+          <a:p>
+            <a:fld id="{09FDC953-F94B-4BF6-9058-77E5342884D4}" type="slidenum">
+              <a:rPr kumimoji="1" lang="ja-JP" altLang="en-US" smtClean="0"/>
+              <a:t>3</a:t>
+            </a:fld>
+            <a:endParaRPr kumimoji="1" lang="ja-JP" altLang="en-US"/>
+          </a:p>
+        </p:txBody>
+      </p:sp>
     </p:spTree>
     <p:extLst>
       <p:ext uri="{BB962C8B-B14F-4D97-AF65-F5344CB8AC3E}">
@@ -9221,6 +10704,35 @@
           </a:p>
         </p:txBody>
       </p:sp>
+      <p:sp>
+        <p:nvSpPr>
+          <p:cNvPr id="5" name="スライド番号プレースホルダー 4">
+            <a:extLst>
+              <a:ext uri="{FF2B5EF4-FFF2-40B4-BE49-F238E27FC236}">
+                <a16:creationId xmlns:a16="http://schemas.microsoft.com/office/drawing/2014/main" id="{6E382576-76E9-C7BD-3FC7-54A44FA42409}"/>
+              </a:ext>
+            </a:extLst>
+          </p:cNvPr>
+          <p:cNvSpPr>
+            <a:spLocks noGrp="1"/>
+          </p:cNvSpPr>
+          <p:nvPr>
+            <p:ph type="sldNum" sz="quarter" idx="12"/>
+          </p:nvPr>
+        </p:nvSpPr>
+        <p:spPr/>
+        <p:txBody>
+          <a:bodyPr/>
+          <a:lstStyle/>
+          <a:p>
+            <a:fld id="{09FDC953-F94B-4BF6-9058-77E5342884D4}" type="slidenum">
+              <a:rPr kumimoji="1" lang="ja-JP" altLang="en-US" smtClean="0"/>
+              <a:t>4</a:t>
+            </a:fld>
+            <a:endParaRPr kumimoji="1" lang="ja-JP" altLang="en-US"/>
+          </a:p>
+        </p:txBody>
+      </p:sp>
     </p:spTree>
     <p:extLst>
       <p:ext uri="{BB962C8B-B14F-4D97-AF65-F5344CB8AC3E}">
@@ -9365,11 +10877,27 @@
             <a:endParaRPr lang="en-US" altLang="ja-JP" dirty="0"/>
           </a:p>
           <a:p>
-            <a:pPr lvl="1"/>
+            <a:pPr lvl="2"/>
+            <a:r>
+              <a:rPr lang="ja-JP" altLang="en-US" dirty="0"/>
+              <a:t>メモリ，</a:t>
+            </a:r>
+            <a:r>
+              <a:rPr lang="en-US" altLang="ja-JP" dirty="0"/>
+              <a:t>CPU</a:t>
+            </a:r>
+            <a:r>
+              <a:rPr lang="ja-JP" altLang="en-US" dirty="0"/>
+              <a:t>等も同時に割り当て</a:t>
+            </a:r>
             <a:endParaRPr lang="en-US" altLang="ja-JP" dirty="0"/>
           </a:p>
           <a:p>
-            <a:endParaRPr kumimoji="1" lang="ja-JP" altLang="en-US" dirty="0"/>
+            <a:r>
+              <a:rPr kumimoji="1" lang="ja-JP" altLang="en-US" dirty="0"/>
+              <a:t>種類</a:t>
+            </a:r>
+            <a:endParaRPr kumimoji="1" lang="en-US" altLang="ja-JP" dirty="0"/>
           </a:p>
         </p:txBody>
       </p:sp>
@@ -9427,6 +10955,1205 @@
               </a:rPr>
               <a:t>コンテナとは？</a:t>
             </a:r>
+          </a:p>
+        </p:txBody>
+      </p:sp>
+      <p:sp>
+        <p:nvSpPr>
+          <p:cNvPr id="5" name="正方形/長方形 4">
+            <a:extLst>
+              <a:ext uri="{FF2B5EF4-FFF2-40B4-BE49-F238E27FC236}">
+                <a16:creationId xmlns:a16="http://schemas.microsoft.com/office/drawing/2014/main" id="{2E2BE50E-7670-E39A-139B-E10F6B0C0F49}"/>
+              </a:ext>
+            </a:extLst>
+          </p:cNvPr>
+          <p:cNvSpPr/>
+          <p:nvPr/>
+        </p:nvSpPr>
+        <p:spPr>
+          <a:xfrm>
+            <a:off x="2133600" y="5810639"/>
+            <a:ext cx="2869176" cy="357770"/>
+          </a:xfrm>
+          <a:prstGeom prst="rect">
+            <a:avLst/>
+          </a:prstGeom>
+          <a:solidFill>
+            <a:schemeClr val="tx1">
+              <a:lumMod val="95000"/>
+              <a:lumOff val="5000"/>
+            </a:schemeClr>
+          </a:solidFill>
+          <a:ln>
+            <a:noFill/>
+          </a:ln>
+        </p:spPr>
+        <p:style>
+          <a:lnRef idx="2">
+            <a:schemeClr val="accent1">
+              <a:shade val="15000"/>
+            </a:schemeClr>
+          </a:lnRef>
+          <a:fillRef idx="1">
+            <a:schemeClr val="accent1"/>
+          </a:fillRef>
+          <a:effectRef idx="0">
+            <a:schemeClr val="accent1"/>
+          </a:effectRef>
+          <a:fontRef idx="minor">
+            <a:schemeClr val="lt1"/>
+          </a:fontRef>
+        </p:style>
+        <p:txBody>
+          <a:bodyPr tIns="72000" rtlCol="0" anchor="ctr"/>
+          <a:lstStyle/>
+          <a:p>
+            <a:pPr algn="ctr"/>
+            <a:r>
+              <a:rPr lang="en-US" altLang="ja-JP" sz="2400" b="1" dirty="0"/>
+              <a:t>Physical Server</a:t>
+            </a:r>
+            <a:endParaRPr kumimoji="1" lang="ja-JP" altLang="en-US" sz="2400" b="1" dirty="0"/>
+          </a:p>
+        </p:txBody>
+      </p:sp>
+      <p:sp>
+        <p:nvSpPr>
+          <p:cNvPr id="6" name="正方形/長方形 5">
+            <a:extLst>
+              <a:ext uri="{FF2B5EF4-FFF2-40B4-BE49-F238E27FC236}">
+                <a16:creationId xmlns:a16="http://schemas.microsoft.com/office/drawing/2014/main" id="{44B8E6B9-A5DB-D3DF-7246-ED24A2BBE1D3}"/>
+              </a:ext>
+            </a:extLst>
+          </p:cNvPr>
+          <p:cNvSpPr/>
+          <p:nvPr/>
+        </p:nvSpPr>
+        <p:spPr>
+          <a:xfrm>
+            <a:off x="2133600" y="5342137"/>
+            <a:ext cx="2869176" cy="357770"/>
+          </a:xfrm>
+          <a:prstGeom prst="rect">
+            <a:avLst/>
+          </a:prstGeom>
+          <a:solidFill>
+            <a:schemeClr val="accent6"/>
+          </a:solidFill>
+          <a:ln>
+            <a:noFill/>
+          </a:ln>
+        </p:spPr>
+        <p:style>
+          <a:lnRef idx="2">
+            <a:schemeClr val="accent1">
+              <a:shade val="15000"/>
+            </a:schemeClr>
+          </a:lnRef>
+          <a:fillRef idx="1">
+            <a:schemeClr val="accent1"/>
+          </a:fillRef>
+          <a:effectRef idx="0">
+            <a:schemeClr val="accent1"/>
+          </a:effectRef>
+          <a:fontRef idx="minor">
+            <a:schemeClr val="lt1"/>
+          </a:fontRef>
+        </p:style>
+        <p:txBody>
+          <a:bodyPr tIns="72000" rtlCol="0" anchor="ctr"/>
+          <a:lstStyle/>
+          <a:p>
+            <a:pPr algn="ctr"/>
+            <a:r>
+              <a:rPr kumimoji="1" lang="en-US" altLang="ja-JP" sz="2400" b="1" dirty="0"/>
+              <a:t>Hypervisor</a:t>
+            </a:r>
+            <a:endParaRPr kumimoji="1" lang="ja-JP" altLang="en-US" sz="2400" b="1" dirty="0"/>
+          </a:p>
+        </p:txBody>
+      </p:sp>
+      <p:sp>
+        <p:nvSpPr>
+          <p:cNvPr id="7" name="正方形/長方形 6">
+            <a:extLst>
+              <a:ext uri="{FF2B5EF4-FFF2-40B4-BE49-F238E27FC236}">
+                <a16:creationId xmlns:a16="http://schemas.microsoft.com/office/drawing/2014/main" id="{CECB64BB-B3BA-ADA9-5FC4-CBF775AB9992}"/>
+              </a:ext>
+            </a:extLst>
+          </p:cNvPr>
+          <p:cNvSpPr/>
+          <p:nvPr/>
+        </p:nvSpPr>
+        <p:spPr>
+          <a:xfrm>
+            <a:off x="2133600" y="4873635"/>
+            <a:ext cx="1318839" cy="357770"/>
+          </a:xfrm>
+          <a:prstGeom prst="rect">
+            <a:avLst/>
+          </a:prstGeom>
+          <a:solidFill>
+            <a:schemeClr val="accent2"/>
+          </a:solidFill>
+          <a:ln>
+            <a:noFill/>
+          </a:ln>
+        </p:spPr>
+        <p:style>
+          <a:lnRef idx="2">
+            <a:schemeClr val="accent1">
+              <a:shade val="15000"/>
+            </a:schemeClr>
+          </a:lnRef>
+          <a:fillRef idx="1">
+            <a:schemeClr val="accent1"/>
+          </a:fillRef>
+          <a:effectRef idx="0">
+            <a:schemeClr val="accent1"/>
+          </a:effectRef>
+          <a:fontRef idx="minor">
+            <a:schemeClr val="lt1"/>
+          </a:fontRef>
+        </p:style>
+        <p:txBody>
+          <a:bodyPr tIns="72000" rtlCol="0" anchor="ctr"/>
+          <a:lstStyle/>
+          <a:p>
+            <a:pPr algn="ctr"/>
+            <a:r>
+              <a:rPr kumimoji="1" lang="en-US" altLang="ja-JP" sz="2400" b="1" dirty="0"/>
+              <a:t>OS</a:t>
+            </a:r>
+            <a:endParaRPr kumimoji="1" lang="ja-JP" altLang="en-US" sz="2400" b="1" dirty="0"/>
+          </a:p>
+        </p:txBody>
+      </p:sp>
+      <p:sp>
+        <p:nvSpPr>
+          <p:cNvPr id="8" name="正方形/長方形 7">
+            <a:extLst>
+              <a:ext uri="{FF2B5EF4-FFF2-40B4-BE49-F238E27FC236}">
+                <a16:creationId xmlns:a16="http://schemas.microsoft.com/office/drawing/2014/main" id="{0775C28A-E452-9C22-361B-D4695DF7A2DE}"/>
+              </a:ext>
+            </a:extLst>
+          </p:cNvPr>
+          <p:cNvSpPr/>
+          <p:nvPr/>
+        </p:nvSpPr>
+        <p:spPr>
+          <a:xfrm>
+            <a:off x="3683936" y="4862554"/>
+            <a:ext cx="1318839" cy="357770"/>
+          </a:xfrm>
+          <a:prstGeom prst="rect">
+            <a:avLst/>
+          </a:prstGeom>
+          <a:solidFill>
+            <a:schemeClr val="accent2"/>
+          </a:solidFill>
+          <a:ln>
+            <a:noFill/>
+          </a:ln>
+        </p:spPr>
+        <p:style>
+          <a:lnRef idx="2">
+            <a:schemeClr val="accent1">
+              <a:shade val="15000"/>
+            </a:schemeClr>
+          </a:lnRef>
+          <a:fillRef idx="1">
+            <a:schemeClr val="accent1"/>
+          </a:fillRef>
+          <a:effectRef idx="0">
+            <a:schemeClr val="accent1"/>
+          </a:effectRef>
+          <a:fontRef idx="minor">
+            <a:schemeClr val="lt1"/>
+          </a:fontRef>
+        </p:style>
+        <p:txBody>
+          <a:bodyPr tIns="72000" rtlCol="0" anchor="ctr"/>
+          <a:lstStyle/>
+          <a:p>
+            <a:pPr algn="ctr"/>
+            <a:r>
+              <a:rPr kumimoji="1" lang="en-US" altLang="ja-JP" sz="2400" b="1" dirty="0"/>
+              <a:t>OS</a:t>
+            </a:r>
+            <a:endParaRPr kumimoji="1" lang="ja-JP" altLang="en-US" sz="2400" b="1" dirty="0"/>
+          </a:p>
+        </p:txBody>
+      </p:sp>
+      <p:sp>
+        <p:nvSpPr>
+          <p:cNvPr id="9" name="正方形/長方形 8">
+            <a:extLst>
+              <a:ext uri="{FF2B5EF4-FFF2-40B4-BE49-F238E27FC236}">
+                <a16:creationId xmlns:a16="http://schemas.microsoft.com/office/drawing/2014/main" id="{35C58142-EBFA-05FF-8D76-B1A13900CD99}"/>
+              </a:ext>
+            </a:extLst>
+          </p:cNvPr>
+          <p:cNvSpPr/>
+          <p:nvPr/>
+        </p:nvSpPr>
+        <p:spPr>
+          <a:xfrm>
+            <a:off x="2133600" y="4405133"/>
+            <a:ext cx="1318839" cy="357770"/>
+          </a:xfrm>
+          <a:prstGeom prst="rect">
+            <a:avLst/>
+          </a:prstGeom>
+          <a:solidFill>
+            <a:srgbClr val="92D050"/>
+          </a:solidFill>
+          <a:ln>
+            <a:noFill/>
+          </a:ln>
+        </p:spPr>
+        <p:style>
+          <a:lnRef idx="2">
+            <a:schemeClr val="accent1">
+              <a:shade val="15000"/>
+            </a:schemeClr>
+          </a:lnRef>
+          <a:fillRef idx="1">
+            <a:schemeClr val="accent1"/>
+          </a:fillRef>
+          <a:effectRef idx="0">
+            <a:schemeClr val="accent1"/>
+          </a:effectRef>
+          <a:fontRef idx="minor">
+            <a:schemeClr val="lt1"/>
+          </a:fontRef>
+        </p:style>
+        <p:txBody>
+          <a:bodyPr tIns="72000" rtlCol="0" anchor="ctr"/>
+          <a:lstStyle/>
+          <a:p>
+            <a:pPr algn="ctr"/>
+            <a:r>
+              <a:rPr lang="en-US" altLang="ja-JP" sz="2000" b="1" dirty="0"/>
+              <a:t>b</a:t>
+            </a:r>
+            <a:r>
+              <a:rPr kumimoji="1" lang="en-US" altLang="ja-JP" sz="2000" b="1" dirty="0"/>
+              <a:t>ins/libs</a:t>
+            </a:r>
+            <a:endParaRPr kumimoji="1" lang="ja-JP" altLang="en-US" sz="2000" b="1" dirty="0"/>
+          </a:p>
+        </p:txBody>
+      </p:sp>
+      <p:sp>
+        <p:nvSpPr>
+          <p:cNvPr id="10" name="正方形/長方形 9">
+            <a:extLst>
+              <a:ext uri="{FF2B5EF4-FFF2-40B4-BE49-F238E27FC236}">
+                <a16:creationId xmlns:a16="http://schemas.microsoft.com/office/drawing/2014/main" id="{CF46679E-0C29-E5B7-1838-886EFA9D461B}"/>
+              </a:ext>
+            </a:extLst>
+          </p:cNvPr>
+          <p:cNvSpPr/>
+          <p:nvPr/>
+        </p:nvSpPr>
+        <p:spPr>
+          <a:xfrm>
+            <a:off x="3683937" y="4405133"/>
+            <a:ext cx="1318839" cy="357770"/>
+          </a:xfrm>
+          <a:prstGeom prst="rect">
+            <a:avLst/>
+          </a:prstGeom>
+          <a:solidFill>
+            <a:srgbClr val="92D050"/>
+          </a:solidFill>
+          <a:ln>
+            <a:noFill/>
+          </a:ln>
+        </p:spPr>
+        <p:style>
+          <a:lnRef idx="2">
+            <a:schemeClr val="accent1">
+              <a:shade val="15000"/>
+            </a:schemeClr>
+          </a:lnRef>
+          <a:fillRef idx="1">
+            <a:schemeClr val="accent1"/>
+          </a:fillRef>
+          <a:effectRef idx="0">
+            <a:schemeClr val="accent1"/>
+          </a:effectRef>
+          <a:fontRef idx="minor">
+            <a:schemeClr val="lt1"/>
+          </a:fontRef>
+        </p:style>
+        <p:txBody>
+          <a:bodyPr tIns="72000" rtlCol="0" anchor="ctr"/>
+          <a:lstStyle/>
+          <a:p>
+            <a:pPr algn="ctr"/>
+            <a:r>
+              <a:rPr lang="en-US" altLang="ja-JP" sz="2000" b="1" dirty="0"/>
+              <a:t>b</a:t>
+            </a:r>
+            <a:r>
+              <a:rPr kumimoji="1" lang="en-US" altLang="ja-JP" sz="2000" b="1" dirty="0"/>
+              <a:t>ins/libs</a:t>
+            </a:r>
+            <a:endParaRPr kumimoji="1" lang="ja-JP" altLang="en-US" sz="2000" b="1" dirty="0"/>
+          </a:p>
+        </p:txBody>
+      </p:sp>
+      <p:sp>
+        <p:nvSpPr>
+          <p:cNvPr id="11" name="正方形/長方形 10">
+            <a:extLst>
+              <a:ext uri="{FF2B5EF4-FFF2-40B4-BE49-F238E27FC236}">
+                <a16:creationId xmlns:a16="http://schemas.microsoft.com/office/drawing/2014/main" id="{BFAB7EF6-3655-98A2-C5A6-5AA53733D72F}"/>
+              </a:ext>
+            </a:extLst>
+          </p:cNvPr>
+          <p:cNvSpPr/>
+          <p:nvPr/>
+        </p:nvSpPr>
+        <p:spPr>
+          <a:xfrm>
+            <a:off x="2133600" y="3936631"/>
+            <a:ext cx="1318839" cy="357770"/>
+          </a:xfrm>
+          <a:prstGeom prst="rect">
+            <a:avLst/>
+          </a:prstGeom>
+          <a:solidFill>
+            <a:srgbClr val="92D050"/>
+          </a:solidFill>
+          <a:ln>
+            <a:noFill/>
+          </a:ln>
+        </p:spPr>
+        <p:style>
+          <a:lnRef idx="2">
+            <a:schemeClr val="accent1">
+              <a:shade val="15000"/>
+            </a:schemeClr>
+          </a:lnRef>
+          <a:fillRef idx="1">
+            <a:schemeClr val="accent1"/>
+          </a:fillRef>
+          <a:effectRef idx="0">
+            <a:schemeClr val="accent1"/>
+          </a:effectRef>
+          <a:fontRef idx="minor">
+            <a:schemeClr val="lt1"/>
+          </a:fontRef>
+        </p:style>
+        <p:txBody>
+          <a:bodyPr tIns="72000" rtlCol="0" anchor="ctr"/>
+          <a:lstStyle/>
+          <a:p>
+            <a:pPr algn="ctr"/>
+            <a:r>
+              <a:rPr lang="en-US" altLang="ja-JP" sz="2400" b="1" dirty="0"/>
+              <a:t>App1</a:t>
+            </a:r>
+            <a:endParaRPr kumimoji="1" lang="ja-JP" altLang="en-US" sz="2400" b="1" dirty="0"/>
+          </a:p>
+        </p:txBody>
+      </p:sp>
+      <p:sp>
+        <p:nvSpPr>
+          <p:cNvPr id="12" name="正方形/長方形 11">
+            <a:extLst>
+              <a:ext uri="{FF2B5EF4-FFF2-40B4-BE49-F238E27FC236}">
+                <a16:creationId xmlns:a16="http://schemas.microsoft.com/office/drawing/2014/main" id="{1A168B79-7D78-7F63-95A6-C97553929496}"/>
+              </a:ext>
+            </a:extLst>
+          </p:cNvPr>
+          <p:cNvSpPr/>
+          <p:nvPr/>
+        </p:nvSpPr>
+        <p:spPr>
+          <a:xfrm>
+            <a:off x="3683937" y="3936630"/>
+            <a:ext cx="1318839" cy="357770"/>
+          </a:xfrm>
+          <a:prstGeom prst="rect">
+            <a:avLst/>
+          </a:prstGeom>
+          <a:solidFill>
+            <a:srgbClr val="92D050"/>
+          </a:solidFill>
+          <a:ln>
+            <a:noFill/>
+          </a:ln>
+        </p:spPr>
+        <p:style>
+          <a:lnRef idx="2">
+            <a:schemeClr val="accent1">
+              <a:shade val="15000"/>
+            </a:schemeClr>
+          </a:lnRef>
+          <a:fillRef idx="1">
+            <a:schemeClr val="accent1"/>
+          </a:fillRef>
+          <a:effectRef idx="0">
+            <a:schemeClr val="accent1"/>
+          </a:effectRef>
+          <a:fontRef idx="minor">
+            <a:schemeClr val="lt1"/>
+          </a:fontRef>
+        </p:style>
+        <p:txBody>
+          <a:bodyPr tIns="72000" rtlCol="0" anchor="ctr"/>
+          <a:lstStyle/>
+          <a:p>
+            <a:pPr algn="ctr"/>
+            <a:r>
+              <a:rPr lang="en-US" altLang="ja-JP" sz="2400" b="1" dirty="0"/>
+              <a:t>App2</a:t>
+            </a:r>
+            <a:endParaRPr kumimoji="1" lang="ja-JP" altLang="en-US" sz="2400" b="1" dirty="0"/>
+          </a:p>
+        </p:txBody>
+      </p:sp>
+      <p:sp>
+        <p:nvSpPr>
+          <p:cNvPr id="14" name="テキスト ボックス 13">
+            <a:extLst>
+              <a:ext uri="{FF2B5EF4-FFF2-40B4-BE49-F238E27FC236}">
+                <a16:creationId xmlns:a16="http://schemas.microsoft.com/office/drawing/2014/main" id="{9E1A801D-39AB-664F-C16C-37E6126AD5A5}"/>
+              </a:ext>
+            </a:extLst>
+          </p:cNvPr>
+          <p:cNvSpPr txBox="1"/>
+          <p:nvPr/>
+        </p:nvSpPr>
+        <p:spPr>
+          <a:xfrm>
+            <a:off x="1634614" y="6192990"/>
+            <a:ext cx="3867147" cy="646331"/>
+          </a:xfrm>
+          <a:prstGeom prst="rect">
+            <a:avLst/>
+          </a:prstGeom>
+          <a:noFill/>
+        </p:spPr>
+        <p:txBody>
+          <a:bodyPr wrap="square" rtlCol="0">
+            <a:spAutoFit/>
+          </a:bodyPr>
+          <a:lstStyle/>
+          <a:p>
+            <a:pPr algn="ctr"/>
+            <a:r>
+              <a:rPr kumimoji="1" lang="en-US" altLang="ja-JP" sz="3600" dirty="0"/>
+              <a:t>type1</a:t>
+            </a:r>
+            <a:endParaRPr kumimoji="1" lang="ja-JP" altLang="en-US" sz="3600" dirty="0"/>
+          </a:p>
+        </p:txBody>
+      </p:sp>
+      <p:sp>
+        <p:nvSpPr>
+          <p:cNvPr id="16" name="正方形/長方形 15">
+            <a:extLst>
+              <a:ext uri="{FF2B5EF4-FFF2-40B4-BE49-F238E27FC236}">
+                <a16:creationId xmlns:a16="http://schemas.microsoft.com/office/drawing/2014/main" id="{0FC1E2DE-E235-CA53-485C-971556B0F798}"/>
+              </a:ext>
+            </a:extLst>
+          </p:cNvPr>
+          <p:cNvSpPr/>
+          <p:nvPr/>
+        </p:nvSpPr>
+        <p:spPr>
+          <a:xfrm>
+            <a:off x="6985819" y="5799558"/>
+            <a:ext cx="2869176" cy="357770"/>
+          </a:xfrm>
+          <a:prstGeom prst="rect">
+            <a:avLst/>
+          </a:prstGeom>
+          <a:solidFill>
+            <a:schemeClr val="tx1">
+              <a:lumMod val="95000"/>
+              <a:lumOff val="5000"/>
+            </a:schemeClr>
+          </a:solidFill>
+          <a:ln>
+            <a:noFill/>
+          </a:ln>
+        </p:spPr>
+        <p:style>
+          <a:lnRef idx="2">
+            <a:schemeClr val="accent1">
+              <a:shade val="15000"/>
+            </a:schemeClr>
+          </a:lnRef>
+          <a:fillRef idx="1">
+            <a:schemeClr val="accent1"/>
+          </a:fillRef>
+          <a:effectRef idx="0">
+            <a:schemeClr val="accent1"/>
+          </a:effectRef>
+          <a:fontRef idx="minor">
+            <a:schemeClr val="lt1"/>
+          </a:fontRef>
+        </p:style>
+        <p:txBody>
+          <a:bodyPr tIns="72000" rtlCol="0" anchor="ctr"/>
+          <a:lstStyle/>
+          <a:p>
+            <a:pPr algn="ctr"/>
+            <a:r>
+              <a:rPr lang="en-US" altLang="ja-JP" sz="2400" b="1" dirty="0"/>
+              <a:t>Physical Server</a:t>
+            </a:r>
+            <a:endParaRPr kumimoji="1" lang="ja-JP" altLang="en-US" sz="2400" b="1" dirty="0"/>
+          </a:p>
+        </p:txBody>
+      </p:sp>
+      <p:sp>
+        <p:nvSpPr>
+          <p:cNvPr id="17" name="正方形/長方形 16">
+            <a:extLst>
+              <a:ext uri="{FF2B5EF4-FFF2-40B4-BE49-F238E27FC236}">
+                <a16:creationId xmlns:a16="http://schemas.microsoft.com/office/drawing/2014/main" id="{292EFB96-4F85-0006-4339-14696A2FB0A0}"/>
+              </a:ext>
+            </a:extLst>
+          </p:cNvPr>
+          <p:cNvSpPr/>
+          <p:nvPr/>
+        </p:nvSpPr>
+        <p:spPr>
+          <a:xfrm>
+            <a:off x="6985819" y="4857764"/>
+            <a:ext cx="2869176" cy="357770"/>
+          </a:xfrm>
+          <a:prstGeom prst="rect">
+            <a:avLst/>
+          </a:prstGeom>
+          <a:solidFill>
+            <a:schemeClr val="accent6"/>
+          </a:solidFill>
+          <a:ln>
+            <a:noFill/>
+          </a:ln>
+        </p:spPr>
+        <p:style>
+          <a:lnRef idx="2">
+            <a:schemeClr val="accent1">
+              <a:shade val="15000"/>
+            </a:schemeClr>
+          </a:lnRef>
+          <a:fillRef idx="1">
+            <a:schemeClr val="accent1"/>
+          </a:fillRef>
+          <a:effectRef idx="0">
+            <a:schemeClr val="accent1"/>
+          </a:effectRef>
+          <a:fontRef idx="minor">
+            <a:schemeClr val="lt1"/>
+          </a:fontRef>
+        </p:style>
+        <p:txBody>
+          <a:bodyPr tIns="72000" rtlCol="0" anchor="ctr"/>
+          <a:lstStyle/>
+          <a:p>
+            <a:pPr algn="ctr"/>
+            <a:r>
+              <a:rPr kumimoji="1" lang="en-US" altLang="ja-JP" sz="2400" b="1" dirty="0"/>
+              <a:t>Hypervisor</a:t>
+            </a:r>
+            <a:endParaRPr kumimoji="1" lang="ja-JP" altLang="en-US" sz="2400" b="1" dirty="0"/>
+          </a:p>
+        </p:txBody>
+      </p:sp>
+      <p:sp>
+        <p:nvSpPr>
+          <p:cNvPr id="18" name="正方形/長方形 17">
+            <a:extLst>
+              <a:ext uri="{FF2B5EF4-FFF2-40B4-BE49-F238E27FC236}">
+                <a16:creationId xmlns:a16="http://schemas.microsoft.com/office/drawing/2014/main" id="{9D284B37-6911-75FF-558E-220A477F3B01}"/>
+              </a:ext>
+            </a:extLst>
+          </p:cNvPr>
+          <p:cNvSpPr/>
+          <p:nvPr/>
+        </p:nvSpPr>
+        <p:spPr>
+          <a:xfrm>
+            <a:off x="6985819" y="5346927"/>
+            <a:ext cx="2869176" cy="357770"/>
+          </a:xfrm>
+          <a:prstGeom prst="rect">
+            <a:avLst/>
+          </a:prstGeom>
+          <a:solidFill>
+            <a:schemeClr val="bg2">
+              <a:lumMod val="50000"/>
+            </a:schemeClr>
+          </a:solidFill>
+          <a:ln>
+            <a:noFill/>
+          </a:ln>
+        </p:spPr>
+        <p:style>
+          <a:lnRef idx="2">
+            <a:schemeClr val="accent1">
+              <a:shade val="15000"/>
+            </a:schemeClr>
+          </a:lnRef>
+          <a:fillRef idx="1">
+            <a:schemeClr val="accent1"/>
+          </a:fillRef>
+          <a:effectRef idx="0">
+            <a:schemeClr val="accent1"/>
+          </a:effectRef>
+          <a:fontRef idx="minor">
+            <a:schemeClr val="lt1"/>
+          </a:fontRef>
+        </p:style>
+        <p:txBody>
+          <a:bodyPr tIns="72000" rtlCol="0" anchor="ctr"/>
+          <a:lstStyle/>
+          <a:p>
+            <a:pPr algn="ctr"/>
+            <a:r>
+              <a:rPr kumimoji="1" lang="ja-JP" altLang="en-US" sz="2400" b="1" dirty="0"/>
+              <a:t>ホスト</a:t>
+            </a:r>
+            <a:r>
+              <a:rPr kumimoji="1" lang="en-US" altLang="ja-JP" sz="2400" b="1" dirty="0"/>
+              <a:t>OS</a:t>
+            </a:r>
+            <a:endParaRPr kumimoji="1" lang="ja-JP" altLang="en-US" sz="2400" b="1" dirty="0"/>
+          </a:p>
+        </p:txBody>
+      </p:sp>
+      <p:sp>
+        <p:nvSpPr>
+          <p:cNvPr id="24" name="テキスト ボックス 23">
+            <a:extLst>
+              <a:ext uri="{FF2B5EF4-FFF2-40B4-BE49-F238E27FC236}">
+                <a16:creationId xmlns:a16="http://schemas.microsoft.com/office/drawing/2014/main" id="{C762AFC6-5A0D-91C4-7AE9-CEF92C91055E}"/>
+              </a:ext>
+            </a:extLst>
+          </p:cNvPr>
+          <p:cNvSpPr txBox="1"/>
+          <p:nvPr/>
+        </p:nvSpPr>
+        <p:spPr>
+          <a:xfrm>
+            <a:off x="6602581" y="6168409"/>
+            <a:ext cx="3867147" cy="646331"/>
+          </a:xfrm>
+          <a:prstGeom prst="rect">
+            <a:avLst/>
+          </a:prstGeom>
+          <a:noFill/>
+        </p:spPr>
+        <p:txBody>
+          <a:bodyPr wrap="square" rtlCol="0">
+            <a:spAutoFit/>
+          </a:bodyPr>
+          <a:lstStyle/>
+          <a:p>
+            <a:pPr algn="ctr"/>
+            <a:r>
+              <a:rPr kumimoji="1" lang="en-US" altLang="ja-JP" sz="3600" dirty="0"/>
+              <a:t>type2</a:t>
+            </a:r>
+            <a:endParaRPr kumimoji="1" lang="ja-JP" altLang="en-US" sz="3600" dirty="0"/>
+          </a:p>
+        </p:txBody>
+      </p:sp>
+      <p:cxnSp>
+        <p:nvCxnSpPr>
+          <p:cNvPr id="27" name="直線矢印コネクタ 26">
+            <a:extLst>
+              <a:ext uri="{FF2B5EF4-FFF2-40B4-BE49-F238E27FC236}">
+                <a16:creationId xmlns:a16="http://schemas.microsoft.com/office/drawing/2014/main" id="{EDEE6DDA-81CA-942C-D57E-2B080BD2B16F}"/>
+              </a:ext>
+            </a:extLst>
+          </p:cNvPr>
+          <p:cNvCxnSpPr>
+            <a:cxnSpLocks/>
+            <a:stCxn id="6" idx="3"/>
+            <a:endCxn id="17" idx="1"/>
+          </p:cNvCxnSpPr>
+          <p:nvPr/>
+        </p:nvCxnSpPr>
+        <p:spPr>
+          <a:xfrm flipV="1">
+            <a:off x="5002776" y="5036649"/>
+            <a:ext cx="1983043" cy="484373"/>
+          </a:xfrm>
+          <a:prstGeom prst="straightConnector1">
+            <a:avLst/>
+          </a:prstGeom>
+          <a:ln w="28575">
+            <a:prstDash val="dash"/>
+            <a:headEnd type="triangle"/>
+            <a:tailEnd type="triangle"/>
+          </a:ln>
+        </p:spPr>
+        <p:style>
+          <a:lnRef idx="2">
+            <a:schemeClr val="accent1"/>
+          </a:lnRef>
+          <a:fillRef idx="0">
+            <a:schemeClr val="accent1"/>
+          </a:fillRef>
+          <a:effectRef idx="1">
+            <a:schemeClr val="accent1"/>
+          </a:effectRef>
+          <a:fontRef idx="minor">
+            <a:schemeClr val="tx1"/>
+          </a:fontRef>
+        </p:style>
+      </p:cxnSp>
+      <p:sp>
+        <p:nvSpPr>
+          <p:cNvPr id="29" name="正方形/長方形 28">
+            <a:extLst>
+              <a:ext uri="{FF2B5EF4-FFF2-40B4-BE49-F238E27FC236}">
+                <a16:creationId xmlns:a16="http://schemas.microsoft.com/office/drawing/2014/main" id="{84499ACB-776D-1D6D-5655-6873D7D33A83}"/>
+              </a:ext>
+            </a:extLst>
+          </p:cNvPr>
+          <p:cNvSpPr/>
+          <p:nvPr/>
+        </p:nvSpPr>
+        <p:spPr>
+          <a:xfrm>
+            <a:off x="6985820" y="4366315"/>
+            <a:ext cx="1318839" cy="357770"/>
+          </a:xfrm>
+          <a:prstGeom prst="rect">
+            <a:avLst/>
+          </a:prstGeom>
+          <a:solidFill>
+            <a:schemeClr val="accent2"/>
+          </a:solidFill>
+          <a:ln>
+            <a:noFill/>
+          </a:ln>
+        </p:spPr>
+        <p:style>
+          <a:lnRef idx="2">
+            <a:schemeClr val="accent1">
+              <a:shade val="15000"/>
+            </a:schemeClr>
+          </a:lnRef>
+          <a:fillRef idx="1">
+            <a:schemeClr val="accent1"/>
+          </a:fillRef>
+          <a:effectRef idx="0">
+            <a:schemeClr val="accent1"/>
+          </a:effectRef>
+          <a:fontRef idx="minor">
+            <a:schemeClr val="lt1"/>
+          </a:fontRef>
+        </p:style>
+        <p:txBody>
+          <a:bodyPr tIns="72000" rtlCol="0" anchor="ctr"/>
+          <a:lstStyle/>
+          <a:p>
+            <a:pPr algn="ctr"/>
+            <a:r>
+              <a:rPr kumimoji="1" lang="en-US" altLang="ja-JP" sz="2400" b="1" dirty="0"/>
+              <a:t>OS</a:t>
+            </a:r>
+            <a:endParaRPr kumimoji="1" lang="ja-JP" altLang="en-US" sz="2400" b="1" dirty="0"/>
+          </a:p>
+        </p:txBody>
+      </p:sp>
+      <p:sp>
+        <p:nvSpPr>
+          <p:cNvPr id="30" name="正方形/長方形 29">
+            <a:extLst>
+              <a:ext uri="{FF2B5EF4-FFF2-40B4-BE49-F238E27FC236}">
+                <a16:creationId xmlns:a16="http://schemas.microsoft.com/office/drawing/2014/main" id="{86641387-E1C0-AD13-BCD9-8595ED724711}"/>
+              </a:ext>
+            </a:extLst>
+          </p:cNvPr>
+          <p:cNvSpPr/>
+          <p:nvPr/>
+        </p:nvSpPr>
+        <p:spPr>
+          <a:xfrm>
+            <a:off x="8536156" y="4355234"/>
+            <a:ext cx="1318839" cy="357770"/>
+          </a:xfrm>
+          <a:prstGeom prst="rect">
+            <a:avLst/>
+          </a:prstGeom>
+          <a:solidFill>
+            <a:schemeClr val="accent2"/>
+          </a:solidFill>
+          <a:ln>
+            <a:noFill/>
+          </a:ln>
+        </p:spPr>
+        <p:style>
+          <a:lnRef idx="2">
+            <a:schemeClr val="accent1">
+              <a:shade val="15000"/>
+            </a:schemeClr>
+          </a:lnRef>
+          <a:fillRef idx="1">
+            <a:schemeClr val="accent1"/>
+          </a:fillRef>
+          <a:effectRef idx="0">
+            <a:schemeClr val="accent1"/>
+          </a:effectRef>
+          <a:fontRef idx="minor">
+            <a:schemeClr val="lt1"/>
+          </a:fontRef>
+        </p:style>
+        <p:txBody>
+          <a:bodyPr tIns="72000" rtlCol="0" anchor="ctr"/>
+          <a:lstStyle/>
+          <a:p>
+            <a:pPr algn="ctr"/>
+            <a:r>
+              <a:rPr kumimoji="1" lang="en-US" altLang="ja-JP" sz="2400" b="1" dirty="0"/>
+              <a:t>OS</a:t>
+            </a:r>
+            <a:endParaRPr kumimoji="1" lang="ja-JP" altLang="en-US" sz="2400" b="1" dirty="0"/>
+          </a:p>
+        </p:txBody>
+      </p:sp>
+      <p:sp>
+        <p:nvSpPr>
+          <p:cNvPr id="31" name="正方形/長方形 30">
+            <a:extLst>
+              <a:ext uri="{FF2B5EF4-FFF2-40B4-BE49-F238E27FC236}">
+                <a16:creationId xmlns:a16="http://schemas.microsoft.com/office/drawing/2014/main" id="{5D8C6786-8178-F3CD-5ACD-0494A38DFBA6}"/>
+              </a:ext>
+            </a:extLst>
+          </p:cNvPr>
+          <p:cNvSpPr/>
+          <p:nvPr/>
+        </p:nvSpPr>
+        <p:spPr>
+          <a:xfrm>
+            <a:off x="6985820" y="3897813"/>
+            <a:ext cx="1318839" cy="357770"/>
+          </a:xfrm>
+          <a:prstGeom prst="rect">
+            <a:avLst/>
+          </a:prstGeom>
+          <a:solidFill>
+            <a:srgbClr val="92D050"/>
+          </a:solidFill>
+          <a:ln>
+            <a:noFill/>
+          </a:ln>
+        </p:spPr>
+        <p:style>
+          <a:lnRef idx="2">
+            <a:schemeClr val="accent1">
+              <a:shade val="15000"/>
+            </a:schemeClr>
+          </a:lnRef>
+          <a:fillRef idx="1">
+            <a:schemeClr val="accent1"/>
+          </a:fillRef>
+          <a:effectRef idx="0">
+            <a:schemeClr val="accent1"/>
+          </a:effectRef>
+          <a:fontRef idx="minor">
+            <a:schemeClr val="lt1"/>
+          </a:fontRef>
+        </p:style>
+        <p:txBody>
+          <a:bodyPr tIns="72000" rtlCol="0" anchor="ctr"/>
+          <a:lstStyle/>
+          <a:p>
+            <a:pPr algn="ctr"/>
+            <a:r>
+              <a:rPr lang="en-US" altLang="ja-JP" sz="2000" b="1" dirty="0"/>
+              <a:t>b</a:t>
+            </a:r>
+            <a:r>
+              <a:rPr kumimoji="1" lang="en-US" altLang="ja-JP" sz="2000" b="1" dirty="0"/>
+              <a:t>ins/libs</a:t>
+            </a:r>
+            <a:endParaRPr kumimoji="1" lang="ja-JP" altLang="en-US" sz="2000" b="1" dirty="0"/>
+          </a:p>
+        </p:txBody>
+      </p:sp>
+      <p:sp>
+        <p:nvSpPr>
+          <p:cNvPr id="32" name="正方形/長方形 31">
+            <a:extLst>
+              <a:ext uri="{FF2B5EF4-FFF2-40B4-BE49-F238E27FC236}">
+                <a16:creationId xmlns:a16="http://schemas.microsoft.com/office/drawing/2014/main" id="{B454A956-FF88-5906-E07E-087D47211241}"/>
+              </a:ext>
+            </a:extLst>
+          </p:cNvPr>
+          <p:cNvSpPr/>
+          <p:nvPr/>
+        </p:nvSpPr>
+        <p:spPr>
+          <a:xfrm>
+            <a:off x="8536157" y="3897813"/>
+            <a:ext cx="1318839" cy="357770"/>
+          </a:xfrm>
+          <a:prstGeom prst="rect">
+            <a:avLst/>
+          </a:prstGeom>
+          <a:solidFill>
+            <a:srgbClr val="92D050"/>
+          </a:solidFill>
+          <a:ln>
+            <a:noFill/>
+          </a:ln>
+        </p:spPr>
+        <p:style>
+          <a:lnRef idx="2">
+            <a:schemeClr val="accent1">
+              <a:shade val="15000"/>
+            </a:schemeClr>
+          </a:lnRef>
+          <a:fillRef idx="1">
+            <a:schemeClr val="accent1"/>
+          </a:fillRef>
+          <a:effectRef idx="0">
+            <a:schemeClr val="accent1"/>
+          </a:effectRef>
+          <a:fontRef idx="minor">
+            <a:schemeClr val="lt1"/>
+          </a:fontRef>
+        </p:style>
+        <p:txBody>
+          <a:bodyPr tIns="72000" rtlCol="0" anchor="ctr"/>
+          <a:lstStyle/>
+          <a:p>
+            <a:pPr algn="ctr"/>
+            <a:r>
+              <a:rPr lang="en-US" altLang="ja-JP" sz="2000" b="1" dirty="0"/>
+              <a:t>b</a:t>
+            </a:r>
+            <a:r>
+              <a:rPr kumimoji="1" lang="en-US" altLang="ja-JP" sz="2000" b="1" dirty="0"/>
+              <a:t>ins/libs</a:t>
+            </a:r>
+            <a:endParaRPr kumimoji="1" lang="ja-JP" altLang="en-US" sz="2000" b="1" dirty="0"/>
+          </a:p>
+        </p:txBody>
+      </p:sp>
+      <p:sp>
+        <p:nvSpPr>
+          <p:cNvPr id="33" name="正方形/長方形 32">
+            <a:extLst>
+              <a:ext uri="{FF2B5EF4-FFF2-40B4-BE49-F238E27FC236}">
+                <a16:creationId xmlns:a16="http://schemas.microsoft.com/office/drawing/2014/main" id="{4277F85A-2FBF-6E97-2977-6BF26AEF19E1}"/>
+              </a:ext>
+            </a:extLst>
+          </p:cNvPr>
+          <p:cNvSpPr/>
+          <p:nvPr/>
+        </p:nvSpPr>
+        <p:spPr>
+          <a:xfrm>
+            <a:off x="6985820" y="3429311"/>
+            <a:ext cx="1318839" cy="357770"/>
+          </a:xfrm>
+          <a:prstGeom prst="rect">
+            <a:avLst/>
+          </a:prstGeom>
+          <a:solidFill>
+            <a:srgbClr val="92D050"/>
+          </a:solidFill>
+          <a:ln>
+            <a:noFill/>
+          </a:ln>
+        </p:spPr>
+        <p:style>
+          <a:lnRef idx="2">
+            <a:schemeClr val="accent1">
+              <a:shade val="15000"/>
+            </a:schemeClr>
+          </a:lnRef>
+          <a:fillRef idx="1">
+            <a:schemeClr val="accent1"/>
+          </a:fillRef>
+          <a:effectRef idx="0">
+            <a:schemeClr val="accent1"/>
+          </a:effectRef>
+          <a:fontRef idx="minor">
+            <a:schemeClr val="lt1"/>
+          </a:fontRef>
+        </p:style>
+        <p:txBody>
+          <a:bodyPr tIns="72000" rtlCol="0" anchor="ctr"/>
+          <a:lstStyle/>
+          <a:p>
+            <a:pPr algn="ctr"/>
+            <a:r>
+              <a:rPr lang="en-US" altLang="ja-JP" sz="2400" b="1" dirty="0"/>
+              <a:t>App1</a:t>
+            </a:r>
+            <a:endParaRPr kumimoji="1" lang="ja-JP" altLang="en-US" sz="2400" b="1" dirty="0"/>
+          </a:p>
+        </p:txBody>
+      </p:sp>
+      <p:sp>
+        <p:nvSpPr>
+          <p:cNvPr id="34" name="正方形/長方形 33">
+            <a:extLst>
+              <a:ext uri="{FF2B5EF4-FFF2-40B4-BE49-F238E27FC236}">
+                <a16:creationId xmlns:a16="http://schemas.microsoft.com/office/drawing/2014/main" id="{663D2098-F194-137D-0EB7-F91363B1A790}"/>
+              </a:ext>
+            </a:extLst>
+          </p:cNvPr>
+          <p:cNvSpPr/>
+          <p:nvPr/>
+        </p:nvSpPr>
+        <p:spPr>
+          <a:xfrm>
+            <a:off x="8536157" y="3429310"/>
+            <a:ext cx="1318839" cy="357770"/>
+          </a:xfrm>
+          <a:prstGeom prst="rect">
+            <a:avLst/>
+          </a:prstGeom>
+          <a:solidFill>
+            <a:srgbClr val="92D050"/>
+          </a:solidFill>
+          <a:ln>
+            <a:noFill/>
+          </a:ln>
+        </p:spPr>
+        <p:style>
+          <a:lnRef idx="2">
+            <a:schemeClr val="accent1">
+              <a:shade val="15000"/>
+            </a:schemeClr>
+          </a:lnRef>
+          <a:fillRef idx="1">
+            <a:schemeClr val="accent1"/>
+          </a:fillRef>
+          <a:effectRef idx="0">
+            <a:schemeClr val="accent1"/>
+          </a:effectRef>
+          <a:fontRef idx="minor">
+            <a:schemeClr val="lt1"/>
+          </a:fontRef>
+        </p:style>
+        <p:txBody>
+          <a:bodyPr tIns="72000" rtlCol="0" anchor="ctr"/>
+          <a:lstStyle/>
+          <a:p>
+            <a:pPr algn="ctr"/>
+            <a:r>
+              <a:rPr lang="en-US" altLang="ja-JP" sz="2400" b="1" dirty="0"/>
+              <a:t>App2</a:t>
+            </a:r>
+            <a:endParaRPr kumimoji="1" lang="ja-JP" altLang="en-US" sz="2400" b="1" dirty="0"/>
+          </a:p>
+        </p:txBody>
+      </p:sp>
+      <p:sp>
+        <p:nvSpPr>
+          <p:cNvPr id="35" name="スライド番号プレースホルダー 34">
+            <a:extLst>
+              <a:ext uri="{FF2B5EF4-FFF2-40B4-BE49-F238E27FC236}">
+                <a16:creationId xmlns:a16="http://schemas.microsoft.com/office/drawing/2014/main" id="{BFE7385F-12EB-B2DA-C275-EC6096ABB9F9}"/>
+              </a:ext>
+            </a:extLst>
+          </p:cNvPr>
+          <p:cNvSpPr>
+            <a:spLocks noGrp="1"/>
+          </p:cNvSpPr>
+          <p:nvPr>
+            <p:ph type="sldNum" sz="quarter" idx="12"/>
+          </p:nvPr>
+        </p:nvSpPr>
+        <p:spPr/>
+        <p:txBody>
+          <a:bodyPr/>
+          <a:lstStyle/>
+          <a:p>
+            <a:fld id="{09FDC953-F94B-4BF6-9058-77E5342884D4}" type="slidenum">
+              <a:rPr kumimoji="1" lang="ja-JP" altLang="en-US" smtClean="0"/>
+              <a:t>5</a:t>
+            </a:fld>
+            <a:endParaRPr kumimoji="1" lang="ja-JP" altLang="en-US"/>
+          </a:p>
+        </p:txBody>
+      </p:sp>
+      <p:sp>
+        <p:nvSpPr>
+          <p:cNvPr id="37" name="吹き出し: 角を丸めた四角形 36">
+            <a:extLst>
+              <a:ext uri="{FF2B5EF4-FFF2-40B4-BE49-F238E27FC236}">
+                <a16:creationId xmlns:a16="http://schemas.microsoft.com/office/drawing/2014/main" id="{573E34A3-DC0D-7DCC-3962-EDD9B056E6A4}"/>
+              </a:ext>
+            </a:extLst>
+          </p:cNvPr>
+          <p:cNvSpPr/>
+          <p:nvPr/>
+        </p:nvSpPr>
+        <p:spPr>
+          <a:xfrm>
+            <a:off x="219602" y="4393528"/>
+            <a:ext cx="1751546" cy="928471"/>
+          </a:xfrm>
+          <a:prstGeom prst="wedgeRoundRectCallout">
+            <a:avLst>
+              <a:gd name="adj1" fmla="val 56184"/>
+              <a:gd name="adj2" fmla="val 78385"/>
+              <a:gd name="adj3" fmla="val 16667"/>
+            </a:avLst>
+          </a:prstGeom>
+          <a:solidFill>
+            <a:schemeClr val="accent2"/>
+          </a:solidFill>
+          <a:ln>
+            <a:noFill/>
+          </a:ln>
+        </p:spPr>
+        <p:style>
+          <a:lnRef idx="2">
+            <a:schemeClr val="accent1">
+              <a:shade val="15000"/>
+            </a:schemeClr>
+          </a:lnRef>
+          <a:fillRef idx="1">
+            <a:schemeClr val="accent1"/>
+          </a:fillRef>
+          <a:effectRef idx="0">
+            <a:schemeClr val="accent1"/>
+          </a:effectRef>
+          <a:fontRef idx="minor">
+            <a:schemeClr val="lt1"/>
+          </a:fontRef>
+        </p:style>
+        <p:txBody>
+          <a:bodyPr rtlCol="0" anchor="ctr"/>
+          <a:lstStyle/>
+          <a:p>
+            <a:pPr algn="ctr"/>
+            <a:r>
+              <a:rPr kumimoji="1" lang="ja-JP" altLang="en-US" sz="2400" b="1" dirty="0"/>
+              <a:t>ホスト</a:t>
+            </a:r>
+            <a:r>
+              <a:rPr kumimoji="1" lang="en-US" altLang="ja-JP" sz="2400" b="1" dirty="0"/>
+              <a:t>OS</a:t>
+            </a:r>
+          </a:p>
+          <a:p>
+            <a:pPr algn="ctr"/>
+            <a:r>
+              <a:rPr lang="ja-JP" altLang="en-US" sz="2400" b="1" dirty="0"/>
+              <a:t>なし</a:t>
+            </a:r>
+            <a:endParaRPr kumimoji="1" lang="ja-JP" altLang="en-US" sz="2400" b="1" dirty="0"/>
           </a:p>
         </p:txBody>
       </p:sp>
@@ -9569,30 +12296,146 @@
             <a:pPr lvl="2"/>
             <a:r>
               <a:rPr lang="ja-JP" altLang="en-US" dirty="0"/>
-              <a:t>見かけ上は独立した</a:t>
-            </a:r>
+              <a:t>コンテナ内に</a:t>
+            </a:r>
+            <a:r>
+              <a:rPr lang="en-US" altLang="ja-JP" b="1" dirty="0"/>
+              <a:t>OS</a:t>
+            </a:r>
+            <a:r>
+              <a:rPr lang="ja-JP" altLang="en-US" b="1" dirty="0"/>
+              <a:t>は存在しない </a:t>
+            </a:r>
+            <a:r>
+              <a:rPr lang="en-US" altLang="ja-JP" b="1" dirty="0"/>
+              <a:t>=&gt;</a:t>
+            </a:r>
+            <a:r>
+              <a:rPr lang="ja-JP" altLang="en-US" b="1" dirty="0"/>
+              <a:t> </a:t>
+            </a:r>
+            <a:r>
+              <a:rPr lang="ja-JP" altLang="en-US" sz="2400" b="1" dirty="0"/>
+              <a:t>軽量</a:t>
+            </a:r>
+            <a:endParaRPr lang="en-US" altLang="ja-JP" sz="2400" b="1" dirty="0"/>
+          </a:p>
+          <a:p>
+            <a:pPr lvl="1"/>
+            <a:r>
+              <a:rPr lang="ja-JP" altLang="en-US" dirty="0"/>
+              <a:t>各コンテナがホストのカーネル利用</a:t>
+            </a:r>
+            <a:endParaRPr lang="en-US" altLang="ja-JP" dirty="0"/>
+          </a:p>
+          <a:p>
+            <a:pPr lvl="1"/>
+            <a:r>
+              <a:rPr lang="ja-JP" altLang="en-US" dirty="0"/>
+              <a:t>立ち上げが</a:t>
+            </a:r>
+            <a:r>
+              <a:rPr lang="ja-JP" altLang="en-US" b="1" dirty="0"/>
+              <a:t>高速</a:t>
+            </a:r>
+            <a:endParaRPr lang="en-US" altLang="ja-JP" b="1" dirty="0"/>
+          </a:p>
+          <a:p>
+            <a:pPr lvl="2"/>
+            <a:endParaRPr lang="en-US" altLang="ja-JP" dirty="0"/>
+          </a:p>
+          <a:p>
+            <a:r>
+              <a:rPr kumimoji="1" lang="ja-JP" altLang="en-US" dirty="0"/>
+              <a:t>原理 </a:t>
+            </a:r>
+            <a:r>
+              <a:rPr kumimoji="1" lang="en-US" altLang="ja-JP" sz="1800" dirty="0"/>
+              <a:t>[x]</a:t>
+            </a:r>
+            <a:endParaRPr kumimoji="1" lang="en-US" altLang="ja-JP" sz="3600" dirty="0"/>
+          </a:p>
+          <a:p>
+            <a:pPr lvl="1"/>
             <a:r>
               <a:rPr lang="en-US" altLang="ja-JP" dirty="0"/>
-              <a:t>OS</a:t>
-            </a:r>
+              <a:t>Linux kernel </a:t>
+            </a:r>
+            <a:r>
+              <a:rPr lang="ja-JP" altLang="en-US" dirty="0"/>
+              <a:t>の </a:t>
+            </a:r>
+            <a:r>
+              <a:rPr lang="en-US" altLang="ja-JP" dirty="0"/>
+              <a:t>LXC</a:t>
+            </a:r>
+            <a:r>
+              <a:rPr lang="en-US" altLang="ja-JP" sz="2000" dirty="0"/>
+              <a:t>(</a:t>
+            </a:r>
+            <a:r>
+              <a:rPr lang="en-US" altLang="ja-JP" sz="2000" dirty="0" err="1"/>
+              <a:t>LinuX</a:t>
+            </a:r>
+            <a:r>
+              <a:rPr lang="en-US" altLang="ja-JP" sz="2000" dirty="0"/>
+              <a:t> Container) </a:t>
+            </a:r>
+            <a:endParaRPr lang="en-US" altLang="ja-JP" dirty="0"/>
+          </a:p>
+          <a:p>
+            <a:pPr lvl="2"/>
+            <a:r>
+              <a:rPr lang="ja-JP" altLang="en-US" dirty="0"/>
+              <a:t>プロセス，リソースを </a:t>
+            </a:r>
+            <a:r>
+              <a:rPr lang="en-US" altLang="ja-JP" dirty="0" err="1"/>
+              <a:t>cgroups</a:t>
+            </a:r>
+            <a:r>
+              <a:rPr lang="en-US" altLang="ja-JP" dirty="0"/>
+              <a:t> </a:t>
+            </a:r>
+            <a:r>
+              <a:rPr lang="ja-JP" altLang="en-US" dirty="0"/>
+              <a:t>と 名前空間</a:t>
+            </a:r>
+            <a:r>
+              <a:rPr lang="en-US" altLang="ja-JP" dirty="0"/>
+              <a:t>(namespace) </a:t>
+            </a:r>
+          </a:p>
+          <a:p>
+            <a:pPr lvl="2"/>
+            <a:r>
+              <a:rPr lang="ja-JP" altLang="en-US" dirty="0"/>
+              <a:t>ファイルシステムを</a:t>
+            </a:r>
+            <a:r>
+              <a:rPr lang="en-US" altLang="ja-JP" dirty="0"/>
+              <a:t>chroot</a:t>
+            </a:r>
+            <a:endParaRPr kumimoji="1" lang="en-US" altLang="ja-JP" dirty="0"/>
           </a:p>
           <a:p>
             <a:pPr lvl="1"/>
             <a:r>
+              <a:rPr lang="en-US" altLang="ja-JP" dirty="0"/>
+              <a:t>LXC</a:t>
+            </a:r>
+            <a:r>
               <a:rPr lang="ja-JP" altLang="en-US" dirty="0"/>
-              <a:t>実態は，ホスト</a:t>
+              <a:t>のラッパーである</a:t>
             </a:r>
             <a:r>
               <a:rPr lang="en-US" altLang="ja-JP" dirty="0"/>
-              <a:t>OS</a:t>
+              <a:t>LXD</a:t>
             </a:r>
             <a:r>
               <a:rPr lang="ja-JP" altLang="en-US" dirty="0"/>
-              <a:t>を各コンテナが利用</a:t>
-            </a:r>
-            <a:endParaRPr lang="en-US" altLang="ja-JP" dirty="0"/>
-          </a:p>
-          <a:p>
+              <a:t>も存在</a:t>
+            </a:r>
             <a:endParaRPr kumimoji="1" lang="ja-JP" altLang="en-US" dirty="0"/>
           </a:p>
         </p:txBody>
@@ -9651,6 +12494,113 @@
               </a:rPr>
               <a:t>コンテナとは？</a:t>
             </a:r>
+          </a:p>
+        </p:txBody>
+      </p:sp>
+      <p:sp>
+        <p:nvSpPr>
+          <p:cNvPr id="5" name="スライド番号プレースホルダー 4">
+            <a:extLst>
+              <a:ext uri="{FF2B5EF4-FFF2-40B4-BE49-F238E27FC236}">
+                <a16:creationId xmlns:a16="http://schemas.microsoft.com/office/drawing/2014/main" id="{848966E4-C42A-55D4-7A71-AA216C504122}"/>
+              </a:ext>
+            </a:extLst>
+          </p:cNvPr>
+          <p:cNvSpPr>
+            <a:spLocks noGrp="1"/>
+          </p:cNvSpPr>
+          <p:nvPr>
+            <p:ph type="sldNum" sz="quarter" idx="12"/>
+          </p:nvPr>
+        </p:nvSpPr>
+        <p:spPr/>
+        <p:txBody>
+          <a:bodyPr/>
+          <a:lstStyle/>
+          <a:p>
+            <a:fld id="{09FDC953-F94B-4BF6-9058-77E5342884D4}" type="slidenum">
+              <a:rPr kumimoji="1" lang="ja-JP" altLang="en-US" smtClean="0"/>
+              <a:t>6</a:t>
+            </a:fld>
+            <a:endParaRPr kumimoji="1" lang="ja-JP" altLang="en-US"/>
+          </a:p>
+        </p:txBody>
+      </p:sp>
+      <p:sp>
+        <p:nvSpPr>
+          <p:cNvPr id="6" name="テキスト ボックス 5">
+            <a:extLst>
+              <a:ext uri="{FF2B5EF4-FFF2-40B4-BE49-F238E27FC236}">
+                <a16:creationId xmlns:a16="http://schemas.microsoft.com/office/drawing/2014/main" id="{BEAA5471-5155-3E7A-871A-F4D83FA8B956}"/>
+              </a:ext>
+            </a:extLst>
+          </p:cNvPr>
+          <p:cNvSpPr txBox="1"/>
+          <p:nvPr/>
+        </p:nvSpPr>
+        <p:spPr>
+          <a:xfrm>
+            <a:off x="0" y="6581001"/>
+            <a:ext cx="11439525" cy="276999"/>
+          </a:xfrm>
+          <a:prstGeom prst="rect">
+            <a:avLst/>
+          </a:prstGeom>
+          <a:noFill/>
+        </p:spPr>
+        <p:txBody>
+          <a:bodyPr wrap="square" rtlCol="0">
+            <a:spAutoFit/>
+          </a:bodyPr>
+          <a:lstStyle/>
+          <a:p>
+            <a:r>
+              <a:rPr kumimoji="1" lang="en-US" altLang="ja-JP" sz="1200" dirty="0"/>
+              <a:t>[x]</a:t>
+            </a:r>
+            <a:r>
+              <a:rPr lang="en-US" altLang="ja-JP" sz="1200" dirty="0"/>
+              <a:t>:</a:t>
+            </a:r>
+            <a:r>
+              <a:rPr lang="ja-JP" altLang="en-US" sz="1200" dirty="0"/>
+              <a:t> 樋口大輔</a:t>
+            </a:r>
+            <a:r>
+              <a:rPr lang="en-US" altLang="ja-JP" sz="1200" dirty="0"/>
+              <a:t>, chroot </a:t>
+            </a:r>
+            <a:r>
+              <a:rPr lang="en-US" altLang="ja-JP" sz="1200" dirty="0" err="1"/>
+              <a:t>lxc</a:t>
+            </a:r>
+            <a:r>
+              <a:rPr lang="en-US" altLang="ja-JP" sz="1200" dirty="0"/>
+              <a:t> </a:t>
+            </a:r>
+            <a:r>
+              <a:rPr lang="ja-JP" altLang="en-US" sz="1200" dirty="0"/>
+              <a:t>そして </a:t>
+            </a:r>
+            <a:r>
+              <a:rPr lang="en-US" altLang="ja-JP" sz="1200" dirty="0"/>
+              <a:t>docker </a:t>
+            </a:r>
+            <a:r>
+              <a:rPr kumimoji="1" lang="en-US" altLang="ja-JP" sz="1200" dirty="0"/>
+              <a:t>, </a:t>
+            </a:r>
+            <a:r>
+              <a:rPr kumimoji="1" lang="en-US" altLang="ja-JP" sz="1200" dirty="0">
+                <a:hlinkClick r:id="rId2"/>
+              </a:rPr>
+              <a:t>https://www.creationline.com/tech-blog/5339</a:t>
+            </a:r>
+            <a:r>
+              <a:rPr kumimoji="1" lang="en-US" altLang="ja-JP" sz="1200" dirty="0"/>
+              <a:t>, 2024/05/27</a:t>
+            </a:r>
+            <a:endParaRPr kumimoji="1" lang="ja-JP" altLang="en-US" sz="1200" dirty="0"/>
           </a:p>
         </p:txBody>
       </p:sp>
@@ -9829,7 +12779,7 @@
           </a:fontRef>
         </p:style>
         <p:txBody>
-          <a:bodyPr rtlCol="0" anchor="ctr"/>
+          <a:bodyPr tIns="72000" rtlCol="0" anchor="ctr"/>
           <a:lstStyle/>
           <a:p>
             <a:pPr algn="ctr"/>
@@ -9888,7 +12838,7 @@
           </a:fontRef>
         </p:style>
         <p:txBody>
-          <a:bodyPr rtlCol="0" anchor="ctr"/>
+          <a:bodyPr tIns="72000" rtlCol="0" anchor="ctr"/>
           <a:lstStyle/>
           <a:p>
             <a:pPr algn="ctr"/>
@@ -9944,7 +12894,7 @@
           </a:fontRef>
         </p:style>
         <p:txBody>
-          <a:bodyPr rtlCol="0" anchor="ctr"/>
+          <a:bodyPr tIns="72000" rtlCol="0" anchor="ctr"/>
           <a:lstStyle/>
           <a:p>
             <a:pPr algn="ctr"/>
@@ -10000,7 +12950,7 @@
           </a:fontRef>
         </p:style>
         <p:txBody>
-          <a:bodyPr rtlCol="0" anchor="ctr"/>
+          <a:bodyPr tIns="72000" rtlCol="0" anchor="ctr"/>
           <a:lstStyle/>
           <a:p>
             <a:pPr algn="ctr"/>
@@ -10056,7 +13006,7 @@
           </a:fontRef>
         </p:style>
         <p:txBody>
-          <a:bodyPr rtlCol="0" anchor="ctr"/>
+          <a:bodyPr tIns="72000" rtlCol="0" anchor="ctr"/>
           <a:lstStyle/>
           <a:p>
             <a:pPr algn="ctr"/>
@@ -10112,7 +13062,7 @@
           </a:fontRef>
         </p:style>
         <p:txBody>
-          <a:bodyPr rtlCol="0" anchor="ctr"/>
+          <a:bodyPr tIns="72000" rtlCol="0" anchor="ctr"/>
           <a:lstStyle/>
           <a:p>
             <a:pPr algn="ctr"/>
@@ -10145,7 +13095,7 @@
             <a:avLst/>
           </a:prstGeom>
           <a:solidFill>
-            <a:srgbClr val="00B050"/>
+            <a:srgbClr val="FF0000"/>
           </a:solidFill>
           <a:ln>
             <a:noFill/>
@@ -10168,7 +13118,7 @@
           </a:fontRef>
         </p:style>
         <p:txBody>
-          <a:bodyPr rtlCol="0" anchor="ctr"/>
+          <a:bodyPr tIns="72000" rtlCol="0" anchor="ctr"/>
           <a:lstStyle/>
           <a:p>
             <a:pPr algn="ctr"/>
@@ -10232,7 +13182,7 @@
           </a:fontRef>
         </p:style>
         <p:txBody>
-          <a:bodyPr rtlCol="0" anchor="ctr"/>
+          <a:bodyPr tIns="72000" rtlCol="0" anchor="ctr"/>
           <a:lstStyle/>
           <a:p>
             <a:pPr algn="ctr"/>
@@ -10292,7 +13242,7 @@
           </a:fontRef>
         </p:style>
         <p:txBody>
-          <a:bodyPr rtlCol="0" anchor="ctr"/>
+          <a:bodyPr tIns="72000" rtlCol="0" anchor="ctr"/>
           <a:lstStyle/>
           <a:p>
             <a:pPr algn="ctr"/>
@@ -10352,7 +13302,7 @@
           </a:fontRef>
         </p:style>
         <p:txBody>
-          <a:bodyPr rtlCol="0" anchor="ctr"/>
+          <a:bodyPr tIns="72000" rtlCol="0" anchor="ctr"/>
           <a:lstStyle/>
           <a:p>
             <a:pPr algn="ctr"/>
@@ -10408,7 +13358,7 @@
           </a:fontRef>
         </p:style>
         <p:txBody>
-          <a:bodyPr rtlCol="0" anchor="ctr"/>
+          <a:bodyPr tIns="72000" rtlCol="0" anchor="ctr"/>
           <a:lstStyle/>
           <a:p>
             <a:pPr algn="ctr"/>
@@ -10464,7 +13414,7 @@
           </a:fontRef>
         </p:style>
         <p:txBody>
-          <a:bodyPr rtlCol="0" anchor="ctr"/>
+          <a:bodyPr tIns="72000" rtlCol="0" anchor="ctr"/>
           <a:lstStyle/>
           <a:p>
             <a:pPr algn="ctr"/>
@@ -10524,7 +13474,7 @@
           </a:fontRef>
         </p:style>
         <p:txBody>
-          <a:bodyPr rtlCol="0" anchor="ctr"/>
+          <a:bodyPr tIns="72000" rtlCol="0" anchor="ctr"/>
           <a:lstStyle/>
           <a:p>
             <a:pPr algn="ctr"/>
@@ -10584,7 +13534,7 @@
           </a:fontRef>
         </p:style>
         <p:txBody>
-          <a:bodyPr rtlCol="0" anchor="ctr"/>
+          <a:bodyPr tIns="72000" rtlCol="0" anchor="ctr"/>
           <a:lstStyle/>
           <a:p>
             <a:pPr algn="ctr"/>
@@ -10640,7 +13590,7 @@
           </a:fontRef>
         </p:style>
         <p:txBody>
-          <a:bodyPr rtlCol="0" anchor="ctr"/>
+          <a:bodyPr tIns="72000" rtlCol="0" anchor="ctr"/>
           <a:lstStyle/>
           <a:p>
             <a:pPr algn="ctr"/>
@@ -10723,6 +13673,35 @@
               <a:t>Container</a:t>
             </a:r>
             <a:endParaRPr kumimoji="1" lang="ja-JP" altLang="en-US" sz="3600" dirty="0"/>
+          </a:p>
+        </p:txBody>
+      </p:sp>
+      <p:sp>
+        <p:nvSpPr>
+          <p:cNvPr id="3" name="スライド番号プレースホルダー 2">
+            <a:extLst>
+              <a:ext uri="{FF2B5EF4-FFF2-40B4-BE49-F238E27FC236}">
+                <a16:creationId xmlns:a16="http://schemas.microsoft.com/office/drawing/2014/main" id="{531222BC-3885-FE6D-B355-8B95415472FD}"/>
+              </a:ext>
+            </a:extLst>
+          </p:cNvPr>
+          <p:cNvSpPr>
+            <a:spLocks noGrp="1"/>
+          </p:cNvSpPr>
+          <p:nvPr>
+            <p:ph type="sldNum" sz="quarter" idx="12"/>
+          </p:nvPr>
+        </p:nvSpPr>
+        <p:spPr/>
+        <p:txBody>
+          <a:bodyPr/>
+          <a:lstStyle/>
+          <a:p>
+            <a:fld id="{09FDC953-F94B-4BF6-9058-77E5342884D4}" type="slidenum">
+              <a:rPr kumimoji="1" lang="ja-JP" altLang="en-US" smtClean="0"/>
+              <a:t>7</a:t>
+            </a:fld>
+            <a:endParaRPr kumimoji="1" lang="ja-JP" altLang="en-US"/>
           </a:p>
         </p:txBody>
       </p:sp>
@@ -10823,6 +13802,35 @@
           </a:p>
         </p:txBody>
       </p:sp>
+      <p:sp>
+        <p:nvSpPr>
+          <p:cNvPr id="3" name="スライド番号プレースホルダー 2">
+            <a:extLst>
+              <a:ext uri="{FF2B5EF4-FFF2-40B4-BE49-F238E27FC236}">
+                <a16:creationId xmlns:a16="http://schemas.microsoft.com/office/drawing/2014/main" id="{9664229E-803A-E558-BEA4-09F7F996F52C}"/>
+              </a:ext>
+            </a:extLst>
+          </p:cNvPr>
+          <p:cNvSpPr>
+            <a:spLocks noGrp="1"/>
+          </p:cNvSpPr>
+          <p:nvPr>
+            <p:ph type="sldNum" sz="quarter" idx="12"/>
+          </p:nvPr>
+        </p:nvSpPr>
+        <p:spPr/>
+        <p:txBody>
+          <a:bodyPr/>
+          <a:lstStyle/>
+          <a:p>
+            <a:fld id="{09FDC953-F94B-4BF6-9058-77E5342884D4}" type="slidenum">
+              <a:rPr kumimoji="1" lang="ja-JP" altLang="en-US" smtClean="0"/>
+              <a:t>8</a:t>
+            </a:fld>
+            <a:endParaRPr kumimoji="1" lang="ja-JP" altLang="en-US"/>
+          </a:p>
+        </p:txBody>
+      </p:sp>
     </p:spTree>
     <p:extLst>
       <p:ext uri="{BB962C8B-B14F-4D97-AF65-F5344CB8AC3E}">
@@ -11176,9 +14184,48 @@
             </a:r>
             <a:r>
               <a:rPr kumimoji="1" lang="en-US" altLang="ja-JP" sz="1200" dirty="0"/>
-              <a:t>Use containers to Build, Share and Run your applications, docker, https://www.docker.com/resources/what-container/</a:t>
+              <a:t>docker, Use containers to Build, Share and Run your applications, </a:t>
+            </a:r>
+            <a:r>
+              <a:rPr kumimoji="1" lang="en-US" altLang="ja-JP" sz="1200" dirty="0">
+                <a:hlinkClick r:id="rId2"/>
+              </a:rPr>
+              <a:t>https://www.docker.com/resources/what-container/</a:t>
+            </a:r>
+            <a:r>
+              <a:rPr kumimoji="1" lang="en-US" altLang="ja-JP" sz="1200" dirty="0"/>
+              <a:t>, 2024/05/27</a:t>
             </a:r>
             <a:endParaRPr kumimoji="1" lang="ja-JP" altLang="en-US" sz="1200" dirty="0"/>
+          </a:p>
+        </p:txBody>
+      </p:sp>
+      <p:sp>
+        <p:nvSpPr>
+          <p:cNvPr id="6" name="スライド番号プレースホルダー 5">
+            <a:extLst>
+              <a:ext uri="{FF2B5EF4-FFF2-40B4-BE49-F238E27FC236}">
+                <a16:creationId xmlns:a16="http://schemas.microsoft.com/office/drawing/2014/main" id="{1EF441D7-D762-EA79-B75E-D8D5BC44EDFF}"/>
+              </a:ext>
+            </a:extLst>
+          </p:cNvPr>
+          <p:cNvSpPr>
+            <a:spLocks noGrp="1"/>
+          </p:cNvSpPr>
+          <p:nvPr>
+            <p:ph type="sldNum" sz="quarter" idx="12"/>
+          </p:nvPr>
+        </p:nvSpPr>
+        <p:spPr/>
+        <p:txBody>
+          <a:bodyPr/>
+          <a:lstStyle/>
+          <a:p>
+            <a:fld id="{09FDC953-F94B-4BF6-9058-77E5342884D4}" type="slidenum">
+              <a:rPr kumimoji="1" lang="ja-JP" altLang="en-US" smtClean="0"/>
+              <a:t>9</a:t>
+            </a:fld>
+            <a:endParaRPr kumimoji="1" lang="ja-JP" altLang="en-US" dirty="0"/>
           </a:p>
         </p:txBody>
       </p:sp>

--- a/docker-container.pptx
+++ b/docker-container.pptx
@@ -5,10 +5,10 @@
     <p:sldMasterId id="2147483648" r:id="rId1"/>
   </p:sldMasterIdLst>
   <p:notesMasterIdLst>
-    <p:notesMasterId r:id="rId28"/>
+    <p:notesMasterId r:id="rId30"/>
   </p:notesMasterIdLst>
   <p:handoutMasterIdLst>
-    <p:handoutMasterId r:id="rId29"/>
+    <p:handoutMasterId r:id="rId31"/>
   </p:handoutMasterIdLst>
   <p:sldIdLst>
     <p:sldId id="256" r:id="rId2"/>
@@ -28,15 +28,17 @@
     <p:sldId id="275" r:id="rId16"/>
     <p:sldId id="271" r:id="rId17"/>
     <p:sldId id="272" r:id="rId18"/>
-    <p:sldId id="276" r:id="rId19"/>
-    <p:sldId id="268" r:id="rId20"/>
-    <p:sldId id="269" r:id="rId21"/>
-    <p:sldId id="270" r:id="rId22"/>
-    <p:sldId id="273" r:id="rId23"/>
-    <p:sldId id="279" r:id="rId24"/>
-    <p:sldId id="280" r:id="rId25"/>
-    <p:sldId id="277" r:id="rId26"/>
-    <p:sldId id="278" r:id="rId27"/>
+    <p:sldId id="282" r:id="rId19"/>
+    <p:sldId id="283" r:id="rId20"/>
+    <p:sldId id="276" r:id="rId21"/>
+    <p:sldId id="268" r:id="rId22"/>
+    <p:sldId id="269" r:id="rId23"/>
+    <p:sldId id="270" r:id="rId24"/>
+    <p:sldId id="273" r:id="rId25"/>
+    <p:sldId id="279" r:id="rId26"/>
+    <p:sldId id="280" r:id="rId27"/>
+    <p:sldId id="277" r:id="rId28"/>
+    <p:sldId id="278" r:id="rId29"/>
   </p:sldIdLst>
   <p:sldSz cx="12192000" cy="6858000"/>
   <p:notesSz cx="6858000" cy="9144000"/>
@@ -834,6 +836,90 @@
     <p:extLst>
       <p:ext uri="{BB962C8B-B14F-4D97-AF65-F5344CB8AC3E}">
         <p14:creationId xmlns:p14="http://schemas.microsoft.com/office/powerpoint/2010/main" val="2885357676"/>
+      </p:ext>
+    </p:extLst>
+  </p:cSld>
+  <p:clrMapOvr>
+    <a:masterClrMapping/>
+  </p:clrMapOvr>
+</p:notes>
+</file>
+
+<file path=ppt/notesSlides/notesSlide3.xml><?xml version="1.0" encoding="utf-8"?>
+<p:notes xmlns:a="http://schemas.openxmlformats.org/drawingml/2006/main" xmlns:r="http://schemas.openxmlformats.org/officeDocument/2006/relationships" xmlns:p="http://schemas.openxmlformats.org/presentationml/2006/main">
+  <p:cSld>
+    <p:spTree>
+      <p:nvGrpSpPr>
+        <p:cNvPr id="1" name=""/>
+        <p:cNvGrpSpPr/>
+        <p:nvPr/>
+      </p:nvGrpSpPr>
+      <p:grpSpPr>
+        <a:xfrm>
+          <a:off x="0" y="0"/>
+          <a:ext cx="0" cy="0"/>
+          <a:chOff x="0" y="0"/>
+          <a:chExt cx="0" cy="0"/>
+        </a:xfrm>
+      </p:grpSpPr>
+      <p:sp>
+        <p:nvSpPr>
+          <p:cNvPr id="2" name="スライド イメージ プレースホルダー 1"/>
+          <p:cNvSpPr>
+            <a:spLocks noGrp="1" noRot="1" noChangeAspect="1"/>
+          </p:cNvSpPr>
+          <p:nvPr>
+            <p:ph type="sldImg"/>
+          </p:nvPr>
+        </p:nvSpPr>
+        <p:spPr/>
+      </p:sp>
+      <p:sp>
+        <p:nvSpPr>
+          <p:cNvPr id="3" name="ノート プレースホルダー 2"/>
+          <p:cNvSpPr>
+            <a:spLocks noGrp="1"/>
+          </p:cNvSpPr>
+          <p:nvPr>
+            <p:ph type="body" idx="1"/>
+          </p:nvPr>
+        </p:nvSpPr>
+        <p:spPr/>
+        <p:txBody>
+          <a:bodyPr/>
+          <a:lstStyle/>
+          <a:p>
+            <a:endParaRPr kumimoji="1" lang="ja-JP" altLang="en-US" dirty="0"/>
+          </a:p>
+        </p:txBody>
+      </p:sp>
+      <p:sp>
+        <p:nvSpPr>
+          <p:cNvPr id="4" name="スライド番号プレースホルダー 3"/>
+          <p:cNvSpPr>
+            <a:spLocks noGrp="1"/>
+          </p:cNvSpPr>
+          <p:nvPr>
+            <p:ph type="sldNum" sz="quarter" idx="5"/>
+          </p:nvPr>
+        </p:nvSpPr>
+        <p:spPr/>
+        <p:txBody>
+          <a:bodyPr/>
+          <a:lstStyle/>
+          <a:p>
+            <a:fld id="{F26EE981-7732-41D3-AB89-E4466479DA03}" type="slidenum">
+              <a:rPr kumimoji="1" lang="ja-JP" altLang="en-US" smtClean="0"/>
+              <a:t>16</a:t>
+            </a:fld>
+            <a:endParaRPr kumimoji="1" lang="ja-JP" altLang="en-US"/>
+          </a:p>
+        </p:txBody>
+      </p:sp>
+    </p:spTree>
+    <p:extLst>
+      <p:ext uri="{BB962C8B-B14F-4D97-AF65-F5344CB8AC3E}">
+        <p14:creationId xmlns:p14="http://schemas.microsoft.com/office/powerpoint/2010/main" val="2216463868"/>
       </p:ext>
     </p:extLst>
   </p:cSld>
@@ -5450,7 +5536,7 @@
         </p:blipFill>
         <p:spPr>
           <a:xfrm>
-            <a:off x="4268771" y="4617799"/>
+            <a:off x="2200172" y="4646318"/>
             <a:ext cx="914400" cy="914400"/>
           </a:xfrm>
           <a:prstGeom prst="rect">
@@ -5552,8 +5638,8 @@
         </p:nvCxnSpPr>
         <p:spPr>
           <a:xfrm>
-            <a:off x="5050437" y="5074999"/>
-            <a:ext cx="1764546" cy="0"/>
+            <a:off x="3114572" y="5072198"/>
+            <a:ext cx="3700411" cy="2801"/>
           </a:xfrm>
           <a:prstGeom prst="straightConnector1">
             <a:avLst/>
@@ -6610,35 +6696,7 @@
           <a:lstStyle/>
           <a:p>
             <a:r>
-              <a:rPr kumimoji="1" lang="ja-JP" altLang="en-US" dirty="0"/>
-              <a:t>用語</a:t>
-            </a:r>
-          </a:p>
-        </p:txBody>
-      </p:sp>
-      <p:sp>
-        <p:nvSpPr>
-          <p:cNvPr id="3" name="コンテンツ プレースホルダー 2">
-            <a:extLst>
-              <a:ext uri="{FF2B5EF4-FFF2-40B4-BE49-F238E27FC236}">
-                <a16:creationId xmlns:a16="http://schemas.microsoft.com/office/drawing/2014/main" id="{E1842FAB-83F8-8740-EA6D-D4B6CB48EB62}"/>
-              </a:ext>
-            </a:extLst>
-          </p:cNvPr>
-          <p:cNvSpPr>
-            <a:spLocks noGrp="1"/>
-          </p:cNvSpPr>
-          <p:nvPr>
-            <p:ph idx="1"/>
-          </p:nvPr>
-        </p:nvSpPr>
-        <p:spPr/>
-        <p:txBody>
-          <a:bodyPr/>
-          <a:lstStyle/>
-          <a:p>
-            <a:r>
-              <a:rPr kumimoji="1" lang="en-US" altLang="ja-JP" i="1" dirty="0" err="1">
+              <a:rPr kumimoji="1" lang="en-US" altLang="ja-JP" b="1" i="1" dirty="0" err="1">
                 <a:solidFill>
                   <a:schemeClr val="tx1">
                     <a:lumMod val="85000"/>
@@ -6648,7 +6706,7 @@
               </a:rPr>
               <a:t>Dockerfile</a:t>
             </a:r>
-            <a:endParaRPr kumimoji="1" lang="en-US" altLang="ja-JP" i="1" dirty="0">
+            <a:endParaRPr kumimoji="1" lang="en-US" altLang="ja-JP" b="1" i="1" dirty="0">
               <a:solidFill>
                 <a:schemeClr val="tx1">
                   <a:lumMod val="85000"/>
@@ -6656,6 +6714,35 @@
                 </a:schemeClr>
               </a:solidFill>
             </a:endParaRPr>
+          </a:p>
+        </p:txBody>
+      </p:sp>
+      <p:sp>
+        <p:nvSpPr>
+          <p:cNvPr id="3" name="コンテンツ プレースホルダー 2">
+            <a:extLst>
+              <a:ext uri="{FF2B5EF4-FFF2-40B4-BE49-F238E27FC236}">
+                <a16:creationId xmlns:a16="http://schemas.microsoft.com/office/drawing/2014/main" id="{E1842FAB-83F8-8740-EA6D-D4B6CB48EB62}"/>
+              </a:ext>
+            </a:extLst>
+          </p:cNvPr>
+          <p:cNvSpPr>
+            <a:spLocks noGrp="1"/>
+          </p:cNvSpPr>
+          <p:nvPr>
+            <p:ph idx="1"/>
+          </p:nvPr>
+        </p:nvSpPr>
+        <p:spPr/>
+        <p:txBody>
+          <a:bodyPr/>
+          <a:lstStyle/>
+          <a:p>
+            <a:r>
+              <a:rPr lang="ja-JP" altLang="en-US" dirty="0"/>
+              <a:t>概要</a:t>
+            </a:r>
+            <a:endParaRPr kumimoji="1" lang="en-US" altLang="ja-JP" dirty="0"/>
           </a:p>
           <a:p>
             <a:pPr lvl="1"/>
@@ -6977,9 +7064,17 @@
           <a:lstStyle/>
           <a:p>
             <a:r>
-              <a:rPr kumimoji="1" lang="ja-JP" altLang="en-US" dirty="0"/>
-              <a:t>用語</a:t>
-            </a:r>
+              <a:rPr kumimoji="1" lang="en-US" altLang="ja-JP" b="1" i="1" dirty="0" err="1">
+                <a:solidFill>
+                  <a:schemeClr val="tx1">
+                    <a:lumMod val="85000"/>
+                    <a:lumOff val="15000"/>
+                  </a:schemeClr>
+                </a:solidFill>
+              </a:rPr>
+              <a:t>Dockerfile</a:t>
+            </a:r>
+            <a:endParaRPr kumimoji="1" lang="ja-JP" altLang="en-US" dirty="0"/>
           </a:p>
         </p:txBody>
       </p:sp>
@@ -7005,28 +7100,10 @@
           <a:lstStyle/>
           <a:p>
             <a:r>
-              <a:rPr kumimoji="1" lang="en-US" altLang="ja-JP" i="1" dirty="0" err="1">
-                <a:solidFill>
-                  <a:schemeClr val="tx1">
-                    <a:lumMod val="85000"/>
-                    <a:lumOff val="15000"/>
-                  </a:schemeClr>
-                </a:solidFill>
-              </a:rPr>
-              <a:t>Dockerfile</a:t>
-            </a:r>
-            <a:endParaRPr kumimoji="1" lang="en-US" altLang="ja-JP" i="1" dirty="0">
-              <a:solidFill>
-                <a:schemeClr val="tx1">
-                  <a:lumMod val="85000"/>
-                  <a:lumOff val="15000"/>
-                </a:schemeClr>
-              </a:solidFill>
-            </a:endParaRPr>
-          </a:p>
-          <a:p>
-            <a:pPr lvl="1"/>
-            <a:endParaRPr kumimoji="1" lang="en-US" altLang="ja-JP" u="sng" dirty="0"/>
+              <a:rPr kumimoji="1" lang="ja-JP" altLang="en-US" dirty="0"/>
+              <a:t>具体例</a:t>
+            </a:r>
+            <a:endParaRPr kumimoji="1" lang="en-US" altLang="ja-JP" dirty="0"/>
           </a:p>
           <a:p>
             <a:pPr lvl="1"/>
@@ -7141,7 +7218,7 @@
         </p:nvSpPr>
         <p:spPr>
           <a:xfrm>
-            <a:off x="4500245" y="1016077"/>
+            <a:off x="4500245" y="834547"/>
             <a:ext cx="7472680" cy="5632311"/>
           </a:xfrm>
           <a:prstGeom prst="rect">
@@ -7995,6 +8072,72 @@
       </p:grpSpPr>
       <p:sp>
         <p:nvSpPr>
+          <p:cNvPr id="13" name="吹き出し: 角を丸めた四角形 12">
+            <a:extLst>
+              <a:ext uri="{FF2B5EF4-FFF2-40B4-BE49-F238E27FC236}">
+                <a16:creationId xmlns:a16="http://schemas.microsoft.com/office/drawing/2014/main" id="{D00DDEB2-2882-794B-05A6-64715960E9DC}"/>
+              </a:ext>
+            </a:extLst>
+          </p:cNvPr>
+          <p:cNvSpPr/>
+          <p:nvPr/>
+        </p:nvSpPr>
+        <p:spPr>
+          <a:xfrm>
+            <a:off x="6177917" y="4157472"/>
+            <a:ext cx="5748303" cy="1458952"/>
+          </a:xfrm>
+          <a:prstGeom prst="wedgeRoundRectCallout">
+            <a:avLst>
+              <a:gd name="adj1" fmla="val -58281"/>
+              <a:gd name="adj2" fmla="val -4574"/>
+              <a:gd name="adj3" fmla="val 16667"/>
+            </a:avLst>
+          </a:prstGeom>
+          <a:solidFill>
+            <a:schemeClr val="bg1">
+              <a:lumMod val="85000"/>
+            </a:schemeClr>
+          </a:solidFill>
+          <a:ln>
+            <a:noFill/>
+          </a:ln>
+        </p:spPr>
+        <p:style>
+          <a:lnRef idx="2">
+            <a:schemeClr val="accent1">
+              <a:shade val="15000"/>
+            </a:schemeClr>
+          </a:lnRef>
+          <a:fillRef idx="1">
+            <a:schemeClr val="accent1"/>
+          </a:fillRef>
+          <a:effectRef idx="0">
+            <a:schemeClr val="accent1"/>
+          </a:effectRef>
+          <a:fontRef idx="minor">
+            <a:schemeClr val="lt1"/>
+          </a:fontRef>
+        </p:style>
+        <p:txBody>
+          <a:bodyPr rtlCol="0" anchor="ctr"/>
+          <a:lstStyle/>
+          <a:p>
+            <a:endParaRPr lang="ja-JP" altLang="en-US" sz="2000" b="0" dirty="0">
+              <a:solidFill>
+                <a:srgbClr val="CCCCCC"/>
+              </a:solidFill>
+              <a:effectLst/>
+              <a:highlight>
+                <a:srgbClr val="1F1F1F"/>
+              </a:highlight>
+              <a:latin typeface="Consolas" panose="020B0609020204030204" pitchFamily="49" charset="0"/>
+            </a:endParaRPr>
+          </a:p>
+        </p:txBody>
+      </p:sp>
+      <p:sp>
+        <p:nvSpPr>
           <p:cNvPr id="2" name="タイトル 1">
             <a:extLst>
               <a:ext uri="{FF2B5EF4-FFF2-40B4-BE49-F238E27FC236}">
@@ -8015,8 +8158,8 @@
           <a:lstStyle/>
           <a:p>
             <a:r>
-              <a:rPr kumimoji="1" lang="ja-JP" altLang="en-US" dirty="0"/>
-              <a:t>用語</a:t>
+              <a:rPr lang="en-US" altLang="ja-JP" b="1" i="1" dirty="0"/>
+              <a:t>image</a:t>
             </a:r>
           </a:p>
         </p:txBody>
@@ -8043,9 +8186,10 @@
           <a:lstStyle/>
           <a:p>
             <a:r>
-              <a:rPr lang="en-US" altLang="ja-JP" i="1" dirty="0"/>
-              <a:t>image</a:t>
-            </a:r>
+              <a:rPr lang="ja-JP" altLang="en-US" dirty="0"/>
+              <a:t>概要</a:t>
+            </a:r>
+            <a:endParaRPr lang="en-US" altLang="ja-JP" dirty="0"/>
           </a:p>
           <a:p>
             <a:pPr lvl="1"/>
@@ -8118,7 +8262,11 @@
             </a:r>
             <a:r>
               <a:rPr kumimoji="1" lang="ja-JP" altLang="en-US" b="1" dirty="0"/>
-              <a:t>ライブラリ，依存関係，ファイル</a:t>
+              <a:t>ライブラリ，依存関係</a:t>
+            </a:r>
+            <a:r>
+              <a:rPr lang="ja-JP" altLang="en-US" b="1" dirty="0"/>
+              <a:t> </a:t>
             </a:r>
             <a:r>
               <a:rPr kumimoji="1" lang="ja-JP" altLang="en-US" dirty="0"/>
@@ -8127,23 +8275,18 @@
             <a:endParaRPr kumimoji="1" lang="en-US" altLang="ja-JP" dirty="0"/>
           </a:p>
           <a:p>
-            <a:pPr lvl="1"/>
             <a:r>
               <a:rPr kumimoji="1" lang="ja-JP" altLang="en-US" dirty="0"/>
               <a:t>レイヤー構造</a:t>
             </a:r>
-            <a:endParaRPr kumimoji="1" lang="en-US" altLang="ja-JP" dirty="0"/>
+            <a:r>
+              <a:rPr kumimoji="1" lang="en-US" altLang="ja-JP" sz="2400" b="0" dirty="0"/>
+              <a:t>[y]</a:t>
+            </a:r>
+            <a:endParaRPr kumimoji="1" lang="en-US" altLang="ja-JP" b="0" dirty="0"/>
           </a:p>
           <a:p>
             <a:pPr lvl="2"/>
-            <a:r>
-              <a:rPr kumimoji="1" lang="ja-JP" altLang="en-US" dirty="0"/>
-              <a:t>ベースイメージに対する差分</a:t>
-            </a:r>
-            <a:r>
-              <a:rPr kumimoji="1" lang="en-US" altLang="ja-JP" sz="1800" dirty="0"/>
-              <a:t>(</a:t>
-            </a:r>
             <a:r>
               <a:rPr kumimoji="1" lang="en-US" altLang="ja-JP" sz="1800" dirty="0" err="1"/>
               <a:t>Dockerfile</a:t>
@@ -8153,12 +8296,24 @@
               <a:t>の各命令</a:t>
             </a:r>
             <a:r>
-              <a:rPr kumimoji="1" lang="en-US" altLang="ja-JP" sz="1800" dirty="0"/>
-              <a:t>)</a:t>
-            </a:r>
-            <a:r>
               <a:rPr kumimoji="1" lang="ja-JP" altLang="en-US" dirty="0"/>
-              <a:t>がレイヤーとして構築</a:t>
+              <a:t>が</a:t>
+            </a:r>
+            <a:r>
+              <a:rPr kumimoji="1" lang="en-US" altLang="ja-JP" dirty="0"/>
+              <a:t>1</a:t>
+            </a:r>
+            <a:r>
+              <a:rPr kumimoji="1" lang="ja-JP" altLang="en-US" dirty="0"/>
+              <a:t>つのレイヤーとして構築</a:t>
+            </a:r>
+            <a:endParaRPr kumimoji="1" lang="en-US" altLang="ja-JP" dirty="0"/>
+          </a:p>
+          <a:p>
+            <a:pPr lvl="2"/>
+            <a:r>
+              <a:rPr lang="ja-JP" altLang="en-US" dirty="0"/>
+              <a:t>キャッシュにより効率化</a:t>
             </a:r>
             <a:endParaRPr kumimoji="1" lang="en-US" altLang="ja-JP" dirty="0"/>
           </a:p>
@@ -8269,7 +8424,7 @@
         </p:nvSpPr>
         <p:spPr>
           <a:xfrm>
-            <a:off x="0" y="6581001"/>
+            <a:off x="0" y="6298335"/>
             <a:ext cx="11439525" cy="276999"/>
           </a:xfrm>
           <a:prstGeom prst="rect">
@@ -8296,16 +8451,16 @@
               <a:t> </a:t>
             </a:r>
             <a:r>
-              <a:rPr kumimoji="1" lang="en-US" altLang="ja-JP" sz="1200" dirty="0" err="1"/>
-              <a:t>aws</a:t>
+              <a:rPr lang="en-US" altLang="ja-JP" sz="1200" dirty="0"/>
+              <a:t>docker</a:t>
             </a:r>
             <a:r>
               <a:rPr kumimoji="1" lang="en-US" altLang="ja-JP" sz="1200" dirty="0"/>
-              <a:t>, Docker </a:t>
-            </a:r>
-            <a:r>
-              <a:rPr kumimoji="1" lang="ja-JP" altLang="en-US" sz="1200" dirty="0"/>
-              <a:t>イメージとコンテナの違い</a:t>
+              <a:t>,</a:t>
+            </a:r>
+            <a:r>
+              <a:rPr lang="ja-JP" altLang="en-US" sz="1200" dirty="0"/>
+              <a:t>レイヤー</a:t>
             </a:r>
             <a:r>
               <a:rPr kumimoji="1" lang="en-US" altLang="ja-JP" sz="1200" dirty="0"/>
@@ -8313,13 +8468,13 @@
             </a:r>
             <a:r>
               <a:rPr kumimoji="1" lang="en-US" altLang="ja-JP" sz="1200" dirty="0">
-                <a:hlinkClick r:id="rId2"/>
-              </a:rPr>
-              <a:t>https://aws.amazon.com/jp/compare/the-difference-between-docker-images-and-containers/</a:t>
+                <a:hlinkClick r:id="rId3"/>
+              </a:rPr>
+              <a:t>https://docs.docker.jp/build/guide/layers.html</a:t>
             </a:r>
             <a:r>
               <a:rPr kumimoji="1" lang="en-US" altLang="ja-JP" sz="1200" dirty="0"/>
-              <a:t>, 2024/05/20</a:t>
+              <a:t>, 2024/05/28</a:t>
             </a:r>
             <a:endParaRPr kumimoji="1" lang="ja-JP" altLang="en-US" sz="1200" dirty="0"/>
           </a:p>
@@ -8351,6 +8506,750 @@
               <a:t>16</a:t>
             </a:fld>
             <a:endParaRPr kumimoji="1" lang="ja-JP" altLang="en-US" dirty="0"/>
+          </a:p>
+        </p:txBody>
+      </p:sp>
+      <p:pic>
+        <p:nvPicPr>
+          <p:cNvPr id="7" name="グラフィックス 6" descr="バーコード 単色塗りつぶし">
+            <a:extLst>
+              <a:ext uri="{FF2B5EF4-FFF2-40B4-BE49-F238E27FC236}">
+                <a16:creationId xmlns:a16="http://schemas.microsoft.com/office/drawing/2014/main" id="{3DA4FEBC-B9E7-8EDC-7445-A537D213B264}"/>
+              </a:ext>
+            </a:extLst>
+          </p:cNvPr>
+          <p:cNvPicPr>
+            <a:picLocks noChangeAspect="1"/>
+          </p:cNvPicPr>
+          <p:nvPr/>
+        </p:nvPicPr>
+        <p:blipFill>
+          <a:blip r:embed="rId4">
+            <a:extLst>
+              <a:ext uri="{28A0092B-C50C-407E-A947-70E740481C1C}">
+                <a14:useLocalDpi xmlns:a14="http://schemas.microsoft.com/office/drawing/2010/main" val="0"/>
+              </a:ext>
+              <a:ext uri="{96DAC541-7B7A-43D3-8B79-37D633B846F1}">
+                <asvg:svgBlip xmlns:asvg="http://schemas.microsoft.com/office/drawing/2016/SVG/main" r:embed="rId5"/>
+              </a:ext>
+            </a:extLst>
+          </a:blip>
+          <a:stretch>
+            <a:fillRect/>
+          </a:stretch>
+        </p:blipFill>
+        <p:spPr>
+          <a:xfrm rot="5400000">
+            <a:off x="399197" y="4889012"/>
+            <a:ext cx="1143785" cy="1143785"/>
+          </a:xfrm>
+          <a:prstGeom prst="rect">
+            <a:avLst/>
+          </a:prstGeom>
+        </p:spPr>
+      </p:pic>
+      <p:sp>
+        <p:nvSpPr>
+          <p:cNvPr id="8" name="テキスト ボックス 7">
+            <a:extLst>
+              <a:ext uri="{FF2B5EF4-FFF2-40B4-BE49-F238E27FC236}">
+                <a16:creationId xmlns:a16="http://schemas.microsoft.com/office/drawing/2014/main" id="{470BB175-D79D-34E8-C9CF-24DC25CFA406}"/>
+              </a:ext>
+            </a:extLst>
+          </p:cNvPr>
+          <p:cNvSpPr txBox="1"/>
+          <p:nvPr/>
+        </p:nvSpPr>
+        <p:spPr>
+          <a:xfrm>
+            <a:off x="0" y="6047510"/>
+            <a:ext cx="11439525" cy="276999"/>
+          </a:xfrm>
+          <a:prstGeom prst="rect">
+            <a:avLst/>
+          </a:prstGeom>
+          <a:noFill/>
+        </p:spPr>
+        <p:txBody>
+          <a:bodyPr wrap="square" rtlCol="0">
+            <a:spAutoFit/>
+          </a:bodyPr>
+          <a:lstStyle/>
+          <a:p>
+            <a:r>
+              <a:rPr kumimoji="1" lang="en-US" altLang="ja-JP" sz="1200" dirty="0"/>
+              <a:t>[x]</a:t>
+            </a:r>
+            <a:r>
+              <a:rPr lang="en-US" altLang="ja-JP" sz="1200" dirty="0"/>
+              <a:t>:</a:t>
+            </a:r>
+            <a:r>
+              <a:rPr lang="ja-JP" altLang="en-US" sz="1200" dirty="0"/>
+              <a:t> </a:t>
+            </a:r>
+            <a:r>
+              <a:rPr kumimoji="1" lang="en-US" altLang="ja-JP" sz="1200" dirty="0" err="1"/>
+              <a:t>aws</a:t>
+            </a:r>
+            <a:r>
+              <a:rPr kumimoji="1" lang="en-US" altLang="ja-JP" sz="1200" dirty="0"/>
+              <a:t>, Docker </a:t>
+            </a:r>
+            <a:r>
+              <a:rPr kumimoji="1" lang="ja-JP" altLang="en-US" sz="1200" dirty="0"/>
+              <a:t>イメージとコンテナの違い</a:t>
+            </a:r>
+            <a:r>
+              <a:rPr kumimoji="1" lang="en-US" altLang="ja-JP" sz="1200" dirty="0"/>
+              <a:t>, </a:t>
+            </a:r>
+            <a:r>
+              <a:rPr kumimoji="1" lang="en-US" altLang="ja-JP" sz="1200" dirty="0">
+                <a:hlinkClick r:id="rId6"/>
+              </a:rPr>
+              <a:t>https://aws.amazon.com/jp/compare/the-difference-between-docker-images-and-containers/</a:t>
+            </a:r>
+            <a:r>
+              <a:rPr kumimoji="1" lang="en-US" altLang="ja-JP" sz="1200" dirty="0"/>
+              <a:t>, 2024/05/20</a:t>
+            </a:r>
+            <a:endParaRPr kumimoji="1" lang="ja-JP" altLang="en-US" sz="1200" dirty="0"/>
+          </a:p>
+        </p:txBody>
+      </p:sp>
+      <p:sp>
+        <p:nvSpPr>
+          <p:cNvPr id="9" name="吹き出し: 角を丸めた四角形 8">
+            <a:extLst>
+              <a:ext uri="{FF2B5EF4-FFF2-40B4-BE49-F238E27FC236}">
+                <a16:creationId xmlns:a16="http://schemas.microsoft.com/office/drawing/2014/main" id="{F5563257-B45E-8B15-4426-0624A8939BE4}"/>
+              </a:ext>
+            </a:extLst>
+          </p:cNvPr>
+          <p:cNvSpPr/>
+          <p:nvPr/>
+        </p:nvSpPr>
+        <p:spPr>
+          <a:xfrm>
+            <a:off x="2029677" y="4492501"/>
+            <a:ext cx="3598746" cy="519374"/>
+          </a:xfrm>
+          <a:prstGeom prst="wedgeRoundRectCallout">
+            <a:avLst>
+              <a:gd name="adj1" fmla="val -65738"/>
+              <a:gd name="adj2" fmla="val 43505"/>
+              <a:gd name="adj3" fmla="val 16667"/>
+            </a:avLst>
+          </a:prstGeom>
+          <a:solidFill>
+            <a:srgbClr val="1F1F1F"/>
+          </a:solidFill>
+          <a:ln>
+            <a:noFill/>
+          </a:ln>
+        </p:spPr>
+        <p:style>
+          <a:lnRef idx="2">
+            <a:schemeClr val="accent1">
+              <a:shade val="15000"/>
+            </a:schemeClr>
+          </a:lnRef>
+          <a:fillRef idx="1">
+            <a:schemeClr val="accent1"/>
+          </a:fillRef>
+          <a:effectRef idx="0">
+            <a:schemeClr val="accent1"/>
+          </a:effectRef>
+          <a:fontRef idx="minor">
+            <a:schemeClr val="lt1"/>
+          </a:fontRef>
+        </p:style>
+        <p:txBody>
+          <a:bodyPr rtlCol="0" anchor="ctr"/>
+          <a:lstStyle/>
+          <a:p>
+            <a:r>
+              <a:rPr lang="en-US" altLang="ja-JP" sz="2000" b="0" dirty="0">
+                <a:solidFill>
+                  <a:srgbClr val="C586C0"/>
+                </a:solidFill>
+                <a:effectLst/>
+                <a:highlight>
+                  <a:srgbClr val="1F1F1F"/>
+                </a:highlight>
+                <a:latin typeface="Consolas" panose="020B0609020204030204" pitchFamily="49" charset="0"/>
+              </a:rPr>
+              <a:t>FROM</a:t>
+            </a:r>
+            <a:r>
+              <a:rPr lang="ja-JP" altLang="en-US" sz="2000" b="0" dirty="0">
+                <a:solidFill>
+                  <a:srgbClr val="CCCCCC"/>
+                </a:solidFill>
+                <a:effectLst/>
+                <a:highlight>
+                  <a:srgbClr val="1F1F1F"/>
+                </a:highlight>
+                <a:latin typeface="Consolas" panose="020B0609020204030204" pitchFamily="49" charset="0"/>
+              </a:rPr>
+              <a:t> </a:t>
+            </a:r>
+            <a:r>
+              <a:rPr lang="en-US" altLang="ja-JP" sz="2000" b="0" dirty="0">
+                <a:solidFill>
+                  <a:srgbClr val="4EC9B0"/>
+                </a:solidFill>
+                <a:effectLst/>
+                <a:highlight>
+                  <a:srgbClr val="1F1F1F"/>
+                </a:highlight>
+                <a:latin typeface="Consolas" panose="020B0609020204030204" pitchFamily="49" charset="0"/>
+              </a:rPr>
+              <a:t>openjdk</a:t>
+            </a:r>
+            <a:r>
+              <a:rPr lang="en-US" altLang="ja-JP" sz="2000" b="0" dirty="0">
+                <a:solidFill>
+                  <a:srgbClr val="CCCCCC"/>
+                </a:solidFill>
+                <a:effectLst/>
+                <a:highlight>
+                  <a:srgbClr val="1F1F1F"/>
+                </a:highlight>
+                <a:latin typeface="Consolas" panose="020B0609020204030204" pitchFamily="49" charset="0"/>
+              </a:rPr>
+              <a:t>:</a:t>
+            </a:r>
+            <a:r>
+              <a:rPr lang="en-US" altLang="ja-JP" sz="2000" b="0" dirty="0">
+                <a:solidFill>
+                  <a:srgbClr val="9CDCFE"/>
+                </a:solidFill>
+                <a:effectLst/>
+                <a:highlight>
+                  <a:srgbClr val="1F1F1F"/>
+                </a:highlight>
+                <a:latin typeface="Consolas" panose="020B0609020204030204" pitchFamily="49" charset="0"/>
+              </a:rPr>
+              <a:t>17-jdk-slim</a:t>
+            </a:r>
+            <a:endParaRPr lang="ja-JP" altLang="en-US" sz="2000" b="0" dirty="0">
+              <a:solidFill>
+                <a:srgbClr val="CCCCCC"/>
+              </a:solidFill>
+              <a:effectLst/>
+              <a:highlight>
+                <a:srgbClr val="1F1F1F"/>
+              </a:highlight>
+              <a:latin typeface="Consolas" panose="020B0609020204030204" pitchFamily="49" charset="0"/>
+            </a:endParaRPr>
+          </a:p>
+        </p:txBody>
+      </p:sp>
+      <p:sp>
+        <p:nvSpPr>
+          <p:cNvPr id="10" name="吹き出し: 角を丸めた四角形 9">
+            <a:extLst>
+              <a:ext uri="{FF2B5EF4-FFF2-40B4-BE49-F238E27FC236}">
+                <a16:creationId xmlns:a16="http://schemas.microsoft.com/office/drawing/2014/main" id="{BD33C275-AB08-66B0-E54B-D4BB6B8649DB}"/>
+              </a:ext>
+            </a:extLst>
+          </p:cNvPr>
+          <p:cNvSpPr/>
+          <p:nvPr/>
+        </p:nvSpPr>
+        <p:spPr>
+          <a:xfrm>
+            <a:off x="2029677" y="5165088"/>
+            <a:ext cx="3446346" cy="519374"/>
+          </a:xfrm>
+          <a:prstGeom prst="wedgeRoundRectCallout">
+            <a:avLst>
+              <a:gd name="adj1" fmla="val -66832"/>
+              <a:gd name="adj2" fmla="val 4992"/>
+              <a:gd name="adj3" fmla="val 16667"/>
+            </a:avLst>
+          </a:prstGeom>
+          <a:solidFill>
+            <a:srgbClr val="1F1F1F"/>
+          </a:solidFill>
+          <a:ln>
+            <a:noFill/>
+          </a:ln>
+        </p:spPr>
+        <p:style>
+          <a:lnRef idx="2">
+            <a:schemeClr val="accent1">
+              <a:shade val="15000"/>
+            </a:schemeClr>
+          </a:lnRef>
+          <a:fillRef idx="1">
+            <a:schemeClr val="accent1"/>
+          </a:fillRef>
+          <a:effectRef idx="0">
+            <a:schemeClr val="accent1"/>
+          </a:effectRef>
+          <a:fontRef idx="minor">
+            <a:schemeClr val="lt1"/>
+          </a:fontRef>
+        </p:style>
+        <p:txBody>
+          <a:bodyPr rtlCol="0" anchor="ctr"/>
+          <a:lstStyle/>
+          <a:p>
+            <a:r>
+              <a:rPr lang="en-US" altLang="ja-JP" sz="2000" b="0" dirty="0">
+                <a:solidFill>
+                  <a:srgbClr val="C586C0"/>
+                </a:solidFill>
+                <a:effectLst/>
+                <a:highlight>
+                  <a:srgbClr val="1F1F1F"/>
+                </a:highlight>
+                <a:latin typeface="Consolas" panose="020B0609020204030204" pitchFamily="49" charset="0"/>
+              </a:rPr>
+              <a:t>COPY</a:t>
+            </a:r>
+            <a:r>
+              <a:rPr lang="ja-JP" altLang="en-US" sz="2000" b="0" dirty="0">
+                <a:solidFill>
+                  <a:srgbClr val="CCCCCC"/>
+                </a:solidFill>
+                <a:effectLst/>
+                <a:highlight>
+                  <a:srgbClr val="1F1F1F"/>
+                </a:highlight>
+                <a:latin typeface="Consolas" panose="020B0609020204030204" pitchFamily="49" charset="0"/>
+              </a:rPr>
+              <a:t> </a:t>
+            </a:r>
+            <a:r>
+              <a:rPr lang="en-US" altLang="ja-JP" sz="2000" b="0" dirty="0">
+                <a:solidFill>
+                  <a:srgbClr val="9CDCFE"/>
+                </a:solidFill>
+                <a:effectLst/>
+                <a:highlight>
+                  <a:srgbClr val="1F1F1F"/>
+                </a:highlight>
+                <a:latin typeface="Consolas" panose="020B0609020204030204" pitchFamily="49" charset="0"/>
+              </a:rPr>
+              <a:t>target/myapp.jar</a:t>
+            </a:r>
+            <a:r>
+              <a:rPr lang="ja-JP" altLang="en-US" sz="2000" b="0" dirty="0">
+                <a:solidFill>
+                  <a:srgbClr val="CCCCCC"/>
+                </a:solidFill>
+                <a:effectLst/>
+                <a:highlight>
+                  <a:srgbClr val="1F1F1F"/>
+                </a:highlight>
+                <a:latin typeface="Consolas" panose="020B0609020204030204" pitchFamily="49" charset="0"/>
+              </a:rPr>
+              <a:t> </a:t>
+            </a:r>
+            <a:r>
+              <a:rPr lang="en-US" altLang="ja-JP" sz="2000" b="0" dirty="0">
+                <a:solidFill>
+                  <a:srgbClr val="9CDCFE"/>
+                </a:solidFill>
+                <a:effectLst/>
+                <a:highlight>
+                  <a:srgbClr val="1F1F1F"/>
+                </a:highlight>
+                <a:latin typeface="Consolas" panose="020B0609020204030204" pitchFamily="49" charset="0"/>
+              </a:rPr>
+              <a:t>.</a:t>
+            </a:r>
+            <a:endParaRPr lang="ja-JP" altLang="en-US" sz="2000" b="0" dirty="0">
+              <a:solidFill>
+                <a:srgbClr val="CCCCCC"/>
+              </a:solidFill>
+              <a:effectLst/>
+              <a:highlight>
+                <a:srgbClr val="1F1F1F"/>
+              </a:highlight>
+              <a:latin typeface="Consolas" panose="020B0609020204030204" pitchFamily="49" charset="0"/>
+            </a:endParaRPr>
+          </a:p>
+        </p:txBody>
+      </p:sp>
+      <p:sp>
+        <p:nvSpPr>
+          <p:cNvPr id="11" name="テキスト ボックス 10">
+            <a:extLst>
+              <a:ext uri="{FF2B5EF4-FFF2-40B4-BE49-F238E27FC236}">
+                <a16:creationId xmlns:a16="http://schemas.microsoft.com/office/drawing/2014/main" id="{CE85D456-21BD-1B07-D0AC-A00F41D0AA4C}"/>
+              </a:ext>
+            </a:extLst>
+          </p:cNvPr>
+          <p:cNvSpPr txBox="1"/>
+          <p:nvPr/>
+        </p:nvSpPr>
+        <p:spPr>
+          <a:xfrm>
+            <a:off x="0" y="6556281"/>
+            <a:ext cx="11439525" cy="276999"/>
+          </a:xfrm>
+          <a:prstGeom prst="rect">
+            <a:avLst/>
+          </a:prstGeom>
+          <a:noFill/>
+        </p:spPr>
+        <p:txBody>
+          <a:bodyPr wrap="square" rtlCol="0">
+            <a:spAutoFit/>
+          </a:bodyPr>
+          <a:lstStyle/>
+          <a:p>
+            <a:r>
+              <a:rPr kumimoji="1" lang="en-US" altLang="ja-JP" sz="1200" dirty="0"/>
+              <a:t>[x]</a:t>
+            </a:r>
+            <a:r>
+              <a:rPr lang="en-US" altLang="ja-JP" sz="1200" dirty="0"/>
+              <a:t>: https://github.com/docker-library/openjdk/blob/41610205127c2a4f0af64f68b859726993503a89/17/jdk/slim-bullseye/Dockerfile</a:t>
+            </a:r>
+            <a:endParaRPr kumimoji="1" lang="ja-JP" altLang="en-US" sz="1200" dirty="0"/>
+          </a:p>
+        </p:txBody>
+      </p:sp>
+      <p:pic>
+        <p:nvPicPr>
+          <p:cNvPr id="12" name="グラフィックス 11" descr="バーコード 単色塗りつぶし">
+            <a:extLst>
+              <a:ext uri="{FF2B5EF4-FFF2-40B4-BE49-F238E27FC236}">
+                <a16:creationId xmlns:a16="http://schemas.microsoft.com/office/drawing/2014/main" id="{33A11EDB-431A-A72C-BBD2-20672A1B39AE}"/>
+              </a:ext>
+            </a:extLst>
+          </p:cNvPr>
+          <p:cNvPicPr>
+            <a:picLocks noChangeAspect="1"/>
+          </p:cNvPicPr>
+          <p:nvPr/>
+        </p:nvPicPr>
+        <p:blipFill>
+          <a:blip r:embed="rId7">
+            <a:extLst>
+              <a:ext uri="{28A0092B-C50C-407E-A947-70E740481C1C}">
+                <a14:useLocalDpi xmlns:a14="http://schemas.microsoft.com/office/drawing/2010/main" val="0"/>
+              </a:ext>
+              <a:ext uri="{96DAC541-7B7A-43D3-8B79-37D633B846F1}">
+                <asvg:svgBlip xmlns:asvg="http://schemas.microsoft.com/office/drawing/2016/SVG/main" r:embed="rId8"/>
+              </a:ext>
+            </a:extLst>
+          </a:blip>
+          <a:stretch>
+            <a:fillRect/>
+          </a:stretch>
+        </p:blipFill>
+        <p:spPr>
+          <a:xfrm rot="5400000">
+            <a:off x="6229878" y="4402826"/>
+            <a:ext cx="1143785" cy="1143785"/>
+          </a:xfrm>
+          <a:prstGeom prst="rect">
+            <a:avLst/>
+          </a:prstGeom>
+        </p:spPr>
+      </p:pic>
+      <p:sp>
+        <p:nvSpPr>
+          <p:cNvPr id="14" name="吹き出し: 角を丸めた四角形 13">
+            <a:extLst>
+              <a:ext uri="{FF2B5EF4-FFF2-40B4-BE49-F238E27FC236}">
+                <a16:creationId xmlns:a16="http://schemas.microsoft.com/office/drawing/2014/main" id="{E703AF7E-0298-4D27-70CF-77E5866E717D}"/>
+              </a:ext>
+            </a:extLst>
+          </p:cNvPr>
+          <p:cNvSpPr/>
+          <p:nvPr/>
+        </p:nvSpPr>
+        <p:spPr>
+          <a:xfrm>
+            <a:off x="7736924" y="4284702"/>
+            <a:ext cx="3874971" cy="519374"/>
+          </a:xfrm>
+          <a:prstGeom prst="wedgeRoundRectCallout">
+            <a:avLst>
+              <a:gd name="adj1" fmla="val -66367"/>
+              <a:gd name="adj2" fmla="val -2270"/>
+              <a:gd name="adj3" fmla="val 16667"/>
+            </a:avLst>
+          </a:prstGeom>
+          <a:solidFill>
+            <a:srgbClr val="1F1F1F"/>
+          </a:solidFill>
+          <a:ln>
+            <a:noFill/>
+          </a:ln>
+        </p:spPr>
+        <p:style>
+          <a:lnRef idx="2">
+            <a:schemeClr val="accent1">
+              <a:shade val="15000"/>
+            </a:schemeClr>
+          </a:lnRef>
+          <a:fillRef idx="1">
+            <a:schemeClr val="accent1"/>
+          </a:fillRef>
+          <a:effectRef idx="0">
+            <a:schemeClr val="accent1"/>
+          </a:effectRef>
+          <a:fontRef idx="minor">
+            <a:schemeClr val="lt1"/>
+          </a:fontRef>
+        </p:style>
+        <p:txBody>
+          <a:bodyPr rtlCol="0" anchor="ctr"/>
+          <a:lstStyle/>
+          <a:p>
+            <a:r>
+              <a:rPr lang="en-US" altLang="ja-JP" sz="2000" b="0" dirty="0">
+                <a:solidFill>
+                  <a:srgbClr val="C586C0"/>
+                </a:solidFill>
+                <a:effectLst/>
+                <a:highlight>
+                  <a:srgbClr val="1F1F1F"/>
+                </a:highlight>
+                <a:latin typeface="Consolas" panose="020B0609020204030204" pitchFamily="49" charset="0"/>
+              </a:rPr>
+              <a:t>FROM</a:t>
+            </a:r>
+            <a:r>
+              <a:rPr lang="ja-JP" altLang="en-US" sz="2000" b="0" dirty="0">
+                <a:solidFill>
+                  <a:srgbClr val="CCCCCC"/>
+                </a:solidFill>
+                <a:effectLst/>
+                <a:highlight>
+                  <a:srgbClr val="1F1F1F"/>
+                </a:highlight>
+                <a:latin typeface="Consolas" panose="020B0609020204030204" pitchFamily="49" charset="0"/>
+              </a:rPr>
+              <a:t> </a:t>
+            </a:r>
+            <a:r>
+              <a:rPr lang="en-US" altLang="ja-JP" sz="2000" b="0" dirty="0" err="1">
+                <a:solidFill>
+                  <a:srgbClr val="4EC9B0"/>
+                </a:solidFill>
+                <a:effectLst/>
+                <a:highlight>
+                  <a:srgbClr val="1F1F1F"/>
+                </a:highlight>
+                <a:latin typeface="Consolas" panose="020B0609020204030204" pitchFamily="49" charset="0"/>
+              </a:rPr>
+              <a:t>debian</a:t>
+            </a:r>
+            <a:r>
+              <a:rPr lang="en-US" altLang="ja-JP" sz="2000" b="0" dirty="0">
+                <a:solidFill>
+                  <a:srgbClr val="CCCCCC"/>
+                </a:solidFill>
+                <a:effectLst/>
+                <a:highlight>
+                  <a:srgbClr val="1F1F1F"/>
+                </a:highlight>
+                <a:latin typeface="Consolas" panose="020B0609020204030204" pitchFamily="49" charset="0"/>
+              </a:rPr>
+              <a:t>:</a:t>
+            </a:r>
+            <a:r>
+              <a:rPr lang="en-US" altLang="ja-JP" sz="2000" b="0" dirty="0">
+                <a:solidFill>
+                  <a:srgbClr val="9CDCFE"/>
+                </a:solidFill>
+                <a:effectLst/>
+                <a:highlight>
+                  <a:srgbClr val="1F1F1F"/>
+                </a:highlight>
+                <a:latin typeface="Consolas" panose="020B0609020204030204" pitchFamily="49" charset="0"/>
+              </a:rPr>
+              <a:t> bullseye-slim</a:t>
+            </a:r>
+            <a:endParaRPr lang="ja-JP" altLang="en-US" sz="2000" b="0" dirty="0">
+              <a:solidFill>
+                <a:srgbClr val="CCCCCC"/>
+              </a:solidFill>
+              <a:effectLst/>
+              <a:highlight>
+                <a:srgbClr val="1F1F1F"/>
+              </a:highlight>
+              <a:latin typeface="Consolas" panose="020B0609020204030204" pitchFamily="49" charset="0"/>
+            </a:endParaRPr>
+          </a:p>
+        </p:txBody>
+      </p:sp>
+      <p:sp>
+        <p:nvSpPr>
+          <p:cNvPr id="15" name="吹き出し: 角を丸めた四角形 14">
+            <a:extLst>
+              <a:ext uri="{FF2B5EF4-FFF2-40B4-BE49-F238E27FC236}">
+                <a16:creationId xmlns:a16="http://schemas.microsoft.com/office/drawing/2014/main" id="{AFEA41EB-C191-1E09-4948-DD06A4EA7D66}"/>
+              </a:ext>
+            </a:extLst>
+          </p:cNvPr>
+          <p:cNvSpPr/>
+          <p:nvPr/>
+        </p:nvSpPr>
+        <p:spPr>
+          <a:xfrm>
+            <a:off x="7779788" y="4953249"/>
+            <a:ext cx="3598746" cy="519374"/>
+          </a:xfrm>
+          <a:prstGeom prst="wedgeRoundRectCallout">
+            <a:avLst>
+              <a:gd name="adj1" fmla="val -68120"/>
+              <a:gd name="adj2" fmla="val 23332"/>
+              <a:gd name="adj3" fmla="val 16667"/>
+            </a:avLst>
+          </a:prstGeom>
+          <a:solidFill>
+            <a:srgbClr val="1F1F1F"/>
+          </a:solidFill>
+          <a:ln>
+            <a:noFill/>
+          </a:ln>
+        </p:spPr>
+        <p:style>
+          <a:lnRef idx="2">
+            <a:schemeClr val="accent1">
+              <a:shade val="15000"/>
+            </a:schemeClr>
+          </a:lnRef>
+          <a:fillRef idx="1">
+            <a:schemeClr val="accent1"/>
+          </a:fillRef>
+          <a:effectRef idx="0">
+            <a:schemeClr val="accent1"/>
+          </a:effectRef>
+          <a:fontRef idx="minor">
+            <a:schemeClr val="lt1"/>
+          </a:fontRef>
+        </p:style>
+        <p:txBody>
+          <a:bodyPr rtlCol="0" anchor="ctr"/>
+          <a:lstStyle/>
+          <a:p>
+            <a:r>
+              <a:rPr lang="en-US" altLang="ja-JP" sz="2000" b="0" dirty="0">
+                <a:solidFill>
+                  <a:srgbClr val="C586C0"/>
+                </a:solidFill>
+                <a:effectLst/>
+                <a:highlight>
+                  <a:srgbClr val="1F1F1F"/>
+                </a:highlight>
+                <a:latin typeface="Consolas" panose="020B0609020204030204" pitchFamily="49" charset="0"/>
+              </a:rPr>
+              <a:t>ENV</a:t>
+            </a:r>
+            <a:r>
+              <a:rPr lang="ja-JP" altLang="en-US" sz="2000" b="0" dirty="0">
+                <a:solidFill>
+                  <a:srgbClr val="CCCCCC"/>
+                </a:solidFill>
+                <a:effectLst/>
+                <a:highlight>
+                  <a:srgbClr val="1F1F1F"/>
+                </a:highlight>
+                <a:latin typeface="Consolas" panose="020B0609020204030204" pitchFamily="49" charset="0"/>
+              </a:rPr>
+              <a:t> </a:t>
+            </a:r>
+            <a:r>
+              <a:rPr lang="en-US" altLang="ja-JP" sz="2000" b="0" dirty="0">
+                <a:solidFill>
+                  <a:srgbClr val="9CDCFE"/>
+                </a:solidFill>
+                <a:effectLst/>
+                <a:highlight>
+                  <a:srgbClr val="1F1F1F"/>
+                </a:highlight>
+                <a:latin typeface="Consolas" panose="020B0609020204030204" pitchFamily="49" charset="0"/>
+              </a:rPr>
+              <a:t>JAVA_VERSION 17.0.1</a:t>
+            </a:r>
+            <a:endParaRPr lang="ja-JP" altLang="en-US" sz="2000" b="0" dirty="0">
+              <a:solidFill>
+                <a:srgbClr val="CCCCCC"/>
+              </a:solidFill>
+              <a:effectLst/>
+              <a:highlight>
+                <a:srgbClr val="1F1F1F"/>
+              </a:highlight>
+              <a:latin typeface="Consolas" panose="020B0609020204030204" pitchFamily="49" charset="0"/>
+            </a:endParaRPr>
+          </a:p>
+        </p:txBody>
+      </p:sp>
+      <p:sp>
+        <p:nvSpPr>
+          <p:cNvPr id="16" name="テキスト ボックス 15">
+            <a:extLst>
+              <a:ext uri="{FF2B5EF4-FFF2-40B4-BE49-F238E27FC236}">
+                <a16:creationId xmlns:a16="http://schemas.microsoft.com/office/drawing/2014/main" id="{F9E8ACB9-41E9-E3BD-489A-B442A01C06BE}"/>
+              </a:ext>
+            </a:extLst>
+          </p:cNvPr>
+          <p:cNvSpPr txBox="1"/>
+          <p:nvPr/>
+        </p:nvSpPr>
+        <p:spPr>
+          <a:xfrm>
+            <a:off x="6630712" y="5628046"/>
+            <a:ext cx="4981183" cy="461665"/>
+          </a:xfrm>
+          <a:prstGeom prst="rect">
+            <a:avLst/>
+          </a:prstGeom>
+          <a:noFill/>
+        </p:spPr>
+        <p:txBody>
+          <a:bodyPr wrap="square" rtlCol="0">
+            <a:spAutoFit/>
+          </a:bodyPr>
+          <a:lstStyle/>
+          <a:p>
+            <a:pPr algn="ctr"/>
+            <a:r>
+              <a:rPr lang="en-US" altLang="ja-JP" sz="2400" b="0" dirty="0">
+                <a:solidFill>
+                  <a:schemeClr val="tx1">
+                    <a:lumMod val="85000"/>
+                    <a:lumOff val="15000"/>
+                  </a:schemeClr>
+                </a:solidFill>
+                <a:effectLst/>
+                <a:latin typeface="Consolas" panose="020B0609020204030204" pitchFamily="49" charset="0"/>
+              </a:rPr>
+              <a:t>openjdk:17-jdk-slim</a:t>
+            </a:r>
+            <a:r>
+              <a:rPr lang="en-US" altLang="ja-JP" b="0" dirty="0">
+                <a:solidFill>
+                  <a:schemeClr val="tx1">
+                    <a:lumMod val="85000"/>
+                    <a:lumOff val="15000"/>
+                  </a:schemeClr>
+                </a:solidFill>
+                <a:effectLst/>
+                <a:latin typeface="Consolas" panose="020B0609020204030204" pitchFamily="49" charset="0"/>
+              </a:rPr>
+              <a:t>[x]</a:t>
+            </a:r>
+            <a:endParaRPr kumimoji="1" lang="ja-JP" altLang="en-US" sz="2400" b="1" i="1" dirty="0">
+              <a:solidFill>
+                <a:schemeClr val="tx1">
+                  <a:lumMod val="85000"/>
+                  <a:lumOff val="15000"/>
+                </a:schemeClr>
+              </a:solidFill>
+            </a:endParaRPr>
           </a:p>
         </p:txBody>
       </p:sp>
@@ -8406,8 +9305,12 @@
           <a:lstStyle/>
           <a:p>
             <a:r>
-              <a:rPr kumimoji="1" lang="ja-JP" altLang="en-US" dirty="0"/>
-              <a:t>用語</a:t>
+              <a:rPr lang="en-US" altLang="ja-JP" b="1" i="1" dirty="0">
+                <a:solidFill>
+                  <a:schemeClr val="accent2"/>
+                </a:solidFill>
+              </a:rPr>
+              <a:t>container</a:t>
             </a:r>
           </a:p>
         </p:txBody>
@@ -8644,10 +9547,24 @@
           <a:lstStyle/>
           <a:p>
             <a:r>
-              <a:rPr lang="ja-JP" altLang="en-US" dirty="0"/>
-              <a:t>応用 </a:t>
-            </a:r>
-            <a:endParaRPr kumimoji="1" lang="ja-JP" altLang="en-US" dirty="0"/>
+              <a:rPr lang="en-US" altLang="ja-JP" b="0" i="1" dirty="0">
+                <a:solidFill>
+                  <a:schemeClr val="tx1">
+                    <a:lumMod val="85000"/>
+                    <a:lumOff val="15000"/>
+                  </a:schemeClr>
+                </a:solidFill>
+              </a:rPr>
+              <a:t>Docker Hub</a:t>
+            </a:r>
+            <a:endParaRPr kumimoji="1" lang="en-US" altLang="ja-JP" b="0" i="1" dirty="0">
+              <a:solidFill>
+                <a:schemeClr val="tx1">
+                  <a:lumMod val="85000"/>
+                  <a:lumOff val="15000"/>
+                </a:schemeClr>
+              </a:solidFill>
+            </a:endParaRPr>
           </a:p>
         </p:txBody>
       </p:sp>
@@ -8673,32 +9590,150 @@
           <a:lstStyle/>
           <a:p>
             <a:r>
-              <a:rPr lang="en-US" altLang="ja-JP" i="1" dirty="0">
-                <a:solidFill>
-                  <a:schemeClr val="accent2"/>
-                </a:solidFill>
-              </a:rPr>
-              <a:t>compose</a:t>
-            </a:r>
+              <a:rPr kumimoji="1" lang="ja-JP" altLang="en-US" dirty="0"/>
+              <a:t>概要</a:t>
+            </a:r>
+            <a:endParaRPr kumimoji="1" lang="en-US" altLang="ja-JP" dirty="0"/>
           </a:p>
           <a:p>
             <a:pPr lvl="1"/>
             <a:r>
-              <a:rPr lang="ja-JP" altLang="en-US" i="1" dirty="0"/>
-              <a:t>複数のコンテナを定義し実行</a:t>
-            </a:r>
-            <a:endParaRPr lang="en-US" altLang="ja-JP" i="1" dirty="0"/>
+              <a:rPr lang="en-US" altLang="ja-JP" dirty="0"/>
+              <a:t>image </a:t>
+            </a:r>
+            <a:r>
+              <a:rPr lang="ja-JP" altLang="en-US" dirty="0"/>
+              <a:t>を保存，共有，配布するためのクラウドリポジトリ</a:t>
+            </a:r>
+            <a:endParaRPr kumimoji="1" lang="en-US" altLang="ja-JP" dirty="0"/>
+          </a:p>
+          <a:p>
+            <a:pPr lvl="2"/>
+            <a:r>
+              <a:rPr kumimoji="1" lang="ja-JP" altLang="en-US" dirty="0"/>
+              <a:t>似たシステム </a:t>
+            </a:r>
+            <a:r>
+              <a:rPr kumimoji="1" lang="en-US" altLang="ja-JP" dirty="0"/>
+              <a:t>: </a:t>
+            </a:r>
+            <a:r>
+              <a:rPr kumimoji="1" lang="en-US" altLang="ja-JP" dirty="0" err="1"/>
+              <a:t>github</a:t>
+            </a:r>
+            <a:r>
+              <a:rPr kumimoji="1" lang="en-US" altLang="ja-JP" dirty="0"/>
+              <a:t> </a:t>
+            </a:r>
+          </a:p>
+          <a:p>
+            <a:r>
+              <a:rPr lang="ja-JP" altLang="en-US" dirty="0"/>
+              <a:t>登録されている</a:t>
+            </a:r>
+            <a:r>
+              <a:rPr kumimoji="1" lang="en-US" altLang="ja-JP" dirty="0"/>
+              <a:t>image</a:t>
+            </a:r>
           </a:p>
           <a:p>
             <a:pPr lvl="1"/>
+            <a:r>
+              <a:rPr lang="ja-JP" altLang="en-US" dirty="0"/>
+              <a:t>個人でも登録が可能</a:t>
+            </a:r>
+            <a:endParaRPr lang="en-US" altLang="ja-JP" dirty="0"/>
+          </a:p>
+          <a:p>
+            <a:pPr lvl="1"/>
+            <a:r>
+              <a:rPr lang="ja-JP" altLang="en-US" dirty="0"/>
+              <a:t>用意したい環境に対して，様々な選択肢</a:t>
+            </a:r>
+            <a:endParaRPr lang="en-US" altLang="ja-JP" dirty="0"/>
+          </a:p>
+          <a:p>
+            <a:pPr marL="914400" lvl="2" indent="0">
+              <a:buNone/>
+            </a:pPr>
+            <a:r>
+              <a:rPr kumimoji="1" lang="ja-JP" altLang="en-US" dirty="0"/>
+              <a:t>例 </a:t>
+            </a:r>
+            <a:r>
+              <a:rPr kumimoji="1" lang="en-US" altLang="ja-JP" dirty="0"/>
+              <a:t>java</a:t>
+            </a:r>
+          </a:p>
+          <a:p>
+            <a:pPr lvl="2"/>
+            <a:r>
+              <a:rPr lang="en-US" altLang="ja-JP" dirty="0"/>
+              <a:t>o</a:t>
+            </a:r>
+            <a:r>
+              <a:rPr kumimoji="1" lang="en-US" altLang="ja-JP" dirty="0"/>
+              <a:t>pen-</a:t>
+            </a:r>
+            <a:r>
+              <a:rPr kumimoji="1" lang="en-US" altLang="ja-JP" dirty="0" err="1"/>
+              <a:t>jdk</a:t>
+            </a:r>
+            <a:r>
+              <a:rPr kumimoji="1" lang="en-US" altLang="ja-JP" dirty="0"/>
+              <a:t>(</a:t>
+            </a:r>
+            <a:r>
+              <a:rPr kumimoji="1" lang="ja-JP" altLang="en-US" dirty="0"/>
+              <a:t>非推奨 </a:t>
+            </a:r>
+            <a:r>
+              <a:rPr kumimoji="1" lang="en-US" altLang="ja-JP" dirty="0"/>
+              <a:t>: </a:t>
+            </a:r>
+            <a:r>
+              <a:rPr kumimoji="1" lang="en-US" altLang="ja-JP" dirty="0">
+                <a:hlinkClick r:id="rId2"/>
+              </a:rPr>
+              <a:t>https://hub.docker.com/_/openjdk</a:t>
+            </a:r>
+            <a:r>
+              <a:rPr kumimoji="1" lang="en-US" altLang="ja-JP" dirty="0"/>
+              <a:t> )</a:t>
+            </a:r>
+          </a:p>
+          <a:p>
+            <a:pPr lvl="2"/>
+            <a:r>
+              <a:rPr kumimoji="1" lang="en-US" altLang="ja-JP" dirty="0"/>
+              <a:t>Eclipse </a:t>
+            </a:r>
+            <a:r>
+              <a:rPr kumimoji="1" lang="en-US" altLang="ja-JP" dirty="0" err="1"/>
+              <a:t>temurin</a:t>
+            </a:r>
             <a:endParaRPr kumimoji="1" lang="en-US" altLang="ja-JP" dirty="0"/>
           </a:p>
           <a:p>
-            <a:pPr lvl="1"/>
+            <a:pPr lvl="2"/>
+            <a:r>
+              <a:rPr kumimoji="1" lang="en-US" altLang="ja-JP" dirty="0" err="1"/>
+              <a:t>Amazoncorretto</a:t>
+            </a:r>
             <a:endParaRPr kumimoji="1" lang="en-US" altLang="ja-JP" dirty="0"/>
           </a:p>
           <a:p>
-            <a:pPr lvl="1"/>
+            <a:pPr marL="914400" lvl="2" indent="0">
+              <a:buNone/>
+            </a:pPr>
+            <a:r>
+              <a:rPr lang="en-US" altLang="ja-JP" dirty="0"/>
+              <a:t>…</a:t>
+            </a:r>
+            <a:endParaRPr kumimoji="1" lang="en-US" altLang="ja-JP" dirty="0"/>
+          </a:p>
+          <a:p>
+            <a:pPr lvl="2"/>
             <a:endParaRPr kumimoji="1" lang="ja-JP" altLang="en-US" dirty="0"/>
           </a:p>
         </p:txBody>
@@ -8795,7 +9830,7 @@
           <p:cNvPr id="5" name="スライド番号プレースホルダー 4">
             <a:extLst>
               <a:ext uri="{FF2B5EF4-FFF2-40B4-BE49-F238E27FC236}">
-                <a16:creationId xmlns:a16="http://schemas.microsoft.com/office/drawing/2014/main" id="{EE7B5D00-9A47-276B-0C42-DA2386DDE732}"/>
+                <a16:creationId xmlns:a16="http://schemas.microsoft.com/office/drawing/2014/main" id="{1B4E10AD-19CD-4365-9BF0-6E6ECF7766EA}"/>
               </a:ext>
             </a:extLst>
           </p:cNvPr>
@@ -8819,10 +9854,57 @@
           </a:p>
         </p:txBody>
       </p:sp>
+      <p:pic>
+        <p:nvPicPr>
+          <p:cNvPr id="1028" name="Picture 4" descr="Github ロゴマーク - ダウンロード 無料のアイコン">
+            <a:extLst>
+              <a:ext uri="{FF2B5EF4-FFF2-40B4-BE49-F238E27FC236}">
+                <a16:creationId xmlns:a16="http://schemas.microsoft.com/office/drawing/2014/main" id="{0E6AC60F-9809-AB5E-EC2D-B4A74FFCB394}"/>
+              </a:ext>
+            </a:extLst>
+          </p:cNvPr>
+          <p:cNvPicPr>
+            <a:picLocks noChangeAspect="1" noChangeArrowheads="1"/>
+          </p:cNvPicPr>
+          <p:nvPr/>
+        </p:nvPicPr>
+        <p:blipFill>
+          <a:blip r:embed="rId3">
+            <a:extLst>
+              <a:ext uri="{28A0092B-C50C-407E-A947-70E740481C1C}">
+                <a14:useLocalDpi xmlns:a14="http://schemas.microsoft.com/office/drawing/2010/main" val="0"/>
+              </a:ext>
+            </a:extLst>
+          </a:blip>
+          <a:srcRect/>
+          <a:stretch>
+            <a:fillRect/>
+          </a:stretch>
+        </p:blipFill>
+        <p:spPr bwMode="auto">
+          <a:xfrm>
+            <a:off x="4667250" y="2505075"/>
+            <a:ext cx="295274" cy="295274"/>
+          </a:xfrm>
+          <a:prstGeom prst="rect">
+            <a:avLst/>
+          </a:prstGeom>
+          <a:noFill/>
+          <a:extLst>
+            <a:ext uri="{909E8E84-426E-40DD-AFC4-6F175D3DCCD1}">
+              <a14:hiddenFill xmlns:a14="http://schemas.microsoft.com/office/drawing/2010/main">
+                <a:solidFill>
+                  <a:srgbClr val="FFFFFF"/>
+                </a:solidFill>
+              </a14:hiddenFill>
+            </a:ext>
+          </a:extLst>
+        </p:spPr>
+      </p:pic>
     </p:spTree>
     <p:extLst>
       <p:ext uri="{BB962C8B-B14F-4D97-AF65-F5344CB8AC3E}">
-        <p14:creationId xmlns:p14="http://schemas.microsoft.com/office/powerpoint/2010/main" val="1999871199"/>
+        <p14:creationId xmlns:p14="http://schemas.microsoft.com/office/powerpoint/2010/main" val="2995369728"/>
       </p:ext>
     </p:extLst>
   </p:cSld>
@@ -8835,14 +9917,6 @@
 <file path=ppt/slides/slide19.xml><?xml version="1.0" encoding="utf-8"?>
 <p:sld xmlns:a="http://schemas.openxmlformats.org/drawingml/2006/main" xmlns:r="http://schemas.openxmlformats.org/officeDocument/2006/relationships" xmlns:p="http://schemas.openxmlformats.org/presentationml/2006/main">
   <p:cSld>
-    <p:bg>
-      <p:bgPr>
-        <a:solidFill>
-          <a:schemeClr val="accent1"/>
-        </a:solidFill>
-        <a:effectLst/>
-      </p:bgPr>
-    </p:bg>
     <p:spTree>
       <p:nvGrpSpPr>
         <p:cNvPr id="1" name=""/>
@@ -8859,10 +9933,66 @@
       </p:grpSpPr>
       <p:sp>
         <p:nvSpPr>
-          <p:cNvPr id="2" name="テキスト ボックス 1">
-            <a:extLst>
-              <a:ext uri="{FF2B5EF4-FFF2-40B4-BE49-F238E27FC236}">
-                <a16:creationId xmlns:a16="http://schemas.microsoft.com/office/drawing/2014/main" id="{463D0785-186A-FC28-9B7A-5D2B59539000}"/>
+          <p:cNvPr id="68" name="四角形: 角を丸くする 67">
+            <a:extLst>
+              <a:ext uri="{FF2B5EF4-FFF2-40B4-BE49-F238E27FC236}">
+                <a16:creationId xmlns:a16="http://schemas.microsoft.com/office/drawing/2014/main" id="{F8679294-8BA0-68BE-041D-526151EA7EC1}"/>
+              </a:ext>
+            </a:extLst>
+          </p:cNvPr>
+          <p:cNvSpPr/>
+          <p:nvPr/>
+        </p:nvSpPr>
+        <p:spPr>
+          <a:xfrm>
+            <a:off x="3683512" y="1774926"/>
+            <a:ext cx="5008204" cy="4168878"/>
+          </a:xfrm>
+          <a:prstGeom prst="roundRect">
+            <a:avLst>
+              <a:gd name="adj" fmla="val 9705"/>
+            </a:avLst>
+          </a:prstGeom>
+          <a:solidFill>
+            <a:schemeClr val="bg1">
+              <a:lumMod val="95000"/>
+            </a:schemeClr>
+          </a:solidFill>
+          <a:ln>
+            <a:noFill/>
+          </a:ln>
+        </p:spPr>
+        <p:style>
+          <a:lnRef idx="2">
+            <a:schemeClr val="accent1">
+              <a:shade val="15000"/>
+            </a:schemeClr>
+          </a:lnRef>
+          <a:fillRef idx="1">
+            <a:schemeClr val="accent1"/>
+          </a:fillRef>
+          <a:effectRef idx="0">
+            <a:schemeClr val="accent1"/>
+          </a:effectRef>
+          <a:fontRef idx="minor">
+            <a:schemeClr val="lt1"/>
+          </a:fontRef>
+        </p:style>
+        <p:txBody>
+          <a:bodyPr rtlCol="0" anchor="ctr"/>
+          <a:lstStyle/>
+          <a:p>
+            <a:pPr algn="ctr"/>
+            <a:endParaRPr kumimoji="1" lang="ja-JP" altLang="en-US" dirty="0"/>
+          </a:p>
+        </p:txBody>
+      </p:sp>
+      <p:sp>
+        <p:nvSpPr>
+          <p:cNvPr id="25" name="テキスト ボックス 24">
+            <a:extLst>
+              <a:ext uri="{FF2B5EF4-FFF2-40B4-BE49-F238E27FC236}">
+                <a16:creationId xmlns:a16="http://schemas.microsoft.com/office/drawing/2014/main" id="{79588B5D-39AB-3AC9-181B-65044AA75187}"/>
               </a:ext>
             </a:extLst>
           </p:cNvPr>
@@ -8871,8 +10001,8 @@
         </p:nvSpPr>
         <p:spPr>
           <a:xfrm>
-            <a:off x="504825" y="2438400"/>
-            <a:ext cx="11191875" cy="2123658"/>
+            <a:off x="7053072" y="3859053"/>
+            <a:ext cx="1769807" cy="461665"/>
           </a:xfrm>
           <a:prstGeom prst="rect">
             <a:avLst/>
@@ -8887,40 +10017,1096 @@
           <a:p>
             <a:pPr algn="ctr"/>
             <a:r>
-              <a:rPr lang="en-US" altLang="ja-JP" sz="6600" dirty="0">
-                <a:solidFill>
-                  <a:schemeClr val="bg1"/>
-                </a:solidFill>
-              </a:rPr>
-              <a:t>4.</a:t>
-            </a:r>
-          </a:p>
+              <a:rPr kumimoji="1" lang="en-US" altLang="ja-JP" sz="2400" dirty="0">
+                <a:solidFill>
+                  <a:srgbClr val="00B050"/>
+                </a:solidFill>
+                <a:latin typeface="Consolas" panose="020B0609020204030204" pitchFamily="49" charset="0"/>
+              </a:rPr>
+              <a:t>create</a:t>
+            </a:r>
+            <a:endParaRPr kumimoji="1" lang="ja-JP" altLang="en-US" sz="2400" dirty="0">
+              <a:solidFill>
+                <a:srgbClr val="00B050"/>
+              </a:solidFill>
+              <a:latin typeface="Congenial" panose="020F0502020204030204" pitchFamily="2" charset="0"/>
+            </a:endParaRPr>
+          </a:p>
+        </p:txBody>
+      </p:sp>
+      <p:cxnSp>
+        <p:nvCxnSpPr>
+          <p:cNvPr id="16" name="直線矢印コネクタ 15">
+            <a:extLst>
+              <a:ext uri="{FF2B5EF4-FFF2-40B4-BE49-F238E27FC236}">
+                <a16:creationId xmlns:a16="http://schemas.microsoft.com/office/drawing/2014/main" id="{6EBFE08F-7426-D5ED-B413-BB86A84E7329}"/>
+              </a:ext>
+            </a:extLst>
+          </p:cNvPr>
+          <p:cNvCxnSpPr>
+            <a:cxnSpLocks/>
+            <a:stCxn id="8" idx="1"/>
+            <a:endCxn id="23" idx="2"/>
+          </p:cNvCxnSpPr>
+          <p:nvPr/>
+        </p:nvCxnSpPr>
+        <p:spPr>
+          <a:xfrm flipH="1" flipV="1">
+            <a:off x="7268296" y="3427584"/>
+            <a:ext cx="8019" cy="1190215"/>
+          </a:xfrm>
+          <a:prstGeom prst="straightConnector1">
+            <a:avLst/>
+          </a:prstGeom>
+          <a:ln w="38100">
+            <a:solidFill>
+              <a:schemeClr val="accent4">
+                <a:lumMod val="50000"/>
+              </a:schemeClr>
+            </a:solidFill>
+            <a:prstDash val="sysDash"/>
+            <a:tailEnd type="triangle"/>
+          </a:ln>
+        </p:spPr>
+        <p:style>
+          <a:lnRef idx="2">
+            <a:schemeClr val="accent1"/>
+          </a:lnRef>
+          <a:fillRef idx="0">
+            <a:schemeClr val="accent1"/>
+          </a:fillRef>
+          <a:effectRef idx="1">
+            <a:schemeClr val="accent1"/>
+          </a:effectRef>
+          <a:fontRef idx="minor">
+            <a:schemeClr val="tx1"/>
+          </a:fontRef>
+        </p:style>
+      </p:cxnSp>
+      <p:sp>
+        <p:nvSpPr>
+          <p:cNvPr id="24" name="テキスト ボックス 23">
+            <a:extLst>
+              <a:ext uri="{FF2B5EF4-FFF2-40B4-BE49-F238E27FC236}">
+                <a16:creationId xmlns:a16="http://schemas.microsoft.com/office/drawing/2014/main" id="{AFF66212-69D4-55B2-0BFF-1546C87A4DA1}"/>
+              </a:ext>
+            </a:extLst>
+          </p:cNvPr>
+          <p:cNvSpPr txBox="1"/>
+          <p:nvPr/>
+        </p:nvSpPr>
+        <p:spPr>
+          <a:xfrm>
+            <a:off x="5045176" y="5099053"/>
+            <a:ext cx="1769807" cy="461665"/>
+          </a:xfrm>
+          <a:prstGeom prst="rect">
+            <a:avLst/>
+          </a:prstGeom>
+          <a:noFill/>
+        </p:spPr>
+        <p:txBody>
+          <a:bodyPr wrap="square" rtlCol="0">
+            <a:spAutoFit/>
+          </a:bodyPr>
+          <a:lstStyle/>
           <a:p>
             <a:pPr algn="ctr"/>
             <a:r>
-              <a:rPr kumimoji="1" lang="ja-JP" altLang="en-US" sz="6600" b="1" dirty="0">
-                <a:solidFill>
-                  <a:schemeClr val="bg1"/>
-                </a:solidFill>
-              </a:rPr>
-              <a:t>長所</a:t>
-            </a:r>
-            <a:r>
-              <a:rPr kumimoji="1" lang="en-US" altLang="ja-JP" sz="6600" b="1" dirty="0">
-                <a:solidFill>
-                  <a:schemeClr val="bg1"/>
-                </a:solidFill>
-              </a:rPr>
-              <a:t>/</a:t>
-            </a:r>
-            <a:r>
-              <a:rPr kumimoji="1" lang="ja-JP" altLang="en-US" sz="6600" b="1" dirty="0">
-                <a:solidFill>
-                  <a:schemeClr val="bg1"/>
-                </a:solidFill>
-              </a:rPr>
-              <a:t>短所</a:t>
-            </a:r>
+              <a:rPr kumimoji="1" lang="en-US" altLang="ja-JP" sz="2400" dirty="0">
+                <a:solidFill>
+                  <a:srgbClr val="00B050"/>
+                </a:solidFill>
+                <a:latin typeface="Consolas" panose="020B0609020204030204" pitchFamily="49" charset="0"/>
+              </a:rPr>
+              <a:t>build</a:t>
+            </a:r>
+            <a:endParaRPr kumimoji="1" lang="ja-JP" altLang="en-US" sz="2400" dirty="0">
+              <a:solidFill>
+                <a:srgbClr val="00B050"/>
+              </a:solidFill>
+              <a:latin typeface="Congenial" panose="020F0502020204030204" pitchFamily="2" charset="0"/>
+            </a:endParaRPr>
+          </a:p>
+        </p:txBody>
+      </p:sp>
+      <p:sp>
+        <p:nvSpPr>
+          <p:cNvPr id="2" name="タイトル 1">
+            <a:extLst>
+              <a:ext uri="{FF2B5EF4-FFF2-40B4-BE49-F238E27FC236}">
+                <a16:creationId xmlns:a16="http://schemas.microsoft.com/office/drawing/2014/main" id="{5D85131E-AB32-0C13-F928-0BC8C7E25614}"/>
+              </a:ext>
+            </a:extLst>
+          </p:cNvPr>
+          <p:cNvSpPr>
+            <a:spLocks noGrp="1"/>
+          </p:cNvSpPr>
+          <p:nvPr>
+            <p:ph type="title"/>
+          </p:nvPr>
+        </p:nvSpPr>
+        <p:spPr/>
+        <p:txBody>
+          <a:bodyPr/>
+          <a:lstStyle/>
+          <a:p>
+            <a:r>
+              <a:rPr lang="ja-JP" altLang="en-US" dirty="0"/>
+              <a:t>全体像</a:t>
+            </a:r>
+            <a:r>
+              <a:rPr lang="en-US" altLang="ja-JP" dirty="0"/>
+              <a:t>(</a:t>
+            </a:r>
+            <a:r>
+              <a:rPr lang="ja-JP" altLang="en-US" dirty="0"/>
+              <a:t>再掲</a:t>
+            </a:r>
+            <a:r>
+              <a:rPr lang="en-US" altLang="ja-JP" dirty="0"/>
+              <a:t>)</a:t>
+            </a:r>
+            <a:endParaRPr kumimoji="1" lang="ja-JP" altLang="en-US" dirty="0"/>
+          </a:p>
+        </p:txBody>
+      </p:sp>
+      <p:sp>
+        <p:nvSpPr>
+          <p:cNvPr id="4" name="テキスト ボックス 3">
+            <a:extLst>
+              <a:ext uri="{FF2B5EF4-FFF2-40B4-BE49-F238E27FC236}">
+                <a16:creationId xmlns:a16="http://schemas.microsoft.com/office/drawing/2014/main" id="{DA317149-12A0-92F9-65EE-02DF436B7134}"/>
+              </a:ext>
+            </a:extLst>
+          </p:cNvPr>
+          <p:cNvSpPr txBox="1"/>
+          <p:nvPr/>
+        </p:nvSpPr>
+        <p:spPr>
+          <a:xfrm>
+            <a:off x="76200" y="85725"/>
+            <a:ext cx="3676650" cy="369332"/>
+          </a:xfrm>
+          <a:prstGeom prst="rect">
+            <a:avLst/>
+          </a:prstGeom>
+          <a:noFill/>
+        </p:spPr>
+        <p:txBody>
+          <a:bodyPr wrap="square" rtlCol="0">
+            <a:spAutoFit/>
+          </a:bodyPr>
+          <a:lstStyle/>
+          <a:p>
+            <a:r>
+              <a:rPr kumimoji="1" lang="en-US" altLang="ja-JP" dirty="0"/>
+              <a:t> </a:t>
+            </a:r>
+            <a:r>
+              <a:rPr kumimoji="1" lang="en-US" altLang="ja-JP" b="1" dirty="0">
+                <a:solidFill>
+                  <a:schemeClr val="tx1">
+                    <a:lumMod val="85000"/>
+                    <a:lumOff val="15000"/>
+                  </a:schemeClr>
+                </a:solidFill>
+              </a:rPr>
+              <a:t>3. </a:t>
+            </a:r>
+            <a:r>
+              <a:rPr lang="ja-JP" altLang="en-US" b="1" dirty="0">
+                <a:solidFill>
+                  <a:schemeClr val="tx1">
+                    <a:lumMod val="85000"/>
+                    <a:lumOff val="15000"/>
+                  </a:schemeClr>
+                </a:solidFill>
+              </a:rPr>
+              <a:t>主要アーキテクチャ</a:t>
+            </a:r>
+            <a:endParaRPr kumimoji="1" lang="ja-JP" altLang="en-US" b="1" dirty="0">
+              <a:solidFill>
+                <a:schemeClr val="tx1">
+                  <a:lumMod val="85000"/>
+                  <a:lumOff val="15000"/>
+                </a:schemeClr>
+              </a:solidFill>
+            </a:endParaRPr>
+          </a:p>
+        </p:txBody>
+      </p:sp>
+      <p:pic>
+        <p:nvPicPr>
+          <p:cNvPr id="6" name="グラフィックス 5" descr="紙 単色塗りつぶし">
+            <a:extLst>
+              <a:ext uri="{FF2B5EF4-FFF2-40B4-BE49-F238E27FC236}">
+                <a16:creationId xmlns:a16="http://schemas.microsoft.com/office/drawing/2014/main" id="{13E792B6-9D26-9E88-DF6C-D8A282DF1798}"/>
+              </a:ext>
+            </a:extLst>
+          </p:cNvPr>
+          <p:cNvPicPr>
+            <a:picLocks noChangeAspect="1"/>
+          </p:cNvPicPr>
+          <p:nvPr/>
+        </p:nvPicPr>
+        <p:blipFill>
+          <a:blip r:embed="rId2">
+            <a:extLst>
+              <a:ext uri="{28A0092B-C50C-407E-A947-70E740481C1C}">
+                <a14:useLocalDpi xmlns:a14="http://schemas.microsoft.com/office/drawing/2010/main" val="0"/>
+              </a:ext>
+              <a:ext uri="{96DAC541-7B7A-43D3-8B79-37D633B846F1}">
+                <asvg:svgBlip xmlns:asvg="http://schemas.microsoft.com/office/drawing/2016/SVG/main" r:embed="rId3"/>
+              </a:ext>
+            </a:extLst>
+          </a:blip>
+          <a:stretch>
+            <a:fillRect/>
+          </a:stretch>
+        </p:blipFill>
+        <p:spPr>
+          <a:xfrm>
+            <a:off x="2200172" y="4646318"/>
+            <a:ext cx="914400" cy="914400"/>
+          </a:xfrm>
+          <a:prstGeom prst="rect">
+            <a:avLst/>
+          </a:prstGeom>
+        </p:spPr>
+      </p:pic>
+      <p:pic>
+        <p:nvPicPr>
+          <p:cNvPr id="8" name="グラフィックス 7" descr="バーコード 単色塗りつぶし">
+            <a:extLst>
+              <a:ext uri="{FF2B5EF4-FFF2-40B4-BE49-F238E27FC236}">
+                <a16:creationId xmlns:a16="http://schemas.microsoft.com/office/drawing/2014/main" id="{D35208EC-1ADA-51FE-8C31-598D21C04CF1}"/>
+              </a:ext>
+            </a:extLst>
+          </p:cNvPr>
+          <p:cNvPicPr>
+            <a:picLocks noChangeAspect="1"/>
+          </p:cNvPicPr>
+          <p:nvPr/>
+        </p:nvPicPr>
+        <p:blipFill>
+          <a:blip r:embed="rId4">
+            <a:extLst>
+              <a:ext uri="{28A0092B-C50C-407E-A947-70E740481C1C}">
+                <a14:useLocalDpi xmlns:a14="http://schemas.microsoft.com/office/drawing/2010/main" val="0"/>
+              </a:ext>
+              <a:ext uri="{96DAC541-7B7A-43D3-8B79-37D633B846F1}">
+                <asvg:svgBlip xmlns:asvg="http://schemas.microsoft.com/office/drawing/2016/SVG/main" r:embed="rId5"/>
+              </a:ext>
+            </a:extLst>
+          </a:blip>
+          <a:stretch>
+            <a:fillRect/>
+          </a:stretch>
+        </p:blipFill>
+        <p:spPr>
+          <a:xfrm rot="5400000">
+            <a:off x="6819115" y="4617799"/>
+            <a:ext cx="914400" cy="914400"/>
+          </a:xfrm>
+          <a:prstGeom prst="rect">
+            <a:avLst/>
+          </a:prstGeom>
+        </p:spPr>
+      </p:pic>
+      <p:pic>
+        <p:nvPicPr>
+          <p:cNvPr id="10" name="グラフィックス 9" descr="箱 単色塗りつぶし">
+            <a:extLst>
+              <a:ext uri="{FF2B5EF4-FFF2-40B4-BE49-F238E27FC236}">
+                <a16:creationId xmlns:a16="http://schemas.microsoft.com/office/drawing/2014/main" id="{EB06DA94-531E-DC78-E400-8352C88161CF}"/>
+              </a:ext>
+            </a:extLst>
+          </p:cNvPr>
+          <p:cNvPicPr>
+            <a:picLocks noChangeAspect="1"/>
+          </p:cNvPicPr>
+          <p:nvPr/>
+        </p:nvPicPr>
+        <p:blipFill>
+          <a:blip r:embed="rId6">
+            <a:extLst>
+              <a:ext uri="{28A0092B-C50C-407E-A947-70E740481C1C}">
+                <a14:useLocalDpi xmlns:a14="http://schemas.microsoft.com/office/drawing/2010/main" val="0"/>
+              </a:ext>
+              <a:ext uri="{96DAC541-7B7A-43D3-8B79-37D633B846F1}">
+                <asvg:svgBlip xmlns:asvg="http://schemas.microsoft.com/office/drawing/2016/SVG/main" r:embed="rId7"/>
+              </a:ext>
+            </a:extLst>
+          </a:blip>
+          <a:stretch>
+            <a:fillRect/>
+          </a:stretch>
+        </p:blipFill>
+        <p:spPr>
+          <a:xfrm>
+            <a:off x="6814983" y="2055582"/>
+            <a:ext cx="914400" cy="914400"/>
+          </a:xfrm>
+          <a:prstGeom prst="rect">
+            <a:avLst/>
+          </a:prstGeom>
+        </p:spPr>
+      </p:pic>
+      <p:cxnSp>
+        <p:nvCxnSpPr>
+          <p:cNvPr id="12" name="直線矢印コネクタ 11">
+            <a:extLst>
+              <a:ext uri="{FF2B5EF4-FFF2-40B4-BE49-F238E27FC236}">
+                <a16:creationId xmlns:a16="http://schemas.microsoft.com/office/drawing/2014/main" id="{7F4B8E29-AF61-0C13-C4C3-B588CA75C850}"/>
+              </a:ext>
+            </a:extLst>
+          </p:cNvPr>
+          <p:cNvCxnSpPr>
+            <a:cxnSpLocks/>
+          </p:cNvCxnSpPr>
+          <p:nvPr/>
+        </p:nvCxnSpPr>
+        <p:spPr>
+          <a:xfrm>
+            <a:off x="3114572" y="5072198"/>
+            <a:ext cx="3700411" cy="2801"/>
+          </a:xfrm>
+          <a:prstGeom prst="straightConnector1">
+            <a:avLst/>
+          </a:prstGeom>
+          <a:ln w="38100">
+            <a:solidFill>
+              <a:schemeClr val="accent4">
+                <a:lumMod val="50000"/>
+              </a:schemeClr>
+            </a:solidFill>
+            <a:prstDash val="sysDash"/>
+            <a:tailEnd type="triangle"/>
+          </a:ln>
+        </p:spPr>
+        <p:style>
+          <a:lnRef idx="2">
+            <a:schemeClr val="accent1"/>
+          </a:lnRef>
+          <a:fillRef idx="0">
+            <a:schemeClr val="accent1"/>
+          </a:fillRef>
+          <a:effectRef idx="1">
+            <a:schemeClr val="accent1"/>
+          </a:effectRef>
+          <a:fontRef idx="minor">
+            <a:schemeClr val="tx1"/>
+          </a:fontRef>
+        </p:style>
+      </p:cxnSp>
+      <p:sp>
+        <p:nvSpPr>
+          <p:cNvPr id="13" name="テキスト ボックス 12">
+            <a:extLst>
+              <a:ext uri="{FF2B5EF4-FFF2-40B4-BE49-F238E27FC236}">
+                <a16:creationId xmlns:a16="http://schemas.microsoft.com/office/drawing/2014/main" id="{68FDA3FA-55BF-4FEE-99FC-93A8BB246755}"/>
+              </a:ext>
+            </a:extLst>
+          </p:cNvPr>
+          <p:cNvSpPr txBox="1"/>
+          <p:nvPr/>
+        </p:nvSpPr>
+        <p:spPr>
+          <a:xfrm>
+            <a:off x="3841067" y="5482141"/>
+            <a:ext cx="1769807" cy="461665"/>
+          </a:xfrm>
+          <a:prstGeom prst="rect">
+            <a:avLst/>
+          </a:prstGeom>
+          <a:noFill/>
+        </p:spPr>
+        <p:txBody>
+          <a:bodyPr wrap="square" rtlCol="0">
+            <a:spAutoFit/>
+          </a:bodyPr>
+          <a:lstStyle/>
+          <a:p>
+            <a:pPr algn="ctr"/>
+            <a:r>
+              <a:rPr kumimoji="1" lang="en-US" altLang="ja-JP" sz="2400" b="1" i="1" dirty="0" err="1">
+                <a:solidFill>
+                  <a:schemeClr val="tx1">
+                    <a:lumMod val="85000"/>
+                    <a:lumOff val="15000"/>
+                  </a:schemeClr>
+                </a:solidFill>
+              </a:rPr>
+              <a:t>Dockerfile</a:t>
+            </a:r>
+            <a:endParaRPr kumimoji="1" lang="ja-JP" altLang="en-US" sz="2400" b="1" i="1" dirty="0">
+              <a:solidFill>
+                <a:schemeClr val="tx1">
+                  <a:lumMod val="85000"/>
+                  <a:lumOff val="15000"/>
+                </a:schemeClr>
+              </a:solidFill>
+            </a:endParaRPr>
+          </a:p>
+        </p:txBody>
+      </p:sp>
+      <p:sp>
+        <p:nvSpPr>
+          <p:cNvPr id="14" name="テキスト ボックス 13">
+            <a:extLst>
+              <a:ext uri="{FF2B5EF4-FFF2-40B4-BE49-F238E27FC236}">
+                <a16:creationId xmlns:a16="http://schemas.microsoft.com/office/drawing/2014/main" id="{C497DAAB-D8DE-0E2F-950A-D08DC919A272}"/>
+              </a:ext>
+            </a:extLst>
+          </p:cNvPr>
+          <p:cNvSpPr txBox="1"/>
+          <p:nvPr/>
+        </p:nvSpPr>
+        <p:spPr>
+          <a:xfrm>
+            <a:off x="6716319" y="5485468"/>
+            <a:ext cx="1119991" cy="461665"/>
+          </a:xfrm>
+          <a:prstGeom prst="rect">
+            <a:avLst/>
+          </a:prstGeom>
+          <a:noFill/>
+        </p:spPr>
+        <p:txBody>
+          <a:bodyPr wrap="square" rtlCol="0">
+            <a:spAutoFit/>
+          </a:bodyPr>
+          <a:lstStyle/>
+          <a:p>
+            <a:pPr algn="ctr"/>
+            <a:r>
+              <a:rPr kumimoji="1" lang="en-US" altLang="ja-JP" sz="2400" b="1" i="1" dirty="0">
+                <a:solidFill>
+                  <a:schemeClr val="accent1"/>
+                </a:solidFill>
+              </a:rPr>
+              <a:t>image</a:t>
+            </a:r>
+            <a:endParaRPr kumimoji="1" lang="ja-JP" altLang="en-US" sz="2400" b="1" i="1" dirty="0">
+              <a:solidFill>
+                <a:schemeClr val="accent1"/>
+              </a:solidFill>
+            </a:endParaRPr>
+          </a:p>
+        </p:txBody>
+      </p:sp>
+      <p:sp>
+        <p:nvSpPr>
+          <p:cNvPr id="23" name="テキスト ボックス 22">
+            <a:extLst>
+              <a:ext uri="{FF2B5EF4-FFF2-40B4-BE49-F238E27FC236}">
+                <a16:creationId xmlns:a16="http://schemas.microsoft.com/office/drawing/2014/main" id="{E5575524-4F72-806B-439E-4A5274123D60}"/>
+              </a:ext>
+            </a:extLst>
+          </p:cNvPr>
+          <p:cNvSpPr txBox="1"/>
+          <p:nvPr/>
+        </p:nvSpPr>
+        <p:spPr>
+          <a:xfrm>
+            <a:off x="6383392" y="2965919"/>
+            <a:ext cx="1769807" cy="461665"/>
+          </a:xfrm>
+          <a:prstGeom prst="rect">
+            <a:avLst/>
+          </a:prstGeom>
+          <a:noFill/>
+        </p:spPr>
+        <p:txBody>
+          <a:bodyPr wrap="square" rtlCol="0">
+            <a:spAutoFit/>
+          </a:bodyPr>
+          <a:lstStyle/>
+          <a:p>
+            <a:pPr algn="ctr"/>
+            <a:r>
+              <a:rPr kumimoji="1" lang="en-US" altLang="ja-JP" sz="2400" b="1" i="1" dirty="0">
+                <a:solidFill>
+                  <a:schemeClr val="accent2"/>
+                </a:solidFill>
+              </a:rPr>
+              <a:t>container</a:t>
+            </a:r>
+            <a:endParaRPr kumimoji="1" lang="ja-JP" altLang="en-US" sz="2400" b="1" i="1" dirty="0">
+              <a:solidFill>
+                <a:schemeClr val="accent2"/>
+              </a:solidFill>
+            </a:endParaRPr>
+          </a:p>
+        </p:txBody>
+      </p:sp>
+      <p:pic>
+        <p:nvPicPr>
+          <p:cNvPr id="43" name="グラフィックス 42" descr="開いた荷箱 単色塗りつぶし">
+            <a:extLst>
+              <a:ext uri="{FF2B5EF4-FFF2-40B4-BE49-F238E27FC236}">
+                <a16:creationId xmlns:a16="http://schemas.microsoft.com/office/drawing/2014/main" id="{4EE31D8E-2F89-B4F6-F220-C13C7F76AB92}"/>
+              </a:ext>
+            </a:extLst>
+          </p:cNvPr>
+          <p:cNvPicPr>
+            <a:picLocks noChangeAspect="1"/>
+          </p:cNvPicPr>
+          <p:nvPr/>
+        </p:nvPicPr>
+        <p:blipFill>
+          <a:blip r:embed="rId8">
+            <a:extLst>
+              <a:ext uri="{28A0092B-C50C-407E-A947-70E740481C1C}">
+                <a14:useLocalDpi xmlns:a14="http://schemas.microsoft.com/office/drawing/2010/main" val="0"/>
+              </a:ext>
+              <a:ext uri="{96DAC541-7B7A-43D3-8B79-37D633B846F1}">
+                <asvg:svgBlip xmlns:asvg="http://schemas.microsoft.com/office/drawing/2016/SVG/main" r:embed="rId9"/>
+              </a:ext>
+            </a:extLst>
+          </a:blip>
+          <a:stretch>
+            <a:fillRect/>
+          </a:stretch>
+        </p:blipFill>
+        <p:spPr>
+          <a:xfrm>
+            <a:off x="4268771" y="2055582"/>
+            <a:ext cx="914400" cy="914400"/>
+          </a:xfrm>
+          <a:prstGeom prst="rect">
+            <a:avLst/>
+          </a:prstGeom>
+        </p:spPr>
+      </p:pic>
+      <p:cxnSp>
+        <p:nvCxnSpPr>
+          <p:cNvPr id="44" name="直線矢印コネクタ 43">
+            <a:extLst>
+              <a:ext uri="{FF2B5EF4-FFF2-40B4-BE49-F238E27FC236}">
+                <a16:creationId xmlns:a16="http://schemas.microsoft.com/office/drawing/2014/main" id="{E66FA6B9-0488-A9E5-AAFD-13755D18E115}"/>
+              </a:ext>
+            </a:extLst>
+          </p:cNvPr>
+          <p:cNvCxnSpPr>
+            <a:cxnSpLocks/>
+          </p:cNvCxnSpPr>
+          <p:nvPr/>
+        </p:nvCxnSpPr>
+        <p:spPr>
+          <a:xfrm flipH="1">
+            <a:off x="5183171" y="2404630"/>
+            <a:ext cx="1631812" cy="0"/>
+          </a:xfrm>
+          <a:prstGeom prst="straightConnector1">
+            <a:avLst/>
+          </a:prstGeom>
+          <a:ln w="38100">
+            <a:solidFill>
+              <a:schemeClr val="accent4">
+                <a:lumMod val="50000"/>
+              </a:schemeClr>
+            </a:solidFill>
+            <a:prstDash val="sysDash"/>
+            <a:tailEnd type="triangle"/>
+          </a:ln>
+        </p:spPr>
+        <p:style>
+          <a:lnRef idx="2">
+            <a:schemeClr val="accent1"/>
+          </a:lnRef>
+          <a:fillRef idx="0">
+            <a:schemeClr val="accent1"/>
+          </a:fillRef>
+          <a:effectRef idx="1">
+            <a:schemeClr val="accent1"/>
+          </a:effectRef>
+          <a:fontRef idx="minor">
+            <a:schemeClr val="tx1"/>
+          </a:fontRef>
+        </p:style>
+      </p:cxnSp>
+      <p:sp>
+        <p:nvSpPr>
+          <p:cNvPr id="49" name="テキスト ボックス 48">
+            <a:extLst>
+              <a:ext uri="{FF2B5EF4-FFF2-40B4-BE49-F238E27FC236}">
+                <a16:creationId xmlns:a16="http://schemas.microsoft.com/office/drawing/2014/main" id="{08B625DE-B1DA-A5FF-588E-5FA168E2DCCD}"/>
+              </a:ext>
+            </a:extLst>
+          </p:cNvPr>
+          <p:cNvSpPr txBox="1"/>
+          <p:nvPr/>
+        </p:nvSpPr>
+        <p:spPr>
+          <a:xfrm>
+            <a:off x="5249539" y="1944659"/>
+            <a:ext cx="1155291" cy="461665"/>
+          </a:xfrm>
+          <a:prstGeom prst="rect">
+            <a:avLst/>
+          </a:prstGeom>
+          <a:noFill/>
+        </p:spPr>
+        <p:txBody>
+          <a:bodyPr wrap="square" rtlCol="0">
+            <a:spAutoFit/>
+          </a:bodyPr>
+          <a:lstStyle/>
+          <a:p>
+            <a:pPr algn="ctr"/>
+            <a:r>
+              <a:rPr kumimoji="1" lang="en-US" altLang="ja-JP" sz="2400" dirty="0">
+                <a:solidFill>
+                  <a:srgbClr val="00B050"/>
+                </a:solidFill>
+                <a:latin typeface="Consolas" panose="020B0609020204030204" pitchFamily="49" charset="0"/>
+              </a:rPr>
+              <a:t>start</a:t>
+            </a:r>
+            <a:endParaRPr kumimoji="1" lang="ja-JP" altLang="en-US" sz="2400" dirty="0">
+              <a:solidFill>
+                <a:srgbClr val="00B050"/>
+              </a:solidFill>
+              <a:latin typeface="Congenial" panose="020F0502020204030204" pitchFamily="2" charset="0"/>
+            </a:endParaRPr>
+          </a:p>
+        </p:txBody>
+      </p:sp>
+      <p:cxnSp>
+        <p:nvCxnSpPr>
+          <p:cNvPr id="50" name="直線矢印コネクタ 49">
+            <a:extLst>
+              <a:ext uri="{FF2B5EF4-FFF2-40B4-BE49-F238E27FC236}">
+                <a16:creationId xmlns:a16="http://schemas.microsoft.com/office/drawing/2014/main" id="{BDF118C6-A055-462E-6BB1-554D83D8D8C2}"/>
+              </a:ext>
+            </a:extLst>
+          </p:cNvPr>
+          <p:cNvCxnSpPr>
+            <a:cxnSpLocks/>
+            <a:endCxn id="43" idx="2"/>
+          </p:cNvCxnSpPr>
+          <p:nvPr/>
+        </p:nvCxnSpPr>
+        <p:spPr>
+          <a:xfrm flipH="1" flipV="1">
+            <a:off x="4725971" y="2969982"/>
+            <a:ext cx="2223866" cy="1828592"/>
+          </a:xfrm>
+          <a:prstGeom prst="straightConnector1">
+            <a:avLst/>
+          </a:prstGeom>
+          <a:ln w="38100">
+            <a:solidFill>
+              <a:schemeClr val="accent4">
+                <a:lumMod val="50000"/>
+              </a:schemeClr>
+            </a:solidFill>
+            <a:prstDash val="sysDash"/>
+            <a:tailEnd type="triangle"/>
+          </a:ln>
+        </p:spPr>
+        <p:style>
+          <a:lnRef idx="2">
+            <a:schemeClr val="accent1"/>
+          </a:lnRef>
+          <a:fillRef idx="0">
+            <a:schemeClr val="accent1"/>
+          </a:fillRef>
+          <a:effectRef idx="1">
+            <a:schemeClr val="accent1"/>
+          </a:effectRef>
+          <a:fontRef idx="minor">
+            <a:schemeClr val="tx1"/>
+          </a:fontRef>
+        </p:style>
+      </p:cxnSp>
+      <p:sp>
+        <p:nvSpPr>
+          <p:cNvPr id="53" name="テキスト ボックス 52">
+            <a:extLst>
+              <a:ext uri="{FF2B5EF4-FFF2-40B4-BE49-F238E27FC236}">
+                <a16:creationId xmlns:a16="http://schemas.microsoft.com/office/drawing/2014/main" id="{651A5CA3-3728-2F33-ED5C-F9A0FB9B4600}"/>
+              </a:ext>
+            </a:extLst>
+          </p:cNvPr>
+          <p:cNvSpPr txBox="1"/>
+          <p:nvPr/>
+        </p:nvSpPr>
+        <p:spPr>
+          <a:xfrm>
+            <a:off x="5897781" y="3846020"/>
+            <a:ext cx="1155291" cy="461665"/>
+          </a:xfrm>
+          <a:prstGeom prst="rect">
+            <a:avLst/>
+          </a:prstGeom>
+          <a:noFill/>
+        </p:spPr>
+        <p:txBody>
+          <a:bodyPr wrap="square" rtlCol="0">
+            <a:spAutoFit/>
+          </a:bodyPr>
+          <a:lstStyle/>
+          <a:p>
+            <a:pPr algn="ctr"/>
+            <a:r>
+              <a:rPr kumimoji="1" lang="en-US" altLang="ja-JP" sz="2400" dirty="0">
+                <a:solidFill>
+                  <a:srgbClr val="00B050"/>
+                </a:solidFill>
+                <a:latin typeface="Consolas" panose="020B0609020204030204" pitchFamily="49" charset="0"/>
+              </a:rPr>
+              <a:t>run</a:t>
+            </a:r>
+            <a:endParaRPr kumimoji="1" lang="ja-JP" altLang="en-US" sz="2400" dirty="0">
+              <a:solidFill>
+                <a:srgbClr val="00B050"/>
+              </a:solidFill>
+              <a:latin typeface="Congenial" panose="020F0502020204030204" pitchFamily="2" charset="0"/>
+            </a:endParaRPr>
+          </a:p>
+        </p:txBody>
+      </p:sp>
+      <p:cxnSp>
+        <p:nvCxnSpPr>
+          <p:cNvPr id="54" name="直線矢印コネクタ 53">
+            <a:extLst>
+              <a:ext uri="{FF2B5EF4-FFF2-40B4-BE49-F238E27FC236}">
+                <a16:creationId xmlns:a16="http://schemas.microsoft.com/office/drawing/2014/main" id="{ED2C0188-6410-BB2A-802A-CEEE929B6232}"/>
+              </a:ext>
+            </a:extLst>
+          </p:cNvPr>
+          <p:cNvCxnSpPr>
+            <a:cxnSpLocks/>
+          </p:cNvCxnSpPr>
+          <p:nvPr/>
+        </p:nvCxnSpPr>
+        <p:spPr>
+          <a:xfrm>
+            <a:off x="5249539" y="2582956"/>
+            <a:ext cx="1565444" cy="8872"/>
+          </a:xfrm>
+          <a:prstGeom prst="straightConnector1">
+            <a:avLst/>
+          </a:prstGeom>
+          <a:ln w="38100">
+            <a:solidFill>
+              <a:schemeClr val="accent4">
+                <a:lumMod val="50000"/>
+              </a:schemeClr>
+            </a:solidFill>
+            <a:prstDash val="sysDash"/>
+            <a:tailEnd type="triangle"/>
+          </a:ln>
+        </p:spPr>
+        <p:style>
+          <a:lnRef idx="2">
+            <a:schemeClr val="accent1"/>
+          </a:lnRef>
+          <a:fillRef idx="0">
+            <a:schemeClr val="accent1"/>
+          </a:fillRef>
+          <a:effectRef idx="1">
+            <a:schemeClr val="accent1"/>
+          </a:effectRef>
+          <a:fontRef idx="minor">
+            <a:schemeClr val="tx1"/>
+          </a:fontRef>
+        </p:style>
+      </p:cxnSp>
+      <p:sp>
+        <p:nvSpPr>
+          <p:cNvPr id="55" name="テキスト ボックス 54">
+            <a:extLst>
+              <a:ext uri="{FF2B5EF4-FFF2-40B4-BE49-F238E27FC236}">
+                <a16:creationId xmlns:a16="http://schemas.microsoft.com/office/drawing/2014/main" id="{D228A829-5EE0-815E-D3C7-F21D07D3A9B0}"/>
+              </a:ext>
+            </a:extLst>
+          </p:cNvPr>
+          <p:cNvSpPr txBox="1"/>
+          <p:nvPr/>
+        </p:nvSpPr>
+        <p:spPr>
+          <a:xfrm>
+            <a:off x="5252884" y="2580940"/>
+            <a:ext cx="1155291" cy="461665"/>
+          </a:xfrm>
+          <a:prstGeom prst="rect">
+            <a:avLst/>
+          </a:prstGeom>
+          <a:noFill/>
+        </p:spPr>
+        <p:txBody>
+          <a:bodyPr wrap="square" rtlCol="0">
+            <a:spAutoFit/>
+          </a:bodyPr>
+          <a:lstStyle/>
+          <a:p>
+            <a:pPr algn="ctr"/>
+            <a:r>
+              <a:rPr kumimoji="1" lang="en-US" altLang="ja-JP" sz="2400" dirty="0">
+                <a:solidFill>
+                  <a:srgbClr val="00B050"/>
+                </a:solidFill>
+                <a:latin typeface="Consolas" panose="020B0609020204030204" pitchFamily="49" charset="0"/>
+              </a:rPr>
+              <a:t>stop</a:t>
+            </a:r>
+            <a:endParaRPr kumimoji="1" lang="ja-JP" altLang="en-US" sz="2400" dirty="0">
+              <a:solidFill>
+                <a:srgbClr val="00B050"/>
+              </a:solidFill>
+              <a:latin typeface="Congenial" panose="020F0502020204030204" pitchFamily="2" charset="0"/>
+            </a:endParaRPr>
+          </a:p>
+        </p:txBody>
+      </p:sp>
+      <p:pic>
+        <p:nvPicPr>
+          <p:cNvPr id="70" name="グラフィックス 69" descr="雲 枠線">
+            <a:extLst>
+              <a:ext uri="{FF2B5EF4-FFF2-40B4-BE49-F238E27FC236}">
+                <a16:creationId xmlns:a16="http://schemas.microsoft.com/office/drawing/2014/main" id="{A3AC40CB-33B2-AA33-0A18-144690732793}"/>
+              </a:ext>
+            </a:extLst>
+          </p:cNvPr>
+          <p:cNvPicPr>
+            <a:picLocks noChangeAspect="1"/>
+          </p:cNvPicPr>
+          <p:nvPr/>
+        </p:nvPicPr>
+        <p:blipFill>
+          <a:blip r:embed="rId10">
+            <a:extLst>
+              <a:ext uri="{28A0092B-C50C-407E-A947-70E740481C1C}">
+                <a14:useLocalDpi xmlns:a14="http://schemas.microsoft.com/office/drawing/2010/main" val="0"/>
+              </a:ext>
+              <a:ext uri="{96DAC541-7B7A-43D3-8B79-37D633B846F1}">
+                <asvg:svgBlip xmlns:asvg="http://schemas.microsoft.com/office/drawing/2016/SVG/main" r:embed="rId11"/>
+              </a:ext>
+            </a:extLst>
+          </a:blip>
+          <a:stretch>
+            <a:fillRect/>
+          </a:stretch>
+        </p:blipFill>
+        <p:spPr>
+          <a:xfrm>
+            <a:off x="9870460" y="4617799"/>
+            <a:ext cx="914400" cy="914400"/>
+          </a:xfrm>
+          <a:prstGeom prst="rect">
+            <a:avLst/>
+          </a:prstGeom>
+        </p:spPr>
+      </p:pic>
+      <p:pic>
+        <p:nvPicPr>
+          <p:cNvPr id="72" name="グラフィックス 71" descr="ユーザー 単色塗りつぶし">
+            <a:extLst>
+              <a:ext uri="{FF2B5EF4-FFF2-40B4-BE49-F238E27FC236}">
+                <a16:creationId xmlns:a16="http://schemas.microsoft.com/office/drawing/2014/main" id="{D15402B6-7D0D-0E6C-B538-7D310064B54D}"/>
+              </a:ext>
+            </a:extLst>
+          </p:cNvPr>
+          <p:cNvPicPr>
+            <a:picLocks noChangeAspect="1"/>
+          </p:cNvPicPr>
+          <p:nvPr/>
+        </p:nvPicPr>
+        <p:blipFill>
+          <a:blip r:embed="rId12">
+            <a:extLst>
+              <a:ext uri="{28A0092B-C50C-407E-A947-70E740481C1C}">
+                <a14:useLocalDpi xmlns:a14="http://schemas.microsoft.com/office/drawing/2010/main" val="0"/>
+              </a:ext>
+              <a:ext uri="{96DAC541-7B7A-43D3-8B79-37D633B846F1}">
+                <asvg:svgBlip xmlns:asvg="http://schemas.microsoft.com/office/drawing/2016/SVG/main" r:embed="rId13"/>
+              </a:ext>
+            </a:extLst>
+          </a:blip>
+          <a:stretch>
+            <a:fillRect/>
+          </a:stretch>
+        </p:blipFill>
+        <p:spPr>
+          <a:xfrm>
+            <a:off x="1000125" y="4614998"/>
+            <a:ext cx="914400" cy="914400"/>
+          </a:xfrm>
+          <a:prstGeom prst="rect">
+            <a:avLst/>
+          </a:prstGeom>
+        </p:spPr>
+      </p:pic>
+      <p:sp>
+        <p:nvSpPr>
+          <p:cNvPr id="73" name="テキスト ボックス 72">
+            <a:extLst>
+              <a:ext uri="{FF2B5EF4-FFF2-40B4-BE49-F238E27FC236}">
+                <a16:creationId xmlns:a16="http://schemas.microsoft.com/office/drawing/2014/main" id="{DDE76FE0-D29F-6768-C0FF-FBBF781465FD}"/>
+              </a:ext>
+            </a:extLst>
+          </p:cNvPr>
+          <p:cNvSpPr txBox="1"/>
+          <p:nvPr/>
+        </p:nvSpPr>
+        <p:spPr>
+          <a:xfrm>
+            <a:off x="9189920" y="5482140"/>
+            <a:ext cx="2163880" cy="461665"/>
+          </a:xfrm>
+          <a:prstGeom prst="rect">
+            <a:avLst/>
+          </a:prstGeom>
+          <a:noFill/>
+        </p:spPr>
+        <p:txBody>
+          <a:bodyPr wrap="square" rtlCol="0">
+            <a:spAutoFit/>
+          </a:bodyPr>
+          <a:lstStyle/>
+          <a:p>
+            <a:pPr algn="ctr"/>
+            <a:r>
+              <a:rPr kumimoji="1" lang="en-US" altLang="ja-JP" sz="2400" i="1" dirty="0"/>
+              <a:t>Docker Hub</a:t>
+            </a:r>
+            <a:endParaRPr kumimoji="1" lang="ja-JP" altLang="en-US" sz="2400" i="1" dirty="0"/>
+          </a:p>
+        </p:txBody>
+      </p:sp>
+      <p:cxnSp>
+        <p:nvCxnSpPr>
+          <p:cNvPr id="74" name="直線矢印コネクタ 73">
+            <a:extLst>
+              <a:ext uri="{FF2B5EF4-FFF2-40B4-BE49-F238E27FC236}">
+                <a16:creationId xmlns:a16="http://schemas.microsoft.com/office/drawing/2014/main" id="{CD7D6991-0D90-942A-F446-7000F67D1372}"/>
+              </a:ext>
+            </a:extLst>
+          </p:cNvPr>
+          <p:cNvCxnSpPr>
+            <a:cxnSpLocks/>
+            <a:stCxn id="70" idx="1"/>
+          </p:cNvCxnSpPr>
+          <p:nvPr/>
+        </p:nvCxnSpPr>
+        <p:spPr>
+          <a:xfrm flipH="1" flipV="1">
+            <a:off x="7728938" y="5073862"/>
+            <a:ext cx="2141522" cy="1137"/>
+          </a:xfrm>
+          <a:prstGeom prst="straightConnector1">
+            <a:avLst/>
+          </a:prstGeom>
+          <a:ln w="38100">
+            <a:solidFill>
+              <a:schemeClr val="accent4">
+                <a:lumMod val="50000"/>
+              </a:schemeClr>
+            </a:solidFill>
+            <a:prstDash val="sysDash"/>
+            <a:tailEnd type="triangle"/>
+          </a:ln>
+        </p:spPr>
+        <p:style>
+          <a:lnRef idx="2">
+            <a:schemeClr val="accent1"/>
+          </a:lnRef>
+          <a:fillRef idx="0">
+            <a:schemeClr val="accent1"/>
+          </a:fillRef>
+          <a:effectRef idx="1">
+            <a:schemeClr val="accent1"/>
+          </a:effectRef>
+          <a:fontRef idx="minor">
+            <a:schemeClr val="tx1"/>
+          </a:fontRef>
+        </p:style>
+      </p:cxnSp>
+      <p:sp>
+        <p:nvSpPr>
+          <p:cNvPr id="78" name="テキスト ボックス 77">
+            <a:extLst>
+              <a:ext uri="{FF2B5EF4-FFF2-40B4-BE49-F238E27FC236}">
+                <a16:creationId xmlns:a16="http://schemas.microsoft.com/office/drawing/2014/main" id="{80BEA6EB-C974-2F38-3E6E-C11272C353A5}"/>
+              </a:ext>
+            </a:extLst>
+          </p:cNvPr>
+          <p:cNvSpPr txBox="1"/>
+          <p:nvPr/>
+        </p:nvSpPr>
+        <p:spPr>
+          <a:xfrm>
+            <a:off x="8245255" y="4614998"/>
+            <a:ext cx="1769807" cy="461665"/>
+          </a:xfrm>
+          <a:prstGeom prst="rect">
+            <a:avLst/>
+          </a:prstGeom>
+          <a:noFill/>
+        </p:spPr>
+        <p:txBody>
+          <a:bodyPr wrap="square" rtlCol="0">
+            <a:spAutoFit/>
+          </a:bodyPr>
+          <a:lstStyle/>
+          <a:p>
+            <a:pPr algn="ctr"/>
+            <a:r>
+              <a:rPr kumimoji="1" lang="en-US" altLang="ja-JP" sz="2400" dirty="0">
+                <a:solidFill>
+                  <a:srgbClr val="00B050"/>
+                </a:solidFill>
+                <a:latin typeface="Consolas" panose="020B0609020204030204" pitchFamily="49" charset="0"/>
+              </a:rPr>
+              <a:t>pull</a:t>
+            </a:r>
+            <a:endParaRPr kumimoji="1" lang="ja-JP" altLang="en-US" sz="2400" dirty="0">
+              <a:solidFill>
+                <a:srgbClr val="00B050"/>
+              </a:solidFill>
+              <a:latin typeface="Congenial" panose="020F0502020204030204" pitchFamily="2" charset="0"/>
+            </a:endParaRPr>
+          </a:p>
+        </p:txBody>
+      </p:sp>
+      <p:sp>
+        <p:nvSpPr>
+          <p:cNvPr id="80" name="テキスト ボックス 79">
+            <a:extLst>
+              <a:ext uri="{FF2B5EF4-FFF2-40B4-BE49-F238E27FC236}">
+                <a16:creationId xmlns:a16="http://schemas.microsoft.com/office/drawing/2014/main" id="{4AC1F098-34D0-83C1-F9C2-4046C8C4D66D}"/>
+              </a:ext>
+            </a:extLst>
+          </p:cNvPr>
+          <p:cNvSpPr txBox="1"/>
+          <p:nvPr/>
+        </p:nvSpPr>
+        <p:spPr>
+          <a:xfrm>
+            <a:off x="1041453" y="5482139"/>
+            <a:ext cx="831744" cy="461665"/>
+          </a:xfrm>
+          <a:prstGeom prst="rect">
+            <a:avLst/>
+          </a:prstGeom>
+          <a:noFill/>
+        </p:spPr>
+        <p:txBody>
+          <a:bodyPr wrap="square" rtlCol="0">
+            <a:spAutoFit/>
+          </a:bodyPr>
+          <a:lstStyle/>
+          <a:p>
+            <a:pPr algn="ctr"/>
+            <a:r>
+              <a:rPr kumimoji="1" lang="en-US" altLang="ja-JP" sz="2400" dirty="0"/>
+              <a:t>user</a:t>
+            </a:r>
+            <a:endParaRPr kumimoji="1" lang="ja-JP" altLang="en-US" sz="2400" dirty="0"/>
           </a:p>
         </p:txBody>
       </p:sp>
@@ -8929,7 +11115,7 @@
           <p:cNvPr id="3" name="スライド番号プレースホルダー 2">
             <a:extLst>
               <a:ext uri="{FF2B5EF4-FFF2-40B4-BE49-F238E27FC236}">
-                <a16:creationId xmlns:a16="http://schemas.microsoft.com/office/drawing/2014/main" id="{B00115A8-3F6E-8831-09A4-2C4FF6EB2663}"/>
+                <a16:creationId xmlns:a16="http://schemas.microsoft.com/office/drawing/2014/main" id="{3AE919DC-F7A4-E6C9-9DB8-D109BD074051}"/>
               </a:ext>
             </a:extLst>
           </p:cNvPr>
@@ -8956,7 +11142,7 @@
     </p:spTree>
     <p:extLst>
       <p:ext uri="{BB962C8B-B14F-4D97-AF65-F5344CB8AC3E}">
-        <p14:creationId xmlns:p14="http://schemas.microsoft.com/office/powerpoint/2010/main" val="2865134534"/>
+        <p14:creationId xmlns:p14="http://schemas.microsoft.com/office/powerpoint/2010/main" val="3294063676"/>
       </p:ext>
     </p:extLst>
   </p:cSld>
@@ -9237,7 +11423,7 @@
           <a:p>
             <a:r>
               <a:rPr lang="ja-JP" altLang="en-US" dirty="0"/>
-              <a:t>長所</a:t>
+              <a:t>応用 </a:t>
             </a:r>
             <a:endParaRPr kumimoji="1" lang="ja-JP" altLang="en-US" dirty="0"/>
           </a:p>
@@ -9265,98 +11451,32 @@
           <a:lstStyle/>
           <a:p>
             <a:r>
+              <a:rPr lang="en-US" altLang="ja-JP" i="1" dirty="0">
+                <a:solidFill>
+                  <a:schemeClr val="accent2"/>
+                </a:solidFill>
+              </a:rPr>
+              <a:t>compose</a:t>
+            </a:r>
+          </a:p>
+          <a:p>
+            <a:pPr lvl="1"/>
+            <a:r>
               <a:rPr lang="ja-JP" altLang="en-US" dirty="0"/>
-              <a:t>効率性</a:t>
+              <a:t>複数のコンテナを定義し実行</a:t>
             </a:r>
             <a:endParaRPr lang="en-US" altLang="ja-JP" dirty="0"/>
           </a:p>
           <a:p>
             <a:pPr lvl="1"/>
-            <a:r>
-              <a:rPr lang="en-US" altLang="ja-JP" dirty="0"/>
-              <a:t>VM</a:t>
-            </a:r>
-            <a:r>
-              <a:rPr lang="ja-JP" altLang="en-US" dirty="0"/>
-              <a:t>と比較し，</a:t>
-            </a:r>
-            <a:r>
-              <a:rPr lang="ja-JP" altLang="en-US" b="1" dirty="0">
-                <a:solidFill>
-                  <a:srgbClr val="FF0000"/>
-                </a:solidFill>
-              </a:rPr>
-              <a:t>起動オーバーヘッド</a:t>
-            </a:r>
-            <a:r>
-              <a:rPr lang="ja-JP" altLang="en-US" dirty="0"/>
-              <a:t>と</a:t>
-            </a:r>
-            <a:r>
-              <a:rPr lang="ja-JP" altLang="en-US" b="1" dirty="0">
-                <a:solidFill>
-                  <a:srgbClr val="FF0000"/>
-                </a:solidFill>
-              </a:rPr>
-              <a:t>リソース量</a:t>
-            </a:r>
-            <a:r>
-              <a:rPr lang="ja-JP" altLang="en-US" dirty="0"/>
-              <a:t>が</a:t>
-            </a:r>
-            <a:r>
-              <a:rPr lang="ja-JP" altLang="en-US" b="1" dirty="0"/>
-              <a:t>小</a:t>
-            </a:r>
-            <a:endParaRPr lang="en-US" altLang="ja-JP" b="1" dirty="0"/>
-          </a:p>
-          <a:p>
-            <a:r>
-              <a:rPr kumimoji="1" lang="ja-JP" altLang="en-US" dirty="0"/>
-              <a:t>一貫性</a:t>
-            </a:r>
-            <a:r>
-              <a:rPr kumimoji="1" lang="en-US" altLang="ja-JP" dirty="0"/>
-              <a:t>/</a:t>
-            </a:r>
-            <a:r>
-              <a:rPr kumimoji="1" lang="ja-JP" altLang="en-US" dirty="0"/>
-              <a:t>再現性</a:t>
-            </a:r>
             <a:endParaRPr kumimoji="1" lang="en-US" altLang="ja-JP" dirty="0"/>
           </a:p>
           <a:p>
             <a:pPr lvl="1"/>
-            <a:r>
-              <a:rPr kumimoji="1" lang="ja-JP" altLang="en-US" dirty="0"/>
-              <a:t>イミュータブル</a:t>
-            </a:r>
-            <a:r>
-              <a:rPr kumimoji="1" lang="en-US" altLang="ja-JP" dirty="0"/>
-              <a:t>	</a:t>
-            </a:r>
-          </a:p>
-          <a:p>
-            <a:r>
-              <a:rPr lang="ja-JP" altLang="en-US" dirty="0"/>
-              <a:t>可搬性</a:t>
-            </a:r>
-            <a:endParaRPr lang="en-US" altLang="ja-JP" dirty="0"/>
+            <a:endParaRPr kumimoji="1" lang="en-US" altLang="ja-JP" dirty="0"/>
           </a:p>
           <a:p>
             <a:pPr lvl="1"/>
-            <a:r>
-              <a:rPr kumimoji="1" lang="en-US" altLang="ja-JP" dirty="0"/>
-              <a:t>CI</a:t>
-            </a:r>
-            <a:r>
-              <a:rPr lang="en-US" altLang="ja-JP" dirty="0"/>
-              <a:t>/CD </a:t>
-            </a:r>
-            <a:r>
-              <a:rPr lang="ja-JP" altLang="en-US" dirty="0"/>
-              <a:t>の観点</a:t>
-            </a:r>
             <a:endParaRPr kumimoji="1" lang="ja-JP" altLang="en-US" dirty="0"/>
           </a:p>
         </p:txBody>
@@ -9402,10 +11522,10 @@
                   </a:schemeClr>
                 </a:solidFill>
               </a:rPr>
-              <a:t>4. </a:t>
-            </a:r>
-            <a:r>
-              <a:rPr kumimoji="1" lang="ja-JP" altLang="en-US" b="1" dirty="0">
+              <a:t>3. </a:t>
+            </a:r>
+            <a:r>
+              <a:rPr lang="ja-JP" altLang="en-US" b="1" dirty="0">
                 <a:solidFill>
                   <a:schemeClr val="tx1">
                     <a:lumMod val="85000"/>
@@ -9413,10 +11533,10 @@
                   </a:schemeClr>
                 </a:solidFill>
               </a:rPr>
-              <a:t>長所</a:t>
-            </a:r>
-            <a:r>
-              <a:rPr kumimoji="1" lang="en-US" altLang="ja-JP" b="1" dirty="0">
+              <a:t>主要アーキテクチャ </a:t>
+            </a:r>
+            <a:r>
+              <a:rPr lang="en-US" altLang="ja-JP" b="1" dirty="0">
                 <a:solidFill>
                   <a:schemeClr val="tx1">
                     <a:lumMod val="85000"/>
@@ -9424,10 +11544,10 @@
                   </a:schemeClr>
                 </a:solidFill>
               </a:rPr>
-              <a:t>/</a:t>
-            </a:r>
-            <a:r>
-              <a:rPr kumimoji="1" lang="ja-JP" altLang="en-US" b="1" dirty="0">
+              <a:t>&gt; </a:t>
+            </a:r>
+            <a:r>
+              <a:rPr lang="ja-JP" altLang="en-US" b="1" dirty="0">
                 <a:solidFill>
                   <a:schemeClr val="tx1">
                     <a:lumMod val="85000"/>
@@ -9435,8 +11555,16 @@
                   </a:schemeClr>
                 </a:solidFill>
               </a:rPr>
-              <a:t>短所 </a:t>
-            </a:r>
+              <a:t>用語</a:t>
+            </a:r>
+            <a:endParaRPr kumimoji="1" lang="ja-JP" altLang="en-US" b="1" dirty="0">
+              <a:solidFill>
+                <a:schemeClr val="tx1">
+                  <a:lumMod val="85000"/>
+                  <a:lumOff val="15000"/>
+                </a:schemeClr>
+              </a:solidFill>
+            </a:endParaRPr>
           </a:p>
         </p:txBody>
       </p:sp>
@@ -9445,7 +11573,7 @@
           <p:cNvPr id="5" name="スライド番号プレースホルダー 4">
             <a:extLst>
               <a:ext uri="{FF2B5EF4-FFF2-40B4-BE49-F238E27FC236}">
-                <a16:creationId xmlns:a16="http://schemas.microsoft.com/office/drawing/2014/main" id="{5FF979F7-0093-9E9A-0978-A3B66F6FC9C5}"/>
+                <a16:creationId xmlns:a16="http://schemas.microsoft.com/office/drawing/2014/main" id="{EE7B5D00-9A47-276B-0C42-DA2386DDE732}"/>
               </a:ext>
             </a:extLst>
           </p:cNvPr>
@@ -9472,7 +11600,7 @@
     </p:spTree>
     <p:extLst>
       <p:ext uri="{BB962C8B-B14F-4D97-AF65-F5344CB8AC3E}">
-        <p14:creationId xmlns:p14="http://schemas.microsoft.com/office/powerpoint/2010/main" val="3178969580"/>
+        <p14:creationId xmlns:p14="http://schemas.microsoft.com/office/powerpoint/2010/main" val="1999871199"/>
       </p:ext>
     </p:extLst>
   </p:cSld>
@@ -9483,207 +11611,6 @@
 </file>
 
 <file path=ppt/slides/slide21.xml><?xml version="1.0" encoding="utf-8"?>
-<p:sld xmlns:a="http://schemas.openxmlformats.org/drawingml/2006/main" xmlns:r="http://schemas.openxmlformats.org/officeDocument/2006/relationships" xmlns:p="http://schemas.openxmlformats.org/presentationml/2006/main">
-  <p:cSld>
-    <p:spTree>
-      <p:nvGrpSpPr>
-        <p:cNvPr id="1" name=""/>
-        <p:cNvGrpSpPr/>
-        <p:nvPr/>
-      </p:nvGrpSpPr>
-      <p:grpSpPr>
-        <a:xfrm>
-          <a:off x="0" y="0"/>
-          <a:ext cx="0" cy="0"/>
-          <a:chOff x="0" y="0"/>
-          <a:chExt cx="0" cy="0"/>
-        </a:xfrm>
-      </p:grpSpPr>
-      <p:sp>
-        <p:nvSpPr>
-          <p:cNvPr id="2" name="タイトル 1">
-            <a:extLst>
-              <a:ext uri="{FF2B5EF4-FFF2-40B4-BE49-F238E27FC236}">
-                <a16:creationId xmlns:a16="http://schemas.microsoft.com/office/drawing/2014/main" id="{5D85131E-AB32-0C13-F928-0BC8C7E25614}"/>
-              </a:ext>
-            </a:extLst>
-          </p:cNvPr>
-          <p:cNvSpPr>
-            <a:spLocks noGrp="1"/>
-          </p:cNvSpPr>
-          <p:nvPr>
-            <p:ph type="title"/>
-          </p:nvPr>
-        </p:nvSpPr>
-        <p:spPr/>
-        <p:txBody>
-          <a:bodyPr/>
-          <a:lstStyle/>
-          <a:p>
-            <a:r>
-              <a:rPr kumimoji="1" lang="ja-JP" altLang="en-US" dirty="0"/>
-              <a:t>短所</a:t>
-            </a:r>
-          </a:p>
-        </p:txBody>
-      </p:sp>
-      <p:sp>
-        <p:nvSpPr>
-          <p:cNvPr id="3" name="コンテンツ プレースホルダー 2">
-            <a:extLst>
-              <a:ext uri="{FF2B5EF4-FFF2-40B4-BE49-F238E27FC236}">
-                <a16:creationId xmlns:a16="http://schemas.microsoft.com/office/drawing/2014/main" id="{E1842FAB-83F8-8740-EA6D-D4B6CB48EB62}"/>
-              </a:ext>
-            </a:extLst>
-          </p:cNvPr>
-          <p:cNvSpPr>
-            <a:spLocks noGrp="1"/>
-          </p:cNvSpPr>
-          <p:nvPr>
-            <p:ph idx="1"/>
-          </p:nvPr>
-        </p:nvSpPr>
-        <p:spPr/>
-        <p:txBody>
-          <a:bodyPr/>
-          <a:lstStyle/>
-          <a:p>
-            <a:r>
-              <a:rPr kumimoji="1" lang="ja-JP" altLang="en-US" dirty="0"/>
-              <a:t>学習コスト</a:t>
-            </a:r>
-            <a:endParaRPr kumimoji="1" lang="en-US" altLang="ja-JP" dirty="0"/>
-          </a:p>
-          <a:p>
-            <a:r>
-              <a:rPr kumimoji="1" lang="ja-JP" altLang="en-US" dirty="0"/>
-              <a:t>セキュリティ</a:t>
-            </a:r>
-          </a:p>
-        </p:txBody>
-      </p:sp>
-      <p:sp>
-        <p:nvSpPr>
-          <p:cNvPr id="4" name="テキスト ボックス 3">
-            <a:extLst>
-              <a:ext uri="{FF2B5EF4-FFF2-40B4-BE49-F238E27FC236}">
-                <a16:creationId xmlns:a16="http://schemas.microsoft.com/office/drawing/2014/main" id="{DA317149-12A0-92F9-65EE-02DF436B7134}"/>
-              </a:ext>
-            </a:extLst>
-          </p:cNvPr>
-          <p:cNvSpPr txBox="1"/>
-          <p:nvPr/>
-        </p:nvSpPr>
-        <p:spPr>
-          <a:xfrm>
-            <a:off x="76200" y="85725"/>
-            <a:ext cx="3676650" cy="369332"/>
-          </a:xfrm>
-          <a:prstGeom prst="rect">
-            <a:avLst/>
-          </a:prstGeom>
-          <a:noFill/>
-        </p:spPr>
-        <p:txBody>
-          <a:bodyPr wrap="square" rtlCol="0">
-            <a:spAutoFit/>
-          </a:bodyPr>
-          <a:lstStyle/>
-          <a:p>
-            <a:r>
-              <a:rPr kumimoji="1" lang="en-US" altLang="ja-JP" dirty="0"/>
-              <a:t> </a:t>
-            </a:r>
-            <a:r>
-              <a:rPr kumimoji="1" lang="en-US" altLang="ja-JP" b="1" dirty="0">
-                <a:solidFill>
-                  <a:schemeClr val="tx1">
-                    <a:lumMod val="85000"/>
-                    <a:lumOff val="15000"/>
-                  </a:schemeClr>
-                </a:solidFill>
-              </a:rPr>
-              <a:t>4. </a:t>
-            </a:r>
-            <a:r>
-              <a:rPr kumimoji="1" lang="ja-JP" altLang="en-US" b="1" dirty="0">
-                <a:solidFill>
-                  <a:schemeClr val="tx1">
-                    <a:lumMod val="85000"/>
-                    <a:lumOff val="15000"/>
-                  </a:schemeClr>
-                </a:solidFill>
-              </a:rPr>
-              <a:t>長所</a:t>
-            </a:r>
-            <a:r>
-              <a:rPr kumimoji="1" lang="en-US" altLang="ja-JP" b="1" dirty="0">
-                <a:solidFill>
-                  <a:schemeClr val="tx1">
-                    <a:lumMod val="85000"/>
-                    <a:lumOff val="15000"/>
-                  </a:schemeClr>
-                </a:solidFill>
-              </a:rPr>
-              <a:t>/</a:t>
-            </a:r>
-            <a:r>
-              <a:rPr kumimoji="1" lang="ja-JP" altLang="en-US" b="1" dirty="0">
-                <a:solidFill>
-                  <a:schemeClr val="tx1">
-                    <a:lumMod val="85000"/>
-                    <a:lumOff val="15000"/>
-                  </a:schemeClr>
-                </a:solidFill>
-              </a:rPr>
-              <a:t>短所 </a:t>
-            </a:r>
-          </a:p>
-        </p:txBody>
-      </p:sp>
-      <p:sp>
-        <p:nvSpPr>
-          <p:cNvPr id="5" name="スライド番号プレースホルダー 4">
-            <a:extLst>
-              <a:ext uri="{FF2B5EF4-FFF2-40B4-BE49-F238E27FC236}">
-                <a16:creationId xmlns:a16="http://schemas.microsoft.com/office/drawing/2014/main" id="{6E9A7CB5-B398-A8E6-1949-90908A560F4C}"/>
-              </a:ext>
-            </a:extLst>
-          </p:cNvPr>
-          <p:cNvSpPr>
-            <a:spLocks noGrp="1"/>
-          </p:cNvSpPr>
-          <p:nvPr>
-            <p:ph type="sldNum" sz="quarter" idx="12"/>
-          </p:nvPr>
-        </p:nvSpPr>
-        <p:spPr/>
-        <p:txBody>
-          <a:bodyPr/>
-          <a:lstStyle/>
-          <a:p>
-            <a:fld id="{09FDC953-F94B-4BF6-9058-77E5342884D4}" type="slidenum">
-              <a:rPr kumimoji="1" lang="ja-JP" altLang="en-US" smtClean="0"/>
-              <a:t>21</a:t>
-            </a:fld>
-            <a:endParaRPr kumimoji="1" lang="ja-JP" altLang="en-US"/>
-          </a:p>
-        </p:txBody>
-      </p:sp>
-    </p:spTree>
-    <p:extLst>
-      <p:ext uri="{BB962C8B-B14F-4D97-AF65-F5344CB8AC3E}">
-        <p14:creationId xmlns:p14="http://schemas.microsoft.com/office/powerpoint/2010/main" val="911058408"/>
-      </p:ext>
-    </p:extLst>
-  </p:cSld>
-  <p:clrMapOvr>
-    <a:masterClrMapping/>
-  </p:clrMapOvr>
-</p:sld>
-</file>
-
-<file path=ppt/slides/slide22.xml><?xml version="1.0" encoding="utf-8"?>
 <p:sld xmlns:a="http://schemas.openxmlformats.org/drawingml/2006/main" xmlns:r="http://schemas.openxmlformats.org/officeDocument/2006/relationships" xmlns:p="http://schemas.openxmlformats.org/presentationml/2006/main">
   <p:cSld>
     <p:bg>
@@ -9737,27 +11664,41 @@
           <a:lstStyle/>
           <a:p>
             <a:pPr algn="ctr"/>
-            <a:endParaRPr lang="en-US" altLang="ja-JP" sz="6600" dirty="0">
-              <a:solidFill>
-                <a:schemeClr val="bg1"/>
-              </a:solidFill>
-            </a:endParaRPr>
+            <a:r>
+              <a:rPr lang="en-US" altLang="ja-JP" sz="6600" dirty="0">
+                <a:solidFill>
+                  <a:schemeClr val="bg1"/>
+                </a:solidFill>
+              </a:rPr>
+              <a:t>4.</a:t>
+            </a:r>
           </a:p>
           <a:p>
             <a:pPr algn="ctr"/>
             <a:r>
-              <a:rPr lang="ja-JP" altLang="en-US" sz="6600" b="1" dirty="0">
+              <a:rPr kumimoji="1" lang="ja-JP" altLang="en-US" sz="6600" b="1" dirty="0">
                 <a:solidFill>
                   <a:schemeClr val="bg1"/>
                 </a:solidFill>
               </a:rPr>
-              <a:t>付録</a:t>
-            </a:r>
-            <a:endParaRPr kumimoji="1" lang="ja-JP" altLang="en-US" sz="6600" b="1" dirty="0">
-              <a:solidFill>
-                <a:schemeClr val="bg1"/>
-              </a:solidFill>
-            </a:endParaRPr>
+              <a:t>長所</a:t>
+            </a:r>
+            <a:r>
+              <a:rPr kumimoji="1" lang="en-US" altLang="ja-JP" sz="6600" b="1" dirty="0">
+                <a:solidFill>
+                  <a:schemeClr val="bg1"/>
+                </a:solidFill>
+              </a:rPr>
+              <a:t>/</a:t>
+            </a:r>
+            <a:r>
+              <a:rPr kumimoji="1" lang="ja-JP" altLang="en-US" sz="6600" b="1" dirty="0">
+                <a:solidFill>
+                  <a:schemeClr val="bg1"/>
+                </a:solidFill>
+              </a:rPr>
+              <a:t>短所</a:t>
+            </a:r>
           </a:p>
         </p:txBody>
       </p:sp>
@@ -9766,7 +11707,7 @@
           <p:cNvPr id="3" name="スライド番号プレースホルダー 2">
             <a:extLst>
               <a:ext uri="{FF2B5EF4-FFF2-40B4-BE49-F238E27FC236}">
-                <a16:creationId xmlns:a16="http://schemas.microsoft.com/office/drawing/2014/main" id="{3FDD4532-6460-0FE4-CE3A-09F24DF1B082}"/>
+                <a16:creationId xmlns:a16="http://schemas.microsoft.com/office/drawing/2014/main" id="{B00115A8-3F6E-8831-09A4-2C4FF6EB2663}"/>
               </a:ext>
             </a:extLst>
           </p:cNvPr>
@@ -9784,6 +11725,349 @@
           <a:p>
             <a:fld id="{09FDC953-F94B-4BF6-9058-77E5342884D4}" type="slidenum">
               <a:rPr kumimoji="1" lang="ja-JP" altLang="en-US" smtClean="0"/>
+              <a:t>21</a:t>
+            </a:fld>
+            <a:endParaRPr kumimoji="1" lang="ja-JP" altLang="en-US"/>
+          </a:p>
+        </p:txBody>
+      </p:sp>
+    </p:spTree>
+    <p:extLst>
+      <p:ext uri="{BB962C8B-B14F-4D97-AF65-F5344CB8AC3E}">
+        <p14:creationId xmlns:p14="http://schemas.microsoft.com/office/powerpoint/2010/main" val="2865134534"/>
+      </p:ext>
+    </p:extLst>
+  </p:cSld>
+  <p:clrMapOvr>
+    <a:masterClrMapping/>
+  </p:clrMapOvr>
+</p:sld>
+</file>
+
+<file path=ppt/slides/slide22.xml><?xml version="1.0" encoding="utf-8"?>
+<p:sld xmlns:a="http://schemas.openxmlformats.org/drawingml/2006/main" xmlns:r="http://schemas.openxmlformats.org/officeDocument/2006/relationships" xmlns:p="http://schemas.openxmlformats.org/presentationml/2006/main">
+  <p:cSld>
+    <p:spTree>
+      <p:nvGrpSpPr>
+        <p:cNvPr id="1" name=""/>
+        <p:cNvGrpSpPr/>
+        <p:nvPr/>
+      </p:nvGrpSpPr>
+      <p:grpSpPr>
+        <a:xfrm>
+          <a:off x="0" y="0"/>
+          <a:ext cx="0" cy="0"/>
+          <a:chOff x="0" y="0"/>
+          <a:chExt cx="0" cy="0"/>
+        </a:xfrm>
+      </p:grpSpPr>
+      <p:sp>
+        <p:nvSpPr>
+          <p:cNvPr id="2" name="タイトル 1">
+            <a:extLst>
+              <a:ext uri="{FF2B5EF4-FFF2-40B4-BE49-F238E27FC236}">
+                <a16:creationId xmlns:a16="http://schemas.microsoft.com/office/drawing/2014/main" id="{5D85131E-AB32-0C13-F928-0BC8C7E25614}"/>
+              </a:ext>
+            </a:extLst>
+          </p:cNvPr>
+          <p:cNvSpPr>
+            <a:spLocks noGrp="1"/>
+          </p:cNvSpPr>
+          <p:nvPr>
+            <p:ph type="title"/>
+          </p:nvPr>
+        </p:nvSpPr>
+        <p:spPr/>
+        <p:txBody>
+          <a:bodyPr/>
+          <a:lstStyle/>
+          <a:p>
+            <a:r>
+              <a:rPr lang="ja-JP" altLang="en-US" dirty="0"/>
+              <a:t>長所</a:t>
+            </a:r>
+            <a:endParaRPr kumimoji="1" lang="ja-JP" altLang="en-US" dirty="0"/>
+          </a:p>
+        </p:txBody>
+      </p:sp>
+      <p:sp>
+        <p:nvSpPr>
+          <p:cNvPr id="3" name="コンテンツ プレースホルダー 2">
+            <a:extLst>
+              <a:ext uri="{FF2B5EF4-FFF2-40B4-BE49-F238E27FC236}">
+                <a16:creationId xmlns:a16="http://schemas.microsoft.com/office/drawing/2014/main" id="{E1842FAB-83F8-8740-EA6D-D4B6CB48EB62}"/>
+              </a:ext>
+            </a:extLst>
+          </p:cNvPr>
+          <p:cNvSpPr>
+            <a:spLocks noGrp="1"/>
+          </p:cNvSpPr>
+          <p:nvPr>
+            <p:ph idx="1"/>
+          </p:nvPr>
+        </p:nvSpPr>
+        <p:spPr>
+          <a:xfrm>
+            <a:off x="838200" y="1661157"/>
+            <a:ext cx="10515600" cy="5060318"/>
+          </a:xfrm>
+        </p:spPr>
+        <p:txBody>
+          <a:bodyPr>
+            <a:normAutofit/>
+          </a:bodyPr>
+          <a:lstStyle/>
+          <a:p>
+            <a:r>
+              <a:rPr lang="ja-JP" altLang="en-US" dirty="0"/>
+              <a:t>効率性</a:t>
+            </a:r>
+            <a:endParaRPr lang="en-US" altLang="ja-JP" dirty="0"/>
+          </a:p>
+          <a:p>
+            <a:pPr lvl="1"/>
+            <a:r>
+              <a:rPr lang="en-US" altLang="ja-JP" dirty="0"/>
+              <a:t>VM</a:t>
+            </a:r>
+            <a:r>
+              <a:rPr lang="ja-JP" altLang="en-US" dirty="0"/>
+              <a:t>と比較し，</a:t>
+            </a:r>
+            <a:r>
+              <a:rPr lang="ja-JP" altLang="en-US" b="1" dirty="0">
+                <a:solidFill>
+                  <a:srgbClr val="FF0000"/>
+                </a:solidFill>
+              </a:rPr>
+              <a:t>起動オーバーヘッド</a:t>
+            </a:r>
+            <a:r>
+              <a:rPr lang="ja-JP" altLang="en-US" dirty="0"/>
+              <a:t>と</a:t>
+            </a:r>
+            <a:r>
+              <a:rPr lang="ja-JP" altLang="en-US" b="1" dirty="0">
+                <a:solidFill>
+                  <a:srgbClr val="FF0000"/>
+                </a:solidFill>
+              </a:rPr>
+              <a:t>リソース量</a:t>
+            </a:r>
+            <a:r>
+              <a:rPr lang="ja-JP" altLang="en-US" dirty="0"/>
+              <a:t>が</a:t>
+            </a:r>
+            <a:r>
+              <a:rPr lang="ja-JP" altLang="en-US" b="1" dirty="0"/>
+              <a:t>小</a:t>
+            </a:r>
+            <a:endParaRPr lang="en-US" altLang="ja-JP" b="1" dirty="0"/>
+          </a:p>
+          <a:p>
+            <a:pPr lvl="1"/>
+            <a:r>
+              <a:rPr kumimoji="1" lang="en-US" altLang="ja-JP" dirty="0"/>
+              <a:t>Docker hub </a:t>
+            </a:r>
+            <a:r>
+              <a:rPr kumimoji="1" lang="ja-JP" altLang="en-US" dirty="0"/>
+              <a:t>から </a:t>
+            </a:r>
+            <a:r>
+              <a:rPr kumimoji="1" lang="en-US" altLang="ja-JP" dirty="0"/>
+              <a:t>image </a:t>
+            </a:r>
+            <a:r>
+              <a:rPr kumimoji="1" lang="ja-JP" altLang="en-US" dirty="0"/>
+              <a:t>を </a:t>
+            </a:r>
+            <a:r>
+              <a:rPr kumimoji="1" lang="en-US" altLang="ja-JP" dirty="0"/>
+              <a:t>pull </a:t>
+            </a:r>
+            <a:r>
+              <a:rPr kumimoji="1" lang="ja-JP" altLang="en-US" dirty="0"/>
+              <a:t>することで環境構築不要</a:t>
+            </a:r>
+            <a:endParaRPr lang="en-US" altLang="ja-JP" b="1" dirty="0"/>
+          </a:p>
+          <a:p>
+            <a:r>
+              <a:rPr kumimoji="1" lang="ja-JP" altLang="en-US" dirty="0"/>
+              <a:t>一貫性</a:t>
+            </a:r>
+            <a:r>
+              <a:rPr kumimoji="1" lang="en-US" altLang="ja-JP" dirty="0"/>
+              <a:t>/</a:t>
+            </a:r>
+            <a:r>
+              <a:rPr kumimoji="1" lang="ja-JP" altLang="en-US" dirty="0"/>
+              <a:t>再現性</a:t>
+            </a:r>
+            <a:endParaRPr kumimoji="1" lang="en-US" altLang="ja-JP" dirty="0"/>
+          </a:p>
+          <a:p>
+            <a:pPr lvl="1"/>
+            <a:r>
+              <a:rPr lang="en-US" altLang="ja-JP" dirty="0" err="1"/>
+              <a:t>IaC</a:t>
+            </a:r>
+            <a:r>
+              <a:rPr lang="ja-JP" altLang="en-US" dirty="0"/>
+              <a:t>の観点から同様の環境が構築可能</a:t>
+            </a:r>
+            <a:endParaRPr lang="en-US" altLang="ja-JP" dirty="0"/>
+          </a:p>
+          <a:p>
+            <a:r>
+              <a:rPr lang="ja-JP" altLang="en-US" dirty="0"/>
+              <a:t>可搬性</a:t>
+            </a:r>
+            <a:endParaRPr lang="en-US" altLang="ja-JP" dirty="0"/>
+          </a:p>
+          <a:p>
+            <a:pPr lvl="1"/>
+            <a:r>
+              <a:rPr lang="ja-JP" altLang="en-US" dirty="0"/>
+              <a:t>実行環境に依存しない</a:t>
+            </a:r>
+            <a:endParaRPr kumimoji="1" lang="en-US" altLang="ja-JP" dirty="0"/>
+          </a:p>
+          <a:p>
+            <a:r>
+              <a:rPr lang="ja-JP" altLang="en-US" dirty="0"/>
+              <a:t>独立性</a:t>
+            </a:r>
+            <a:endParaRPr lang="en-US" altLang="ja-JP" dirty="0"/>
+          </a:p>
+          <a:p>
+            <a:pPr lvl="1"/>
+            <a:r>
+              <a:rPr lang="ja-JP" altLang="en-US" dirty="0"/>
+              <a:t>他のアプリケーションが必要とする環境，ライブラリ等を分離</a:t>
+            </a:r>
+            <a:endParaRPr lang="en-US" altLang="ja-JP" dirty="0"/>
+          </a:p>
+          <a:p>
+            <a:pPr lvl="1"/>
+            <a:r>
+              <a:rPr kumimoji="1" lang="ja-JP" altLang="en-US" dirty="0"/>
+              <a:t>ホスト</a:t>
+            </a:r>
+            <a:r>
+              <a:rPr kumimoji="1" lang="en-US" altLang="ja-JP" dirty="0"/>
+              <a:t>OS</a:t>
+            </a:r>
+            <a:r>
+              <a:rPr kumimoji="1" lang="ja-JP" altLang="en-US" dirty="0"/>
+              <a:t>を汚染せず開発可能</a:t>
+            </a:r>
+          </a:p>
+        </p:txBody>
+      </p:sp>
+      <p:sp>
+        <p:nvSpPr>
+          <p:cNvPr id="4" name="テキスト ボックス 3">
+            <a:extLst>
+              <a:ext uri="{FF2B5EF4-FFF2-40B4-BE49-F238E27FC236}">
+                <a16:creationId xmlns:a16="http://schemas.microsoft.com/office/drawing/2014/main" id="{DA317149-12A0-92F9-65EE-02DF436B7134}"/>
+              </a:ext>
+            </a:extLst>
+          </p:cNvPr>
+          <p:cNvSpPr txBox="1"/>
+          <p:nvPr/>
+        </p:nvSpPr>
+        <p:spPr>
+          <a:xfrm>
+            <a:off x="76200" y="85725"/>
+            <a:ext cx="3676650" cy="369332"/>
+          </a:xfrm>
+          <a:prstGeom prst="rect">
+            <a:avLst/>
+          </a:prstGeom>
+          <a:noFill/>
+        </p:spPr>
+        <p:txBody>
+          <a:bodyPr wrap="square" rtlCol="0">
+            <a:spAutoFit/>
+          </a:bodyPr>
+          <a:lstStyle/>
+          <a:p>
+            <a:r>
+              <a:rPr kumimoji="1" lang="en-US" altLang="ja-JP" dirty="0"/>
+              <a:t> </a:t>
+            </a:r>
+            <a:r>
+              <a:rPr kumimoji="1" lang="en-US" altLang="ja-JP" b="1" dirty="0">
+                <a:solidFill>
+                  <a:schemeClr val="tx1">
+                    <a:lumMod val="85000"/>
+                    <a:lumOff val="15000"/>
+                  </a:schemeClr>
+                </a:solidFill>
+              </a:rPr>
+              <a:t>4. </a:t>
+            </a:r>
+            <a:r>
+              <a:rPr kumimoji="1" lang="ja-JP" altLang="en-US" b="1" dirty="0">
+                <a:solidFill>
+                  <a:schemeClr val="tx1">
+                    <a:lumMod val="85000"/>
+                    <a:lumOff val="15000"/>
+                  </a:schemeClr>
+                </a:solidFill>
+              </a:rPr>
+              <a:t>長所</a:t>
+            </a:r>
+            <a:r>
+              <a:rPr kumimoji="1" lang="en-US" altLang="ja-JP" b="1" dirty="0">
+                <a:solidFill>
+                  <a:schemeClr val="tx1">
+                    <a:lumMod val="85000"/>
+                    <a:lumOff val="15000"/>
+                  </a:schemeClr>
+                </a:solidFill>
+              </a:rPr>
+              <a:t>/</a:t>
+            </a:r>
+            <a:r>
+              <a:rPr kumimoji="1" lang="ja-JP" altLang="en-US" b="1" dirty="0">
+                <a:solidFill>
+                  <a:schemeClr val="tx1">
+                    <a:lumMod val="85000"/>
+                    <a:lumOff val="15000"/>
+                  </a:schemeClr>
+                </a:solidFill>
+              </a:rPr>
+              <a:t>短所 </a:t>
+            </a:r>
+          </a:p>
+        </p:txBody>
+      </p:sp>
+      <p:sp>
+        <p:nvSpPr>
+          <p:cNvPr id="5" name="スライド番号プレースホルダー 4">
+            <a:extLst>
+              <a:ext uri="{FF2B5EF4-FFF2-40B4-BE49-F238E27FC236}">
+                <a16:creationId xmlns:a16="http://schemas.microsoft.com/office/drawing/2014/main" id="{5FF979F7-0093-9E9A-0978-A3B66F6FC9C5}"/>
+              </a:ext>
+            </a:extLst>
+          </p:cNvPr>
+          <p:cNvSpPr>
+            <a:spLocks noGrp="1"/>
+          </p:cNvSpPr>
+          <p:nvPr>
+            <p:ph type="sldNum" sz="quarter" idx="12"/>
+          </p:nvPr>
+        </p:nvSpPr>
+        <p:spPr/>
+        <p:txBody>
+          <a:bodyPr/>
+          <a:lstStyle/>
+          <a:p>
+            <a:fld id="{09FDC953-F94B-4BF6-9058-77E5342884D4}" type="slidenum">
+              <a:rPr kumimoji="1" lang="ja-JP" altLang="en-US" smtClean="0"/>
               <a:t>22</a:t>
             </a:fld>
             <a:endParaRPr kumimoji="1" lang="ja-JP" altLang="en-US"/>
@@ -9793,7 +12077,7 @@
     </p:spTree>
     <p:extLst>
       <p:ext uri="{BB962C8B-B14F-4D97-AF65-F5344CB8AC3E}">
-        <p14:creationId xmlns:p14="http://schemas.microsoft.com/office/powerpoint/2010/main" val="1422193423"/>
+        <p14:creationId xmlns:p14="http://schemas.microsoft.com/office/powerpoint/2010/main" val="3178969580"/>
       </p:ext>
     </p:extLst>
   </p:cSld>
@@ -9825,7 +12109,7 @@
           <p:cNvPr id="2" name="タイトル 1">
             <a:extLst>
               <a:ext uri="{FF2B5EF4-FFF2-40B4-BE49-F238E27FC236}">
-                <a16:creationId xmlns:a16="http://schemas.microsoft.com/office/drawing/2014/main" id="{4D9984D0-9FD8-EE7B-19B9-BCAA09D1679A}"/>
+                <a16:creationId xmlns:a16="http://schemas.microsoft.com/office/drawing/2014/main" id="{5D85131E-AB32-0C13-F928-0BC8C7E25614}"/>
               </a:ext>
             </a:extLst>
           </p:cNvPr>
@@ -9838,16 +12122,13 @@
         </p:nvSpPr>
         <p:spPr/>
         <p:txBody>
-          <a:bodyPr>
-            <a:normAutofit/>
-          </a:bodyPr>
-          <a:lstStyle/>
-          <a:p>
-            <a:r>
-              <a:rPr lang="ja-JP" altLang="en-US" dirty="0"/>
-              <a:t>タスク，プロセス，スレッド</a:t>
-            </a:r>
-            <a:endParaRPr kumimoji="1" lang="ja-JP" altLang="en-US" dirty="0"/>
+          <a:bodyPr/>
+          <a:lstStyle/>
+          <a:p>
+            <a:r>
+              <a:rPr kumimoji="1" lang="ja-JP" altLang="en-US" dirty="0"/>
+              <a:t>短所</a:t>
+            </a:r>
           </a:p>
         </p:txBody>
       </p:sp>
@@ -9856,7 +12137,7 @@
           <p:cNvPr id="3" name="コンテンツ プレースホルダー 2">
             <a:extLst>
               <a:ext uri="{FF2B5EF4-FFF2-40B4-BE49-F238E27FC236}">
-                <a16:creationId xmlns:a16="http://schemas.microsoft.com/office/drawing/2014/main" id="{0F5F4C62-C585-8D35-08F4-5DB035BCE469}"/>
+                <a16:creationId xmlns:a16="http://schemas.microsoft.com/office/drawing/2014/main" id="{E1842FAB-83F8-8740-EA6D-D4B6CB48EB62}"/>
               </a:ext>
             </a:extLst>
           </p:cNvPr>
@@ -9872,16 +12153,149 @@
           <a:bodyPr/>
           <a:lstStyle/>
           <a:p>
-            <a:endParaRPr kumimoji="1" lang="ja-JP" altLang="en-US"/>
-          </a:p>
-        </p:txBody>
-      </p:sp>
-      <p:sp>
-        <p:nvSpPr>
-          <p:cNvPr id="4" name="スライド番号プレースホルダー 3">
-            <a:extLst>
-              <a:ext uri="{FF2B5EF4-FFF2-40B4-BE49-F238E27FC236}">
-                <a16:creationId xmlns:a16="http://schemas.microsoft.com/office/drawing/2014/main" id="{895A0192-60AD-7CF4-A909-9429C1F442DC}"/>
+            <a:r>
+              <a:rPr kumimoji="1" lang="ja-JP" altLang="en-US" dirty="0"/>
+              <a:t>学習コスト</a:t>
+            </a:r>
+            <a:endParaRPr kumimoji="1" lang="en-US" altLang="ja-JP" dirty="0"/>
+          </a:p>
+          <a:p>
+            <a:pPr lvl="1"/>
+            <a:r>
+              <a:rPr lang="ja-JP" altLang="en-US" dirty="0"/>
+              <a:t>私の理解度が恐らく</a:t>
+            </a:r>
+            <a:r>
+              <a:rPr lang="en-US" altLang="ja-JP" dirty="0"/>
+              <a:t>2%</a:t>
+            </a:r>
+            <a:r>
+              <a:rPr lang="ja-JP" altLang="en-US"/>
+              <a:t>とかです．周辺知識合わせるとコストが膨大</a:t>
+            </a:r>
+            <a:endParaRPr lang="en-US" altLang="ja-JP" dirty="0"/>
+          </a:p>
+          <a:p>
+            <a:pPr lvl="1"/>
+            <a:endParaRPr kumimoji="1" lang="en-US" altLang="ja-JP" dirty="0"/>
+          </a:p>
+          <a:p>
+            <a:r>
+              <a:rPr kumimoji="1" lang="ja-JP" altLang="en-US" dirty="0"/>
+              <a:t>セキュリティ</a:t>
+            </a:r>
+            <a:endParaRPr kumimoji="1" lang="en-US" altLang="ja-JP" dirty="0"/>
+          </a:p>
+          <a:p>
+            <a:pPr lvl="1"/>
+            <a:endParaRPr kumimoji="1" lang="en-US" altLang="ja-JP" dirty="0"/>
+          </a:p>
+          <a:p>
+            <a:pPr lvl="1"/>
+            <a:endParaRPr kumimoji="1" lang="en-US" altLang="ja-JP" dirty="0"/>
+          </a:p>
+          <a:p>
+            <a:r>
+              <a:rPr lang="ja-JP" altLang="en-US" dirty="0"/>
+              <a:t>オーケストレーション</a:t>
+            </a:r>
+            <a:endParaRPr kumimoji="1" lang="en-US" altLang="ja-JP" dirty="0"/>
+          </a:p>
+          <a:p>
+            <a:pPr lvl="1"/>
+            <a:r>
+              <a:rPr lang="ja-JP" altLang="en-US" dirty="0"/>
+              <a:t>多数のコンテナを管理することは苦手</a:t>
+            </a:r>
+            <a:endParaRPr kumimoji="1" lang="ja-JP" altLang="en-US" dirty="0"/>
+          </a:p>
+        </p:txBody>
+      </p:sp>
+      <p:sp>
+        <p:nvSpPr>
+          <p:cNvPr id="4" name="テキスト ボックス 3">
+            <a:extLst>
+              <a:ext uri="{FF2B5EF4-FFF2-40B4-BE49-F238E27FC236}">
+                <a16:creationId xmlns:a16="http://schemas.microsoft.com/office/drawing/2014/main" id="{DA317149-12A0-92F9-65EE-02DF436B7134}"/>
+              </a:ext>
+            </a:extLst>
+          </p:cNvPr>
+          <p:cNvSpPr txBox="1"/>
+          <p:nvPr/>
+        </p:nvSpPr>
+        <p:spPr>
+          <a:xfrm>
+            <a:off x="76200" y="85725"/>
+            <a:ext cx="3676650" cy="369332"/>
+          </a:xfrm>
+          <a:prstGeom prst="rect">
+            <a:avLst/>
+          </a:prstGeom>
+          <a:noFill/>
+        </p:spPr>
+        <p:txBody>
+          <a:bodyPr wrap="square" rtlCol="0">
+            <a:spAutoFit/>
+          </a:bodyPr>
+          <a:lstStyle/>
+          <a:p>
+            <a:r>
+              <a:rPr kumimoji="1" lang="en-US" altLang="ja-JP" dirty="0"/>
+              <a:t> </a:t>
+            </a:r>
+            <a:r>
+              <a:rPr kumimoji="1" lang="en-US" altLang="ja-JP" b="1" dirty="0">
+                <a:solidFill>
+                  <a:schemeClr val="tx1">
+                    <a:lumMod val="85000"/>
+                    <a:lumOff val="15000"/>
+                  </a:schemeClr>
+                </a:solidFill>
+              </a:rPr>
+              <a:t>4. </a:t>
+            </a:r>
+            <a:r>
+              <a:rPr kumimoji="1" lang="ja-JP" altLang="en-US" b="1" dirty="0">
+                <a:solidFill>
+                  <a:schemeClr val="tx1">
+                    <a:lumMod val="85000"/>
+                    <a:lumOff val="15000"/>
+                  </a:schemeClr>
+                </a:solidFill>
+              </a:rPr>
+              <a:t>長所</a:t>
+            </a:r>
+            <a:r>
+              <a:rPr kumimoji="1" lang="en-US" altLang="ja-JP" b="1" dirty="0">
+                <a:solidFill>
+                  <a:schemeClr val="tx1">
+                    <a:lumMod val="85000"/>
+                    <a:lumOff val="15000"/>
+                  </a:schemeClr>
+                </a:solidFill>
+              </a:rPr>
+              <a:t>/</a:t>
+            </a:r>
+            <a:r>
+              <a:rPr kumimoji="1" lang="ja-JP" altLang="en-US" b="1" dirty="0">
+                <a:solidFill>
+                  <a:schemeClr val="tx1">
+                    <a:lumMod val="85000"/>
+                    <a:lumOff val="15000"/>
+                  </a:schemeClr>
+                </a:solidFill>
+              </a:rPr>
+              <a:t>短所 </a:t>
+            </a:r>
+          </a:p>
+        </p:txBody>
+      </p:sp>
+      <p:sp>
+        <p:nvSpPr>
+          <p:cNvPr id="5" name="スライド番号プレースホルダー 4">
+            <a:extLst>
+              <a:ext uri="{FF2B5EF4-FFF2-40B4-BE49-F238E27FC236}">
+                <a16:creationId xmlns:a16="http://schemas.microsoft.com/office/drawing/2014/main" id="{6E9A7CB5-B398-A8E6-1949-90908A560F4C}"/>
               </a:ext>
             </a:extLst>
           </p:cNvPr>
@@ -9908,7 +12322,7 @@
     </p:spTree>
     <p:extLst>
       <p:ext uri="{BB962C8B-B14F-4D97-AF65-F5344CB8AC3E}">
-        <p14:creationId xmlns:p14="http://schemas.microsoft.com/office/powerpoint/2010/main" val="972353997"/>
+        <p14:creationId xmlns:p14="http://schemas.microsoft.com/office/powerpoint/2010/main" val="911058408"/>
       </p:ext>
     </p:extLst>
   </p:cSld>
@@ -9921,6 +12335,14 @@
 <file path=ppt/slides/slide24.xml><?xml version="1.0" encoding="utf-8"?>
 <p:sld xmlns:a="http://schemas.openxmlformats.org/drawingml/2006/main" xmlns:r="http://schemas.openxmlformats.org/officeDocument/2006/relationships" xmlns:p="http://schemas.openxmlformats.org/presentationml/2006/main">
   <p:cSld>
+    <p:bg>
+      <p:bgPr>
+        <a:solidFill>
+          <a:schemeClr val="accent1"/>
+        </a:solidFill>
+        <a:effectLst/>
+      </p:bgPr>
+    </p:bg>
     <p:spTree>
       <p:nvGrpSpPr>
         <p:cNvPr id="1" name=""/>
@@ -9937,82 +12359,63 @@
       </p:grpSpPr>
       <p:sp>
         <p:nvSpPr>
-          <p:cNvPr id="2" name="タイトル 1">
-            <a:extLst>
-              <a:ext uri="{FF2B5EF4-FFF2-40B4-BE49-F238E27FC236}">
-                <a16:creationId xmlns:a16="http://schemas.microsoft.com/office/drawing/2014/main" id="{4D9984D0-9FD8-EE7B-19B9-BCAA09D1679A}"/>
-              </a:ext>
-            </a:extLst>
-          </p:cNvPr>
-          <p:cNvSpPr>
-            <a:spLocks noGrp="1"/>
-          </p:cNvSpPr>
-          <p:nvPr>
-            <p:ph type="title"/>
-          </p:nvPr>
-        </p:nvSpPr>
-        <p:spPr/>
-        <p:txBody>
-          <a:bodyPr>
-            <a:normAutofit/>
+          <p:cNvPr id="2" name="テキスト ボックス 1">
+            <a:extLst>
+              <a:ext uri="{FF2B5EF4-FFF2-40B4-BE49-F238E27FC236}">
+                <a16:creationId xmlns:a16="http://schemas.microsoft.com/office/drawing/2014/main" id="{463D0785-186A-FC28-9B7A-5D2B59539000}"/>
+              </a:ext>
+            </a:extLst>
+          </p:cNvPr>
+          <p:cNvSpPr txBox="1"/>
+          <p:nvPr/>
+        </p:nvSpPr>
+        <p:spPr>
+          <a:xfrm>
+            <a:off x="504825" y="2438400"/>
+            <a:ext cx="11191875" cy="2123658"/>
+          </a:xfrm>
+          <a:prstGeom prst="rect">
+            <a:avLst/>
+          </a:prstGeom>
+          <a:noFill/>
+        </p:spPr>
+        <p:txBody>
+          <a:bodyPr wrap="square" rtlCol="0">
+            <a:spAutoFit/>
           </a:bodyPr>
           <a:lstStyle/>
           <a:p>
-            <a:r>
-              <a:rPr lang="en-US" altLang="ja-JP" dirty="0"/>
-              <a:t>1</a:t>
-            </a:r>
-            <a:r>
-              <a:rPr lang="ja-JP" altLang="en-US" dirty="0"/>
-              <a:t>コンテナで複数プロセス動かしたい</a:t>
-            </a:r>
-            <a:endParaRPr kumimoji="1" lang="ja-JP" altLang="en-US" dirty="0"/>
-          </a:p>
-        </p:txBody>
-      </p:sp>
-      <p:sp>
-        <p:nvSpPr>
-          <p:cNvPr id="3" name="コンテンツ プレースホルダー 2">
-            <a:extLst>
-              <a:ext uri="{FF2B5EF4-FFF2-40B4-BE49-F238E27FC236}">
-                <a16:creationId xmlns:a16="http://schemas.microsoft.com/office/drawing/2014/main" id="{0F5F4C62-C585-8D35-08F4-5DB035BCE469}"/>
-              </a:ext>
-            </a:extLst>
-          </p:cNvPr>
-          <p:cNvSpPr>
-            <a:spLocks noGrp="1"/>
-          </p:cNvSpPr>
-          <p:nvPr>
-            <p:ph idx="1"/>
-          </p:nvPr>
-        </p:nvSpPr>
-        <p:spPr/>
-        <p:txBody>
-          <a:bodyPr/>
-          <a:lstStyle/>
-          <a:p>
-            <a:r>
-              <a:rPr kumimoji="1" lang="ja-JP" altLang="en-US" dirty="0"/>
-              <a:t>ドキュメント見ろ</a:t>
-            </a:r>
-            <a:endParaRPr kumimoji="1" lang="en-US" altLang="ja-JP" dirty="0"/>
-          </a:p>
-          <a:p>
-            <a:pPr lvl="1"/>
-            <a:r>
-              <a:rPr kumimoji="1" lang="en-US" altLang="ja-JP" dirty="0"/>
-              <a:t>https://docs.docker.jp/config/container/multi-service_container.html</a:t>
-            </a:r>
-            <a:endParaRPr kumimoji="1" lang="ja-JP" altLang="en-US" dirty="0"/>
-          </a:p>
-        </p:txBody>
-      </p:sp>
-      <p:sp>
-        <p:nvSpPr>
-          <p:cNvPr id="4" name="スライド番号プレースホルダー 3">
-            <a:extLst>
-              <a:ext uri="{FF2B5EF4-FFF2-40B4-BE49-F238E27FC236}">
-                <a16:creationId xmlns:a16="http://schemas.microsoft.com/office/drawing/2014/main" id="{895A0192-60AD-7CF4-A909-9429C1F442DC}"/>
+            <a:pPr algn="ctr"/>
+            <a:endParaRPr lang="en-US" altLang="ja-JP" sz="6600" dirty="0">
+              <a:solidFill>
+                <a:schemeClr val="bg1"/>
+              </a:solidFill>
+            </a:endParaRPr>
+          </a:p>
+          <a:p>
+            <a:pPr algn="ctr"/>
+            <a:r>
+              <a:rPr lang="ja-JP" altLang="en-US" sz="6600" b="1" dirty="0">
+                <a:solidFill>
+                  <a:schemeClr val="bg1"/>
+                </a:solidFill>
+              </a:rPr>
+              <a:t>付録</a:t>
+            </a:r>
+            <a:endParaRPr kumimoji="1" lang="ja-JP" altLang="en-US" sz="6600" b="1" dirty="0">
+              <a:solidFill>
+                <a:schemeClr val="bg1"/>
+              </a:solidFill>
+            </a:endParaRPr>
+          </a:p>
+        </p:txBody>
+      </p:sp>
+      <p:sp>
+        <p:nvSpPr>
+          <p:cNvPr id="3" name="スライド番号プレースホルダー 2">
+            <a:extLst>
+              <a:ext uri="{FF2B5EF4-FFF2-40B4-BE49-F238E27FC236}">
+                <a16:creationId xmlns:a16="http://schemas.microsoft.com/office/drawing/2014/main" id="{3FDD4532-6460-0FE4-CE3A-09F24DF1B082}"/>
               </a:ext>
             </a:extLst>
           </p:cNvPr>
@@ -10039,7 +12442,7 @@
     </p:spTree>
     <p:extLst>
       <p:ext uri="{BB962C8B-B14F-4D97-AF65-F5344CB8AC3E}">
-        <p14:creationId xmlns:p14="http://schemas.microsoft.com/office/powerpoint/2010/main" val="1514330029"/>
+        <p14:creationId xmlns:p14="http://schemas.microsoft.com/office/powerpoint/2010/main" val="1422193423"/>
       </p:ext>
     </p:extLst>
   </p:cSld>
@@ -10071,7 +12474,7 @@
           <p:cNvPr id="2" name="タイトル 1">
             <a:extLst>
               <a:ext uri="{FF2B5EF4-FFF2-40B4-BE49-F238E27FC236}">
-                <a16:creationId xmlns:a16="http://schemas.microsoft.com/office/drawing/2014/main" id="{50A3E87C-9F57-15B4-F18E-1DB24F54EC96}"/>
+                <a16:creationId xmlns:a16="http://schemas.microsoft.com/office/drawing/2014/main" id="{4D9984D0-9FD8-EE7B-19B9-BCAA09D1679A}"/>
               </a:ext>
             </a:extLst>
           </p:cNvPr>
@@ -10084,21 +12487,16 @@
         </p:nvSpPr>
         <p:spPr/>
         <p:txBody>
-          <a:bodyPr/>
-          <a:lstStyle/>
-          <a:p>
-            <a:r>
-              <a:rPr lang="en-US" altLang="ja-JP" dirty="0"/>
-              <a:t>Base-i</a:t>
-            </a:r>
-            <a:r>
-              <a:rPr kumimoji="1" lang="en-US" altLang="ja-JP" dirty="0"/>
-              <a:t>mage </a:t>
-            </a:r>
-            <a:r>
-              <a:rPr kumimoji="1" lang="ja-JP" altLang="en-US" dirty="0"/>
-              <a:t>の種類</a:t>
-            </a:r>
+          <a:bodyPr>
+            <a:normAutofit/>
+          </a:bodyPr>
+          <a:lstStyle/>
+          <a:p>
+            <a:r>
+              <a:rPr lang="ja-JP" altLang="en-US" dirty="0"/>
+              <a:t>タスク，プロセス，スレッド</a:t>
+            </a:r>
+            <a:endParaRPr kumimoji="1" lang="ja-JP" altLang="en-US" dirty="0"/>
           </a:p>
         </p:txBody>
       </p:sp>
@@ -10107,7 +12505,7 @@
           <p:cNvPr id="3" name="コンテンツ プレースホルダー 2">
             <a:extLst>
               <a:ext uri="{FF2B5EF4-FFF2-40B4-BE49-F238E27FC236}">
-                <a16:creationId xmlns:a16="http://schemas.microsoft.com/office/drawing/2014/main" id="{E563E793-5931-DCC4-5187-497DB7C628F8}"/>
+                <a16:creationId xmlns:a16="http://schemas.microsoft.com/office/drawing/2014/main" id="{0F5F4C62-C585-8D35-08F4-5DB035BCE469}"/>
               </a:ext>
             </a:extLst>
           </p:cNvPr>
@@ -10123,7 +12521,7 @@
           <a:bodyPr/>
           <a:lstStyle/>
           <a:p>
-            <a:endParaRPr kumimoji="1" lang="ja-JP" altLang="en-US" dirty="0"/>
+            <a:endParaRPr kumimoji="1" lang="ja-JP" altLang="en-US"/>
           </a:p>
         </p:txBody>
       </p:sp>
@@ -10132,7 +12530,7 @@
           <p:cNvPr id="4" name="スライド番号プレースホルダー 3">
             <a:extLst>
               <a:ext uri="{FF2B5EF4-FFF2-40B4-BE49-F238E27FC236}">
-                <a16:creationId xmlns:a16="http://schemas.microsoft.com/office/drawing/2014/main" id="{1BCC7824-A201-705E-E49D-C01A73FB41BA}"/>
+                <a16:creationId xmlns:a16="http://schemas.microsoft.com/office/drawing/2014/main" id="{895A0192-60AD-7CF4-A909-9429C1F442DC}"/>
               </a:ext>
             </a:extLst>
           </p:cNvPr>
@@ -10159,7 +12557,7 @@
     </p:spTree>
     <p:extLst>
       <p:ext uri="{BB962C8B-B14F-4D97-AF65-F5344CB8AC3E}">
-        <p14:creationId xmlns:p14="http://schemas.microsoft.com/office/powerpoint/2010/main" val="939889867"/>
+        <p14:creationId xmlns:p14="http://schemas.microsoft.com/office/powerpoint/2010/main" val="972353997"/>
       </p:ext>
     </p:extLst>
   </p:cSld>
@@ -10191,7 +12589,7 @@
           <p:cNvPr id="2" name="タイトル 1">
             <a:extLst>
               <a:ext uri="{FF2B5EF4-FFF2-40B4-BE49-F238E27FC236}">
-                <a16:creationId xmlns:a16="http://schemas.microsoft.com/office/drawing/2014/main" id="{50A3E87C-9F57-15B4-F18E-1DB24F54EC96}"/>
+                <a16:creationId xmlns:a16="http://schemas.microsoft.com/office/drawing/2014/main" id="{4D9984D0-9FD8-EE7B-19B9-BCAA09D1679A}"/>
               </a:ext>
             </a:extLst>
           </p:cNvPr>
@@ -10204,20 +12602,18 @@
         </p:nvSpPr>
         <p:spPr/>
         <p:txBody>
-          <a:bodyPr/>
+          <a:bodyPr>
+            <a:normAutofit/>
+          </a:bodyPr>
           <a:lstStyle/>
           <a:p>
             <a:r>
               <a:rPr lang="en-US" altLang="ja-JP" dirty="0"/>
-              <a:t>i</a:t>
-            </a:r>
-            <a:r>
-              <a:rPr kumimoji="1" lang="en-US" altLang="ja-JP" dirty="0"/>
-              <a:t>mage </a:t>
+              <a:t>1</a:t>
             </a:r>
             <a:r>
               <a:rPr lang="ja-JP" altLang="en-US" dirty="0"/>
-              <a:t>のベストプラクティス</a:t>
+              <a:t>コンテナで複数プロセス動かしたい</a:t>
             </a:r>
             <a:endParaRPr kumimoji="1" lang="ja-JP" altLang="en-US" dirty="0"/>
           </a:p>
@@ -10228,7 +12624,7 @@
           <p:cNvPr id="3" name="コンテンツ プレースホルダー 2">
             <a:extLst>
               <a:ext uri="{FF2B5EF4-FFF2-40B4-BE49-F238E27FC236}">
-                <a16:creationId xmlns:a16="http://schemas.microsoft.com/office/drawing/2014/main" id="{E563E793-5931-DCC4-5187-497DB7C628F8}"/>
+                <a16:creationId xmlns:a16="http://schemas.microsoft.com/office/drawing/2014/main" id="{0F5F4C62-C585-8D35-08F4-5DB035BCE469}"/>
               </a:ext>
             </a:extLst>
           </p:cNvPr>
@@ -10244,6 +12640,18 @@
           <a:bodyPr/>
           <a:lstStyle/>
           <a:p>
+            <a:r>
+              <a:rPr kumimoji="1" lang="ja-JP" altLang="en-US" dirty="0"/>
+              <a:t>ドキュメント見ろ</a:t>
+            </a:r>
+            <a:endParaRPr kumimoji="1" lang="en-US" altLang="ja-JP" dirty="0"/>
+          </a:p>
+          <a:p>
+            <a:pPr lvl="1"/>
+            <a:r>
+              <a:rPr kumimoji="1" lang="en-US" altLang="ja-JP" dirty="0"/>
+              <a:t>https://docs.docker.jp/config/container/multi-service_container.html</a:t>
+            </a:r>
             <a:endParaRPr kumimoji="1" lang="ja-JP" altLang="en-US" dirty="0"/>
           </a:p>
         </p:txBody>
@@ -10253,7 +12661,7 @@
           <p:cNvPr id="4" name="スライド番号プレースホルダー 3">
             <a:extLst>
               <a:ext uri="{FF2B5EF4-FFF2-40B4-BE49-F238E27FC236}">
-                <a16:creationId xmlns:a16="http://schemas.microsoft.com/office/drawing/2014/main" id="{B024115D-E210-EAF2-5AF0-747E121CC270}"/>
+                <a16:creationId xmlns:a16="http://schemas.microsoft.com/office/drawing/2014/main" id="{895A0192-60AD-7CF4-A909-9429C1F442DC}"/>
               </a:ext>
             </a:extLst>
           </p:cNvPr>
@@ -10272,6 +12680,247 @@
             <a:fld id="{09FDC953-F94B-4BF6-9058-77E5342884D4}" type="slidenum">
               <a:rPr kumimoji="1" lang="ja-JP" altLang="en-US" smtClean="0"/>
               <a:t>26</a:t>
+            </a:fld>
+            <a:endParaRPr kumimoji="1" lang="ja-JP" altLang="en-US"/>
+          </a:p>
+        </p:txBody>
+      </p:sp>
+    </p:spTree>
+    <p:extLst>
+      <p:ext uri="{BB962C8B-B14F-4D97-AF65-F5344CB8AC3E}">
+        <p14:creationId xmlns:p14="http://schemas.microsoft.com/office/powerpoint/2010/main" val="1514330029"/>
+      </p:ext>
+    </p:extLst>
+  </p:cSld>
+  <p:clrMapOvr>
+    <a:masterClrMapping/>
+  </p:clrMapOvr>
+</p:sld>
+</file>
+
+<file path=ppt/slides/slide27.xml><?xml version="1.0" encoding="utf-8"?>
+<p:sld xmlns:a="http://schemas.openxmlformats.org/drawingml/2006/main" xmlns:r="http://schemas.openxmlformats.org/officeDocument/2006/relationships" xmlns:p="http://schemas.openxmlformats.org/presentationml/2006/main">
+  <p:cSld>
+    <p:spTree>
+      <p:nvGrpSpPr>
+        <p:cNvPr id="1" name=""/>
+        <p:cNvGrpSpPr/>
+        <p:nvPr/>
+      </p:nvGrpSpPr>
+      <p:grpSpPr>
+        <a:xfrm>
+          <a:off x="0" y="0"/>
+          <a:ext cx="0" cy="0"/>
+          <a:chOff x="0" y="0"/>
+          <a:chExt cx="0" cy="0"/>
+        </a:xfrm>
+      </p:grpSpPr>
+      <p:sp>
+        <p:nvSpPr>
+          <p:cNvPr id="2" name="タイトル 1">
+            <a:extLst>
+              <a:ext uri="{FF2B5EF4-FFF2-40B4-BE49-F238E27FC236}">
+                <a16:creationId xmlns:a16="http://schemas.microsoft.com/office/drawing/2014/main" id="{50A3E87C-9F57-15B4-F18E-1DB24F54EC96}"/>
+              </a:ext>
+            </a:extLst>
+          </p:cNvPr>
+          <p:cNvSpPr>
+            <a:spLocks noGrp="1"/>
+          </p:cNvSpPr>
+          <p:nvPr>
+            <p:ph type="title"/>
+          </p:nvPr>
+        </p:nvSpPr>
+        <p:spPr/>
+        <p:txBody>
+          <a:bodyPr/>
+          <a:lstStyle/>
+          <a:p>
+            <a:r>
+              <a:rPr lang="en-US" altLang="ja-JP" dirty="0"/>
+              <a:t>Base-i</a:t>
+            </a:r>
+            <a:r>
+              <a:rPr kumimoji="1" lang="en-US" altLang="ja-JP" dirty="0"/>
+              <a:t>mage </a:t>
+            </a:r>
+            <a:r>
+              <a:rPr kumimoji="1" lang="ja-JP" altLang="en-US" dirty="0"/>
+              <a:t>の種類</a:t>
+            </a:r>
+          </a:p>
+        </p:txBody>
+      </p:sp>
+      <p:sp>
+        <p:nvSpPr>
+          <p:cNvPr id="3" name="コンテンツ プレースホルダー 2">
+            <a:extLst>
+              <a:ext uri="{FF2B5EF4-FFF2-40B4-BE49-F238E27FC236}">
+                <a16:creationId xmlns:a16="http://schemas.microsoft.com/office/drawing/2014/main" id="{E563E793-5931-DCC4-5187-497DB7C628F8}"/>
+              </a:ext>
+            </a:extLst>
+          </p:cNvPr>
+          <p:cNvSpPr>
+            <a:spLocks noGrp="1"/>
+          </p:cNvSpPr>
+          <p:nvPr>
+            <p:ph idx="1"/>
+          </p:nvPr>
+        </p:nvSpPr>
+        <p:spPr/>
+        <p:txBody>
+          <a:bodyPr/>
+          <a:lstStyle/>
+          <a:p>
+            <a:endParaRPr kumimoji="1" lang="ja-JP" altLang="en-US" dirty="0"/>
+          </a:p>
+        </p:txBody>
+      </p:sp>
+      <p:sp>
+        <p:nvSpPr>
+          <p:cNvPr id="4" name="スライド番号プレースホルダー 3">
+            <a:extLst>
+              <a:ext uri="{FF2B5EF4-FFF2-40B4-BE49-F238E27FC236}">
+                <a16:creationId xmlns:a16="http://schemas.microsoft.com/office/drawing/2014/main" id="{1BCC7824-A201-705E-E49D-C01A73FB41BA}"/>
+              </a:ext>
+            </a:extLst>
+          </p:cNvPr>
+          <p:cNvSpPr>
+            <a:spLocks noGrp="1"/>
+          </p:cNvSpPr>
+          <p:nvPr>
+            <p:ph type="sldNum" sz="quarter" idx="12"/>
+          </p:nvPr>
+        </p:nvSpPr>
+        <p:spPr/>
+        <p:txBody>
+          <a:bodyPr/>
+          <a:lstStyle/>
+          <a:p>
+            <a:fld id="{09FDC953-F94B-4BF6-9058-77E5342884D4}" type="slidenum">
+              <a:rPr kumimoji="1" lang="ja-JP" altLang="en-US" smtClean="0"/>
+              <a:t>27</a:t>
+            </a:fld>
+            <a:endParaRPr kumimoji="1" lang="ja-JP" altLang="en-US"/>
+          </a:p>
+        </p:txBody>
+      </p:sp>
+    </p:spTree>
+    <p:extLst>
+      <p:ext uri="{BB962C8B-B14F-4D97-AF65-F5344CB8AC3E}">
+        <p14:creationId xmlns:p14="http://schemas.microsoft.com/office/powerpoint/2010/main" val="939889867"/>
+      </p:ext>
+    </p:extLst>
+  </p:cSld>
+  <p:clrMapOvr>
+    <a:masterClrMapping/>
+  </p:clrMapOvr>
+</p:sld>
+</file>
+
+<file path=ppt/slides/slide28.xml><?xml version="1.0" encoding="utf-8"?>
+<p:sld xmlns:a="http://schemas.openxmlformats.org/drawingml/2006/main" xmlns:r="http://schemas.openxmlformats.org/officeDocument/2006/relationships" xmlns:p="http://schemas.openxmlformats.org/presentationml/2006/main">
+  <p:cSld>
+    <p:spTree>
+      <p:nvGrpSpPr>
+        <p:cNvPr id="1" name=""/>
+        <p:cNvGrpSpPr/>
+        <p:nvPr/>
+      </p:nvGrpSpPr>
+      <p:grpSpPr>
+        <a:xfrm>
+          <a:off x="0" y="0"/>
+          <a:ext cx="0" cy="0"/>
+          <a:chOff x="0" y="0"/>
+          <a:chExt cx="0" cy="0"/>
+        </a:xfrm>
+      </p:grpSpPr>
+      <p:sp>
+        <p:nvSpPr>
+          <p:cNvPr id="2" name="タイトル 1">
+            <a:extLst>
+              <a:ext uri="{FF2B5EF4-FFF2-40B4-BE49-F238E27FC236}">
+                <a16:creationId xmlns:a16="http://schemas.microsoft.com/office/drawing/2014/main" id="{50A3E87C-9F57-15B4-F18E-1DB24F54EC96}"/>
+              </a:ext>
+            </a:extLst>
+          </p:cNvPr>
+          <p:cNvSpPr>
+            <a:spLocks noGrp="1"/>
+          </p:cNvSpPr>
+          <p:nvPr>
+            <p:ph type="title"/>
+          </p:nvPr>
+        </p:nvSpPr>
+        <p:spPr/>
+        <p:txBody>
+          <a:bodyPr/>
+          <a:lstStyle/>
+          <a:p>
+            <a:r>
+              <a:rPr lang="en-US" altLang="ja-JP" dirty="0"/>
+              <a:t>i</a:t>
+            </a:r>
+            <a:r>
+              <a:rPr kumimoji="1" lang="en-US" altLang="ja-JP" dirty="0"/>
+              <a:t>mage </a:t>
+            </a:r>
+            <a:r>
+              <a:rPr lang="ja-JP" altLang="en-US" dirty="0"/>
+              <a:t>のベストプラクティス</a:t>
+            </a:r>
+            <a:endParaRPr kumimoji="1" lang="ja-JP" altLang="en-US" dirty="0"/>
+          </a:p>
+        </p:txBody>
+      </p:sp>
+      <p:sp>
+        <p:nvSpPr>
+          <p:cNvPr id="3" name="コンテンツ プレースホルダー 2">
+            <a:extLst>
+              <a:ext uri="{FF2B5EF4-FFF2-40B4-BE49-F238E27FC236}">
+                <a16:creationId xmlns:a16="http://schemas.microsoft.com/office/drawing/2014/main" id="{E563E793-5931-DCC4-5187-497DB7C628F8}"/>
+              </a:ext>
+            </a:extLst>
+          </p:cNvPr>
+          <p:cNvSpPr>
+            <a:spLocks noGrp="1"/>
+          </p:cNvSpPr>
+          <p:nvPr>
+            <p:ph idx="1"/>
+          </p:nvPr>
+        </p:nvSpPr>
+        <p:spPr/>
+        <p:txBody>
+          <a:bodyPr/>
+          <a:lstStyle/>
+          <a:p>
+            <a:endParaRPr kumimoji="1" lang="ja-JP" altLang="en-US" dirty="0"/>
+          </a:p>
+        </p:txBody>
+      </p:sp>
+      <p:sp>
+        <p:nvSpPr>
+          <p:cNvPr id="4" name="スライド番号プレースホルダー 3">
+            <a:extLst>
+              <a:ext uri="{FF2B5EF4-FFF2-40B4-BE49-F238E27FC236}">
+                <a16:creationId xmlns:a16="http://schemas.microsoft.com/office/drawing/2014/main" id="{B024115D-E210-EAF2-5AF0-747E121CC270}"/>
+              </a:ext>
+            </a:extLst>
+          </p:cNvPr>
+          <p:cNvSpPr>
+            <a:spLocks noGrp="1"/>
+          </p:cNvSpPr>
+          <p:nvPr>
+            <p:ph type="sldNum" sz="quarter" idx="12"/>
+          </p:nvPr>
+        </p:nvSpPr>
+        <p:spPr/>
+        <p:txBody>
+          <a:bodyPr/>
+          <a:lstStyle/>
+          <a:p>
+            <a:fld id="{09FDC953-F94B-4BF6-9058-77E5342884D4}" type="slidenum">
+              <a:rPr kumimoji="1" lang="ja-JP" altLang="en-US" smtClean="0"/>
+              <a:t>28</a:t>
             </a:fld>
             <a:endParaRPr kumimoji="1" lang="ja-JP" altLang="en-US"/>
           </a:p>

--- a/docker-container.pptx
+++ b/docker-container.pptx
@@ -5,10 +5,10 @@
     <p:sldMasterId id="2147483648" r:id="rId1"/>
   </p:sldMasterIdLst>
   <p:notesMasterIdLst>
-    <p:notesMasterId r:id="rId30"/>
+    <p:notesMasterId r:id="rId32"/>
   </p:notesMasterIdLst>
   <p:handoutMasterIdLst>
-    <p:handoutMasterId r:id="rId31"/>
+    <p:handoutMasterId r:id="rId33"/>
   </p:handoutMasterIdLst>
   <p:sldIdLst>
     <p:sldId id="256" r:id="rId2"/>
@@ -17,12 +17,12 @@
     <p:sldId id="258" r:id="rId5"/>
     <p:sldId id="266" r:id="rId6"/>
     <p:sldId id="267" r:id="rId7"/>
-    <p:sldId id="274" r:id="rId8"/>
-    <p:sldId id="260" r:id="rId9"/>
-    <p:sldId id="262" r:id="rId10"/>
-    <p:sldId id="281" r:id="rId11"/>
+    <p:sldId id="285" r:id="rId8"/>
+    <p:sldId id="274" r:id="rId9"/>
+    <p:sldId id="260" r:id="rId10"/>
+    <p:sldId id="262" r:id="rId11"/>
     <p:sldId id="261" r:id="rId12"/>
-    <p:sldId id="263" r:id="rId13"/>
+    <p:sldId id="287" r:id="rId13"/>
     <p:sldId id="265" r:id="rId14"/>
     <p:sldId id="264" r:id="rId15"/>
     <p:sldId id="275" r:id="rId16"/>
@@ -39,6 +39,8 @@
     <p:sldId id="280" r:id="rId27"/>
     <p:sldId id="277" r:id="rId28"/>
     <p:sldId id="278" r:id="rId29"/>
+    <p:sldId id="284" r:id="rId30"/>
+    <p:sldId id="286" r:id="rId31"/>
   </p:sldIdLst>
   <p:sldSz cx="12192000" cy="6858000"/>
   <p:notesSz cx="6858000" cy="9144000"/>
@@ -242,7 +244,7 @@
           <a:p>
             <a:fld id="{99A0C20C-7A18-40C8-9999-BDC67FBB8458}" type="datetimeFigureOut">
               <a:rPr kumimoji="1" lang="ja-JP" altLang="en-US" smtClean="0"/>
-              <a:t>2024/5/28</a:t>
+              <a:t>2024/5/29</a:t>
             </a:fld>
             <a:endParaRPr kumimoji="1" lang="ja-JP" altLang="en-US"/>
           </a:p>
@@ -378,7 +380,7 @@
           <a:p>
             <a:fld id="{B0B4522C-AFC9-41CE-A894-3AD9CAFBC704}" type="datetimeFigureOut">
               <a:rPr kumimoji="1" lang="ja-JP" altLang="en-US" smtClean="0"/>
-              <a:t>2024/5/28</a:t>
+              <a:t>2024/5/29</a:t>
             </a:fld>
             <a:endParaRPr kumimoji="1" lang="ja-JP" altLang="en-US"/>
           </a:p>
@@ -929,6 +931,90 @@
 </p:notes>
 </file>
 
+<file path=ppt/notesSlides/notesSlide4.xml><?xml version="1.0" encoding="utf-8"?>
+<p:notes xmlns:a="http://schemas.openxmlformats.org/drawingml/2006/main" xmlns:r="http://schemas.openxmlformats.org/officeDocument/2006/relationships" xmlns:p="http://schemas.openxmlformats.org/presentationml/2006/main">
+  <p:cSld>
+    <p:spTree>
+      <p:nvGrpSpPr>
+        <p:cNvPr id="1" name=""/>
+        <p:cNvGrpSpPr/>
+        <p:nvPr/>
+      </p:nvGrpSpPr>
+      <p:grpSpPr>
+        <a:xfrm>
+          <a:off x="0" y="0"/>
+          <a:ext cx="0" cy="0"/>
+          <a:chOff x="0" y="0"/>
+          <a:chExt cx="0" cy="0"/>
+        </a:xfrm>
+      </p:grpSpPr>
+      <p:sp>
+        <p:nvSpPr>
+          <p:cNvPr id="2" name="スライド イメージ プレースホルダー 1"/>
+          <p:cNvSpPr>
+            <a:spLocks noGrp="1" noRot="1" noChangeAspect="1"/>
+          </p:cNvSpPr>
+          <p:nvPr>
+            <p:ph type="sldImg"/>
+          </p:nvPr>
+        </p:nvSpPr>
+        <p:spPr/>
+      </p:sp>
+      <p:sp>
+        <p:nvSpPr>
+          <p:cNvPr id="3" name="ノート プレースホルダー 2"/>
+          <p:cNvSpPr>
+            <a:spLocks noGrp="1"/>
+          </p:cNvSpPr>
+          <p:nvPr>
+            <p:ph type="body" idx="1"/>
+          </p:nvPr>
+        </p:nvSpPr>
+        <p:spPr/>
+        <p:txBody>
+          <a:bodyPr/>
+          <a:lstStyle/>
+          <a:p>
+            <a:endParaRPr kumimoji="1" lang="ja-JP" altLang="en-US" dirty="0"/>
+          </a:p>
+        </p:txBody>
+      </p:sp>
+      <p:sp>
+        <p:nvSpPr>
+          <p:cNvPr id="4" name="スライド番号プレースホルダー 3"/>
+          <p:cNvSpPr>
+            <a:spLocks noGrp="1"/>
+          </p:cNvSpPr>
+          <p:nvPr>
+            <p:ph type="sldNum" sz="quarter" idx="5"/>
+          </p:nvPr>
+        </p:nvSpPr>
+        <p:spPr/>
+        <p:txBody>
+          <a:bodyPr/>
+          <a:lstStyle/>
+          <a:p>
+            <a:fld id="{F26EE981-7732-41D3-AB89-E4466479DA03}" type="slidenum">
+              <a:rPr kumimoji="1" lang="ja-JP" altLang="en-US" smtClean="0"/>
+              <a:t>20</a:t>
+            </a:fld>
+            <a:endParaRPr kumimoji="1" lang="ja-JP" altLang="en-US"/>
+          </a:p>
+        </p:txBody>
+      </p:sp>
+    </p:spTree>
+    <p:extLst>
+      <p:ext uri="{BB962C8B-B14F-4D97-AF65-F5344CB8AC3E}">
+        <p14:creationId xmlns:p14="http://schemas.microsoft.com/office/powerpoint/2010/main" val="1249395456"/>
+      </p:ext>
+    </p:extLst>
+  </p:cSld>
+  <p:clrMapOvr>
+    <a:masterClrMapping/>
+  </p:clrMapOvr>
+</p:notes>
+</file>
+
 <file path=ppt/slideLayouts/slideLayout1.xml><?xml version="1.0" encoding="utf-8"?>
 <p:sldLayout xmlns:a="http://schemas.openxmlformats.org/drawingml/2006/main" xmlns:r="http://schemas.openxmlformats.org/officeDocument/2006/relationships" xmlns:p="http://schemas.openxmlformats.org/presentationml/2006/main" type="title" preserve="1">
   <p:cSld name="タイトル スライド">
@@ -1087,7 +1173,7 @@
           <a:p>
             <a:fld id="{1C608073-E1FB-4CCC-8B06-99E5406A43AB}" type="datetime1">
               <a:rPr kumimoji="1" lang="ja-JP" altLang="en-US" smtClean="0"/>
-              <a:t>2024/5/28</a:t>
+              <a:t>2024/5/29</a:t>
             </a:fld>
             <a:endParaRPr kumimoji="1" lang="ja-JP" altLang="en-US"/>
           </a:p>
@@ -1371,7 +1457,7 @@
           <a:p>
             <a:fld id="{43396454-4B54-4B86-BE76-F4FAAA82B07C}" type="datetime1">
               <a:rPr kumimoji="1" lang="ja-JP" altLang="en-US" smtClean="0"/>
-              <a:t>2024/5/28</a:t>
+              <a:t>2024/5/29</a:t>
             </a:fld>
             <a:endParaRPr kumimoji="1" lang="ja-JP" altLang="en-US"/>
           </a:p>
@@ -1611,7 +1697,7 @@
           <a:p>
             <a:fld id="{002243C2-230D-4F80-BE2E-56FA9F562E42}" type="datetime1">
               <a:rPr kumimoji="1" lang="ja-JP" altLang="en-US" smtClean="0"/>
-              <a:t>2024/5/28</a:t>
+              <a:t>2024/5/29</a:t>
             </a:fld>
             <a:endParaRPr kumimoji="1" lang="ja-JP" altLang="en-US"/>
           </a:p>
@@ -1877,7 +1963,7 @@
           <a:p>
             <a:fld id="{4BEA8003-DFC0-4950-8329-32C068AC449A}" type="datetime1">
               <a:rPr kumimoji="1" lang="ja-JP" altLang="en-US" smtClean="0"/>
-              <a:t>2024/5/28</a:t>
+              <a:t>2024/5/29</a:t>
             </a:fld>
             <a:endParaRPr kumimoji="1" lang="ja-JP" altLang="en-US"/>
           </a:p>
@@ -2206,7 +2292,7 @@
           <a:p>
             <a:fld id="{A1DE1A3D-6517-4D21-96FC-BECFAFBDE02B}" type="datetime1">
               <a:rPr kumimoji="1" lang="ja-JP" altLang="en-US" smtClean="0"/>
-              <a:t>2024/5/28</a:t>
+              <a:t>2024/5/29</a:t>
             </a:fld>
             <a:endParaRPr kumimoji="1" lang="ja-JP" altLang="en-US"/>
           </a:p>
@@ -2552,7 +2638,7 @@
           <a:p>
             <a:fld id="{D272E72A-0F0F-4302-B964-E9764CF668E8}" type="datetime1">
               <a:rPr kumimoji="1" lang="ja-JP" altLang="en-US" smtClean="0"/>
-              <a:t>2024/5/28</a:t>
+              <a:t>2024/5/29</a:t>
             </a:fld>
             <a:endParaRPr kumimoji="1" lang="ja-JP" altLang="en-US"/>
           </a:p>
@@ -3028,7 +3114,7 @@
           <a:p>
             <a:fld id="{6FD93DD8-23D4-4BFC-8CEB-D4EEE1679259}" type="datetime1">
               <a:rPr kumimoji="1" lang="ja-JP" altLang="en-US" smtClean="0"/>
-              <a:t>2024/5/28</a:t>
+              <a:t>2024/5/29</a:t>
             </a:fld>
             <a:endParaRPr kumimoji="1" lang="ja-JP" altLang="en-US"/>
           </a:p>
@@ -3169,7 +3255,7 @@
           <a:p>
             <a:fld id="{99C6FC8C-ED75-472B-B4F3-7CAE2DB654A8}" type="datetime1">
               <a:rPr kumimoji="1" lang="ja-JP" altLang="en-US" smtClean="0"/>
-              <a:t>2024/5/28</a:t>
+              <a:t>2024/5/29</a:t>
             </a:fld>
             <a:endParaRPr kumimoji="1" lang="ja-JP" altLang="en-US"/>
           </a:p>
@@ -3282,7 +3368,7 @@
           <a:p>
             <a:fld id="{EECADCE3-F9D6-4D4D-B000-50AFDBD1BC64}" type="datetime1">
               <a:rPr kumimoji="1" lang="ja-JP" altLang="en-US" smtClean="0"/>
-              <a:t>2024/5/28</a:t>
+              <a:t>2024/5/29</a:t>
             </a:fld>
             <a:endParaRPr kumimoji="1" lang="ja-JP" altLang="en-US"/>
           </a:p>
@@ -3625,7 +3711,7 @@
           <a:p>
             <a:fld id="{DBCB9050-36F9-4A8C-A970-04D5200EAC16}" type="datetime1">
               <a:rPr kumimoji="1" lang="ja-JP" altLang="en-US" smtClean="0"/>
-              <a:t>2024/5/28</a:t>
+              <a:t>2024/5/29</a:t>
             </a:fld>
             <a:endParaRPr kumimoji="1" lang="ja-JP" altLang="en-US"/>
           </a:p>
@@ -3913,7 +3999,7 @@
           <a:p>
             <a:fld id="{6A373F9C-62F6-4BC6-AB78-E008C5697C12}" type="datetime1">
               <a:rPr kumimoji="1" lang="ja-JP" altLang="en-US" smtClean="0"/>
-              <a:t>2024/5/28</a:t>
+              <a:t>2024/5/29</a:t>
             </a:fld>
             <a:endParaRPr kumimoji="1" lang="ja-JP" altLang="en-US"/>
           </a:p>
@@ -4186,7 +4272,7 @@
           <a:p>
             <a:fld id="{76E0CEE0-39E0-4956-A23C-73F5A1380A50}" type="datetime1">
               <a:rPr kumimoji="1" lang="ja-JP" altLang="en-US" smtClean="0"/>
-              <a:t>2024/5/28</a:t>
+              <a:t>2024/5/29</a:t>
             </a:fld>
             <a:endParaRPr kumimoji="1" lang="ja-JP" altLang="en-US"/>
           </a:p>
@@ -4886,21 +4972,153 @@
           <a:p>
             <a:r>
               <a:rPr kumimoji="1" lang="ja-JP" altLang="en-US" dirty="0"/>
-              <a:t>歴史</a:t>
-            </a:r>
+              <a:t>誕生</a:t>
+            </a:r>
+            <a:endParaRPr kumimoji="1" lang="en-US" altLang="ja-JP" dirty="0"/>
+          </a:p>
+          <a:p>
+            <a:pPr lvl="1"/>
             <a:r>
               <a:rPr kumimoji="1" lang="en-US" altLang="ja-JP" dirty="0"/>
-              <a:t>, </a:t>
+              <a:t>2013</a:t>
             </a:r>
             <a:r>
               <a:rPr kumimoji="1" lang="ja-JP" altLang="en-US" dirty="0"/>
-              <a:t>原理</a:t>
+              <a:t>年 </a:t>
+            </a:r>
+            <a:r>
+              <a:rPr kumimoji="1" lang="en-US" altLang="ja-JP" dirty="0"/>
+              <a:t>3</a:t>
+            </a:r>
+            <a:r>
+              <a:rPr kumimoji="1" lang="ja-JP" altLang="en-US" dirty="0"/>
+              <a:t>月 に登場</a:t>
+            </a:r>
+            <a:r>
+              <a:rPr kumimoji="1" lang="en-US" altLang="ja-JP" sz="2000" dirty="0"/>
+              <a:t>(10</a:t>
+            </a:r>
+            <a:r>
+              <a:rPr kumimoji="1" lang="ja-JP" altLang="en-US" sz="2000" dirty="0"/>
+              <a:t>年以上前！</a:t>
+            </a:r>
+            <a:r>
+              <a:rPr kumimoji="1" lang="en-US" altLang="ja-JP" sz="2000" dirty="0"/>
+              <a:t>)</a:t>
             </a:r>
             <a:endParaRPr kumimoji="1" lang="en-US" altLang="ja-JP" dirty="0"/>
           </a:p>
           <a:p>
             <a:pPr lvl="1"/>
-            <a:endParaRPr kumimoji="1" lang="ja-JP" altLang="en-US" dirty="0"/>
+            <a:endParaRPr kumimoji="1" lang="en-US" altLang="ja-JP" sz="1600" dirty="0"/>
+          </a:p>
+          <a:p>
+            <a:r>
+              <a:rPr kumimoji="1" lang="ja-JP" altLang="en-US" dirty="0"/>
+              <a:t>インフラ，</a:t>
+            </a:r>
+            <a:r>
+              <a:rPr kumimoji="1" lang="en-US" altLang="ja-JP" dirty="0"/>
+              <a:t>DevOps</a:t>
+            </a:r>
+            <a:r>
+              <a:rPr kumimoji="1" lang="ja-JP" altLang="en-US" dirty="0"/>
+              <a:t>で注目</a:t>
+            </a:r>
+            <a:endParaRPr kumimoji="1" lang="en-US" altLang="ja-JP" dirty="0"/>
+          </a:p>
+          <a:p>
+            <a:pPr lvl="1"/>
+            <a:r>
+              <a:rPr lang="ja-JP" altLang="en-US" b="1" dirty="0">
+                <a:solidFill>
+                  <a:srgbClr val="FF0000"/>
+                </a:solidFill>
+              </a:rPr>
+              <a:t>コンテナ型</a:t>
+            </a:r>
+            <a:r>
+              <a:rPr lang="ja-JP" altLang="en-US" dirty="0"/>
+              <a:t>仮想環境を作成，配布，実行するためのプラットフォーム</a:t>
+            </a:r>
+            <a:endParaRPr lang="en-US" altLang="ja-JP" dirty="0"/>
+          </a:p>
+          <a:p>
+            <a:pPr marL="457200" lvl="1" indent="0">
+              <a:buNone/>
+            </a:pPr>
+            <a:r>
+              <a:rPr kumimoji="1" lang="en-US" altLang="ja-JP" b="1" i="1" dirty="0"/>
+              <a:t>DevOps:</a:t>
+            </a:r>
+          </a:p>
+          <a:p>
+            <a:pPr lvl="2">
+              <a:buFont typeface="Wingdings" panose="05000000000000000000" pitchFamily="2" charset="2"/>
+              <a:buChar char="Ø"/>
+            </a:pPr>
+            <a:r>
+              <a:rPr kumimoji="1" lang="ja-JP" altLang="en-US" dirty="0"/>
+              <a:t>アイデアを開発から本番まで移行し，実際に価値提供するまでのプロセス</a:t>
+            </a:r>
+            <a:endParaRPr kumimoji="1" lang="en-US" altLang="ja-JP" dirty="0"/>
+          </a:p>
+          <a:p>
+            <a:pPr lvl="1"/>
+            <a:endParaRPr kumimoji="1" lang="en-US" altLang="ja-JP" sz="1600" dirty="0"/>
+          </a:p>
+          <a:p>
+            <a:r>
+              <a:rPr kumimoji="1" lang="en-US" altLang="ja-JP" dirty="0" err="1"/>
+              <a:t>IaC</a:t>
+            </a:r>
+            <a:r>
+              <a:rPr kumimoji="1" lang="en-US" altLang="ja-JP" sz="2400" dirty="0"/>
+              <a:t>(</a:t>
+            </a:r>
+            <a:r>
+              <a:rPr kumimoji="1" lang="en-US" altLang="ja-JP" sz="2400" dirty="0" err="1"/>
+              <a:t>Infrastracture</a:t>
+            </a:r>
+            <a:r>
+              <a:rPr kumimoji="1" lang="en-US" altLang="ja-JP" sz="2400" dirty="0"/>
+              <a:t> as Code)</a:t>
+            </a:r>
+          </a:p>
+          <a:p>
+            <a:pPr lvl="1"/>
+            <a:r>
+              <a:rPr lang="ja-JP" altLang="en-US" dirty="0"/>
+              <a:t>依存関係，ネットワーク構成等を</a:t>
+            </a:r>
+            <a:r>
+              <a:rPr lang="ja-JP" altLang="en-US" b="1" u="sng" dirty="0"/>
+              <a:t>コードとして管理</a:t>
+            </a:r>
+            <a:endParaRPr lang="en-US" altLang="ja-JP" b="1" u="sng" dirty="0"/>
+          </a:p>
+          <a:p>
+            <a:pPr lvl="2"/>
+            <a:r>
+              <a:rPr kumimoji="1" lang="ja-JP" altLang="en-US" dirty="0"/>
+              <a:t>手動の環境構築が不要</a:t>
+            </a:r>
+            <a:endParaRPr kumimoji="1" lang="en-US" altLang="ja-JP" dirty="0"/>
+          </a:p>
+          <a:p>
+            <a:pPr lvl="2"/>
+            <a:r>
+              <a:rPr kumimoji="1" lang="ja-JP" altLang="en-US" dirty="0"/>
+              <a:t>一貫性のある環境の</a:t>
+            </a:r>
+            <a:r>
+              <a:rPr kumimoji="1" lang="ja-JP" altLang="en-US" b="1" dirty="0"/>
+              <a:t>共有，再現，配布</a:t>
+            </a:r>
+            <a:r>
+              <a:rPr kumimoji="1" lang="ja-JP" altLang="en-US" dirty="0"/>
+              <a:t>が簡単</a:t>
+            </a:r>
           </a:p>
         </p:txBody>
       </p:sp>
@@ -5062,7 +5280,7 @@
     </p:spTree>
     <p:extLst>
       <p:ext uri="{BB962C8B-B14F-4D97-AF65-F5344CB8AC3E}">
-        <p14:creationId xmlns:p14="http://schemas.microsoft.com/office/powerpoint/2010/main" val="1934338039"/>
+        <p14:creationId xmlns:p14="http://schemas.microsoft.com/office/powerpoint/2010/main" val="2867152499"/>
       </p:ext>
     </p:extLst>
   </p:cSld>
@@ -5378,7 +5596,7 @@
         </p:nvSpPr>
         <p:spPr>
           <a:xfrm>
-            <a:off x="5045176" y="5099053"/>
+            <a:off x="4039983" y="5076663"/>
             <a:ext cx="1769807" cy="461665"/>
           </a:xfrm>
           <a:prstGeom prst="rect">
@@ -5683,7 +5901,7 @@
         </p:nvSpPr>
         <p:spPr>
           <a:xfrm>
-            <a:off x="3841067" y="5482141"/>
+            <a:off x="1772468" y="5480475"/>
             <a:ext cx="1769807" cy="461665"/>
           </a:xfrm>
           <a:prstGeom prst="rect">
@@ -6411,7 +6629,7 @@
     </p:spTree>
     <p:extLst>
       <p:ext uri="{BB962C8B-B14F-4D97-AF65-F5344CB8AC3E}">
-        <p14:creationId xmlns:p14="http://schemas.microsoft.com/office/powerpoint/2010/main" val="984655461"/>
+        <p14:creationId xmlns:p14="http://schemas.microsoft.com/office/powerpoint/2010/main" val="2715329255"/>
       </p:ext>
     </p:extLst>
   </p:cSld>
@@ -8084,13 +8302,13 @@
         </p:nvSpPr>
         <p:spPr>
           <a:xfrm>
-            <a:off x="6177917" y="4157472"/>
+            <a:off x="6134660" y="4551822"/>
             <a:ext cx="5748303" cy="1458952"/>
           </a:xfrm>
           <a:prstGeom prst="wedgeRoundRectCallout">
             <a:avLst>
-              <a:gd name="adj1" fmla="val -58281"/>
-              <a:gd name="adj2" fmla="val -4574"/>
+              <a:gd name="adj1" fmla="val -61189"/>
+              <a:gd name="adj2" fmla="val 6883"/>
               <a:gd name="adj3" fmla="val 16667"/>
             </a:avLst>
           </a:prstGeom>
@@ -8221,7 +8439,7 @@
               <a:t>Dockerfile</a:t>
             </a:r>
             <a:r>
-              <a:rPr kumimoji="1" lang="ja-JP" altLang="en-US" b="1" dirty="0"/>
+              <a:rPr kumimoji="1" lang="ja-JP" altLang="en-US" dirty="0"/>
               <a:t>から</a:t>
             </a:r>
             <a:r>
@@ -8249,10 +8467,10 @@
               <a:t>を</a:t>
             </a:r>
             <a:r>
-              <a:rPr lang="en-US" altLang="ja-JP" dirty="0"/>
+              <a:rPr lang="en-US" altLang="ja-JP" b="1" dirty="0"/>
               <a:t>pull</a:t>
             </a:r>
-            <a:endParaRPr kumimoji="1" lang="en-US" altLang="ja-JP" dirty="0"/>
+            <a:endParaRPr kumimoji="1" lang="en-US" altLang="ja-JP" b="1" dirty="0"/>
           </a:p>
           <a:p>
             <a:pPr lvl="2"/>
@@ -8540,7 +8758,7 @@
         </p:blipFill>
         <p:spPr>
           <a:xfrm rot="5400000">
-            <a:off x="399197" y="4889012"/>
+            <a:off x="309037" y="4536614"/>
             <a:ext cx="1143785" cy="1143785"/>
           </a:xfrm>
           <a:prstGeom prst="rect">
@@ -8632,13 +8850,13 @@
         </p:nvSpPr>
         <p:spPr>
           <a:xfrm>
-            <a:off x="2029677" y="4492501"/>
+            <a:off x="1844923" y="5050990"/>
             <a:ext cx="3598746" cy="519374"/>
           </a:xfrm>
           <a:prstGeom prst="wedgeRoundRectCallout">
             <a:avLst>
-              <a:gd name="adj1" fmla="val -65738"/>
-              <a:gd name="adj2" fmla="val 43505"/>
+              <a:gd name="adj1" fmla="val -69017"/>
+              <a:gd name="adj2" fmla="val 30254"/>
               <a:gd name="adj3" fmla="val 16667"/>
             </a:avLst>
           </a:prstGeom>
@@ -8761,13 +8979,13 @@
         </p:nvSpPr>
         <p:spPr>
           <a:xfrm>
-            <a:off x="2029677" y="5165088"/>
+            <a:off x="1834637" y="4362633"/>
             <a:ext cx="3446346" cy="519374"/>
           </a:xfrm>
           <a:prstGeom prst="wedgeRoundRectCallout">
             <a:avLst>
-              <a:gd name="adj1" fmla="val -66832"/>
-              <a:gd name="adj2" fmla="val 4992"/>
+              <a:gd name="adj1" fmla="val -68259"/>
+              <a:gd name="adj2" fmla="val -687"/>
               <a:gd name="adj3" fmla="val 16667"/>
             </a:avLst>
           </a:prstGeom>
@@ -8947,7 +9165,7 @@
         </p:blipFill>
         <p:spPr>
           <a:xfrm rot="5400000">
-            <a:off x="6229878" y="4402826"/>
+            <a:off x="6186621" y="4797176"/>
             <a:ext cx="1143785" cy="1143785"/>
           </a:xfrm>
           <a:prstGeom prst="rect">
@@ -8969,13 +9187,13 @@
         </p:nvSpPr>
         <p:spPr>
           <a:xfrm>
-            <a:off x="7736924" y="4284702"/>
+            <a:off x="7743410" y="5369068"/>
             <a:ext cx="3874971" cy="519374"/>
           </a:xfrm>
           <a:prstGeom prst="wedgeRoundRectCallout">
             <a:avLst>
-              <a:gd name="adj1" fmla="val -66367"/>
-              <a:gd name="adj2" fmla="val -2270"/>
+              <a:gd name="adj1" fmla="val -66875"/>
+              <a:gd name="adj2" fmla="val 18554"/>
               <a:gd name="adj3" fmla="val 16667"/>
             </a:avLst>
           </a:prstGeom>
@@ -9098,13 +9316,13 @@
         </p:nvSpPr>
         <p:spPr>
           <a:xfrm>
-            <a:off x="7779788" y="4953249"/>
+            <a:off x="7743410" y="4617922"/>
             <a:ext cx="3598746" cy="519374"/>
           </a:xfrm>
           <a:prstGeom prst="wedgeRoundRectCallout">
             <a:avLst>
-              <a:gd name="adj1" fmla="val -68120"/>
-              <a:gd name="adj2" fmla="val 23332"/>
+              <a:gd name="adj1" fmla="val -68940"/>
+              <a:gd name="adj2" fmla="val 4401"/>
               <a:gd name="adj3" fmla="val 16667"/>
             </a:avLst>
           </a:prstGeom>
@@ -9201,7 +9419,7 @@
         </p:nvSpPr>
         <p:spPr>
           <a:xfrm>
-            <a:off x="6630712" y="5628046"/>
+            <a:off x="6749282" y="4095571"/>
             <a:ext cx="4981183" cy="461665"/>
           </a:xfrm>
           <a:prstGeom prst="rect">
@@ -9337,41 +9555,95 @@
           <a:lstStyle/>
           <a:p>
             <a:r>
-              <a:rPr lang="en-US" altLang="ja-JP" i="1" dirty="0">
-                <a:solidFill>
-                  <a:schemeClr val="accent2"/>
-                </a:solidFill>
-              </a:rPr>
-              <a:t>container</a:t>
-            </a:r>
+              <a:rPr kumimoji="1" lang="ja-JP" altLang="en-US" dirty="0"/>
+              <a:t>概要</a:t>
+            </a:r>
+            <a:endParaRPr kumimoji="1" lang="en-US" altLang="ja-JP" dirty="0"/>
           </a:p>
           <a:p>
             <a:pPr lvl="1"/>
             <a:r>
+              <a:rPr kumimoji="1" lang="en-US" altLang="ja-JP" dirty="0"/>
+              <a:t>CPU</a:t>
+            </a:r>
+            <a:r>
               <a:rPr lang="en-US" altLang="ja-JP" dirty="0"/>
-              <a:t>container</a:t>
-            </a:r>
-            <a:r>
-              <a:rPr lang="ja-JP" altLang="en-US" dirty="0"/>
-              <a:t>作成に使用されるスタンドアロンな実行可能ファイル</a:t>
-            </a:r>
-            <a:endParaRPr lang="en-US" altLang="ja-JP" dirty="0"/>
+              <a:t>/</a:t>
+            </a:r>
+            <a:r>
+              <a:rPr kumimoji="1" lang="ja-JP" altLang="en-US" dirty="0"/>
+              <a:t>メモリ</a:t>
+            </a:r>
+            <a:r>
+              <a:rPr lang="en-US" altLang="ja-JP" dirty="0"/>
+              <a:t>/</a:t>
+            </a:r>
+            <a:r>
+              <a:rPr kumimoji="1" lang="ja-JP" altLang="en-US" dirty="0"/>
+              <a:t>プロセス空間などが隔離された</a:t>
+            </a:r>
+            <a:r>
+              <a:rPr kumimoji="1" lang="ja-JP" altLang="en-US" b="1" dirty="0"/>
+              <a:t>プロセスの実体</a:t>
+            </a:r>
+            <a:endParaRPr kumimoji="1" lang="en-US" altLang="ja-JP" b="1" dirty="0"/>
           </a:p>
           <a:p>
             <a:pPr lvl="2"/>
             <a:r>
-              <a:rPr kumimoji="1" lang="ja-JP" altLang="en-US" b="1" dirty="0"/>
-              <a:t>ライブラリ，依存関係，ファイル</a:t>
+              <a:rPr lang="en-US" altLang="ja-JP" dirty="0"/>
+              <a:t>i</a:t>
+            </a:r>
+            <a:r>
+              <a:rPr kumimoji="1" lang="en-US" altLang="ja-JP" dirty="0"/>
+              <a:t>mage</a:t>
             </a:r>
             <a:r>
               <a:rPr kumimoji="1" lang="ja-JP" altLang="en-US" dirty="0"/>
-              <a:t>全てを内包</a:t>
+              <a:t>を実行することで生成</a:t>
+            </a:r>
+            <a:endParaRPr kumimoji="1" lang="en-US" altLang="ja-JP" dirty="0"/>
+          </a:p>
+          <a:p>
+            <a:pPr lvl="1"/>
+            <a:r>
+              <a:rPr kumimoji="1" lang="en-US" altLang="ja-JP" dirty="0"/>
+              <a:t>2</a:t>
+            </a:r>
+            <a:r>
+              <a:rPr kumimoji="1" lang="ja-JP" altLang="en-US" dirty="0"/>
+              <a:t>つの状態</a:t>
             </a:r>
             <a:endParaRPr kumimoji="1" lang="en-US" altLang="ja-JP" dirty="0"/>
           </a:p>
           <a:p>
             <a:pPr lvl="1"/>
             <a:endParaRPr kumimoji="1" lang="en-US" altLang="ja-JP" dirty="0"/>
+          </a:p>
+          <a:p>
+            <a:pPr lvl="1"/>
+            <a:endParaRPr lang="en-US" altLang="ja-JP" dirty="0"/>
+          </a:p>
+          <a:p>
+            <a:pPr marL="457200" lvl="1" indent="0">
+              <a:buNone/>
+            </a:pPr>
+            <a:endParaRPr lang="en-US" altLang="ja-JP" dirty="0"/>
+          </a:p>
+          <a:p>
+            <a:r>
+              <a:rPr lang="ja-JP" altLang="en-US" dirty="0"/>
+              <a:t>設定</a:t>
+            </a:r>
+            <a:endParaRPr lang="en-US" altLang="ja-JP" dirty="0"/>
+          </a:p>
+          <a:p>
+            <a:pPr lvl="1"/>
+            <a:r>
+              <a:rPr lang="ja-JP" altLang="en-US" dirty="0"/>
+              <a:t>起動時に様々なオプションを付与可能</a:t>
+            </a:r>
+            <a:endParaRPr lang="en-US" altLang="ja-JP" dirty="0"/>
           </a:p>
           <a:p>
             <a:pPr lvl="1"/>
@@ -9492,6 +9764,378 @@
               <a:t>17</a:t>
             </a:fld>
             <a:endParaRPr kumimoji="1" lang="ja-JP" altLang="en-US"/>
+          </a:p>
+        </p:txBody>
+      </p:sp>
+      <p:pic>
+        <p:nvPicPr>
+          <p:cNvPr id="6" name="グラフィックス 5" descr="箱 単色塗りつぶし">
+            <a:extLst>
+              <a:ext uri="{FF2B5EF4-FFF2-40B4-BE49-F238E27FC236}">
+                <a16:creationId xmlns:a16="http://schemas.microsoft.com/office/drawing/2014/main" id="{B2062355-8C29-1E20-69CB-36CDF47279C0}"/>
+              </a:ext>
+            </a:extLst>
+          </p:cNvPr>
+          <p:cNvPicPr>
+            <a:picLocks noChangeAspect="1"/>
+          </p:cNvPicPr>
+          <p:nvPr/>
+        </p:nvPicPr>
+        <p:blipFill>
+          <a:blip r:embed="rId2">
+            <a:extLst>
+              <a:ext uri="{28A0092B-C50C-407E-A947-70E740481C1C}">
+                <a14:useLocalDpi xmlns:a14="http://schemas.microsoft.com/office/drawing/2010/main" val="0"/>
+              </a:ext>
+              <a:ext uri="{96DAC541-7B7A-43D3-8B79-37D633B846F1}">
+                <asvg:svgBlip xmlns:asvg="http://schemas.microsoft.com/office/drawing/2016/SVG/main" r:embed="rId3"/>
+              </a:ext>
+            </a:extLst>
+          </a:blip>
+          <a:stretch>
+            <a:fillRect/>
+          </a:stretch>
+        </p:blipFill>
+        <p:spPr>
+          <a:xfrm>
+            <a:off x="6824815" y="3134032"/>
+            <a:ext cx="914400" cy="914400"/>
+          </a:xfrm>
+          <a:prstGeom prst="rect">
+            <a:avLst/>
+          </a:prstGeom>
+        </p:spPr>
+      </p:pic>
+      <p:pic>
+        <p:nvPicPr>
+          <p:cNvPr id="7" name="グラフィックス 6" descr="開いた荷箱 単色塗りつぶし">
+            <a:extLst>
+              <a:ext uri="{FF2B5EF4-FFF2-40B4-BE49-F238E27FC236}">
+                <a16:creationId xmlns:a16="http://schemas.microsoft.com/office/drawing/2014/main" id="{95C17101-F3E4-4567-BD07-A73ADBA9FDD4}"/>
+              </a:ext>
+            </a:extLst>
+          </p:cNvPr>
+          <p:cNvPicPr>
+            <a:picLocks noChangeAspect="1"/>
+          </p:cNvPicPr>
+          <p:nvPr/>
+        </p:nvPicPr>
+        <p:blipFill>
+          <a:blip r:embed="rId4">
+            <a:extLst>
+              <a:ext uri="{28A0092B-C50C-407E-A947-70E740481C1C}">
+                <a14:useLocalDpi xmlns:a14="http://schemas.microsoft.com/office/drawing/2010/main" val="0"/>
+              </a:ext>
+              <a:ext uri="{96DAC541-7B7A-43D3-8B79-37D633B846F1}">
+                <asvg:svgBlip xmlns:asvg="http://schemas.microsoft.com/office/drawing/2016/SVG/main" r:embed="rId5"/>
+              </a:ext>
+            </a:extLst>
+          </a:blip>
+          <a:stretch>
+            <a:fillRect/>
+          </a:stretch>
+        </p:blipFill>
+        <p:spPr>
+          <a:xfrm>
+            <a:off x="4278603" y="3134032"/>
+            <a:ext cx="914400" cy="914400"/>
+          </a:xfrm>
+          <a:prstGeom prst="rect">
+            <a:avLst/>
+          </a:prstGeom>
+        </p:spPr>
+      </p:pic>
+      <p:cxnSp>
+        <p:nvCxnSpPr>
+          <p:cNvPr id="8" name="直線矢印コネクタ 7">
+            <a:extLst>
+              <a:ext uri="{FF2B5EF4-FFF2-40B4-BE49-F238E27FC236}">
+                <a16:creationId xmlns:a16="http://schemas.microsoft.com/office/drawing/2014/main" id="{B34947C2-BEE3-8B19-31AD-B9DA68188129}"/>
+              </a:ext>
+            </a:extLst>
+          </p:cNvPr>
+          <p:cNvCxnSpPr>
+            <a:cxnSpLocks/>
+          </p:cNvCxnSpPr>
+          <p:nvPr/>
+        </p:nvCxnSpPr>
+        <p:spPr>
+          <a:xfrm flipH="1">
+            <a:off x="5193003" y="3483080"/>
+            <a:ext cx="1631812" cy="0"/>
+          </a:xfrm>
+          <a:prstGeom prst="straightConnector1">
+            <a:avLst/>
+          </a:prstGeom>
+          <a:ln w="38100">
+            <a:solidFill>
+              <a:schemeClr val="accent4">
+                <a:lumMod val="50000"/>
+              </a:schemeClr>
+            </a:solidFill>
+            <a:prstDash val="sysDash"/>
+            <a:tailEnd type="triangle"/>
+          </a:ln>
+        </p:spPr>
+        <p:style>
+          <a:lnRef idx="2">
+            <a:schemeClr val="accent1"/>
+          </a:lnRef>
+          <a:fillRef idx="0">
+            <a:schemeClr val="accent1"/>
+          </a:fillRef>
+          <a:effectRef idx="1">
+            <a:schemeClr val="accent1"/>
+          </a:effectRef>
+          <a:fontRef idx="minor">
+            <a:schemeClr val="tx1"/>
+          </a:fontRef>
+        </p:style>
+      </p:cxnSp>
+      <p:sp>
+        <p:nvSpPr>
+          <p:cNvPr id="9" name="テキスト ボックス 8">
+            <a:extLst>
+              <a:ext uri="{FF2B5EF4-FFF2-40B4-BE49-F238E27FC236}">
+                <a16:creationId xmlns:a16="http://schemas.microsoft.com/office/drawing/2014/main" id="{F80AE626-92EE-2994-598D-C479EFB88E95}"/>
+              </a:ext>
+            </a:extLst>
+          </p:cNvPr>
+          <p:cNvSpPr txBox="1"/>
+          <p:nvPr/>
+        </p:nvSpPr>
+        <p:spPr>
+          <a:xfrm>
+            <a:off x="5464448" y="3015972"/>
+            <a:ext cx="1155291" cy="461665"/>
+          </a:xfrm>
+          <a:prstGeom prst="rect">
+            <a:avLst/>
+          </a:prstGeom>
+          <a:noFill/>
+        </p:spPr>
+        <p:txBody>
+          <a:bodyPr wrap="square" rtlCol="0">
+            <a:spAutoFit/>
+          </a:bodyPr>
+          <a:lstStyle/>
+          <a:p>
+            <a:pPr algn="ctr"/>
+            <a:r>
+              <a:rPr kumimoji="1" lang="en-US" altLang="ja-JP" sz="2400" dirty="0">
+                <a:solidFill>
+                  <a:srgbClr val="00B050"/>
+                </a:solidFill>
+                <a:latin typeface="Consolas" panose="020B0609020204030204" pitchFamily="49" charset="0"/>
+              </a:rPr>
+              <a:t>start</a:t>
+            </a:r>
+            <a:endParaRPr kumimoji="1" lang="ja-JP" altLang="en-US" sz="2400" dirty="0">
+              <a:solidFill>
+                <a:srgbClr val="00B050"/>
+              </a:solidFill>
+              <a:latin typeface="Congenial" panose="020F0502020204030204" pitchFamily="2" charset="0"/>
+            </a:endParaRPr>
+          </a:p>
+        </p:txBody>
+      </p:sp>
+      <p:cxnSp>
+        <p:nvCxnSpPr>
+          <p:cNvPr id="10" name="直線矢印コネクタ 9">
+            <a:extLst>
+              <a:ext uri="{FF2B5EF4-FFF2-40B4-BE49-F238E27FC236}">
+                <a16:creationId xmlns:a16="http://schemas.microsoft.com/office/drawing/2014/main" id="{2F3C6138-B3DC-C9D6-0F3C-02A46454B132}"/>
+              </a:ext>
+            </a:extLst>
+          </p:cNvPr>
+          <p:cNvCxnSpPr>
+            <a:cxnSpLocks/>
+          </p:cNvCxnSpPr>
+          <p:nvPr/>
+        </p:nvCxnSpPr>
+        <p:spPr>
+          <a:xfrm>
+            <a:off x="5259371" y="3661406"/>
+            <a:ext cx="1565444" cy="8872"/>
+          </a:xfrm>
+          <a:prstGeom prst="straightConnector1">
+            <a:avLst/>
+          </a:prstGeom>
+          <a:ln w="38100">
+            <a:solidFill>
+              <a:schemeClr val="accent4">
+                <a:lumMod val="50000"/>
+              </a:schemeClr>
+            </a:solidFill>
+            <a:prstDash val="sysDash"/>
+            <a:tailEnd type="triangle"/>
+          </a:ln>
+        </p:spPr>
+        <p:style>
+          <a:lnRef idx="2">
+            <a:schemeClr val="accent1"/>
+          </a:lnRef>
+          <a:fillRef idx="0">
+            <a:schemeClr val="accent1"/>
+          </a:fillRef>
+          <a:effectRef idx="1">
+            <a:schemeClr val="accent1"/>
+          </a:effectRef>
+          <a:fontRef idx="minor">
+            <a:schemeClr val="tx1"/>
+          </a:fontRef>
+        </p:style>
+      </p:cxnSp>
+      <p:sp>
+        <p:nvSpPr>
+          <p:cNvPr id="11" name="テキスト ボックス 10">
+            <a:extLst>
+              <a:ext uri="{FF2B5EF4-FFF2-40B4-BE49-F238E27FC236}">
+                <a16:creationId xmlns:a16="http://schemas.microsoft.com/office/drawing/2014/main" id="{3C0B9E50-75CF-55C5-2C83-6FA0304FD8E7}"/>
+              </a:ext>
+            </a:extLst>
+          </p:cNvPr>
+          <p:cNvSpPr txBox="1"/>
+          <p:nvPr/>
+        </p:nvSpPr>
+        <p:spPr>
+          <a:xfrm>
+            <a:off x="4158157" y="4044638"/>
+            <a:ext cx="1155291" cy="400110"/>
+          </a:xfrm>
+          <a:prstGeom prst="rect">
+            <a:avLst/>
+          </a:prstGeom>
+          <a:noFill/>
+        </p:spPr>
+        <p:txBody>
+          <a:bodyPr wrap="square" rtlCol="0">
+            <a:spAutoFit/>
+          </a:bodyPr>
+          <a:lstStyle/>
+          <a:p>
+            <a:pPr algn="ctr"/>
+            <a:r>
+              <a:rPr kumimoji="1" lang="ja-JP" altLang="en-US" sz="2000" dirty="0">
+                <a:solidFill>
+                  <a:schemeClr val="tx1">
+                    <a:lumMod val="85000"/>
+                    <a:lumOff val="15000"/>
+                  </a:schemeClr>
+                </a:solidFill>
+                <a:latin typeface="Consolas" panose="020B0609020204030204" pitchFamily="49" charset="0"/>
+              </a:rPr>
+              <a:t>起動</a:t>
+            </a:r>
+            <a:endParaRPr kumimoji="1" lang="ja-JP" altLang="en-US" sz="2000" dirty="0">
+              <a:solidFill>
+                <a:schemeClr val="tx1">
+                  <a:lumMod val="85000"/>
+                  <a:lumOff val="15000"/>
+                </a:schemeClr>
+              </a:solidFill>
+              <a:latin typeface="Congenial" panose="020F0502020204030204" pitchFamily="2" charset="0"/>
+            </a:endParaRPr>
+          </a:p>
+        </p:txBody>
+      </p:sp>
+      <p:sp>
+        <p:nvSpPr>
+          <p:cNvPr id="12" name="テキスト ボックス 11">
+            <a:extLst>
+              <a:ext uri="{FF2B5EF4-FFF2-40B4-BE49-F238E27FC236}">
+                <a16:creationId xmlns:a16="http://schemas.microsoft.com/office/drawing/2014/main" id="{5938C2ED-2BA9-DA5B-EF09-B4DC48633658}"/>
+              </a:ext>
+            </a:extLst>
+          </p:cNvPr>
+          <p:cNvSpPr txBox="1"/>
+          <p:nvPr/>
+        </p:nvSpPr>
+        <p:spPr>
+          <a:xfrm>
+            <a:off x="5366125" y="3665842"/>
+            <a:ext cx="1285568" cy="461665"/>
+          </a:xfrm>
+          <a:prstGeom prst="rect">
+            <a:avLst/>
+          </a:prstGeom>
+          <a:noFill/>
+        </p:spPr>
+        <p:txBody>
+          <a:bodyPr wrap="square" rtlCol="0">
+            <a:spAutoFit/>
+          </a:bodyPr>
+          <a:lstStyle/>
+          <a:p>
+            <a:pPr algn="ctr"/>
+            <a:r>
+              <a:rPr kumimoji="1" lang="en-US" altLang="ja-JP" sz="2400" dirty="0">
+                <a:solidFill>
+                  <a:srgbClr val="00B050"/>
+                </a:solidFill>
+                <a:latin typeface="Consolas" panose="020B0609020204030204" pitchFamily="49" charset="0"/>
+              </a:rPr>
+              <a:t>stop</a:t>
+            </a:r>
+            <a:endParaRPr kumimoji="1" lang="ja-JP" altLang="en-US" sz="2400" dirty="0">
+              <a:solidFill>
+                <a:srgbClr val="00B050"/>
+              </a:solidFill>
+              <a:latin typeface="Congenial" panose="020F0502020204030204" pitchFamily="2" charset="0"/>
+            </a:endParaRPr>
+          </a:p>
+        </p:txBody>
+      </p:sp>
+      <p:sp>
+        <p:nvSpPr>
+          <p:cNvPr id="13" name="テキスト ボックス 12">
+            <a:extLst>
+              <a:ext uri="{FF2B5EF4-FFF2-40B4-BE49-F238E27FC236}">
+                <a16:creationId xmlns:a16="http://schemas.microsoft.com/office/drawing/2014/main" id="{EF1198CE-718D-4EA5-B8D3-4FBC25A9C604}"/>
+              </a:ext>
+            </a:extLst>
+          </p:cNvPr>
+          <p:cNvSpPr txBox="1"/>
+          <p:nvPr/>
+        </p:nvSpPr>
+        <p:spPr>
+          <a:xfrm>
+            <a:off x="6704369" y="4044638"/>
+            <a:ext cx="1155291" cy="400110"/>
+          </a:xfrm>
+          <a:prstGeom prst="rect">
+            <a:avLst/>
+          </a:prstGeom>
+          <a:noFill/>
+        </p:spPr>
+        <p:txBody>
+          <a:bodyPr wrap="square" rtlCol="0">
+            <a:spAutoFit/>
+          </a:bodyPr>
+          <a:lstStyle/>
+          <a:p>
+            <a:pPr algn="ctr"/>
+            <a:r>
+              <a:rPr lang="ja-JP" altLang="en-US" sz="2000" dirty="0">
+                <a:solidFill>
+                  <a:schemeClr val="tx1">
+                    <a:lumMod val="85000"/>
+                    <a:lumOff val="15000"/>
+                  </a:schemeClr>
+                </a:solidFill>
+                <a:latin typeface="Consolas" panose="020B0609020204030204" pitchFamily="49" charset="0"/>
+              </a:rPr>
+              <a:t>停止</a:t>
+            </a:r>
+            <a:endParaRPr kumimoji="1" lang="ja-JP" altLang="en-US" sz="2000" dirty="0">
+              <a:solidFill>
+                <a:schemeClr val="tx1">
+                  <a:lumMod val="85000"/>
+                  <a:lumOff val="15000"/>
+                </a:schemeClr>
+              </a:solidFill>
+              <a:latin typeface="Congenial" panose="020F0502020204030204" pitchFamily="2" charset="0"/>
+            </a:endParaRPr>
           </a:p>
         </p:txBody>
       </p:sp>
@@ -9584,9 +10228,16 @@
             <p:ph idx="1"/>
           </p:nvPr>
         </p:nvSpPr>
-        <p:spPr/>
-        <p:txBody>
-          <a:bodyPr/>
+        <p:spPr>
+          <a:xfrm>
+            <a:off x="838200" y="1661156"/>
+            <a:ext cx="10515600" cy="4985449"/>
+          </a:xfrm>
+        </p:spPr>
+        <p:txBody>
+          <a:bodyPr>
+            <a:normAutofit/>
+          </a:bodyPr>
           <a:lstStyle/>
           <a:p>
             <a:r>
@@ -9625,6 +10276,9 @@
               <a:rPr kumimoji="1" lang="en-US" altLang="ja-JP" dirty="0"/>
               <a:t> </a:t>
             </a:r>
+          </a:p>
+          <a:p>
+            <a:endParaRPr lang="en-US" altLang="ja-JP" dirty="0"/>
           </a:p>
           <a:p>
             <a:r>
@@ -10097,7 +10751,7 @@
         </p:nvSpPr>
         <p:spPr>
           <a:xfrm>
-            <a:off x="5045176" y="5099053"/>
+            <a:off x="4039983" y="5076663"/>
             <a:ext cx="1769807" cy="461665"/>
           </a:xfrm>
           <a:prstGeom prst="rect">
@@ -10414,7 +11068,7 @@
         </p:nvSpPr>
         <p:spPr>
           <a:xfrm>
-            <a:off x="3841067" y="5482141"/>
+            <a:off x="1772468" y="5480475"/>
             <a:ext cx="1769807" cy="461665"/>
           </a:xfrm>
           <a:prstGeom prst="rect">
@@ -11402,6 +12056,56 @@
       </p:grpSpPr>
       <p:sp>
         <p:nvSpPr>
+          <p:cNvPr id="15" name="正方形/長方形 14">
+            <a:extLst>
+              <a:ext uri="{FF2B5EF4-FFF2-40B4-BE49-F238E27FC236}">
+                <a16:creationId xmlns:a16="http://schemas.microsoft.com/office/drawing/2014/main" id="{E0A096FA-1C63-F225-A5C8-606710D4C2D8}"/>
+              </a:ext>
+            </a:extLst>
+          </p:cNvPr>
+          <p:cNvSpPr/>
+          <p:nvPr/>
+        </p:nvSpPr>
+        <p:spPr>
+          <a:xfrm>
+            <a:off x="2625213" y="3028335"/>
+            <a:ext cx="6590996" cy="2949678"/>
+          </a:xfrm>
+          <a:prstGeom prst="rect">
+            <a:avLst/>
+          </a:prstGeom>
+          <a:noFill/>
+          <a:ln w="28575">
+            <a:prstDash val="dash"/>
+          </a:ln>
+        </p:spPr>
+        <p:style>
+          <a:lnRef idx="2">
+            <a:schemeClr val="accent1">
+              <a:shade val="15000"/>
+            </a:schemeClr>
+          </a:lnRef>
+          <a:fillRef idx="1">
+            <a:schemeClr val="accent1"/>
+          </a:fillRef>
+          <a:effectRef idx="0">
+            <a:schemeClr val="accent1"/>
+          </a:effectRef>
+          <a:fontRef idx="minor">
+            <a:schemeClr val="lt1"/>
+          </a:fontRef>
+        </p:style>
+        <p:txBody>
+          <a:bodyPr rtlCol="0" anchor="ctr"/>
+          <a:lstStyle/>
+          <a:p>
+            <a:pPr algn="ctr"/>
+            <a:endParaRPr kumimoji="1" lang="ja-JP" altLang="en-US"/>
+          </a:p>
+        </p:txBody>
+      </p:sp>
+      <p:sp>
+        <p:nvSpPr>
           <p:cNvPr id="2" name="タイトル 1">
             <a:extLst>
               <a:ext uri="{FF2B5EF4-FFF2-40B4-BE49-F238E27FC236}">
@@ -11423,7 +12127,7 @@
           <a:p>
             <a:r>
               <a:rPr lang="ja-JP" altLang="en-US" dirty="0"/>
-              <a:t>応用 </a:t>
+              <a:t>応用</a:t>
             </a:r>
             <a:endParaRPr kumimoji="1" lang="ja-JP" altLang="en-US" dirty="0"/>
           </a:p>
@@ -11462,8 +12166,36 @@
           <a:p>
             <a:pPr lvl="1"/>
             <a:r>
+              <a:rPr lang="ja-JP" altLang="en-US" b="1" dirty="0"/>
+              <a:t>複数のコンテナ</a:t>
+            </a:r>
+            <a:r>
               <a:rPr lang="ja-JP" altLang="en-US" dirty="0"/>
-              <a:t>複数のコンテナを定義し実行</a:t>
+              <a:t>を定義し実行</a:t>
+            </a:r>
+            <a:endParaRPr lang="en-US" altLang="ja-JP" dirty="0"/>
+          </a:p>
+          <a:p>
+            <a:pPr lvl="1"/>
+            <a:r>
+              <a:rPr lang="ja-JP" altLang="en-US" dirty="0"/>
+              <a:t>各コンテナの情報や関係性を </a:t>
+            </a:r>
+            <a:r>
+              <a:rPr lang="en-US" altLang="ja-JP" dirty="0" err="1">
+                <a:latin typeface="Consolas" panose="020B0609020204030204" pitchFamily="49" charset="0"/>
+              </a:rPr>
+              <a:t>compose.yaml</a:t>
+            </a:r>
+            <a:r>
+              <a:rPr lang="en-US" altLang="ja-JP" dirty="0">
+                <a:latin typeface="Consolas" panose="020B0609020204030204" pitchFamily="49" charset="0"/>
+              </a:rPr>
+              <a:t> </a:t>
+            </a:r>
+            <a:r>
+              <a:rPr lang="ja-JP" altLang="en-US" dirty="0"/>
+              <a:t>に記述</a:t>
             </a:r>
             <a:endParaRPr lang="en-US" altLang="ja-JP" dirty="0"/>
           </a:p>
@@ -11594,6 +12326,615 @@
               <a:t>20</a:t>
             </a:fld>
             <a:endParaRPr kumimoji="1" lang="ja-JP" altLang="en-US"/>
+          </a:p>
+        </p:txBody>
+      </p:sp>
+      <p:sp>
+        <p:nvSpPr>
+          <p:cNvPr id="7" name="正方形/長方形 6">
+            <a:extLst>
+              <a:ext uri="{FF2B5EF4-FFF2-40B4-BE49-F238E27FC236}">
+                <a16:creationId xmlns:a16="http://schemas.microsoft.com/office/drawing/2014/main" id="{8E55A0CC-BF4D-880D-DBE0-A1F66745ED16}"/>
+              </a:ext>
+            </a:extLst>
+          </p:cNvPr>
+          <p:cNvSpPr/>
+          <p:nvPr/>
+        </p:nvSpPr>
+        <p:spPr>
+          <a:xfrm>
+            <a:off x="2975792" y="3429000"/>
+            <a:ext cx="1662791" cy="1163752"/>
+          </a:xfrm>
+          <a:prstGeom prst="rect">
+            <a:avLst/>
+          </a:prstGeom>
+          <a:solidFill>
+            <a:schemeClr val="tx1">
+              <a:lumMod val="65000"/>
+              <a:lumOff val="35000"/>
+            </a:schemeClr>
+          </a:solidFill>
+          <a:ln w="28575">
+            <a:solidFill>
+              <a:schemeClr val="bg1"/>
+            </a:solidFill>
+          </a:ln>
+        </p:spPr>
+        <p:style>
+          <a:lnRef idx="2">
+            <a:schemeClr val="accent1">
+              <a:shade val="15000"/>
+            </a:schemeClr>
+          </a:lnRef>
+          <a:fillRef idx="1">
+            <a:schemeClr val="accent1"/>
+          </a:fillRef>
+          <a:effectRef idx="0">
+            <a:schemeClr val="accent1"/>
+          </a:effectRef>
+          <a:fontRef idx="minor">
+            <a:schemeClr val="lt1"/>
+          </a:fontRef>
+        </p:style>
+        <p:txBody>
+          <a:bodyPr rtlCol="0" anchor="ctr"/>
+          <a:lstStyle/>
+          <a:p>
+            <a:pPr algn="ctr"/>
+            <a:r>
+              <a:rPr kumimoji="1" lang="ja-JP" altLang="en-US" sz="2400" b="1" u="sng" dirty="0"/>
+              <a:t>コンテナ</a:t>
+            </a:r>
+            <a:endParaRPr kumimoji="1" lang="ja-JP" altLang="en-US" b="1" u="sng" dirty="0"/>
+          </a:p>
+        </p:txBody>
+      </p:sp>
+      <p:sp>
+        <p:nvSpPr>
+          <p:cNvPr id="10" name="テキスト ボックス 9">
+            <a:extLst>
+              <a:ext uri="{FF2B5EF4-FFF2-40B4-BE49-F238E27FC236}">
+                <a16:creationId xmlns:a16="http://schemas.microsoft.com/office/drawing/2014/main" id="{04CD2B6B-85CF-1A1A-D3BC-0630C53438E3}"/>
+              </a:ext>
+            </a:extLst>
+          </p:cNvPr>
+          <p:cNvSpPr txBox="1"/>
+          <p:nvPr/>
+        </p:nvSpPr>
+        <p:spPr>
+          <a:xfrm>
+            <a:off x="2922285" y="4592752"/>
+            <a:ext cx="1769807" cy="461665"/>
+          </a:xfrm>
+          <a:prstGeom prst="rect">
+            <a:avLst/>
+          </a:prstGeom>
+          <a:noFill/>
+        </p:spPr>
+        <p:txBody>
+          <a:bodyPr wrap="square" rtlCol="0">
+            <a:spAutoFit/>
+          </a:bodyPr>
+          <a:lstStyle/>
+          <a:p>
+            <a:pPr algn="ctr"/>
+            <a:r>
+              <a:rPr kumimoji="1" lang="en-US" altLang="ja-JP" sz="2400" dirty="0">
+                <a:solidFill>
+                  <a:schemeClr val="tx1">
+                    <a:lumMod val="85000"/>
+                    <a:lumOff val="15000"/>
+                  </a:schemeClr>
+                </a:solidFill>
+                <a:latin typeface="Consolas" panose="020B0609020204030204" pitchFamily="49" charset="0"/>
+              </a:rPr>
+              <a:t>spring</a:t>
+            </a:r>
+            <a:endParaRPr kumimoji="1" lang="ja-JP" altLang="en-US" sz="2400" dirty="0">
+              <a:solidFill>
+                <a:schemeClr val="tx1">
+                  <a:lumMod val="85000"/>
+                  <a:lumOff val="15000"/>
+                </a:schemeClr>
+              </a:solidFill>
+              <a:latin typeface="Congenial" panose="020F0502020204030204" pitchFamily="2" charset="0"/>
+            </a:endParaRPr>
+          </a:p>
+        </p:txBody>
+      </p:sp>
+      <p:sp>
+        <p:nvSpPr>
+          <p:cNvPr id="11" name="正方形/長方形 10">
+            <a:extLst>
+              <a:ext uri="{FF2B5EF4-FFF2-40B4-BE49-F238E27FC236}">
+                <a16:creationId xmlns:a16="http://schemas.microsoft.com/office/drawing/2014/main" id="{B5DC1B93-82D1-F882-908D-43ADD2F721B9}"/>
+              </a:ext>
+            </a:extLst>
+          </p:cNvPr>
+          <p:cNvSpPr/>
+          <p:nvPr/>
+        </p:nvSpPr>
+        <p:spPr>
+          <a:xfrm>
+            <a:off x="5035652" y="3429000"/>
+            <a:ext cx="1662791" cy="1163752"/>
+          </a:xfrm>
+          <a:prstGeom prst="rect">
+            <a:avLst/>
+          </a:prstGeom>
+          <a:solidFill>
+            <a:schemeClr val="tx1">
+              <a:lumMod val="65000"/>
+              <a:lumOff val="35000"/>
+            </a:schemeClr>
+          </a:solidFill>
+          <a:ln w="28575">
+            <a:solidFill>
+              <a:schemeClr val="bg1"/>
+            </a:solidFill>
+          </a:ln>
+        </p:spPr>
+        <p:style>
+          <a:lnRef idx="2">
+            <a:schemeClr val="accent1">
+              <a:shade val="15000"/>
+            </a:schemeClr>
+          </a:lnRef>
+          <a:fillRef idx="1">
+            <a:schemeClr val="accent1"/>
+          </a:fillRef>
+          <a:effectRef idx="0">
+            <a:schemeClr val="accent1"/>
+          </a:effectRef>
+          <a:fontRef idx="minor">
+            <a:schemeClr val="lt1"/>
+          </a:fontRef>
+        </p:style>
+        <p:txBody>
+          <a:bodyPr rtlCol="0" anchor="ctr"/>
+          <a:lstStyle/>
+          <a:p>
+            <a:pPr algn="ctr"/>
+            <a:r>
+              <a:rPr kumimoji="1" lang="ja-JP" altLang="en-US" sz="2400" b="1" u="sng" dirty="0"/>
+              <a:t>コンテナ</a:t>
+            </a:r>
+            <a:endParaRPr kumimoji="1" lang="ja-JP" altLang="en-US" b="1" u="sng" dirty="0"/>
+          </a:p>
+        </p:txBody>
+      </p:sp>
+      <p:sp>
+        <p:nvSpPr>
+          <p:cNvPr id="12" name="テキスト ボックス 11">
+            <a:extLst>
+              <a:ext uri="{FF2B5EF4-FFF2-40B4-BE49-F238E27FC236}">
+                <a16:creationId xmlns:a16="http://schemas.microsoft.com/office/drawing/2014/main" id="{B4A3B32C-C988-3A6C-83A6-9CB7283DA5AC}"/>
+              </a:ext>
+            </a:extLst>
+          </p:cNvPr>
+          <p:cNvSpPr txBox="1"/>
+          <p:nvPr/>
+        </p:nvSpPr>
+        <p:spPr>
+          <a:xfrm>
+            <a:off x="4857834" y="4592752"/>
+            <a:ext cx="2018425" cy="461665"/>
+          </a:xfrm>
+          <a:prstGeom prst="rect">
+            <a:avLst/>
+          </a:prstGeom>
+          <a:noFill/>
+        </p:spPr>
+        <p:txBody>
+          <a:bodyPr wrap="square" rtlCol="0">
+            <a:spAutoFit/>
+          </a:bodyPr>
+          <a:lstStyle/>
+          <a:p>
+            <a:pPr algn="ctr"/>
+            <a:r>
+              <a:rPr lang="en-US" altLang="ja-JP" sz="2400" dirty="0" err="1">
+                <a:solidFill>
+                  <a:schemeClr val="tx1">
+                    <a:lumMod val="85000"/>
+                    <a:lumOff val="15000"/>
+                  </a:schemeClr>
+                </a:solidFill>
+                <a:latin typeface="Consolas" panose="020B0609020204030204" pitchFamily="49" charset="0"/>
+              </a:rPr>
+              <a:t>postgresql</a:t>
+            </a:r>
+            <a:endParaRPr kumimoji="1" lang="ja-JP" altLang="en-US" sz="2400" dirty="0">
+              <a:solidFill>
+                <a:schemeClr val="tx1">
+                  <a:lumMod val="85000"/>
+                  <a:lumOff val="15000"/>
+                </a:schemeClr>
+              </a:solidFill>
+              <a:latin typeface="Congenial" panose="020F0502020204030204" pitchFamily="2" charset="0"/>
+            </a:endParaRPr>
+          </a:p>
+        </p:txBody>
+      </p:sp>
+      <p:sp>
+        <p:nvSpPr>
+          <p:cNvPr id="13" name="正方形/長方形 12">
+            <a:extLst>
+              <a:ext uri="{FF2B5EF4-FFF2-40B4-BE49-F238E27FC236}">
+                <a16:creationId xmlns:a16="http://schemas.microsoft.com/office/drawing/2014/main" id="{9E7C08CC-FA3F-7FA9-292E-4025458661CD}"/>
+              </a:ext>
+            </a:extLst>
+          </p:cNvPr>
+          <p:cNvSpPr/>
+          <p:nvPr/>
+        </p:nvSpPr>
+        <p:spPr>
+          <a:xfrm>
+            <a:off x="7219819" y="3429000"/>
+            <a:ext cx="1662791" cy="1163752"/>
+          </a:xfrm>
+          <a:prstGeom prst="rect">
+            <a:avLst/>
+          </a:prstGeom>
+          <a:solidFill>
+            <a:schemeClr val="tx1">
+              <a:lumMod val="65000"/>
+              <a:lumOff val="35000"/>
+            </a:schemeClr>
+          </a:solidFill>
+          <a:ln w="28575">
+            <a:solidFill>
+              <a:schemeClr val="bg1"/>
+            </a:solidFill>
+          </a:ln>
+        </p:spPr>
+        <p:style>
+          <a:lnRef idx="2">
+            <a:schemeClr val="accent1">
+              <a:shade val="15000"/>
+            </a:schemeClr>
+          </a:lnRef>
+          <a:fillRef idx="1">
+            <a:schemeClr val="accent1"/>
+          </a:fillRef>
+          <a:effectRef idx="0">
+            <a:schemeClr val="accent1"/>
+          </a:effectRef>
+          <a:fontRef idx="minor">
+            <a:schemeClr val="lt1"/>
+          </a:fontRef>
+        </p:style>
+        <p:txBody>
+          <a:bodyPr rtlCol="0" anchor="ctr"/>
+          <a:lstStyle/>
+          <a:p>
+            <a:pPr algn="ctr"/>
+            <a:r>
+              <a:rPr kumimoji="1" lang="ja-JP" altLang="en-US" sz="2400" b="1" u="sng" dirty="0"/>
+              <a:t>コンテナ</a:t>
+            </a:r>
+            <a:endParaRPr kumimoji="1" lang="ja-JP" altLang="en-US" b="1" u="sng" dirty="0"/>
+          </a:p>
+        </p:txBody>
+      </p:sp>
+      <p:sp>
+        <p:nvSpPr>
+          <p:cNvPr id="14" name="テキスト ボックス 13">
+            <a:extLst>
+              <a:ext uri="{FF2B5EF4-FFF2-40B4-BE49-F238E27FC236}">
+                <a16:creationId xmlns:a16="http://schemas.microsoft.com/office/drawing/2014/main" id="{109366AA-5226-BAA0-DABE-D124F64C2CBE}"/>
+              </a:ext>
+            </a:extLst>
+          </p:cNvPr>
+          <p:cNvSpPr txBox="1"/>
+          <p:nvPr/>
+        </p:nvSpPr>
+        <p:spPr>
+          <a:xfrm>
+            <a:off x="4726726" y="6096750"/>
+            <a:ext cx="2387969" cy="461665"/>
+          </a:xfrm>
+          <a:prstGeom prst="rect">
+            <a:avLst/>
+          </a:prstGeom>
+          <a:noFill/>
+        </p:spPr>
+        <p:txBody>
+          <a:bodyPr wrap="square" rtlCol="0">
+            <a:spAutoFit/>
+          </a:bodyPr>
+          <a:lstStyle/>
+          <a:p>
+            <a:pPr algn="ctr"/>
+            <a:r>
+              <a:rPr lang="en-US" altLang="ja-JP" sz="2400" dirty="0" err="1">
+                <a:latin typeface="Consolas" panose="020B0609020204030204" pitchFamily="49" charset="0"/>
+              </a:rPr>
+              <a:t>compose.yaml</a:t>
+            </a:r>
+            <a:endParaRPr kumimoji="1" lang="ja-JP" altLang="en-US" sz="1600" dirty="0">
+              <a:solidFill>
+                <a:schemeClr val="tx1">
+                  <a:lumMod val="85000"/>
+                  <a:lumOff val="15000"/>
+                </a:schemeClr>
+              </a:solidFill>
+              <a:latin typeface="Congenial" panose="020F0502020204030204" pitchFamily="2" charset="0"/>
+            </a:endParaRPr>
+          </a:p>
+        </p:txBody>
+      </p:sp>
+      <p:sp>
+        <p:nvSpPr>
+          <p:cNvPr id="16" name="テキスト ボックス 15">
+            <a:extLst>
+              <a:ext uri="{FF2B5EF4-FFF2-40B4-BE49-F238E27FC236}">
+                <a16:creationId xmlns:a16="http://schemas.microsoft.com/office/drawing/2014/main" id="{50CB8F43-9E44-ADDD-A740-D6EBFEBDEEC8}"/>
+              </a:ext>
+            </a:extLst>
+          </p:cNvPr>
+          <p:cNvSpPr txBox="1"/>
+          <p:nvPr/>
+        </p:nvSpPr>
+        <p:spPr>
+          <a:xfrm>
+            <a:off x="7037021" y="4618194"/>
+            <a:ext cx="2018425" cy="461665"/>
+          </a:xfrm>
+          <a:prstGeom prst="rect">
+            <a:avLst/>
+          </a:prstGeom>
+          <a:noFill/>
+        </p:spPr>
+        <p:txBody>
+          <a:bodyPr wrap="square" rtlCol="0">
+            <a:spAutoFit/>
+          </a:bodyPr>
+          <a:lstStyle/>
+          <a:p>
+            <a:pPr algn="ctr"/>
+            <a:r>
+              <a:rPr kumimoji="1" lang="en-US" altLang="ja-JP" sz="2400" dirty="0">
+                <a:solidFill>
+                  <a:schemeClr val="tx1">
+                    <a:lumMod val="85000"/>
+                    <a:lumOff val="15000"/>
+                  </a:schemeClr>
+                </a:solidFill>
+                <a:latin typeface="Consolas" panose="020B0609020204030204" pitchFamily="49" charset="0"/>
+              </a:rPr>
+              <a:t>nginx</a:t>
+            </a:r>
+            <a:endParaRPr kumimoji="1" lang="ja-JP" altLang="en-US" sz="2400" dirty="0">
+              <a:solidFill>
+                <a:schemeClr val="tx1">
+                  <a:lumMod val="85000"/>
+                  <a:lumOff val="15000"/>
+                </a:schemeClr>
+              </a:solidFill>
+              <a:latin typeface="Congenial" panose="020F0502020204030204" pitchFamily="2" charset="0"/>
+            </a:endParaRPr>
+          </a:p>
+        </p:txBody>
+      </p:sp>
+      <p:cxnSp>
+        <p:nvCxnSpPr>
+          <p:cNvPr id="18" name="直線コネクタ 17">
+            <a:extLst>
+              <a:ext uri="{FF2B5EF4-FFF2-40B4-BE49-F238E27FC236}">
+                <a16:creationId xmlns:a16="http://schemas.microsoft.com/office/drawing/2014/main" id="{6EFB74E3-7D5F-C48E-251B-690A135D88A7}"/>
+              </a:ext>
+            </a:extLst>
+          </p:cNvPr>
+          <p:cNvCxnSpPr/>
+          <p:nvPr/>
+        </p:nvCxnSpPr>
+        <p:spPr>
+          <a:xfrm>
+            <a:off x="2922285" y="5604387"/>
+            <a:ext cx="5960325" cy="0"/>
+          </a:xfrm>
+          <a:prstGeom prst="line">
+            <a:avLst/>
+          </a:prstGeom>
+          <a:ln w="38100"/>
+        </p:spPr>
+        <p:style>
+          <a:lnRef idx="2">
+            <a:schemeClr val="accent1"/>
+          </a:lnRef>
+          <a:fillRef idx="0">
+            <a:schemeClr val="accent1"/>
+          </a:fillRef>
+          <a:effectRef idx="1">
+            <a:schemeClr val="accent1"/>
+          </a:effectRef>
+          <a:fontRef idx="minor">
+            <a:schemeClr val="tx1"/>
+          </a:fontRef>
+        </p:style>
+      </p:cxnSp>
+      <p:cxnSp>
+        <p:nvCxnSpPr>
+          <p:cNvPr id="20" name="直線コネクタ 19">
+            <a:extLst>
+              <a:ext uri="{FF2B5EF4-FFF2-40B4-BE49-F238E27FC236}">
+                <a16:creationId xmlns:a16="http://schemas.microsoft.com/office/drawing/2014/main" id="{77E9D831-B3B9-628E-7D08-3AD44B55F1C5}"/>
+              </a:ext>
+            </a:extLst>
+          </p:cNvPr>
+          <p:cNvCxnSpPr>
+            <a:stCxn id="10" idx="2"/>
+          </p:cNvCxnSpPr>
+          <p:nvPr/>
+        </p:nvCxnSpPr>
+        <p:spPr>
+          <a:xfrm flipH="1">
+            <a:off x="3807187" y="5054417"/>
+            <a:ext cx="2" cy="520473"/>
+          </a:xfrm>
+          <a:prstGeom prst="line">
+            <a:avLst/>
+          </a:prstGeom>
+          <a:ln w="38100"/>
+        </p:spPr>
+        <p:style>
+          <a:lnRef idx="2">
+            <a:schemeClr val="accent1"/>
+          </a:lnRef>
+          <a:fillRef idx="0">
+            <a:schemeClr val="accent1"/>
+          </a:fillRef>
+          <a:effectRef idx="1">
+            <a:schemeClr val="accent1"/>
+          </a:effectRef>
+          <a:fontRef idx="minor">
+            <a:schemeClr val="tx1"/>
+          </a:fontRef>
+        </p:style>
+      </p:cxnSp>
+      <p:cxnSp>
+        <p:nvCxnSpPr>
+          <p:cNvPr id="21" name="直線コネクタ 20">
+            <a:extLst>
+              <a:ext uri="{FF2B5EF4-FFF2-40B4-BE49-F238E27FC236}">
+                <a16:creationId xmlns:a16="http://schemas.microsoft.com/office/drawing/2014/main" id="{8D790F8C-C545-7834-F00B-F42B215E59AE}"/>
+              </a:ext>
+            </a:extLst>
+          </p:cNvPr>
+          <p:cNvCxnSpPr>
+            <a:cxnSpLocks/>
+          </p:cNvCxnSpPr>
+          <p:nvPr/>
+        </p:nvCxnSpPr>
+        <p:spPr>
+          <a:xfrm>
+            <a:off x="5867046" y="5079859"/>
+            <a:ext cx="0" cy="524528"/>
+          </a:xfrm>
+          <a:prstGeom prst="line">
+            <a:avLst/>
+          </a:prstGeom>
+          <a:ln w="38100"/>
+        </p:spPr>
+        <p:style>
+          <a:lnRef idx="2">
+            <a:schemeClr val="accent1"/>
+          </a:lnRef>
+          <a:fillRef idx="0">
+            <a:schemeClr val="accent1"/>
+          </a:fillRef>
+          <a:effectRef idx="1">
+            <a:schemeClr val="accent1"/>
+          </a:effectRef>
+          <a:fontRef idx="minor">
+            <a:schemeClr val="tx1"/>
+          </a:fontRef>
+        </p:style>
+      </p:cxnSp>
+      <p:cxnSp>
+        <p:nvCxnSpPr>
+          <p:cNvPr id="24" name="直線コネクタ 23">
+            <a:extLst>
+              <a:ext uri="{FF2B5EF4-FFF2-40B4-BE49-F238E27FC236}">
+                <a16:creationId xmlns:a16="http://schemas.microsoft.com/office/drawing/2014/main" id="{5FF5BE1A-7C37-C74A-0E39-E0B62D4D8078}"/>
+              </a:ext>
+            </a:extLst>
+          </p:cNvPr>
+          <p:cNvCxnSpPr>
+            <a:cxnSpLocks/>
+            <a:stCxn id="16" idx="2"/>
+          </p:cNvCxnSpPr>
+          <p:nvPr/>
+        </p:nvCxnSpPr>
+        <p:spPr>
+          <a:xfrm flipH="1">
+            <a:off x="8046233" y="5079859"/>
+            <a:ext cx="1" cy="524528"/>
+          </a:xfrm>
+          <a:prstGeom prst="line">
+            <a:avLst/>
+          </a:prstGeom>
+          <a:ln w="38100"/>
+        </p:spPr>
+        <p:style>
+          <a:lnRef idx="2">
+            <a:schemeClr val="accent1"/>
+          </a:lnRef>
+          <a:fillRef idx="0">
+            <a:schemeClr val="accent1"/>
+          </a:fillRef>
+          <a:effectRef idx="1">
+            <a:schemeClr val="accent1"/>
+          </a:effectRef>
+          <a:fontRef idx="minor">
+            <a:schemeClr val="tx1"/>
+          </a:fontRef>
+        </p:style>
+      </p:cxnSp>
+      <p:sp>
+        <p:nvSpPr>
+          <p:cNvPr id="27" name="テキスト ボックス 26">
+            <a:extLst>
+              <a:ext uri="{FF2B5EF4-FFF2-40B4-BE49-F238E27FC236}">
+                <a16:creationId xmlns:a16="http://schemas.microsoft.com/office/drawing/2014/main" id="{29CA804D-3705-9E47-892B-34B776FFCD58}"/>
+              </a:ext>
+            </a:extLst>
+          </p:cNvPr>
+          <p:cNvSpPr txBox="1"/>
+          <p:nvPr/>
+        </p:nvSpPr>
+        <p:spPr>
+          <a:xfrm>
+            <a:off x="9216209" y="5069660"/>
+            <a:ext cx="2268639" cy="830997"/>
+          </a:xfrm>
+          <a:prstGeom prst="rect">
+            <a:avLst/>
+          </a:prstGeom>
+          <a:noFill/>
+        </p:spPr>
+        <p:txBody>
+          <a:bodyPr wrap="square" rtlCol="0">
+            <a:spAutoFit/>
+          </a:bodyPr>
+          <a:lstStyle/>
+          <a:p>
+            <a:pPr algn="ctr"/>
+            <a:r>
+              <a:rPr lang="ja-JP" altLang="en-US" sz="2400" b="1" dirty="0">
+                <a:solidFill>
+                  <a:schemeClr val="accent1"/>
+                </a:solidFill>
+                <a:latin typeface="Consolas" panose="020B0609020204030204" pitchFamily="49" charset="0"/>
+              </a:rPr>
+              <a:t>同じ</a:t>
+            </a:r>
+            <a:endParaRPr lang="en-US" altLang="ja-JP" sz="2400" b="1" dirty="0">
+              <a:solidFill>
+                <a:schemeClr val="accent1"/>
+              </a:solidFill>
+              <a:latin typeface="Consolas" panose="020B0609020204030204" pitchFamily="49" charset="0"/>
+            </a:endParaRPr>
+          </a:p>
+          <a:p>
+            <a:pPr algn="ctr"/>
+            <a:r>
+              <a:rPr lang="ja-JP" altLang="en-US" sz="2400" b="1" dirty="0">
+                <a:solidFill>
+                  <a:schemeClr val="accent1"/>
+                </a:solidFill>
+                <a:latin typeface="Consolas" panose="020B0609020204030204" pitchFamily="49" charset="0"/>
+              </a:rPr>
+              <a:t>ネットワーク</a:t>
+            </a:r>
+            <a:endParaRPr kumimoji="1" lang="ja-JP" altLang="en-US" sz="1600" b="1" dirty="0">
+              <a:solidFill>
+                <a:schemeClr val="accent1"/>
+              </a:solidFill>
+              <a:latin typeface="Congenial" panose="020F0502020204030204" pitchFamily="2" charset="0"/>
+            </a:endParaRPr>
           </a:p>
         </p:txBody>
       </p:sp>
@@ -12170,7 +13511,7 @@
               <a:t>2%</a:t>
             </a:r>
             <a:r>
-              <a:rPr lang="ja-JP" altLang="en-US"/>
+              <a:rPr lang="ja-JP" altLang="en-US" dirty="0"/>
               <a:t>とかです．周辺知識合わせるとコストが膨大</a:t>
             </a:r>
             <a:endParaRPr lang="en-US" altLang="ja-JP" dirty="0"/>
@@ -12188,6 +13529,22 @@
           </a:p>
           <a:p>
             <a:pPr lvl="1"/>
+            <a:r>
+              <a:rPr kumimoji="1" lang="ja-JP" altLang="en-US" dirty="0"/>
+              <a:t>工夫をしなければ脆弱になりやすい</a:t>
+            </a:r>
+            <a:endParaRPr kumimoji="1" lang="en-US" altLang="ja-JP" dirty="0"/>
+          </a:p>
+          <a:p>
+            <a:pPr lvl="2"/>
+            <a:r>
+              <a:rPr kumimoji="1" lang="en-US" altLang="ja-JP" dirty="0"/>
+              <a:t>root</a:t>
+            </a:r>
+            <a:r>
+              <a:rPr kumimoji="1" lang="ja-JP" altLang="en-US" dirty="0"/>
+              <a:t>で実行しない</a:t>
+            </a:r>
             <a:endParaRPr kumimoji="1" lang="en-US" altLang="ja-JP" dirty="0"/>
           </a:p>
           <a:p>
@@ -12939,6 +14296,129 @@
 </p:sld>
 </file>
 
+<file path=ppt/slides/slide29.xml><?xml version="1.0" encoding="utf-8"?>
+<p:sld xmlns:a="http://schemas.openxmlformats.org/drawingml/2006/main" xmlns:r="http://schemas.openxmlformats.org/officeDocument/2006/relationships" xmlns:p="http://schemas.openxmlformats.org/presentationml/2006/main">
+  <p:cSld>
+    <p:spTree>
+      <p:nvGrpSpPr>
+        <p:cNvPr id="1" name=""/>
+        <p:cNvGrpSpPr/>
+        <p:nvPr/>
+      </p:nvGrpSpPr>
+      <p:grpSpPr>
+        <a:xfrm>
+          <a:off x="0" y="0"/>
+          <a:ext cx="0" cy="0"/>
+          <a:chOff x="0" y="0"/>
+          <a:chExt cx="0" cy="0"/>
+        </a:xfrm>
+      </p:grpSpPr>
+      <p:sp>
+        <p:nvSpPr>
+          <p:cNvPr id="2" name="タイトル 1">
+            <a:extLst>
+              <a:ext uri="{FF2B5EF4-FFF2-40B4-BE49-F238E27FC236}">
+                <a16:creationId xmlns:a16="http://schemas.microsoft.com/office/drawing/2014/main" id="{3E214CED-D109-49AF-C67E-27589637E972}"/>
+              </a:ext>
+            </a:extLst>
+          </p:cNvPr>
+          <p:cNvSpPr>
+            <a:spLocks noGrp="1"/>
+          </p:cNvSpPr>
+          <p:nvPr>
+            <p:ph type="title"/>
+          </p:nvPr>
+        </p:nvSpPr>
+        <p:spPr/>
+        <p:txBody>
+          <a:bodyPr/>
+          <a:lstStyle/>
+          <a:p>
+            <a:r>
+              <a:rPr kumimoji="1" lang="ja-JP" altLang="en-US" dirty="0"/>
+              <a:t>仮想マシンの</a:t>
+            </a:r>
+            <a:r>
+              <a:rPr kumimoji="1" lang="en-US" altLang="ja-JP" dirty="0" err="1"/>
+              <a:t>IaC</a:t>
+            </a:r>
+            <a:endParaRPr kumimoji="1" lang="ja-JP" altLang="en-US" dirty="0"/>
+          </a:p>
+        </p:txBody>
+      </p:sp>
+      <p:sp>
+        <p:nvSpPr>
+          <p:cNvPr id="3" name="コンテンツ プレースホルダー 2">
+            <a:extLst>
+              <a:ext uri="{FF2B5EF4-FFF2-40B4-BE49-F238E27FC236}">
+                <a16:creationId xmlns:a16="http://schemas.microsoft.com/office/drawing/2014/main" id="{6C76CD4A-05CD-C8F1-CB4D-A69DB6D2BE17}"/>
+              </a:ext>
+            </a:extLst>
+          </p:cNvPr>
+          <p:cNvSpPr>
+            <a:spLocks noGrp="1"/>
+          </p:cNvSpPr>
+          <p:nvPr>
+            <p:ph idx="1"/>
+          </p:nvPr>
+        </p:nvSpPr>
+        <p:spPr/>
+        <p:txBody>
+          <a:bodyPr/>
+          <a:lstStyle/>
+          <a:p>
+            <a:r>
+              <a:rPr kumimoji="1" lang="en-US" altLang="ja-JP" dirty="0"/>
+              <a:t>Terraform</a:t>
+            </a:r>
+          </a:p>
+          <a:p>
+            <a:endParaRPr kumimoji="1" lang="ja-JP" altLang="en-US" dirty="0"/>
+          </a:p>
+        </p:txBody>
+      </p:sp>
+      <p:sp>
+        <p:nvSpPr>
+          <p:cNvPr id="4" name="スライド番号プレースホルダー 3">
+            <a:extLst>
+              <a:ext uri="{FF2B5EF4-FFF2-40B4-BE49-F238E27FC236}">
+                <a16:creationId xmlns:a16="http://schemas.microsoft.com/office/drawing/2014/main" id="{B1EE74CC-F450-C770-9722-59669027811E}"/>
+              </a:ext>
+            </a:extLst>
+          </p:cNvPr>
+          <p:cNvSpPr>
+            <a:spLocks noGrp="1"/>
+          </p:cNvSpPr>
+          <p:nvPr>
+            <p:ph type="sldNum" sz="quarter" idx="12"/>
+          </p:nvPr>
+        </p:nvSpPr>
+        <p:spPr/>
+        <p:txBody>
+          <a:bodyPr/>
+          <a:lstStyle/>
+          <a:p>
+            <a:fld id="{09FDC953-F94B-4BF6-9058-77E5342884D4}" type="slidenum">
+              <a:rPr kumimoji="1" lang="ja-JP" altLang="en-US" smtClean="0"/>
+              <a:t>29</a:t>
+            </a:fld>
+            <a:endParaRPr kumimoji="1" lang="ja-JP" altLang="en-US"/>
+          </a:p>
+        </p:txBody>
+      </p:sp>
+    </p:spTree>
+    <p:extLst>
+      <p:ext uri="{BB962C8B-B14F-4D97-AF65-F5344CB8AC3E}">
+        <p14:creationId xmlns:p14="http://schemas.microsoft.com/office/powerpoint/2010/main" val="3276853497"/>
+      </p:ext>
+    </p:extLst>
+  </p:cSld>
+  <p:clrMapOvr>
+    <a:masterClrMapping/>
+  </p:clrMapOvr>
+</p:sld>
+</file>
+
 <file path=ppt/slides/slide3.xml><?xml version="1.0" encoding="utf-8"?>
 <p:sld xmlns:a="http://schemas.openxmlformats.org/drawingml/2006/main" xmlns:r="http://schemas.openxmlformats.org/officeDocument/2006/relationships" xmlns:p="http://schemas.openxmlformats.org/presentationml/2006/main">
   <p:cSld>
@@ -13048,6 +14528,139 @@
     <p:extLst>
       <p:ext uri="{BB962C8B-B14F-4D97-AF65-F5344CB8AC3E}">
         <p14:creationId xmlns:p14="http://schemas.microsoft.com/office/powerpoint/2010/main" val="1233660593"/>
+      </p:ext>
+    </p:extLst>
+  </p:cSld>
+  <p:clrMapOvr>
+    <a:masterClrMapping/>
+  </p:clrMapOvr>
+</p:sld>
+</file>
+
+<file path=ppt/slides/slide30.xml><?xml version="1.0" encoding="utf-8"?>
+<p:sld xmlns:a="http://schemas.openxmlformats.org/drawingml/2006/main" xmlns:r="http://schemas.openxmlformats.org/officeDocument/2006/relationships" xmlns:p="http://schemas.openxmlformats.org/presentationml/2006/main">
+  <p:cSld>
+    <p:spTree>
+      <p:nvGrpSpPr>
+        <p:cNvPr id="1" name=""/>
+        <p:cNvGrpSpPr/>
+        <p:nvPr/>
+      </p:nvGrpSpPr>
+      <p:grpSpPr>
+        <a:xfrm>
+          <a:off x="0" y="0"/>
+          <a:ext cx="0" cy="0"/>
+          <a:chOff x="0" y="0"/>
+          <a:chExt cx="0" cy="0"/>
+        </a:xfrm>
+      </p:grpSpPr>
+      <p:sp>
+        <p:nvSpPr>
+          <p:cNvPr id="2" name="タイトル 1">
+            <a:extLst>
+              <a:ext uri="{FF2B5EF4-FFF2-40B4-BE49-F238E27FC236}">
+                <a16:creationId xmlns:a16="http://schemas.microsoft.com/office/drawing/2014/main" id="{A3F9FF54-F1FA-889F-E1F5-C6A67DA9D4E0}"/>
+              </a:ext>
+            </a:extLst>
+          </p:cNvPr>
+          <p:cNvSpPr>
+            <a:spLocks noGrp="1"/>
+          </p:cNvSpPr>
+          <p:nvPr>
+            <p:ph type="title"/>
+          </p:nvPr>
+        </p:nvSpPr>
+        <p:spPr/>
+        <p:txBody>
+          <a:bodyPr/>
+          <a:lstStyle/>
+          <a:p>
+            <a:r>
+              <a:rPr kumimoji="1" lang="en-US" altLang="ja-JP" dirty="0"/>
+              <a:t>unification filesystem</a:t>
+            </a:r>
+            <a:endParaRPr kumimoji="1" lang="ja-JP" altLang="en-US" dirty="0"/>
+          </a:p>
+        </p:txBody>
+      </p:sp>
+      <p:sp>
+        <p:nvSpPr>
+          <p:cNvPr id="3" name="コンテンツ プレースホルダー 2">
+            <a:extLst>
+              <a:ext uri="{FF2B5EF4-FFF2-40B4-BE49-F238E27FC236}">
+                <a16:creationId xmlns:a16="http://schemas.microsoft.com/office/drawing/2014/main" id="{300FCD64-12DB-D555-B37E-3FE510078BD6}"/>
+              </a:ext>
+            </a:extLst>
+          </p:cNvPr>
+          <p:cNvSpPr>
+            <a:spLocks noGrp="1"/>
+          </p:cNvSpPr>
+          <p:nvPr>
+            <p:ph idx="1"/>
+          </p:nvPr>
+        </p:nvSpPr>
+        <p:spPr/>
+        <p:txBody>
+          <a:bodyPr/>
+          <a:lstStyle/>
+          <a:p>
+            <a:r>
+              <a:rPr kumimoji="1" lang="ja-JP" altLang="en-US" dirty="0"/>
+              <a:t>概要</a:t>
+            </a:r>
+            <a:endParaRPr kumimoji="1" lang="en-US" altLang="ja-JP" dirty="0"/>
+          </a:p>
+          <a:p>
+            <a:pPr lvl="1"/>
+            <a:r>
+              <a:rPr lang="en-US" altLang="ja-JP" dirty="0"/>
+              <a:t>Docker image </a:t>
+            </a:r>
+            <a:r>
+              <a:rPr lang="ja-JP" altLang="en-US" dirty="0"/>
+              <a:t>のレイヤーを実現するファイルシステム</a:t>
+            </a:r>
+            <a:endParaRPr lang="en-US" altLang="ja-JP" dirty="0"/>
+          </a:p>
+          <a:p>
+            <a:pPr lvl="1"/>
+            <a:endParaRPr kumimoji="1" lang="ja-JP" altLang="en-US" dirty="0"/>
+          </a:p>
+        </p:txBody>
+      </p:sp>
+      <p:sp>
+        <p:nvSpPr>
+          <p:cNvPr id="4" name="スライド番号プレースホルダー 3">
+            <a:extLst>
+              <a:ext uri="{FF2B5EF4-FFF2-40B4-BE49-F238E27FC236}">
+                <a16:creationId xmlns:a16="http://schemas.microsoft.com/office/drawing/2014/main" id="{F4F18867-ADED-02FC-59E3-4EA7EF16BB43}"/>
+              </a:ext>
+            </a:extLst>
+          </p:cNvPr>
+          <p:cNvSpPr>
+            <a:spLocks noGrp="1"/>
+          </p:cNvSpPr>
+          <p:nvPr>
+            <p:ph type="sldNum" sz="quarter" idx="12"/>
+          </p:nvPr>
+        </p:nvSpPr>
+        <p:spPr/>
+        <p:txBody>
+          <a:bodyPr/>
+          <a:lstStyle/>
+          <a:p>
+            <a:fld id="{09FDC953-F94B-4BF6-9058-77E5342884D4}" type="slidenum">
+              <a:rPr kumimoji="1" lang="ja-JP" altLang="en-US" smtClean="0"/>
+              <a:t>30</a:t>
+            </a:fld>
+            <a:endParaRPr kumimoji="1" lang="ja-JP" altLang="en-US"/>
+          </a:p>
+        </p:txBody>
+      </p:sp>
+    </p:spTree>
+    <p:extLst>
+      <p:ext uri="{BB962C8B-B14F-4D97-AF65-F5344CB8AC3E}">
+        <p14:creationId xmlns:p14="http://schemas.microsoft.com/office/powerpoint/2010/main" val="1672401436"/>
       </p:ext>
     </p:extLst>
   </p:cSld>
@@ -13238,7 +14851,7 @@
             </a:r>
             <a:r>
               <a:rPr lang="ja-JP" altLang="en-US" i="1" u="sng" dirty="0"/>
-              <a:t>名前空間</a:t>
+              <a:t>メモリ</a:t>
             </a:r>
             <a:endParaRPr lang="en-US" altLang="ja-JP" i="1" u="sng" dirty="0"/>
           </a:p>
@@ -15288,6 +16901,1078 @@
           <p:cNvPr id="2" name="タイトル 1">
             <a:extLst>
               <a:ext uri="{FF2B5EF4-FFF2-40B4-BE49-F238E27FC236}">
+                <a16:creationId xmlns:a16="http://schemas.microsoft.com/office/drawing/2014/main" id="{CE02B448-F4AF-BD71-D93F-8848EEEFBF72}"/>
+              </a:ext>
+            </a:extLst>
+          </p:cNvPr>
+          <p:cNvSpPr>
+            <a:spLocks noGrp="1"/>
+          </p:cNvSpPr>
+          <p:nvPr>
+            <p:ph type="title"/>
+          </p:nvPr>
+        </p:nvSpPr>
+        <p:spPr/>
+        <p:txBody>
+          <a:bodyPr/>
+          <a:lstStyle/>
+          <a:p>
+            <a:r>
+              <a:rPr kumimoji="1" lang="en-US" altLang="ja-JP" dirty="0"/>
+              <a:t>LXC</a:t>
+            </a:r>
+            <a:r>
+              <a:rPr kumimoji="1" lang="ja-JP" altLang="en-US" dirty="0"/>
+              <a:t>の原理</a:t>
+            </a:r>
+          </a:p>
+        </p:txBody>
+      </p:sp>
+      <p:sp>
+        <p:nvSpPr>
+          <p:cNvPr id="3" name="コンテンツ プレースホルダー 2">
+            <a:extLst>
+              <a:ext uri="{FF2B5EF4-FFF2-40B4-BE49-F238E27FC236}">
+                <a16:creationId xmlns:a16="http://schemas.microsoft.com/office/drawing/2014/main" id="{8B830BDD-CE7C-01A4-A0B6-16F0E854DA5F}"/>
+              </a:ext>
+            </a:extLst>
+          </p:cNvPr>
+          <p:cNvSpPr>
+            <a:spLocks noGrp="1"/>
+          </p:cNvSpPr>
+          <p:nvPr>
+            <p:ph idx="1"/>
+          </p:nvPr>
+        </p:nvSpPr>
+        <p:spPr>
+          <a:xfrm>
+            <a:off x="838200" y="1661156"/>
+            <a:ext cx="10515600" cy="5111119"/>
+          </a:xfrm>
+        </p:spPr>
+        <p:txBody>
+          <a:bodyPr/>
+          <a:lstStyle/>
+          <a:p>
+            <a:r>
+              <a:rPr lang="en-US" altLang="ja-JP" dirty="0"/>
+              <a:t>c</a:t>
+            </a:r>
+            <a:r>
+              <a:rPr kumimoji="1" lang="en-US" altLang="ja-JP" dirty="0"/>
+              <a:t>hroot</a:t>
+            </a:r>
+            <a:r>
+              <a:rPr kumimoji="1" lang="en-US" altLang="ja-JP" sz="2400" b="0" dirty="0"/>
+              <a:t>(change root)</a:t>
+            </a:r>
+            <a:endParaRPr kumimoji="1" lang="en-US" altLang="ja-JP" b="0" dirty="0"/>
+          </a:p>
+          <a:p>
+            <a:pPr lvl="1"/>
+            <a:r>
+              <a:rPr kumimoji="1" lang="en-US" altLang="ja-JP" dirty="0"/>
+              <a:t>root</a:t>
+            </a:r>
+            <a:r>
+              <a:rPr kumimoji="1" lang="ja-JP" altLang="en-US" dirty="0"/>
+              <a:t>ディレクトリを特定のディレクトリに変更し隔離</a:t>
+            </a:r>
+            <a:endParaRPr lang="en-US" altLang="ja-JP" dirty="0"/>
+          </a:p>
+          <a:p>
+            <a:r>
+              <a:rPr lang="en-US" altLang="ja-JP" dirty="0" err="1"/>
+              <a:t>cgroups</a:t>
+            </a:r>
+            <a:r>
+              <a:rPr lang="en-US" altLang="ja-JP" sz="2400" b="0" dirty="0"/>
+              <a:t>(control groups)</a:t>
+            </a:r>
+            <a:endParaRPr lang="en-US" altLang="ja-JP" b="0" dirty="0"/>
+          </a:p>
+          <a:p>
+            <a:pPr lvl="1"/>
+            <a:r>
+              <a:rPr lang="en-US" altLang="ja-JP" b="0" dirty="0"/>
+              <a:t>CPU</a:t>
+            </a:r>
+            <a:r>
+              <a:rPr lang="ja-JP" altLang="en-US" dirty="0"/>
+              <a:t>，メモリなど</a:t>
+            </a:r>
+            <a:r>
+              <a:rPr lang="ja-JP" altLang="en-US" b="1" dirty="0"/>
+              <a:t>物理的なリソース</a:t>
+            </a:r>
+            <a:r>
+              <a:rPr lang="ja-JP" altLang="en-US" b="0" dirty="0"/>
+              <a:t>を隔離</a:t>
+            </a:r>
+            <a:endParaRPr lang="en-US" altLang="ja-JP" b="0" dirty="0"/>
+          </a:p>
+          <a:p>
+            <a:r>
+              <a:rPr kumimoji="1" lang="en-US" altLang="ja-JP" dirty="0"/>
+              <a:t>namespace</a:t>
+            </a:r>
+          </a:p>
+          <a:p>
+            <a:pPr lvl="1"/>
+            <a:r>
+              <a:rPr lang="ja-JP" altLang="en-US" dirty="0"/>
+              <a:t>ホスト名，</a:t>
+            </a:r>
+            <a:r>
+              <a:rPr lang="en-US" altLang="ja-JP" dirty="0"/>
+              <a:t>PID</a:t>
+            </a:r>
+            <a:r>
+              <a:rPr lang="ja-JP" altLang="en-US" dirty="0"/>
+              <a:t>など</a:t>
+            </a:r>
+            <a:r>
+              <a:rPr lang="ja-JP" altLang="en-US" b="1" dirty="0"/>
+              <a:t>カーネル</a:t>
+            </a:r>
+            <a:r>
+              <a:rPr lang="en-US" altLang="ja-JP" b="1" dirty="0"/>
+              <a:t>/OS</a:t>
+            </a:r>
+            <a:r>
+              <a:rPr lang="ja-JP" altLang="en-US" b="1" dirty="0"/>
+              <a:t>が扱うリソース</a:t>
+            </a:r>
+            <a:r>
+              <a:rPr lang="ja-JP" altLang="en-US" dirty="0"/>
+              <a:t>を隔離</a:t>
+            </a:r>
+            <a:endParaRPr lang="en-US" altLang="ja-JP" dirty="0"/>
+          </a:p>
+        </p:txBody>
+      </p:sp>
+      <p:sp>
+        <p:nvSpPr>
+          <p:cNvPr id="4" name="テキスト ボックス 3">
+            <a:extLst>
+              <a:ext uri="{FF2B5EF4-FFF2-40B4-BE49-F238E27FC236}">
+                <a16:creationId xmlns:a16="http://schemas.microsoft.com/office/drawing/2014/main" id="{858DCCF8-1783-DEAD-D7A0-CBDB07DDEF4D}"/>
+              </a:ext>
+            </a:extLst>
+          </p:cNvPr>
+          <p:cNvSpPr txBox="1"/>
+          <p:nvPr/>
+        </p:nvSpPr>
+        <p:spPr>
+          <a:xfrm>
+            <a:off x="76199" y="85725"/>
+            <a:ext cx="4613787" cy="369332"/>
+          </a:xfrm>
+          <a:prstGeom prst="rect">
+            <a:avLst/>
+          </a:prstGeom>
+          <a:noFill/>
+        </p:spPr>
+        <p:txBody>
+          <a:bodyPr wrap="square" rtlCol="0">
+            <a:spAutoFit/>
+          </a:bodyPr>
+          <a:lstStyle/>
+          <a:p>
+            <a:r>
+              <a:rPr kumimoji="1" lang="en-US" altLang="ja-JP" dirty="0"/>
+              <a:t> </a:t>
+            </a:r>
+            <a:r>
+              <a:rPr kumimoji="1" lang="en-US" altLang="ja-JP" b="1" dirty="0">
+                <a:solidFill>
+                  <a:schemeClr val="tx1">
+                    <a:lumMod val="85000"/>
+                    <a:lumOff val="15000"/>
+                  </a:schemeClr>
+                </a:solidFill>
+              </a:rPr>
+              <a:t>1. </a:t>
+            </a:r>
+            <a:r>
+              <a:rPr kumimoji="1" lang="ja-JP" altLang="en-US" b="1" dirty="0">
+                <a:solidFill>
+                  <a:schemeClr val="tx1">
+                    <a:lumMod val="85000"/>
+                    <a:lumOff val="15000"/>
+                  </a:schemeClr>
+                </a:solidFill>
+              </a:rPr>
+              <a:t>コンテナとは？ </a:t>
+            </a:r>
+            <a:r>
+              <a:rPr kumimoji="1" lang="en-US" altLang="ja-JP" b="1" dirty="0">
+                <a:solidFill>
+                  <a:schemeClr val="tx1">
+                    <a:lumMod val="85000"/>
+                    <a:lumOff val="15000"/>
+                  </a:schemeClr>
+                </a:solidFill>
+              </a:rPr>
+              <a:t>&gt; </a:t>
+            </a:r>
+            <a:r>
+              <a:rPr kumimoji="1" lang="ja-JP" altLang="en-US" b="1" dirty="0">
+                <a:solidFill>
+                  <a:schemeClr val="tx1">
+                    <a:lumMod val="85000"/>
+                    <a:lumOff val="15000"/>
+                  </a:schemeClr>
+                </a:solidFill>
+              </a:rPr>
+              <a:t>コンテナの時代へ</a:t>
+            </a:r>
+          </a:p>
+        </p:txBody>
+      </p:sp>
+      <p:sp>
+        <p:nvSpPr>
+          <p:cNvPr id="5" name="スライド番号プレースホルダー 4">
+            <a:extLst>
+              <a:ext uri="{FF2B5EF4-FFF2-40B4-BE49-F238E27FC236}">
+                <a16:creationId xmlns:a16="http://schemas.microsoft.com/office/drawing/2014/main" id="{848966E4-C42A-55D4-7A71-AA216C504122}"/>
+              </a:ext>
+            </a:extLst>
+          </p:cNvPr>
+          <p:cNvSpPr>
+            <a:spLocks noGrp="1"/>
+          </p:cNvSpPr>
+          <p:nvPr>
+            <p:ph type="sldNum" sz="quarter" idx="12"/>
+          </p:nvPr>
+        </p:nvSpPr>
+        <p:spPr/>
+        <p:txBody>
+          <a:bodyPr/>
+          <a:lstStyle/>
+          <a:p>
+            <a:fld id="{09FDC953-F94B-4BF6-9058-77E5342884D4}" type="slidenum">
+              <a:rPr kumimoji="1" lang="ja-JP" altLang="en-US" smtClean="0"/>
+              <a:t>7</a:t>
+            </a:fld>
+            <a:endParaRPr kumimoji="1" lang="ja-JP" altLang="en-US"/>
+          </a:p>
+        </p:txBody>
+      </p:sp>
+      <p:sp>
+        <p:nvSpPr>
+          <p:cNvPr id="6" name="テキスト ボックス 5">
+            <a:extLst>
+              <a:ext uri="{FF2B5EF4-FFF2-40B4-BE49-F238E27FC236}">
+                <a16:creationId xmlns:a16="http://schemas.microsoft.com/office/drawing/2014/main" id="{BEAA5471-5155-3E7A-871A-F4D83FA8B956}"/>
+              </a:ext>
+            </a:extLst>
+          </p:cNvPr>
+          <p:cNvSpPr txBox="1"/>
+          <p:nvPr/>
+        </p:nvSpPr>
+        <p:spPr>
+          <a:xfrm>
+            <a:off x="0" y="6420055"/>
+            <a:ext cx="11857703" cy="461665"/>
+          </a:xfrm>
+          <a:prstGeom prst="rect">
+            <a:avLst/>
+          </a:prstGeom>
+          <a:noFill/>
+        </p:spPr>
+        <p:txBody>
+          <a:bodyPr wrap="square" rtlCol="0">
+            <a:spAutoFit/>
+          </a:bodyPr>
+          <a:lstStyle/>
+          <a:p>
+            <a:r>
+              <a:rPr kumimoji="1" lang="en-US" altLang="ja-JP" sz="1200" dirty="0"/>
+              <a:t>[x]</a:t>
+            </a:r>
+            <a:r>
+              <a:rPr lang="en-US" altLang="ja-JP" sz="1200" dirty="0"/>
+              <a:t>:</a:t>
+            </a:r>
+            <a:r>
+              <a:rPr lang="ja-JP" altLang="en-US" sz="1200" dirty="0"/>
+              <a:t> </a:t>
+            </a:r>
+            <a:r>
+              <a:rPr lang="en-US" altLang="ja-JP" sz="1200" dirty="0"/>
+              <a:t>Red Hat, </a:t>
+            </a:r>
+            <a:r>
+              <a:rPr lang="en-US" altLang="ja-JP" sz="1200" dirty="0" err="1"/>
+              <a:t>cgroups</a:t>
+            </a:r>
+            <a:r>
+              <a:rPr lang="ja-JP" altLang="en-US" sz="1200" dirty="0"/>
+              <a:t>の概要</a:t>
+            </a:r>
+            <a:r>
+              <a:rPr lang="en-US" altLang="ja-JP" sz="1200" dirty="0"/>
+              <a:t> </a:t>
+            </a:r>
+            <a:r>
+              <a:rPr kumimoji="1" lang="en-US" altLang="ja-JP" sz="1200" dirty="0"/>
+              <a:t>, </a:t>
+            </a:r>
+          </a:p>
+          <a:p>
+            <a:r>
+              <a:rPr kumimoji="1" lang="en-US" altLang="ja-JP" sz="1200" dirty="0"/>
+              <a:t>https://access.redhat.com/documentation/ja-jp/red_hat_enterprise_linux/7/html/resource_management_guide/chap-introduction_to_control_groups, 2024/05/29</a:t>
+            </a:r>
+            <a:endParaRPr kumimoji="1" lang="ja-JP" altLang="en-US" sz="1200" dirty="0"/>
+          </a:p>
+        </p:txBody>
+      </p:sp>
+      <p:sp>
+        <p:nvSpPr>
+          <p:cNvPr id="7" name="正方形/長方形 6">
+            <a:extLst>
+              <a:ext uri="{FF2B5EF4-FFF2-40B4-BE49-F238E27FC236}">
+                <a16:creationId xmlns:a16="http://schemas.microsoft.com/office/drawing/2014/main" id="{867FB2C8-87BF-BDE1-CFB8-526A8DAEE3B3}"/>
+              </a:ext>
+            </a:extLst>
+          </p:cNvPr>
+          <p:cNvSpPr/>
+          <p:nvPr/>
+        </p:nvSpPr>
+        <p:spPr>
+          <a:xfrm>
+            <a:off x="2325329" y="4400634"/>
+            <a:ext cx="7541343" cy="1995539"/>
+          </a:xfrm>
+          <a:prstGeom prst="rect">
+            <a:avLst/>
+          </a:prstGeom>
+          <a:solidFill>
+            <a:schemeClr val="accent2"/>
+          </a:solidFill>
+          <a:ln>
+            <a:noFill/>
+          </a:ln>
+        </p:spPr>
+        <p:style>
+          <a:lnRef idx="2">
+            <a:schemeClr val="accent1">
+              <a:shade val="15000"/>
+            </a:schemeClr>
+          </a:lnRef>
+          <a:fillRef idx="1">
+            <a:schemeClr val="accent1"/>
+          </a:fillRef>
+          <a:effectRef idx="0">
+            <a:schemeClr val="accent1"/>
+          </a:effectRef>
+          <a:fontRef idx="minor">
+            <a:schemeClr val="lt1"/>
+          </a:fontRef>
+        </p:style>
+        <p:txBody>
+          <a:bodyPr rtlCol="0" anchor="t"/>
+          <a:lstStyle/>
+          <a:p>
+            <a:r>
+              <a:rPr kumimoji="1" lang="ja-JP" altLang="en-US" sz="2400" b="1" dirty="0"/>
+              <a:t>ホスト</a:t>
+            </a:r>
+            <a:r>
+              <a:rPr kumimoji="1" lang="en-US" altLang="ja-JP" sz="2400" b="1" dirty="0"/>
+              <a:t>OS</a:t>
+            </a:r>
+            <a:endParaRPr kumimoji="1" lang="ja-JP" altLang="en-US" b="1" dirty="0"/>
+          </a:p>
+        </p:txBody>
+      </p:sp>
+      <p:sp>
+        <p:nvSpPr>
+          <p:cNvPr id="8" name="テキスト ボックス 7">
+            <a:extLst>
+              <a:ext uri="{FF2B5EF4-FFF2-40B4-BE49-F238E27FC236}">
+                <a16:creationId xmlns:a16="http://schemas.microsoft.com/office/drawing/2014/main" id="{6BE31C90-A3CF-45E8-5211-1C12CFB7A818}"/>
+              </a:ext>
+            </a:extLst>
+          </p:cNvPr>
+          <p:cNvSpPr txBox="1"/>
+          <p:nvPr/>
+        </p:nvSpPr>
+        <p:spPr>
+          <a:xfrm>
+            <a:off x="2286585" y="5102801"/>
+            <a:ext cx="1022554" cy="830997"/>
+          </a:xfrm>
+          <a:prstGeom prst="rect">
+            <a:avLst/>
+          </a:prstGeom>
+          <a:noFill/>
+        </p:spPr>
+        <p:txBody>
+          <a:bodyPr wrap="square" rtlCol="0">
+            <a:spAutoFit/>
+          </a:bodyPr>
+          <a:lstStyle/>
+          <a:p>
+            <a:pPr algn="ctr"/>
+            <a:r>
+              <a:rPr kumimoji="1" lang="en-US" altLang="ja-JP" sz="2400" b="1" dirty="0">
+                <a:solidFill>
+                  <a:schemeClr val="bg1"/>
+                </a:solidFill>
+              </a:rPr>
+              <a:t>/</a:t>
+            </a:r>
+          </a:p>
+          <a:p>
+            <a:pPr algn="ctr"/>
+            <a:r>
+              <a:rPr lang="en-US" altLang="ja-JP" sz="2400" b="1" dirty="0">
+                <a:solidFill>
+                  <a:schemeClr val="bg1"/>
+                </a:solidFill>
+              </a:rPr>
+              <a:t>root</a:t>
+            </a:r>
+            <a:endParaRPr kumimoji="1" lang="ja-JP" altLang="en-US" sz="2400" b="1" dirty="0">
+              <a:solidFill>
+                <a:schemeClr val="bg1"/>
+              </a:solidFill>
+            </a:endParaRPr>
+          </a:p>
+        </p:txBody>
+      </p:sp>
+      <p:grpSp>
+        <p:nvGrpSpPr>
+          <p:cNvPr id="18" name="グループ化 17">
+            <a:extLst>
+              <a:ext uri="{FF2B5EF4-FFF2-40B4-BE49-F238E27FC236}">
+                <a16:creationId xmlns:a16="http://schemas.microsoft.com/office/drawing/2014/main" id="{0AE8F625-2B87-8F5F-9BCF-C211184E1974}"/>
+              </a:ext>
+            </a:extLst>
+          </p:cNvPr>
+          <p:cNvGrpSpPr/>
+          <p:nvPr/>
+        </p:nvGrpSpPr>
+        <p:grpSpPr>
+          <a:xfrm>
+            <a:off x="5369764" y="4459890"/>
+            <a:ext cx="2160209" cy="1473908"/>
+            <a:chOff x="3326191" y="4498796"/>
+            <a:chExt cx="2160209" cy="1473908"/>
+          </a:xfrm>
+        </p:grpSpPr>
+        <p:sp>
+          <p:nvSpPr>
+            <p:cNvPr id="10" name="正方形/長方形 9">
+              <a:extLst>
+                <a:ext uri="{FF2B5EF4-FFF2-40B4-BE49-F238E27FC236}">
+                  <a16:creationId xmlns:a16="http://schemas.microsoft.com/office/drawing/2014/main" id="{7FD0A6D5-8BEA-A3C1-608C-2142E642313E}"/>
+                </a:ext>
+              </a:extLst>
+            </p:cNvPr>
+            <p:cNvSpPr/>
+            <p:nvPr/>
+          </p:nvSpPr>
+          <p:spPr>
+            <a:xfrm>
+              <a:off x="3380452" y="4498796"/>
+              <a:ext cx="2105948" cy="1473908"/>
+            </a:xfrm>
+            <a:prstGeom prst="rect">
+              <a:avLst/>
+            </a:prstGeom>
+            <a:solidFill>
+              <a:schemeClr val="tx1">
+                <a:lumMod val="65000"/>
+                <a:lumOff val="35000"/>
+              </a:schemeClr>
+            </a:solidFill>
+            <a:ln w="28575">
+              <a:solidFill>
+                <a:schemeClr val="bg1"/>
+              </a:solidFill>
+            </a:ln>
+          </p:spPr>
+          <p:style>
+            <a:lnRef idx="2">
+              <a:schemeClr val="accent1">
+                <a:shade val="15000"/>
+              </a:schemeClr>
+            </a:lnRef>
+            <a:fillRef idx="1">
+              <a:schemeClr val="accent1"/>
+            </a:fillRef>
+            <a:effectRef idx="0">
+              <a:schemeClr val="accent1"/>
+            </a:effectRef>
+            <a:fontRef idx="minor">
+              <a:schemeClr val="lt1"/>
+            </a:fontRef>
+          </p:style>
+          <p:txBody>
+            <a:bodyPr rtlCol="0" anchor="t"/>
+            <a:lstStyle/>
+            <a:p>
+              <a:pPr algn="ctr"/>
+              <a:r>
+                <a:rPr kumimoji="1" lang="ja-JP" altLang="en-US" sz="2400" b="1" u="sng" dirty="0"/>
+                <a:t>コンテナ</a:t>
+              </a:r>
+              <a:endParaRPr kumimoji="1" lang="ja-JP" altLang="en-US" b="1" u="sng" dirty="0"/>
+            </a:p>
+          </p:txBody>
+        </p:sp>
+        <p:sp>
+          <p:nvSpPr>
+            <p:cNvPr id="14" name="テキスト ボックス 13">
+              <a:extLst>
+                <a:ext uri="{FF2B5EF4-FFF2-40B4-BE49-F238E27FC236}">
+                  <a16:creationId xmlns:a16="http://schemas.microsoft.com/office/drawing/2014/main" id="{2F7A50A6-DB27-06B9-2BFF-60FB244C94AF}"/>
+                </a:ext>
+              </a:extLst>
+            </p:cNvPr>
+            <p:cNvSpPr txBox="1"/>
+            <p:nvPr/>
+          </p:nvSpPr>
+          <p:spPr>
+            <a:xfrm>
+              <a:off x="3326191" y="5039432"/>
+              <a:ext cx="1022554" cy="830997"/>
+            </a:xfrm>
+            <a:prstGeom prst="rect">
+              <a:avLst/>
+            </a:prstGeom>
+            <a:noFill/>
+          </p:spPr>
+          <p:txBody>
+            <a:bodyPr wrap="square" rtlCol="0">
+              <a:spAutoFit/>
+            </a:bodyPr>
+            <a:lstStyle/>
+            <a:p>
+              <a:pPr algn="ctr"/>
+              <a:r>
+                <a:rPr kumimoji="1" lang="en-US" altLang="ja-JP" sz="2400" b="1" dirty="0">
+                  <a:solidFill>
+                    <a:schemeClr val="bg1"/>
+                  </a:solidFill>
+                </a:rPr>
+                <a:t>/</a:t>
+              </a:r>
+            </a:p>
+            <a:p>
+              <a:pPr algn="ctr"/>
+              <a:r>
+                <a:rPr lang="en-US" altLang="ja-JP" sz="2400" b="1" dirty="0">
+                  <a:solidFill>
+                    <a:schemeClr val="bg1"/>
+                  </a:solidFill>
+                </a:rPr>
+                <a:t>root</a:t>
+              </a:r>
+              <a:endParaRPr kumimoji="1" lang="ja-JP" altLang="en-US" sz="2400" b="1" dirty="0">
+                <a:solidFill>
+                  <a:schemeClr val="bg1"/>
+                </a:solidFill>
+              </a:endParaRPr>
+            </a:p>
+          </p:txBody>
+        </p:sp>
+        <p:sp>
+          <p:nvSpPr>
+            <p:cNvPr id="16" name="正方形/長方形 15">
+              <a:extLst>
+                <a:ext uri="{FF2B5EF4-FFF2-40B4-BE49-F238E27FC236}">
+                  <a16:creationId xmlns:a16="http://schemas.microsoft.com/office/drawing/2014/main" id="{46DECCF7-E17C-2FDC-6277-7EC56EEF1D2E}"/>
+                </a:ext>
+              </a:extLst>
+            </p:cNvPr>
+            <p:cNvSpPr/>
+            <p:nvPr/>
+          </p:nvSpPr>
+          <p:spPr>
+            <a:xfrm>
+              <a:off x="4333445" y="5198232"/>
+              <a:ext cx="1022554" cy="403122"/>
+            </a:xfrm>
+            <a:prstGeom prst="rect">
+              <a:avLst/>
+            </a:prstGeom>
+            <a:solidFill>
+              <a:srgbClr val="92D050"/>
+            </a:solidFill>
+            <a:ln>
+              <a:noFill/>
+            </a:ln>
+          </p:spPr>
+          <p:style>
+            <a:lnRef idx="2">
+              <a:schemeClr val="accent1">
+                <a:shade val="15000"/>
+              </a:schemeClr>
+            </a:lnRef>
+            <a:fillRef idx="1">
+              <a:schemeClr val="accent1"/>
+            </a:fillRef>
+            <a:effectRef idx="0">
+              <a:schemeClr val="accent1"/>
+            </a:effectRef>
+            <a:fontRef idx="minor">
+              <a:schemeClr val="lt1"/>
+            </a:fontRef>
+          </p:style>
+          <p:txBody>
+            <a:bodyPr rtlCol="0" anchor="ctr"/>
+            <a:lstStyle/>
+            <a:p>
+              <a:pPr algn="ctr"/>
+              <a:r>
+                <a:rPr kumimoji="1" lang="en-US" altLang="ja-JP" sz="2800" b="1" dirty="0"/>
+                <a:t>ns</a:t>
+              </a:r>
+              <a:endParaRPr kumimoji="1" lang="ja-JP" altLang="en-US" sz="2800" b="1" dirty="0"/>
+            </a:p>
+          </p:txBody>
+        </p:sp>
+      </p:grpSp>
+      <p:sp>
+        <p:nvSpPr>
+          <p:cNvPr id="19" name="正方形/長方形 18">
+            <a:extLst>
+              <a:ext uri="{FF2B5EF4-FFF2-40B4-BE49-F238E27FC236}">
+                <a16:creationId xmlns:a16="http://schemas.microsoft.com/office/drawing/2014/main" id="{1A0CCE3D-FB3A-CC17-D3E9-487555043F62}"/>
+              </a:ext>
+            </a:extLst>
+          </p:cNvPr>
+          <p:cNvSpPr/>
+          <p:nvPr/>
+        </p:nvSpPr>
+        <p:spPr>
+          <a:xfrm>
+            <a:off x="3687014" y="4912882"/>
+            <a:ext cx="956316" cy="490111"/>
+          </a:xfrm>
+          <a:prstGeom prst="rect">
+            <a:avLst/>
+          </a:prstGeom>
+          <a:solidFill>
+            <a:srgbClr val="92D050"/>
+          </a:solidFill>
+          <a:ln>
+            <a:solidFill>
+              <a:schemeClr val="bg1"/>
+            </a:solidFill>
+          </a:ln>
+        </p:spPr>
+        <p:style>
+          <a:lnRef idx="2">
+            <a:schemeClr val="accent1">
+              <a:shade val="15000"/>
+            </a:schemeClr>
+          </a:lnRef>
+          <a:fillRef idx="1">
+            <a:schemeClr val="accent1"/>
+          </a:fillRef>
+          <a:effectRef idx="0">
+            <a:schemeClr val="accent1"/>
+          </a:effectRef>
+          <a:fontRef idx="minor">
+            <a:schemeClr val="lt1"/>
+          </a:fontRef>
+        </p:style>
+        <p:txBody>
+          <a:bodyPr rtlCol="0" anchor="ctr"/>
+          <a:lstStyle/>
+          <a:p>
+            <a:pPr algn="ctr"/>
+            <a:r>
+              <a:rPr kumimoji="1" lang="en-US" altLang="ja-JP" sz="2800" b="1" dirty="0"/>
+              <a:t>ns</a:t>
+            </a:r>
+            <a:endParaRPr kumimoji="1" lang="ja-JP" altLang="en-US" sz="2800" b="1" dirty="0"/>
+          </a:p>
+        </p:txBody>
+      </p:sp>
+      <p:sp>
+        <p:nvSpPr>
+          <p:cNvPr id="20" name="正方形/長方形 19">
+            <a:extLst>
+              <a:ext uri="{FF2B5EF4-FFF2-40B4-BE49-F238E27FC236}">
+                <a16:creationId xmlns:a16="http://schemas.microsoft.com/office/drawing/2014/main" id="{57C65957-694A-3672-69FF-89547B70F270}"/>
+              </a:ext>
+            </a:extLst>
+          </p:cNvPr>
+          <p:cNvSpPr/>
+          <p:nvPr/>
+        </p:nvSpPr>
+        <p:spPr>
+          <a:xfrm>
+            <a:off x="3639207" y="5760212"/>
+            <a:ext cx="1243210" cy="490111"/>
+          </a:xfrm>
+          <a:prstGeom prst="rect">
+            <a:avLst/>
+          </a:prstGeom>
+          <a:solidFill>
+            <a:srgbClr val="92D050"/>
+          </a:solidFill>
+          <a:ln>
+            <a:solidFill>
+              <a:schemeClr val="bg1"/>
+            </a:solidFill>
+          </a:ln>
+        </p:spPr>
+        <p:style>
+          <a:lnRef idx="2">
+            <a:schemeClr val="accent1">
+              <a:shade val="15000"/>
+            </a:schemeClr>
+          </a:lnRef>
+          <a:fillRef idx="1">
+            <a:schemeClr val="accent1"/>
+          </a:fillRef>
+          <a:effectRef idx="0">
+            <a:schemeClr val="accent1"/>
+          </a:effectRef>
+          <a:fontRef idx="minor">
+            <a:schemeClr val="lt1"/>
+          </a:fontRef>
+        </p:style>
+        <p:txBody>
+          <a:bodyPr rtlCol="0" anchor="ctr"/>
+          <a:lstStyle/>
+          <a:p>
+            <a:pPr algn="ctr"/>
+            <a:r>
+              <a:rPr kumimoji="1" lang="en-US" altLang="ja-JP" sz="2000" b="1" dirty="0" err="1"/>
+              <a:t>cgrops</a:t>
+            </a:r>
+            <a:endParaRPr kumimoji="1" lang="ja-JP" altLang="en-US" sz="2000" b="1" dirty="0"/>
+          </a:p>
+        </p:txBody>
+      </p:sp>
+      <p:grpSp>
+        <p:nvGrpSpPr>
+          <p:cNvPr id="21" name="グループ化 20">
+            <a:extLst>
+              <a:ext uri="{FF2B5EF4-FFF2-40B4-BE49-F238E27FC236}">
+                <a16:creationId xmlns:a16="http://schemas.microsoft.com/office/drawing/2014/main" id="{CF750606-4FC5-AEA1-759E-1E7909C82DA1}"/>
+              </a:ext>
+            </a:extLst>
+          </p:cNvPr>
+          <p:cNvGrpSpPr/>
+          <p:nvPr/>
+        </p:nvGrpSpPr>
+        <p:grpSpPr>
+          <a:xfrm>
+            <a:off x="7618218" y="4820251"/>
+            <a:ext cx="2160209" cy="1473908"/>
+            <a:chOff x="3326191" y="4498796"/>
+            <a:chExt cx="2160209" cy="1473908"/>
+          </a:xfrm>
+        </p:grpSpPr>
+        <p:sp>
+          <p:nvSpPr>
+            <p:cNvPr id="22" name="正方形/長方形 21">
+              <a:extLst>
+                <a:ext uri="{FF2B5EF4-FFF2-40B4-BE49-F238E27FC236}">
+                  <a16:creationId xmlns:a16="http://schemas.microsoft.com/office/drawing/2014/main" id="{627BD780-4F45-0DA6-7311-42827A94BD76}"/>
+                </a:ext>
+              </a:extLst>
+            </p:cNvPr>
+            <p:cNvSpPr/>
+            <p:nvPr/>
+          </p:nvSpPr>
+          <p:spPr>
+            <a:xfrm>
+              <a:off x="3380452" y="4498796"/>
+              <a:ext cx="2105948" cy="1473908"/>
+            </a:xfrm>
+            <a:prstGeom prst="rect">
+              <a:avLst/>
+            </a:prstGeom>
+            <a:solidFill>
+              <a:schemeClr val="tx1">
+                <a:lumMod val="65000"/>
+                <a:lumOff val="35000"/>
+              </a:schemeClr>
+            </a:solidFill>
+            <a:ln w="28575">
+              <a:solidFill>
+                <a:schemeClr val="bg1"/>
+              </a:solidFill>
+            </a:ln>
+          </p:spPr>
+          <p:style>
+            <a:lnRef idx="2">
+              <a:schemeClr val="accent1">
+                <a:shade val="15000"/>
+              </a:schemeClr>
+            </a:lnRef>
+            <a:fillRef idx="1">
+              <a:schemeClr val="accent1"/>
+            </a:fillRef>
+            <a:effectRef idx="0">
+              <a:schemeClr val="accent1"/>
+            </a:effectRef>
+            <a:fontRef idx="minor">
+              <a:schemeClr val="lt1"/>
+            </a:fontRef>
+          </p:style>
+          <p:txBody>
+            <a:bodyPr rtlCol="0" anchor="t"/>
+            <a:lstStyle/>
+            <a:p>
+              <a:pPr algn="ctr"/>
+              <a:r>
+                <a:rPr kumimoji="1" lang="ja-JP" altLang="en-US" sz="2400" b="1" u="sng" dirty="0"/>
+                <a:t>コンテナ</a:t>
+              </a:r>
+              <a:endParaRPr kumimoji="1" lang="ja-JP" altLang="en-US" b="1" u="sng" dirty="0"/>
+            </a:p>
+          </p:txBody>
+        </p:sp>
+        <p:sp>
+          <p:nvSpPr>
+            <p:cNvPr id="23" name="テキスト ボックス 22">
+              <a:extLst>
+                <a:ext uri="{FF2B5EF4-FFF2-40B4-BE49-F238E27FC236}">
+                  <a16:creationId xmlns:a16="http://schemas.microsoft.com/office/drawing/2014/main" id="{40C414B6-E682-A934-7B38-17DBE63B79CC}"/>
+                </a:ext>
+              </a:extLst>
+            </p:cNvPr>
+            <p:cNvSpPr txBox="1"/>
+            <p:nvPr/>
+          </p:nvSpPr>
+          <p:spPr>
+            <a:xfrm>
+              <a:off x="3326191" y="5039432"/>
+              <a:ext cx="1022554" cy="830997"/>
+            </a:xfrm>
+            <a:prstGeom prst="rect">
+              <a:avLst/>
+            </a:prstGeom>
+            <a:noFill/>
+          </p:spPr>
+          <p:txBody>
+            <a:bodyPr wrap="square" rtlCol="0">
+              <a:spAutoFit/>
+            </a:bodyPr>
+            <a:lstStyle/>
+            <a:p>
+              <a:pPr algn="ctr"/>
+              <a:r>
+                <a:rPr kumimoji="1" lang="en-US" altLang="ja-JP" sz="2400" b="1" dirty="0">
+                  <a:solidFill>
+                    <a:schemeClr val="bg1"/>
+                  </a:solidFill>
+                </a:rPr>
+                <a:t>/</a:t>
+              </a:r>
+            </a:p>
+            <a:p>
+              <a:pPr algn="ctr"/>
+              <a:r>
+                <a:rPr lang="en-US" altLang="ja-JP" sz="2400" b="1" dirty="0">
+                  <a:solidFill>
+                    <a:schemeClr val="bg1"/>
+                  </a:solidFill>
+                </a:rPr>
+                <a:t>root</a:t>
+              </a:r>
+              <a:endParaRPr kumimoji="1" lang="ja-JP" altLang="en-US" sz="2400" b="1" dirty="0">
+                <a:solidFill>
+                  <a:schemeClr val="bg1"/>
+                </a:solidFill>
+              </a:endParaRPr>
+            </a:p>
+          </p:txBody>
+        </p:sp>
+        <p:sp>
+          <p:nvSpPr>
+            <p:cNvPr id="24" name="正方形/長方形 23">
+              <a:extLst>
+                <a:ext uri="{FF2B5EF4-FFF2-40B4-BE49-F238E27FC236}">
+                  <a16:creationId xmlns:a16="http://schemas.microsoft.com/office/drawing/2014/main" id="{87B14D49-5EC1-67C6-C951-3F4AC3026BC7}"/>
+                </a:ext>
+              </a:extLst>
+            </p:cNvPr>
+            <p:cNvSpPr/>
+            <p:nvPr/>
+          </p:nvSpPr>
+          <p:spPr>
+            <a:xfrm>
+              <a:off x="4342291" y="5196844"/>
+              <a:ext cx="1022554" cy="403122"/>
+            </a:xfrm>
+            <a:prstGeom prst="rect">
+              <a:avLst/>
+            </a:prstGeom>
+            <a:solidFill>
+              <a:srgbClr val="92D050"/>
+            </a:solidFill>
+            <a:ln>
+              <a:noFill/>
+            </a:ln>
+          </p:spPr>
+          <p:style>
+            <a:lnRef idx="2">
+              <a:schemeClr val="accent1">
+                <a:shade val="15000"/>
+              </a:schemeClr>
+            </a:lnRef>
+            <a:fillRef idx="1">
+              <a:schemeClr val="accent1"/>
+            </a:fillRef>
+            <a:effectRef idx="0">
+              <a:schemeClr val="accent1"/>
+            </a:effectRef>
+            <a:fontRef idx="minor">
+              <a:schemeClr val="lt1"/>
+            </a:fontRef>
+          </p:style>
+          <p:txBody>
+            <a:bodyPr rtlCol="0" anchor="ctr"/>
+            <a:lstStyle/>
+            <a:p>
+              <a:pPr algn="ctr"/>
+              <a:r>
+                <a:rPr kumimoji="1" lang="en-US" altLang="ja-JP" sz="2800" b="1" dirty="0"/>
+                <a:t>ns</a:t>
+              </a:r>
+              <a:endParaRPr kumimoji="1" lang="ja-JP" altLang="en-US" sz="2800" b="1" dirty="0"/>
+            </a:p>
+          </p:txBody>
+        </p:sp>
+      </p:grpSp>
+      <p:cxnSp>
+        <p:nvCxnSpPr>
+          <p:cNvPr id="27" name="直線矢印コネクタ 26">
+            <a:extLst>
+              <a:ext uri="{FF2B5EF4-FFF2-40B4-BE49-F238E27FC236}">
+                <a16:creationId xmlns:a16="http://schemas.microsoft.com/office/drawing/2014/main" id="{7051C96D-67D3-514F-58D2-7C024729CDF6}"/>
+              </a:ext>
+            </a:extLst>
+          </p:cNvPr>
+          <p:cNvCxnSpPr>
+            <a:cxnSpLocks/>
+            <a:stCxn id="20" idx="3"/>
+          </p:cNvCxnSpPr>
+          <p:nvPr/>
+        </p:nvCxnSpPr>
+        <p:spPr>
+          <a:xfrm flipV="1">
+            <a:off x="4882417" y="5231334"/>
+            <a:ext cx="493801" cy="773934"/>
+          </a:xfrm>
+          <a:prstGeom prst="straightConnector1">
+            <a:avLst/>
+          </a:prstGeom>
+          <a:ln w="38100">
+            <a:solidFill>
+              <a:schemeClr val="bg1"/>
+            </a:solidFill>
+            <a:tailEnd type="triangle"/>
+          </a:ln>
+        </p:spPr>
+        <p:style>
+          <a:lnRef idx="2">
+            <a:schemeClr val="accent1"/>
+          </a:lnRef>
+          <a:fillRef idx="0">
+            <a:schemeClr val="accent1"/>
+          </a:fillRef>
+          <a:effectRef idx="1">
+            <a:schemeClr val="accent1"/>
+          </a:effectRef>
+          <a:fontRef idx="minor">
+            <a:schemeClr val="tx1"/>
+          </a:fontRef>
+        </p:style>
+      </p:cxnSp>
+      <p:cxnSp>
+        <p:nvCxnSpPr>
+          <p:cNvPr id="29" name="直線矢印コネクタ 28">
+            <a:extLst>
+              <a:ext uri="{FF2B5EF4-FFF2-40B4-BE49-F238E27FC236}">
+                <a16:creationId xmlns:a16="http://schemas.microsoft.com/office/drawing/2014/main" id="{89CADF6B-C288-D7A9-9396-E6BFE3A89E43}"/>
+              </a:ext>
+            </a:extLst>
+          </p:cNvPr>
+          <p:cNvCxnSpPr>
+            <a:cxnSpLocks/>
+            <a:stCxn id="20" idx="3"/>
+          </p:cNvCxnSpPr>
+          <p:nvPr/>
+        </p:nvCxnSpPr>
+        <p:spPr>
+          <a:xfrm>
+            <a:off x="4882417" y="6005268"/>
+            <a:ext cx="2822459" cy="126953"/>
+          </a:xfrm>
+          <a:prstGeom prst="straightConnector1">
+            <a:avLst/>
+          </a:prstGeom>
+          <a:ln w="38100">
+            <a:solidFill>
+              <a:schemeClr val="bg1"/>
+            </a:solidFill>
+            <a:tailEnd type="triangle"/>
+          </a:ln>
+        </p:spPr>
+        <p:style>
+          <a:lnRef idx="2">
+            <a:schemeClr val="accent1"/>
+          </a:lnRef>
+          <a:fillRef idx="0">
+            <a:schemeClr val="accent1"/>
+          </a:fillRef>
+          <a:effectRef idx="1">
+            <a:schemeClr val="accent1"/>
+          </a:effectRef>
+          <a:fontRef idx="minor">
+            <a:schemeClr val="tx1"/>
+          </a:fontRef>
+        </p:style>
+      </p:cxnSp>
+    </p:spTree>
+    <p:extLst>
+      <p:ext uri="{BB962C8B-B14F-4D97-AF65-F5344CB8AC3E}">
+        <p14:creationId xmlns:p14="http://schemas.microsoft.com/office/powerpoint/2010/main" val="2685194060"/>
+      </p:ext>
+    </p:extLst>
+  </p:cSld>
+  <p:clrMapOvr>
+    <a:masterClrMapping/>
+  </p:clrMapOvr>
+</p:sld>
+</file>
+
+<file path=ppt/slides/slide8.xml><?xml version="1.0" encoding="utf-8"?>
+<p:sld xmlns:a="http://schemas.openxmlformats.org/drawingml/2006/main" xmlns:r="http://schemas.openxmlformats.org/officeDocument/2006/relationships" xmlns:p="http://schemas.openxmlformats.org/presentationml/2006/main">
+  <p:cSld>
+    <p:spTree>
+      <p:nvGrpSpPr>
+        <p:cNvPr id="1" name=""/>
+        <p:cNvGrpSpPr/>
+        <p:nvPr/>
+      </p:nvGrpSpPr>
+      <p:grpSpPr>
+        <a:xfrm>
+          <a:off x="0" y="0"/>
+          <a:ext cx="0" cy="0"/>
+          <a:chOff x="0" y="0"/>
+          <a:chExt cx="0" cy="0"/>
+        </a:xfrm>
+      </p:grpSpPr>
+      <p:sp>
+        <p:nvSpPr>
+          <p:cNvPr id="2" name="タイトル 1">
+            <a:extLst>
+              <a:ext uri="{FF2B5EF4-FFF2-40B4-BE49-F238E27FC236}">
                 <a16:creationId xmlns:a16="http://schemas.microsoft.com/office/drawing/2014/main" id="{404F5B6D-666E-D5A2-5491-2297C3D44DAA}"/>
               </a:ext>
             </a:extLst>
@@ -16284,7 +18969,11 @@
               <a:rPr kumimoji="1" lang="en-US" altLang="ja-JP" sz="3600" dirty="0"/>
               <a:t>VM</a:t>
             </a:r>
-            <a:endParaRPr kumimoji="1" lang="ja-JP" altLang="en-US" sz="3600" dirty="0"/>
+            <a:r>
+              <a:rPr lang="en-US" altLang="ja-JP" sz="2000" dirty="0"/>
+              <a:t>(type1)</a:t>
+            </a:r>
+            <a:endParaRPr kumimoji="1" lang="ja-JP" altLang="en-US" sz="2000" dirty="0"/>
           </a:p>
         </p:txBody>
       </p:sp>
@@ -16348,7 +19037,7 @@
           <a:p>
             <a:fld id="{09FDC953-F94B-4BF6-9058-77E5342884D4}" type="slidenum">
               <a:rPr kumimoji="1" lang="ja-JP" altLang="en-US" smtClean="0"/>
-              <a:t>7</a:t>
+              <a:t>8</a:t>
             </a:fld>
             <a:endParaRPr kumimoji="1" lang="ja-JP" altLang="en-US"/>
           </a:p>
@@ -16367,7 +19056,7 @@
 </p:sld>
 </file>
 
-<file path=ppt/slides/slide8.xml><?xml version="1.0" encoding="utf-8"?>
+<file path=ppt/slides/slide9.xml><?xml version="1.0" encoding="utf-8"?>
 <p:sld xmlns:a="http://schemas.openxmlformats.org/drawingml/2006/main" xmlns:r="http://schemas.openxmlformats.org/officeDocument/2006/relationships" xmlns:p="http://schemas.openxmlformats.org/presentationml/2006/main">
   <p:cSld>
     <p:bg>
@@ -16474,7 +19163,7 @@
           <a:p>
             <a:fld id="{09FDC953-F94B-4BF6-9058-77E5342884D4}" type="slidenum">
               <a:rPr kumimoji="1" lang="ja-JP" altLang="en-US" smtClean="0"/>
-              <a:t>8</a:t>
+              <a:t>9</a:t>
             </a:fld>
             <a:endParaRPr kumimoji="1" lang="ja-JP" altLang="en-US"/>
           </a:p>
@@ -16484,404 +19173,6 @@
     <p:extLst>
       <p:ext uri="{BB962C8B-B14F-4D97-AF65-F5344CB8AC3E}">
         <p14:creationId xmlns:p14="http://schemas.microsoft.com/office/powerpoint/2010/main" val="3088429541"/>
-      </p:ext>
-    </p:extLst>
-  </p:cSld>
-  <p:clrMapOvr>
-    <a:masterClrMapping/>
-  </p:clrMapOvr>
-</p:sld>
-</file>
-
-<file path=ppt/slides/slide9.xml><?xml version="1.0" encoding="utf-8"?>
-<p:sld xmlns:a="http://schemas.openxmlformats.org/drawingml/2006/main" xmlns:r="http://schemas.openxmlformats.org/officeDocument/2006/relationships" xmlns:p="http://schemas.openxmlformats.org/presentationml/2006/main">
-  <p:cSld>
-    <p:spTree>
-      <p:nvGrpSpPr>
-        <p:cNvPr id="1" name=""/>
-        <p:cNvGrpSpPr/>
-        <p:nvPr/>
-      </p:nvGrpSpPr>
-      <p:grpSpPr>
-        <a:xfrm>
-          <a:off x="0" y="0"/>
-          <a:ext cx="0" cy="0"/>
-          <a:chOff x="0" y="0"/>
-          <a:chExt cx="0" cy="0"/>
-        </a:xfrm>
-      </p:grpSpPr>
-      <p:sp>
-        <p:nvSpPr>
-          <p:cNvPr id="2" name="タイトル 1">
-            <a:extLst>
-              <a:ext uri="{FF2B5EF4-FFF2-40B4-BE49-F238E27FC236}">
-                <a16:creationId xmlns:a16="http://schemas.microsoft.com/office/drawing/2014/main" id="{5D85131E-AB32-0C13-F928-0BC8C7E25614}"/>
-              </a:ext>
-            </a:extLst>
-          </p:cNvPr>
-          <p:cNvSpPr>
-            <a:spLocks noGrp="1"/>
-          </p:cNvSpPr>
-          <p:nvPr>
-            <p:ph type="title"/>
-          </p:nvPr>
-        </p:nvSpPr>
-        <p:spPr/>
-        <p:txBody>
-          <a:bodyPr/>
-          <a:lstStyle/>
-          <a:p>
-            <a:r>
-              <a:rPr kumimoji="1" lang="ja-JP" altLang="en-US" dirty="0"/>
-              <a:t>概要</a:t>
-            </a:r>
-            <a:r>
-              <a:rPr kumimoji="1" lang="en-US" altLang="ja-JP" sz="2800" dirty="0"/>
-              <a:t>[x]</a:t>
-            </a:r>
-            <a:endParaRPr kumimoji="1" lang="ja-JP" altLang="en-US" dirty="0"/>
-          </a:p>
-        </p:txBody>
-      </p:sp>
-      <p:sp>
-        <p:nvSpPr>
-          <p:cNvPr id="3" name="コンテンツ プレースホルダー 2">
-            <a:extLst>
-              <a:ext uri="{FF2B5EF4-FFF2-40B4-BE49-F238E27FC236}">
-                <a16:creationId xmlns:a16="http://schemas.microsoft.com/office/drawing/2014/main" id="{E1842FAB-83F8-8740-EA6D-D4B6CB48EB62}"/>
-              </a:ext>
-            </a:extLst>
-          </p:cNvPr>
-          <p:cNvSpPr>
-            <a:spLocks noGrp="1"/>
-          </p:cNvSpPr>
-          <p:nvPr>
-            <p:ph idx="1"/>
-          </p:nvPr>
-        </p:nvSpPr>
-        <p:spPr>
-          <a:xfrm>
-            <a:off x="838200" y="1661157"/>
-            <a:ext cx="10515600" cy="5008584"/>
-          </a:xfrm>
-        </p:spPr>
-        <p:txBody>
-          <a:bodyPr>
-            <a:normAutofit/>
-          </a:bodyPr>
-          <a:lstStyle/>
-          <a:p>
-            <a:r>
-              <a:rPr kumimoji="1" lang="ja-JP" altLang="en-US" dirty="0"/>
-              <a:t>誕生</a:t>
-            </a:r>
-            <a:endParaRPr kumimoji="1" lang="en-US" altLang="ja-JP" dirty="0"/>
-          </a:p>
-          <a:p>
-            <a:pPr lvl="1"/>
-            <a:r>
-              <a:rPr kumimoji="1" lang="en-US" altLang="ja-JP" dirty="0"/>
-              <a:t>2013</a:t>
-            </a:r>
-            <a:r>
-              <a:rPr kumimoji="1" lang="ja-JP" altLang="en-US" dirty="0"/>
-              <a:t>年 </a:t>
-            </a:r>
-            <a:r>
-              <a:rPr kumimoji="1" lang="en-US" altLang="ja-JP" dirty="0"/>
-              <a:t>3</a:t>
-            </a:r>
-            <a:r>
-              <a:rPr kumimoji="1" lang="ja-JP" altLang="en-US" dirty="0"/>
-              <a:t>月 に登場</a:t>
-            </a:r>
-            <a:r>
-              <a:rPr kumimoji="1" lang="en-US" altLang="ja-JP" sz="2000" dirty="0"/>
-              <a:t>(10</a:t>
-            </a:r>
-            <a:r>
-              <a:rPr kumimoji="1" lang="ja-JP" altLang="en-US" sz="2000" dirty="0"/>
-              <a:t>年以上前！</a:t>
-            </a:r>
-            <a:r>
-              <a:rPr kumimoji="1" lang="en-US" altLang="ja-JP" sz="2000" dirty="0"/>
-              <a:t>)</a:t>
-            </a:r>
-            <a:endParaRPr kumimoji="1" lang="en-US" altLang="ja-JP" dirty="0"/>
-          </a:p>
-          <a:p>
-            <a:pPr lvl="1"/>
-            <a:endParaRPr kumimoji="1" lang="en-US" altLang="ja-JP" sz="1600" dirty="0"/>
-          </a:p>
-          <a:p>
-            <a:r>
-              <a:rPr kumimoji="1" lang="ja-JP" altLang="en-US" dirty="0"/>
-              <a:t>インフラ，</a:t>
-            </a:r>
-            <a:r>
-              <a:rPr kumimoji="1" lang="en-US" altLang="ja-JP" dirty="0"/>
-              <a:t>DevOps</a:t>
-            </a:r>
-            <a:r>
-              <a:rPr kumimoji="1" lang="ja-JP" altLang="en-US" dirty="0"/>
-              <a:t>で注目</a:t>
-            </a:r>
-            <a:endParaRPr kumimoji="1" lang="en-US" altLang="ja-JP" dirty="0"/>
-          </a:p>
-          <a:p>
-            <a:pPr lvl="1"/>
-            <a:r>
-              <a:rPr lang="ja-JP" altLang="en-US" b="1" dirty="0">
-                <a:solidFill>
-                  <a:srgbClr val="FF0000"/>
-                </a:solidFill>
-              </a:rPr>
-              <a:t>コンテナ型</a:t>
-            </a:r>
-            <a:r>
-              <a:rPr lang="ja-JP" altLang="en-US" dirty="0"/>
-              <a:t>仮想環境を作成，配布，実行するためのプラットフォーム</a:t>
-            </a:r>
-            <a:endParaRPr lang="en-US" altLang="ja-JP" dirty="0"/>
-          </a:p>
-          <a:p>
-            <a:pPr marL="457200" lvl="1" indent="0">
-              <a:buNone/>
-            </a:pPr>
-            <a:r>
-              <a:rPr kumimoji="1" lang="en-US" altLang="ja-JP" b="1" i="1" dirty="0"/>
-              <a:t>DevOps:</a:t>
-            </a:r>
-          </a:p>
-          <a:p>
-            <a:pPr lvl="2">
-              <a:buFont typeface="Wingdings" panose="05000000000000000000" pitchFamily="2" charset="2"/>
-              <a:buChar char="Ø"/>
-            </a:pPr>
-            <a:r>
-              <a:rPr kumimoji="1" lang="ja-JP" altLang="en-US" dirty="0"/>
-              <a:t>アイデアを開発から本番まで移行し，実際に価値提供するまでのプロセス</a:t>
-            </a:r>
-            <a:endParaRPr kumimoji="1" lang="en-US" altLang="ja-JP" dirty="0"/>
-          </a:p>
-          <a:p>
-            <a:pPr lvl="1"/>
-            <a:endParaRPr kumimoji="1" lang="en-US" altLang="ja-JP" sz="1600" dirty="0"/>
-          </a:p>
-          <a:p>
-            <a:r>
-              <a:rPr kumimoji="1" lang="en-US" altLang="ja-JP" dirty="0" err="1"/>
-              <a:t>IaC</a:t>
-            </a:r>
-            <a:r>
-              <a:rPr kumimoji="1" lang="en-US" altLang="ja-JP" sz="2400" dirty="0"/>
-              <a:t>(</a:t>
-            </a:r>
-            <a:r>
-              <a:rPr kumimoji="1" lang="en-US" altLang="ja-JP" sz="2400" dirty="0" err="1"/>
-              <a:t>Infrastracture</a:t>
-            </a:r>
-            <a:r>
-              <a:rPr kumimoji="1" lang="en-US" altLang="ja-JP" sz="2400" dirty="0"/>
-              <a:t> as Code)</a:t>
-            </a:r>
-          </a:p>
-          <a:p>
-            <a:pPr lvl="1"/>
-            <a:r>
-              <a:rPr lang="ja-JP" altLang="en-US" dirty="0"/>
-              <a:t>依存関係，ネットワーク構成等を</a:t>
-            </a:r>
-            <a:r>
-              <a:rPr lang="ja-JP" altLang="en-US" b="1" u="sng" dirty="0"/>
-              <a:t>コードとして管理</a:t>
-            </a:r>
-            <a:endParaRPr lang="en-US" altLang="ja-JP" b="1" u="sng" dirty="0"/>
-          </a:p>
-          <a:p>
-            <a:pPr lvl="2"/>
-            <a:r>
-              <a:rPr kumimoji="1" lang="ja-JP" altLang="en-US" dirty="0"/>
-              <a:t>手動の環境構築が不要</a:t>
-            </a:r>
-            <a:endParaRPr kumimoji="1" lang="en-US" altLang="ja-JP" dirty="0"/>
-          </a:p>
-          <a:p>
-            <a:pPr lvl="2"/>
-            <a:r>
-              <a:rPr kumimoji="1" lang="ja-JP" altLang="en-US" dirty="0"/>
-              <a:t>一貫性のある環境の</a:t>
-            </a:r>
-            <a:r>
-              <a:rPr kumimoji="1" lang="ja-JP" altLang="en-US" b="1" dirty="0"/>
-              <a:t>共有，再現，配布</a:t>
-            </a:r>
-            <a:r>
-              <a:rPr kumimoji="1" lang="ja-JP" altLang="en-US" dirty="0"/>
-              <a:t>が簡単</a:t>
-            </a:r>
-          </a:p>
-        </p:txBody>
-      </p:sp>
-      <p:sp>
-        <p:nvSpPr>
-          <p:cNvPr id="4" name="テキスト ボックス 3">
-            <a:extLst>
-              <a:ext uri="{FF2B5EF4-FFF2-40B4-BE49-F238E27FC236}">
-                <a16:creationId xmlns:a16="http://schemas.microsoft.com/office/drawing/2014/main" id="{DA317149-12A0-92F9-65EE-02DF436B7134}"/>
-              </a:ext>
-            </a:extLst>
-          </p:cNvPr>
-          <p:cNvSpPr txBox="1"/>
-          <p:nvPr/>
-        </p:nvSpPr>
-        <p:spPr>
-          <a:xfrm>
-            <a:off x="76200" y="85725"/>
-            <a:ext cx="3676650" cy="369332"/>
-          </a:xfrm>
-          <a:prstGeom prst="rect">
-            <a:avLst/>
-          </a:prstGeom>
-          <a:noFill/>
-        </p:spPr>
-        <p:txBody>
-          <a:bodyPr wrap="square" rtlCol="0">
-            <a:spAutoFit/>
-          </a:bodyPr>
-          <a:lstStyle/>
-          <a:p>
-            <a:r>
-              <a:rPr kumimoji="1" lang="en-US" altLang="ja-JP" dirty="0"/>
-              <a:t> </a:t>
-            </a:r>
-            <a:r>
-              <a:rPr lang="en-US" altLang="ja-JP" b="1" dirty="0">
-                <a:solidFill>
-                  <a:schemeClr val="tx1">
-                    <a:lumMod val="85000"/>
-                    <a:lumOff val="15000"/>
-                  </a:schemeClr>
-                </a:solidFill>
-              </a:rPr>
-              <a:t>2</a:t>
-            </a:r>
-            <a:r>
-              <a:rPr kumimoji="1" lang="en-US" altLang="ja-JP" b="1" dirty="0">
-                <a:solidFill>
-                  <a:schemeClr val="tx1">
-                    <a:lumMod val="85000"/>
-                    <a:lumOff val="15000"/>
-                  </a:schemeClr>
-                </a:solidFill>
-              </a:rPr>
-              <a:t>. Docker</a:t>
-            </a:r>
-            <a:r>
-              <a:rPr kumimoji="1" lang="ja-JP" altLang="en-US" b="1" dirty="0">
-                <a:solidFill>
-                  <a:schemeClr val="tx1">
-                    <a:lumMod val="85000"/>
-                    <a:lumOff val="15000"/>
-                  </a:schemeClr>
-                </a:solidFill>
-              </a:rPr>
-              <a:t>とは？</a:t>
-            </a:r>
-          </a:p>
-        </p:txBody>
-      </p:sp>
-      <p:sp>
-        <p:nvSpPr>
-          <p:cNvPr id="5" name="テキスト ボックス 4">
-            <a:extLst>
-              <a:ext uri="{FF2B5EF4-FFF2-40B4-BE49-F238E27FC236}">
-                <a16:creationId xmlns:a16="http://schemas.microsoft.com/office/drawing/2014/main" id="{E09A556A-475B-1445-E68E-AFDC24C2C342}"/>
-              </a:ext>
-            </a:extLst>
-          </p:cNvPr>
-          <p:cNvSpPr txBox="1"/>
-          <p:nvPr/>
-        </p:nvSpPr>
-        <p:spPr>
-          <a:xfrm>
-            <a:off x="0" y="6581001"/>
-            <a:ext cx="11439525" cy="276999"/>
-          </a:xfrm>
-          <a:prstGeom prst="rect">
-            <a:avLst/>
-          </a:prstGeom>
-          <a:noFill/>
-        </p:spPr>
-        <p:txBody>
-          <a:bodyPr wrap="square" rtlCol="0">
-            <a:spAutoFit/>
-          </a:bodyPr>
-          <a:lstStyle/>
-          <a:p>
-            <a:r>
-              <a:rPr kumimoji="1" lang="en-US" altLang="ja-JP" sz="1200" dirty="0"/>
-              <a:t>[x]</a:t>
-            </a:r>
-            <a:r>
-              <a:rPr lang="en-US" altLang="ja-JP" sz="1200" dirty="0"/>
-              <a:t>:</a:t>
-            </a:r>
-            <a:r>
-              <a:rPr lang="ja-JP" altLang="en-US" sz="1200" dirty="0"/>
-              <a:t> </a:t>
-            </a:r>
-            <a:r>
-              <a:rPr kumimoji="1" lang="en-US" altLang="ja-JP" sz="1200" dirty="0"/>
-              <a:t>docker, Use containers to Build, Share and Run your applications, </a:t>
-            </a:r>
-            <a:r>
-              <a:rPr kumimoji="1" lang="en-US" altLang="ja-JP" sz="1200" dirty="0">
-                <a:hlinkClick r:id="rId2"/>
-              </a:rPr>
-              <a:t>https://www.docker.com/resources/what-container/</a:t>
-            </a:r>
-            <a:r>
-              <a:rPr kumimoji="1" lang="en-US" altLang="ja-JP" sz="1200" dirty="0"/>
-              <a:t>, 2024/05/27</a:t>
-            </a:r>
-            <a:endParaRPr kumimoji="1" lang="ja-JP" altLang="en-US" sz="1200" dirty="0"/>
-          </a:p>
-        </p:txBody>
-      </p:sp>
-      <p:sp>
-        <p:nvSpPr>
-          <p:cNvPr id="6" name="スライド番号プレースホルダー 5">
-            <a:extLst>
-              <a:ext uri="{FF2B5EF4-FFF2-40B4-BE49-F238E27FC236}">
-                <a16:creationId xmlns:a16="http://schemas.microsoft.com/office/drawing/2014/main" id="{1EF441D7-D762-EA79-B75E-D8D5BC44EDFF}"/>
-              </a:ext>
-            </a:extLst>
-          </p:cNvPr>
-          <p:cNvSpPr>
-            <a:spLocks noGrp="1"/>
-          </p:cNvSpPr>
-          <p:nvPr>
-            <p:ph type="sldNum" sz="quarter" idx="12"/>
-          </p:nvPr>
-        </p:nvSpPr>
-        <p:spPr/>
-        <p:txBody>
-          <a:bodyPr/>
-          <a:lstStyle/>
-          <a:p>
-            <a:fld id="{09FDC953-F94B-4BF6-9058-77E5342884D4}" type="slidenum">
-              <a:rPr kumimoji="1" lang="ja-JP" altLang="en-US" smtClean="0"/>
-              <a:t>9</a:t>
-            </a:fld>
-            <a:endParaRPr kumimoji="1" lang="ja-JP" altLang="en-US" dirty="0"/>
-          </a:p>
-        </p:txBody>
-      </p:sp>
-    </p:spTree>
-    <p:extLst>
-      <p:ext uri="{BB962C8B-B14F-4D97-AF65-F5344CB8AC3E}">
-        <p14:creationId xmlns:p14="http://schemas.microsoft.com/office/powerpoint/2010/main" val="2867152499"/>
       </p:ext>
     </p:extLst>
   </p:cSld>
